--- a/general/Images.pptx
+++ b/general/Images.pptx
@@ -6,6 +6,7 @@
   </p:sldMasterIdLst>
   <p:sldIdLst>
     <p:sldId id="256" r:id="rId2"/>
+    <p:sldId id="257" r:id="rId3"/>
   </p:sldIdLst>
   <p:sldSz cx="12192000" cy="6858000"/>
   <p:notesSz cx="6858000" cy="9144000"/>
@@ -104,6 +105,11 @@
       </a:defRPr>
     </a:lvl9pPr>
   </p:defaultTextStyle>
+  <p:extLst>
+    <p:ext uri="{EFAFB233-063F-42B5-8137-9DF3F51BA10A}">
+      <p15:sldGuideLst xmlns:p15="http://schemas.microsoft.com/office/powerpoint/2012/main"/>
+    </p:ext>
+  </p:extLst>
 </p:presentation>
 </file>
 
@@ -254,7 +260,7 @@
           <a:p>
             <a:fld id="{EEAF73AA-7651-4CF2-A5D8-7E714E2EA7AF}" type="datetimeFigureOut">
               <a:rPr lang="en-US" smtClean="0"/>
-              <a:t>12/20/2019</a:t>
+              <a:t>07-Jan-20</a:t>
             </a:fld>
             <a:endParaRPr lang="en-US"/>
           </a:p>
@@ -452,7 +458,7 @@
           <a:p>
             <a:fld id="{EEAF73AA-7651-4CF2-A5D8-7E714E2EA7AF}" type="datetimeFigureOut">
               <a:rPr lang="en-US" smtClean="0"/>
-              <a:t>12/20/2019</a:t>
+              <a:t>07-Jan-20</a:t>
             </a:fld>
             <a:endParaRPr lang="en-US"/>
           </a:p>
@@ -660,7 +666,7 @@
           <a:p>
             <a:fld id="{EEAF73AA-7651-4CF2-A5D8-7E714E2EA7AF}" type="datetimeFigureOut">
               <a:rPr lang="en-US" smtClean="0"/>
-              <a:t>12/20/2019</a:t>
+              <a:t>07-Jan-20</a:t>
             </a:fld>
             <a:endParaRPr lang="en-US"/>
           </a:p>
@@ -858,7 +864,7 @@
           <a:p>
             <a:fld id="{EEAF73AA-7651-4CF2-A5D8-7E714E2EA7AF}" type="datetimeFigureOut">
               <a:rPr lang="en-US" smtClean="0"/>
-              <a:t>12/20/2019</a:t>
+              <a:t>07-Jan-20</a:t>
             </a:fld>
             <a:endParaRPr lang="en-US"/>
           </a:p>
@@ -1133,7 +1139,7 @@
           <a:p>
             <a:fld id="{EEAF73AA-7651-4CF2-A5D8-7E714E2EA7AF}" type="datetimeFigureOut">
               <a:rPr lang="en-US" smtClean="0"/>
-              <a:t>12/20/2019</a:t>
+              <a:t>07-Jan-20</a:t>
             </a:fld>
             <a:endParaRPr lang="en-US"/>
           </a:p>
@@ -1398,7 +1404,7 @@
           <a:p>
             <a:fld id="{EEAF73AA-7651-4CF2-A5D8-7E714E2EA7AF}" type="datetimeFigureOut">
               <a:rPr lang="en-US" smtClean="0"/>
-              <a:t>12/20/2019</a:t>
+              <a:t>07-Jan-20</a:t>
             </a:fld>
             <a:endParaRPr lang="en-US"/>
           </a:p>
@@ -1810,7 +1816,7 @@
           <a:p>
             <a:fld id="{EEAF73AA-7651-4CF2-A5D8-7E714E2EA7AF}" type="datetimeFigureOut">
               <a:rPr lang="en-US" smtClean="0"/>
-              <a:t>12/20/2019</a:t>
+              <a:t>07-Jan-20</a:t>
             </a:fld>
             <a:endParaRPr lang="en-US"/>
           </a:p>
@@ -1951,7 +1957,7 @@
           <a:p>
             <a:fld id="{EEAF73AA-7651-4CF2-A5D8-7E714E2EA7AF}" type="datetimeFigureOut">
               <a:rPr lang="en-US" smtClean="0"/>
-              <a:t>12/20/2019</a:t>
+              <a:t>07-Jan-20</a:t>
             </a:fld>
             <a:endParaRPr lang="en-US"/>
           </a:p>
@@ -2064,7 +2070,7 @@
           <a:p>
             <a:fld id="{EEAF73AA-7651-4CF2-A5D8-7E714E2EA7AF}" type="datetimeFigureOut">
               <a:rPr lang="en-US" smtClean="0"/>
-              <a:t>12/20/2019</a:t>
+              <a:t>07-Jan-20</a:t>
             </a:fld>
             <a:endParaRPr lang="en-US"/>
           </a:p>
@@ -2375,7 +2381,7 @@
           <a:p>
             <a:fld id="{EEAF73AA-7651-4CF2-A5D8-7E714E2EA7AF}" type="datetimeFigureOut">
               <a:rPr lang="en-US" smtClean="0"/>
-              <a:t>12/20/2019</a:t>
+              <a:t>07-Jan-20</a:t>
             </a:fld>
             <a:endParaRPr lang="en-US"/>
           </a:p>
@@ -2663,7 +2669,7 @@
           <a:p>
             <a:fld id="{EEAF73AA-7651-4CF2-A5D8-7E714E2EA7AF}" type="datetimeFigureOut">
               <a:rPr lang="en-US" smtClean="0"/>
-              <a:t>12/20/2019</a:t>
+              <a:t>07-Jan-20</a:t>
             </a:fld>
             <a:endParaRPr lang="en-US"/>
           </a:p>
@@ -2904,7 +2910,7 @@
           <a:p>
             <a:fld id="{EEAF73AA-7651-4CF2-A5D8-7E714E2EA7AF}" type="datetimeFigureOut">
               <a:rPr lang="en-US" smtClean="0"/>
-              <a:t>12/20/2019</a:t>
+              <a:t>07-Jan-20</a:t>
             </a:fld>
             <a:endParaRPr lang="en-US"/>
           </a:p>
@@ -3656,6 +3662,1079 @@
 </p:sld>
 </file>
 
+<file path=ppt/slides/slide2.xml><?xml version="1.0" encoding="utf-8"?>
+<p:sld xmlns:a="http://schemas.openxmlformats.org/drawingml/2006/main" xmlns:r="http://schemas.openxmlformats.org/officeDocument/2006/relationships" xmlns:p="http://schemas.openxmlformats.org/presentationml/2006/main">
+  <p:cSld>
+    <p:spTree>
+      <p:nvGrpSpPr>
+        <p:cNvPr id="1" name=""/>
+        <p:cNvGrpSpPr/>
+        <p:nvPr/>
+      </p:nvGrpSpPr>
+      <p:grpSpPr>
+        <a:xfrm>
+          <a:off x="0" y="0"/>
+          <a:ext cx="0" cy="0"/>
+          <a:chOff x="0" y="0"/>
+          <a:chExt cx="0" cy="0"/>
+        </a:xfrm>
+      </p:grpSpPr>
+      <p:grpSp>
+        <p:nvGrpSpPr>
+          <p:cNvPr id="49" name="Group 48">
+            <a:extLst>
+              <a:ext uri="{FF2B5EF4-FFF2-40B4-BE49-F238E27FC236}">
+                <a16:creationId xmlns:a16="http://schemas.microsoft.com/office/drawing/2014/main" id="{5D100D24-2491-4932-913D-2256E08BF84D}"/>
+              </a:ext>
+            </a:extLst>
+          </p:cNvPr>
+          <p:cNvGrpSpPr/>
+          <p:nvPr/>
+        </p:nvGrpSpPr>
+        <p:grpSpPr>
+          <a:xfrm>
+            <a:off x="839141" y="278933"/>
+            <a:ext cx="10529339" cy="6417579"/>
+            <a:chOff x="839141" y="278933"/>
+            <a:chExt cx="10529339" cy="6417579"/>
+          </a:xfrm>
+        </p:grpSpPr>
+        <p:sp>
+          <p:nvSpPr>
+            <p:cNvPr id="5" name="Rectangle 4">
+              <a:extLst>
+                <a:ext uri="{FF2B5EF4-FFF2-40B4-BE49-F238E27FC236}">
+                  <a16:creationId xmlns:a16="http://schemas.microsoft.com/office/drawing/2014/main" id="{F64D97E5-5EB2-447C-A645-EFB94987A8C4}"/>
+                </a:ext>
+              </a:extLst>
+            </p:cNvPr>
+            <p:cNvSpPr/>
+            <p:nvPr/>
+          </p:nvSpPr>
+          <p:spPr>
+            <a:xfrm>
+              <a:off x="839141" y="5685441"/>
+              <a:ext cx="10469975" cy="1011071"/>
+            </a:xfrm>
+            <a:prstGeom prst="rect">
+              <a:avLst/>
+            </a:prstGeom>
+            <a:solidFill>
+              <a:schemeClr val="accent1">
+                <a:lumMod val="60000"/>
+                <a:lumOff val="40000"/>
+              </a:schemeClr>
+            </a:solidFill>
+          </p:spPr>
+          <p:style>
+            <a:lnRef idx="2">
+              <a:schemeClr val="accent1">
+                <a:shade val="50000"/>
+              </a:schemeClr>
+            </a:lnRef>
+            <a:fillRef idx="1">
+              <a:schemeClr val="accent1"/>
+            </a:fillRef>
+            <a:effectRef idx="0">
+              <a:schemeClr val="accent1"/>
+            </a:effectRef>
+            <a:fontRef idx="minor">
+              <a:schemeClr val="lt1"/>
+            </a:fontRef>
+          </p:style>
+          <p:txBody>
+            <a:bodyPr rot="0" spcFirstLastPara="0" vert="horz" wrap="square" lIns="91440" tIns="45720" rIns="91440" bIns="45720" numCol="1" spcCol="0" rtlCol="0" fromWordArt="0" anchor="ctr" anchorCtr="0" forceAA="0" compatLnSpc="1">
+              <a:prstTxWarp prst="textNoShape">
+                <a:avLst/>
+              </a:prstTxWarp>
+              <a:noAutofit/>
+            </a:bodyPr>
+            <a:lstStyle/>
+            <a:p>
+              <a:pPr marL="0" marR="0" algn="ctr">
+                <a:lnSpc>
+                  <a:spcPct val="107000"/>
+                </a:lnSpc>
+                <a:spcBef>
+                  <a:spcPts val="0"/>
+                </a:spcBef>
+                <a:spcAft>
+                  <a:spcPts val="800"/>
+                </a:spcAft>
+              </a:pPr>
+              <a:r>
+                <a:rPr lang="en-US" sz="2800" dirty="0">
+                  <a:ln w="0"/>
+                  <a:solidFill>
+                    <a:schemeClr val="tx1"/>
+                  </a:solidFill>
+                  <a:effectLst>
+                    <a:outerShdw blurRad="38100" dist="19050" dir="2700000" algn="tl" rotWithShape="0">
+                      <a:schemeClr val="dk1">
+                        <a:alpha val="40000"/>
+                      </a:schemeClr>
+                    </a:outerShdw>
+                  </a:effectLst>
+                  <a:cs typeface="Arial" panose="020B0604020202020204" pitchFamily="34" charset="0"/>
+                </a:rPr>
+                <a:t>Simulator</a:t>
+              </a:r>
+            </a:p>
+          </p:txBody>
+        </p:sp>
+        <p:sp>
+          <p:nvSpPr>
+            <p:cNvPr id="15" name="Rectangle 14">
+              <a:extLst>
+                <a:ext uri="{FF2B5EF4-FFF2-40B4-BE49-F238E27FC236}">
+                  <a16:creationId xmlns:a16="http://schemas.microsoft.com/office/drawing/2014/main" id="{37905348-F976-46F9-BD14-F1C7BB25EA39}"/>
+                </a:ext>
+              </a:extLst>
+            </p:cNvPr>
+            <p:cNvSpPr/>
+            <p:nvPr/>
+          </p:nvSpPr>
+          <p:spPr>
+            <a:xfrm>
+              <a:off x="901630" y="278933"/>
+              <a:ext cx="10466850" cy="1011072"/>
+            </a:xfrm>
+            <a:prstGeom prst="rect">
+              <a:avLst/>
+            </a:prstGeom>
+            <a:solidFill>
+              <a:schemeClr val="accent1">
+                <a:lumMod val="60000"/>
+                <a:lumOff val="40000"/>
+              </a:schemeClr>
+            </a:solidFill>
+          </p:spPr>
+          <p:style>
+            <a:lnRef idx="2">
+              <a:schemeClr val="accent1">
+                <a:shade val="50000"/>
+              </a:schemeClr>
+            </a:lnRef>
+            <a:fillRef idx="1">
+              <a:schemeClr val="accent1"/>
+            </a:fillRef>
+            <a:effectRef idx="0">
+              <a:schemeClr val="accent1"/>
+            </a:effectRef>
+            <a:fontRef idx="minor">
+              <a:schemeClr val="lt1"/>
+            </a:fontRef>
+          </p:style>
+          <p:txBody>
+            <a:bodyPr rot="0" spcFirstLastPara="0" vert="horz" wrap="square" lIns="91440" tIns="45720" rIns="91440" bIns="45720" numCol="1" spcCol="0" rtlCol="0" fromWordArt="0" anchor="ctr" anchorCtr="0" forceAA="0" compatLnSpc="1">
+              <a:prstTxWarp prst="textNoShape">
+                <a:avLst/>
+              </a:prstTxWarp>
+              <a:noAutofit/>
+            </a:bodyPr>
+            <a:lstStyle/>
+            <a:p>
+              <a:pPr marL="0" marR="0" algn="ctr">
+                <a:lnSpc>
+                  <a:spcPct val="107000"/>
+                </a:lnSpc>
+                <a:spcBef>
+                  <a:spcPts val="0"/>
+                </a:spcBef>
+                <a:spcAft>
+                  <a:spcPts val="800"/>
+                </a:spcAft>
+              </a:pPr>
+              <a:r>
+                <a:rPr lang="en-US" sz="2800" dirty="0">
+                  <a:ln w="0"/>
+                  <a:solidFill>
+                    <a:schemeClr val="tx1"/>
+                  </a:solidFill>
+                  <a:effectLst>
+                    <a:outerShdw blurRad="38100" dist="19050" dir="2700000" algn="tl" rotWithShape="0">
+                      <a:schemeClr val="dk1">
+                        <a:alpha val="40000"/>
+                      </a:schemeClr>
+                    </a:outerShdw>
+                  </a:effectLst>
+                  <a:ea typeface="Calibri" panose="020F0502020204030204" pitchFamily="34" charset="0"/>
+                  <a:cs typeface="Arial" panose="020B0604020202020204" pitchFamily="34" charset="0"/>
+                </a:rPr>
+                <a:t>Optimization</a:t>
+              </a:r>
+              <a:endParaRPr lang="en-US" sz="1100" dirty="0">
+                <a:effectLst/>
+                <a:ea typeface="Calibri" panose="020F0502020204030204" pitchFamily="34" charset="0"/>
+                <a:cs typeface="Arial" panose="020B0604020202020204" pitchFamily="34" charset="0"/>
+              </a:endParaRPr>
+            </a:p>
+          </p:txBody>
+        </p:sp>
+        <p:grpSp>
+          <p:nvGrpSpPr>
+            <p:cNvPr id="48" name="Group 47">
+              <a:extLst>
+                <a:ext uri="{FF2B5EF4-FFF2-40B4-BE49-F238E27FC236}">
+                  <a16:creationId xmlns:a16="http://schemas.microsoft.com/office/drawing/2014/main" id="{D48A98E6-3965-4A0B-9E6C-0C798353E490}"/>
+                </a:ext>
+              </a:extLst>
+            </p:cNvPr>
+            <p:cNvGrpSpPr/>
+            <p:nvPr/>
+          </p:nvGrpSpPr>
+          <p:grpSpPr>
+            <a:xfrm>
+              <a:off x="870385" y="1201724"/>
+              <a:ext cx="10438730" cy="4779628"/>
+              <a:chOff x="870385" y="1201724"/>
+              <a:chExt cx="10438730" cy="4779628"/>
+            </a:xfrm>
+          </p:grpSpPr>
+          <p:grpSp>
+            <p:nvGrpSpPr>
+              <p:cNvPr id="31" name="Group 30">
+                <a:extLst>
+                  <a:ext uri="{FF2B5EF4-FFF2-40B4-BE49-F238E27FC236}">
+                    <a16:creationId xmlns:a16="http://schemas.microsoft.com/office/drawing/2014/main" id="{A38E5E00-2B87-4578-8803-8F9FD09BE7CC}"/>
+                  </a:ext>
+                </a:extLst>
+              </p:cNvPr>
+              <p:cNvGrpSpPr/>
+              <p:nvPr/>
+            </p:nvGrpSpPr>
+            <p:grpSpPr>
+              <a:xfrm>
+                <a:off x="8632276" y="1201724"/>
+                <a:ext cx="1025883" cy="2199559"/>
+                <a:chOff x="8632276" y="1201724"/>
+                <a:chExt cx="1025883" cy="2199559"/>
+              </a:xfrm>
+            </p:grpSpPr>
+            <p:cxnSp>
+              <p:nvCxnSpPr>
+                <p:cNvPr id="13" name="Straight Arrow Connector 12">
+                  <a:extLst>
+                    <a:ext uri="{FF2B5EF4-FFF2-40B4-BE49-F238E27FC236}">
+                      <a16:creationId xmlns:a16="http://schemas.microsoft.com/office/drawing/2014/main" id="{F4AFB0D9-A463-43DC-A003-DA8FCCBC041F}"/>
+                    </a:ext>
+                  </a:extLst>
+                </p:cNvPr>
+                <p:cNvCxnSpPr>
+                  <a:cxnSpLocks/>
+                </p:cNvCxnSpPr>
+                <p:nvPr/>
+              </p:nvCxnSpPr>
+              <p:spPr>
+                <a:xfrm flipV="1">
+                  <a:off x="9414876" y="1279606"/>
+                  <a:ext cx="0" cy="2094952"/>
+                </a:xfrm>
+                <a:prstGeom prst="straightConnector1">
+                  <a:avLst/>
+                </a:prstGeom>
+                <a:ln>
+                  <a:tailEnd type="triangle"/>
+                </a:ln>
+              </p:spPr>
+              <p:style>
+                <a:lnRef idx="1">
+                  <a:schemeClr val="dk1"/>
+                </a:lnRef>
+                <a:fillRef idx="0">
+                  <a:schemeClr val="dk1"/>
+                </a:fillRef>
+                <a:effectRef idx="0">
+                  <a:schemeClr val="dk1"/>
+                </a:effectRef>
+                <a:fontRef idx="minor">
+                  <a:schemeClr val="tx1"/>
+                </a:fontRef>
+              </p:style>
+            </p:cxnSp>
+            <p:sp>
+              <p:nvSpPr>
+                <p:cNvPr id="17" name="Text Box 2">
+                  <a:extLst>
+                    <a:ext uri="{FF2B5EF4-FFF2-40B4-BE49-F238E27FC236}">
+                      <a16:creationId xmlns:a16="http://schemas.microsoft.com/office/drawing/2014/main" id="{6C16786D-D468-4F83-8705-3ECC25762E38}"/>
+                    </a:ext>
+                  </a:extLst>
+                </p:cNvPr>
+                <p:cNvSpPr txBox="1">
+                  <a:spLocks noChangeArrowheads="1"/>
+                </p:cNvSpPr>
+                <p:nvPr/>
+              </p:nvSpPr>
+              <p:spPr bwMode="auto">
+                <a:xfrm rot="16200000">
+                  <a:off x="8045438" y="1788562"/>
+                  <a:ext cx="2199559" cy="1025883"/>
+                </a:xfrm>
+                <a:prstGeom prst="rect">
+                  <a:avLst/>
+                </a:prstGeom>
+                <a:noFill/>
+                <a:ln w="9525">
+                  <a:noFill/>
+                  <a:miter lim="800000"/>
+                  <a:headEnd/>
+                  <a:tailEnd/>
+                </a:ln>
+              </p:spPr>
+              <p:txBody>
+                <a:bodyPr rot="0" vert="horz" wrap="square" lIns="91440" tIns="45720" rIns="91440" bIns="45720" anchor="t" anchorCtr="0">
+                  <a:noAutofit/>
+                </a:bodyPr>
+                <a:lstStyle/>
+                <a:p>
+                  <a:pPr marR="0" lvl="0" rtl="0">
+                    <a:lnSpc>
+                      <a:spcPct val="107000"/>
+                    </a:lnSpc>
+                    <a:spcBef>
+                      <a:spcPts val="0"/>
+                    </a:spcBef>
+                    <a:spcAft>
+                      <a:spcPts val="0"/>
+                    </a:spcAft>
+                  </a:pPr>
+                  <a:r>
+                    <a:rPr lang="en-US" sz="1400" dirty="0">
+                      <a:effectLst/>
+                      <a:latin typeface="Calibri" panose="020F0502020204030204" pitchFamily="34" charset="0"/>
+                      <a:ea typeface="Calibri" panose="020F0502020204030204" pitchFamily="34" charset="0"/>
+                      <a:cs typeface="Arial" panose="020B0604020202020204" pitchFamily="34" charset="0"/>
+                    </a:rPr>
+                    <a:t>* Manipulability Index</a:t>
+                  </a:r>
+                </a:p>
+                <a:p>
+                  <a:pPr marR="0" lvl="0">
+                    <a:lnSpc>
+                      <a:spcPct val="107000"/>
+                    </a:lnSpc>
+                    <a:spcBef>
+                      <a:spcPts val="0"/>
+                    </a:spcBef>
+                    <a:spcAft>
+                      <a:spcPts val="0"/>
+                    </a:spcAft>
+                  </a:pPr>
+                  <a:r>
+                    <a:rPr lang="en-US" sz="1400" dirty="0">
+                      <a:effectLst/>
+                      <a:latin typeface="Calibri" panose="020F0502020204030204" pitchFamily="34" charset="0"/>
+                      <a:ea typeface="Calibri" panose="020F0502020204030204" pitchFamily="34" charset="0"/>
+                      <a:cs typeface="Arial" panose="020B0604020202020204" pitchFamily="34" charset="0"/>
+                    </a:rPr>
+                    <a:t>* Mid Proximity Joint Index</a:t>
+                  </a:r>
+                </a:p>
+                <a:p>
+                  <a:pPr marR="0" lvl="0">
+                    <a:lnSpc>
+                      <a:spcPct val="107000"/>
+                    </a:lnSpc>
+                    <a:spcBef>
+                      <a:spcPts val="0"/>
+                    </a:spcBef>
+                    <a:spcAft>
+                      <a:spcPts val="0"/>
+                    </a:spcAft>
+                  </a:pPr>
+                  <a:r>
+                    <a:rPr lang="en-US" sz="1400" dirty="0">
+                      <a:effectLst/>
+                      <a:latin typeface="Calibri" panose="020F0502020204030204" pitchFamily="34" charset="0"/>
+                      <a:ea typeface="Calibri" panose="020F0502020204030204" pitchFamily="34" charset="0"/>
+                      <a:cs typeface="Arial" panose="020B0604020202020204" pitchFamily="34" charset="0"/>
+                    </a:rPr>
+                    <a:t>* DOF</a:t>
+                  </a:r>
+                </a:p>
+              </p:txBody>
+            </p:sp>
+          </p:grpSp>
+          <p:grpSp>
+            <p:nvGrpSpPr>
+              <p:cNvPr id="28" name="Group 27">
+                <a:extLst>
+                  <a:ext uri="{FF2B5EF4-FFF2-40B4-BE49-F238E27FC236}">
+                    <a16:creationId xmlns:a16="http://schemas.microsoft.com/office/drawing/2014/main" id="{2F7B0A5E-E2C4-48EB-B989-D160B4BD8B4A}"/>
+                  </a:ext>
+                </a:extLst>
+              </p:cNvPr>
+              <p:cNvGrpSpPr/>
+              <p:nvPr/>
+            </p:nvGrpSpPr>
+            <p:grpSpPr>
+              <a:xfrm>
+                <a:off x="870385" y="3374558"/>
+                <a:ext cx="10438730" cy="1011071"/>
+                <a:chOff x="870385" y="3416503"/>
+                <a:chExt cx="10438730" cy="1011071"/>
+              </a:xfrm>
+            </p:grpSpPr>
+            <p:sp>
+              <p:nvSpPr>
+                <p:cNvPr id="11" name="Rectangle 10">
+                  <a:extLst>
+                    <a:ext uri="{FF2B5EF4-FFF2-40B4-BE49-F238E27FC236}">
+                      <a16:creationId xmlns:a16="http://schemas.microsoft.com/office/drawing/2014/main" id="{A4E742FF-E3C8-43CE-86F7-21D81981B2ED}"/>
+                    </a:ext>
+                  </a:extLst>
+                </p:cNvPr>
+                <p:cNvSpPr/>
+                <p:nvPr/>
+              </p:nvSpPr>
+              <p:spPr>
+                <a:xfrm>
+                  <a:off x="870385" y="3416503"/>
+                  <a:ext cx="10438730" cy="1011071"/>
+                </a:xfrm>
+                <a:prstGeom prst="rect">
+                  <a:avLst/>
+                </a:prstGeom>
+                <a:solidFill>
+                  <a:schemeClr val="accent1">
+                    <a:lumMod val="60000"/>
+                    <a:lumOff val="40000"/>
+                  </a:schemeClr>
+                </a:solidFill>
+              </p:spPr>
+              <p:style>
+                <a:lnRef idx="2">
+                  <a:schemeClr val="accent1">
+                    <a:shade val="50000"/>
+                  </a:schemeClr>
+                </a:lnRef>
+                <a:fillRef idx="1">
+                  <a:schemeClr val="accent1"/>
+                </a:fillRef>
+                <a:effectRef idx="0">
+                  <a:schemeClr val="accent1"/>
+                </a:effectRef>
+                <a:fontRef idx="minor">
+                  <a:schemeClr val="lt1"/>
+                </a:fontRef>
+              </p:style>
+              <p:txBody>
+                <a:bodyPr rot="0" spcFirstLastPara="0" vert="horz" wrap="square" lIns="91440" tIns="45720" rIns="91440" bIns="45720" numCol="1" spcCol="0" rtlCol="0" fromWordArt="0" anchor="ctr" anchorCtr="0" forceAA="0" compatLnSpc="1">
+                  <a:prstTxWarp prst="textNoShape">
+                    <a:avLst/>
+                  </a:prstTxWarp>
+                  <a:noAutofit/>
+                </a:bodyPr>
+                <a:lstStyle/>
+                <a:p>
+                  <a:pPr marL="0" marR="0" algn="ctr">
+                    <a:lnSpc>
+                      <a:spcPct val="107000"/>
+                    </a:lnSpc>
+                    <a:spcBef>
+                      <a:spcPts val="0"/>
+                    </a:spcBef>
+                    <a:spcAft>
+                      <a:spcPts val="800"/>
+                    </a:spcAft>
+                  </a:pPr>
+                  <a:r>
+                    <a:rPr lang="en-US" sz="2800" dirty="0">
+                      <a:ln w="0"/>
+                      <a:solidFill>
+                        <a:schemeClr val="tx1"/>
+                      </a:solidFill>
+                      <a:effectLst>
+                        <a:outerShdw blurRad="38100" dist="19050" dir="2700000" algn="tl" rotWithShape="0">
+                          <a:schemeClr val="dk1">
+                            <a:alpha val="40000"/>
+                          </a:schemeClr>
+                        </a:outerShdw>
+                      </a:effectLst>
+                      <a:cs typeface="Arial" panose="020B0604020202020204" pitchFamily="34" charset="0"/>
+                    </a:rPr>
+                    <a:t>Interface</a:t>
+                  </a:r>
+                </a:p>
+              </p:txBody>
+            </p:sp>
+            <p:sp>
+              <p:nvSpPr>
+                <p:cNvPr id="18" name="Rectangle: Rounded Corners 17">
+                  <a:extLst>
+                    <a:ext uri="{FF2B5EF4-FFF2-40B4-BE49-F238E27FC236}">
+                      <a16:creationId xmlns:a16="http://schemas.microsoft.com/office/drawing/2014/main" id="{2E03F871-B1FC-4B2D-A3F4-5050E1CA73C6}"/>
+                    </a:ext>
+                  </a:extLst>
+                </p:cNvPr>
+                <p:cNvSpPr/>
+                <p:nvPr/>
+              </p:nvSpPr>
+              <p:spPr>
+                <a:xfrm>
+                  <a:off x="1890351" y="3611645"/>
+                  <a:ext cx="1954635" cy="620785"/>
+                </a:xfrm>
+                <a:prstGeom prst="roundRect">
+                  <a:avLst/>
+                </a:prstGeom>
+              </p:spPr>
+              <p:style>
+                <a:lnRef idx="2">
+                  <a:schemeClr val="accent1">
+                    <a:shade val="50000"/>
+                  </a:schemeClr>
+                </a:lnRef>
+                <a:fillRef idx="1">
+                  <a:schemeClr val="accent1"/>
+                </a:fillRef>
+                <a:effectRef idx="0">
+                  <a:schemeClr val="accent1"/>
+                </a:effectRef>
+                <a:fontRef idx="minor">
+                  <a:schemeClr val="lt1"/>
+                </a:fontRef>
+              </p:style>
+              <p:txBody>
+                <a:bodyPr rtlCol="0" anchor="ctr"/>
+                <a:lstStyle/>
+                <a:p>
+                  <a:pPr algn="ctr"/>
+                  <a:r>
+                    <a:rPr lang="en-US" dirty="0"/>
+                    <a:t>Configuration Builder</a:t>
+                  </a:r>
+                </a:p>
+              </p:txBody>
+            </p:sp>
+            <p:sp>
+              <p:nvSpPr>
+                <p:cNvPr id="19" name="Rectangle: Rounded Corners 18">
+                  <a:extLst>
+                    <a:ext uri="{FF2B5EF4-FFF2-40B4-BE49-F238E27FC236}">
+                      <a16:creationId xmlns:a16="http://schemas.microsoft.com/office/drawing/2014/main" id="{1FE4C006-3224-4A86-94F7-10507B22FDDE}"/>
+                    </a:ext>
+                  </a:extLst>
+                </p:cNvPr>
+                <p:cNvSpPr/>
+                <p:nvPr/>
+              </p:nvSpPr>
+              <p:spPr>
+                <a:xfrm>
+                  <a:off x="8388995" y="3615430"/>
+                  <a:ext cx="1954635" cy="620785"/>
+                </a:xfrm>
+                <a:prstGeom prst="roundRect">
+                  <a:avLst/>
+                </a:prstGeom>
+              </p:spPr>
+              <p:style>
+                <a:lnRef idx="2">
+                  <a:schemeClr val="accent1">
+                    <a:shade val="50000"/>
+                  </a:schemeClr>
+                </a:lnRef>
+                <a:fillRef idx="1">
+                  <a:schemeClr val="accent1"/>
+                </a:fillRef>
+                <a:effectRef idx="0">
+                  <a:schemeClr val="accent1"/>
+                </a:effectRef>
+                <a:fontRef idx="minor">
+                  <a:schemeClr val="lt1"/>
+                </a:fontRef>
+              </p:style>
+              <p:txBody>
+                <a:bodyPr rtlCol="0" anchor="ctr"/>
+                <a:lstStyle/>
+                <a:p>
+                  <a:pPr algn="ctr"/>
+                  <a:r>
+                    <a:rPr lang="en-US" dirty="0"/>
+                    <a:t>Indices Calculator</a:t>
+                  </a:r>
+                </a:p>
+              </p:txBody>
+            </p:sp>
+          </p:grpSp>
+          <p:grpSp>
+            <p:nvGrpSpPr>
+              <p:cNvPr id="33" name="Group 32">
+                <a:extLst>
+                  <a:ext uri="{FF2B5EF4-FFF2-40B4-BE49-F238E27FC236}">
+                    <a16:creationId xmlns:a16="http://schemas.microsoft.com/office/drawing/2014/main" id="{27C4E989-5570-4F81-85CA-22074A02DC0A}"/>
+                  </a:ext>
+                </a:extLst>
+              </p:cNvPr>
+              <p:cNvGrpSpPr/>
+              <p:nvPr/>
+            </p:nvGrpSpPr>
+            <p:grpSpPr>
+              <a:xfrm>
+                <a:off x="8557626" y="4237321"/>
+                <a:ext cx="1025883" cy="1544789"/>
+                <a:chOff x="8640666" y="1323453"/>
+                <a:chExt cx="1025883" cy="2077829"/>
+              </a:xfrm>
+            </p:grpSpPr>
+            <p:cxnSp>
+              <p:nvCxnSpPr>
+                <p:cNvPr id="34" name="Straight Arrow Connector 33">
+                  <a:extLst>
+                    <a:ext uri="{FF2B5EF4-FFF2-40B4-BE49-F238E27FC236}">
+                      <a16:creationId xmlns:a16="http://schemas.microsoft.com/office/drawing/2014/main" id="{63248014-94CF-4B30-AE35-9ABB36AA0AFB}"/>
+                    </a:ext>
+                  </a:extLst>
+                </p:cNvPr>
+                <p:cNvCxnSpPr>
+                  <a:cxnSpLocks/>
+                </p:cNvCxnSpPr>
+                <p:nvPr/>
+              </p:nvCxnSpPr>
+              <p:spPr>
+                <a:xfrm flipV="1">
+                  <a:off x="9449353" y="1463004"/>
+                  <a:ext cx="0" cy="1808254"/>
+                </a:xfrm>
+                <a:prstGeom prst="straightConnector1">
+                  <a:avLst/>
+                </a:prstGeom>
+                <a:ln>
+                  <a:tailEnd type="triangle"/>
+                </a:ln>
+              </p:spPr>
+              <p:style>
+                <a:lnRef idx="1">
+                  <a:schemeClr val="dk1"/>
+                </a:lnRef>
+                <a:fillRef idx="0">
+                  <a:schemeClr val="dk1"/>
+                </a:fillRef>
+                <a:effectRef idx="0">
+                  <a:schemeClr val="dk1"/>
+                </a:effectRef>
+                <a:fontRef idx="minor">
+                  <a:schemeClr val="tx1"/>
+                </a:fontRef>
+              </p:style>
+            </p:cxnSp>
+            <p:sp>
+              <p:nvSpPr>
+                <p:cNvPr id="35" name="Text Box 2">
+                  <a:extLst>
+                    <a:ext uri="{FF2B5EF4-FFF2-40B4-BE49-F238E27FC236}">
+                      <a16:creationId xmlns:a16="http://schemas.microsoft.com/office/drawing/2014/main" id="{C8A8DB6B-CAF5-46E1-A42B-60BBB52C0EB3}"/>
+                    </a:ext>
+                  </a:extLst>
+                </p:cNvPr>
+                <p:cNvSpPr txBox="1">
+                  <a:spLocks noChangeArrowheads="1"/>
+                </p:cNvSpPr>
+                <p:nvPr/>
+              </p:nvSpPr>
+              <p:spPr bwMode="auto">
+                <a:xfrm rot="16200000">
+                  <a:off x="8114693" y="1849426"/>
+                  <a:ext cx="2077829" cy="1025883"/>
+                </a:xfrm>
+                <a:prstGeom prst="rect">
+                  <a:avLst/>
+                </a:prstGeom>
+                <a:noFill/>
+                <a:ln w="9525">
+                  <a:noFill/>
+                  <a:miter lim="800000"/>
+                  <a:headEnd/>
+                  <a:tailEnd/>
+                </a:ln>
+              </p:spPr>
+              <p:txBody>
+                <a:bodyPr rot="0" vert="horz" wrap="square" lIns="91440" tIns="45720" rIns="91440" bIns="45720" anchor="t" anchorCtr="0">
+                  <a:noAutofit/>
+                </a:bodyPr>
+                <a:lstStyle/>
+                <a:p>
+                  <a:pPr lvl="0">
+                    <a:lnSpc>
+                      <a:spcPct val="107000"/>
+                    </a:lnSpc>
+                  </a:pPr>
+                  <a:r>
+                    <a:rPr lang="en-US" sz="1400" dirty="0">
+                      <a:latin typeface="Calibri" panose="020F0502020204030204" pitchFamily="34" charset="0"/>
+                      <a:ea typeface="Calibri" panose="020F0502020204030204" pitchFamily="34" charset="0"/>
+                      <a:cs typeface="Arial" panose="020B0604020202020204" pitchFamily="34" charset="0"/>
+                    </a:rPr>
+                    <a:t>* Success</a:t>
+                  </a:r>
+                </a:p>
+                <a:p>
+                  <a:pPr marR="0" lvl="0">
+                    <a:lnSpc>
+                      <a:spcPct val="107000"/>
+                    </a:lnSpc>
+                    <a:spcBef>
+                      <a:spcPts val="0"/>
+                    </a:spcBef>
+                    <a:spcAft>
+                      <a:spcPts val="0"/>
+                    </a:spcAft>
+                  </a:pPr>
+                  <a:r>
+                    <a:rPr lang="en-US" sz="1400" dirty="0">
+                      <a:latin typeface="Calibri" panose="020F0502020204030204" pitchFamily="34" charset="0"/>
+                      <a:ea typeface="Calibri" panose="020F0502020204030204" pitchFamily="34" charset="0"/>
+                      <a:cs typeface="Arial" panose="020B0604020202020204" pitchFamily="34" charset="0"/>
+                    </a:rPr>
+                    <a:t>* Current Position</a:t>
+                  </a:r>
+                </a:p>
+                <a:p>
+                  <a:pPr marR="0" lvl="0">
+                    <a:lnSpc>
+                      <a:spcPct val="107000"/>
+                    </a:lnSpc>
+                    <a:spcBef>
+                      <a:spcPts val="0"/>
+                    </a:spcBef>
+                    <a:spcAft>
+                      <a:spcPts val="0"/>
+                    </a:spcAft>
+                  </a:pPr>
+                  <a:r>
+                    <a:rPr lang="en-US" sz="1400" dirty="0">
+                      <a:latin typeface="Calibri" panose="020F0502020204030204" pitchFamily="34" charset="0"/>
+                      <a:ea typeface="Calibri" panose="020F0502020204030204" pitchFamily="34" charset="0"/>
+                      <a:cs typeface="Arial" panose="020B0604020202020204" pitchFamily="34" charset="0"/>
+                    </a:rPr>
+                    <a:t>* Jacobian</a:t>
+                  </a:r>
+                </a:p>
+                <a:p>
+                  <a:pPr marR="0" lvl="0" rtl="0">
+                    <a:lnSpc>
+                      <a:spcPct val="107000"/>
+                    </a:lnSpc>
+                    <a:spcBef>
+                      <a:spcPts val="0"/>
+                    </a:spcBef>
+                    <a:spcAft>
+                      <a:spcPts val="0"/>
+                    </a:spcAft>
+                  </a:pPr>
+                  <a:endParaRPr lang="en-US" sz="1400" dirty="0">
+                    <a:effectLst/>
+                    <a:latin typeface="Calibri" panose="020F0502020204030204" pitchFamily="34" charset="0"/>
+                    <a:ea typeface="Calibri" panose="020F0502020204030204" pitchFamily="34" charset="0"/>
+                    <a:cs typeface="Arial" panose="020B0604020202020204" pitchFamily="34" charset="0"/>
+                  </a:endParaRPr>
+                </a:p>
+              </p:txBody>
+            </p:sp>
+          </p:grpSp>
+          <p:grpSp>
+            <p:nvGrpSpPr>
+              <p:cNvPr id="40" name="Group 39">
+                <a:extLst>
+                  <a:ext uri="{FF2B5EF4-FFF2-40B4-BE49-F238E27FC236}">
+                    <a16:creationId xmlns:a16="http://schemas.microsoft.com/office/drawing/2014/main" id="{09073613-F3CF-4CA7-967C-B19966AE0D1D}"/>
+                  </a:ext>
+                </a:extLst>
+              </p:cNvPr>
+              <p:cNvGrpSpPr/>
+              <p:nvPr/>
+            </p:nvGrpSpPr>
+            <p:grpSpPr>
+              <a:xfrm rot="10800000">
+                <a:off x="2545199" y="1274422"/>
+                <a:ext cx="1025883" cy="2154578"/>
+                <a:chOff x="8632276" y="1246705"/>
+                <a:chExt cx="1025883" cy="2154578"/>
+              </a:xfrm>
+            </p:grpSpPr>
+            <p:cxnSp>
+              <p:nvCxnSpPr>
+                <p:cNvPr id="41" name="Straight Arrow Connector 40">
+                  <a:extLst>
+                    <a:ext uri="{FF2B5EF4-FFF2-40B4-BE49-F238E27FC236}">
+                      <a16:creationId xmlns:a16="http://schemas.microsoft.com/office/drawing/2014/main" id="{2CC2B9AB-92F5-4E7A-84B4-ACAB6E0DEB2D}"/>
+                    </a:ext>
+                  </a:extLst>
+                </p:cNvPr>
+                <p:cNvCxnSpPr>
+                  <a:cxnSpLocks/>
+                </p:cNvCxnSpPr>
+                <p:nvPr/>
+              </p:nvCxnSpPr>
+              <p:spPr>
+                <a:xfrm flipV="1">
+                  <a:off x="9414876" y="1279606"/>
+                  <a:ext cx="0" cy="2094952"/>
+                </a:xfrm>
+                <a:prstGeom prst="straightConnector1">
+                  <a:avLst/>
+                </a:prstGeom>
+                <a:ln>
+                  <a:tailEnd type="triangle"/>
+                </a:ln>
+              </p:spPr>
+              <p:style>
+                <a:lnRef idx="1">
+                  <a:schemeClr val="dk1"/>
+                </a:lnRef>
+                <a:fillRef idx="0">
+                  <a:schemeClr val="dk1"/>
+                </a:fillRef>
+                <a:effectRef idx="0">
+                  <a:schemeClr val="dk1"/>
+                </a:effectRef>
+                <a:fontRef idx="minor">
+                  <a:schemeClr val="tx1"/>
+                </a:fontRef>
+              </p:style>
+            </p:cxnSp>
+            <p:sp>
+              <p:nvSpPr>
+                <p:cNvPr id="42" name="Text Box 2">
+                  <a:extLst>
+                    <a:ext uri="{FF2B5EF4-FFF2-40B4-BE49-F238E27FC236}">
+                      <a16:creationId xmlns:a16="http://schemas.microsoft.com/office/drawing/2014/main" id="{9371A41C-A159-448B-931B-8AD6380AF955}"/>
+                    </a:ext>
+                  </a:extLst>
+                </p:cNvPr>
+                <p:cNvSpPr txBox="1">
+                  <a:spLocks noChangeArrowheads="1"/>
+                </p:cNvSpPr>
+                <p:nvPr/>
+              </p:nvSpPr>
+              <p:spPr bwMode="auto">
+                <a:xfrm rot="16200000">
+                  <a:off x="8067929" y="1811052"/>
+                  <a:ext cx="2154578" cy="1025883"/>
+                </a:xfrm>
+                <a:prstGeom prst="rect">
+                  <a:avLst/>
+                </a:prstGeom>
+                <a:noFill/>
+                <a:ln w="9525">
+                  <a:noFill/>
+                  <a:miter lim="800000"/>
+                  <a:headEnd/>
+                  <a:tailEnd/>
+                </a:ln>
+              </p:spPr>
+              <p:txBody>
+                <a:bodyPr rot="0" vert="horz" wrap="square" lIns="91440" tIns="45720" rIns="91440" bIns="45720" anchor="t" anchorCtr="0">
+                  <a:noAutofit/>
+                </a:bodyPr>
+                <a:lstStyle/>
+                <a:p>
+                  <a:pPr>
+                    <a:lnSpc>
+                      <a:spcPct val="107000"/>
+                    </a:lnSpc>
+                  </a:pPr>
+                  <a:r>
+                    <a:rPr lang="en-US" sz="1400" dirty="0">
+                      <a:latin typeface="Calibri" panose="020F0502020204030204" pitchFamily="34" charset="0"/>
+                      <a:ea typeface="Calibri" panose="020F0502020204030204" pitchFamily="34" charset="0"/>
+                      <a:cs typeface="Arial" panose="020B0604020202020204" pitchFamily="34" charset="0"/>
+                    </a:rPr>
+                    <a:t>*Manipulator variables:</a:t>
+                  </a:r>
+                </a:p>
+                <a:p>
+                  <a:pPr>
+                    <a:lnSpc>
+                      <a:spcPct val="107000"/>
+                    </a:lnSpc>
+                  </a:pPr>
+                  <a:r>
+                    <a:rPr lang="en-US" sz="1400" dirty="0">
+                      <a:latin typeface="Calibri" panose="020F0502020204030204" pitchFamily="34" charset="0"/>
+                      <a:ea typeface="Calibri" panose="020F0502020204030204" pitchFamily="34" charset="0"/>
+                      <a:cs typeface="Arial" panose="020B0604020202020204" pitchFamily="34" charset="0"/>
+                    </a:rPr>
+                    <a:t>Joints Types, DOF, Length of Links, Joint Axis</a:t>
+                  </a:r>
+                </a:p>
+                <a:p>
+                  <a:pPr marR="0" lvl="0" rtl="0">
+                    <a:lnSpc>
+                      <a:spcPct val="107000"/>
+                    </a:lnSpc>
+                    <a:spcBef>
+                      <a:spcPts val="0"/>
+                    </a:spcBef>
+                    <a:spcAft>
+                      <a:spcPts val="0"/>
+                    </a:spcAft>
+                  </a:pPr>
+                  <a:endParaRPr lang="en-US" sz="1400" dirty="0">
+                    <a:effectLst/>
+                    <a:latin typeface="Calibri" panose="020F0502020204030204" pitchFamily="34" charset="0"/>
+                    <a:ea typeface="Calibri" panose="020F0502020204030204" pitchFamily="34" charset="0"/>
+                    <a:cs typeface="Arial" panose="020B0604020202020204" pitchFamily="34" charset="0"/>
+                  </a:endParaRPr>
+                </a:p>
+              </p:txBody>
+            </p:sp>
+          </p:grpSp>
+          <p:grpSp>
+            <p:nvGrpSpPr>
+              <p:cNvPr id="43" name="Group 42">
+                <a:extLst>
+                  <a:ext uri="{FF2B5EF4-FFF2-40B4-BE49-F238E27FC236}">
+                    <a16:creationId xmlns:a16="http://schemas.microsoft.com/office/drawing/2014/main" id="{EFDD3004-6CF4-4DE8-86DF-033BAFC7CB15}"/>
+                  </a:ext>
+                </a:extLst>
+              </p:cNvPr>
+              <p:cNvGrpSpPr/>
+              <p:nvPr/>
+            </p:nvGrpSpPr>
+            <p:grpSpPr>
+              <a:xfrm rot="10800000">
+                <a:off x="2754333" y="4341072"/>
+                <a:ext cx="332846" cy="1640280"/>
+                <a:chOff x="8934780" y="1761000"/>
+                <a:chExt cx="480096" cy="1640280"/>
+              </a:xfrm>
+            </p:grpSpPr>
+            <p:cxnSp>
+              <p:nvCxnSpPr>
+                <p:cNvPr id="44" name="Straight Arrow Connector 43">
+                  <a:extLst>
+                    <a:ext uri="{FF2B5EF4-FFF2-40B4-BE49-F238E27FC236}">
+                      <a16:creationId xmlns:a16="http://schemas.microsoft.com/office/drawing/2014/main" id="{6CDD4758-8BA6-453B-A0C0-AD00917C4ACA}"/>
+                    </a:ext>
+                  </a:extLst>
+                </p:cNvPr>
+                <p:cNvCxnSpPr>
+                  <a:cxnSpLocks/>
+                </p:cNvCxnSpPr>
+                <p:nvPr/>
+              </p:nvCxnSpPr>
+              <p:spPr>
+                <a:xfrm rot="10800000">
+                  <a:off x="9414876" y="2056911"/>
+                  <a:ext cx="0" cy="1317647"/>
+                </a:xfrm>
+                <a:prstGeom prst="straightConnector1">
+                  <a:avLst/>
+                </a:prstGeom>
+                <a:ln>
+                  <a:tailEnd type="triangle"/>
+                </a:ln>
+              </p:spPr>
+              <p:style>
+                <a:lnRef idx="1">
+                  <a:schemeClr val="dk1"/>
+                </a:lnRef>
+                <a:fillRef idx="0">
+                  <a:schemeClr val="dk1"/>
+                </a:fillRef>
+                <a:effectRef idx="0">
+                  <a:schemeClr val="dk1"/>
+                </a:effectRef>
+                <a:fontRef idx="minor">
+                  <a:schemeClr val="tx1"/>
+                </a:fontRef>
+              </p:style>
+            </p:cxnSp>
+            <p:sp>
+              <p:nvSpPr>
+                <p:cNvPr id="45" name="Text Box 2">
+                  <a:extLst>
+                    <a:ext uri="{FF2B5EF4-FFF2-40B4-BE49-F238E27FC236}">
+                      <a16:creationId xmlns:a16="http://schemas.microsoft.com/office/drawing/2014/main" id="{79BEAD2C-1938-4257-A6DC-AA244E494C67}"/>
+                    </a:ext>
+                  </a:extLst>
+                </p:cNvPr>
+                <p:cNvSpPr txBox="1">
+                  <a:spLocks noChangeArrowheads="1"/>
+                </p:cNvSpPr>
+                <p:nvPr/>
+              </p:nvSpPr>
+              <p:spPr bwMode="auto">
+                <a:xfrm rot="16200000">
+                  <a:off x="8314349" y="2381431"/>
+                  <a:ext cx="1640280" cy="399417"/>
+                </a:xfrm>
+                <a:prstGeom prst="rect">
+                  <a:avLst/>
+                </a:prstGeom>
+                <a:noFill/>
+                <a:ln w="9525">
+                  <a:noFill/>
+                  <a:miter lim="800000"/>
+                  <a:headEnd/>
+                  <a:tailEnd/>
+                </a:ln>
+              </p:spPr>
+              <p:txBody>
+                <a:bodyPr rot="0" vert="horz" wrap="square" lIns="91440" tIns="45720" rIns="91440" bIns="45720" anchor="t" anchorCtr="0">
+                  <a:noAutofit/>
+                </a:bodyPr>
+                <a:lstStyle/>
+                <a:p>
+                  <a:pPr marR="0">
+                    <a:lnSpc>
+                      <a:spcPct val="107000"/>
+                    </a:lnSpc>
+                    <a:spcBef>
+                      <a:spcPts val="0"/>
+                    </a:spcBef>
+                    <a:spcAft>
+                      <a:spcPts val="0"/>
+                    </a:spcAft>
+                  </a:pPr>
+                  <a:r>
+                    <a:rPr lang="en-US" sz="1400" dirty="0">
+                      <a:latin typeface="Calibri" panose="020F0502020204030204" pitchFamily="34" charset="0"/>
+                      <a:ea typeface="Calibri" panose="020F0502020204030204" pitchFamily="34" charset="0"/>
+                      <a:cs typeface="Arial" panose="020B0604020202020204" pitchFamily="34" charset="0"/>
+                    </a:rPr>
+                    <a:t>* Create URDF </a:t>
+                  </a:r>
+                </a:p>
+                <a:p>
+                  <a:pPr marR="0" lvl="0" rtl="0">
+                    <a:lnSpc>
+                      <a:spcPct val="107000"/>
+                    </a:lnSpc>
+                    <a:spcBef>
+                      <a:spcPts val="0"/>
+                    </a:spcBef>
+                    <a:spcAft>
+                      <a:spcPts val="0"/>
+                    </a:spcAft>
+                  </a:pPr>
+                  <a:endParaRPr lang="en-US" sz="1400" dirty="0">
+                    <a:effectLst/>
+                    <a:latin typeface="Calibri" panose="020F0502020204030204" pitchFamily="34" charset="0"/>
+                    <a:ea typeface="Calibri" panose="020F0502020204030204" pitchFamily="34" charset="0"/>
+                    <a:cs typeface="Arial" panose="020B0604020202020204" pitchFamily="34" charset="0"/>
+                  </a:endParaRPr>
+                </a:p>
+              </p:txBody>
+            </p:sp>
+          </p:grpSp>
+        </p:grpSp>
+      </p:grpSp>
+    </p:spTree>
+    <p:extLst>
+      <p:ext uri="{BB962C8B-B14F-4D97-AF65-F5344CB8AC3E}">
+        <p14:creationId xmlns:p14="http://schemas.microsoft.com/office/powerpoint/2010/main" val="3707537944"/>
+      </p:ext>
+    </p:extLst>
+  </p:cSld>
+  <p:clrMapOvr>
+    <a:masterClrMapping/>
+  </p:clrMapOvr>
+</p:sld>
+</file>
+
 <file path=ppt/theme/theme1.xml><?xml version="1.0" encoding="utf-8"?>
 <a:theme xmlns:a="http://schemas.openxmlformats.org/drawingml/2006/main" name="Office Theme">
   <a:themeElements>

--- a/general/Images.pptx
+++ b/general/Images.pptx
@@ -7,6 +7,7 @@
   <p:sldIdLst>
     <p:sldId id="256" r:id="rId2"/>
     <p:sldId id="257" r:id="rId3"/>
+    <p:sldId id="258" r:id="rId4"/>
   </p:sldIdLst>
   <p:sldSz cx="12192000" cy="6858000"/>
   <p:notesSz cx="6858000" cy="9144000"/>
@@ -260,7 +261,7 @@
           <a:p>
             <a:fld id="{EEAF73AA-7651-4CF2-A5D8-7E714E2EA7AF}" type="datetimeFigureOut">
               <a:rPr lang="en-US" smtClean="0"/>
-              <a:t>07-Jan-20</a:t>
+              <a:t>29-01-20</a:t>
             </a:fld>
             <a:endParaRPr lang="en-US"/>
           </a:p>
@@ -458,7 +459,7 @@
           <a:p>
             <a:fld id="{EEAF73AA-7651-4CF2-A5D8-7E714E2EA7AF}" type="datetimeFigureOut">
               <a:rPr lang="en-US" smtClean="0"/>
-              <a:t>07-Jan-20</a:t>
+              <a:t>29-01-20</a:t>
             </a:fld>
             <a:endParaRPr lang="en-US"/>
           </a:p>
@@ -666,7 +667,7 @@
           <a:p>
             <a:fld id="{EEAF73AA-7651-4CF2-A5D8-7E714E2EA7AF}" type="datetimeFigureOut">
               <a:rPr lang="en-US" smtClean="0"/>
-              <a:t>07-Jan-20</a:t>
+              <a:t>29-01-20</a:t>
             </a:fld>
             <a:endParaRPr lang="en-US"/>
           </a:p>
@@ -864,7 +865,7 @@
           <a:p>
             <a:fld id="{EEAF73AA-7651-4CF2-A5D8-7E714E2EA7AF}" type="datetimeFigureOut">
               <a:rPr lang="en-US" smtClean="0"/>
-              <a:t>07-Jan-20</a:t>
+              <a:t>29-01-20</a:t>
             </a:fld>
             <a:endParaRPr lang="en-US"/>
           </a:p>
@@ -1139,7 +1140,7 @@
           <a:p>
             <a:fld id="{EEAF73AA-7651-4CF2-A5D8-7E714E2EA7AF}" type="datetimeFigureOut">
               <a:rPr lang="en-US" smtClean="0"/>
-              <a:t>07-Jan-20</a:t>
+              <a:t>29-01-20</a:t>
             </a:fld>
             <a:endParaRPr lang="en-US"/>
           </a:p>
@@ -1404,7 +1405,7 @@
           <a:p>
             <a:fld id="{EEAF73AA-7651-4CF2-A5D8-7E714E2EA7AF}" type="datetimeFigureOut">
               <a:rPr lang="en-US" smtClean="0"/>
-              <a:t>07-Jan-20</a:t>
+              <a:t>29-01-20</a:t>
             </a:fld>
             <a:endParaRPr lang="en-US"/>
           </a:p>
@@ -1816,7 +1817,7 @@
           <a:p>
             <a:fld id="{EEAF73AA-7651-4CF2-A5D8-7E714E2EA7AF}" type="datetimeFigureOut">
               <a:rPr lang="en-US" smtClean="0"/>
-              <a:t>07-Jan-20</a:t>
+              <a:t>29-01-20</a:t>
             </a:fld>
             <a:endParaRPr lang="en-US"/>
           </a:p>
@@ -1957,7 +1958,7 @@
           <a:p>
             <a:fld id="{EEAF73AA-7651-4CF2-A5D8-7E714E2EA7AF}" type="datetimeFigureOut">
               <a:rPr lang="en-US" smtClean="0"/>
-              <a:t>07-Jan-20</a:t>
+              <a:t>29-01-20</a:t>
             </a:fld>
             <a:endParaRPr lang="en-US"/>
           </a:p>
@@ -2070,7 +2071,7 @@
           <a:p>
             <a:fld id="{EEAF73AA-7651-4CF2-A5D8-7E714E2EA7AF}" type="datetimeFigureOut">
               <a:rPr lang="en-US" smtClean="0"/>
-              <a:t>07-Jan-20</a:t>
+              <a:t>29-01-20</a:t>
             </a:fld>
             <a:endParaRPr lang="en-US"/>
           </a:p>
@@ -2381,7 +2382,7 @@
           <a:p>
             <a:fld id="{EEAF73AA-7651-4CF2-A5D8-7E714E2EA7AF}" type="datetimeFigureOut">
               <a:rPr lang="en-US" smtClean="0"/>
-              <a:t>07-Jan-20</a:t>
+              <a:t>29-01-20</a:t>
             </a:fld>
             <a:endParaRPr lang="en-US"/>
           </a:p>
@@ -2669,7 +2670,7 @@
           <a:p>
             <a:fld id="{EEAF73AA-7651-4CF2-A5D8-7E714E2EA7AF}" type="datetimeFigureOut">
               <a:rPr lang="en-US" smtClean="0"/>
-              <a:t>07-Jan-20</a:t>
+              <a:t>29-01-20</a:t>
             </a:fld>
             <a:endParaRPr lang="en-US"/>
           </a:p>
@@ -2910,7 +2911,7 @@
           <a:p>
             <a:fld id="{EEAF73AA-7651-4CF2-A5D8-7E714E2EA7AF}" type="datetimeFigureOut">
               <a:rPr lang="en-US" smtClean="0"/>
-              <a:t>07-Jan-20</a:t>
+              <a:t>29-01-20</a:t>
             </a:fld>
             <a:endParaRPr lang="en-US"/>
           </a:p>
@@ -4735,6 +4736,1420 @@
 </p:sld>
 </file>
 
+<file path=ppt/slides/slide3.xml><?xml version="1.0" encoding="utf-8"?>
+<p:sld xmlns:a="http://schemas.openxmlformats.org/drawingml/2006/main" xmlns:r="http://schemas.openxmlformats.org/officeDocument/2006/relationships" xmlns:p="http://schemas.openxmlformats.org/presentationml/2006/main">
+  <p:cSld>
+    <p:spTree>
+      <p:nvGrpSpPr>
+        <p:cNvPr id="1" name=""/>
+        <p:cNvGrpSpPr/>
+        <p:nvPr/>
+      </p:nvGrpSpPr>
+      <p:grpSpPr>
+        <a:xfrm>
+          <a:off x="0" y="0"/>
+          <a:ext cx="0" cy="0"/>
+          <a:chOff x="0" y="0"/>
+          <a:chExt cx="0" cy="0"/>
+        </a:xfrm>
+      </p:grpSpPr>
+      <p:sp>
+        <p:nvSpPr>
+          <p:cNvPr id="2" name="Title 1"/>
+          <p:cNvSpPr>
+            <a:spLocks noGrp="1"/>
+          </p:cNvSpPr>
+          <p:nvPr>
+            <p:ph type="title"/>
+          </p:nvPr>
+        </p:nvSpPr>
+        <p:spPr/>
+        <p:txBody>
+          <a:bodyPr/>
+          <a:lstStyle/>
+          <a:p>
+            <a:endParaRPr lang="en-US"/>
+          </a:p>
+        </p:txBody>
+      </p:sp>
+      <p:grpSp>
+        <p:nvGrpSpPr>
+          <p:cNvPr id="38" name="Group 37"/>
+          <p:cNvGrpSpPr/>
+          <p:nvPr/>
+        </p:nvGrpSpPr>
+        <p:grpSpPr>
+          <a:xfrm>
+            <a:off x="1207160" y="2415204"/>
+            <a:ext cx="3136714" cy="2204028"/>
+            <a:chOff x="1578635" y="2429491"/>
+            <a:chExt cx="3136714" cy="2204028"/>
+          </a:xfrm>
+        </p:grpSpPr>
+        <p:grpSp>
+          <p:nvGrpSpPr>
+            <p:cNvPr id="29" name="Group 28"/>
+            <p:cNvGrpSpPr/>
+            <p:nvPr/>
+          </p:nvGrpSpPr>
+          <p:grpSpPr>
+            <a:xfrm>
+              <a:off x="1578635" y="2429491"/>
+              <a:ext cx="2165127" cy="2204028"/>
+              <a:chOff x="1578635" y="2434253"/>
+              <a:chExt cx="2165127" cy="2204028"/>
+            </a:xfrm>
+          </p:grpSpPr>
+          <p:grpSp>
+            <p:nvGrpSpPr>
+              <p:cNvPr id="28" name="Group 27"/>
+              <p:cNvGrpSpPr/>
+              <p:nvPr/>
+            </p:nvGrpSpPr>
+            <p:grpSpPr>
+              <a:xfrm>
+                <a:off x="1578635" y="2434253"/>
+                <a:ext cx="1915059" cy="927668"/>
+                <a:chOff x="1578635" y="2434253"/>
+                <a:chExt cx="1915059" cy="927668"/>
+              </a:xfrm>
+            </p:grpSpPr>
+            <p:sp>
+              <p:nvSpPr>
+                <p:cNvPr id="4" name="Rectangle 3"/>
+                <p:cNvSpPr/>
+                <p:nvPr/>
+              </p:nvSpPr>
+              <p:spPr>
+                <a:xfrm>
+                  <a:off x="1578635" y="2809830"/>
+                  <a:ext cx="785004" cy="552091"/>
+                </a:xfrm>
+                <a:prstGeom prst="rect">
+                  <a:avLst/>
+                </a:prstGeom>
+              </p:spPr>
+              <p:style>
+                <a:lnRef idx="2">
+                  <a:schemeClr val="accent1"/>
+                </a:lnRef>
+                <a:fillRef idx="1">
+                  <a:schemeClr val="lt1"/>
+                </a:fillRef>
+                <a:effectRef idx="0">
+                  <a:schemeClr val="accent1"/>
+                </a:effectRef>
+                <a:fontRef idx="minor">
+                  <a:schemeClr val="dk1"/>
+                </a:fontRef>
+              </p:style>
+              <p:txBody>
+                <a:bodyPr rtlCol="0" anchor="ctr"/>
+                <a:lstStyle/>
+                <a:p>
+                  <a:pPr algn="ctr"/>
+                  <a:r>
+                    <a:rPr lang="en-US" dirty="0" smtClean="0"/>
+                    <a:t>1</a:t>
+                  </a:r>
+                  <a:endParaRPr lang="en-US" dirty="0"/>
+                </a:p>
+              </p:txBody>
+            </p:sp>
+            <p:sp>
+              <p:nvSpPr>
+                <p:cNvPr id="18" name="TextBox 17"/>
+                <p:cNvSpPr txBox="1"/>
+                <p:nvPr/>
+              </p:nvSpPr>
+              <p:spPr>
+                <a:xfrm>
+                  <a:off x="2695527" y="2434253"/>
+                  <a:ext cx="798167" cy="369332"/>
+                </a:xfrm>
+                <a:prstGeom prst="rect">
+                  <a:avLst/>
+                </a:prstGeom>
+                <a:noFill/>
+              </p:spPr>
+              <p:txBody>
+                <a:bodyPr wrap="none" rtlCol="0">
+                  <a:spAutoFit/>
+                </a:bodyPr>
+                <a:lstStyle/>
+                <a:p>
+                  <a:r>
+                    <a:rPr lang="en-US" dirty="0" smtClean="0"/>
+                    <a:t>Parent</a:t>
+                  </a:r>
+                  <a:endParaRPr lang="en-US" dirty="0"/>
+                </a:p>
+              </p:txBody>
+            </p:sp>
+          </p:grpSp>
+          <p:grpSp>
+            <p:nvGrpSpPr>
+              <p:cNvPr id="27" name="Group 26"/>
+              <p:cNvGrpSpPr/>
+              <p:nvPr/>
+            </p:nvGrpSpPr>
+            <p:grpSpPr>
+              <a:xfrm>
+                <a:off x="1583667" y="3722865"/>
+                <a:ext cx="2160095" cy="915416"/>
+                <a:chOff x="1583667" y="3722865"/>
+                <a:chExt cx="2160095" cy="915416"/>
+              </a:xfrm>
+            </p:grpSpPr>
+            <p:sp>
+              <p:nvSpPr>
+                <p:cNvPr id="14" name="Rectangle 13"/>
+                <p:cNvSpPr/>
+                <p:nvPr/>
+              </p:nvSpPr>
+              <p:spPr>
+                <a:xfrm>
+                  <a:off x="1583667" y="3722865"/>
+                  <a:ext cx="785004" cy="552091"/>
+                </a:xfrm>
+                <a:prstGeom prst="rect">
+                  <a:avLst/>
+                </a:prstGeom>
+              </p:spPr>
+              <p:style>
+                <a:lnRef idx="2">
+                  <a:schemeClr val="accent1"/>
+                </a:lnRef>
+                <a:fillRef idx="1">
+                  <a:schemeClr val="lt1"/>
+                </a:fillRef>
+                <a:effectRef idx="0">
+                  <a:schemeClr val="accent1"/>
+                </a:effectRef>
+                <a:fontRef idx="minor">
+                  <a:schemeClr val="dk1"/>
+                </a:fontRef>
+              </p:style>
+              <p:txBody>
+                <a:bodyPr rtlCol="0" anchor="ctr"/>
+                <a:lstStyle/>
+                <a:p>
+                  <a:pPr algn="ctr"/>
+                  <a:r>
+                    <a:rPr lang="en-US" dirty="0" smtClean="0"/>
+                    <a:t>4</a:t>
+                  </a:r>
+                  <a:endParaRPr lang="en-US" dirty="0"/>
+                </a:p>
+              </p:txBody>
+            </p:sp>
+            <p:sp>
+              <p:nvSpPr>
+                <p:cNvPr id="20" name="TextBox 19"/>
+                <p:cNvSpPr txBox="1"/>
+                <p:nvPr/>
+              </p:nvSpPr>
+              <p:spPr>
+                <a:xfrm>
+                  <a:off x="2695526" y="4268949"/>
+                  <a:ext cx="1048236" cy="369332"/>
+                </a:xfrm>
+                <a:prstGeom prst="rect">
+                  <a:avLst/>
+                </a:prstGeom>
+                <a:noFill/>
+              </p:spPr>
+              <p:txBody>
+                <a:bodyPr wrap="none" rtlCol="0">
+                  <a:spAutoFit/>
+                </a:bodyPr>
+                <a:lstStyle/>
+                <a:p>
+                  <a:r>
+                    <a:rPr lang="en-US" dirty="0" smtClean="0"/>
+                    <a:t>Offspring</a:t>
+                  </a:r>
+                  <a:endParaRPr lang="en-US" dirty="0"/>
+                </a:p>
+              </p:txBody>
+            </p:sp>
+          </p:grpSp>
+          <p:grpSp>
+            <p:nvGrpSpPr>
+              <p:cNvPr id="26" name="Group 25"/>
+              <p:cNvGrpSpPr/>
+              <p:nvPr/>
+            </p:nvGrpSpPr>
+            <p:grpSpPr>
+              <a:xfrm>
+                <a:off x="2111857" y="3343044"/>
+                <a:ext cx="1059777" cy="379328"/>
+                <a:chOff x="2111857" y="3343044"/>
+                <a:chExt cx="1059777" cy="379328"/>
+              </a:xfrm>
+            </p:grpSpPr>
+            <p:cxnSp>
+              <p:nvCxnSpPr>
+                <p:cNvPr id="22" name="Straight Arrow Connector 21"/>
+                <p:cNvCxnSpPr/>
+                <p:nvPr/>
+              </p:nvCxnSpPr>
+              <p:spPr>
+                <a:xfrm>
+                  <a:off x="3097596" y="3361428"/>
+                  <a:ext cx="0" cy="360944"/>
+                </a:xfrm>
+                <a:prstGeom prst="straightConnector1">
+                  <a:avLst/>
+                </a:prstGeom>
+                <a:ln>
+                  <a:tailEnd type="triangle"/>
+                </a:ln>
+              </p:spPr>
+              <p:style>
+                <a:lnRef idx="1">
+                  <a:schemeClr val="accent1"/>
+                </a:lnRef>
+                <a:fillRef idx="0">
+                  <a:schemeClr val="accent1"/>
+                </a:fillRef>
+                <a:effectRef idx="0">
+                  <a:schemeClr val="accent1"/>
+                </a:effectRef>
+                <a:fontRef idx="minor">
+                  <a:schemeClr val="tx1"/>
+                </a:fontRef>
+              </p:style>
+            </p:cxnSp>
+            <p:sp>
+              <p:nvSpPr>
+                <p:cNvPr id="25" name="TextBox 24"/>
+                <p:cNvSpPr txBox="1"/>
+                <p:nvPr/>
+              </p:nvSpPr>
+              <p:spPr>
+                <a:xfrm>
+                  <a:off x="2111857" y="3343044"/>
+                  <a:ext cx="1059777" cy="369332"/>
+                </a:xfrm>
+                <a:prstGeom prst="rect">
+                  <a:avLst/>
+                </a:prstGeom>
+                <a:noFill/>
+              </p:spPr>
+              <p:txBody>
+                <a:bodyPr wrap="none" rtlCol="0">
+                  <a:spAutoFit/>
+                </a:bodyPr>
+                <a:lstStyle/>
+                <a:p>
+                  <a:r>
+                    <a:rPr lang="en-US" dirty="0" smtClean="0"/>
+                    <a:t>Mutation</a:t>
+                  </a:r>
+                  <a:endParaRPr lang="en-US" dirty="0"/>
+                </a:p>
+              </p:txBody>
+            </p:sp>
+          </p:grpSp>
+        </p:grpSp>
+        <p:grpSp>
+          <p:nvGrpSpPr>
+            <p:cNvPr id="36" name="Group 35"/>
+            <p:cNvGrpSpPr/>
+            <p:nvPr/>
+          </p:nvGrpSpPr>
+          <p:grpSpPr>
+            <a:xfrm>
+              <a:off x="2359269" y="2805067"/>
+              <a:ext cx="2346678" cy="552197"/>
+              <a:chOff x="2359269" y="2805067"/>
+              <a:chExt cx="2346678" cy="552197"/>
+            </a:xfrm>
+          </p:grpSpPr>
+          <p:sp>
+            <p:nvSpPr>
+              <p:cNvPr id="30" name="Rectangle 29"/>
+              <p:cNvSpPr/>
+              <p:nvPr/>
+            </p:nvSpPr>
+            <p:spPr>
+              <a:xfrm>
+                <a:off x="2359269" y="2805067"/>
+                <a:ext cx="785004" cy="552091"/>
+              </a:xfrm>
+              <a:prstGeom prst="rect">
+                <a:avLst/>
+              </a:prstGeom>
+            </p:spPr>
+            <p:style>
+              <a:lnRef idx="2">
+                <a:schemeClr val="accent1"/>
+              </a:lnRef>
+              <a:fillRef idx="1">
+                <a:schemeClr val="lt1"/>
+              </a:fillRef>
+              <a:effectRef idx="0">
+                <a:schemeClr val="accent1"/>
+              </a:effectRef>
+              <a:fontRef idx="minor">
+                <a:schemeClr val="dk1"/>
+              </a:fontRef>
+            </p:style>
+            <p:txBody>
+              <a:bodyPr rtlCol="0" anchor="ctr"/>
+              <a:lstStyle/>
+              <a:p>
+                <a:pPr algn="ctr"/>
+                <a:r>
+                  <a:rPr lang="en-US" dirty="0" smtClean="0"/>
+                  <a:t>2</a:t>
+                </a:r>
+                <a:endParaRPr lang="en-US" dirty="0"/>
+              </a:p>
+            </p:txBody>
+          </p:sp>
+          <p:sp>
+            <p:nvSpPr>
+              <p:cNvPr id="31" name="Rectangle 30"/>
+              <p:cNvSpPr/>
+              <p:nvPr/>
+            </p:nvSpPr>
+            <p:spPr>
+              <a:xfrm>
+                <a:off x="3920943" y="2805173"/>
+                <a:ext cx="785004" cy="552091"/>
+              </a:xfrm>
+              <a:prstGeom prst="rect">
+                <a:avLst/>
+              </a:prstGeom>
+            </p:spPr>
+            <p:style>
+              <a:lnRef idx="2">
+                <a:schemeClr val="accent1"/>
+              </a:lnRef>
+              <a:fillRef idx="1">
+                <a:schemeClr val="lt1"/>
+              </a:fillRef>
+              <a:effectRef idx="0">
+                <a:schemeClr val="accent1"/>
+              </a:effectRef>
+              <a:fontRef idx="minor">
+                <a:schemeClr val="dk1"/>
+              </a:fontRef>
+            </p:style>
+            <p:txBody>
+              <a:bodyPr rtlCol="0" anchor="ctr"/>
+              <a:lstStyle/>
+              <a:p>
+                <a:pPr algn="ctr"/>
+                <a:r>
+                  <a:rPr lang="en-US" dirty="0" smtClean="0"/>
+                  <a:t>4</a:t>
+                </a:r>
+                <a:endParaRPr lang="en-US" dirty="0"/>
+              </a:p>
+            </p:txBody>
+          </p:sp>
+          <p:sp>
+            <p:nvSpPr>
+              <p:cNvPr id="32" name="Rectangle 31"/>
+              <p:cNvSpPr/>
+              <p:nvPr/>
+            </p:nvSpPr>
+            <p:spPr>
+              <a:xfrm>
+                <a:off x="3141336" y="2805173"/>
+                <a:ext cx="785004" cy="552091"/>
+              </a:xfrm>
+              <a:prstGeom prst="rect">
+                <a:avLst/>
+              </a:prstGeom>
+            </p:spPr>
+            <p:style>
+              <a:lnRef idx="2">
+                <a:schemeClr val="accent1"/>
+              </a:lnRef>
+              <a:fillRef idx="1">
+                <a:schemeClr val="lt1"/>
+              </a:fillRef>
+              <a:effectRef idx="0">
+                <a:schemeClr val="accent1"/>
+              </a:effectRef>
+              <a:fontRef idx="minor">
+                <a:schemeClr val="dk1"/>
+              </a:fontRef>
+            </p:style>
+            <p:txBody>
+              <a:bodyPr rtlCol="0" anchor="ctr"/>
+              <a:lstStyle/>
+              <a:p>
+                <a:pPr algn="ctr"/>
+                <a:r>
+                  <a:rPr lang="en-US" dirty="0" smtClean="0"/>
+                  <a:t>3</a:t>
+                </a:r>
+                <a:endParaRPr lang="en-US" dirty="0"/>
+              </a:p>
+            </p:txBody>
+          </p:sp>
+        </p:grpSp>
+        <p:grpSp>
+          <p:nvGrpSpPr>
+            <p:cNvPr id="37" name="Group 36"/>
+            <p:cNvGrpSpPr/>
+            <p:nvPr/>
+          </p:nvGrpSpPr>
+          <p:grpSpPr>
+            <a:xfrm>
+              <a:off x="2368671" y="3719186"/>
+              <a:ext cx="2346678" cy="552197"/>
+              <a:chOff x="2368671" y="3719186"/>
+              <a:chExt cx="2346678" cy="552197"/>
+            </a:xfrm>
+          </p:grpSpPr>
+          <p:sp>
+            <p:nvSpPr>
+              <p:cNvPr id="33" name="Rectangle 32"/>
+              <p:cNvSpPr/>
+              <p:nvPr/>
+            </p:nvSpPr>
+            <p:spPr>
+              <a:xfrm>
+                <a:off x="2368671" y="3719186"/>
+                <a:ext cx="785004" cy="552091"/>
+              </a:xfrm>
+              <a:prstGeom prst="rect">
+                <a:avLst/>
+              </a:prstGeom>
+            </p:spPr>
+            <p:style>
+              <a:lnRef idx="2">
+                <a:schemeClr val="accent1"/>
+              </a:lnRef>
+              <a:fillRef idx="1">
+                <a:schemeClr val="lt1"/>
+              </a:fillRef>
+              <a:effectRef idx="0">
+                <a:schemeClr val="accent1"/>
+              </a:effectRef>
+              <a:fontRef idx="minor">
+                <a:schemeClr val="dk1"/>
+              </a:fontRef>
+            </p:style>
+            <p:txBody>
+              <a:bodyPr rtlCol="0" anchor="ctr"/>
+              <a:lstStyle/>
+              <a:p>
+                <a:pPr algn="ctr"/>
+                <a:r>
+                  <a:rPr lang="en-US" dirty="0" smtClean="0"/>
+                  <a:t>1</a:t>
+                </a:r>
+                <a:endParaRPr lang="en-US" dirty="0"/>
+              </a:p>
+            </p:txBody>
+          </p:sp>
+          <p:sp>
+            <p:nvSpPr>
+              <p:cNvPr id="34" name="Rectangle 33"/>
+              <p:cNvSpPr/>
+              <p:nvPr/>
+            </p:nvSpPr>
+            <p:spPr>
+              <a:xfrm>
+                <a:off x="3930345" y="3719292"/>
+                <a:ext cx="785004" cy="552091"/>
+              </a:xfrm>
+              <a:prstGeom prst="rect">
+                <a:avLst/>
+              </a:prstGeom>
+            </p:spPr>
+            <p:style>
+              <a:lnRef idx="2">
+                <a:schemeClr val="accent1"/>
+              </a:lnRef>
+              <a:fillRef idx="1">
+                <a:schemeClr val="lt1"/>
+              </a:fillRef>
+              <a:effectRef idx="0">
+                <a:schemeClr val="accent1"/>
+              </a:effectRef>
+              <a:fontRef idx="minor">
+                <a:schemeClr val="dk1"/>
+              </a:fontRef>
+            </p:style>
+            <p:txBody>
+              <a:bodyPr rtlCol="0" anchor="ctr"/>
+              <a:lstStyle/>
+              <a:p>
+                <a:pPr algn="ctr"/>
+                <a:r>
+                  <a:rPr lang="en-US" dirty="0" smtClean="0"/>
+                  <a:t>3</a:t>
+                </a:r>
+                <a:endParaRPr lang="en-US" dirty="0"/>
+              </a:p>
+            </p:txBody>
+          </p:sp>
+          <p:sp>
+            <p:nvSpPr>
+              <p:cNvPr id="35" name="Rectangle 34"/>
+              <p:cNvSpPr/>
+              <p:nvPr/>
+            </p:nvSpPr>
+            <p:spPr>
+              <a:xfrm>
+                <a:off x="3150738" y="3719292"/>
+                <a:ext cx="785004" cy="552091"/>
+              </a:xfrm>
+              <a:prstGeom prst="rect">
+                <a:avLst/>
+              </a:prstGeom>
+            </p:spPr>
+            <p:style>
+              <a:lnRef idx="2">
+                <a:schemeClr val="accent1"/>
+              </a:lnRef>
+              <a:fillRef idx="1">
+                <a:schemeClr val="lt1"/>
+              </a:fillRef>
+              <a:effectRef idx="0">
+                <a:schemeClr val="accent1"/>
+              </a:effectRef>
+              <a:fontRef idx="minor">
+                <a:schemeClr val="dk1"/>
+              </a:fontRef>
+            </p:style>
+            <p:txBody>
+              <a:bodyPr rtlCol="0" anchor="ctr"/>
+              <a:lstStyle/>
+              <a:p>
+                <a:pPr algn="ctr"/>
+                <a:r>
+                  <a:rPr lang="en-US" dirty="0" smtClean="0"/>
+                  <a:t>2</a:t>
+                </a:r>
+                <a:endParaRPr lang="en-US" dirty="0"/>
+              </a:p>
+            </p:txBody>
+          </p:sp>
+        </p:grpSp>
+      </p:grpSp>
+      <p:grpSp>
+        <p:nvGrpSpPr>
+          <p:cNvPr id="88" name="Group 87"/>
+          <p:cNvGrpSpPr/>
+          <p:nvPr/>
+        </p:nvGrpSpPr>
+        <p:grpSpPr>
+          <a:xfrm>
+            <a:off x="5140146" y="2406647"/>
+            <a:ext cx="6494780" cy="2934618"/>
+            <a:chOff x="5140146" y="2406647"/>
+            <a:chExt cx="6494780" cy="2934618"/>
+          </a:xfrm>
+        </p:grpSpPr>
+        <p:grpSp>
+          <p:nvGrpSpPr>
+            <p:cNvPr id="66" name="Group 65"/>
+            <p:cNvGrpSpPr/>
+            <p:nvPr/>
+          </p:nvGrpSpPr>
+          <p:grpSpPr>
+            <a:xfrm>
+              <a:off x="5140146" y="2406647"/>
+              <a:ext cx="3127312" cy="927773"/>
+              <a:chOff x="5762446" y="2406647"/>
+              <a:chExt cx="3127312" cy="927773"/>
+            </a:xfrm>
+          </p:grpSpPr>
+          <p:sp>
+            <p:nvSpPr>
+              <p:cNvPr id="57" name="TextBox 56"/>
+              <p:cNvSpPr txBox="1"/>
+              <p:nvPr/>
+            </p:nvSpPr>
+            <p:spPr>
+              <a:xfrm>
+                <a:off x="6879338" y="2406647"/>
+                <a:ext cx="915187" cy="369332"/>
+              </a:xfrm>
+              <a:prstGeom prst="rect">
+                <a:avLst/>
+              </a:prstGeom>
+              <a:noFill/>
+            </p:spPr>
+            <p:txBody>
+              <a:bodyPr wrap="none" rtlCol="0">
+                <a:spAutoFit/>
+              </a:bodyPr>
+              <a:lstStyle/>
+              <a:p>
+                <a:r>
+                  <a:rPr lang="en-US" dirty="0" smtClean="0"/>
+                  <a:t>Parent1</a:t>
+                </a:r>
+                <a:endParaRPr lang="en-US" dirty="0"/>
+              </a:p>
+            </p:txBody>
+          </p:sp>
+          <p:grpSp>
+            <p:nvGrpSpPr>
+              <p:cNvPr id="58" name="Group 57"/>
+              <p:cNvGrpSpPr/>
+              <p:nvPr/>
+            </p:nvGrpSpPr>
+            <p:grpSpPr>
+              <a:xfrm>
+                <a:off x="5762446" y="2782223"/>
+                <a:ext cx="3127312" cy="552197"/>
+                <a:chOff x="5762446" y="2782223"/>
+                <a:chExt cx="3127312" cy="552197"/>
+              </a:xfrm>
+            </p:grpSpPr>
+            <p:sp>
+              <p:nvSpPr>
+                <p:cNvPr id="56" name="Rectangle 55"/>
+                <p:cNvSpPr/>
+                <p:nvPr/>
+              </p:nvSpPr>
+              <p:spPr>
+                <a:xfrm>
+                  <a:off x="5762446" y="2782224"/>
+                  <a:ext cx="785004" cy="552091"/>
+                </a:xfrm>
+                <a:prstGeom prst="rect">
+                  <a:avLst/>
+                </a:prstGeom>
+              </p:spPr>
+              <p:style>
+                <a:lnRef idx="2">
+                  <a:schemeClr val="accent1"/>
+                </a:lnRef>
+                <a:fillRef idx="1">
+                  <a:schemeClr val="lt1"/>
+                </a:fillRef>
+                <a:effectRef idx="0">
+                  <a:schemeClr val="accent1"/>
+                </a:effectRef>
+                <a:fontRef idx="minor">
+                  <a:schemeClr val="dk1"/>
+                </a:fontRef>
+              </p:style>
+              <p:txBody>
+                <a:bodyPr rtlCol="0" anchor="ctr"/>
+                <a:lstStyle/>
+                <a:p>
+                  <a:pPr algn="ctr"/>
+                  <a:r>
+                    <a:rPr lang="en-US" dirty="0" smtClean="0"/>
+                    <a:t>1</a:t>
+                  </a:r>
+                  <a:endParaRPr lang="en-US" dirty="0"/>
+                </a:p>
+              </p:txBody>
+            </p:sp>
+            <p:sp>
+              <p:nvSpPr>
+                <p:cNvPr id="46" name="Rectangle 45"/>
+                <p:cNvSpPr/>
+                <p:nvPr/>
+              </p:nvSpPr>
+              <p:spPr>
+                <a:xfrm>
+                  <a:off x="6543080" y="2782223"/>
+                  <a:ext cx="785004" cy="552091"/>
+                </a:xfrm>
+                <a:prstGeom prst="rect">
+                  <a:avLst/>
+                </a:prstGeom>
+              </p:spPr>
+              <p:style>
+                <a:lnRef idx="2">
+                  <a:schemeClr val="accent1"/>
+                </a:lnRef>
+                <a:fillRef idx="1">
+                  <a:schemeClr val="lt1"/>
+                </a:fillRef>
+                <a:effectRef idx="0">
+                  <a:schemeClr val="accent1"/>
+                </a:effectRef>
+                <a:fontRef idx="minor">
+                  <a:schemeClr val="dk1"/>
+                </a:fontRef>
+              </p:style>
+              <p:txBody>
+                <a:bodyPr rtlCol="0" anchor="ctr"/>
+                <a:lstStyle/>
+                <a:p>
+                  <a:pPr algn="ctr"/>
+                  <a:r>
+                    <a:rPr lang="en-US" dirty="0" smtClean="0"/>
+                    <a:t>2</a:t>
+                  </a:r>
+                  <a:endParaRPr lang="en-US" dirty="0"/>
+                </a:p>
+              </p:txBody>
+            </p:sp>
+            <p:sp>
+              <p:nvSpPr>
+                <p:cNvPr id="47" name="Rectangle 46"/>
+                <p:cNvSpPr/>
+                <p:nvPr/>
+              </p:nvSpPr>
+              <p:spPr>
+                <a:xfrm>
+                  <a:off x="8104754" y="2782329"/>
+                  <a:ext cx="785004" cy="552091"/>
+                </a:xfrm>
+                <a:prstGeom prst="rect">
+                  <a:avLst/>
+                </a:prstGeom>
+              </p:spPr>
+              <p:style>
+                <a:lnRef idx="2">
+                  <a:schemeClr val="accent1"/>
+                </a:lnRef>
+                <a:fillRef idx="1">
+                  <a:schemeClr val="lt1"/>
+                </a:fillRef>
+                <a:effectRef idx="0">
+                  <a:schemeClr val="accent1"/>
+                </a:effectRef>
+                <a:fontRef idx="minor">
+                  <a:schemeClr val="dk1"/>
+                </a:fontRef>
+              </p:style>
+              <p:txBody>
+                <a:bodyPr rtlCol="0" anchor="ctr"/>
+                <a:lstStyle/>
+                <a:p>
+                  <a:pPr algn="ctr"/>
+                  <a:r>
+                    <a:rPr lang="en-US" dirty="0" smtClean="0"/>
+                    <a:t>4</a:t>
+                  </a:r>
+                  <a:endParaRPr lang="en-US" dirty="0"/>
+                </a:p>
+              </p:txBody>
+            </p:sp>
+            <p:sp>
+              <p:nvSpPr>
+                <p:cNvPr id="48" name="Rectangle 47"/>
+                <p:cNvSpPr/>
+                <p:nvPr/>
+              </p:nvSpPr>
+              <p:spPr>
+                <a:xfrm>
+                  <a:off x="7325147" y="2782329"/>
+                  <a:ext cx="785004" cy="552091"/>
+                </a:xfrm>
+                <a:prstGeom prst="rect">
+                  <a:avLst/>
+                </a:prstGeom>
+              </p:spPr>
+              <p:style>
+                <a:lnRef idx="2">
+                  <a:schemeClr val="accent1"/>
+                </a:lnRef>
+                <a:fillRef idx="1">
+                  <a:schemeClr val="lt1"/>
+                </a:fillRef>
+                <a:effectRef idx="0">
+                  <a:schemeClr val="accent1"/>
+                </a:effectRef>
+                <a:fontRef idx="minor">
+                  <a:schemeClr val="dk1"/>
+                </a:fontRef>
+              </p:style>
+              <p:txBody>
+                <a:bodyPr rtlCol="0" anchor="ctr"/>
+                <a:lstStyle/>
+                <a:p>
+                  <a:pPr algn="ctr"/>
+                  <a:r>
+                    <a:rPr lang="en-US" dirty="0" smtClean="0"/>
+                    <a:t>3</a:t>
+                  </a:r>
+                  <a:endParaRPr lang="en-US" dirty="0"/>
+                </a:p>
+              </p:txBody>
+            </p:sp>
+          </p:grpSp>
+        </p:grpSp>
+        <p:grpSp>
+          <p:nvGrpSpPr>
+            <p:cNvPr id="74" name="Group 73"/>
+            <p:cNvGrpSpPr/>
+            <p:nvPr/>
+          </p:nvGrpSpPr>
+          <p:grpSpPr>
+            <a:xfrm>
+              <a:off x="6701617" y="4425849"/>
+              <a:ext cx="3131682" cy="915416"/>
+              <a:chOff x="5767478" y="3695259"/>
+              <a:chExt cx="3131682" cy="915416"/>
+            </a:xfrm>
+          </p:grpSpPr>
+          <p:sp>
+            <p:nvSpPr>
+              <p:cNvPr id="55" name="TextBox 54"/>
+              <p:cNvSpPr txBox="1"/>
+              <p:nvPr/>
+            </p:nvSpPr>
+            <p:spPr>
+              <a:xfrm>
+                <a:off x="6879337" y="4241343"/>
+                <a:ext cx="1048236" cy="369332"/>
+              </a:xfrm>
+              <a:prstGeom prst="rect">
+                <a:avLst/>
+              </a:prstGeom>
+              <a:noFill/>
+            </p:spPr>
+            <p:txBody>
+              <a:bodyPr wrap="none" rtlCol="0">
+                <a:spAutoFit/>
+              </a:bodyPr>
+              <a:lstStyle/>
+              <a:p>
+                <a:r>
+                  <a:rPr lang="en-US" dirty="0" smtClean="0"/>
+                  <a:t>Offspring</a:t>
+                </a:r>
+                <a:endParaRPr lang="en-US" dirty="0"/>
+              </a:p>
+            </p:txBody>
+          </p:sp>
+          <p:grpSp>
+            <p:nvGrpSpPr>
+              <p:cNvPr id="60" name="Group 59"/>
+              <p:cNvGrpSpPr/>
+              <p:nvPr/>
+            </p:nvGrpSpPr>
+            <p:grpSpPr>
+              <a:xfrm>
+                <a:off x="5767478" y="3695259"/>
+                <a:ext cx="3131682" cy="553280"/>
+                <a:chOff x="5767478" y="3695259"/>
+                <a:chExt cx="3131682" cy="553280"/>
+              </a:xfrm>
+            </p:grpSpPr>
+            <p:sp>
+              <p:nvSpPr>
+                <p:cNvPr id="54" name="Rectangle 53"/>
+                <p:cNvSpPr/>
+                <p:nvPr/>
+              </p:nvSpPr>
+              <p:spPr>
+                <a:xfrm>
+                  <a:off x="5767478" y="3695259"/>
+                  <a:ext cx="785004" cy="552091"/>
+                </a:xfrm>
+                <a:prstGeom prst="rect">
+                  <a:avLst/>
+                </a:prstGeom>
+              </p:spPr>
+              <p:style>
+                <a:lnRef idx="2">
+                  <a:schemeClr val="accent1"/>
+                </a:lnRef>
+                <a:fillRef idx="1">
+                  <a:schemeClr val="lt1"/>
+                </a:fillRef>
+                <a:effectRef idx="0">
+                  <a:schemeClr val="accent1"/>
+                </a:effectRef>
+                <a:fontRef idx="minor">
+                  <a:schemeClr val="dk1"/>
+                </a:fontRef>
+              </p:style>
+              <p:txBody>
+                <a:bodyPr rtlCol="0" anchor="ctr"/>
+                <a:lstStyle/>
+                <a:p>
+                  <a:pPr algn="ctr"/>
+                  <a:r>
+                    <a:rPr lang="en-US" dirty="0" smtClean="0"/>
+                    <a:t>1</a:t>
+                  </a:r>
+                  <a:endParaRPr lang="en-US" dirty="0"/>
+                </a:p>
+              </p:txBody>
+            </p:sp>
+            <p:sp>
+              <p:nvSpPr>
+                <p:cNvPr id="43" name="Rectangle 42"/>
+                <p:cNvSpPr/>
+                <p:nvPr/>
+              </p:nvSpPr>
+              <p:spPr>
+                <a:xfrm>
+                  <a:off x="6552482" y="3696342"/>
+                  <a:ext cx="785004" cy="552091"/>
+                </a:xfrm>
+                <a:prstGeom prst="rect">
+                  <a:avLst/>
+                </a:prstGeom>
+              </p:spPr>
+              <p:style>
+                <a:lnRef idx="2">
+                  <a:schemeClr val="accent1"/>
+                </a:lnRef>
+                <a:fillRef idx="1">
+                  <a:schemeClr val="lt1"/>
+                </a:fillRef>
+                <a:effectRef idx="0">
+                  <a:schemeClr val="accent1"/>
+                </a:effectRef>
+                <a:fontRef idx="minor">
+                  <a:schemeClr val="dk1"/>
+                </a:fontRef>
+              </p:style>
+              <p:txBody>
+                <a:bodyPr rtlCol="0" anchor="ctr"/>
+                <a:lstStyle/>
+                <a:p>
+                  <a:pPr algn="ctr"/>
+                  <a:r>
+                    <a:rPr lang="en-US" dirty="0" smtClean="0"/>
+                    <a:t>2</a:t>
+                  </a:r>
+                  <a:endParaRPr lang="en-US" dirty="0"/>
+                </a:p>
+              </p:txBody>
+            </p:sp>
+            <p:sp>
+              <p:nvSpPr>
+                <p:cNvPr id="44" name="Rectangle 43"/>
+                <p:cNvSpPr/>
+                <p:nvPr/>
+              </p:nvSpPr>
+              <p:spPr>
+                <a:xfrm>
+                  <a:off x="8114156" y="3696448"/>
+                  <a:ext cx="785004" cy="552091"/>
+                </a:xfrm>
+                <a:prstGeom prst="rect">
+                  <a:avLst/>
+                </a:prstGeom>
+              </p:spPr>
+              <p:style>
+                <a:lnRef idx="2">
+                  <a:schemeClr val="accent1"/>
+                </a:lnRef>
+                <a:fillRef idx="1">
+                  <a:schemeClr val="lt1"/>
+                </a:fillRef>
+                <a:effectRef idx="0">
+                  <a:schemeClr val="accent1"/>
+                </a:effectRef>
+                <a:fontRef idx="minor">
+                  <a:schemeClr val="dk1"/>
+                </a:fontRef>
+              </p:style>
+              <p:txBody>
+                <a:bodyPr rtlCol="0" anchor="ctr"/>
+                <a:lstStyle/>
+                <a:p>
+                  <a:pPr algn="ctr"/>
+                  <a:r>
+                    <a:rPr lang="en-US" dirty="0" smtClean="0"/>
+                    <a:t>8</a:t>
+                  </a:r>
+                  <a:endParaRPr lang="en-US" dirty="0"/>
+                </a:p>
+              </p:txBody>
+            </p:sp>
+            <p:sp>
+              <p:nvSpPr>
+                <p:cNvPr id="45" name="Rectangle 44"/>
+                <p:cNvSpPr/>
+                <p:nvPr/>
+              </p:nvSpPr>
+              <p:spPr>
+                <a:xfrm>
+                  <a:off x="7334549" y="3696448"/>
+                  <a:ext cx="785004" cy="552091"/>
+                </a:xfrm>
+                <a:prstGeom prst="rect">
+                  <a:avLst/>
+                </a:prstGeom>
+              </p:spPr>
+              <p:style>
+                <a:lnRef idx="2">
+                  <a:schemeClr val="accent1"/>
+                </a:lnRef>
+                <a:fillRef idx="1">
+                  <a:schemeClr val="lt1"/>
+                </a:fillRef>
+                <a:effectRef idx="0">
+                  <a:schemeClr val="accent1"/>
+                </a:effectRef>
+                <a:fontRef idx="minor">
+                  <a:schemeClr val="dk1"/>
+                </a:fontRef>
+              </p:style>
+              <p:txBody>
+                <a:bodyPr rtlCol="0" anchor="ctr"/>
+                <a:lstStyle/>
+                <a:p>
+                  <a:pPr algn="ctr"/>
+                  <a:r>
+                    <a:rPr lang="en-US" dirty="0" smtClean="0"/>
+                    <a:t>7</a:t>
+                  </a:r>
+                  <a:endParaRPr lang="en-US" dirty="0"/>
+                </a:p>
+              </p:txBody>
+            </p:sp>
+          </p:grpSp>
+        </p:grpSp>
+        <p:grpSp>
+          <p:nvGrpSpPr>
+            <p:cNvPr id="67" name="Group 66"/>
+            <p:cNvGrpSpPr/>
+            <p:nvPr/>
+          </p:nvGrpSpPr>
+          <p:grpSpPr>
+            <a:xfrm>
+              <a:off x="8507614" y="2406647"/>
+              <a:ext cx="3127312" cy="927773"/>
+              <a:chOff x="5762446" y="2406647"/>
+              <a:chExt cx="3127312" cy="927773"/>
+            </a:xfrm>
+          </p:grpSpPr>
+          <p:sp>
+            <p:nvSpPr>
+              <p:cNvPr id="68" name="TextBox 67"/>
+              <p:cNvSpPr txBox="1"/>
+              <p:nvPr/>
+            </p:nvSpPr>
+            <p:spPr>
+              <a:xfrm>
+                <a:off x="6879338" y="2406647"/>
+                <a:ext cx="915187" cy="369332"/>
+              </a:xfrm>
+              <a:prstGeom prst="rect">
+                <a:avLst/>
+              </a:prstGeom>
+              <a:noFill/>
+            </p:spPr>
+            <p:txBody>
+              <a:bodyPr wrap="none" rtlCol="0">
+                <a:spAutoFit/>
+              </a:bodyPr>
+              <a:lstStyle/>
+              <a:p>
+                <a:r>
+                  <a:rPr lang="en-US" dirty="0" smtClean="0"/>
+                  <a:t>Parent2</a:t>
+                </a:r>
+                <a:endParaRPr lang="en-US" dirty="0"/>
+              </a:p>
+            </p:txBody>
+          </p:sp>
+          <p:grpSp>
+            <p:nvGrpSpPr>
+              <p:cNvPr id="69" name="Group 68"/>
+              <p:cNvGrpSpPr/>
+              <p:nvPr/>
+            </p:nvGrpSpPr>
+            <p:grpSpPr>
+              <a:xfrm>
+                <a:off x="5762446" y="2782223"/>
+                <a:ext cx="3127312" cy="552197"/>
+                <a:chOff x="5762446" y="2782223"/>
+                <a:chExt cx="3127312" cy="552197"/>
+              </a:xfrm>
+            </p:grpSpPr>
+            <p:sp>
+              <p:nvSpPr>
+                <p:cNvPr id="70" name="Rectangle 69"/>
+                <p:cNvSpPr/>
+                <p:nvPr/>
+              </p:nvSpPr>
+              <p:spPr>
+                <a:xfrm>
+                  <a:off x="5762446" y="2782224"/>
+                  <a:ext cx="785004" cy="552091"/>
+                </a:xfrm>
+                <a:prstGeom prst="rect">
+                  <a:avLst/>
+                </a:prstGeom>
+              </p:spPr>
+              <p:style>
+                <a:lnRef idx="2">
+                  <a:schemeClr val="accent1"/>
+                </a:lnRef>
+                <a:fillRef idx="1">
+                  <a:schemeClr val="lt1"/>
+                </a:fillRef>
+                <a:effectRef idx="0">
+                  <a:schemeClr val="accent1"/>
+                </a:effectRef>
+                <a:fontRef idx="minor">
+                  <a:schemeClr val="dk1"/>
+                </a:fontRef>
+              </p:style>
+              <p:txBody>
+                <a:bodyPr rtlCol="0" anchor="ctr"/>
+                <a:lstStyle/>
+                <a:p>
+                  <a:pPr algn="ctr"/>
+                  <a:r>
+                    <a:rPr lang="en-US" dirty="0"/>
+                    <a:t>5</a:t>
+                  </a:r>
+                </a:p>
+              </p:txBody>
+            </p:sp>
+            <p:sp>
+              <p:nvSpPr>
+                <p:cNvPr id="71" name="Rectangle 70"/>
+                <p:cNvSpPr/>
+                <p:nvPr/>
+              </p:nvSpPr>
+              <p:spPr>
+                <a:xfrm>
+                  <a:off x="6543080" y="2782223"/>
+                  <a:ext cx="785004" cy="552091"/>
+                </a:xfrm>
+                <a:prstGeom prst="rect">
+                  <a:avLst/>
+                </a:prstGeom>
+              </p:spPr>
+              <p:style>
+                <a:lnRef idx="2">
+                  <a:schemeClr val="accent1"/>
+                </a:lnRef>
+                <a:fillRef idx="1">
+                  <a:schemeClr val="lt1"/>
+                </a:fillRef>
+                <a:effectRef idx="0">
+                  <a:schemeClr val="accent1"/>
+                </a:effectRef>
+                <a:fontRef idx="minor">
+                  <a:schemeClr val="dk1"/>
+                </a:fontRef>
+              </p:style>
+              <p:txBody>
+                <a:bodyPr rtlCol="0" anchor="ctr"/>
+                <a:lstStyle/>
+                <a:p>
+                  <a:pPr algn="ctr"/>
+                  <a:r>
+                    <a:rPr lang="en-US" dirty="0" smtClean="0"/>
+                    <a:t>6</a:t>
+                  </a:r>
+                  <a:endParaRPr lang="en-US" dirty="0"/>
+                </a:p>
+              </p:txBody>
+            </p:sp>
+            <p:sp>
+              <p:nvSpPr>
+                <p:cNvPr id="72" name="Rectangle 71"/>
+                <p:cNvSpPr/>
+                <p:nvPr/>
+              </p:nvSpPr>
+              <p:spPr>
+                <a:xfrm>
+                  <a:off x="8104754" y="2782329"/>
+                  <a:ext cx="785004" cy="552091"/>
+                </a:xfrm>
+                <a:prstGeom prst="rect">
+                  <a:avLst/>
+                </a:prstGeom>
+              </p:spPr>
+              <p:style>
+                <a:lnRef idx="2">
+                  <a:schemeClr val="accent1"/>
+                </a:lnRef>
+                <a:fillRef idx="1">
+                  <a:schemeClr val="lt1"/>
+                </a:fillRef>
+                <a:effectRef idx="0">
+                  <a:schemeClr val="accent1"/>
+                </a:effectRef>
+                <a:fontRef idx="minor">
+                  <a:schemeClr val="dk1"/>
+                </a:fontRef>
+              </p:style>
+              <p:txBody>
+                <a:bodyPr rtlCol="0" anchor="ctr"/>
+                <a:lstStyle/>
+                <a:p>
+                  <a:pPr algn="ctr"/>
+                  <a:r>
+                    <a:rPr lang="en-US" dirty="0" smtClean="0"/>
+                    <a:t>8</a:t>
+                  </a:r>
+                  <a:endParaRPr lang="en-US" dirty="0"/>
+                </a:p>
+              </p:txBody>
+            </p:sp>
+            <p:sp>
+              <p:nvSpPr>
+                <p:cNvPr id="73" name="Rectangle 72"/>
+                <p:cNvSpPr/>
+                <p:nvPr/>
+              </p:nvSpPr>
+              <p:spPr>
+                <a:xfrm>
+                  <a:off x="7325147" y="2782329"/>
+                  <a:ext cx="785004" cy="552091"/>
+                </a:xfrm>
+                <a:prstGeom prst="rect">
+                  <a:avLst/>
+                </a:prstGeom>
+              </p:spPr>
+              <p:style>
+                <a:lnRef idx="2">
+                  <a:schemeClr val="accent1"/>
+                </a:lnRef>
+                <a:fillRef idx="1">
+                  <a:schemeClr val="lt1"/>
+                </a:fillRef>
+                <a:effectRef idx="0">
+                  <a:schemeClr val="accent1"/>
+                </a:effectRef>
+                <a:fontRef idx="minor">
+                  <a:schemeClr val="dk1"/>
+                </a:fontRef>
+              </p:style>
+              <p:txBody>
+                <a:bodyPr rtlCol="0" anchor="ctr"/>
+                <a:lstStyle/>
+                <a:p>
+                  <a:pPr algn="ctr"/>
+                  <a:r>
+                    <a:rPr lang="en-US" dirty="0" smtClean="0"/>
+                    <a:t>7</a:t>
+                  </a:r>
+                  <a:endParaRPr lang="en-US" dirty="0"/>
+                </a:p>
+              </p:txBody>
+            </p:sp>
+          </p:grpSp>
+        </p:grpSp>
+        <p:cxnSp>
+          <p:nvCxnSpPr>
+            <p:cNvPr id="76" name="Straight Arrow Connector 75"/>
+            <p:cNvCxnSpPr/>
+            <p:nvPr/>
+          </p:nvCxnSpPr>
+          <p:spPr>
+            <a:xfrm>
+              <a:off x="6714631" y="3336135"/>
+              <a:ext cx="1533333" cy="1089714"/>
+            </a:xfrm>
+            <a:prstGeom prst="straightConnector1">
+              <a:avLst/>
+            </a:prstGeom>
+            <a:ln>
+              <a:tailEnd type="triangle"/>
+            </a:ln>
+          </p:spPr>
+          <p:style>
+            <a:lnRef idx="1">
+              <a:schemeClr val="accent1"/>
+            </a:lnRef>
+            <a:fillRef idx="0">
+              <a:schemeClr val="accent1"/>
+            </a:fillRef>
+            <a:effectRef idx="0">
+              <a:schemeClr val="accent1"/>
+            </a:effectRef>
+            <a:fontRef idx="minor">
+              <a:schemeClr val="tx1"/>
+            </a:fontRef>
+          </p:style>
+        </p:cxnSp>
+        <p:cxnSp>
+          <p:nvCxnSpPr>
+            <p:cNvPr id="84" name="Straight Arrow Connector 83"/>
+            <p:cNvCxnSpPr/>
+            <p:nvPr/>
+          </p:nvCxnSpPr>
+          <p:spPr>
+            <a:xfrm flipH="1">
+              <a:off x="8267458" y="3334314"/>
+              <a:ext cx="1814642" cy="1091535"/>
+            </a:xfrm>
+            <a:prstGeom prst="straightConnector1">
+              <a:avLst/>
+            </a:prstGeom>
+            <a:ln>
+              <a:tailEnd type="triangle"/>
+            </a:ln>
+          </p:spPr>
+          <p:style>
+            <a:lnRef idx="1">
+              <a:schemeClr val="accent1"/>
+            </a:lnRef>
+            <a:fillRef idx="0">
+              <a:schemeClr val="accent1"/>
+            </a:fillRef>
+            <a:effectRef idx="0">
+              <a:schemeClr val="accent1"/>
+            </a:effectRef>
+            <a:fontRef idx="minor">
+              <a:schemeClr val="tx1"/>
+            </a:fontRef>
+          </p:style>
+        </p:cxnSp>
+        <p:sp>
+          <p:nvSpPr>
+            <p:cNvPr id="87" name="TextBox 86"/>
+            <p:cNvSpPr txBox="1"/>
+            <p:nvPr/>
+          </p:nvSpPr>
+          <p:spPr>
+            <a:xfrm>
+              <a:off x="7795903" y="3556044"/>
+              <a:ext cx="1104213" cy="646331"/>
+            </a:xfrm>
+            <a:prstGeom prst="rect">
+              <a:avLst/>
+            </a:prstGeom>
+            <a:noFill/>
+          </p:spPr>
+          <p:txBody>
+            <a:bodyPr wrap="none" rtlCol="0">
+              <a:spAutoFit/>
+            </a:bodyPr>
+            <a:lstStyle/>
+            <a:p>
+              <a:r>
+                <a:rPr lang="en-US" dirty="0" smtClean="0"/>
+                <a:t>Crossover</a:t>
+              </a:r>
+            </a:p>
+            <a:p>
+              <a:pPr algn="ctr"/>
+              <a:r>
+                <a:rPr lang="en-US" dirty="0" smtClean="0"/>
+                <a:t>i=2</a:t>
+              </a:r>
+              <a:endParaRPr lang="en-US" dirty="0"/>
+            </a:p>
+          </p:txBody>
+        </p:sp>
+      </p:grpSp>
+    </p:spTree>
+    <p:extLst>
+      <p:ext uri="{BB962C8B-B14F-4D97-AF65-F5344CB8AC3E}">
+        <p14:creationId xmlns:p14="http://schemas.microsoft.com/office/powerpoint/2010/main" val="2861733275"/>
+      </p:ext>
+    </p:extLst>
+  </p:cSld>
+  <p:clrMapOvr>
+    <a:masterClrMapping/>
+  </p:clrMapOvr>
+</p:sld>
+</file>
+
 <file path=ppt/theme/theme1.xml><?xml version="1.0" encoding="utf-8"?>
 <a:theme xmlns:a="http://schemas.openxmlformats.org/drawingml/2006/main" name="Office Theme">
   <a:themeElements>

--- a/general/Images.pptx
+++ b/general/Images.pptx
@@ -8,6 +8,9 @@
     <p:sldId id="256" r:id="rId2"/>
     <p:sldId id="257" r:id="rId3"/>
     <p:sldId id="258" r:id="rId4"/>
+    <p:sldId id="260" r:id="rId5"/>
+    <p:sldId id="259" r:id="rId6"/>
+    <p:sldId id="261" r:id="rId7"/>
   </p:sldIdLst>
   <p:sldSz cx="12192000" cy="6858000"/>
   <p:notesSz cx="6858000" cy="9144000"/>
@@ -261,7 +264,7 @@
           <a:p>
             <a:fld id="{EEAF73AA-7651-4CF2-A5D8-7E714E2EA7AF}" type="datetimeFigureOut">
               <a:rPr lang="en-US" smtClean="0"/>
-              <a:t>29-01-20</a:t>
+              <a:t>3/28/2020</a:t>
             </a:fld>
             <a:endParaRPr lang="en-US"/>
           </a:p>
@@ -459,7 +462,7 @@
           <a:p>
             <a:fld id="{EEAF73AA-7651-4CF2-A5D8-7E714E2EA7AF}" type="datetimeFigureOut">
               <a:rPr lang="en-US" smtClean="0"/>
-              <a:t>29-01-20</a:t>
+              <a:t>3/28/2020</a:t>
             </a:fld>
             <a:endParaRPr lang="en-US"/>
           </a:p>
@@ -667,7 +670,7 @@
           <a:p>
             <a:fld id="{EEAF73AA-7651-4CF2-A5D8-7E714E2EA7AF}" type="datetimeFigureOut">
               <a:rPr lang="en-US" smtClean="0"/>
-              <a:t>29-01-20</a:t>
+              <a:t>3/28/2020</a:t>
             </a:fld>
             <a:endParaRPr lang="en-US"/>
           </a:p>
@@ -865,7 +868,7 @@
           <a:p>
             <a:fld id="{EEAF73AA-7651-4CF2-A5D8-7E714E2EA7AF}" type="datetimeFigureOut">
               <a:rPr lang="en-US" smtClean="0"/>
-              <a:t>29-01-20</a:t>
+              <a:t>3/28/2020</a:t>
             </a:fld>
             <a:endParaRPr lang="en-US"/>
           </a:p>
@@ -1140,7 +1143,7 @@
           <a:p>
             <a:fld id="{EEAF73AA-7651-4CF2-A5D8-7E714E2EA7AF}" type="datetimeFigureOut">
               <a:rPr lang="en-US" smtClean="0"/>
-              <a:t>29-01-20</a:t>
+              <a:t>3/28/2020</a:t>
             </a:fld>
             <a:endParaRPr lang="en-US"/>
           </a:p>
@@ -1405,7 +1408,7 @@
           <a:p>
             <a:fld id="{EEAF73AA-7651-4CF2-A5D8-7E714E2EA7AF}" type="datetimeFigureOut">
               <a:rPr lang="en-US" smtClean="0"/>
-              <a:t>29-01-20</a:t>
+              <a:t>3/28/2020</a:t>
             </a:fld>
             <a:endParaRPr lang="en-US"/>
           </a:p>
@@ -1817,7 +1820,7 @@
           <a:p>
             <a:fld id="{EEAF73AA-7651-4CF2-A5D8-7E714E2EA7AF}" type="datetimeFigureOut">
               <a:rPr lang="en-US" smtClean="0"/>
-              <a:t>29-01-20</a:t>
+              <a:t>3/28/2020</a:t>
             </a:fld>
             <a:endParaRPr lang="en-US"/>
           </a:p>
@@ -1958,7 +1961,7 @@
           <a:p>
             <a:fld id="{EEAF73AA-7651-4CF2-A5D8-7E714E2EA7AF}" type="datetimeFigureOut">
               <a:rPr lang="en-US" smtClean="0"/>
-              <a:t>29-01-20</a:t>
+              <a:t>3/28/2020</a:t>
             </a:fld>
             <a:endParaRPr lang="en-US"/>
           </a:p>
@@ -2071,7 +2074,7 @@
           <a:p>
             <a:fld id="{EEAF73AA-7651-4CF2-A5D8-7E714E2EA7AF}" type="datetimeFigureOut">
               <a:rPr lang="en-US" smtClean="0"/>
-              <a:t>29-01-20</a:t>
+              <a:t>3/28/2020</a:t>
             </a:fld>
             <a:endParaRPr lang="en-US"/>
           </a:p>
@@ -2382,7 +2385,7 @@
           <a:p>
             <a:fld id="{EEAF73AA-7651-4CF2-A5D8-7E714E2EA7AF}" type="datetimeFigureOut">
               <a:rPr lang="en-US" smtClean="0"/>
-              <a:t>29-01-20</a:t>
+              <a:t>3/28/2020</a:t>
             </a:fld>
             <a:endParaRPr lang="en-US"/>
           </a:p>
@@ -2670,7 +2673,7 @@
           <a:p>
             <a:fld id="{EEAF73AA-7651-4CF2-A5D8-7E714E2EA7AF}" type="datetimeFigureOut">
               <a:rPr lang="en-US" smtClean="0"/>
-              <a:t>29-01-20</a:t>
+              <a:t>3/28/2020</a:t>
             </a:fld>
             <a:endParaRPr lang="en-US"/>
           </a:p>
@@ -2911,7 +2914,7 @@
           <a:p>
             <a:fld id="{EEAF73AA-7651-4CF2-A5D8-7E714E2EA7AF}" type="datetimeFigureOut">
               <a:rPr lang="en-US" smtClean="0"/>
-              <a:t>29-01-20</a:t>
+              <a:t>3/28/2020</a:t>
             </a:fld>
             <a:endParaRPr lang="en-US"/>
           </a:p>
@@ -3442,13 +3445,13 @@
                 </a:spcAft>
               </a:pPr>
               <a:r>
-                <a:rPr lang="en-US" sz="1200">
+                <a:rPr lang="en-US" sz="1200" dirty="0">
                   <a:effectLst/>
                   <a:latin typeface="Calibri" panose="020F0502020204030204" pitchFamily="34" charset="0"/>
                   <a:ea typeface="Calibri" panose="020F0502020204030204" pitchFamily="34" charset="0"/>
                   <a:cs typeface="Arial" panose="020B0604020202020204" pitchFamily="34" charset="0"/>
                 </a:rPr>
-                <a:t>Time(seconds) pc 1</a:t>
+                <a:t>Time(seconds) PC 1</a:t>
               </a:r>
             </a:p>
           </p:txBody>
@@ -3500,13 +3503,13 @@
                 </a:spcAft>
               </a:pPr>
               <a:r>
-                <a:rPr lang="en-US" sz="1200">
+                <a:rPr lang="en-US" sz="1200" dirty="0">
                   <a:effectLst/>
                   <a:latin typeface="Calibri" panose="020F0502020204030204" pitchFamily="34" charset="0"/>
                   <a:ea typeface="Calibri" panose="020F0502020204030204" pitchFamily="34" charset="0"/>
                   <a:cs typeface="Arial" panose="020B0604020202020204" pitchFamily="34" charset="0"/>
                 </a:rPr>
-                <a:t>Time(seconds) pc 2</a:t>
+                <a:t>Time(seconds) PC 2</a:t>
               </a:r>
             </a:p>
           </p:txBody>
@@ -4849,10 +4852,9 @@
                 <a:p>
                   <a:pPr algn="ctr"/>
                   <a:r>
-                    <a:rPr lang="en-US" dirty="0" smtClean="0"/>
+                    <a:rPr lang="en-US" dirty="0"/>
                     <a:t>1</a:t>
                   </a:r>
-                  <a:endParaRPr lang="en-US" dirty="0"/>
                 </a:p>
               </p:txBody>
             </p:sp>
@@ -4879,10 +4881,9 @@
                 <a:lstStyle/>
                 <a:p>
                   <a:r>
-                    <a:rPr lang="en-US" dirty="0" smtClean="0"/>
+                    <a:rPr lang="en-US" dirty="0"/>
                     <a:t>Parent</a:t>
                   </a:r>
-                  <a:endParaRPr lang="en-US" dirty="0"/>
                 </a:p>
               </p:txBody>
             </p:sp>
@@ -4936,10 +4937,9 @@
                 <a:p>
                   <a:pPr algn="ctr"/>
                   <a:r>
-                    <a:rPr lang="en-US" dirty="0" smtClean="0"/>
+                    <a:rPr lang="en-US" dirty="0"/>
                     <a:t>4</a:t>
                   </a:r>
-                  <a:endParaRPr lang="en-US" dirty="0"/>
                 </a:p>
               </p:txBody>
             </p:sp>
@@ -4966,10 +4966,9 @@
                 <a:lstStyle/>
                 <a:p>
                   <a:r>
-                    <a:rPr lang="en-US" dirty="0" smtClean="0"/>
+                    <a:rPr lang="en-US" dirty="0"/>
                     <a:t>Offspring</a:t>
                   </a:r>
-                  <a:endParaRPr lang="en-US" dirty="0"/>
                 </a:p>
               </p:txBody>
             </p:sp>
@@ -5044,10 +5043,9 @@
                 <a:lstStyle/>
                 <a:p>
                   <a:r>
-                    <a:rPr lang="en-US" dirty="0" smtClean="0"/>
+                    <a:rPr lang="en-US" dirty="0"/>
                     <a:t>Mutation</a:t>
                   </a:r>
-                  <a:endParaRPr lang="en-US" dirty="0"/>
                 </a:p>
               </p:txBody>
             </p:sp>
@@ -5102,10 +5100,9 @@
               <a:p>
                 <a:pPr algn="ctr"/>
                 <a:r>
-                  <a:rPr lang="en-US" dirty="0" smtClean="0"/>
+                  <a:rPr lang="en-US" dirty="0"/>
                   <a:t>2</a:t>
                 </a:r>
-                <a:endParaRPr lang="en-US" dirty="0"/>
               </a:p>
             </p:txBody>
           </p:sp>
@@ -5144,10 +5141,9 @@
               <a:p>
                 <a:pPr algn="ctr"/>
                 <a:r>
-                  <a:rPr lang="en-US" dirty="0" smtClean="0"/>
+                  <a:rPr lang="en-US" dirty="0"/>
                   <a:t>4</a:t>
                 </a:r>
-                <a:endParaRPr lang="en-US" dirty="0"/>
               </a:p>
             </p:txBody>
           </p:sp>
@@ -5186,10 +5182,9 @@
               <a:p>
                 <a:pPr algn="ctr"/>
                 <a:r>
-                  <a:rPr lang="en-US" dirty="0" smtClean="0"/>
+                  <a:rPr lang="en-US" dirty="0"/>
                   <a:t>3</a:t>
                 </a:r>
-                <a:endParaRPr lang="en-US" dirty="0"/>
               </a:p>
             </p:txBody>
           </p:sp>
@@ -5243,10 +5238,9 @@
               <a:p>
                 <a:pPr algn="ctr"/>
                 <a:r>
-                  <a:rPr lang="en-US" dirty="0" smtClean="0"/>
+                  <a:rPr lang="en-US" dirty="0"/>
                   <a:t>1</a:t>
                 </a:r>
-                <a:endParaRPr lang="en-US" dirty="0"/>
               </a:p>
             </p:txBody>
           </p:sp>
@@ -5285,10 +5279,9 @@
               <a:p>
                 <a:pPr algn="ctr"/>
                 <a:r>
-                  <a:rPr lang="en-US" dirty="0" smtClean="0"/>
+                  <a:rPr lang="en-US" dirty="0"/>
                   <a:t>3</a:t>
                 </a:r>
-                <a:endParaRPr lang="en-US" dirty="0"/>
               </a:p>
             </p:txBody>
           </p:sp>
@@ -5327,10 +5320,9 @@
               <a:p>
                 <a:pPr algn="ctr"/>
                 <a:r>
-                  <a:rPr lang="en-US" dirty="0" smtClean="0"/>
+                  <a:rPr lang="en-US" dirty="0"/>
                   <a:t>2</a:t>
                 </a:r>
-                <a:endParaRPr lang="en-US" dirty="0"/>
               </a:p>
             </p:txBody>
           </p:sp>
@@ -5387,10 +5379,9 @@
               <a:lstStyle/>
               <a:p>
                 <a:r>
-                  <a:rPr lang="en-US" dirty="0" smtClean="0"/>
+                  <a:rPr lang="en-US" dirty="0"/>
                   <a:t>Parent1</a:t>
                 </a:r>
-                <a:endParaRPr lang="en-US" dirty="0"/>
               </a:p>
             </p:txBody>
           </p:sp>
@@ -5443,10 +5434,9 @@
                 <a:p>
                   <a:pPr algn="ctr"/>
                   <a:r>
-                    <a:rPr lang="en-US" dirty="0" smtClean="0"/>
+                    <a:rPr lang="en-US" dirty="0"/>
                     <a:t>1</a:t>
                   </a:r>
-                  <a:endParaRPr lang="en-US" dirty="0"/>
                 </a:p>
               </p:txBody>
             </p:sp>
@@ -5485,10 +5475,9 @@
                 <a:p>
                   <a:pPr algn="ctr"/>
                   <a:r>
-                    <a:rPr lang="en-US" dirty="0" smtClean="0"/>
+                    <a:rPr lang="en-US" dirty="0"/>
                     <a:t>2</a:t>
                   </a:r>
-                  <a:endParaRPr lang="en-US" dirty="0"/>
                 </a:p>
               </p:txBody>
             </p:sp>
@@ -5527,10 +5516,9 @@
                 <a:p>
                   <a:pPr algn="ctr"/>
                   <a:r>
-                    <a:rPr lang="en-US" dirty="0" smtClean="0"/>
+                    <a:rPr lang="en-US" dirty="0"/>
                     <a:t>4</a:t>
                   </a:r>
-                  <a:endParaRPr lang="en-US" dirty="0"/>
                 </a:p>
               </p:txBody>
             </p:sp>
@@ -5569,10 +5557,9 @@
                 <a:p>
                   <a:pPr algn="ctr"/>
                   <a:r>
-                    <a:rPr lang="en-US" dirty="0" smtClean="0"/>
+                    <a:rPr lang="en-US" dirty="0"/>
                     <a:t>3</a:t>
                   </a:r>
-                  <a:endParaRPr lang="en-US" dirty="0"/>
                 </a:p>
               </p:txBody>
             </p:sp>
@@ -5615,10 +5602,9 @@
               <a:lstStyle/>
               <a:p>
                 <a:r>
-                  <a:rPr lang="en-US" dirty="0" smtClean="0"/>
+                  <a:rPr lang="en-US" dirty="0"/>
                   <a:t>Offspring</a:t>
                 </a:r>
-                <a:endParaRPr lang="en-US" dirty="0"/>
               </a:p>
             </p:txBody>
           </p:sp>
@@ -5671,10 +5657,9 @@
                 <a:p>
                   <a:pPr algn="ctr"/>
                   <a:r>
-                    <a:rPr lang="en-US" dirty="0" smtClean="0"/>
+                    <a:rPr lang="en-US" dirty="0"/>
                     <a:t>1</a:t>
                   </a:r>
-                  <a:endParaRPr lang="en-US" dirty="0"/>
                 </a:p>
               </p:txBody>
             </p:sp>
@@ -5713,10 +5698,9 @@
                 <a:p>
                   <a:pPr algn="ctr"/>
                   <a:r>
-                    <a:rPr lang="en-US" dirty="0" smtClean="0"/>
+                    <a:rPr lang="en-US" dirty="0"/>
                     <a:t>2</a:t>
                   </a:r>
-                  <a:endParaRPr lang="en-US" dirty="0"/>
                 </a:p>
               </p:txBody>
             </p:sp>
@@ -5755,10 +5739,9 @@
                 <a:p>
                   <a:pPr algn="ctr"/>
                   <a:r>
-                    <a:rPr lang="en-US" dirty="0" smtClean="0"/>
+                    <a:rPr lang="en-US" dirty="0"/>
                     <a:t>8</a:t>
                   </a:r>
-                  <a:endParaRPr lang="en-US" dirty="0"/>
                 </a:p>
               </p:txBody>
             </p:sp>
@@ -5797,10 +5780,9 @@
                 <a:p>
                   <a:pPr algn="ctr"/>
                   <a:r>
-                    <a:rPr lang="en-US" dirty="0" smtClean="0"/>
+                    <a:rPr lang="en-US" dirty="0"/>
                     <a:t>7</a:t>
                   </a:r>
-                  <a:endParaRPr lang="en-US" dirty="0"/>
                 </a:p>
               </p:txBody>
             </p:sp>
@@ -5843,10 +5825,9 @@
               <a:lstStyle/>
               <a:p>
                 <a:r>
-                  <a:rPr lang="en-US" dirty="0" smtClean="0"/>
+                  <a:rPr lang="en-US" dirty="0"/>
                   <a:t>Parent2</a:t>
                 </a:r>
-                <a:endParaRPr lang="en-US" dirty="0"/>
               </a:p>
             </p:txBody>
           </p:sp>
@@ -5940,10 +5921,9 @@
                 <a:p>
                   <a:pPr algn="ctr"/>
                   <a:r>
-                    <a:rPr lang="en-US" dirty="0" smtClean="0"/>
+                    <a:rPr lang="en-US" dirty="0"/>
                     <a:t>6</a:t>
                   </a:r>
-                  <a:endParaRPr lang="en-US" dirty="0"/>
                 </a:p>
               </p:txBody>
             </p:sp>
@@ -5982,10 +5962,9 @@
                 <a:p>
                   <a:pPr algn="ctr"/>
                   <a:r>
-                    <a:rPr lang="en-US" dirty="0" smtClean="0"/>
+                    <a:rPr lang="en-US" dirty="0"/>
                     <a:t>8</a:t>
                   </a:r>
-                  <a:endParaRPr lang="en-US" dirty="0"/>
                 </a:p>
               </p:txBody>
             </p:sp>
@@ -6024,10 +6003,9 @@
                 <a:p>
                   <a:pPr algn="ctr"/>
                   <a:r>
-                    <a:rPr lang="en-US" dirty="0" smtClean="0"/>
+                    <a:rPr lang="en-US" dirty="0"/>
                     <a:t>7</a:t>
                   </a:r>
-                  <a:endParaRPr lang="en-US" dirty="0"/>
                 </a:p>
               </p:txBody>
             </p:sp>
@@ -6122,17 +6100,16 @@
             <a:lstStyle/>
             <a:p>
               <a:r>
-                <a:rPr lang="en-US" dirty="0" smtClean="0"/>
+                <a:rPr lang="en-US" dirty="0"/>
                 <a:t>Crossover</a:t>
               </a:r>
             </a:p>
             <a:p>
               <a:pPr algn="ctr"/>
               <a:r>
-                <a:rPr lang="en-US" dirty="0" smtClean="0"/>
+                <a:rPr lang="en-US" dirty="0"/>
                 <a:t>i=2</a:t>
               </a:r>
-              <a:endParaRPr lang="en-US" dirty="0"/>
             </a:p>
           </p:txBody>
         </p:sp>
@@ -6141,6 +6118,1109 @@
     <p:extLst>
       <p:ext uri="{BB962C8B-B14F-4D97-AF65-F5344CB8AC3E}">
         <p14:creationId xmlns:p14="http://schemas.microsoft.com/office/powerpoint/2010/main" val="2861733275"/>
+      </p:ext>
+    </p:extLst>
+  </p:cSld>
+  <p:clrMapOvr>
+    <a:masterClrMapping/>
+  </p:clrMapOvr>
+</p:sld>
+</file>
+
+<file path=ppt/slides/slide4.xml><?xml version="1.0" encoding="utf-8"?>
+<p:sld xmlns:a="http://schemas.openxmlformats.org/drawingml/2006/main" xmlns:r="http://schemas.openxmlformats.org/officeDocument/2006/relationships" xmlns:p="http://schemas.openxmlformats.org/presentationml/2006/main">
+  <p:cSld>
+    <p:spTree>
+      <p:nvGrpSpPr>
+        <p:cNvPr id="1" name=""/>
+        <p:cNvGrpSpPr/>
+        <p:nvPr/>
+      </p:nvGrpSpPr>
+      <p:grpSpPr>
+        <a:xfrm>
+          <a:off x="0" y="0"/>
+          <a:ext cx="0" cy="0"/>
+          <a:chOff x="0" y="0"/>
+          <a:chExt cx="0" cy="0"/>
+        </a:xfrm>
+      </p:grpSpPr>
+      <p:sp>
+        <p:nvSpPr>
+          <p:cNvPr id="2" name="Title 1">
+            <a:extLst>
+              <a:ext uri="{FF2B5EF4-FFF2-40B4-BE49-F238E27FC236}">
+                <a16:creationId xmlns:a16="http://schemas.microsoft.com/office/drawing/2014/main" id="{BC0FE845-7E32-44BE-8854-3319ED7A2270}"/>
+              </a:ext>
+            </a:extLst>
+          </p:cNvPr>
+          <p:cNvSpPr>
+            <a:spLocks noGrp="1"/>
+          </p:cNvSpPr>
+          <p:nvPr>
+            <p:ph type="title"/>
+          </p:nvPr>
+        </p:nvSpPr>
+        <p:spPr/>
+        <p:txBody>
+          <a:bodyPr/>
+          <a:lstStyle/>
+          <a:p>
+            <a:endParaRPr lang="en-US"/>
+          </a:p>
+        </p:txBody>
+      </p:sp>
+      <p:pic>
+        <p:nvPicPr>
+          <p:cNvPr id="4" name="Content Placeholder 3">
+            <a:extLst>
+              <a:ext uri="{FF2B5EF4-FFF2-40B4-BE49-F238E27FC236}">
+                <a16:creationId xmlns:a16="http://schemas.microsoft.com/office/drawing/2014/main" id="{EF68F4C0-D6AE-413A-A0F3-55D6E2AB0C59}"/>
+              </a:ext>
+            </a:extLst>
+          </p:cNvPr>
+          <p:cNvPicPr>
+            <a:picLocks noGrp="1"/>
+          </p:cNvPicPr>
+          <p:nvPr>
+            <p:ph idx="1"/>
+          </p:nvPr>
+        </p:nvPicPr>
+        <p:blipFill>
+          <a:blip r:embed="rId2" cstate="print">
+            <a:extLst>
+              <a:ext uri="{28A0092B-C50C-407E-A947-70E740481C1C}">
+                <a14:useLocalDpi xmlns:a14="http://schemas.microsoft.com/office/drawing/2010/main" val="0"/>
+              </a:ext>
+            </a:extLst>
+          </a:blip>
+          <a:srcRect/>
+          <a:stretch>
+            <a:fillRect/>
+          </a:stretch>
+        </p:blipFill>
+        <p:spPr bwMode="auto">
+          <a:xfrm>
+            <a:off x="2027872" y="1825625"/>
+            <a:ext cx="8136255" cy="4351338"/>
+          </a:xfrm>
+          <a:prstGeom prst="rect">
+            <a:avLst/>
+          </a:prstGeom>
+          <a:noFill/>
+          <a:ln>
+            <a:noFill/>
+          </a:ln>
+        </p:spPr>
+      </p:pic>
+    </p:spTree>
+    <p:extLst>
+      <p:ext uri="{BB962C8B-B14F-4D97-AF65-F5344CB8AC3E}">
+        <p14:creationId xmlns:p14="http://schemas.microsoft.com/office/powerpoint/2010/main" val="2651680474"/>
+      </p:ext>
+    </p:extLst>
+  </p:cSld>
+  <p:clrMapOvr>
+    <a:masterClrMapping/>
+  </p:clrMapOvr>
+</p:sld>
+</file>
+
+<file path=ppt/slides/slide5.xml><?xml version="1.0" encoding="utf-8"?>
+<p:sld xmlns:a="http://schemas.openxmlformats.org/drawingml/2006/main" xmlns:r="http://schemas.openxmlformats.org/officeDocument/2006/relationships" xmlns:p="http://schemas.openxmlformats.org/presentationml/2006/main">
+  <p:cSld>
+    <p:spTree>
+      <p:nvGrpSpPr>
+        <p:cNvPr id="1" name=""/>
+        <p:cNvGrpSpPr/>
+        <p:nvPr/>
+      </p:nvGrpSpPr>
+      <p:grpSpPr>
+        <a:xfrm>
+          <a:off x="0" y="0"/>
+          <a:ext cx="0" cy="0"/>
+          <a:chOff x="0" y="0"/>
+          <a:chExt cx="0" cy="0"/>
+        </a:xfrm>
+      </p:grpSpPr>
+      <p:sp>
+        <p:nvSpPr>
+          <p:cNvPr id="2" name="Title 1">
+            <a:extLst>
+              <a:ext uri="{FF2B5EF4-FFF2-40B4-BE49-F238E27FC236}">
+                <a16:creationId xmlns:a16="http://schemas.microsoft.com/office/drawing/2014/main" id="{0245FD8B-F5D3-4F84-BAA3-4346B9669A9C}"/>
+              </a:ext>
+            </a:extLst>
+          </p:cNvPr>
+          <p:cNvSpPr>
+            <a:spLocks noGrp="1"/>
+          </p:cNvSpPr>
+          <p:nvPr>
+            <p:ph type="title"/>
+          </p:nvPr>
+        </p:nvSpPr>
+        <p:spPr/>
+        <p:txBody>
+          <a:bodyPr/>
+          <a:lstStyle/>
+          <a:p>
+            <a:endParaRPr lang="en-US"/>
+          </a:p>
+        </p:txBody>
+      </p:sp>
+      <p:sp>
+        <p:nvSpPr>
+          <p:cNvPr id="8" name="Rectangle 8">
+            <a:extLst>
+              <a:ext uri="{FF2B5EF4-FFF2-40B4-BE49-F238E27FC236}">
+                <a16:creationId xmlns:a16="http://schemas.microsoft.com/office/drawing/2014/main" id="{099C64AC-D69B-4B9D-B2EA-232628FA974D}"/>
+              </a:ext>
+            </a:extLst>
+          </p:cNvPr>
+          <p:cNvSpPr>
+            <a:spLocks noChangeArrowheads="1"/>
+          </p:cNvSpPr>
+          <p:nvPr/>
+        </p:nvSpPr>
+        <p:spPr bwMode="auto">
+          <a:xfrm>
+            <a:off x="3481431" y="2038350"/>
+            <a:ext cx="12192000" cy="457200"/>
+          </a:xfrm>
+          <a:prstGeom prst="rect">
+            <a:avLst/>
+          </a:prstGeom>
+          <a:noFill/>
+          <a:ln>
+            <a:noFill/>
+          </a:ln>
+          <a:effectLst/>
+          <a:extLst>
+            <a:ext uri="{909E8E84-426E-40DD-AFC4-6F175D3DCCD1}">
+              <a14:hiddenFill xmlns:a14="http://schemas.microsoft.com/office/drawing/2010/main">
+                <a:solidFill>
+                  <a:schemeClr val="accent1"/>
+                </a:solidFill>
+              </a14:hiddenFill>
+            </a:ext>
+            <a:ext uri="{91240B29-F687-4F45-9708-019B960494DF}">
+              <a14:hiddenLine xmlns:a14="http://schemas.microsoft.com/office/drawing/2010/main" w="9525">
+                <a:solidFill>
+                  <a:schemeClr val="tx1"/>
+                </a:solidFill>
+                <a:miter lim="800000"/>
+                <a:headEnd/>
+                <a:tailEnd/>
+              </a14:hiddenLine>
+            </a:ext>
+            <a:ext uri="{AF507438-7753-43E0-B8FC-AC1667EBCBE1}">
+              <a14:hiddenEffects xmlns:a14="http://schemas.microsoft.com/office/drawing/2010/main">
+                <a:effectLst>
+                  <a:outerShdw dist="35921" dir="2700000" algn="ctr" rotWithShape="0">
+                    <a:schemeClr val="bg2"/>
+                  </a:outerShdw>
+                </a:effectLst>
+              </a14:hiddenEffects>
+            </a:ext>
+          </a:extLst>
+        </p:spPr>
+        <p:txBody>
+          <a:bodyPr vert="horz" wrap="none" lIns="91440" tIns="45720" rIns="91440" bIns="45720" numCol="1" anchor="ctr" anchorCtr="0" compatLnSpc="1">
+            <a:prstTxWarp prst="textNoShape">
+              <a:avLst/>
+            </a:prstTxWarp>
+            <a:spAutoFit/>
+          </a:bodyPr>
+          <a:lstStyle/>
+          <a:p>
+            <a:endParaRPr lang="en-US"/>
+          </a:p>
+        </p:txBody>
+      </p:sp>
+      <p:sp>
+        <p:nvSpPr>
+          <p:cNvPr id="9" name="Rectangle 10">
+            <a:extLst>
+              <a:ext uri="{FF2B5EF4-FFF2-40B4-BE49-F238E27FC236}">
+                <a16:creationId xmlns:a16="http://schemas.microsoft.com/office/drawing/2014/main" id="{26B0CE28-7D08-49B2-A9ED-82B75C539A0D}"/>
+              </a:ext>
+            </a:extLst>
+          </p:cNvPr>
+          <p:cNvSpPr>
+            <a:spLocks noChangeArrowheads="1"/>
+          </p:cNvSpPr>
+          <p:nvPr/>
+        </p:nvSpPr>
+        <p:spPr bwMode="auto">
+          <a:xfrm>
+            <a:off x="3481431" y="2495550"/>
+            <a:ext cx="12192000" cy="0"/>
+          </a:xfrm>
+          <a:prstGeom prst="rect">
+            <a:avLst/>
+          </a:prstGeom>
+          <a:noFill/>
+          <a:ln>
+            <a:noFill/>
+          </a:ln>
+          <a:effectLst/>
+          <a:extLst>
+            <a:ext uri="{909E8E84-426E-40DD-AFC4-6F175D3DCCD1}">
+              <a14:hiddenFill xmlns:a14="http://schemas.microsoft.com/office/drawing/2010/main">
+                <a:solidFill>
+                  <a:schemeClr val="accent1"/>
+                </a:solidFill>
+              </a14:hiddenFill>
+            </a:ext>
+            <a:ext uri="{91240B29-F687-4F45-9708-019B960494DF}">
+              <a14:hiddenLine xmlns:a14="http://schemas.microsoft.com/office/drawing/2010/main" w="9525">
+                <a:solidFill>
+                  <a:schemeClr val="tx1"/>
+                </a:solidFill>
+                <a:miter lim="800000"/>
+                <a:headEnd/>
+                <a:tailEnd/>
+              </a14:hiddenLine>
+            </a:ext>
+            <a:ext uri="{AF507438-7753-43E0-B8FC-AC1667EBCBE1}">
+              <a14:hiddenEffects xmlns:a14="http://schemas.microsoft.com/office/drawing/2010/main">
+                <a:effectLst>
+                  <a:outerShdw dist="35921" dir="2700000" algn="ctr" rotWithShape="0">
+                    <a:schemeClr val="bg2"/>
+                  </a:outerShdw>
+                </a:effectLst>
+              </a14:hiddenEffects>
+            </a:ext>
+          </a:extLst>
+        </p:spPr>
+        <p:txBody>
+          <a:bodyPr vert="horz" wrap="none" lIns="91440" tIns="45720" rIns="91440" bIns="45720" numCol="1" anchor="ctr" anchorCtr="0" compatLnSpc="1">
+            <a:prstTxWarp prst="textNoShape">
+              <a:avLst/>
+            </a:prstTxWarp>
+            <a:spAutoFit/>
+          </a:bodyPr>
+          <a:lstStyle/>
+          <a:p>
+            <a:endParaRPr lang="en-US"/>
+          </a:p>
+        </p:txBody>
+      </p:sp>
+      <p:grpSp>
+        <p:nvGrpSpPr>
+          <p:cNvPr id="11" name="Group 10">
+            <a:extLst>
+              <a:ext uri="{FF2B5EF4-FFF2-40B4-BE49-F238E27FC236}">
+                <a16:creationId xmlns:a16="http://schemas.microsoft.com/office/drawing/2014/main" id="{2C473DAE-8913-4E4D-961C-EF1452D74469}"/>
+              </a:ext>
+            </a:extLst>
+          </p:cNvPr>
+          <p:cNvGrpSpPr/>
+          <p:nvPr/>
+        </p:nvGrpSpPr>
+        <p:grpSpPr>
+          <a:xfrm>
+            <a:off x="7333448" y="2328907"/>
+            <a:ext cx="3321050" cy="2200185"/>
+            <a:chOff x="4624431" y="2495551"/>
+            <a:chExt cx="3321050" cy="2200185"/>
+          </a:xfrm>
+        </p:grpSpPr>
+        <p:sp>
+          <p:nvSpPr>
+            <p:cNvPr id="7" name="Text Box 2">
+              <a:extLst>
+                <a:ext uri="{FF2B5EF4-FFF2-40B4-BE49-F238E27FC236}">
+                  <a16:creationId xmlns:a16="http://schemas.microsoft.com/office/drawing/2014/main" id="{74AA9F6F-8019-49FC-BF26-3A2B5E36521B}"/>
+                </a:ext>
+              </a:extLst>
+            </p:cNvPr>
+            <p:cNvSpPr txBox="1">
+              <a:spLocks noChangeArrowheads="1"/>
+            </p:cNvSpPr>
+            <p:nvPr/>
+          </p:nvSpPr>
+          <p:spPr bwMode="auto">
+            <a:xfrm rot="-5400000">
+              <a:off x="3833856" y="3292475"/>
+              <a:ext cx="1835150" cy="254000"/>
+            </a:xfrm>
+            <a:prstGeom prst="rect">
+              <a:avLst/>
+            </a:prstGeom>
+            <a:solidFill>
+              <a:srgbClr val="FFFFFF"/>
+            </a:solidFill>
+            <a:ln w="9525">
+              <a:noFill/>
+              <a:miter lim="800000"/>
+              <a:headEnd/>
+              <a:tailEnd/>
+            </a:ln>
+          </p:spPr>
+          <p:txBody>
+            <a:bodyPr vert="horz" wrap="square" lIns="91440" tIns="45720" rIns="91440" bIns="45720" numCol="1" anchor="t" anchorCtr="0" compatLnSpc="1">
+              <a:prstTxWarp prst="textNoShape">
+                <a:avLst/>
+              </a:prstTxWarp>
+            </a:bodyPr>
+            <a:lstStyle/>
+            <a:p>
+              <a:pPr marL="0" marR="0" lvl="0" indent="0" algn="ctr" defTabSz="914400" rtl="0" eaLnBrk="0" fontAlgn="base" latinLnBrk="0" hangingPunct="0">
+                <a:lnSpc>
+                  <a:spcPct val="100000"/>
+                </a:lnSpc>
+                <a:spcBef>
+                  <a:spcPct val="0"/>
+                </a:spcBef>
+                <a:spcAft>
+                  <a:spcPct val="0"/>
+                </a:spcAft>
+                <a:buClrTx/>
+                <a:buSzTx/>
+                <a:buFontTx/>
+                <a:buNone/>
+                <a:tabLst/>
+              </a:pPr>
+              <a:r>
+                <a:rPr kumimoji="0" lang="en-US" altLang="en-US" sz="1200" b="0" i="0" u="none" strike="noStrike" cap="none" normalizeH="0" baseline="0" dirty="0">
+                  <a:ln>
+                    <a:noFill/>
+                  </a:ln>
+                  <a:solidFill>
+                    <a:schemeClr val="tx1"/>
+                  </a:solidFill>
+                  <a:effectLst/>
+                  <a:latin typeface="Calibri" panose="020F0502020204030204" pitchFamily="34" charset="0"/>
+                  <a:ea typeface="Calibri" panose="020F0502020204030204" pitchFamily="34" charset="0"/>
+                  <a:cs typeface="Arial" panose="020B0604020202020204" pitchFamily="34" charset="0"/>
+                </a:rPr>
+                <a:t>Local Condition Number</a:t>
+              </a:r>
+              <a:endParaRPr kumimoji="0" lang="en-US" altLang="en-US" sz="800" b="0" i="0" u="none" strike="noStrike" cap="none" normalizeH="0" baseline="0" dirty="0">
+                <a:ln>
+                  <a:noFill/>
+                </a:ln>
+                <a:solidFill>
+                  <a:schemeClr val="tx1"/>
+                </a:solidFill>
+                <a:effectLst/>
+              </a:endParaRPr>
+            </a:p>
+            <a:p>
+              <a:pPr marL="0" marR="0" lvl="0" indent="0" algn="l" defTabSz="914400" rtl="0" eaLnBrk="0" fontAlgn="base" latinLnBrk="0" hangingPunct="0">
+                <a:lnSpc>
+                  <a:spcPct val="100000"/>
+                </a:lnSpc>
+                <a:spcBef>
+                  <a:spcPct val="0"/>
+                </a:spcBef>
+                <a:spcAft>
+                  <a:spcPct val="0"/>
+                </a:spcAft>
+                <a:buClrTx/>
+                <a:buSzTx/>
+                <a:buFontTx/>
+                <a:buNone/>
+                <a:tabLst/>
+              </a:pPr>
+              <a:endParaRPr kumimoji="0" lang="en-US" altLang="en-US" sz="1800" b="0" i="0" u="none" strike="noStrike" cap="none" normalizeH="0" baseline="0" dirty="0">
+                <a:ln>
+                  <a:noFill/>
+                </a:ln>
+                <a:solidFill>
+                  <a:schemeClr val="tx1"/>
+                </a:solidFill>
+                <a:effectLst/>
+                <a:latin typeface="Arial" panose="020B0604020202020204" pitchFamily="34" charset="0"/>
+              </a:endParaRPr>
+            </a:p>
+          </p:txBody>
+        </p:sp>
+        <p:grpSp>
+          <p:nvGrpSpPr>
+            <p:cNvPr id="10" name="Group 9">
+              <a:extLst>
+                <a:ext uri="{FF2B5EF4-FFF2-40B4-BE49-F238E27FC236}">
+                  <a16:creationId xmlns:a16="http://schemas.microsoft.com/office/drawing/2014/main" id="{C2DDDBE4-396E-4010-8ABA-4E2E9AA1A605}"/>
+                </a:ext>
+              </a:extLst>
+            </p:cNvPr>
+            <p:cNvGrpSpPr/>
+            <p:nvPr/>
+          </p:nvGrpSpPr>
+          <p:grpSpPr>
+            <a:xfrm>
+              <a:off x="4878431" y="2495551"/>
+              <a:ext cx="3067050" cy="2200185"/>
+              <a:chOff x="4878431" y="2495551"/>
+              <a:chExt cx="3067050" cy="2200185"/>
+            </a:xfrm>
+          </p:grpSpPr>
+          <p:pic>
+            <p:nvPicPr>
+              <p:cNvPr id="2054" name="Picture 4">
+                <a:extLst>
+                  <a:ext uri="{FF2B5EF4-FFF2-40B4-BE49-F238E27FC236}">
+                    <a16:creationId xmlns:a16="http://schemas.microsoft.com/office/drawing/2014/main" id="{8B76AFED-1711-441C-9CC5-3C8037B6A812}"/>
+                  </a:ext>
+                </a:extLst>
+              </p:cNvPr>
+              <p:cNvPicPr>
+                <a:picLocks noChangeAspect="1" noChangeArrowheads="1"/>
+              </p:cNvPicPr>
+              <p:nvPr/>
+            </p:nvPicPr>
+            <p:blipFill>
+              <a:blip r:embed="rId2">
+                <a:extLst>
+                  <a:ext uri="{28A0092B-C50C-407E-A947-70E740481C1C}">
+                    <a14:useLocalDpi xmlns:a14="http://schemas.microsoft.com/office/drawing/2010/main" val="0"/>
+                  </a:ext>
+                </a:extLst>
+              </a:blip>
+              <a:srcRect l="1884" t="21521" r="78459" b="59315"/>
+              <a:stretch>
+                <a:fillRect/>
+              </a:stretch>
+            </p:blipFill>
+            <p:spPr bwMode="auto">
+              <a:xfrm>
+                <a:off x="4878431" y="2495551"/>
+                <a:ext cx="3067050" cy="1866900"/>
+              </a:xfrm>
+              <a:prstGeom prst="rect">
+                <a:avLst/>
+              </a:prstGeom>
+              <a:noFill/>
+              <a:extLst>
+                <a:ext uri="{909E8E84-426E-40DD-AFC4-6F175D3DCCD1}">
+                  <a14:hiddenFill xmlns:a14="http://schemas.microsoft.com/office/drawing/2010/main">
+                    <a:solidFill>
+                      <a:srgbClr val="FFFFFF"/>
+                    </a:solidFill>
+                  </a14:hiddenFill>
+                </a:ext>
+              </a:extLst>
+            </p:spPr>
+          </p:pic>
+          <p:sp>
+            <p:nvSpPr>
+              <p:cNvPr id="12" name="Text Box 2">
+                <a:extLst>
+                  <a:ext uri="{FF2B5EF4-FFF2-40B4-BE49-F238E27FC236}">
+                    <a16:creationId xmlns:a16="http://schemas.microsoft.com/office/drawing/2014/main" id="{8B28D7E6-2DFF-412E-AFC7-3730729D808D}"/>
+                  </a:ext>
+                </a:extLst>
+              </p:cNvPr>
+              <p:cNvSpPr txBox="1">
+                <a:spLocks noChangeArrowheads="1"/>
+              </p:cNvSpPr>
+              <p:nvPr/>
+            </p:nvSpPr>
+            <p:spPr bwMode="auto">
+              <a:xfrm>
+                <a:off x="5571294" y="4362450"/>
+                <a:ext cx="1835150" cy="333286"/>
+              </a:xfrm>
+              <a:prstGeom prst="rect">
+                <a:avLst/>
+              </a:prstGeom>
+              <a:solidFill>
+                <a:srgbClr val="FFFFFF"/>
+              </a:solidFill>
+              <a:ln w="9525">
+                <a:noFill/>
+                <a:miter lim="800000"/>
+                <a:headEnd/>
+                <a:tailEnd/>
+              </a:ln>
+            </p:spPr>
+            <p:txBody>
+              <a:bodyPr vert="horz" wrap="square" lIns="91440" tIns="45720" rIns="91440" bIns="45720" numCol="1" anchor="t" anchorCtr="0" compatLnSpc="1">
+                <a:prstTxWarp prst="textNoShape">
+                  <a:avLst/>
+                </a:prstTxWarp>
+              </a:bodyPr>
+              <a:lstStyle/>
+              <a:p>
+                <a:pPr lvl="0"/>
+                <a:r>
+                  <a:rPr lang="en-US" sz="1200" dirty="0">
+                    <a:latin typeface="Calibri" panose="020F0502020204030204" pitchFamily="34" charset="0"/>
+                    <a:cs typeface="Arial" panose="020B0604020202020204" pitchFamily="34" charset="0"/>
+                  </a:rPr>
+                  <a:t>Manipulability</a:t>
+                </a:r>
+                <a:r>
+                  <a:rPr lang="en-US" dirty="0"/>
+                  <a:t> </a:t>
+                </a:r>
+                <a:r>
+                  <a:rPr lang="en-US" sz="1200" dirty="0">
+                    <a:latin typeface="Calibri" panose="020F0502020204030204" pitchFamily="34" charset="0"/>
+                    <a:cs typeface="Arial" panose="020B0604020202020204" pitchFamily="34" charset="0"/>
+                  </a:rPr>
+                  <a:t>Index</a:t>
+                </a:r>
+              </a:p>
+              <a:p>
+                <a:pPr marL="0" marR="0" lvl="0" indent="0" algn="l" defTabSz="914400" rtl="0" eaLnBrk="0" fontAlgn="base" latinLnBrk="0" hangingPunct="0">
+                  <a:lnSpc>
+                    <a:spcPct val="100000"/>
+                  </a:lnSpc>
+                  <a:spcBef>
+                    <a:spcPct val="0"/>
+                  </a:spcBef>
+                  <a:spcAft>
+                    <a:spcPct val="0"/>
+                  </a:spcAft>
+                  <a:buClrTx/>
+                  <a:buSzTx/>
+                  <a:buFontTx/>
+                  <a:buNone/>
+                  <a:tabLst/>
+                </a:pPr>
+                <a:endParaRPr kumimoji="0" lang="en-US" altLang="en-US" sz="1800" b="0" i="0" u="none" strike="noStrike" cap="none" normalizeH="0" baseline="0" dirty="0">
+                  <a:ln>
+                    <a:noFill/>
+                  </a:ln>
+                  <a:solidFill>
+                    <a:schemeClr val="tx1"/>
+                  </a:solidFill>
+                  <a:effectLst/>
+                  <a:latin typeface="Arial" panose="020B0604020202020204" pitchFamily="34" charset="0"/>
+                </a:endParaRPr>
+              </a:p>
+            </p:txBody>
+          </p:sp>
+        </p:grpSp>
+      </p:grpSp>
+      <p:pic>
+        <p:nvPicPr>
+          <p:cNvPr id="15" name="Content Placeholder 3">
+            <a:extLst>
+              <a:ext uri="{FF2B5EF4-FFF2-40B4-BE49-F238E27FC236}">
+                <a16:creationId xmlns:a16="http://schemas.microsoft.com/office/drawing/2014/main" id="{EAA95200-B474-45D0-B924-40F359C581FF}"/>
+              </a:ext>
+            </a:extLst>
+          </p:cNvPr>
+          <p:cNvPicPr>
+            <a:picLocks noGrp="1"/>
+          </p:cNvPicPr>
+          <p:nvPr>
+            <p:ph idx="1"/>
+          </p:nvPr>
+        </p:nvPicPr>
+        <p:blipFill rotWithShape="1">
+          <a:blip r:embed="rId2" cstate="print">
+            <a:extLst>
+              <a:ext uri="{28A0092B-C50C-407E-A947-70E740481C1C}">
+                <a14:useLocalDpi xmlns:a14="http://schemas.microsoft.com/office/drawing/2010/main" val="0"/>
+              </a:ext>
+            </a:extLst>
+          </a:blip>
+          <a:srcRect l="1996" t="59067" r="78833" b="22039"/>
+          <a:stretch/>
+        </p:blipFill>
+        <p:spPr bwMode="auto">
+          <a:xfrm>
+            <a:off x="3981360" y="2328907"/>
+            <a:ext cx="3067051" cy="1866897"/>
+          </a:xfrm>
+          <a:prstGeom prst="rect">
+            <a:avLst/>
+          </a:prstGeom>
+          <a:noFill/>
+          <a:ln>
+            <a:noFill/>
+          </a:ln>
+        </p:spPr>
+      </p:pic>
+      <p:sp>
+        <p:nvSpPr>
+          <p:cNvPr id="16" name="Text Box 2">
+            <a:extLst>
+              <a:ext uri="{FF2B5EF4-FFF2-40B4-BE49-F238E27FC236}">
+                <a16:creationId xmlns:a16="http://schemas.microsoft.com/office/drawing/2014/main" id="{691B10C5-FB4F-45B6-9B52-F9AAD7F27414}"/>
+              </a:ext>
+            </a:extLst>
+          </p:cNvPr>
+          <p:cNvSpPr txBox="1">
+            <a:spLocks noChangeArrowheads="1"/>
+          </p:cNvSpPr>
+          <p:nvPr/>
+        </p:nvSpPr>
+        <p:spPr bwMode="auto">
+          <a:xfrm>
+            <a:off x="4707723" y="4195806"/>
+            <a:ext cx="1835150" cy="333286"/>
+          </a:xfrm>
+          <a:prstGeom prst="rect">
+            <a:avLst/>
+          </a:prstGeom>
+          <a:solidFill>
+            <a:srgbClr val="FFFFFF"/>
+          </a:solidFill>
+          <a:ln w="9525">
+            <a:noFill/>
+            <a:miter lim="800000"/>
+            <a:headEnd/>
+            <a:tailEnd/>
+          </a:ln>
+        </p:spPr>
+        <p:txBody>
+          <a:bodyPr vert="horz" wrap="square" lIns="91440" tIns="45720" rIns="91440" bIns="45720" numCol="1" anchor="t" anchorCtr="0" compatLnSpc="1">
+            <a:prstTxWarp prst="textNoShape">
+              <a:avLst/>
+            </a:prstTxWarp>
+          </a:bodyPr>
+          <a:lstStyle/>
+          <a:p>
+            <a:pPr lvl="0"/>
+            <a:r>
+              <a:rPr lang="en-US" sz="1200" dirty="0">
+                <a:latin typeface="Calibri" panose="020F0502020204030204" pitchFamily="34" charset="0"/>
+                <a:cs typeface="Arial" panose="020B0604020202020204" pitchFamily="34" charset="0"/>
+              </a:rPr>
+              <a:t>Manipulability</a:t>
+            </a:r>
+            <a:r>
+              <a:rPr lang="en-US" dirty="0"/>
+              <a:t> </a:t>
+            </a:r>
+            <a:r>
+              <a:rPr lang="en-US" sz="1200" dirty="0">
+                <a:latin typeface="Calibri" panose="020F0502020204030204" pitchFamily="34" charset="0"/>
+                <a:cs typeface="Arial" panose="020B0604020202020204" pitchFamily="34" charset="0"/>
+              </a:rPr>
+              <a:t>Index</a:t>
+            </a:r>
+          </a:p>
+          <a:p>
+            <a:pPr marL="0" marR="0" lvl="0" indent="0" algn="l" defTabSz="914400" rtl="0" eaLnBrk="0" fontAlgn="base" latinLnBrk="0" hangingPunct="0">
+              <a:lnSpc>
+                <a:spcPct val="100000"/>
+              </a:lnSpc>
+              <a:spcBef>
+                <a:spcPct val="0"/>
+              </a:spcBef>
+              <a:spcAft>
+                <a:spcPct val="0"/>
+              </a:spcAft>
+              <a:buClrTx/>
+              <a:buSzTx/>
+              <a:buFontTx/>
+              <a:buNone/>
+              <a:tabLst/>
+            </a:pPr>
+            <a:endParaRPr kumimoji="0" lang="en-US" altLang="en-US" sz="1800" b="0" i="0" u="none" strike="noStrike" cap="none" normalizeH="0" baseline="0" dirty="0">
+              <a:ln>
+                <a:noFill/>
+              </a:ln>
+              <a:solidFill>
+                <a:schemeClr val="tx1"/>
+              </a:solidFill>
+              <a:effectLst/>
+              <a:latin typeface="Arial" panose="020B0604020202020204" pitchFamily="34" charset="0"/>
+            </a:endParaRPr>
+          </a:p>
+        </p:txBody>
+      </p:sp>
+      <p:sp>
+        <p:nvSpPr>
+          <p:cNvPr id="17" name="Text Box 2">
+            <a:extLst>
+              <a:ext uri="{FF2B5EF4-FFF2-40B4-BE49-F238E27FC236}">
+                <a16:creationId xmlns:a16="http://schemas.microsoft.com/office/drawing/2014/main" id="{0A7A3503-67F7-4C43-86CA-F303FADA80A2}"/>
+              </a:ext>
+            </a:extLst>
+          </p:cNvPr>
+          <p:cNvSpPr txBox="1">
+            <a:spLocks noChangeArrowheads="1"/>
+          </p:cNvSpPr>
+          <p:nvPr/>
+        </p:nvSpPr>
+        <p:spPr bwMode="auto">
+          <a:xfrm rot="16200000">
+            <a:off x="2855569" y="3068813"/>
+            <a:ext cx="1835153" cy="368032"/>
+          </a:xfrm>
+          <a:prstGeom prst="rect">
+            <a:avLst/>
+          </a:prstGeom>
+          <a:solidFill>
+            <a:srgbClr val="FFFFFF"/>
+          </a:solidFill>
+          <a:ln w="9525">
+            <a:noFill/>
+            <a:miter lim="800000"/>
+            <a:headEnd/>
+            <a:tailEnd/>
+          </a:ln>
+        </p:spPr>
+        <p:txBody>
+          <a:bodyPr vert="horz" wrap="square" lIns="91440" tIns="45720" rIns="91440" bIns="45720" numCol="1" anchor="t" anchorCtr="0" compatLnSpc="1">
+            <a:prstTxWarp prst="textNoShape">
+              <a:avLst/>
+            </a:prstTxWarp>
+          </a:bodyPr>
+          <a:lstStyle/>
+          <a:p>
+            <a:pPr lvl="0" algn="ctr" eaLnBrk="0" fontAlgn="base" hangingPunct="0">
+              <a:spcBef>
+                <a:spcPct val="0"/>
+              </a:spcBef>
+              <a:spcAft>
+                <a:spcPct val="0"/>
+              </a:spcAft>
+            </a:pPr>
+            <a:r>
+              <a:rPr lang="en-US" altLang="en-US" sz="1200" dirty="0">
+                <a:latin typeface="Calibri" panose="020F0502020204030204" pitchFamily="34" charset="0"/>
+                <a:ea typeface="Calibri" panose="020F0502020204030204" pitchFamily="34" charset="0"/>
+                <a:cs typeface="Arial" panose="020B0604020202020204" pitchFamily="34" charset="0"/>
+              </a:rPr>
+              <a:t>Mid-Proximity Joint Index</a:t>
+            </a:r>
+            <a:endParaRPr kumimoji="0" lang="en-US" altLang="en-US" sz="1800" b="0" i="0" u="none" strike="noStrike" cap="none" normalizeH="0" baseline="0" dirty="0">
+              <a:ln>
+                <a:noFill/>
+              </a:ln>
+              <a:solidFill>
+                <a:schemeClr val="tx1"/>
+              </a:solidFill>
+              <a:effectLst/>
+              <a:latin typeface="Arial" panose="020B0604020202020204" pitchFamily="34" charset="0"/>
+            </a:endParaRPr>
+          </a:p>
+        </p:txBody>
+      </p:sp>
+      <p:grpSp>
+        <p:nvGrpSpPr>
+          <p:cNvPr id="13" name="Group 12">
+            <a:extLst>
+              <a:ext uri="{FF2B5EF4-FFF2-40B4-BE49-F238E27FC236}">
+                <a16:creationId xmlns:a16="http://schemas.microsoft.com/office/drawing/2014/main" id="{ABEA8197-5ABD-4DF7-B10D-7EC1768EDE6B}"/>
+              </a:ext>
+            </a:extLst>
+          </p:cNvPr>
+          <p:cNvGrpSpPr/>
+          <p:nvPr/>
+        </p:nvGrpSpPr>
+        <p:grpSpPr>
+          <a:xfrm>
+            <a:off x="0" y="2266950"/>
+            <a:ext cx="3319611" cy="2428785"/>
+            <a:chOff x="0" y="2266950"/>
+            <a:chExt cx="3319611" cy="2428785"/>
+          </a:xfrm>
+        </p:grpSpPr>
+        <p:pic>
+          <p:nvPicPr>
+            <p:cNvPr id="18" name="Content Placeholder 3">
+              <a:extLst>
+                <a:ext uri="{FF2B5EF4-FFF2-40B4-BE49-F238E27FC236}">
+                  <a16:creationId xmlns:a16="http://schemas.microsoft.com/office/drawing/2014/main" id="{DE5D84F3-A408-4C28-B0B4-9A7DD4645C20}"/>
+                </a:ext>
+              </a:extLst>
+            </p:cNvPr>
+            <p:cNvPicPr>
+              <a:picLocks/>
+            </p:cNvPicPr>
+            <p:nvPr/>
+          </p:nvPicPr>
+          <p:blipFill rotWithShape="1">
+            <a:blip r:embed="rId2" cstate="print">
+              <a:extLst>
+                <a:ext uri="{28A0092B-C50C-407E-A947-70E740481C1C}">
+                  <a14:useLocalDpi xmlns:a14="http://schemas.microsoft.com/office/drawing/2010/main" val="0"/>
+                </a:ext>
+              </a:extLst>
+            </a:blip>
+            <a:srcRect l="80554" t="3040" b="78334"/>
+            <a:stretch/>
+          </p:blipFill>
+          <p:spPr bwMode="auto">
+            <a:xfrm>
+              <a:off x="252561" y="2495550"/>
+              <a:ext cx="3067050" cy="1835154"/>
+            </a:xfrm>
+            <a:prstGeom prst="rect">
+              <a:avLst/>
+            </a:prstGeom>
+            <a:noFill/>
+            <a:ln>
+              <a:noFill/>
+            </a:ln>
+          </p:spPr>
+        </p:pic>
+        <p:sp>
+          <p:nvSpPr>
+            <p:cNvPr id="19" name="Text Box 2">
+              <a:extLst>
+                <a:ext uri="{FF2B5EF4-FFF2-40B4-BE49-F238E27FC236}">
+                  <a16:creationId xmlns:a16="http://schemas.microsoft.com/office/drawing/2014/main" id="{6F7A30E0-6146-4275-A332-531D4840BFF3}"/>
+                </a:ext>
+              </a:extLst>
+            </p:cNvPr>
+            <p:cNvSpPr txBox="1">
+              <a:spLocks noChangeArrowheads="1"/>
+            </p:cNvSpPr>
+            <p:nvPr/>
+          </p:nvSpPr>
+          <p:spPr bwMode="auto">
+            <a:xfrm>
+              <a:off x="868511" y="4362449"/>
+              <a:ext cx="1835150" cy="333286"/>
+            </a:xfrm>
+            <a:prstGeom prst="rect">
+              <a:avLst/>
+            </a:prstGeom>
+            <a:solidFill>
+              <a:srgbClr val="FFFFFF"/>
+            </a:solidFill>
+            <a:ln w="9525">
+              <a:noFill/>
+              <a:miter lim="800000"/>
+              <a:headEnd/>
+              <a:tailEnd/>
+            </a:ln>
+          </p:spPr>
+          <p:txBody>
+            <a:bodyPr vert="horz" wrap="square" lIns="91440" tIns="45720" rIns="91440" bIns="45720" numCol="1" anchor="t" anchorCtr="0" compatLnSpc="1">
+              <a:prstTxWarp prst="textNoShape">
+                <a:avLst/>
+              </a:prstTxWarp>
+            </a:bodyPr>
+            <a:lstStyle/>
+            <a:p>
+              <a:pPr lvl="0" algn="ctr"/>
+              <a:r>
+                <a:rPr lang="en-US" sz="1200" dirty="0">
+                  <a:latin typeface="Calibri" panose="020F0502020204030204" pitchFamily="34" charset="0"/>
+                  <a:cs typeface="Arial" panose="020B0604020202020204" pitchFamily="34" charset="0"/>
+                </a:rPr>
+                <a:t>Degrees of freedom </a:t>
+              </a:r>
+            </a:p>
+            <a:p>
+              <a:pPr marL="0" marR="0" lvl="0" indent="0" algn="l" defTabSz="914400" rtl="0" eaLnBrk="0" fontAlgn="base" latinLnBrk="0" hangingPunct="0">
+                <a:lnSpc>
+                  <a:spcPct val="100000"/>
+                </a:lnSpc>
+                <a:spcBef>
+                  <a:spcPct val="0"/>
+                </a:spcBef>
+                <a:spcAft>
+                  <a:spcPct val="0"/>
+                </a:spcAft>
+                <a:buClrTx/>
+                <a:buSzTx/>
+                <a:buFontTx/>
+                <a:buNone/>
+                <a:tabLst/>
+              </a:pPr>
+              <a:endParaRPr kumimoji="0" lang="en-US" altLang="en-US" sz="1800" b="0" i="0" u="none" strike="noStrike" cap="none" normalizeH="0" baseline="0" dirty="0">
+                <a:ln>
+                  <a:noFill/>
+                </a:ln>
+                <a:solidFill>
+                  <a:schemeClr val="tx1"/>
+                </a:solidFill>
+                <a:effectLst/>
+                <a:latin typeface="Arial" panose="020B0604020202020204" pitchFamily="34" charset="0"/>
+              </a:endParaRPr>
+            </a:p>
+          </p:txBody>
+        </p:sp>
+        <p:sp>
+          <p:nvSpPr>
+            <p:cNvPr id="20" name="Text Box 2">
+              <a:extLst>
+                <a:ext uri="{FF2B5EF4-FFF2-40B4-BE49-F238E27FC236}">
+                  <a16:creationId xmlns:a16="http://schemas.microsoft.com/office/drawing/2014/main" id="{2A9DA64D-EA03-4AEA-89D9-50BD97AFB2FC}"/>
+                </a:ext>
+              </a:extLst>
+            </p:cNvPr>
+            <p:cNvSpPr txBox="1">
+              <a:spLocks noChangeArrowheads="1"/>
+            </p:cNvSpPr>
+            <p:nvPr/>
+          </p:nvSpPr>
+          <p:spPr bwMode="auto">
+            <a:xfrm rot="16200000">
+              <a:off x="-750932" y="3017882"/>
+              <a:ext cx="1835150" cy="333286"/>
+            </a:xfrm>
+            <a:prstGeom prst="rect">
+              <a:avLst/>
+            </a:prstGeom>
+            <a:solidFill>
+              <a:srgbClr val="FFFFFF"/>
+            </a:solidFill>
+            <a:ln w="9525">
+              <a:noFill/>
+              <a:miter lim="800000"/>
+              <a:headEnd/>
+              <a:tailEnd/>
+            </a:ln>
+          </p:spPr>
+          <p:txBody>
+            <a:bodyPr vert="horz" wrap="square" lIns="91440" tIns="45720" rIns="91440" bIns="45720" numCol="1" anchor="t" anchorCtr="0" compatLnSpc="1">
+              <a:prstTxWarp prst="textNoShape">
+                <a:avLst/>
+              </a:prstTxWarp>
+            </a:bodyPr>
+            <a:lstStyle/>
+            <a:p>
+              <a:pPr lvl="0"/>
+              <a:r>
+                <a:rPr lang="en-US" sz="1200" dirty="0">
+                  <a:latin typeface="Calibri" panose="020F0502020204030204" pitchFamily="34" charset="0"/>
+                  <a:cs typeface="Arial" panose="020B0604020202020204" pitchFamily="34" charset="0"/>
+                </a:rPr>
+                <a:t>Manipulability</a:t>
+              </a:r>
+              <a:r>
+                <a:rPr lang="en-US" dirty="0"/>
+                <a:t> </a:t>
+              </a:r>
+              <a:r>
+                <a:rPr lang="en-US" sz="1200" dirty="0">
+                  <a:latin typeface="Calibri" panose="020F0502020204030204" pitchFamily="34" charset="0"/>
+                  <a:cs typeface="Arial" panose="020B0604020202020204" pitchFamily="34" charset="0"/>
+                </a:rPr>
+                <a:t>Index</a:t>
+              </a:r>
+            </a:p>
+            <a:p>
+              <a:pPr marL="0" marR="0" lvl="0" indent="0" algn="l" defTabSz="914400" rtl="0" eaLnBrk="0" fontAlgn="base" latinLnBrk="0" hangingPunct="0">
+                <a:lnSpc>
+                  <a:spcPct val="100000"/>
+                </a:lnSpc>
+                <a:spcBef>
+                  <a:spcPct val="0"/>
+                </a:spcBef>
+                <a:spcAft>
+                  <a:spcPct val="0"/>
+                </a:spcAft>
+                <a:buClrTx/>
+                <a:buSzTx/>
+                <a:buFontTx/>
+                <a:buNone/>
+                <a:tabLst/>
+              </a:pPr>
+              <a:endParaRPr kumimoji="0" lang="en-US" altLang="en-US" sz="1800" b="0" i="0" u="none" strike="noStrike" cap="none" normalizeH="0" baseline="0" dirty="0">
+                <a:ln>
+                  <a:noFill/>
+                </a:ln>
+                <a:solidFill>
+                  <a:schemeClr val="tx1"/>
+                </a:solidFill>
+                <a:effectLst/>
+                <a:latin typeface="Arial" panose="020B0604020202020204" pitchFamily="34" charset="0"/>
+              </a:endParaRPr>
+            </a:p>
+          </p:txBody>
+        </p:sp>
+      </p:grpSp>
+    </p:spTree>
+    <p:extLst>
+      <p:ext uri="{BB962C8B-B14F-4D97-AF65-F5344CB8AC3E}">
+        <p14:creationId xmlns:p14="http://schemas.microsoft.com/office/powerpoint/2010/main" val="925468357"/>
+      </p:ext>
+    </p:extLst>
+  </p:cSld>
+  <p:clrMapOvr>
+    <a:masterClrMapping/>
+  </p:clrMapOvr>
+</p:sld>
+</file>
+
+<file path=ppt/slides/slide6.xml><?xml version="1.0" encoding="utf-8"?>
+<p:sld xmlns:a="http://schemas.openxmlformats.org/drawingml/2006/main" xmlns:r="http://schemas.openxmlformats.org/officeDocument/2006/relationships" xmlns:p="http://schemas.openxmlformats.org/presentationml/2006/main">
+  <p:cSld>
+    <p:spTree>
+      <p:nvGrpSpPr>
+        <p:cNvPr id="1" name=""/>
+        <p:cNvGrpSpPr/>
+        <p:nvPr/>
+      </p:nvGrpSpPr>
+      <p:grpSpPr>
+        <a:xfrm>
+          <a:off x="0" y="0"/>
+          <a:ext cx="0" cy="0"/>
+          <a:chOff x="0" y="0"/>
+          <a:chExt cx="0" cy="0"/>
+        </a:xfrm>
+      </p:grpSpPr>
+      <p:graphicFrame>
+        <p:nvGraphicFramePr>
+          <p:cNvPr id="12" name="Object 11">
+            <a:extLst>
+              <a:ext uri="{FF2B5EF4-FFF2-40B4-BE49-F238E27FC236}">
+                <a16:creationId xmlns:a16="http://schemas.microsoft.com/office/drawing/2014/main" id="{72FBE531-0F8D-41DD-B72D-C9889B8C92B8}"/>
+              </a:ext>
+            </a:extLst>
+          </p:cNvPr>
+          <p:cNvGraphicFramePr>
+            <a:graphicFrameLocks noChangeAspect="1"/>
+          </p:cNvGraphicFramePr>
+          <p:nvPr>
+            <p:extLst>
+              <p:ext uri="{D42A27DB-BD31-4B8C-83A1-F6EECF244321}">
+                <p14:modId xmlns:p14="http://schemas.microsoft.com/office/powerpoint/2010/main" val="2253969955"/>
+              </p:ext>
+            </p:extLst>
+          </p:nvPr>
+        </p:nvGraphicFramePr>
+        <p:xfrm>
+          <a:off x="259360" y="904875"/>
+          <a:ext cx="12049125" cy="5048250"/>
+        </p:xfrm>
+        <a:graphic>
+          <a:graphicData uri="http://schemas.openxmlformats.org/presentationml/2006/ole">
+            <mc:AlternateContent xmlns:mc="http://schemas.openxmlformats.org/markup-compatibility/2006">
+              <mc:Choice xmlns:v="urn:schemas-microsoft-com:vml" Requires="v">
+                <p:oleObj spid="_x0000_s3081" name="Worksheet" r:id="rId3" imgW="12049071" imgH="5048199" progId="Excel.Sheet.12">
+                  <p:embed/>
+                </p:oleObj>
+              </mc:Choice>
+              <mc:Fallback>
+                <p:oleObj name="Worksheet" r:id="rId3" imgW="12049071" imgH="5048199" progId="Excel.Sheet.12">
+                  <p:embed/>
+                  <p:pic>
+                    <p:nvPicPr>
+                      <p:cNvPr id="0" name=""/>
+                      <p:cNvPicPr/>
+                      <p:nvPr/>
+                    </p:nvPicPr>
+                    <p:blipFill>
+                      <a:blip r:embed="rId4"/>
+                      <a:stretch>
+                        <a:fillRect/>
+                      </a:stretch>
+                    </p:blipFill>
+                    <p:spPr>
+                      <a:xfrm>
+                        <a:off x="259360" y="904875"/>
+                        <a:ext cx="12049125" cy="5048250"/>
+                      </a:xfrm>
+                      <a:prstGeom prst="rect">
+                        <a:avLst/>
+                      </a:prstGeom>
+                    </p:spPr>
+                  </p:pic>
+                </p:oleObj>
+              </mc:Fallback>
+            </mc:AlternateContent>
+          </a:graphicData>
+        </a:graphic>
+      </p:graphicFrame>
+    </p:spTree>
+    <p:extLst>
+      <p:ext uri="{BB962C8B-B14F-4D97-AF65-F5344CB8AC3E}">
+        <p14:creationId xmlns:p14="http://schemas.microsoft.com/office/powerpoint/2010/main" val="2718796976"/>
       </p:ext>
     </p:extLst>
   </p:cSld>

--- a/general/Images.pptx
+++ b/general/Images.pptx
@@ -11,6 +11,9 @@
     <p:sldId id="260" r:id="rId5"/>
     <p:sldId id="259" r:id="rId6"/>
     <p:sldId id="261" r:id="rId7"/>
+    <p:sldId id="262" r:id="rId8"/>
+    <p:sldId id="263" r:id="rId9"/>
+    <p:sldId id="264" r:id="rId10"/>
   </p:sldIdLst>
   <p:sldSz cx="12192000" cy="6858000"/>
   <p:notesSz cx="6858000" cy="9144000"/>
@@ -264,7 +267,7 @@
           <a:p>
             <a:fld id="{EEAF73AA-7651-4CF2-A5D8-7E714E2EA7AF}" type="datetimeFigureOut">
               <a:rPr lang="en-US" smtClean="0"/>
-              <a:t>3/28/2020</a:t>
+              <a:t>4/7/2020</a:t>
             </a:fld>
             <a:endParaRPr lang="en-US"/>
           </a:p>
@@ -462,7 +465,7 @@
           <a:p>
             <a:fld id="{EEAF73AA-7651-4CF2-A5D8-7E714E2EA7AF}" type="datetimeFigureOut">
               <a:rPr lang="en-US" smtClean="0"/>
-              <a:t>3/28/2020</a:t>
+              <a:t>4/7/2020</a:t>
             </a:fld>
             <a:endParaRPr lang="en-US"/>
           </a:p>
@@ -670,7 +673,7 @@
           <a:p>
             <a:fld id="{EEAF73AA-7651-4CF2-A5D8-7E714E2EA7AF}" type="datetimeFigureOut">
               <a:rPr lang="en-US" smtClean="0"/>
-              <a:t>3/28/2020</a:t>
+              <a:t>4/7/2020</a:t>
             </a:fld>
             <a:endParaRPr lang="en-US"/>
           </a:p>
@@ -868,7 +871,7 @@
           <a:p>
             <a:fld id="{EEAF73AA-7651-4CF2-A5D8-7E714E2EA7AF}" type="datetimeFigureOut">
               <a:rPr lang="en-US" smtClean="0"/>
-              <a:t>3/28/2020</a:t>
+              <a:t>4/7/2020</a:t>
             </a:fld>
             <a:endParaRPr lang="en-US"/>
           </a:p>
@@ -1143,7 +1146,7 @@
           <a:p>
             <a:fld id="{EEAF73AA-7651-4CF2-A5D8-7E714E2EA7AF}" type="datetimeFigureOut">
               <a:rPr lang="en-US" smtClean="0"/>
-              <a:t>3/28/2020</a:t>
+              <a:t>4/7/2020</a:t>
             </a:fld>
             <a:endParaRPr lang="en-US"/>
           </a:p>
@@ -1408,7 +1411,7 @@
           <a:p>
             <a:fld id="{EEAF73AA-7651-4CF2-A5D8-7E714E2EA7AF}" type="datetimeFigureOut">
               <a:rPr lang="en-US" smtClean="0"/>
-              <a:t>3/28/2020</a:t>
+              <a:t>4/7/2020</a:t>
             </a:fld>
             <a:endParaRPr lang="en-US"/>
           </a:p>
@@ -1820,7 +1823,7 @@
           <a:p>
             <a:fld id="{EEAF73AA-7651-4CF2-A5D8-7E714E2EA7AF}" type="datetimeFigureOut">
               <a:rPr lang="en-US" smtClean="0"/>
-              <a:t>3/28/2020</a:t>
+              <a:t>4/7/2020</a:t>
             </a:fld>
             <a:endParaRPr lang="en-US"/>
           </a:p>
@@ -1961,7 +1964,7 @@
           <a:p>
             <a:fld id="{EEAF73AA-7651-4CF2-A5D8-7E714E2EA7AF}" type="datetimeFigureOut">
               <a:rPr lang="en-US" smtClean="0"/>
-              <a:t>3/28/2020</a:t>
+              <a:t>4/7/2020</a:t>
             </a:fld>
             <a:endParaRPr lang="en-US"/>
           </a:p>
@@ -2074,7 +2077,7 @@
           <a:p>
             <a:fld id="{EEAF73AA-7651-4CF2-A5D8-7E714E2EA7AF}" type="datetimeFigureOut">
               <a:rPr lang="en-US" smtClean="0"/>
-              <a:t>3/28/2020</a:t>
+              <a:t>4/7/2020</a:t>
             </a:fld>
             <a:endParaRPr lang="en-US"/>
           </a:p>
@@ -2385,7 +2388,7 @@
           <a:p>
             <a:fld id="{EEAF73AA-7651-4CF2-A5D8-7E714E2EA7AF}" type="datetimeFigureOut">
               <a:rPr lang="en-US" smtClean="0"/>
-              <a:t>3/28/2020</a:t>
+              <a:t>4/7/2020</a:t>
             </a:fld>
             <a:endParaRPr lang="en-US"/>
           </a:p>
@@ -2673,7 +2676,7 @@
           <a:p>
             <a:fld id="{EEAF73AA-7651-4CF2-A5D8-7E714E2EA7AF}" type="datetimeFigureOut">
               <a:rPr lang="en-US" smtClean="0"/>
-              <a:t>3/28/2020</a:t>
+              <a:t>4/7/2020</a:t>
             </a:fld>
             <a:endParaRPr lang="en-US"/>
           </a:p>
@@ -2914,7 +2917,7 @@
           <a:p>
             <a:fld id="{EEAF73AA-7651-4CF2-A5D8-7E714E2EA7AF}" type="datetimeFigureOut">
               <a:rPr lang="en-US" smtClean="0"/>
-              <a:t>3/28/2020</a:t>
+              <a:t>4/7/2020</a:t>
             </a:fld>
             <a:endParaRPr lang="en-US"/>
           </a:p>
@@ -7182,7 +7185,7 @@
           <a:graphicData uri="http://schemas.openxmlformats.org/presentationml/2006/ole">
             <mc:AlternateContent xmlns:mc="http://schemas.openxmlformats.org/markup-compatibility/2006">
               <mc:Choice xmlns:v="urn:schemas-microsoft-com:vml" Requires="v">
-                <p:oleObj spid="_x0000_s3081" name="Worksheet" r:id="rId3" imgW="12049071" imgH="5048199" progId="Excel.Sheet.12">
+                <p:oleObj spid="_x0000_s3093" name="Worksheet" r:id="rId3" imgW="12049071" imgH="5048199" progId="Excel.Sheet.12">
                   <p:embed/>
                 </p:oleObj>
               </mc:Choice>
@@ -7217,10 +7220,1257 @@
           </a:graphicData>
         </a:graphic>
       </p:graphicFrame>
+      <p:pic>
+        <p:nvPicPr>
+          <p:cNvPr id="3075" name="TextBox 3">
+            <a:extLst>
+              <a:ext uri="{FF2B5EF4-FFF2-40B4-BE49-F238E27FC236}">
+                <a16:creationId xmlns:a16="http://schemas.microsoft.com/office/drawing/2014/main" id="{CFC508EE-ABB6-4464-B597-C4E3955D5A67}"/>
+              </a:ext>
+            </a:extLst>
+          </p:cNvPr>
+          <p:cNvPicPr>
+            <a:picLocks noChangeAspect="1" noChangeArrowheads="1"/>
+          </p:cNvPicPr>
+          <p:nvPr/>
+        </p:nvPicPr>
+        <p:blipFill>
+          <a:blip r:embed="rId5">
+            <a:extLst>
+              <a:ext uri="{28A0092B-C50C-407E-A947-70E740481C1C}">
+                <a14:useLocalDpi xmlns:a14="http://schemas.microsoft.com/office/drawing/2010/main" val="0"/>
+              </a:ext>
+            </a:extLst>
+          </a:blip>
+          <a:srcRect/>
+          <a:stretch>
+            <a:fillRect/>
+          </a:stretch>
+        </p:blipFill>
+        <p:spPr bwMode="auto">
+          <a:xfrm>
+            <a:off x="600075" y="514350"/>
+            <a:ext cx="1485900" cy="485775"/>
+          </a:xfrm>
+          <a:prstGeom prst="rect">
+            <a:avLst/>
+          </a:prstGeom>
+          <a:noFill/>
+          <a:ln>
+            <a:noFill/>
+          </a:ln>
+          <a:extLst>
+            <a:ext uri="{909E8E84-426E-40DD-AFC4-6F175D3DCCD1}">
+              <a14:hiddenFill xmlns:a14="http://schemas.microsoft.com/office/drawing/2010/main">
+                <a:solidFill>
+                  <a:srgbClr val="FFFFFF"/>
+                </a:solidFill>
+              </a14:hiddenFill>
+            </a:ext>
+            <a:ext uri="{91240B29-F687-4F45-9708-019B960494DF}">
+              <a14:hiddenLine xmlns:a14="http://schemas.microsoft.com/office/drawing/2010/main" w="9525">
+                <a:solidFill>
+                  <a:srgbClr val="000000"/>
+                </a:solidFill>
+                <a:miter lim="800000"/>
+                <a:headEnd/>
+                <a:tailEnd/>
+              </a14:hiddenLine>
+            </a:ext>
+          </a:extLst>
+        </p:spPr>
+      </p:pic>
     </p:spTree>
     <p:extLst>
       <p:ext uri="{BB962C8B-B14F-4D97-AF65-F5344CB8AC3E}">
         <p14:creationId xmlns:p14="http://schemas.microsoft.com/office/powerpoint/2010/main" val="2718796976"/>
+      </p:ext>
+    </p:extLst>
+  </p:cSld>
+  <p:clrMapOvr>
+    <a:masterClrMapping/>
+  </p:clrMapOvr>
+</p:sld>
+</file>
+
+<file path=ppt/slides/slide7.xml><?xml version="1.0" encoding="utf-8"?>
+<p:sld xmlns:a="http://schemas.openxmlformats.org/drawingml/2006/main" xmlns:r="http://schemas.openxmlformats.org/officeDocument/2006/relationships" xmlns:p="http://schemas.openxmlformats.org/presentationml/2006/main">
+  <p:cSld>
+    <p:spTree>
+      <p:nvGrpSpPr>
+        <p:cNvPr id="1" name=""/>
+        <p:cNvGrpSpPr/>
+        <p:nvPr/>
+      </p:nvGrpSpPr>
+      <p:grpSpPr>
+        <a:xfrm>
+          <a:off x="0" y="0"/>
+          <a:ext cx="0" cy="0"/>
+          <a:chOff x="0" y="0"/>
+          <a:chExt cx="0" cy="0"/>
+        </a:xfrm>
+      </p:grpSpPr>
+      <p:pic>
+        <p:nvPicPr>
+          <p:cNvPr id="13" name="Content Placeholder 12">
+            <a:extLst>
+              <a:ext uri="{FF2B5EF4-FFF2-40B4-BE49-F238E27FC236}">
+                <a16:creationId xmlns:a16="http://schemas.microsoft.com/office/drawing/2014/main" id="{F46995F7-F9C2-4402-9602-CBAB9286738C}"/>
+              </a:ext>
+            </a:extLst>
+          </p:cNvPr>
+          <p:cNvPicPr>
+            <a:picLocks noGrp="1" noChangeAspect="1"/>
+          </p:cNvPicPr>
+          <p:nvPr>
+            <p:ph idx="1"/>
+          </p:nvPr>
+        </p:nvPicPr>
+        <p:blipFill rotWithShape="1">
+          <a:blip r:embed="rId2">
+            <a:extLst>
+              <a:ext uri="{28A0092B-C50C-407E-A947-70E740481C1C}">
+                <a14:useLocalDpi xmlns:a14="http://schemas.microsoft.com/office/drawing/2010/main" val="0"/>
+              </a:ext>
+            </a:extLst>
+          </a:blip>
+          <a:srcRect l="35721" t="39788" r="44976" b="25317"/>
+          <a:stretch/>
+        </p:blipFill>
+        <p:spPr>
+          <a:xfrm>
+            <a:off x="2315360" y="1221657"/>
+            <a:ext cx="2596364" cy="2520000"/>
+          </a:xfrm>
+        </p:spPr>
+      </p:pic>
+      <p:pic>
+        <p:nvPicPr>
+          <p:cNvPr id="15" name="Picture 14">
+            <a:extLst>
+              <a:ext uri="{FF2B5EF4-FFF2-40B4-BE49-F238E27FC236}">
+                <a16:creationId xmlns:a16="http://schemas.microsoft.com/office/drawing/2014/main" id="{2A85C3A3-EF47-42F0-AF29-D20873F39DF8}"/>
+              </a:ext>
+            </a:extLst>
+          </p:cNvPr>
+          <p:cNvPicPr>
+            <a:picLocks noChangeAspect="1"/>
+          </p:cNvPicPr>
+          <p:nvPr/>
+        </p:nvPicPr>
+        <p:blipFill rotWithShape="1">
+          <a:blip r:embed="rId3">
+            <a:extLst>
+              <a:ext uri="{28A0092B-C50C-407E-A947-70E740481C1C}">
+                <a14:useLocalDpi xmlns:a14="http://schemas.microsoft.com/office/drawing/2010/main" val="0"/>
+              </a:ext>
+            </a:extLst>
+          </a:blip>
+          <a:srcRect l="36743" t="51376" r="46881" b="20367"/>
+          <a:stretch/>
+        </p:blipFill>
+        <p:spPr>
+          <a:xfrm>
+            <a:off x="5838738" y="1227949"/>
+            <a:ext cx="2596364" cy="2520000"/>
+          </a:xfrm>
+          <a:prstGeom prst="rect">
+            <a:avLst/>
+          </a:prstGeom>
+        </p:spPr>
+      </p:pic>
+      <p:pic>
+        <p:nvPicPr>
+          <p:cNvPr id="17" name="Picture 16">
+            <a:extLst>
+              <a:ext uri="{FF2B5EF4-FFF2-40B4-BE49-F238E27FC236}">
+                <a16:creationId xmlns:a16="http://schemas.microsoft.com/office/drawing/2014/main" id="{B11D0D87-3086-4E9F-A802-5B489967C7E2}"/>
+              </a:ext>
+            </a:extLst>
+          </p:cNvPr>
+          <p:cNvPicPr>
+            <a:picLocks noChangeAspect="1"/>
+          </p:cNvPicPr>
+          <p:nvPr/>
+        </p:nvPicPr>
+        <p:blipFill rotWithShape="1">
+          <a:blip r:embed="rId4">
+            <a:extLst>
+              <a:ext uri="{28A0092B-C50C-407E-A947-70E740481C1C}">
+                <a14:useLocalDpi xmlns:a14="http://schemas.microsoft.com/office/drawing/2010/main" val="0"/>
+              </a:ext>
+            </a:extLst>
+          </a:blip>
+          <a:srcRect l="32374" t="56269" r="46330" b="20490"/>
+          <a:stretch/>
+        </p:blipFill>
+        <p:spPr>
+          <a:xfrm>
+            <a:off x="2315360" y="3830467"/>
+            <a:ext cx="2596364" cy="2520000"/>
+          </a:xfrm>
+          <a:prstGeom prst="rect">
+            <a:avLst/>
+          </a:prstGeom>
+        </p:spPr>
+      </p:pic>
+      <p:pic>
+        <p:nvPicPr>
+          <p:cNvPr id="19" name="Picture 18">
+            <a:extLst>
+              <a:ext uri="{FF2B5EF4-FFF2-40B4-BE49-F238E27FC236}">
+                <a16:creationId xmlns:a16="http://schemas.microsoft.com/office/drawing/2014/main" id="{0AB484C6-0DF4-4134-AC5F-CB73C88323B4}"/>
+              </a:ext>
+            </a:extLst>
+          </p:cNvPr>
+          <p:cNvPicPr>
+            <a:picLocks noChangeAspect="1"/>
+          </p:cNvPicPr>
+          <p:nvPr/>
+        </p:nvPicPr>
+        <p:blipFill rotWithShape="1">
+          <a:blip r:embed="rId5">
+            <a:extLst>
+              <a:ext uri="{28A0092B-C50C-407E-A947-70E740481C1C}">
+                <a14:useLocalDpi xmlns:a14="http://schemas.microsoft.com/office/drawing/2010/main" val="0"/>
+              </a:ext>
+            </a:extLst>
+          </a:blip>
+          <a:srcRect l="36468" t="57370" r="46743" b="22202"/>
+          <a:stretch/>
+        </p:blipFill>
+        <p:spPr>
+          <a:xfrm>
+            <a:off x="5838738" y="3741657"/>
+            <a:ext cx="2596365" cy="2520000"/>
+          </a:xfrm>
+          <a:prstGeom prst="rect">
+            <a:avLst/>
+          </a:prstGeom>
+        </p:spPr>
+      </p:pic>
+    </p:spTree>
+    <p:extLst>
+      <p:ext uri="{BB962C8B-B14F-4D97-AF65-F5344CB8AC3E}">
+        <p14:creationId xmlns:p14="http://schemas.microsoft.com/office/powerpoint/2010/main" val="301511768"/>
+      </p:ext>
+    </p:extLst>
+  </p:cSld>
+  <p:clrMapOvr>
+    <a:masterClrMapping/>
+  </p:clrMapOvr>
+</p:sld>
+</file>
+
+<file path=ppt/slides/slide8.xml><?xml version="1.0" encoding="utf-8"?>
+<p:sld xmlns:a="http://schemas.openxmlformats.org/drawingml/2006/main" xmlns:r="http://schemas.openxmlformats.org/officeDocument/2006/relationships" xmlns:p="http://schemas.openxmlformats.org/presentationml/2006/main">
+  <p:cSld>
+    <p:spTree>
+      <p:nvGrpSpPr>
+        <p:cNvPr id="1" name=""/>
+        <p:cNvGrpSpPr/>
+        <p:nvPr/>
+      </p:nvGrpSpPr>
+      <p:grpSpPr>
+        <a:xfrm>
+          <a:off x="0" y="0"/>
+          <a:ext cx="0" cy="0"/>
+          <a:chOff x="0" y="0"/>
+          <a:chExt cx="0" cy="0"/>
+        </a:xfrm>
+      </p:grpSpPr>
+      <p:sp>
+        <p:nvSpPr>
+          <p:cNvPr id="2" name="Title 1">
+            <a:extLst>
+              <a:ext uri="{FF2B5EF4-FFF2-40B4-BE49-F238E27FC236}">
+                <a16:creationId xmlns:a16="http://schemas.microsoft.com/office/drawing/2014/main" id="{746CB938-0BD9-4676-8D6E-39EFC4FEACF8}"/>
+              </a:ext>
+            </a:extLst>
+          </p:cNvPr>
+          <p:cNvSpPr>
+            <a:spLocks noGrp="1"/>
+          </p:cNvSpPr>
+          <p:nvPr>
+            <p:ph type="title"/>
+          </p:nvPr>
+        </p:nvSpPr>
+        <p:spPr/>
+        <p:txBody>
+          <a:bodyPr/>
+          <a:lstStyle/>
+          <a:p>
+            <a:endParaRPr lang="en-US"/>
+          </a:p>
+        </p:txBody>
+      </p:sp>
+      <p:pic>
+        <p:nvPicPr>
+          <p:cNvPr id="4" name="Content Placeholder 3">
+            <a:extLst>
+              <a:ext uri="{FF2B5EF4-FFF2-40B4-BE49-F238E27FC236}">
+                <a16:creationId xmlns:a16="http://schemas.microsoft.com/office/drawing/2014/main" id="{F41C5CF9-3B35-4FDE-B52A-DC68A98969E6}"/>
+              </a:ext>
+            </a:extLst>
+          </p:cNvPr>
+          <p:cNvPicPr>
+            <a:picLocks noGrp="1" noChangeAspect="1"/>
+          </p:cNvPicPr>
+          <p:nvPr>
+            <p:ph idx="1"/>
+          </p:nvPr>
+        </p:nvPicPr>
+        <p:blipFill rotWithShape="1">
+          <a:blip r:embed="rId2"/>
+          <a:srcRect l="2181" t="46557" r="55856" b="8135"/>
+          <a:stretch/>
+        </p:blipFill>
+        <p:spPr>
+          <a:xfrm>
+            <a:off x="1484852" y="2541862"/>
+            <a:ext cx="3842551" cy="2520000"/>
+          </a:xfrm>
+          <a:prstGeom prst="rect">
+            <a:avLst/>
+          </a:prstGeom>
+        </p:spPr>
+      </p:pic>
+      <p:pic>
+        <p:nvPicPr>
+          <p:cNvPr id="6" name="Picture 5">
+            <a:extLst>
+              <a:ext uri="{FF2B5EF4-FFF2-40B4-BE49-F238E27FC236}">
+                <a16:creationId xmlns:a16="http://schemas.microsoft.com/office/drawing/2014/main" id="{E65F4CE8-95D6-4C87-8D77-944B20BDE8EA}"/>
+              </a:ext>
+            </a:extLst>
+          </p:cNvPr>
+          <p:cNvPicPr>
+            <a:picLocks noChangeAspect="1"/>
+          </p:cNvPicPr>
+          <p:nvPr/>
+        </p:nvPicPr>
+        <p:blipFill>
+          <a:blip r:embed="rId3">
+            <a:extLst>
+              <a:ext uri="{28A0092B-C50C-407E-A947-70E740481C1C}">
+                <a14:useLocalDpi xmlns:a14="http://schemas.microsoft.com/office/drawing/2010/main" val="0"/>
+              </a:ext>
+            </a:extLst>
+          </a:blip>
+          <a:stretch>
+            <a:fillRect/>
+          </a:stretch>
+        </p:blipFill>
+        <p:spPr>
+          <a:xfrm>
+            <a:off x="5545124" y="2541862"/>
+            <a:ext cx="3842551" cy="2520000"/>
+          </a:xfrm>
+          <a:prstGeom prst="rect">
+            <a:avLst/>
+          </a:prstGeom>
+        </p:spPr>
+      </p:pic>
+    </p:spTree>
+    <p:extLst>
+      <p:ext uri="{BB962C8B-B14F-4D97-AF65-F5344CB8AC3E}">
+        <p14:creationId xmlns:p14="http://schemas.microsoft.com/office/powerpoint/2010/main" val="1130481370"/>
+      </p:ext>
+    </p:extLst>
+  </p:cSld>
+  <p:clrMapOvr>
+    <a:masterClrMapping/>
+  </p:clrMapOvr>
+</p:sld>
+</file>
+
+<file path=ppt/slides/slide9.xml><?xml version="1.0" encoding="utf-8"?>
+<p:sld xmlns:a="http://schemas.openxmlformats.org/drawingml/2006/main" xmlns:r="http://schemas.openxmlformats.org/officeDocument/2006/relationships" xmlns:p="http://schemas.openxmlformats.org/presentationml/2006/main">
+  <p:cSld>
+    <p:spTree>
+      <p:nvGrpSpPr>
+        <p:cNvPr id="1" name=""/>
+        <p:cNvGrpSpPr/>
+        <p:nvPr/>
+      </p:nvGrpSpPr>
+      <p:grpSpPr>
+        <a:xfrm>
+          <a:off x="0" y="0"/>
+          <a:ext cx="0" cy="0"/>
+          <a:chOff x="0" y="0"/>
+          <a:chExt cx="0" cy="0"/>
+        </a:xfrm>
+      </p:grpSpPr>
+      <p:sp>
+        <p:nvSpPr>
+          <p:cNvPr id="2" name="Title 1">
+            <a:extLst>
+              <a:ext uri="{FF2B5EF4-FFF2-40B4-BE49-F238E27FC236}">
+                <a16:creationId xmlns:a16="http://schemas.microsoft.com/office/drawing/2014/main" id="{31CB92D7-607F-4E70-A979-1F8E1BE80047}"/>
+              </a:ext>
+            </a:extLst>
+          </p:cNvPr>
+          <p:cNvSpPr>
+            <a:spLocks noGrp="1"/>
+          </p:cNvSpPr>
+          <p:nvPr>
+            <p:ph type="title"/>
+          </p:nvPr>
+        </p:nvSpPr>
+        <p:spPr/>
+        <p:txBody>
+          <a:bodyPr>
+            <a:normAutofit/>
+          </a:bodyPr>
+          <a:lstStyle/>
+          <a:p>
+            <a:pPr algn="ctr"/>
+            <a:endParaRPr lang="en-US" dirty="0"/>
+          </a:p>
+        </p:txBody>
+      </p:sp>
+      <p:graphicFrame>
+        <p:nvGraphicFramePr>
+          <p:cNvPr id="12" name="Table 12">
+            <a:extLst>
+              <a:ext uri="{FF2B5EF4-FFF2-40B4-BE49-F238E27FC236}">
+                <a16:creationId xmlns:a16="http://schemas.microsoft.com/office/drawing/2014/main" id="{4E3F23FA-32A3-41B9-ABF9-8260BFA32917}"/>
+              </a:ext>
+            </a:extLst>
+          </p:cNvPr>
+          <p:cNvGraphicFramePr>
+            <a:graphicFrameLocks noGrp="1"/>
+          </p:cNvGraphicFramePr>
+          <p:nvPr>
+            <p:ph idx="1"/>
+            <p:extLst>
+              <p:ext uri="{D42A27DB-BD31-4B8C-83A1-F6EECF244321}">
+                <p14:modId xmlns:p14="http://schemas.microsoft.com/office/powerpoint/2010/main" val="1513470692"/>
+              </p:ext>
+            </p:extLst>
+          </p:nvPr>
+        </p:nvGraphicFramePr>
+        <p:xfrm>
+          <a:off x="838200" y="1825625"/>
+          <a:ext cx="7919148" cy="2595880"/>
+        </p:xfrm>
+        <a:graphic>
+          <a:graphicData uri="http://schemas.openxmlformats.org/drawingml/2006/table">
+            <a:tbl>
+              <a:tblPr firstRow="1" bandRow="1">
+                <a:tableStyleId>{5C22544A-7EE6-4342-B048-85BDC9FD1C3A}</a:tableStyleId>
+              </a:tblPr>
+              <a:tblGrid>
+                <a:gridCol w="1452880">
+                  <a:extLst>
+                    <a:ext uri="{9D8B030D-6E8A-4147-A177-3AD203B41FA5}">
+                      <a16:colId xmlns:a16="http://schemas.microsoft.com/office/drawing/2014/main" val="2749833620"/>
+                    </a:ext>
+                  </a:extLst>
+                </a:gridCol>
+                <a:gridCol w="1079818">
+                  <a:extLst>
+                    <a:ext uri="{9D8B030D-6E8A-4147-A177-3AD203B41FA5}">
+                      <a16:colId xmlns:a16="http://schemas.microsoft.com/office/drawing/2014/main" val="161012974"/>
+                    </a:ext>
+                  </a:extLst>
+                </a:gridCol>
+                <a:gridCol w="638492">
+                  <a:extLst>
+                    <a:ext uri="{9D8B030D-6E8A-4147-A177-3AD203B41FA5}">
+                      <a16:colId xmlns:a16="http://schemas.microsoft.com/office/drawing/2014/main" val="2525055301"/>
+                    </a:ext>
+                  </a:extLst>
+                </a:gridCol>
+                <a:gridCol w="1212786">
+                  <a:extLst>
+                    <a:ext uri="{9D8B030D-6E8A-4147-A177-3AD203B41FA5}">
+                      <a16:colId xmlns:a16="http://schemas.microsoft.com/office/drawing/2014/main" val="3724983511"/>
+                    </a:ext>
+                  </a:extLst>
+                </a:gridCol>
+                <a:gridCol w="1285875">
+                  <a:extLst>
+                    <a:ext uri="{9D8B030D-6E8A-4147-A177-3AD203B41FA5}">
+                      <a16:colId xmlns:a16="http://schemas.microsoft.com/office/drawing/2014/main" val="3502360030"/>
+                    </a:ext>
+                  </a:extLst>
+                </a:gridCol>
+                <a:gridCol w="1033018">
+                  <a:extLst>
+                    <a:ext uri="{9D8B030D-6E8A-4147-A177-3AD203B41FA5}">
+                      <a16:colId xmlns:a16="http://schemas.microsoft.com/office/drawing/2014/main" val="3000056373"/>
+                    </a:ext>
+                  </a:extLst>
+                </a:gridCol>
+                <a:gridCol w="1216279">
+                  <a:extLst>
+                    <a:ext uri="{9D8B030D-6E8A-4147-A177-3AD203B41FA5}">
+                      <a16:colId xmlns:a16="http://schemas.microsoft.com/office/drawing/2014/main" val="2186536177"/>
+                    </a:ext>
+                  </a:extLst>
+                </a:gridCol>
+              </a:tblGrid>
+              <a:tr h="370840">
+                <a:tc>
+                  <a:txBody>
+                    <a:bodyPr/>
+                    <a:lstStyle/>
+                    <a:p>
+                      <a:pPr marL="0" marR="0" lvl="0" indent="0" algn="ctr" defTabSz="914400" rtl="0" eaLnBrk="1" fontAlgn="auto" latinLnBrk="0" hangingPunct="1">
+                        <a:lnSpc>
+                          <a:spcPct val="100000"/>
+                        </a:lnSpc>
+                        <a:spcBef>
+                          <a:spcPts val="0"/>
+                        </a:spcBef>
+                        <a:spcAft>
+                          <a:spcPts val="0"/>
+                        </a:spcAft>
+                        <a:buClrTx/>
+                        <a:buSzTx/>
+                        <a:buFontTx/>
+                        <a:buNone/>
+                        <a:tabLst/>
+                        <a:defRPr/>
+                      </a:pPr>
+                      <a:r>
+                        <a:rPr lang="en-US" dirty="0"/>
+                        <a:t># of long link</a:t>
+                      </a:r>
+                    </a:p>
+                  </a:txBody>
+                  <a:tcPr/>
+                </a:tc>
+                <a:tc>
+                  <a:txBody>
+                    <a:bodyPr/>
+                    <a:lstStyle/>
+                    <a:p>
+                      <a:pPr algn="ctr"/>
+                      <a:r>
+                        <a:rPr lang="en-US" dirty="0"/>
+                        <a:t>Long link</a:t>
+                      </a:r>
+                    </a:p>
+                  </a:txBody>
+                  <a:tcPr/>
+                </a:tc>
+                <a:tc>
+                  <a:txBody>
+                    <a:bodyPr/>
+                    <a:lstStyle/>
+                    <a:p>
+                      <a:pPr algn="ctr"/>
+                      <a:r>
+                        <a:rPr lang="en-US" dirty="0"/>
+                        <a:t>DOF</a:t>
+                      </a:r>
+                    </a:p>
+                  </a:txBody>
+                  <a:tcPr/>
+                </a:tc>
+                <a:tc>
+                  <a:txBody>
+                    <a:bodyPr/>
+                    <a:lstStyle/>
+                    <a:p>
+                      <a:pPr algn="ctr"/>
+                      <a:r>
+                        <a:rPr lang="en-US" dirty="0"/>
+                        <a:t>Par Axes Y</a:t>
+                      </a:r>
+                    </a:p>
+                  </a:txBody>
+                  <a:tcPr/>
+                </a:tc>
+                <a:tc>
+                  <a:txBody>
+                    <a:bodyPr/>
+                    <a:lstStyle/>
+                    <a:p>
+                      <a:pPr algn="ctr"/>
+                      <a:r>
+                        <a:rPr lang="en-US" dirty="0"/>
+                        <a:t>Pitch joints</a:t>
+                      </a:r>
+                    </a:p>
+                  </a:txBody>
+                  <a:tcPr/>
+                </a:tc>
+                <a:tc>
+                  <a:txBody>
+                    <a:bodyPr/>
+                    <a:lstStyle/>
+                    <a:p>
+                      <a:pPr algn="ctr"/>
+                      <a:r>
+                        <a:rPr lang="en-US" dirty="0"/>
+                        <a:t>p/r ratio</a:t>
+                      </a:r>
+                    </a:p>
+                  </a:txBody>
+                  <a:tcPr/>
+                </a:tc>
+                <a:tc>
+                  <a:txBody>
+                    <a:bodyPr/>
+                    <a:lstStyle/>
+                    <a:p>
+                      <a:pPr algn="ctr"/>
+                      <a:r>
+                        <a:rPr lang="en-US"/>
+                        <a:t>Acc length</a:t>
+                      </a:r>
+                      <a:endParaRPr lang="en-US" dirty="0"/>
+                    </a:p>
+                  </a:txBody>
+                  <a:tcPr/>
+                </a:tc>
+                <a:extLst>
+                  <a:ext uri="{0D108BD9-81ED-4DB2-BD59-A6C34878D82A}">
+                    <a16:rowId xmlns:a16="http://schemas.microsoft.com/office/drawing/2014/main" val="198119154"/>
+                  </a:ext>
+                </a:extLst>
+              </a:tr>
+              <a:tr h="370840">
+                <a:tc>
+                  <a:txBody>
+                    <a:bodyPr/>
+                    <a:lstStyle/>
+                    <a:p>
+                      <a:pPr algn="ctr"/>
+                      <a:r>
+                        <a:rPr lang="en-US" dirty="0"/>
+                        <a:t>2</a:t>
+                      </a:r>
+                    </a:p>
+                  </a:txBody>
+                  <a:tcPr/>
+                </a:tc>
+                <a:tc>
+                  <a:txBody>
+                    <a:bodyPr/>
+                    <a:lstStyle/>
+                    <a:p>
+                      <a:pPr algn="ctr"/>
+                      <a:r>
+                        <a:rPr lang="en-US" dirty="0"/>
+                        <a:t>0.7</a:t>
+                      </a:r>
+                    </a:p>
+                  </a:txBody>
+                  <a:tcPr/>
+                </a:tc>
+                <a:tc>
+                  <a:txBody>
+                    <a:bodyPr/>
+                    <a:lstStyle/>
+                    <a:p>
+                      <a:pPr algn="ctr"/>
+                      <a:r>
+                        <a:rPr lang="en-US" dirty="0"/>
+                        <a:t>6</a:t>
+                      </a:r>
+                    </a:p>
+                  </a:txBody>
+                  <a:tcPr/>
+                </a:tc>
+                <a:tc>
+                  <a:txBody>
+                    <a:bodyPr/>
+                    <a:lstStyle/>
+                    <a:p>
+                      <a:pPr algn="ctr"/>
+                      <a:r>
+                        <a:rPr lang="en-US" dirty="0"/>
+                        <a:t>0</a:t>
+                      </a:r>
+                    </a:p>
+                  </a:txBody>
+                  <a:tcPr/>
+                </a:tc>
+                <a:tc>
+                  <a:txBody>
+                    <a:bodyPr/>
+                    <a:lstStyle/>
+                    <a:p>
+                      <a:pPr algn="ctr"/>
+                      <a:r>
+                        <a:rPr lang="en-US" dirty="0"/>
+                        <a:t>2</a:t>
+                      </a:r>
+                    </a:p>
+                  </a:txBody>
+                  <a:tcPr/>
+                </a:tc>
+                <a:tc>
+                  <a:txBody>
+                    <a:bodyPr/>
+                    <a:lstStyle/>
+                    <a:p>
+                      <a:pPr algn="ctr"/>
+                      <a:r>
+                        <a:rPr lang="en-US" dirty="0"/>
+                        <a:t>0</a:t>
+                      </a:r>
+                    </a:p>
+                  </a:txBody>
+                  <a:tcPr/>
+                </a:tc>
+                <a:tc>
+                  <a:txBody>
+                    <a:bodyPr/>
+                    <a:lstStyle/>
+                    <a:p>
+                      <a:pPr algn="ctr"/>
+                      <a:r>
+                        <a:rPr lang="en-US" dirty="0"/>
+                        <a:t>2.6</a:t>
+                      </a:r>
+                    </a:p>
+                  </a:txBody>
+                  <a:tcPr/>
+                </a:tc>
+                <a:extLst>
+                  <a:ext uri="{0D108BD9-81ED-4DB2-BD59-A6C34878D82A}">
+                    <a16:rowId xmlns:a16="http://schemas.microsoft.com/office/drawing/2014/main" val="2052286434"/>
+                  </a:ext>
+                </a:extLst>
+              </a:tr>
+              <a:tr h="370840">
+                <a:tc>
+                  <a:txBody>
+                    <a:bodyPr/>
+                    <a:lstStyle/>
+                    <a:p>
+                      <a:pPr algn="ctr"/>
+                      <a:r>
+                        <a:rPr lang="en-US" dirty="0"/>
+                        <a:t>2</a:t>
+                      </a:r>
+                    </a:p>
+                  </a:txBody>
+                  <a:tcPr/>
+                </a:tc>
+                <a:tc>
+                  <a:txBody>
+                    <a:bodyPr/>
+                    <a:lstStyle/>
+                    <a:p>
+                      <a:pPr algn="ctr"/>
+                      <a:r>
+                        <a:rPr lang="en-US" dirty="0"/>
+                        <a:t>0.7</a:t>
+                      </a:r>
+                    </a:p>
+                  </a:txBody>
+                  <a:tcPr/>
+                </a:tc>
+                <a:tc>
+                  <a:txBody>
+                    <a:bodyPr/>
+                    <a:lstStyle/>
+                    <a:p>
+                      <a:pPr algn="ctr"/>
+                      <a:r>
+                        <a:rPr lang="en-US" dirty="0"/>
+                        <a:t>6</a:t>
+                      </a:r>
+                    </a:p>
+                  </a:txBody>
+                  <a:tcPr/>
+                </a:tc>
+                <a:tc>
+                  <a:txBody>
+                    <a:bodyPr/>
+                    <a:lstStyle/>
+                    <a:p>
+                      <a:pPr algn="ctr"/>
+                      <a:r>
+                        <a:rPr lang="en-US" dirty="0"/>
+                        <a:t>0</a:t>
+                      </a:r>
+                    </a:p>
+                  </a:txBody>
+                  <a:tcPr/>
+                </a:tc>
+                <a:tc>
+                  <a:txBody>
+                    <a:bodyPr/>
+                    <a:lstStyle/>
+                    <a:p>
+                      <a:pPr algn="ctr"/>
+                      <a:r>
+                        <a:rPr lang="en-US" dirty="0"/>
+                        <a:t>4</a:t>
+                      </a:r>
+                    </a:p>
+                  </a:txBody>
+                  <a:tcPr/>
+                </a:tc>
+                <a:tc>
+                  <a:txBody>
+                    <a:bodyPr/>
+                    <a:lstStyle/>
+                    <a:p>
+                      <a:pPr algn="ctr"/>
+                      <a:r>
+                        <a:rPr lang="en-US" dirty="0"/>
+                        <a:t>0</a:t>
+                      </a:r>
+                    </a:p>
+                  </a:txBody>
+                  <a:tcPr/>
+                </a:tc>
+                <a:tc>
+                  <a:txBody>
+                    <a:bodyPr/>
+                    <a:lstStyle/>
+                    <a:p>
+                      <a:pPr algn="ctr"/>
+                      <a:r>
+                        <a:rPr lang="en-US" dirty="0"/>
+                        <a:t>2.6</a:t>
+                      </a:r>
+                    </a:p>
+                  </a:txBody>
+                  <a:tcPr/>
+                </a:tc>
+                <a:extLst>
+                  <a:ext uri="{0D108BD9-81ED-4DB2-BD59-A6C34878D82A}">
+                    <a16:rowId xmlns:a16="http://schemas.microsoft.com/office/drawing/2014/main" val="4117583037"/>
+                  </a:ext>
+                </a:extLst>
+              </a:tr>
+              <a:tr h="370840">
+                <a:tc>
+                  <a:txBody>
+                    <a:bodyPr/>
+                    <a:lstStyle/>
+                    <a:p>
+                      <a:pPr algn="ctr"/>
+                      <a:r>
+                        <a:rPr lang="en-US" dirty="0"/>
+                        <a:t>2</a:t>
+                      </a:r>
+                    </a:p>
+                  </a:txBody>
+                  <a:tcPr/>
+                </a:tc>
+                <a:tc>
+                  <a:txBody>
+                    <a:bodyPr/>
+                    <a:lstStyle/>
+                    <a:p>
+                      <a:pPr algn="ctr"/>
+                      <a:r>
+                        <a:rPr lang="en-US" dirty="0"/>
+                        <a:t>0.7</a:t>
+                      </a:r>
+                    </a:p>
+                  </a:txBody>
+                  <a:tcPr/>
+                </a:tc>
+                <a:tc>
+                  <a:txBody>
+                    <a:bodyPr/>
+                    <a:lstStyle/>
+                    <a:p>
+                      <a:pPr algn="ctr"/>
+                      <a:r>
+                        <a:rPr lang="en-US" dirty="0"/>
+                        <a:t>6</a:t>
+                      </a:r>
+                    </a:p>
+                  </a:txBody>
+                  <a:tcPr/>
+                </a:tc>
+                <a:tc>
+                  <a:txBody>
+                    <a:bodyPr/>
+                    <a:lstStyle/>
+                    <a:p>
+                      <a:pPr algn="ctr"/>
+                      <a:r>
+                        <a:rPr lang="en-US" dirty="0"/>
+                        <a:t>2</a:t>
+                      </a:r>
+                    </a:p>
+                  </a:txBody>
+                  <a:tcPr/>
+                </a:tc>
+                <a:tc>
+                  <a:txBody>
+                    <a:bodyPr/>
+                    <a:lstStyle/>
+                    <a:p>
+                      <a:pPr algn="ctr"/>
+                      <a:r>
+                        <a:rPr lang="en-US" dirty="0"/>
+                        <a:t>4</a:t>
+                      </a:r>
+                    </a:p>
+                  </a:txBody>
+                  <a:tcPr/>
+                </a:tc>
+                <a:tc>
+                  <a:txBody>
+                    <a:bodyPr/>
+                    <a:lstStyle/>
+                    <a:p>
+                      <a:pPr algn="ctr"/>
+                      <a:r>
+                        <a:rPr lang="en-US" dirty="0"/>
+                        <a:t>0</a:t>
+                      </a:r>
+                    </a:p>
+                  </a:txBody>
+                  <a:tcPr/>
+                </a:tc>
+                <a:tc>
+                  <a:txBody>
+                    <a:bodyPr/>
+                    <a:lstStyle/>
+                    <a:p>
+                      <a:pPr algn="ctr"/>
+                      <a:r>
+                        <a:rPr lang="en-US" dirty="0"/>
+                        <a:t>2.6</a:t>
+                      </a:r>
+                    </a:p>
+                  </a:txBody>
+                  <a:tcPr/>
+                </a:tc>
+                <a:extLst>
+                  <a:ext uri="{0D108BD9-81ED-4DB2-BD59-A6C34878D82A}">
+                    <a16:rowId xmlns:a16="http://schemas.microsoft.com/office/drawing/2014/main" val="667322899"/>
+                  </a:ext>
+                </a:extLst>
+              </a:tr>
+              <a:tr h="370840">
+                <a:tc>
+                  <a:txBody>
+                    <a:bodyPr/>
+                    <a:lstStyle/>
+                    <a:p>
+                      <a:pPr algn="ctr"/>
+                      <a:r>
+                        <a:rPr lang="en-US" dirty="0"/>
+                        <a:t>3</a:t>
+                      </a:r>
+                    </a:p>
+                  </a:txBody>
+                  <a:tcPr/>
+                </a:tc>
+                <a:tc>
+                  <a:txBody>
+                    <a:bodyPr/>
+                    <a:lstStyle/>
+                    <a:p>
+                      <a:pPr algn="ctr"/>
+                      <a:r>
+                        <a:rPr lang="en-US" dirty="0"/>
+                        <a:t>0.7</a:t>
+                      </a:r>
+                    </a:p>
+                  </a:txBody>
+                  <a:tcPr/>
+                </a:tc>
+                <a:tc>
+                  <a:txBody>
+                    <a:bodyPr/>
+                    <a:lstStyle/>
+                    <a:p>
+                      <a:pPr algn="ctr"/>
+                      <a:r>
+                        <a:rPr lang="en-US" dirty="0"/>
+                        <a:t>6</a:t>
+                      </a:r>
+                    </a:p>
+                  </a:txBody>
+                  <a:tcPr/>
+                </a:tc>
+                <a:tc>
+                  <a:txBody>
+                    <a:bodyPr/>
+                    <a:lstStyle/>
+                    <a:p>
+                      <a:pPr algn="ctr"/>
+                      <a:r>
+                        <a:rPr lang="en-US" dirty="0"/>
+                        <a:t>0</a:t>
+                      </a:r>
+                    </a:p>
+                  </a:txBody>
+                  <a:tcPr/>
+                </a:tc>
+                <a:tc>
+                  <a:txBody>
+                    <a:bodyPr/>
+                    <a:lstStyle/>
+                    <a:p>
+                      <a:pPr algn="ctr"/>
+                      <a:r>
+                        <a:rPr lang="en-US" dirty="0"/>
+                        <a:t>4</a:t>
+                      </a:r>
+                    </a:p>
+                  </a:txBody>
+                  <a:tcPr/>
+                </a:tc>
+                <a:tc>
+                  <a:txBody>
+                    <a:bodyPr/>
+                    <a:lstStyle/>
+                    <a:p>
+                      <a:pPr algn="ctr"/>
+                      <a:r>
+                        <a:rPr lang="en-US" dirty="0"/>
+                        <a:t>0</a:t>
+                      </a:r>
+                    </a:p>
+                  </a:txBody>
+                  <a:tcPr/>
+                </a:tc>
+                <a:tc>
+                  <a:txBody>
+                    <a:bodyPr/>
+                    <a:lstStyle/>
+                    <a:p>
+                      <a:pPr algn="ctr"/>
+                      <a:r>
+                        <a:rPr lang="en-US" dirty="0"/>
+                        <a:t>3.1</a:t>
+                      </a:r>
+                    </a:p>
+                  </a:txBody>
+                  <a:tcPr/>
+                </a:tc>
+                <a:extLst>
+                  <a:ext uri="{0D108BD9-81ED-4DB2-BD59-A6C34878D82A}">
+                    <a16:rowId xmlns:a16="http://schemas.microsoft.com/office/drawing/2014/main" val="461849516"/>
+                  </a:ext>
+                </a:extLst>
+              </a:tr>
+              <a:tr h="370840">
+                <a:tc>
+                  <a:txBody>
+                    <a:bodyPr/>
+                    <a:lstStyle/>
+                    <a:p>
+                      <a:pPr algn="ctr"/>
+                      <a:r>
+                        <a:rPr lang="en-US" dirty="0"/>
+                        <a:t>3</a:t>
+                      </a:r>
+                    </a:p>
+                  </a:txBody>
+                  <a:tcPr/>
+                </a:tc>
+                <a:tc>
+                  <a:txBody>
+                    <a:bodyPr/>
+                    <a:lstStyle/>
+                    <a:p>
+                      <a:pPr algn="ctr"/>
+                      <a:r>
+                        <a:rPr lang="en-US" dirty="0"/>
+                        <a:t>0.7</a:t>
+                      </a:r>
+                    </a:p>
+                  </a:txBody>
+                  <a:tcPr/>
+                </a:tc>
+                <a:tc>
+                  <a:txBody>
+                    <a:bodyPr/>
+                    <a:lstStyle/>
+                    <a:p>
+                      <a:pPr algn="ctr"/>
+                      <a:r>
+                        <a:rPr lang="en-US" dirty="0"/>
+                        <a:t>6</a:t>
+                      </a:r>
+                    </a:p>
+                  </a:txBody>
+                  <a:tcPr/>
+                </a:tc>
+                <a:tc>
+                  <a:txBody>
+                    <a:bodyPr/>
+                    <a:lstStyle/>
+                    <a:p>
+                      <a:pPr algn="ctr"/>
+                      <a:r>
+                        <a:rPr lang="en-US" dirty="0"/>
+                        <a:t>0</a:t>
+                      </a:r>
+                    </a:p>
+                  </a:txBody>
+                  <a:tcPr/>
+                </a:tc>
+                <a:tc>
+                  <a:txBody>
+                    <a:bodyPr/>
+                    <a:lstStyle/>
+                    <a:p>
+                      <a:pPr algn="ctr"/>
+                      <a:r>
+                        <a:rPr lang="en-US" dirty="0"/>
+                        <a:t>3</a:t>
+                      </a:r>
+                    </a:p>
+                  </a:txBody>
+                  <a:tcPr/>
+                </a:tc>
+                <a:tc>
+                  <a:txBody>
+                    <a:bodyPr/>
+                    <a:lstStyle/>
+                    <a:p>
+                      <a:pPr algn="ctr"/>
+                      <a:r>
+                        <a:rPr lang="en-US" dirty="0"/>
+                        <a:t>0</a:t>
+                      </a:r>
+                    </a:p>
+                  </a:txBody>
+                  <a:tcPr/>
+                </a:tc>
+                <a:tc>
+                  <a:txBody>
+                    <a:bodyPr/>
+                    <a:lstStyle/>
+                    <a:p>
+                      <a:pPr algn="ctr"/>
+                      <a:r>
+                        <a:rPr lang="en-US" dirty="0"/>
+                        <a:t>3.1</a:t>
+                      </a:r>
+                    </a:p>
+                  </a:txBody>
+                  <a:tcPr/>
+                </a:tc>
+                <a:extLst>
+                  <a:ext uri="{0D108BD9-81ED-4DB2-BD59-A6C34878D82A}">
+                    <a16:rowId xmlns:a16="http://schemas.microsoft.com/office/drawing/2014/main" val="1462363940"/>
+                  </a:ext>
+                </a:extLst>
+              </a:tr>
+              <a:tr h="370840">
+                <a:tc>
+                  <a:txBody>
+                    <a:bodyPr/>
+                    <a:lstStyle/>
+                    <a:p>
+                      <a:pPr algn="ctr"/>
+                      <a:r>
+                        <a:rPr lang="en-US" dirty="0"/>
+                        <a:t>2</a:t>
+                      </a:r>
+                    </a:p>
+                  </a:txBody>
+                  <a:tcPr/>
+                </a:tc>
+                <a:tc>
+                  <a:txBody>
+                    <a:bodyPr/>
+                    <a:lstStyle/>
+                    <a:p>
+                      <a:pPr algn="ctr"/>
+                      <a:r>
+                        <a:rPr lang="en-US" dirty="0"/>
+                        <a:t>0.7</a:t>
+                      </a:r>
+                    </a:p>
+                  </a:txBody>
+                  <a:tcPr/>
+                </a:tc>
+                <a:tc>
+                  <a:txBody>
+                    <a:bodyPr/>
+                    <a:lstStyle/>
+                    <a:p>
+                      <a:pPr algn="ctr"/>
+                      <a:r>
+                        <a:rPr lang="en-US" dirty="0"/>
+                        <a:t>6</a:t>
+                      </a:r>
+                    </a:p>
+                  </a:txBody>
+                  <a:tcPr/>
+                </a:tc>
+                <a:tc>
+                  <a:txBody>
+                    <a:bodyPr/>
+                    <a:lstStyle/>
+                    <a:p>
+                      <a:pPr algn="ctr"/>
+                      <a:r>
+                        <a:rPr lang="en-US" dirty="0"/>
+                        <a:t>0</a:t>
+                      </a:r>
+                    </a:p>
+                  </a:txBody>
+                  <a:tcPr/>
+                </a:tc>
+                <a:tc>
+                  <a:txBody>
+                    <a:bodyPr/>
+                    <a:lstStyle/>
+                    <a:p>
+                      <a:pPr algn="ctr"/>
+                      <a:r>
+                        <a:rPr lang="en-US" dirty="0"/>
+                        <a:t>3</a:t>
+                      </a:r>
+                    </a:p>
+                  </a:txBody>
+                  <a:tcPr/>
+                </a:tc>
+                <a:tc>
+                  <a:txBody>
+                    <a:bodyPr/>
+                    <a:lstStyle/>
+                    <a:p>
+                      <a:pPr algn="ctr"/>
+                      <a:r>
+                        <a:rPr lang="en-US" dirty="0"/>
+                        <a:t>0</a:t>
+                      </a:r>
+                    </a:p>
+                  </a:txBody>
+                  <a:tcPr/>
+                </a:tc>
+                <a:tc>
+                  <a:txBody>
+                    <a:bodyPr/>
+                    <a:lstStyle/>
+                    <a:p>
+                      <a:pPr algn="ctr"/>
+                      <a:r>
+                        <a:rPr lang="en-US" dirty="0"/>
+                        <a:t>2.6</a:t>
+                      </a:r>
+                    </a:p>
+                  </a:txBody>
+                  <a:tcPr/>
+                </a:tc>
+                <a:extLst>
+                  <a:ext uri="{0D108BD9-81ED-4DB2-BD59-A6C34878D82A}">
+                    <a16:rowId xmlns:a16="http://schemas.microsoft.com/office/drawing/2014/main" val="2526873687"/>
+                  </a:ext>
+                </a:extLst>
+              </a:tr>
+            </a:tbl>
+          </a:graphicData>
+        </a:graphic>
+      </p:graphicFrame>
+    </p:spTree>
+    <p:extLst>
+      <p:ext uri="{BB962C8B-B14F-4D97-AF65-F5344CB8AC3E}">
+        <p14:creationId xmlns:p14="http://schemas.microsoft.com/office/powerpoint/2010/main" val="2829009060"/>
       </p:ext>
     </p:extLst>
   </p:cSld>

--- a/general/Images.pptx
+++ b/general/Images.pptx
@@ -14,6 +14,7 @@
     <p:sldId id="262" r:id="rId8"/>
     <p:sldId id="263" r:id="rId9"/>
     <p:sldId id="264" r:id="rId10"/>
+    <p:sldId id="265" r:id="rId11"/>
   </p:sldIdLst>
   <p:sldSz cx="12192000" cy="6858000"/>
   <p:notesSz cx="6858000" cy="9144000"/>
@@ -267,7 +268,7 @@
           <a:p>
             <a:fld id="{EEAF73AA-7651-4CF2-A5D8-7E714E2EA7AF}" type="datetimeFigureOut">
               <a:rPr lang="en-US" smtClean="0"/>
-              <a:t>4/7/2020</a:t>
+              <a:t>4/14/2020</a:t>
             </a:fld>
             <a:endParaRPr lang="en-US"/>
           </a:p>
@@ -465,7 +466,7 @@
           <a:p>
             <a:fld id="{EEAF73AA-7651-4CF2-A5D8-7E714E2EA7AF}" type="datetimeFigureOut">
               <a:rPr lang="en-US" smtClean="0"/>
-              <a:t>4/7/2020</a:t>
+              <a:t>4/14/2020</a:t>
             </a:fld>
             <a:endParaRPr lang="en-US"/>
           </a:p>
@@ -673,7 +674,7 @@
           <a:p>
             <a:fld id="{EEAF73AA-7651-4CF2-A5D8-7E714E2EA7AF}" type="datetimeFigureOut">
               <a:rPr lang="en-US" smtClean="0"/>
-              <a:t>4/7/2020</a:t>
+              <a:t>4/14/2020</a:t>
             </a:fld>
             <a:endParaRPr lang="en-US"/>
           </a:p>
@@ -871,7 +872,7 @@
           <a:p>
             <a:fld id="{EEAF73AA-7651-4CF2-A5D8-7E714E2EA7AF}" type="datetimeFigureOut">
               <a:rPr lang="en-US" smtClean="0"/>
-              <a:t>4/7/2020</a:t>
+              <a:t>4/14/2020</a:t>
             </a:fld>
             <a:endParaRPr lang="en-US"/>
           </a:p>
@@ -1146,7 +1147,7 @@
           <a:p>
             <a:fld id="{EEAF73AA-7651-4CF2-A5D8-7E714E2EA7AF}" type="datetimeFigureOut">
               <a:rPr lang="en-US" smtClean="0"/>
-              <a:t>4/7/2020</a:t>
+              <a:t>4/14/2020</a:t>
             </a:fld>
             <a:endParaRPr lang="en-US"/>
           </a:p>
@@ -1411,7 +1412,7 @@
           <a:p>
             <a:fld id="{EEAF73AA-7651-4CF2-A5D8-7E714E2EA7AF}" type="datetimeFigureOut">
               <a:rPr lang="en-US" smtClean="0"/>
-              <a:t>4/7/2020</a:t>
+              <a:t>4/14/2020</a:t>
             </a:fld>
             <a:endParaRPr lang="en-US"/>
           </a:p>
@@ -1823,7 +1824,7 @@
           <a:p>
             <a:fld id="{EEAF73AA-7651-4CF2-A5D8-7E714E2EA7AF}" type="datetimeFigureOut">
               <a:rPr lang="en-US" smtClean="0"/>
-              <a:t>4/7/2020</a:t>
+              <a:t>4/14/2020</a:t>
             </a:fld>
             <a:endParaRPr lang="en-US"/>
           </a:p>
@@ -1964,7 +1965,7 @@
           <a:p>
             <a:fld id="{EEAF73AA-7651-4CF2-A5D8-7E714E2EA7AF}" type="datetimeFigureOut">
               <a:rPr lang="en-US" smtClean="0"/>
-              <a:t>4/7/2020</a:t>
+              <a:t>4/14/2020</a:t>
             </a:fld>
             <a:endParaRPr lang="en-US"/>
           </a:p>
@@ -2077,7 +2078,7 @@
           <a:p>
             <a:fld id="{EEAF73AA-7651-4CF2-A5D8-7E714E2EA7AF}" type="datetimeFigureOut">
               <a:rPr lang="en-US" smtClean="0"/>
-              <a:t>4/7/2020</a:t>
+              <a:t>4/14/2020</a:t>
             </a:fld>
             <a:endParaRPr lang="en-US"/>
           </a:p>
@@ -2388,7 +2389,7 @@
           <a:p>
             <a:fld id="{EEAF73AA-7651-4CF2-A5D8-7E714E2EA7AF}" type="datetimeFigureOut">
               <a:rPr lang="en-US" smtClean="0"/>
-              <a:t>4/7/2020</a:t>
+              <a:t>4/14/2020</a:t>
             </a:fld>
             <a:endParaRPr lang="en-US"/>
           </a:p>
@@ -2676,7 +2677,7 @@
           <a:p>
             <a:fld id="{EEAF73AA-7651-4CF2-A5D8-7E714E2EA7AF}" type="datetimeFigureOut">
               <a:rPr lang="en-US" smtClean="0"/>
-              <a:t>4/7/2020</a:t>
+              <a:t>4/14/2020</a:t>
             </a:fld>
             <a:endParaRPr lang="en-US"/>
           </a:p>
@@ -2917,7 +2918,7 @@
           <a:p>
             <a:fld id="{EEAF73AA-7651-4CF2-A5D8-7E714E2EA7AF}" type="datetimeFigureOut">
               <a:rPr lang="en-US" smtClean="0"/>
-              <a:t>4/7/2020</a:t>
+              <a:t>4/14/2020</a:t>
             </a:fld>
             <a:endParaRPr lang="en-US"/>
           </a:p>
@@ -3660,6 +3661,139 @@
     <p:extLst>
       <p:ext uri="{BB962C8B-B14F-4D97-AF65-F5344CB8AC3E}">
         <p14:creationId xmlns:p14="http://schemas.microsoft.com/office/powerpoint/2010/main" val="2458945718"/>
+      </p:ext>
+    </p:extLst>
+  </p:cSld>
+  <p:clrMapOvr>
+    <a:masterClrMapping/>
+  </p:clrMapOvr>
+</p:sld>
+</file>
+
+<file path=ppt/slides/slide10.xml><?xml version="1.0" encoding="utf-8"?>
+<p:sld xmlns:a="http://schemas.openxmlformats.org/drawingml/2006/main" xmlns:r="http://schemas.openxmlformats.org/officeDocument/2006/relationships" xmlns:p="http://schemas.openxmlformats.org/presentationml/2006/main">
+  <p:cSld>
+    <p:spTree>
+      <p:nvGrpSpPr>
+        <p:cNvPr id="1" name=""/>
+        <p:cNvGrpSpPr/>
+        <p:nvPr/>
+      </p:nvGrpSpPr>
+      <p:grpSpPr>
+        <a:xfrm>
+          <a:off x="0" y="0"/>
+          <a:ext cx="0" cy="0"/>
+          <a:chOff x="0" y="0"/>
+          <a:chExt cx="0" cy="0"/>
+        </a:xfrm>
+      </p:grpSpPr>
+      <p:sp>
+        <p:nvSpPr>
+          <p:cNvPr id="2" name="Title 1">
+            <a:extLst>
+              <a:ext uri="{FF2B5EF4-FFF2-40B4-BE49-F238E27FC236}">
+                <a16:creationId xmlns:a16="http://schemas.microsoft.com/office/drawing/2014/main" id="{05A2C2C7-952F-4316-8281-C2CC0AE19474}"/>
+              </a:ext>
+            </a:extLst>
+          </p:cNvPr>
+          <p:cNvSpPr>
+            <a:spLocks noGrp="1"/>
+          </p:cNvSpPr>
+          <p:nvPr>
+            <p:ph type="title"/>
+          </p:nvPr>
+        </p:nvSpPr>
+        <p:spPr/>
+        <p:txBody>
+          <a:bodyPr/>
+          <a:lstStyle/>
+          <a:p>
+            <a:endParaRPr lang="en-US"/>
+          </a:p>
+        </p:txBody>
+      </p:sp>
+      <p:pic>
+        <p:nvPicPr>
+          <p:cNvPr id="4" name="Content Placeholder 3">
+            <a:extLst>
+              <a:ext uri="{FF2B5EF4-FFF2-40B4-BE49-F238E27FC236}">
+                <a16:creationId xmlns:a16="http://schemas.microsoft.com/office/drawing/2014/main" id="{1343CE5C-0E17-4890-8704-FBD4A2BB00E1}"/>
+              </a:ext>
+            </a:extLst>
+          </p:cNvPr>
+          <p:cNvPicPr>
+            <a:picLocks noGrp="1" noChangeAspect="1"/>
+          </p:cNvPicPr>
+          <p:nvPr>
+            <p:ph idx="1"/>
+          </p:nvPr>
+        </p:nvPicPr>
+        <p:blipFill rotWithShape="1">
+          <a:blip r:embed="rId2"/>
+          <a:srcRect l="50000" t="30402" r="37818" b="51151"/>
+          <a:stretch/>
+        </p:blipFill>
+        <p:spPr>
+          <a:xfrm>
+            <a:off x="7902430" y="1761689"/>
+            <a:ext cx="2793534" cy="2379559"/>
+          </a:xfrm>
+          <a:prstGeom prst="rect">
+            <a:avLst/>
+          </a:prstGeom>
+        </p:spPr>
+      </p:pic>
+      <p:pic>
+        <p:nvPicPr>
+          <p:cNvPr id="4098" name="Picture 2" descr="Dominated, non-dominated and Pareto-front solution set. ">
+            <a:extLst>
+              <a:ext uri="{FF2B5EF4-FFF2-40B4-BE49-F238E27FC236}">
+                <a16:creationId xmlns:a16="http://schemas.microsoft.com/office/drawing/2014/main" id="{F5152CC9-D568-477F-8F24-645CC4F2C540}"/>
+              </a:ext>
+            </a:extLst>
+          </p:cNvPr>
+          <p:cNvPicPr>
+            <a:picLocks noChangeAspect="1" noChangeArrowheads="1"/>
+          </p:cNvPicPr>
+          <p:nvPr/>
+        </p:nvPicPr>
+        <p:blipFill>
+          <a:blip r:embed="rId3">
+            <a:extLst>
+              <a:ext uri="{28A0092B-C50C-407E-A947-70E740481C1C}">
+                <a14:useLocalDpi xmlns:a14="http://schemas.microsoft.com/office/drawing/2010/main" val="0"/>
+              </a:ext>
+            </a:extLst>
+          </a:blip>
+          <a:srcRect/>
+          <a:stretch>
+            <a:fillRect/>
+          </a:stretch>
+        </p:blipFill>
+        <p:spPr bwMode="auto">
+          <a:xfrm>
+            <a:off x="838200" y="1945735"/>
+            <a:ext cx="6076950" cy="4391025"/>
+          </a:xfrm>
+          <a:prstGeom prst="rect">
+            <a:avLst/>
+          </a:prstGeom>
+          <a:noFill/>
+          <a:extLst>
+            <a:ext uri="{909E8E84-426E-40DD-AFC4-6F175D3DCCD1}">
+              <a14:hiddenFill xmlns:a14="http://schemas.microsoft.com/office/drawing/2010/main">
+                <a:solidFill>
+                  <a:srgbClr val="FFFFFF"/>
+                </a:solidFill>
+              </a14:hiddenFill>
+            </a:ext>
+          </a:extLst>
+        </p:spPr>
+      </p:pic>
+    </p:spTree>
+    <p:extLst>
+      <p:ext uri="{BB962C8B-B14F-4D97-AF65-F5344CB8AC3E}">
+        <p14:creationId xmlns:p14="http://schemas.microsoft.com/office/powerpoint/2010/main" val="1899287117"/>
       </p:ext>
     </p:extLst>
   </p:cSld>
@@ -7185,7 +7319,7 @@
           <a:graphicData uri="http://schemas.openxmlformats.org/presentationml/2006/ole">
             <mc:AlternateContent xmlns:mc="http://schemas.openxmlformats.org/markup-compatibility/2006">
               <mc:Choice xmlns:v="urn:schemas-microsoft-com:vml" Requires="v">
-                <p:oleObj spid="_x0000_s3093" name="Worksheet" r:id="rId3" imgW="12049071" imgH="5048199" progId="Excel.Sheet.12">
+                <p:oleObj spid="_x0000_s3095" name="Worksheet" r:id="rId3" imgW="12049071" imgH="5048199" progId="Excel.Sheet.12">
                   <p:embed/>
                 </p:oleObj>
               </mc:Choice>

--- a/general/Images.pptx
+++ b/general/Images.pptx
@@ -15,6 +15,7 @@
     <p:sldId id="263" r:id="rId9"/>
     <p:sldId id="264" r:id="rId10"/>
     <p:sldId id="265" r:id="rId11"/>
+    <p:sldId id="266" r:id="rId12"/>
   </p:sldIdLst>
   <p:sldSz cx="12192000" cy="6858000"/>
   <p:notesSz cx="6858000" cy="9144000"/>
@@ -268,7 +269,7 @@
           <a:p>
             <a:fld id="{EEAF73AA-7651-4CF2-A5D8-7E714E2EA7AF}" type="datetimeFigureOut">
               <a:rPr lang="en-US" smtClean="0"/>
-              <a:t>4/14/2020</a:t>
+              <a:t>14-05-20</a:t>
             </a:fld>
             <a:endParaRPr lang="en-US"/>
           </a:p>
@@ -466,7 +467,7 @@
           <a:p>
             <a:fld id="{EEAF73AA-7651-4CF2-A5D8-7E714E2EA7AF}" type="datetimeFigureOut">
               <a:rPr lang="en-US" smtClean="0"/>
-              <a:t>4/14/2020</a:t>
+              <a:t>14-05-20</a:t>
             </a:fld>
             <a:endParaRPr lang="en-US"/>
           </a:p>
@@ -674,7 +675,7 @@
           <a:p>
             <a:fld id="{EEAF73AA-7651-4CF2-A5D8-7E714E2EA7AF}" type="datetimeFigureOut">
               <a:rPr lang="en-US" smtClean="0"/>
-              <a:t>4/14/2020</a:t>
+              <a:t>14-05-20</a:t>
             </a:fld>
             <a:endParaRPr lang="en-US"/>
           </a:p>
@@ -872,7 +873,7 @@
           <a:p>
             <a:fld id="{EEAF73AA-7651-4CF2-A5D8-7E714E2EA7AF}" type="datetimeFigureOut">
               <a:rPr lang="en-US" smtClean="0"/>
-              <a:t>4/14/2020</a:t>
+              <a:t>14-05-20</a:t>
             </a:fld>
             <a:endParaRPr lang="en-US"/>
           </a:p>
@@ -1147,7 +1148,7 @@
           <a:p>
             <a:fld id="{EEAF73AA-7651-4CF2-A5D8-7E714E2EA7AF}" type="datetimeFigureOut">
               <a:rPr lang="en-US" smtClean="0"/>
-              <a:t>4/14/2020</a:t>
+              <a:t>14-05-20</a:t>
             </a:fld>
             <a:endParaRPr lang="en-US"/>
           </a:p>
@@ -1412,7 +1413,7 @@
           <a:p>
             <a:fld id="{EEAF73AA-7651-4CF2-A5D8-7E714E2EA7AF}" type="datetimeFigureOut">
               <a:rPr lang="en-US" smtClean="0"/>
-              <a:t>4/14/2020</a:t>
+              <a:t>14-05-20</a:t>
             </a:fld>
             <a:endParaRPr lang="en-US"/>
           </a:p>
@@ -1824,7 +1825,7 @@
           <a:p>
             <a:fld id="{EEAF73AA-7651-4CF2-A5D8-7E714E2EA7AF}" type="datetimeFigureOut">
               <a:rPr lang="en-US" smtClean="0"/>
-              <a:t>4/14/2020</a:t>
+              <a:t>14-05-20</a:t>
             </a:fld>
             <a:endParaRPr lang="en-US"/>
           </a:p>
@@ -1965,7 +1966,7 @@
           <a:p>
             <a:fld id="{EEAF73AA-7651-4CF2-A5D8-7E714E2EA7AF}" type="datetimeFigureOut">
               <a:rPr lang="en-US" smtClean="0"/>
-              <a:t>4/14/2020</a:t>
+              <a:t>14-05-20</a:t>
             </a:fld>
             <a:endParaRPr lang="en-US"/>
           </a:p>
@@ -2078,7 +2079,7 @@
           <a:p>
             <a:fld id="{EEAF73AA-7651-4CF2-A5D8-7E714E2EA7AF}" type="datetimeFigureOut">
               <a:rPr lang="en-US" smtClean="0"/>
-              <a:t>4/14/2020</a:t>
+              <a:t>14-05-20</a:t>
             </a:fld>
             <a:endParaRPr lang="en-US"/>
           </a:p>
@@ -2389,7 +2390,7 @@
           <a:p>
             <a:fld id="{EEAF73AA-7651-4CF2-A5D8-7E714E2EA7AF}" type="datetimeFigureOut">
               <a:rPr lang="en-US" smtClean="0"/>
-              <a:t>4/14/2020</a:t>
+              <a:t>14-05-20</a:t>
             </a:fld>
             <a:endParaRPr lang="en-US"/>
           </a:p>
@@ -2677,7 +2678,7 @@
           <a:p>
             <a:fld id="{EEAF73AA-7651-4CF2-A5D8-7E714E2EA7AF}" type="datetimeFigureOut">
               <a:rPr lang="en-US" smtClean="0"/>
-              <a:t>4/14/2020</a:t>
+              <a:t>14-05-20</a:t>
             </a:fld>
             <a:endParaRPr lang="en-US"/>
           </a:p>
@@ -2918,7 +2919,7 @@
           <a:p>
             <a:fld id="{EEAF73AA-7651-4CF2-A5D8-7E714E2EA7AF}" type="datetimeFigureOut">
               <a:rPr lang="en-US" smtClean="0"/>
-              <a:t>4/14/2020</a:t>
+              <a:t>14-05-20</a:t>
             </a:fld>
             <a:endParaRPr lang="en-US"/>
           </a:p>
@@ -3794,6 +3795,80 @@
     <p:extLst>
       <p:ext uri="{BB962C8B-B14F-4D97-AF65-F5344CB8AC3E}">
         <p14:creationId xmlns:p14="http://schemas.microsoft.com/office/powerpoint/2010/main" val="1899287117"/>
+      </p:ext>
+    </p:extLst>
+  </p:cSld>
+  <p:clrMapOvr>
+    <a:masterClrMapping/>
+  </p:clrMapOvr>
+</p:sld>
+</file>
+
+<file path=ppt/slides/slide11.xml><?xml version="1.0" encoding="utf-8"?>
+<p:sld xmlns:a="http://schemas.openxmlformats.org/drawingml/2006/main" xmlns:r="http://schemas.openxmlformats.org/officeDocument/2006/relationships" xmlns:p="http://schemas.openxmlformats.org/presentationml/2006/main">
+  <p:cSld>
+    <p:spTree>
+      <p:nvGrpSpPr>
+        <p:cNvPr id="1" name=""/>
+        <p:cNvGrpSpPr/>
+        <p:nvPr/>
+      </p:nvGrpSpPr>
+      <p:grpSpPr>
+        <a:xfrm>
+          <a:off x="0" y="0"/>
+          <a:ext cx="0" cy="0"/>
+          <a:chOff x="0" y="0"/>
+          <a:chExt cx="0" cy="0"/>
+        </a:xfrm>
+      </p:grpSpPr>
+      <p:sp>
+        <p:nvSpPr>
+          <p:cNvPr id="2" name="Title 1"/>
+          <p:cNvSpPr>
+            <a:spLocks noGrp="1"/>
+          </p:cNvSpPr>
+          <p:nvPr>
+            <p:ph type="title"/>
+          </p:nvPr>
+        </p:nvSpPr>
+        <p:spPr/>
+        <p:txBody>
+          <a:bodyPr/>
+          <a:lstStyle/>
+          <a:p>
+            <a:endParaRPr lang="en-US"/>
+          </a:p>
+        </p:txBody>
+      </p:sp>
+      <p:pic>
+        <p:nvPicPr>
+          <p:cNvPr id="4" name="Content Placeholder 3"/>
+          <p:cNvPicPr>
+            <a:picLocks noGrp="1" noChangeAspect="1"/>
+          </p:cNvPicPr>
+          <p:nvPr>
+            <p:ph idx="1"/>
+          </p:nvPr>
+        </p:nvPicPr>
+        <p:blipFill rotWithShape="1">
+          <a:blip r:embed="rId2"/>
+          <a:srcRect l="53226" t="28091" r="36981" b="60111"/>
+          <a:stretch/>
+        </p:blipFill>
+        <p:spPr>
+          <a:xfrm>
+            <a:off x="3352801" y="2149641"/>
+            <a:ext cx="3689684" cy="2778107"/>
+          </a:xfrm>
+          <a:prstGeom prst="rect">
+            <a:avLst/>
+          </a:prstGeom>
+        </p:spPr>
+      </p:pic>
+    </p:spTree>
+    <p:extLst>
+      <p:ext uri="{BB962C8B-B14F-4D97-AF65-F5344CB8AC3E}">
+        <p14:creationId xmlns:p14="http://schemas.microsoft.com/office/powerpoint/2010/main" val="3865416859"/>
       </p:ext>
     </p:extLst>
   </p:cSld>
@@ -7319,7 +7394,7 @@
           <a:graphicData uri="http://schemas.openxmlformats.org/presentationml/2006/ole">
             <mc:AlternateContent xmlns:mc="http://schemas.openxmlformats.org/markup-compatibility/2006">
               <mc:Choice xmlns:v="urn:schemas-microsoft-com:vml" Requires="v">
-                <p:oleObj spid="_x0000_s3095" name="Worksheet" r:id="rId3" imgW="12049071" imgH="5048199" progId="Excel.Sheet.12">
+                <p:oleObj spid="_x0000_s3097" name="Worksheet" r:id="rId3" imgW="12049071" imgH="5048199" progId="Excel.Sheet.12">
                   <p:embed/>
                 </p:oleObj>
               </mc:Choice>
@@ -7684,7 +7759,7 @@
           <p:nvPr/>
         </p:nvPicPr>
         <p:blipFill>
-          <a:blip r:embed="rId3">
+          <a:blip r:embed="rId3" cstate="hqprint">
             <a:extLst>
               <a:ext uri="{28A0092B-C50C-407E-A947-70E740481C1C}">
                 <a14:useLocalDpi xmlns:a14="http://schemas.microsoft.com/office/drawing/2010/main" val="0"/>

--- a/general/Images.pptx
+++ b/general/Images.pptx
@@ -16,6 +16,9 @@
     <p:sldId id="264" r:id="rId10"/>
     <p:sldId id="265" r:id="rId11"/>
     <p:sldId id="266" r:id="rId12"/>
+    <p:sldId id="267" r:id="rId13"/>
+    <p:sldId id="268" r:id="rId14"/>
+    <p:sldId id="269" r:id="rId15"/>
   </p:sldIdLst>
   <p:sldSz cx="12192000" cy="6858000"/>
   <p:notesSz cx="6858000" cy="9144000"/>
@@ -269,7 +272,7 @@
           <a:p>
             <a:fld id="{EEAF73AA-7651-4CF2-A5D8-7E714E2EA7AF}" type="datetimeFigureOut">
               <a:rPr lang="en-US" smtClean="0"/>
-              <a:t>14-05-20</a:t>
+              <a:t>5/15/2020</a:t>
             </a:fld>
             <a:endParaRPr lang="en-US"/>
           </a:p>
@@ -467,7 +470,7 @@
           <a:p>
             <a:fld id="{EEAF73AA-7651-4CF2-A5D8-7E714E2EA7AF}" type="datetimeFigureOut">
               <a:rPr lang="en-US" smtClean="0"/>
-              <a:t>14-05-20</a:t>
+              <a:t>5/15/2020</a:t>
             </a:fld>
             <a:endParaRPr lang="en-US"/>
           </a:p>
@@ -675,7 +678,7 @@
           <a:p>
             <a:fld id="{EEAF73AA-7651-4CF2-A5D8-7E714E2EA7AF}" type="datetimeFigureOut">
               <a:rPr lang="en-US" smtClean="0"/>
-              <a:t>14-05-20</a:t>
+              <a:t>5/15/2020</a:t>
             </a:fld>
             <a:endParaRPr lang="en-US"/>
           </a:p>
@@ -873,7 +876,7 @@
           <a:p>
             <a:fld id="{EEAF73AA-7651-4CF2-A5D8-7E714E2EA7AF}" type="datetimeFigureOut">
               <a:rPr lang="en-US" smtClean="0"/>
-              <a:t>14-05-20</a:t>
+              <a:t>5/15/2020</a:t>
             </a:fld>
             <a:endParaRPr lang="en-US"/>
           </a:p>
@@ -1148,7 +1151,7 @@
           <a:p>
             <a:fld id="{EEAF73AA-7651-4CF2-A5D8-7E714E2EA7AF}" type="datetimeFigureOut">
               <a:rPr lang="en-US" smtClean="0"/>
-              <a:t>14-05-20</a:t>
+              <a:t>5/15/2020</a:t>
             </a:fld>
             <a:endParaRPr lang="en-US"/>
           </a:p>
@@ -1413,7 +1416,7 @@
           <a:p>
             <a:fld id="{EEAF73AA-7651-4CF2-A5D8-7E714E2EA7AF}" type="datetimeFigureOut">
               <a:rPr lang="en-US" smtClean="0"/>
-              <a:t>14-05-20</a:t>
+              <a:t>5/15/2020</a:t>
             </a:fld>
             <a:endParaRPr lang="en-US"/>
           </a:p>
@@ -1825,7 +1828,7 @@
           <a:p>
             <a:fld id="{EEAF73AA-7651-4CF2-A5D8-7E714E2EA7AF}" type="datetimeFigureOut">
               <a:rPr lang="en-US" smtClean="0"/>
-              <a:t>14-05-20</a:t>
+              <a:t>5/15/2020</a:t>
             </a:fld>
             <a:endParaRPr lang="en-US"/>
           </a:p>
@@ -1966,7 +1969,7 @@
           <a:p>
             <a:fld id="{EEAF73AA-7651-4CF2-A5D8-7E714E2EA7AF}" type="datetimeFigureOut">
               <a:rPr lang="en-US" smtClean="0"/>
-              <a:t>14-05-20</a:t>
+              <a:t>5/15/2020</a:t>
             </a:fld>
             <a:endParaRPr lang="en-US"/>
           </a:p>
@@ -2079,7 +2082,7 @@
           <a:p>
             <a:fld id="{EEAF73AA-7651-4CF2-A5D8-7E714E2EA7AF}" type="datetimeFigureOut">
               <a:rPr lang="en-US" smtClean="0"/>
-              <a:t>14-05-20</a:t>
+              <a:t>5/15/2020</a:t>
             </a:fld>
             <a:endParaRPr lang="en-US"/>
           </a:p>
@@ -2390,7 +2393,7 @@
           <a:p>
             <a:fld id="{EEAF73AA-7651-4CF2-A5D8-7E714E2EA7AF}" type="datetimeFigureOut">
               <a:rPr lang="en-US" smtClean="0"/>
-              <a:t>14-05-20</a:t>
+              <a:t>5/15/2020</a:t>
             </a:fld>
             <a:endParaRPr lang="en-US"/>
           </a:p>
@@ -2678,7 +2681,7 @@
           <a:p>
             <a:fld id="{EEAF73AA-7651-4CF2-A5D8-7E714E2EA7AF}" type="datetimeFigureOut">
               <a:rPr lang="en-US" smtClean="0"/>
-              <a:t>14-05-20</a:t>
+              <a:t>5/15/2020</a:t>
             </a:fld>
             <a:endParaRPr lang="en-US"/>
           </a:p>
@@ -2919,7 +2922,7 @@
           <a:p>
             <a:fld id="{EEAF73AA-7651-4CF2-A5D8-7E714E2EA7AF}" type="datetimeFigureOut">
               <a:rPr lang="en-US" smtClean="0"/>
-              <a:t>14-05-20</a:t>
+              <a:t>5/15/2020</a:t>
             </a:fld>
             <a:endParaRPr lang="en-US"/>
           </a:p>
@@ -3869,6 +3872,334 @@
     <p:extLst>
       <p:ext uri="{BB962C8B-B14F-4D97-AF65-F5344CB8AC3E}">
         <p14:creationId xmlns:p14="http://schemas.microsoft.com/office/powerpoint/2010/main" val="3865416859"/>
+      </p:ext>
+    </p:extLst>
+  </p:cSld>
+  <p:clrMapOvr>
+    <a:masterClrMapping/>
+  </p:clrMapOvr>
+</p:sld>
+</file>
+
+<file path=ppt/slides/slide12.xml><?xml version="1.0" encoding="utf-8"?>
+<p:sld xmlns:a="http://schemas.openxmlformats.org/drawingml/2006/main" xmlns:r="http://schemas.openxmlformats.org/officeDocument/2006/relationships" xmlns:p="http://schemas.openxmlformats.org/presentationml/2006/main">
+  <p:cSld>
+    <p:spTree>
+      <p:nvGrpSpPr>
+        <p:cNvPr id="1" name=""/>
+        <p:cNvGrpSpPr/>
+        <p:nvPr/>
+      </p:nvGrpSpPr>
+      <p:grpSpPr>
+        <a:xfrm>
+          <a:off x="0" y="0"/>
+          <a:ext cx="0" cy="0"/>
+          <a:chOff x="0" y="0"/>
+          <a:chExt cx="0" cy="0"/>
+        </a:xfrm>
+      </p:grpSpPr>
+      <p:sp>
+        <p:nvSpPr>
+          <p:cNvPr id="2" name="Title 1">
+            <a:extLst>
+              <a:ext uri="{FF2B5EF4-FFF2-40B4-BE49-F238E27FC236}">
+                <a16:creationId xmlns:a16="http://schemas.microsoft.com/office/drawing/2014/main" id="{6BD6E15B-FD41-4D17-BF9E-275D8AE379B9}"/>
+              </a:ext>
+            </a:extLst>
+          </p:cNvPr>
+          <p:cNvSpPr>
+            <a:spLocks noGrp="1"/>
+          </p:cNvSpPr>
+          <p:nvPr>
+            <p:ph type="title"/>
+          </p:nvPr>
+        </p:nvSpPr>
+        <p:spPr/>
+        <p:txBody>
+          <a:bodyPr/>
+          <a:lstStyle/>
+          <a:p>
+            <a:endParaRPr lang="en-US"/>
+          </a:p>
+        </p:txBody>
+      </p:sp>
+      <p:pic>
+        <p:nvPicPr>
+          <p:cNvPr id="8" name="Content Placeholder 7">
+            <a:extLst>
+              <a:ext uri="{FF2B5EF4-FFF2-40B4-BE49-F238E27FC236}">
+                <a16:creationId xmlns:a16="http://schemas.microsoft.com/office/drawing/2014/main" id="{AB6F4C07-35B7-4DA3-BAF5-BB8090D23E8C}"/>
+              </a:ext>
+            </a:extLst>
+          </p:cNvPr>
+          <p:cNvPicPr>
+            <a:picLocks noGrp="1" noChangeAspect="1"/>
+          </p:cNvPicPr>
+          <p:nvPr>
+            <p:ph idx="1"/>
+          </p:nvPr>
+        </p:nvPicPr>
+        <p:blipFill rotWithShape="1">
+          <a:blip r:embed="rId2">
+            <a:extLst>
+              <a:ext uri="{28A0092B-C50C-407E-A947-70E740481C1C}">
+                <a14:useLocalDpi xmlns:a14="http://schemas.microsoft.com/office/drawing/2010/main" val="0"/>
+              </a:ext>
+            </a:extLst>
+          </a:blip>
+          <a:srcRect l="66975" b="16937"/>
+          <a:stretch/>
+        </p:blipFill>
+        <p:spPr>
+          <a:xfrm>
+            <a:off x="1149292" y="0"/>
+            <a:ext cx="10648121" cy="5595457"/>
+          </a:xfrm>
+        </p:spPr>
+      </p:pic>
+      <p:pic>
+        <p:nvPicPr>
+          <p:cNvPr id="9" name="Content Placeholder 7">
+            <a:extLst>
+              <a:ext uri="{FF2B5EF4-FFF2-40B4-BE49-F238E27FC236}">
+                <a16:creationId xmlns:a16="http://schemas.microsoft.com/office/drawing/2014/main" id="{ED050008-54D6-457D-9C0A-88C26D71ABD0}"/>
+              </a:ext>
+            </a:extLst>
+          </p:cNvPr>
+          <p:cNvPicPr>
+            <a:picLocks noChangeAspect="1"/>
+          </p:cNvPicPr>
+          <p:nvPr/>
+        </p:nvPicPr>
+        <p:blipFill rotWithShape="1">
+          <a:blip r:embed="rId2">
+            <a:extLst>
+              <a:ext uri="{28A0092B-C50C-407E-A947-70E740481C1C}">
+                <a14:useLocalDpi xmlns:a14="http://schemas.microsoft.com/office/drawing/2010/main" val="0"/>
+              </a:ext>
+            </a:extLst>
+          </a:blip>
+          <a:srcRect l="5301" t="83437" r="43702" b="623"/>
+          <a:stretch/>
+        </p:blipFill>
+        <p:spPr>
+          <a:xfrm>
+            <a:off x="1627464" y="5595457"/>
+            <a:ext cx="9415244" cy="1073791"/>
+          </a:xfrm>
+          <a:prstGeom prst="rect">
+            <a:avLst/>
+          </a:prstGeom>
+        </p:spPr>
+      </p:pic>
+    </p:spTree>
+    <p:extLst>
+      <p:ext uri="{BB962C8B-B14F-4D97-AF65-F5344CB8AC3E}">
+        <p14:creationId xmlns:p14="http://schemas.microsoft.com/office/powerpoint/2010/main" val="2321638885"/>
+      </p:ext>
+    </p:extLst>
+  </p:cSld>
+  <p:clrMapOvr>
+    <a:masterClrMapping/>
+  </p:clrMapOvr>
+</p:sld>
+</file>
+
+<file path=ppt/slides/slide13.xml><?xml version="1.0" encoding="utf-8"?>
+<p:sld xmlns:a="http://schemas.openxmlformats.org/drawingml/2006/main" xmlns:r="http://schemas.openxmlformats.org/officeDocument/2006/relationships" xmlns:p="http://schemas.openxmlformats.org/presentationml/2006/main">
+  <p:cSld>
+    <p:spTree>
+      <p:nvGrpSpPr>
+        <p:cNvPr id="1" name=""/>
+        <p:cNvGrpSpPr/>
+        <p:nvPr/>
+      </p:nvGrpSpPr>
+      <p:grpSpPr>
+        <a:xfrm>
+          <a:off x="0" y="0"/>
+          <a:ext cx="0" cy="0"/>
+          <a:chOff x="0" y="0"/>
+          <a:chExt cx="0" cy="0"/>
+        </a:xfrm>
+      </p:grpSpPr>
+      <p:sp>
+        <p:nvSpPr>
+          <p:cNvPr id="2" name="Title 1">
+            <a:extLst>
+              <a:ext uri="{FF2B5EF4-FFF2-40B4-BE49-F238E27FC236}">
+                <a16:creationId xmlns:a16="http://schemas.microsoft.com/office/drawing/2014/main" id="{6BD6E15B-FD41-4D17-BF9E-275D8AE379B9}"/>
+              </a:ext>
+            </a:extLst>
+          </p:cNvPr>
+          <p:cNvSpPr>
+            <a:spLocks noGrp="1"/>
+          </p:cNvSpPr>
+          <p:nvPr>
+            <p:ph type="title"/>
+          </p:nvPr>
+        </p:nvSpPr>
+        <p:spPr/>
+        <p:txBody>
+          <a:bodyPr/>
+          <a:lstStyle/>
+          <a:p>
+            <a:endParaRPr lang="en-US"/>
+          </a:p>
+        </p:txBody>
+      </p:sp>
+      <p:pic>
+        <p:nvPicPr>
+          <p:cNvPr id="6" name="Content Placeholder 5">
+            <a:extLst>
+              <a:ext uri="{FF2B5EF4-FFF2-40B4-BE49-F238E27FC236}">
+                <a16:creationId xmlns:a16="http://schemas.microsoft.com/office/drawing/2014/main" id="{A85FF1AA-780F-4B65-A9DE-B8C666F62AF7}"/>
+              </a:ext>
+            </a:extLst>
+          </p:cNvPr>
+          <p:cNvPicPr>
+            <a:picLocks noGrp="1" noChangeAspect="1"/>
+          </p:cNvPicPr>
+          <p:nvPr>
+            <p:ph idx="1"/>
+          </p:nvPr>
+        </p:nvPicPr>
+        <p:blipFill rotWithShape="1">
+          <a:blip r:embed="rId2">
+            <a:extLst>
+              <a:ext uri="{28A0092B-C50C-407E-A947-70E740481C1C}">
+                <a14:useLocalDpi xmlns:a14="http://schemas.microsoft.com/office/drawing/2010/main" val="0"/>
+              </a:ext>
+            </a:extLst>
+          </a:blip>
+          <a:srcRect l="67630" t="4295" r="1618" b="17298"/>
+          <a:stretch/>
+        </p:blipFill>
+        <p:spPr>
+          <a:xfrm>
+            <a:off x="251670" y="293615"/>
+            <a:ext cx="11425805" cy="5360565"/>
+          </a:xfrm>
+        </p:spPr>
+      </p:pic>
+      <p:pic>
+        <p:nvPicPr>
+          <p:cNvPr id="9" name="Content Placeholder 5">
+            <a:extLst>
+              <a:ext uri="{FF2B5EF4-FFF2-40B4-BE49-F238E27FC236}">
+                <a16:creationId xmlns:a16="http://schemas.microsoft.com/office/drawing/2014/main" id="{7B3F8852-D8DE-4929-B806-0826FB08E03A}"/>
+              </a:ext>
+            </a:extLst>
+          </p:cNvPr>
+          <p:cNvPicPr>
+            <a:picLocks noChangeAspect="1"/>
+          </p:cNvPicPr>
+          <p:nvPr/>
+        </p:nvPicPr>
+        <p:blipFill rotWithShape="1">
+          <a:blip r:embed="rId2">
+            <a:extLst>
+              <a:ext uri="{28A0092B-C50C-407E-A947-70E740481C1C}">
+                <a14:useLocalDpi xmlns:a14="http://schemas.microsoft.com/office/drawing/2010/main" val="0"/>
+              </a:ext>
+            </a:extLst>
+          </a:blip>
+          <a:srcRect l="9289" t="83561" r="44068"/>
+          <a:stretch/>
+        </p:blipFill>
+        <p:spPr>
+          <a:xfrm>
+            <a:off x="1359017" y="5654180"/>
+            <a:ext cx="10070284" cy="1123877"/>
+          </a:xfrm>
+          <a:prstGeom prst="rect">
+            <a:avLst/>
+          </a:prstGeom>
+        </p:spPr>
+      </p:pic>
+    </p:spTree>
+    <p:extLst>
+      <p:ext uri="{BB962C8B-B14F-4D97-AF65-F5344CB8AC3E}">
+        <p14:creationId xmlns:p14="http://schemas.microsoft.com/office/powerpoint/2010/main" val="1512927266"/>
+      </p:ext>
+    </p:extLst>
+  </p:cSld>
+  <p:clrMapOvr>
+    <a:masterClrMapping/>
+  </p:clrMapOvr>
+</p:sld>
+</file>
+
+<file path=ppt/slides/slide14.xml><?xml version="1.0" encoding="utf-8"?>
+<p:sld xmlns:a="http://schemas.openxmlformats.org/drawingml/2006/main" xmlns:r="http://schemas.openxmlformats.org/officeDocument/2006/relationships" xmlns:p="http://schemas.openxmlformats.org/presentationml/2006/main">
+  <p:cSld>
+    <p:spTree>
+      <p:nvGrpSpPr>
+        <p:cNvPr id="1" name=""/>
+        <p:cNvGrpSpPr/>
+        <p:nvPr/>
+      </p:nvGrpSpPr>
+      <p:grpSpPr>
+        <a:xfrm>
+          <a:off x="0" y="0"/>
+          <a:ext cx="0" cy="0"/>
+          <a:chOff x="0" y="0"/>
+          <a:chExt cx="0" cy="0"/>
+        </a:xfrm>
+      </p:grpSpPr>
+      <p:sp>
+        <p:nvSpPr>
+          <p:cNvPr id="2" name="Title 1">
+            <a:extLst>
+              <a:ext uri="{FF2B5EF4-FFF2-40B4-BE49-F238E27FC236}">
+                <a16:creationId xmlns:a16="http://schemas.microsoft.com/office/drawing/2014/main" id="{6BD6E15B-FD41-4D17-BF9E-275D8AE379B9}"/>
+              </a:ext>
+            </a:extLst>
+          </p:cNvPr>
+          <p:cNvSpPr>
+            <a:spLocks noGrp="1"/>
+          </p:cNvSpPr>
+          <p:nvPr>
+            <p:ph type="title"/>
+          </p:nvPr>
+        </p:nvSpPr>
+        <p:spPr/>
+        <p:txBody>
+          <a:bodyPr/>
+          <a:lstStyle/>
+          <a:p>
+            <a:endParaRPr lang="en-US"/>
+          </a:p>
+        </p:txBody>
+      </p:sp>
+      <p:sp>
+        <p:nvSpPr>
+          <p:cNvPr id="4" name="Content Placeholder 3">
+            <a:extLst>
+              <a:ext uri="{FF2B5EF4-FFF2-40B4-BE49-F238E27FC236}">
+                <a16:creationId xmlns:a16="http://schemas.microsoft.com/office/drawing/2014/main" id="{E7FF6D13-1CFC-4B21-BBE2-0F211CBEEBD5}"/>
+              </a:ext>
+            </a:extLst>
+          </p:cNvPr>
+          <p:cNvSpPr>
+            <a:spLocks noGrp="1"/>
+          </p:cNvSpPr>
+          <p:nvPr>
+            <p:ph idx="1"/>
+          </p:nvPr>
+        </p:nvSpPr>
+        <p:spPr/>
+        <p:txBody>
+          <a:bodyPr/>
+          <a:lstStyle/>
+          <a:p>
+            <a:endParaRPr lang="en-US"/>
+          </a:p>
+        </p:txBody>
+      </p:sp>
+    </p:spTree>
+    <p:extLst>
+      <p:ext uri="{BB962C8B-B14F-4D97-AF65-F5344CB8AC3E}">
+        <p14:creationId xmlns:p14="http://schemas.microsoft.com/office/powerpoint/2010/main" val="949682631"/>
       </p:ext>
     </p:extLst>
   </p:cSld>
@@ -7394,7 +7725,7 @@
           <a:graphicData uri="http://schemas.openxmlformats.org/presentationml/2006/ole">
             <mc:AlternateContent xmlns:mc="http://schemas.openxmlformats.org/markup-compatibility/2006">
               <mc:Choice xmlns:v="urn:schemas-microsoft-com:vml" Requires="v">
-                <p:oleObj spid="_x0000_s3097" name="Worksheet" r:id="rId3" imgW="12049071" imgH="5048199" progId="Excel.Sheet.12">
+                <p:oleObj spid="_x0000_s3099" name="Worksheet" r:id="rId3" imgW="12049071" imgH="5048199" progId="Excel.Sheet.12">
                   <p:embed/>
                 </p:oleObj>
               </mc:Choice>

--- a/general/Images.pptx
+++ b/general/Images.pptx
@@ -272,7 +272,7 @@
           <a:p>
             <a:fld id="{EEAF73AA-7651-4CF2-A5D8-7E714E2EA7AF}" type="datetimeFigureOut">
               <a:rPr lang="en-US" smtClean="0"/>
-              <a:t>5/15/2020</a:t>
+              <a:t>17-05-20</a:t>
             </a:fld>
             <a:endParaRPr lang="en-US"/>
           </a:p>
@@ -470,7 +470,7 @@
           <a:p>
             <a:fld id="{EEAF73AA-7651-4CF2-A5D8-7E714E2EA7AF}" type="datetimeFigureOut">
               <a:rPr lang="en-US" smtClean="0"/>
-              <a:t>5/15/2020</a:t>
+              <a:t>17-05-20</a:t>
             </a:fld>
             <a:endParaRPr lang="en-US"/>
           </a:p>
@@ -678,7 +678,7 @@
           <a:p>
             <a:fld id="{EEAF73AA-7651-4CF2-A5D8-7E714E2EA7AF}" type="datetimeFigureOut">
               <a:rPr lang="en-US" smtClean="0"/>
-              <a:t>5/15/2020</a:t>
+              <a:t>17-05-20</a:t>
             </a:fld>
             <a:endParaRPr lang="en-US"/>
           </a:p>
@@ -876,7 +876,7 @@
           <a:p>
             <a:fld id="{EEAF73AA-7651-4CF2-A5D8-7E714E2EA7AF}" type="datetimeFigureOut">
               <a:rPr lang="en-US" smtClean="0"/>
-              <a:t>5/15/2020</a:t>
+              <a:t>17-05-20</a:t>
             </a:fld>
             <a:endParaRPr lang="en-US"/>
           </a:p>
@@ -1151,7 +1151,7 @@
           <a:p>
             <a:fld id="{EEAF73AA-7651-4CF2-A5D8-7E714E2EA7AF}" type="datetimeFigureOut">
               <a:rPr lang="en-US" smtClean="0"/>
-              <a:t>5/15/2020</a:t>
+              <a:t>17-05-20</a:t>
             </a:fld>
             <a:endParaRPr lang="en-US"/>
           </a:p>
@@ -1416,7 +1416,7 @@
           <a:p>
             <a:fld id="{EEAF73AA-7651-4CF2-A5D8-7E714E2EA7AF}" type="datetimeFigureOut">
               <a:rPr lang="en-US" smtClean="0"/>
-              <a:t>5/15/2020</a:t>
+              <a:t>17-05-20</a:t>
             </a:fld>
             <a:endParaRPr lang="en-US"/>
           </a:p>
@@ -1828,7 +1828,7 @@
           <a:p>
             <a:fld id="{EEAF73AA-7651-4CF2-A5D8-7E714E2EA7AF}" type="datetimeFigureOut">
               <a:rPr lang="en-US" smtClean="0"/>
-              <a:t>5/15/2020</a:t>
+              <a:t>17-05-20</a:t>
             </a:fld>
             <a:endParaRPr lang="en-US"/>
           </a:p>
@@ -1969,7 +1969,7 @@
           <a:p>
             <a:fld id="{EEAF73AA-7651-4CF2-A5D8-7E714E2EA7AF}" type="datetimeFigureOut">
               <a:rPr lang="en-US" smtClean="0"/>
-              <a:t>5/15/2020</a:t>
+              <a:t>17-05-20</a:t>
             </a:fld>
             <a:endParaRPr lang="en-US"/>
           </a:p>
@@ -2082,7 +2082,7 @@
           <a:p>
             <a:fld id="{EEAF73AA-7651-4CF2-A5D8-7E714E2EA7AF}" type="datetimeFigureOut">
               <a:rPr lang="en-US" smtClean="0"/>
-              <a:t>5/15/2020</a:t>
+              <a:t>17-05-20</a:t>
             </a:fld>
             <a:endParaRPr lang="en-US"/>
           </a:p>
@@ -2393,7 +2393,7 @@
           <a:p>
             <a:fld id="{EEAF73AA-7651-4CF2-A5D8-7E714E2EA7AF}" type="datetimeFigureOut">
               <a:rPr lang="en-US" smtClean="0"/>
-              <a:t>5/15/2020</a:t>
+              <a:t>17-05-20</a:t>
             </a:fld>
             <a:endParaRPr lang="en-US"/>
           </a:p>
@@ -2681,7 +2681,7 @@
           <a:p>
             <a:fld id="{EEAF73AA-7651-4CF2-A5D8-7E714E2EA7AF}" type="datetimeFigureOut">
               <a:rPr lang="en-US" smtClean="0"/>
-              <a:t>5/15/2020</a:t>
+              <a:t>17-05-20</a:t>
             </a:fld>
             <a:endParaRPr lang="en-US"/>
           </a:p>
@@ -2922,7 +2922,7 @@
           <a:p>
             <a:fld id="{EEAF73AA-7651-4CF2-A5D8-7E714E2EA7AF}" type="datetimeFigureOut">
               <a:rPr lang="en-US" smtClean="0"/>
-              <a:t>5/15/2020</a:t>
+              <a:t>17-05-20</a:t>
             </a:fld>
             <a:endParaRPr lang="en-US"/>
           </a:p>
@@ -4171,31 +4171,8216 @@
           </a:p>
         </p:txBody>
       </p:sp>
-      <p:sp>
-        <p:nvSpPr>
-          <p:cNvPr id="4" name="Content Placeholder 3">
-            <a:extLst>
-              <a:ext uri="{FF2B5EF4-FFF2-40B4-BE49-F238E27FC236}">
-                <a16:creationId xmlns:a16="http://schemas.microsoft.com/office/drawing/2014/main" id="{E7FF6D13-1CFC-4B21-BBE2-0F211CBEEBD5}"/>
-              </a:ext>
-            </a:extLst>
-          </p:cNvPr>
-          <p:cNvSpPr>
-            <a:spLocks noGrp="1"/>
-          </p:cNvSpPr>
+      <p:graphicFrame>
+        <p:nvGraphicFramePr>
+          <p:cNvPr id="6" name="Content Placeholder 5"/>
+          <p:cNvGraphicFramePr>
+            <a:graphicFrameLocks noGrp="1"/>
+          </p:cNvGraphicFramePr>
           <p:nvPr>
             <p:ph idx="1"/>
+            <p:extLst>
+              <p:ext uri="{D42A27DB-BD31-4B8C-83A1-F6EECF244321}">
+                <p14:modId xmlns:p14="http://schemas.microsoft.com/office/powerpoint/2010/main" val="422771487"/>
+              </p:ext>
+            </p:extLst>
           </p:nvPr>
-        </p:nvSpPr>
-        <p:spPr/>
-        <p:txBody>
-          <a:bodyPr/>
-          <a:lstStyle/>
-          <a:p>
-            <a:endParaRPr lang="en-US"/>
-          </a:p>
-        </p:txBody>
-      </p:sp>
+        </p:nvGraphicFramePr>
+        <p:xfrm>
+          <a:off x="2193759" y="2356727"/>
+          <a:ext cx="7162797" cy="2695575"/>
+        </p:xfrm>
+        <a:graphic>
+          <a:graphicData uri="http://schemas.openxmlformats.org/drawingml/2006/table">
+            <a:tbl>
+              <a:tblPr/>
+              <a:tblGrid>
+                <a:gridCol w="1512464">
+                  <a:extLst>
+                    <a:ext uri="{9D8B030D-6E8A-4147-A177-3AD203B41FA5}">
+                      <a16:colId xmlns:a16="http://schemas.microsoft.com/office/drawing/2014/main" val="3273431316"/>
+                    </a:ext>
+                  </a:extLst>
+                </a:gridCol>
+                <a:gridCol w="637327">
+                  <a:extLst>
+                    <a:ext uri="{9D8B030D-6E8A-4147-A177-3AD203B41FA5}">
+                      <a16:colId xmlns:a16="http://schemas.microsoft.com/office/drawing/2014/main" val="3889250402"/>
+                    </a:ext>
+                  </a:extLst>
+                </a:gridCol>
+                <a:gridCol w="608790">
+                  <a:extLst>
+                    <a:ext uri="{9D8B030D-6E8A-4147-A177-3AD203B41FA5}">
+                      <a16:colId xmlns:a16="http://schemas.microsoft.com/office/drawing/2014/main" val="1257541193"/>
+                    </a:ext>
+                  </a:extLst>
+                </a:gridCol>
+                <a:gridCol w="637327">
+                  <a:extLst>
+                    <a:ext uri="{9D8B030D-6E8A-4147-A177-3AD203B41FA5}">
+                      <a16:colId xmlns:a16="http://schemas.microsoft.com/office/drawing/2014/main" val="3036464365"/>
+                    </a:ext>
+                  </a:extLst>
+                </a:gridCol>
+                <a:gridCol w="608790">
+                  <a:extLst>
+                    <a:ext uri="{9D8B030D-6E8A-4147-A177-3AD203B41FA5}">
+                      <a16:colId xmlns:a16="http://schemas.microsoft.com/office/drawing/2014/main" val="2122560232"/>
+                    </a:ext>
+                  </a:extLst>
+                </a:gridCol>
+                <a:gridCol w="637327">
+                  <a:extLst>
+                    <a:ext uri="{9D8B030D-6E8A-4147-A177-3AD203B41FA5}">
+                      <a16:colId xmlns:a16="http://schemas.microsoft.com/office/drawing/2014/main" val="2628243503"/>
+                    </a:ext>
+                  </a:extLst>
+                </a:gridCol>
+                <a:gridCol w="608790">
+                  <a:extLst>
+                    <a:ext uri="{9D8B030D-6E8A-4147-A177-3AD203B41FA5}">
+                      <a16:colId xmlns:a16="http://schemas.microsoft.com/office/drawing/2014/main" val="364746842"/>
+                    </a:ext>
+                  </a:extLst>
+                </a:gridCol>
+                <a:gridCol w="608790">
+                  <a:extLst>
+                    <a:ext uri="{9D8B030D-6E8A-4147-A177-3AD203B41FA5}">
+                      <a16:colId xmlns:a16="http://schemas.microsoft.com/office/drawing/2014/main" val="3574582780"/>
+                    </a:ext>
+                  </a:extLst>
+                </a:gridCol>
+                <a:gridCol w="694402">
+                  <a:extLst>
+                    <a:ext uri="{9D8B030D-6E8A-4147-A177-3AD203B41FA5}">
+                      <a16:colId xmlns:a16="http://schemas.microsoft.com/office/drawing/2014/main" val="3764897896"/>
+                    </a:ext>
+                  </a:extLst>
+                </a:gridCol>
+                <a:gridCol w="608790">
+                  <a:extLst>
+                    <a:ext uri="{9D8B030D-6E8A-4147-A177-3AD203B41FA5}">
+                      <a16:colId xmlns:a16="http://schemas.microsoft.com/office/drawing/2014/main" val="3572090821"/>
+                    </a:ext>
+                  </a:extLst>
+                </a:gridCol>
+              </a:tblGrid>
+              <a:tr h="200025">
+                <a:tc>
+                  <a:txBody>
+                    <a:bodyPr/>
+                    <a:lstStyle/>
+                    <a:p>
+                      <a:pPr algn="ctr" fontAlgn="ctr"/>
+                      <a:endParaRPr lang="en-US" sz="1100" b="0" i="0" u="none" strike="noStrike">
+                        <a:solidFill>
+                          <a:srgbClr val="000000"/>
+                        </a:solidFill>
+                        <a:effectLst/>
+                        <a:latin typeface="Calibri" panose="020F0502020204030204" pitchFamily="34" charset="0"/>
+                      </a:endParaRPr>
+                    </a:p>
+                  </a:txBody>
+                  <a:tcPr marL="9525" marR="9525" marT="9525" marB="0" anchor="ctr">
+                    <a:lnL>
+                      <a:noFill/>
+                    </a:lnL>
+                    <a:lnR w="12700" cap="flat" cmpd="sng" algn="ctr">
+                      <a:solidFill>
+                        <a:srgbClr val="000000"/>
+                      </a:solidFill>
+                      <a:prstDash val="solid"/>
+                      <a:round/>
+                      <a:headEnd type="none" w="med" len="med"/>
+                      <a:tailEnd type="none" w="med" len="med"/>
+                    </a:lnR>
+                    <a:lnT>
+                      <a:noFill/>
+                    </a:lnT>
+                    <a:lnB>
+                      <a:noFill/>
+                    </a:lnB>
+                  </a:tcPr>
+                </a:tc>
+                <a:tc gridSpan="2">
+                  <a:txBody>
+                    <a:bodyPr/>
+                    <a:lstStyle/>
+                    <a:p>
+                      <a:pPr algn="ctr" fontAlgn="ctr"/>
+                      <a:r>
+                        <a:rPr lang="en-US" sz="1100" b="0" i="0" u="none" strike="noStrike">
+                          <a:solidFill>
+                            <a:srgbClr val="000000"/>
+                          </a:solidFill>
+                          <a:effectLst/>
+                          <a:latin typeface="Calibri" panose="020F0502020204030204" pitchFamily="34" charset="0"/>
+                        </a:rPr>
+                        <a:t>HV</a:t>
+                      </a:r>
+                    </a:p>
+                  </a:txBody>
+                  <a:tcPr marL="9525" marR="9525" marT="9525" marB="0" anchor="ctr">
+                    <a:lnL w="12700" cap="flat" cmpd="sng" algn="ctr">
+                      <a:solidFill>
+                        <a:srgbClr val="000000"/>
+                      </a:solidFill>
+                      <a:prstDash val="solid"/>
+                      <a:round/>
+                      <a:headEnd type="none" w="med" len="med"/>
+                      <a:tailEnd type="none" w="med" len="med"/>
+                    </a:lnL>
+                    <a:lnR w="12700" cap="flat" cmpd="sng" algn="ctr">
+                      <a:solidFill>
+                        <a:srgbClr val="000000"/>
+                      </a:solidFill>
+                      <a:prstDash val="solid"/>
+                      <a:round/>
+                      <a:headEnd type="none" w="med" len="med"/>
+                      <a:tailEnd type="none" w="med" len="med"/>
+                    </a:lnR>
+                    <a:lnT w="12700" cap="flat" cmpd="sng" algn="ctr">
+                      <a:solidFill>
+                        <a:srgbClr val="000000"/>
+                      </a:solidFill>
+                      <a:prstDash val="solid"/>
+                      <a:round/>
+                      <a:headEnd type="none" w="med" len="med"/>
+                      <a:tailEnd type="none" w="med" len="med"/>
+                    </a:lnT>
+                    <a:lnB w="6350" cap="flat" cmpd="sng" algn="ctr">
+                      <a:solidFill>
+                        <a:srgbClr val="000000"/>
+                      </a:solidFill>
+                      <a:prstDash val="solid"/>
+                      <a:round/>
+                      <a:headEnd type="none" w="med" len="med"/>
+                      <a:tailEnd type="none" w="med" len="med"/>
+                    </a:lnB>
+                  </a:tcPr>
+                </a:tc>
+                <a:tc hMerge="1">
+                  <a:txBody>
+                    <a:bodyPr/>
+                    <a:lstStyle/>
+                    <a:p>
+                      <a:endParaRPr lang="en-US"/>
+                    </a:p>
+                  </a:txBody>
+                  <a:tcPr/>
+                </a:tc>
+                <a:tc gridSpan="2">
+                  <a:txBody>
+                    <a:bodyPr/>
+                    <a:lstStyle/>
+                    <a:p>
+                      <a:pPr algn="ctr" fontAlgn="ctr"/>
+                      <a:r>
+                        <a:rPr lang="en-US" sz="1100" b="0" i="0" u="none" strike="noStrike">
+                          <a:solidFill>
+                            <a:srgbClr val="000000"/>
+                          </a:solidFill>
+                          <a:effectLst/>
+                          <a:latin typeface="Calibri" panose="020F0502020204030204" pitchFamily="34" charset="0"/>
+                        </a:rPr>
+                        <a:t>Min Manip</a:t>
+                      </a:r>
+                    </a:p>
+                  </a:txBody>
+                  <a:tcPr marL="9525" marR="9525" marT="9525" marB="0" anchor="ctr">
+                    <a:lnL w="12700" cap="flat" cmpd="sng" algn="ctr">
+                      <a:solidFill>
+                        <a:srgbClr val="000000"/>
+                      </a:solidFill>
+                      <a:prstDash val="solid"/>
+                      <a:round/>
+                      <a:headEnd type="none" w="med" len="med"/>
+                      <a:tailEnd type="none" w="med" len="med"/>
+                    </a:lnL>
+                    <a:lnR w="12700" cap="flat" cmpd="sng" algn="ctr">
+                      <a:solidFill>
+                        <a:srgbClr val="000000"/>
+                      </a:solidFill>
+                      <a:prstDash val="solid"/>
+                      <a:round/>
+                      <a:headEnd type="none" w="med" len="med"/>
+                      <a:tailEnd type="none" w="med" len="med"/>
+                    </a:lnR>
+                    <a:lnT w="12700" cap="flat" cmpd="sng" algn="ctr">
+                      <a:solidFill>
+                        <a:srgbClr val="000000"/>
+                      </a:solidFill>
+                      <a:prstDash val="solid"/>
+                      <a:round/>
+                      <a:headEnd type="none" w="med" len="med"/>
+                      <a:tailEnd type="none" w="med" len="med"/>
+                    </a:lnT>
+                    <a:lnB w="6350" cap="flat" cmpd="sng" algn="ctr">
+                      <a:solidFill>
+                        <a:srgbClr val="000000"/>
+                      </a:solidFill>
+                      <a:prstDash val="solid"/>
+                      <a:round/>
+                      <a:headEnd type="none" w="med" len="med"/>
+                      <a:tailEnd type="none" w="med" len="med"/>
+                    </a:lnB>
+                  </a:tcPr>
+                </a:tc>
+                <a:tc hMerge="1">
+                  <a:txBody>
+                    <a:bodyPr/>
+                    <a:lstStyle/>
+                    <a:p>
+                      <a:endParaRPr lang="en-US"/>
+                    </a:p>
+                  </a:txBody>
+                  <a:tcPr/>
+                </a:tc>
+                <a:tc gridSpan="2">
+                  <a:txBody>
+                    <a:bodyPr/>
+                    <a:lstStyle/>
+                    <a:p>
+                      <a:pPr algn="ctr" fontAlgn="ctr"/>
+                      <a:r>
+                        <a:rPr lang="en-US" sz="1100" b="0" i="0" u="none" strike="noStrike">
+                          <a:solidFill>
+                            <a:srgbClr val="000000"/>
+                          </a:solidFill>
+                          <a:effectLst/>
+                          <a:latin typeface="Calibri" panose="020F0502020204030204" pitchFamily="34" charset="0"/>
+                        </a:rPr>
+                        <a:t>IGD</a:t>
+                      </a:r>
+                    </a:p>
+                  </a:txBody>
+                  <a:tcPr marL="9525" marR="9525" marT="9525" marB="0" anchor="ctr">
+                    <a:lnL w="12700" cap="flat" cmpd="sng" algn="ctr">
+                      <a:solidFill>
+                        <a:srgbClr val="000000"/>
+                      </a:solidFill>
+                      <a:prstDash val="solid"/>
+                      <a:round/>
+                      <a:headEnd type="none" w="med" len="med"/>
+                      <a:tailEnd type="none" w="med" len="med"/>
+                    </a:lnL>
+                    <a:lnR w="12700" cap="flat" cmpd="sng" algn="ctr">
+                      <a:solidFill>
+                        <a:srgbClr val="000000"/>
+                      </a:solidFill>
+                      <a:prstDash val="solid"/>
+                      <a:round/>
+                      <a:headEnd type="none" w="med" len="med"/>
+                      <a:tailEnd type="none" w="med" len="med"/>
+                    </a:lnR>
+                    <a:lnT w="12700" cap="flat" cmpd="sng" algn="ctr">
+                      <a:solidFill>
+                        <a:srgbClr val="000000"/>
+                      </a:solidFill>
+                      <a:prstDash val="solid"/>
+                      <a:round/>
+                      <a:headEnd type="none" w="med" len="med"/>
+                      <a:tailEnd type="none" w="med" len="med"/>
+                    </a:lnT>
+                    <a:lnB w="6350" cap="flat" cmpd="sng" algn="ctr">
+                      <a:solidFill>
+                        <a:srgbClr val="000000"/>
+                      </a:solidFill>
+                      <a:prstDash val="solid"/>
+                      <a:round/>
+                      <a:headEnd type="none" w="med" len="med"/>
+                      <a:tailEnd type="none" w="med" len="med"/>
+                    </a:lnB>
+                  </a:tcPr>
+                </a:tc>
+                <a:tc hMerge="1">
+                  <a:txBody>
+                    <a:bodyPr/>
+                    <a:lstStyle/>
+                    <a:p>
+                      <a:endParaRPr lang="en-US"/>
+                    </a:p>
+                  </a:txBody>
+                  <a:tcPr/>
+                </a:tc>
+                <a:tc gridSpan="3">
+                  <a:txBody>
+                    <a:bodyPr/>
+                    <a:lstStyle/>
+                    <a:p>
+                      <a:pPr algn="ctr" fontAlgn="b"/>
+                      <a:r>
+                        <a:rPr lang="en-US" sz="1100" b="0" i="0" u="none" strike="noStrike">
+                          <a:solidFill>
+                            <a:srgbClr val="000000"/>
+                          </a:solidFill>
+                          <a:effectLst/>
+                          <a:latin typeface="Calibri" panose="020F0502020204030204" pitchFamily="34" charset="0"/>
+                        </a:rPr>
+                        <a:t>Wilcoxon</a:t>
+                      </a:r>
+                    </a:p>
+                  </a:txBody>
+                  <a:tcPr marL="9525" marR="9525" marT="9525" marB="0" anchor="b">
+                    <a:lnL w="12700" cap="flat" cmpd="sng" algn="ctr">
+                      <a:solidFill>
+                        <a:srgbClr val="000000"/>
+                      </a:solidFill>
+                      <a:prstDash val="solid"/>
+                      <a:round/>
+                      <a:headEnd type="none" w="med" len="med"/>
+                      <a:tailEnd type="none" w="med" len="med"/>
+                    </a:lnL>
+                    <a:lnR w="12700" cap="flat" cmpd="sng" algn="ctr">
+                      <a:solidFill>
+                        <a:srgbClr val="000000"/>
+                      </a:solidFill>
+                      <a:prstDash val="solid"/>
+                      <a:round/>
+                      <a:headEnd type="none" w="med" len="med"/>
+                      <a:tailEnd type="none" w="med" len="med"/>
+                    </a:lnR>
+                    <a:lnT w="12700" cap="flat" cmpd="sng" algn="ctr">
+                      <a:solidFill>
+                        <a:srgbClr val="000000"/>
+                      </a:solidFill>
+                      <a:prstDash val="solid"/>
+                      <a:round/>
+                      <a:headEnd type="none" w="med" len="med"/>
+                      <a:tailEnd type="none" w="med" len="med"/>
+                    </a:lnT>
+                    <a:lnB w="12700" cap="flat" cmpd="sng" algn="ctr">
+                      <a:solidFill>
+                        <a:srgbClr val="000000"/>
+                      </a:solidFill>
+                      <a:prstDash val="solid"/>
+                      <a:round/>
+                      <a:headEnd type="none" w="med" len="med"/>
+                      <a:tailEnd type="none" w="med" len="med"/>
+                    </a:lnB>
+                  </a:tcPr>
+                </a:tc>
+                <a:tc hMerge="1">
+                  <a:txBody>
+                    <a:bodyPr/>
+                    <a:lstStyle/>
+                    <a:p>
+                      <a:endParaRPr lang="en-US"/>
+                    </a:p>
+                  </a:txBody>
+                  <a:tcPr/>
+                </a:tc>
+                <a:tc hMerge="1">
+                  <a:txBody>
+                    <a:bodyPr/>
+                    <a:lstStyle/>
+                    <a:p>
+                      <a:endParaRPr lang="en-US"/>
+                    </a:p>
+                  </a:txBody>
+                  <a:tcPr/>
+                </a:tc>
+                <a:extLst>
+                  <a:ext uri="{0D108BD9-81ED-4DB2-BD59-A6C34878D82A}">
+                    <a16:rowId xmlns:a16="http://schemas.microsoft.com/office/drawing/2014/main" val="4046370694"/>
+                  </a:ext>
+                </a:extLst>
+              </a:tr>
+              <a:tr h="200025">
+                <a:tc>
+                  <a:txBody>
+                    <a:bodyPr/>
+                    <a:lstStyle/>
+                    <a:p>
+                      <a:pPr algn="ctr" fontAlgn="ctr"/>
+                      <a:endParaRPr lang="en-US" sz="1100" b="0" i="0" u="none" strike="noStrike">
+                        <a:solidFill>
+                          <a:srgbClr val="000000"/>
+                        </a:solidFill>
+                        <a:effectLst/>
+                        <a:latin typeface="Calibri" panose="020F0502020204030204" pitchFamily="34" charset="0"/>
+                      </a:endParaRPr>
+                    </a:p>
+                  </a:txBody>
+                  <a:tcPr marL="9525" marR="9525" marT="9525" marB="0" anchor="ctr">
+                    <a:lnL>
+                      <a:noFill/>
+                    </a:lnL>
+                    <a:lnR w="12700" cap="flat" cmpd="sng" algn="ctr">
+                      <a:solidFill>
+                        <a:srgbClr val="000000"/>
+                      </a:solidFill>
+                      <a:prstDash val="solid"/>
+                      <a:round/>
+                      <a:headEnd type="none" w="med" len="med"/>
+                      <a:tailEnd type="none" w="med" len="med"/>
+                    </a:lnR>
+                    <a:lnT>
+                      <a:noFill/>
+                    </a:lnT>
+                    <a:lnB w="12700" cap="flat" cmpd="sng" algn="ctr">
+                      <a:solidFill>
+                        <a:srgbClr val="000000"/>
+                      </a:solidFill>
+                      <a:prstDash val="solid"/>
+                      <a:round/>
+                      <a:headEnd type="none" w="med" len="med"/>
+                      <a:tailEnd type="none" w="med" len="med"/>
+                    </a:lnB>
+                  </a:tcPr>
+                </a:tc>
+                <a:tc>
+                  <a:txBody>
+                    <a:bodyPr/>
+                    <a:lstStyle/>
+                    <a:p>
+                      <a:pPr algn="ctr" fontAlgn="ctr"/>
+                      <a:r>
+                        <a:rPr lang="en-US" sz="1100" b="0" i="0" u="none" strike="noStrike">
+                          <a:solidFill>
+                            <a:srgbClr val="000000"/>
+                          </a:solidFill>
+                          <a:effectLst/>
+                          <a:latin typeface="Calibri" panose="020F0502020204030204" pitchFamily="34" charset="0"/>
+                        </a:rPr>
+                        <a:t>Median</a:t>
+                      </a:r>
+                    </a:p>
+                  </a:txBody>
+                  <a:tcPr marL="9525" marR="9525" marT="9525" marB="0" anchor="ctr">
+                    <a:lnL w="12700" cap="flat" cmpd="sng" algn="ctr">
+                      <a:solidFill>
+                        <a:srgbClr val="000000"/>
+                      </a:solidFill>
+                      <a:prstDash val="solid"/>
+                      <a:round/>
+                      <a:headEnd type="none" w="med" len="med"/>
+                      <a:tailEnd type="none" w="med" len="med"/>
+                    </a:lnL>
+                    <a:lnR w="6350" cap="flat" cmpd="sng" algn="ctr">
+                      <a:solidFill>
+                        <a:srgbClr val="000000"/>
+                      </a:solidFill>
+                      <a:prstDash val="solid"/>
+                      <a:round/>
+                      <a:headEnd type="none" w="med" len="med"/>
+                      <a:tailEnd type="none" w="med" len="med"/>
+                    </a:lnR>
+                    <a:lnT w="6350" cap="flat" cmpd="sng" algn="ctr">
+                      <a:solidFill>
+                        <a:srgbClr val="000000"/>
+                      </a:solidFill>
+                      <a:prstDash val="solid"/>
+                      <a:round/>
+                      <a:headEnd type="none" w="med" len="med"/>
+                      <a:tailEnd type="none" w="med" len="med"/>
+                    </a:lnT>
+                    <a:lnB w="6350" cap="flat" cmpd="sng" algn="ctr">
+                      <a:solidFill>
+                        <a:srgbClr val="000000"/>
+                      </a:solidFill>
+                      <a:prstDash val="solid"/>
+                      <a:round/>
+                      <a:headEnd type="none" w="med" len="med"/>
+                      <a:tailEnd type="none" w="med" len="med"/>
+                    </a:lnB>
+                  </a:tcPr>
+                </a:tc>
+                <a:tc>
+                  <a:txBody>
+                    <a:bodyPr/>
+                    <a:lstStyle/>
+                    <a:p>
+                      <a:pPr algn="ctr" fontAlgn="ctr"/>
+                      <a:r>
+                        <a:rPr lang="en-US" sz="1100" b="0" i="0" u="none" strike="noStrike">
+                          <a:solidFill>
+                            <a:srgbClr val="000000"/>
+                          </a:solidFill>
+                          <a:effectLst/>
+                          <a:latin typeface="Calibri" panose="020F0502020204030204" pitchFamily="34" charset="0"/>
+                        </a:rPr>
+                        <a:t>Variance</a:t>
+                      </a:r>
+                    </a:p>
+                  </a:txBody>
+                  <a:tcPr marL="9525" marR="9525" marT="9525" marB="0" anchor="ctr">
+                    <a:lnL w="6350" cap="flat" cmpd="sng" algn="ctr">
+                      <a:solidFill>
+                        <a:srgbClr val="000000"/>
+                      </a:solidFill>
+                      <a:prstDash val="solid"/>
+                      <a:round/>
+                      <a:headEnd type="none" w="med" len="med"/>
+                      <a:tailEnd type="none" w="med" len="med"/>
+                    </a:lnL>
+                    <a:lnR w="12700" cap="flat" cmpd="sng" algn="ctr">
+                      <a:solidFill>
+                        <a:srgbClr val="000000"/>
+                      </a:solidFill>
+                      <a:prstDash val="solid"/>
+                      <a:round/>
+                      <a:headEnd type="none" w="med" len="med"/>
+                      <a:tailEnd type="none" w="med" len="med"/>
+                    </a:lnR>
+                    <a:lnT w="6350" cap="flat" cmpd="sng" algn="ctr">
+                      <a:solidFill>
+                        <a:srgbClr val="000000"/>
+                      </a:solidFill>
+                      <a:prstDash val="solid"/>
+                      <a:round/>
+                      <a:headEnd type="none" w="med" len="med"/>
+                      <a:tailEnd type="none" w="med" len="med"/>
+                    </a:lnT>
+                    <a:lnB w="6350" cap="flat" cmpd="sng" algn="ctr">
+                      <a:solidFill>
+                        <a:srgbClr val="000000"/>
+                      </a:solidFill>
+                      <a:prstDash val="solid"/>
+                      <a:round/>
+                      <a:headEnd type="none" w="med" len="med"/>
+                      <a:tailEnd type="none" w="med" len="med"/>
+                    </a:lnB>
+                  </a:tcPr>
+                </a:tc>
+                <a:tc>
+                  <a:txBody>
+                    <a:bodyPr/>
+                    <a:lstStyle/>
+                    <a:p>
+                      <a:pPr algn="ctr" fontAlgn="ctr"/>
+                      <a:r>
+                        <a:rPr lang="en-US" sz="1100" b="0" i="0" u="none" strike="noStrike">
+                          <a:solidFill>
+                            <a:srgbClr val="000000"/>
+                          </a:solidFill>
+                          <a:effectLst/>
+                          <a:latin typeface="Calibri" panose="020F0502020204030204" pitchFamily="34" charset="0"/>
+                        </a:rPr>
+                        <a:t>Median</a:t>
+                      </a:r>
+                    </a:p>
+                  </a:txBody>
+                  <a:tcPr marL="9525" marR="9525" marT="9525" marB="0" anchor="ctr">
+                    <a:lnL w="12700" cap="flat" cmpd="sng" algn="ctr">
+                      <a:solidFill>
+                        <a:srgbClr val="000000"/>
+                      </a:solidFill>
+                      <a:prstDash val="solid"/>
+                      <a:round/>
+                      <a:headEnd type="none" w="med" len="med"/>
+                      <a:tailEnd type="none" w="med" len="med"/>
+                    </a:lnL>
+                    <a:lnR w="6350" cap="flat" cmpd="sng" algn="ctr">
+                      <a:solidFill>
+                        <a:srgbClr val="000000"/>
+                      </a:solidFill>
+                      <a:prstDash val="solid"/>
+                      <a:round/>
+                      <a:headEnd type="none" w="med" len="med"/>
+                      <a:tailEnd type="none" w="med" len="med"/>
+                    </a:lnR>
+                    <a:lnT w="6350" cap="flat" cmpd="sng" algn="ctr">
+                      <a:solidFill>
+                        <a:srgbClr val="000000"/>
+                      </a:solidFill>
+                      <a:prstDash val="solid"/>
+                      <a:round/>
+                      <a:headEnd type="none" w="med" len="med"/>
+                      <a:tailEnd type="none" w="med" len="med"/>
+                    </a:lnT>
+                    <a:lnB w="6350" cap="flat" cmpd="sng" algn="ctr">
+                      <a:solidFill>
+                        <a:srgbClr val="000000"/>
+                      </a:solidFill>
+                      <a:prstDash val="solid"/>
+                      <a:round/>
+                      <a:headEnd type="none" w="med" len="med"/>
+                      <a:tailEnd type="none" w="med" len="med"/>
+                    </a:lnB>
+                  </a:tcPr>
+                </a:tc>
+                <a:tc>
+                  <a:txBody>
+                    <a:bodyPr/>
+                    <a:lstStyle/>
+                    <a:p>
+                      <a:pPr algn="ctr" fontAlgn="ctr"/>
+                      <a:r>
+                        <a:rPr lang="en-US" sz="1100" b="0" i="0" u="none" strike="noStrike">
+                          <a:solidFill>
+                            <a:srgbClr val="000000"/>
+                          </a:solidFill>
+                          <a:effectLst/>
+                          <a:latin typeface="Calibri" panose="020F0502020204030204" pitchFamily="34" charset="0"/>
+                        </a:rPr>
+                        <a:t>Variance</a:t>
+                      </a:r>
+                    </a:p>
+                  </a:txBody>
+                  <a:tcPr marL="9525" marR="9525" marT="9525" marB="0" anchor="ctr">
+                    <a:lnL w="6350" cap="flat" cmpd="sng" algn="ctr">
+                      <a:solidFill>
+                        <a:srgbClr val="000000"/>
+                      </a:solidFill>
+                      <a:prstDash val="solid"/>
+                      <a:round/>
+                      <a:headEnd type="none" w="med" len="med"/>
+                      <a:tailEnd type="none" w="med" len="med"/>
+                    </a:lnL>
+                    <a:lnR w="12700" cap="flat" cmpd="sng" algn="ctr">
+                      <a:solidFill>
+                        <a:srgbClr val="000000"/>
+                      </a:solidFill>
+                      <a:prstDash val="solid"/>
+                      <a:round/>
+                      <a:headEnd type="none" w="med" len="med"/>
+                      <a:tailEnd type="none" w="med" len="med"/>
+                    </a:lnR>
+                    <a:lnT w="6350" cap="flat" cmpd="sng" algn="ctr">
+                      <a:solidFill>
+                        <a:srgbClr val="000000"/>
+                      </a:solidFill>
+                      <a:prstDash val="solid"/>
+                      <a:round/>
+                      <a:headEnd type="none" w="med" len="med"/>
+                      <a:tailEnd type="none" w="med" len="med"/>
+                    </a:lnT>
+                    <a:lnB w="6350" cap="flat" cmpd="sng" algn="ctr">
+                      <a:solidFill>
+                        <a:srgbClr val="000000"/>
+                      </a:solidFill>
+                      <a:prstDash val="solid"/>
+                      <a:round/>
+                      <a:headEnd type="none" w="med" len="med"/>
+                      <a:tailEnd type="none" w="med" len="med"/>
+                    </a:lnB>
+                  </a:tcPr>
+                </a:tc>
+                <a:tc>
+                  <a:txBody>
+                    <a:bodyPr/>
+                    <a:lstStyle/>
+                    <a:p>
+                      <a:pPr algn="ctr" fontAlgn="ctr"/>
+                      <a:r>
+                        <a:rPr lang="en-US" sz="1100" b="0" i="0" u="none" strike="noStrike">
+                          <a:solidFill>
+                            <a:srgbClr val="000000"/>
+                          </a:solidFill>
+                          <a:effectLst/>
+                          <a:latin typeface="Calibri" panose="020F0502020204030204" pitchFamily="34" charset="0"/>
+                        </a:rPr>
+                        <a:t>Median</a:t>
+                      </a:r>
+                    </a:p>
+                  </a:txBody>
+                  <a:tcPr marL="9525" marR="9525" marT="9525" marB="0" anchor="ctr">
+                    <a:lnL w="12700" cap="flat" cmpd="sng" algn="ctr">
+                      <a:solidFill>
+                        <a:srgbClr val="000000"/>
+                      </a:solidFill>
+                      <a:prstDash val="solid"/>
+                      <a:round/>
+                      <a:headEnd type="none" w="med" len="med"/>
+                      <a:tailEnd type="none" w="med" len="med"/>
+                    </a:lnL>
+                    <a:lnR w="6350" cap="flat" cmpd="sng" algn="ctr">
+                      <a:solidFill>
+                        <a:srgbClr val="000000"/>
+                      </a:solidFill>
+                      <a:prstDash val="solid"/>
+                      <a:round/>
+                      <a:headEnd type="none" w="med" len="med"/>
+                      <a:tailEnd type="none" w="med" len="med"/>
+                    </a:lnR>
+                    <a:lnT w="6350" cap="flat" cmpd="sng" algn="ctr">
+                      <a:solidFill>
+                        <a:srgbClr val="000000"/>
+                      </a:solidFill>
+                      <a:prstDash val="solid"/>
+                      <a:round/>
+                      <a:headEnd type="none" w="med" len="med"/>
+                      <a:tailEnd type="none" w="med" len="med"/>
+                    </a:lnT>
+                    <a:lnB w="6350" cap="flat" cmpd="sng" algn="ctr">
+                      <a:solidFill>
+                        <a:srgbClr val="000000"/>
+                      </a:solidFill>
+                      <a:prstDash val="solid"/>
+                      <a:round/>
+                      <a:headEnd type="none" w="med" len="med"/>
+                      <a:tailEnd type="none" w="med" len="med"/>
+                    </a:lnB>
+                  </a:tcPr>
+                </a:tc>
+                <a:tc>
+                  <a:txBody>
+                    <a:bodyPr/>
+                    <a:lstStyle/>
+                    <a:p>
+                      <a:pPr algn="ctr" fontAlgn="ctr"/>
+                      <a:r>
+                        <a:rPr lang="en-US" sz="1100" b="0" i="0" u="none" strike="noStrike">
+                          <a:solidFill>
+                            <a:srgbClr val="000000"/>
+                          </a:solidFill>
+                          <a:effectLst/>
+                          <a:latin typeface="Calibri" panose="020F0502020204030204" pitchFamily="34" charset="0"/>
+                        </a:rPr>
+                        <a:t>Variance</a:t>
+                      </a:r>
+                    </a:p>
+                  </a:txBody>
+                  <a:tcPr marL="9525" marR="9525" marT="9525" marB="0" anchor="ctr">
+                    <a:lnL w="6350" cap="flat" cmpd="sng" algn="ctr">
+                      <a:solidFill>
+                        <a:srgbClr val="000000"/>
+                      </a:solidFill>
+                      <a:prstDash val="solid"/>
+                      <a:round/>
+                      <a:headEnd type="none" w="med" len="med"/>
+                      <a:tailEnd type="none" w="med" len="med"/>
+                    </a:lnL>
+                    <a:lnR w="12700" cap="flat" cmpd="sng" algn="ctr">
+                      <a:solidFill>
+                        <a:srgbClr val="000000"/>
+                      </a:solidFill>
+                      <a:prstDash val="solid"/>
+                      <a:round/>
+                      <a:headEnd type="none" w="med" len="med"/>
+                      <a:tailEnd type="none" w="med" len="med"/>
+                    </a:lnR>
+                    <a:lnT w="6350" cap="flat" cmpd="sng" algn="ctr">
+                      <a:solidFill>
+                        <a:srgbClr val="000000"/>
+                      </a:solidFill>
+                      <a:prstDash val="solid"/>
+                      <a:round/>
+                      <a:headEnd type="none" w="med" len="med"/>
+                      <a:tailEnd type="none" w="med" len="med"/>
+                    </a:lnT>
+                    <a:lnB w="6350" cap="flat" cmpd="sng" algn="ctr">
+                      <a:solidFill>
+                        <a:srgbClr val="000000"/>
+                      </a:solidFill>
+                      <a:prstDash val="solid"/>
+                      <a:round/>
+                      <a:headEnd type="none" w="med" len="med"/>
+                      <a:tailEnd type="none" w="med" len="med"/>
+                    </a:lnB>
+                  </a:tcPr>
+                </a:tc>
+                <a:tc>
+                  <a:txBody>
+                    <a:bodyPr/>
+                    <a:lstStyle/>
+                    <a:p>
+                      <a:pPr algn="ctr" fontAlgn="ctr"/>
+                      <a:r>
+                        <a:rPr lang="en-US" sz="1100" b="0" i="0" u="none" strike="noStrike">
+                          <a:solidFill>
+                            <a:srgbClr val="000000"/>
+                          </a:solidFill>
+                          <a:effectLst/>
+                          <a:latin typeface="Calibri" panose="020F0502020204030204" pitchFamily="34" charset="0"/>
+                        </a:rPr>
+                        <a:t>HV</a:t>
+                      </a:r>
+                    </a:p>
+                  </a:txBody>
+                  <a:tcPr marL="9525" marR="9525" marT="9525" marB="0" anchor="ctr">
+                    <a:lnL w="12700" cap="flat" cmpd="sng" algn="ctr">
+                      <a:solidFill>
+                        <a:srgbClr val="000000"/>
+                      </a:solidFill>
+                      <a:prstDash val="solid"/>
+                      <a:round/>
+                      <a:headEnd type="none" w="med" len="med"/>
+                      <a:tailEnd type="none" w="med" len="med"/>
+                    </a:lnL>
+                    <a:lnR w="6350" cap="flat" cmpd="sng" algn="ctr">
+                      <a:solidFill>
+                        <a:srgbClr val="000000"/>
+                      </a:solidFill>
+                      <a:prstDash val="solid"/>
+                      <a:round/>
+                      <a:headEnd type="none" w="med" len="med"/>
+                      <a:tailEnd type="none" w="med" len="med"/>
+                    </a:lnR>
+                    <a:lnT w="12700" cap="flat" cmpd="sng" algn="ctr">
+                      <a:solidFill>
+                        <a:srgbClr val="000000"/>
+                      </a:solidFill>
+                      <a:prstDash val="solid"/>
+                      <a:round/>
+                      <a:headEnd type="none" w="med" len="med"/>
+                      <a:tailEnd type="none" w="med" len="med"/>
+                    </a:lnT>
+                    <a:lnB w="12700" cap="flat" cmpd="sng" algn="ctr">
+                      <a:solidFill>
+                        <a:srgbClr val="000000"/>
+                      </a:solidFill>
+                      <a:prstDash val="solid"/>
+                      <a:round/>
+                      <a:headEnd type="none" w="med" len="med"/>
+                      <a:tailEnd type="none" w="med" len="med"/>
+                    </a:lnB>
+                  </a:tcPr>
+                </a:tc>
+                <a:tc>
+                  <a:txBody>
+                    <a:bodyPr/>
+                    <a:lstStyle/>
+                    <a:p>
+                      <a:pPr algn="ctr" fontAlgn="ctr"/>
+                      <a:r>
+                        <a:rPr lang="en-US" sz="1100" b="0" i="0" u="none" strike="noStrike">
+                          <a:solidFill>
+                            <a:srgbClr val="000000"/>
+                          </a:solidFill>
+                          <a:effectLst/>
+                          <a:latin typeface="Calibri" panose="020F0502020204030204" pitchFamily="34" charset="0"/>
+                        </a:rPr>
+                        <a:t>Min Manip</a:t>
+                      </a:r>
+                    </a:p>
+                  </a:txBody>
+                  <a:tcPr marL="9525" marR="9525" marT="9525" marB="0" anchor="ctr">
+                    <a:lnL w="6350" cap="flat" cmpd="sng" algn="ctr">
+                      <a:solidFill>
+                        <a:srgbClr val="000000"/>
+                      </a:solidFill>
+                      <a:prstDash val="solid"/>
+                      <a:round/>
+                      <a:headEnd type="none" w="med" len="med"/>
+                      <a:tailEnd type="none" w="med" len="med"/>
+                    </a:lnL>
+                    <a:lnR w="6350" cap="flat" cmpd="sng" algn="ctr">
+                      <a:solidFill>
+                        <a:srgbClr val="000000"/>
+                      </a:solidFill>
+                      <a:prstDash val="solid"/>
+                      <a:round/>
+                      <a:headEnd type="none" w="med" len="med"/>
+                      <a:tailEnd type="none" w="med" len="med"/>
+                    </a:lnR>
+                    <a:lnT w="12700" cap="flat" cmpd="sng" algn="ctr">
+                      <a:solidFill>
+                        <a:srgbClr val="000000"/>
+                      </a:solidFill>
+                      <a:prstDash val="solid"/>
+                      <a:round/>
+                      <a:headEnd type="none" w="med" len="med"/>
+                      <a:tailEnd type="none" w="med" len="med"/>
+                    </a:lnT>
+                    <a:lnB w="12700" cap="flat" cmpd="sng" algn="ctr">
+                      <a:solidFill>
+                        <a:srgbClr val="000000"/>
+                      </a:solidFill>
+                      <a:prstDash val="solid"/>
+                      <a:round/>
+                      <a:headEnd type="none" w="med" len="med"/>
+                      <a:tailEnd type="none" w="med" len="med"/>
+                    </a:lnB>
+                  </a:tcPr>
+                </a:tc>
+                <a:tc>
+                  <a:txBody>
+                    <a:bodyPr/>
+                    <a:lstStyle/>
+                    <a:p>
+                      <a:pPr algn="ctr" fontAlgn="ctr"/>
+                      <a:r>
+                        <a:rPr lang="en-US" sz="1100" b="0" i="0" u="none" strike="noStrike">
+                          <a:solidFill>
+                            <a:srgbClr val="000000"/>
+                          </a:solidFill>
+                          <a:effectLst/>
+                          <a:latin typeface="Calibri" panose="020F0502020204030204" pitchFamily="34" charset="0"/>
+                        </a:rPr>
+                        <a:t>IGD</a:t>
+                      </a:r>
+                    </a:p>
+                  </a:txBody>
+                  <a:tcPr marL="9525" marR="9525" marT="9525" marB="0" anchor="ctr">
+                    <a:lnL w="6350" cap="flat" cmpd="sng" algn="ctr">
+                      <a:solidFill>
+                        <a:srgbClr val="000000"/>
+                      </a:solidFill>
+                      <a:prstDash val="solid"/>
+                      <a:round/>
+                      <a:headEnd type="none" w="med" len="med"/>
+                      <a:tailEnd type="none" w="med" len="med"/>
+                    </a:lnL>
+                    <a:lnR w="12700" cap="flat" cmpd="sng" algn="ctr">
+                      <a:solidFill>
+                        <a:srgbClr val="000000"/>
+                      </a:solidFill>
+                      <a:prstDash val="solid"/>
+                      <a:round/>
+                      <a:headEnd type="none" w="med" len="med"/>
+                      <a:tailEnd type="none" w="med" len="med"/>
+                    </a:lnR>
+                    <a:lnT w="12700" cap="flat" cmpd="sng" algn="ctr">
+                      <a:solidFill>
+                        <a:srgbClr val="000000"/>
+                      </a:solidFill>
+                      <a:prstDash val="solid"/>
+                      <a:round/>
+                      <a:headEnd type="none" w="med" len="med"/>
+                      <a:tailEnd type="none" w="med" len="med"/>
+                    </a:lnT>
+                    <a:lnB w="12700" cap="flat" cmpd="sng" algn="ctr">
+                      <a:solidFill>
+                        <a:srgbClr val="000000"/>
+                      </a:solidFill>
+                      <a:prstDash val="solid"/>
+                      <a:round/>
+                      <a:headEnd type="none" w="med" len="med"/>
+                      <a:tailEnd type="none" w="med" len="med"/>
+                    </a:lnB>
+                  </a:tcPr>
+                </a:tc>
+                <a:extLst>
+                  <a:ext uri="{0D108BD9-81ED-4DB2-BD59-A6C34878D82A}">
+                    <a16:rowId xmlns:a16="http://schemas.microsoft.com/office/drawing/2014/main" val="383159526"/>
+                  </a:ext>
+                </a:extLst>
+              </a:tr>
+              <a:tr h="190500">
+                <a:tc>
+                  <a:txBody>
+                    <a:bodyPr/>
+                    <a:lstStyle/>
+                    <a:p>
+                      <a:pPr algn="ctr" fontAlgn="ctr"/>
+                      <a:r>
+                        <a:rPr lang="en-US" sz="1100" b="0" i="0" u="none" strike="noStrike">
+                          <a:solidFill>
+                            <a:srgbClr val="000000"/>
+                          </a:solidFill>
+                          <a:effectLst/>
+                          <a:latin typeface="Calibri" panose="020F0502020204030204" pitchFamily="34" charset="0"/>
+                        </a:rPr>
+                        <a:t>Aggressive_Exploration</a:t>
+                      </a:r>
+                    </a:p>
+                  </a:txBody>
+                  <a:tcPr marL="9525" marR="9525" marT="9525" marB="0" anchor="ctr">
+                    <a:lnL w="12700" cap="flat" cmpd="sng" algn="ctr">
+                      <a:solidFill>
+                        <a:srgbClr val="000000"/>
+                      </a:solidFill>
+                      <a:prstDash val="solid"/>
+                      <a:round/>
+                      <a:headEnd type="none" w="med" len="med"/>
+                      <a:tailEnd type="none" w="med" len="med"/>
+                    </a:lnL>
+                    <a:lnR w="12700" cap="flat" cmpd="sng" algn="ctr">
+                      <a:solidFill>
+                        <a:srgbClr val="000000"/>
+                      </a:solidFill>
+                      <a:prstDash val="solid"/>
+                      <a:round/>
+                      <a:headEnd type="none" w="med" len="med"/>
+                      <a:tailEnd type="none" w="med" len="med"/>
+                    </a:lnR>
+                    <a:lnT w="12700" cap="flat" cmpd="sng" algn="ctr">
+                      <a:solidFill>
+                        <a:srgbClr val="000000"/>
+                      </a:solidFill>
+                      <a:prstDash val="solid"/>
+                      <a:round/>
+                      <a:headEnd type="none" w="med" len="med"/>
+                      <a:tailEnd type="none" w="med" len="med"/>
+                    </a:lnT>
+                    <a:lnB w="6350" cap="flat" cmpd="sng" algn="ctr">
+                      <a:solidFill>
+                        <a:srgbClr val="000000"/>
+                      </a:solidFill>
+                      <a:prstDash val="solid"/>
+                      <a:round/>
+                      <a:headEnd type="none" w="med" len="med"/>
+                      <a:tailEnd type="none" w="med" len="med"/>
+                    </a:lnB>
+                    <a:solidFill>
+                      <a:srgbClr val="DDEBF7"/>
+                    </a:solidFill>
+                  </a:tcPr>
+                </a:tc>
+                <a:tc>
+                  <a:txBody>
+                    <a:bodyPr/>
+                    <a:lstStyle/>
+                    <a:p>
+                      <a:pPr algn="ctr" fontAlgn="ctr"/>
+                      <a:r>
+                        <a:rPr lang="en-US" sz="1100" b="0" i="0" u="none" strike="noStrike">
+                          <a:solidFill>
+                            <a:srgbClr val="000000"/>
+                          </a:solidFill>
+                          <a:effectLst/>
+                          <a:latin typeface="Calibri" panose="020F0502020204030204" pitchFamily="34" charset="0"/>
+                        </a:rPr>
+                        <a:t>2.128E-01</a:t>
+                      </a:r>
+                    </a:p>
+                  </a:txBody>
+                  <a:tcPr marL="9525" marR="9525" marT="9525" marB="0" anchor="ctr">
+                    <a:lnL w="12700" cap="flat" cmpd="sng" algn="ctr">
+                      <a:solidFill>
+                        <a:srgbClr val="000000"/>
+                      </a:solidFill>
+                      <a:prstDash val="solid"/>
+                      <a:round/>
+                      <a:headEnd type="none" w="med" len="med"/>
+                      <a:tailEnd type="none" w="med" len="med"/>
+                    </a:lnL>
+                    <a:lnR w="6350" cap="flat" cmpd="sng" algn="ctr">
+                      <a:solidFill>
+                        <a:srgbClr val="000000"/>
+                      </a:solidFill>
+                      <a:prstDash val="solid"/>
+                      <a:round/>
+                      <a:headEnd type="none" w="med" len="med"/>
+                      <a:tailEnd type="none" w="med" len="med"/>
+                    </a:lnR>
+                    <a:lnT w="6350" cap="flat" cmpd="sng" algn="ctr">
+                      <a:solidFill>
+                        <a:srgbClr val="000000"/>
+                      </a:solidFill>
+                      <a:prstDash val="solid"/>
+                      <a:round/>
+                      <a:headEnd type="none" w="med" len="med"/>
+                      <a:tailEnd type="none" w="med" len="med"/>
+                    </a:lnT>
+                    <a:lnB w="6350" cap="flat" cmpd="sng" algn="ctr">
+                      <a:solidFill>
+                        <a:srgbClr val="000000"/>
+                      </a:solidFill>
+                      <a:prstDash val="solid"/>
+                      <a:round/>
+                      <a:headEnd type="none" w="med" len="med"/>
+                      <a:tailEnd type="none" w="med" len="med"/>
+                    </a:lnB>
+                    <a:solidFill>
+                      <a:srgbClr val="DDEBF7"/>
+                    </a:solidFill>
+                  </a:tcPr>
+                </a:tc>
+                <a:tc>
+                  <a:txBody>
+                    <a:bodyPr/>
+                    <a:lstStyle/>
+                    <a:p>
+                      <a:pPr algn="ctr" fontAlgn="ctr"/>
+                      <a:r>
+                        <a:rPr lang="en-US" sz="1100" b="0" i="0" u="none" strike="noStrike">
+                          <a:solidFill>
+                            <a:srgbClr val="000000"/>
+                          </a:solidFill>
+                          <a:effectLst/>
+                          <a:latin typeface="Calibri" panose="020F0502020204030204" pitchFamily="34" charset="0"/>
+                        </a:rPr>
+                        <a:t>4.70E-04</a:t>
+                      </a:r>
+                    </a:p>
+                  </a:txBody>
+                  <a:tcPr marL="9525" marR="9525" marT="9525" marB="0" anchor="ctr">
+                    <a:lnL w="6350" cap="flat" cmpd="sng" algn="ctr">
+                      <a:solidFill>
+                        <a:srgbClr val="000000"/>
+                      </a:solidFill>
+                      <a:prstDash val="solid"/>
+                      <a:round/>
+                      <a:headEnd type="none" w="med" len="med"/>
+                      <a:tailEnd type="none" w="med" len="med"/>
+                    </a:lnL>
+                    <a:lnR w="12700" cap="flat" cmpd="sng" algn="ctr">
+                      <a:solidFill>
+                        <a:srgbClr val="000000"/>
+                      </a:solidFill>
+                      <a:prstDash val="solid"/>
+                      <a:round/>
+                      <a:headEnd type="none" w="med" len="med"/>
+                      <a:tailEnd type="none" w="med" len="med"/>
+                    </a:lnR>
+                    <a:lnT w="6350" cap="flat" cmpd="sng" algn="ctr">
+                      <a:solidFill>
+                        <a:srgbClr val="000000"/>
+                      </a:solidFill>
+                      <a:prstDash val="solid"/>
+                      <a:round/>
+                      <a:headEnd type="none" w="med" len="med"/>
+                      <a:tailEnd type="none" w="med" len="med"/>
+                    </a:lnT>
+                    <a:lnB w="6350" cap="flat" cmpd="sng" algn="ctr">
+                      <a:solidFill>
+                        <a:srgbClr val="000000"/>
+                      </a:solidFill>
+                      <a:prstDash val="solid"/>
+                      <a:round/>
+                      <a:headEnd type="none" w="med" len="med"/>
+                      <a:tailEnd type="none" w="med" len="med"/>
+                    </a:lnB>
+                    <a:solidFill>
+                      <a:srgbClr val="DDEBF7"/>
+                    </a:solidFill>
+                  </a:tcPr>
+                </a:tc>
+                <a:tc>
+                  <a:txBody>
+                    <a:bodyPr/>
+                    <a:lstStyle/>
+                    <a:p>
+                      <a:pPr algn="ctr" fontAlgn="ctr"/>
+                      <a:r>
+                        <a:rPr lang="en-US" sz="1100" b="0" i="0" u="none" strike="noStrike">
+                          <a:solidFill>
+                            <a:srgbClr val="000000"/>
+                          </a:solidFill>
+                          <a:effectLst/>
+                          <a:latin typeface="Calibri" panose="020F0502020204030204" pitchFamily="34" charset="0"/>
+                        </a:rPr>
+                        <a:t>5.740E-01</a:t>
+                      </a:r>
+                    </a:p>
+                  </a:txBody>
+                  <a:tcPr marL="9525" marR="9525" marT="9525" marB="0" anchor="ctr">
+                    <a:lnL w="12700" cap="flat" cmpd="sng" algn="ctr">
+                      <a:solidFill>
+                        <a:srgbClr val="000000"/>
+                      </a:solidFill>
+                      <a:prstDash val="solid"/>
+                      <a:round/>
+                      <a:headEnd type="none" w="med" len="med"/>
+                      <a:tailEnd type="none" w="med" len="med"/>
+                    </a:lnL>
+                    <a:lnR w="6350" cap="flat" cmpd="sng" algn="ctr">
+                      <a:solidFill>
+                        <a:srgbClr val="000000"/>
+                      </a:solidFill>
+                      <a:prstDash val="solid"/>
+                      <a:round/>
+                      <a:headEnd type="none" w="med" len="med"/>
+                      <a:tailEnd type="none" w="med" len="med"/>
+                    </a:lnR>
+                    <a:lnT w="6350" cap="flat" cmpd="sng" algn="ctr">
+                      <a:solidFill>
+                        <a:srgbClr val="000000"/>
+                      </a:solidFill>
+                      <a:prstDash val="solid"/>
+                      <a:round/>
+                      <a:headEnd type="none" w="med" len="med"/>
+                      <a:tailEnd type="none" w="med" len="med"/>
+                    </a:lnT>
+                    <a:lnB w="6350" cap="flat" cmpd="sng" algn="ctr">
+                      <a:solidFill>
+                        <a:srgbClr val="000000"/>
+                      </a:solidFill>
+                      <a:prstDash val="solid"/>
+                      <a:round/>
+                      <a:headEnd type="none" w="med" len="med"/>
+                      <a:tailEnd type="none" w="med" len="med"/>
+                    </a:lnB>
+                    <a:solidFill>
+                      <a:srgbClr val="DDEBF7"/>
+                    </a:solidFill>
+                  </a:tcPr>
+                </a:tc>
+                <a:tc>
+                  <a:txBody>
+                    <a:bodyPr/>
+                    <a:lstStyle/>
+                    <a:p>
+                      <a:pPr algn="ctr" fontAlgn="ctr"/>
+                      <a:r>
+                        <a:rPr lang="en-US" sz="1100" b="0" i="0" u="none" strike="noStrike">
+                          <a:solidFill>
+                            <a:srgbClr val="000000"/>
+                          </a:solidFill>
+                          <a:effectLst/>
+                          <a:latin typeface="Calibri" panose="020F0502020204030204" pitchFamily="34" charset="0"/>
+                        </a:rPr>
+                        <a:t>5.80E-04</a:t>
+                      </a:r>
+                    </a:p>
+                  </a:txBody>
+                  <a:tcPr marL="9525" marR="9525" marT="9525" marB="0" anchor="ctr">
+                    <a:lnL w="6350" cap="flat" cmpd="sng" algn="ctr">
+                      <a:solidFill>
+                        <a:srgbClr val="000000"/>
+                      </a:solidFill>
+                      <a:prstDash val="solid"/>
+                      <a:round/>
+                      <a:headEnd type="none" w="med" len="med"/>
+                      <a:tailEnd type="none" w="med" len="med"/>
+                    </a:lnL>
+                    <a:lnR w="12700" cap="flat" cmpd="sng" algn="ctr">
+                      <a:solidFill>
+                        <a:srgbClr val="000000"/>
+                      </a:solidFill>
+                      <a:prstDash val="solid"/>
+                      <a:round/>
+                      <a:headEnd type="none" w="med" len="med"/>
+                      <a:tailEnd type="none" w="med" len="med"/>
+                    </a:lnR>
+                    <a:lnT w="6350" cap="flat" cmpd="sng" algn="ctr">
+                      <a:solidFill>
+                        <a:srgbClr val="000000"/>
+                      </a:solidFill>
+                      <a:prstDash val="solid"/>
+                      <a:round/>
+                      <a:headEnd type="none" w="med" len="med"/>
+                      <a:tailEnd type="none" w="med" len="med"/>
+                    </a:lnT>
+                    <a:lnB w="6350" cap="flat" cmpd="sng" algn="ctr">
+                      <a:solidFill>
+                        <a:srgbClr val="000000"/>
+                      </a:solidFill>
+                      <a:prstDash val="solid"/>
+                      <a:round/>
+                      <a:headEnd type="none" w="med" len="med"/>
+                      <a:tailEnd type="none" w="med" len="med"/>
+                    </a:lnB>
+                    <a:solidFill>
+                      <a:srgbClr val="DDEBF7"/>
+                    </a:solidFill>
+                  </a:tcPr>
+                </a:tc>
+                <a:tc>
+                  <a:txBody>
+                    <a:bodyPr/>
+                    <a:lstStyle/>
+                    <a:p>
+                      <a:pPr algn="r" fontAlgn="b"/>
+                      <a:r>
+                        <a:rPr lang="en-US" sz="1100" b="0" i="0" u="none" strike="noStrike">
+                          <a:solidFill>
+                            <a:srgbClr val="000000"/>
+                          </a:solidFill>
+                          <a:effectLst/>
+                          <a:latin typeface="Calibri" panose="020F0502020204030204" pitchFamily="34" charset="0"/>
+                        </a:rPr>
+                        <a:t>9.178E-01</a:t>
+                      </a:r>
+                    </a:p>
+                  </a:txBody>
+                  <a:tcPr marL="9525" marR="9525" marT="9525" marB="0" anchor="b">
+                    <a:lnL w="12700" cap="flat" cmpd="sng" algn="ctr">
+                      <a:solidFill>
+                        <a:srgbClr val="000000"/>
+                      </a:solidFill>
+                      <a:prstDash val="solid"/>
+                      <a:round/>
+                      <a:headEnd type="none" w="med" len="med"/>
+                      <a:tailEnd type="none" w="med" len="med"/>
+                    </a:lnL>
+                    <a:lnR w="6350" cap="flat" cmpd="sng" algn="ctr">
+                      <a:solidFill>
+                        <a:srgbClr val="000000"/>
+                      </a:solidFill>
+                      <a:prstDash val="solid"/>
+                      <a:round/>
+                      <a:headEnd type="none" w="med" len="med"/>
+                      <a:tailEnd type="none" w="med" len="med"/>
+                    </a:lnR>
+                    <a:lnT w="6350" cap="flat" cmpd="sng" algn="ctr">
+                      <a:solidFill>
+                        <a:srgbClr val="000000"/>
+                      </a:solidFill>
+                      <a:prstDash val="solid"/>
+                      <a:round/>
+                      <a:headEnd type="none" w="med" len="med"/>
+                      <a:tailEnd type="none" w="med" len="med"/>
+                    </a:lnT>
+                    <a:lnB w="6350" cap="flat" cmpd="sng" algn="ctr">
+                      <a:solidFill>
+                        <a:srgbClr val="000000"/>
+                      </a:solidFill>
+                      <a:prstDash val="solid"/>
+                      <a:round/>
+                      <a:headEnd type="none" w="med" len="med"/>
+                      <a:tailEnd type="none" w="med" len="med"/>
+                    </a:lnB>
+                    <a:solidFill>
+                      <a:srgbClr val="DDEBF7"/>
+                    </a:solidFill>
+                  </a:tcPr>
+                </a:tc>
+                <a:tc>
+                  <a:txBody>
+                    <a:bodyPr/>
+                    <a:lstStyle/>
+                    <a:p>
+                      <a:pPr algn="r" fontAlgn="b"/>
+                      <a:r>
+                        <a:rPr lang="en-US" sz="1100" b="0" i="0" u="none" strike="noStrike">
+                          <a:solidFill>
+                            <a:srgbClr val="000000"/>
+                          </a:solidFill>
+                          <a:effectLst/>
+                          <a:latin typeface="Calibri" panose="020F0502020204030204" pitchFamily="34" charset="0"/>
+                        </a:rPr>
+                        <a:t>7.11E-03</a:t>
+                      </a:r>
+                    </a:p>
+                  </a:txBody>
+                  <a:tcPr marL="9525" marR="9525" marT="9525" marB="0" anchor="b">
+                    <a:lnL w="6350" cap="flat" cmpd="sng" algn="ctr">
+                      <a:solidFill>
+                        <a:srgbClr val="000000"/>
+                      </a:solidFill>
+                      <a:prstDash val="solid"/>
+                      <a:round/>
+                      <a:headEnd type="none" w="med" len="med"/>
+                      <a:tailEnd type="none" w="med" len="med"/>
+                    </a:lnL>
+                    <a:lnR w="12700" cap="flat" cmpd="sng" algn="ctr">
+                      <a:solidFill>
+                        <a:srgbClr val="000000"/>
+                      </a:solidFill>
+                      <a:prstDash val="solid"/>
+                      <a:round/>
+                      <a:headEnd type="none" w="med" len="med"/>
+                      <a:tailEnd type="none" w="med" len="med"/>
+                    </a:lnR>
+                    <a:lnT w="6350" cap="flat" cmpd="sng" algn="ctr">
+                      <a:solidFill>
+                        <a:srgbClr val="000000"/>
+                      </a:solidFill>
+                      <a:prstDash val="solid"/>
+                      <a:round/>
+                      <a:headEnd type="none" w="med" len="med"/>
+                      <a:tailEnd type="none" w="med" len="med"/>
+                    </a:lnT>
+                    <a:lnB w="6350" cap="flat" cmpd="sng" algn="ctr">
+                      <a:solidFill>
+                        <a:srgbClr val="000000"/>
+                      </a:solidFill>
+                      <a:prstDash val="solid"/>
+                      <a:round/>
+                      <a:headEnd type="none" w="med" len="med"/>
+                      <a:tailEnd type="none" w="med" len="med"/>
+                    </a:lnB>
+                    <a:solidFill>
+                      <a:srgbClr val="DDEBF7"/>
+                    </a:solidFill>
+                  </a:tcPr>
+                </a:tc>
+                <a:tc>
+                  <a:txBody>
+                    <a:bodyPr/>
+                    <a:lstStyle/>
+                    <a:p>
+                      <a:pPr algn="ctr" fontAlgn="ctr"/>
+                      <a:r>
+                        <a:rPr lang="en-US" sz="1100" b="0" i="0" u="none" strike="noStrike">
+                          <a:solidFill>
+                            <a:srgbClr val="000000"/>
+                          </a:solidFill>
+                          <a:effectLst/>
+                          <a:latin typeface="Calibri" panose="020F0502020204030204" pitchFamily="34" charset="0"/>
+                        </a:rPr>
+                        <a:t>-</a:t>
+                      </a:r>
+                    </a:p>
+                  </a:txBody>
+                  <a:tcPr marL="9525" marR="9525" marT="9525" marB="0" anchor="ctr">
+                    <a:lnL w="12700" cap="flat" cmpd="sng" algn="ctr">
+                      <a:solidFill>
+                        <a:srgbClr val="000000"/>
+                      </a:solidFill>
+                      <a:prstDash val="solid"/>
+                      <a:round/>
+                      <a:headEnd type="none" w="med" len="med"/>
+                      <a:tailEnd type="none" w="med" len="med"/>
+                    </a:lnL>
+                    <a:lnR w="6350" cap="flat" cmpd="sng" algn="ctr">
+                      <a:solidFill>
+                        <a:srgbClr val="000000"/>
+                      </a:solidFill>
+                      <a:prstDash val="solid"/>
+                      <a:round/>
+                      <a:headEnd type="none" w="med" len="med"/>
+                      <a:tailEnd type="none" w="med" len="med"/>
+                    </a:lnR>
+                    <a:lnT w="12700" cap="flat" cmpd="sng" algn="ctr">
+                      <a:solidFill>
+                        <a:srgbClr val="000000"/>
+                      </a:solidFill>
+                      <a:prstDash val="solid"/>
+                      <a:round/>
+                      <a:headEnd type="none" w="med" len="med"/>
+                      <a:tailEnd type="none" w="med" len="med"/>
+                    </a:lnT>
+                    <a:lnB w="6350" cap="flat" cmpd="sng" algn="ctr">
+                      <a:solidFill>
+                        <a:srgbClr val="000000"/>
+                      </a:solidFill>
+                      <a:prstDash val="solid"/>
+                      <a:round/>
+                      <a:headEnd type="none" w="med" len="med"/>
+                      <a:tailEnd type="none" w="med" len="med"/>
+                    </a:lnB>
+                    <a:solidFill>
+                      <a:srgbClr val="FF0000"/>
+                    </a:solidFill>
+                  </a:tcPr>
+                </a:tc>
+                <a:tc>
+                  <a:txBody>
+                    <a:bodyPr/>
+                    <a:lstStyle/>
+                    <a:p>
+                      <a:pPr algn="ctr" fontAlgn="ctr"/>
+                      <a:r>
+                        <a:rPr lang="en-US" sz="1100" b="0" i="0" u="none" strike="noStrike">
+                          <a:solidFill>
+                            <a:srgbClr val="000000"/>
+                          </a:solidFill>
+                          <a:effectLst/>
+                          <a:latin typeface="Calibri" panose="020F0502020204030204" pitchFamily="34" charset="0"/>
+                        </a:rPr>
+                        <a:t>-</a:t>
+                      </a:r>
+                    </a:p>
+                  </a:txBody>
+                  <a:tcPr marL="9525" marR="9525" marT="9525" marB="0" anchor="ctr">
+                    <a:lnL w="6350" cap="flat" cmpd="sng" algn="ctr">
+                      <a:solidFill>
+                        <a:srgbClr val="000000"/>
+                      </a:solidFill>
+                      <a:prstDash val="solid"/>
+                      <a:round/>
+                      <a:headEnd type="none" w="med" len="med"/>
+                      <a:tailEnd type="none" w="med" len="med"/>
+                    </a:lnL>
+                    <a:lnR w="6350" cap="flat" cmpd="sng" algn="ctr">
+                      <a:solidFill>
+                        <a:srgbClr val="000000"/>
+                      </a:solidFill>
+                      <a:prstDash val="solid"/>
+                      <a:round/>
+                      <a:headEnd type="none" w="med" len="med"/>
+                      <a:tailEnd type="none" w="med" len="med"/>
+                    </a:lnR>
+                    <a:lnT w="12700" cap="flat" cmpd="sng" algn="ctr">
+                      <a:solidFill>
+                        <a:srgbClr val="000000"/>
+                      </a:solidFill>
+                      <a:prstDash val="solid"/>
+                      <a:round/>
+                      <a:headEnd type="none" w="med" len="med"/>
+                      <a:tailEnd type="none" w="med" len="med"/>
+                    </a:lnT>
+                    <a:lnB w="6350" cap="flat" cmpd="sng" algn="ctr">
+                      <a:solidFill>
+                        <a:srgbClr val="000000"/>
+                      </a:solidFill>
+                      <a:prstDash val="solid"/>
+                      <a:round/>
+                      <a:headEnd type="none" w="med" len="med"/>
+                      <a:tailEnd type="none" w="med" len="med"/>
+                    </a:lnB>
+                    <a:solidFill>
+                      <a:srgbClr val="FF0000"/>
+                    </a:solidFill>
+                  </a:tcPr>
+                </a:tc>
+                <a:tc>
+                  <a:txBody>
+                    <a:bodyPr/>
+                    <a:lstStyle/>
+                    <a:p>
+                      <a:pPr algn="ctr" fontAlgn="ctr"/>
+                      <a:r>
+                        <a:rPr lang="en-US" sz="1100" b="0" i="0" u="none" strike="noStrike">
+                          <a:solidFill>
+                            <a:srgbClr val="000000"/>
+                          </a:solidFill>
+                          <a:effectLst/>
+                          <a:latin typeface="Calibri" panose="020F0502020204030204" pitchFamily="34" charset="0"/>
+                        </a:rPr>
+                        <a:t>~</a:t>
+                      </a:r>
+                    </a:p>
+                  </a:txBody>
+                  <a:tcPr marL="9525" marR="9525" marT="9525" marB="0" anchor="ctr">
+                    <a:lnL w="6350" cap="flat" cmpd="sng" algn="ctr">
+                      <a:solidFill>
+                        <a:srgbClr val="000000"/>
+                      </a:solidFill>
+                      <a:prstDash val="solid"/>
+                      <a:round/>
+                      <a:headEnd type="none" w="med" len="med"/>
+                      <a:tailEnd type="none" w="med" len="med"/>
+                    </a:lnL>
+                    <a:lnR w="12700" cap="flat" cmpd="sng" algn="ctr">
+                      <a:solidFill>
+                        <a:srgbClr val="000000"/>
+                      </a:solidFill>
+                      <a:prstDash val="solid"/>
+                      <a:round/>
+                      <a:headEnd type="none" w="med" len="med"/>
+                      <a:tailEnd type="none" w="med" len="med"/>
+                    </a:lnR>
+                    <a:lnT w="12700" cap="flat" cmpd="sng" algn="ctr">
+                      <a:solidFill>
+                        <a:srgbClr val="000000"/>
+                      </a:solidFill>
+                      <a:prstDash val="solid"/>
+                      <a:round/>
+                      <a:headEnd type="none" w="med" len="med"/>
+                      <a:tailEnd type="none" w="med" len="med"/>
+                    </a:lnT>
+                    <a:lnB w="6350" cap="flat" cmpd="sng" algn="ctr">
+                      <a:solidFill>
+                        <a:srgbClr val="000000"/>
+                      </a:solidFill>
+                      <a:prstDash val="solid"/>
+                      <a:round/>
+                      <a:headEnd type="none" w="med" len="med"/>
+                      <a:tailEnd type="none" w="med" len="med"/>
+                    </a:lnB>
+                    <a:solidFill>
+                      <a:srgbClr val="00B0F0"/>
+                    </a:solidFill>
+                  </a:tcPr>
+                </a:tc>
+                <a:extLst>
+                  <a:ext uri="{0D108BD9-81ED-4DB2-BD59-A6C34878D82A}">
+                    <a16:rowId xmlns:a16="http://schemas.microsoft.com/office/drawing/2014/main" val="3714558657"/>
+                  </a:ext>
+                </a:extLst>
+              </a:tr>
+              <a:tr h="190500">
+                <a:tc>
+                  <a:txBody>
+                    <a:bodyPr/>
+                    <a:lstStyle/>
+                    <a:p>
+                      <a:pPr algn="ctr" fontAlgn="ctr"/>
+                      <a:r>
+                        <a:rPr lang="en-US" sz="1100" b="0" i="0" u="none" strike="noStrike">
+                          <a:solidFill>
+                            <a:srgbClr val="000000"/>
+                          </a:solidFill>
+                          <a:effectLst/>
+                          <a:latin typeface="Calibri" panose="020F0502020204030204" pitchFamily="34" charset="0"/>
+                        </a:rPr>
+                        <a:t>Aggressive_Exploitation</a:t>
+                      </a:r>
+                    </a:p>
+                  </a:txBody>
+                  <a:tcPr marL="9525" marR="9525" marT="9525" marB="0" anchor="ctr">
+                    <a:lnL w="12700" cap="flat" cmpd="sng" algn="ctr">
+                      <a:solidFill>
+                        <a:srgbClr val="000000"/>
+                      </a:solidFill>
+                      <a:prstDash val="solid"/>
+                      <a:round/>
+                      <a:headEnd type="none" w="med" len="med"/>
+                      <a:tailEnd type="none" w="med" len="med"/>
+                    </a:lnL>
+                    <a:lnR w="12700" cap="flat" cmpd="sng" algn="ctr">
+                      <a:solidFill>
+                        <a:srgbClr val="000000"/>
+                      </a:solidFill>
+                      <a:prstDash val="solid"/>
+                      <a:round/>
+                      <a:headEnd type="none" w="med" len="med"/>
+                      <a:tailEnd type="none" w="med" len="med"/>
+                    </a:lnR>
+                    <a:lnT w="6350" cap="flat" cmpd="sng" algn="ctr">
+                      <a:solidFill>
+                        <a:srgbClr val="000000"/>
+                      </a:solidFill>
+                      <a:prstDash val="solid"/>
+                      <a:round/>
+                      <a:headEnd type="none" w="med" len="med"/>
+                      <a:tailEnd type="none" w="med" len="med"/>
+                    </a:lnT>
+                    <a:lnB w="6350" cap="flat" cmpd="sng" algn="ctr">
+                      <a:solidFill>
+                        <a:srgbClr val="000000"/>
+                      </a:solidFill>
+                      <a:prstDash val="solid"/>
+                      <a:round/>
+                      <a:headEnd type="none" w="med" len="med"/>
+                      <a:tailEnd type="none" w="med" len="med"/>
+                    </a:lnB>
+                    <a:solidFill>
+                      <a:srgbClr val="DDEBF7"/>
+                    </a:solidFill>
+                  </a:tcPr>
+                </a:tc>
+                <a:tc>
+                  <a:txBody>
+                    <a:bodyPr/>
+                    <a:lstStyle/>
+                    <a:p>
+                      <a:pPr algn="ctr" fontAlgn="ctr"/>
+                      <a:r>
+                        <a:rPr lang="en-US" sz="1100" b="0" i="0" u="none" strike="noStrike">
+                          <a:solidFill>
+                            <a:srgbClr val="000000"/>
+                          </a:solidFill>
+                          <a:effectLst/>
+                          <a:latin typeface="Calibri" panose="020F0502020204030204" pitchFamily="34" charset="0"/>
+                        </a:rPr>
+                        <a:t>2.138E-01</a:t>
+                      </a:r>
+                    </a:p>
+                  </a:txBody>
+                  <a:tcPr marL="9525" marR="9525" marT="9525" marB="0" anchor="ctr">
+                    <a:lnL w="12700" cap="flat" cmpd="sng" algn="ctr">
+                      <a:solidFill>
+                        <a:srgbClr val="000000"/>
+                      </a:solidFill>
+                      <a:prstDash val="solid"/>
+                      <a:round/>
+                      <a:headEnd type="none" w="med" len="med"/>
+                      <a:tailEnd type="none" w="med" len="med"/>
+                    </a:lnL>
+                    <a:lnR w="6350" cap="flat" cmpd="sng" algn="ctr">
+                      <a:solidFill>
+                        <a:srgbClr val="000000"/>
+                      </a:solidFill>
+                      <a:prstDash val="solid"/>
+                      <a:round/>
+                      <a:headEnd type="none" w="med" len="med"/>
+                      <a:tailEnd type="none" w="med" len="med"/>
+                    </a:lnR>
+                    <a:lnT w="6350" cap="flat" cmpd="sng" algn="ctr">
+                      <a:solidFill>
+                        <a:srgbClr val="000000"/>
+                      </a:solidFill>
+                      <a:prstDash val="solid"/>
+                      <a:round/>
+                      <a:headEnd type="none" w="med" len="med"/>
+                      <a:tailEnd type="none" w="med" len="med"/>
+                    </a:lnT>
+                    <a:lnB w="6350" cap="flat" cmpd="sng" algn="ctr">
+                      <a:solidFill>
+                        <a:srgbClr val="000000"/>
+                      </a:solidFill>
+                      <a:prstDash val="solid"/>
+                      <a:round/>
+                      <a:headEnd type="none" w="med" len="med"/>
+                      <a:tailEnd type="none" w="med" len="med"/>
+                    </a:lnB>
+                    <a:solidFill>
+                      <a:srgbClr val="DDEBF7"/>
+                    </a:solidFill>
+                  </a:tcPr>
+                </a:tc>
+                <a:tc>
+                  <a:txBody>
+                    <a:bodyPr/>
+                    <a:lstStyle/>
+                    <a:p>
+                      <a:pPr algn="ctr" fontAlgn="ctr"/>
+                      <a:r>
+                        <a:rPr lang="en-US" sz="1100" b="0" i="0" u="none" strike="noStrike">
+                          <a:solidFill>
+                            <a:srgbClr val="000000"/>
+                          </a:solidFill>
+                          <a:effectLst/>
+                          <a:latin typeface="Calibri" panose="020F0502020204030204" pitchFamily="34" charset="0"/>
+                        </a:rPr>
+                        <a:t>5.70E-04</a:t>
+                      </a:r>
+                    </a:p>
+                  </a:txBody>
+                  <a:tcPr marL="9525" marR="9525" marT="9525" marB="0" anchor="ctr">
+                    <a:lnL w="6350" cap="flat" cmpd="sng" algn="ctr">
+                      <a:solidFill>
+                        <a:srgbClr val="000000"/>
+                      </a:solidFill>
+                      <a:prstDash val="solid"/>
+                      <a:round/>
+                      <a:headEnd type="none" w="med" len="med"/>
+                      <a:tailEnd type="none" w="med" len="med"/>
+                    </a:lnL>
+                    <a:lnR w="12700" cap="flat" cmpd="sng" algn="ctr">
+                      <a:solidFill>
+                        <a:srgbClr val="000000"/>
+                      </a:solidFill>
+                      <a:prstDash val="solid"/>
+                      <a:round/>
+                      <a:headEnd type="none" w="med" len="med"/>
+                      <a:tailEnd type="none" w="med" len="med"/>
+                    </a:lnR>
+                    <a:lnT w="6350" cap="flat" cmpd="sng" algn="ctr">
+                      <a:solidFill>
+                        <a:srgbClr val="000000"/>
+                      </a:solidFill>
+                      <a:prstDash val="solid"/>
+                      <a:round/>
+                      <a:headEnd type="none" w="med" len="med"/>
+                      <a:tailEnd type="none" w="med" len="med"/>
+                    </a:lnT>
+                    <a:lnB w="6350" cap="flat" cmpd="sng" algn="ctr">
+                      <a:solidFill>
+                        <a:srgbClr val="000000"/>
+                      </a:solidFill>
+                      <a:prstDash val="solid"/>
+                      <a:round/>
+                      <a:headEnd type="none" w="med" len="med"/>
+                      <a:tailEnd type="none" w="med" len="med"/>
+                    </a:lnB>
+                    <a:solidFill>
+                      <a:srgbClr val="DDEBF7"/>
+                    </a:solidFill>
+                  </a:tcPr>
+                </a:tc>
+                <a:tc>
+                  <a:txBody>
+                    <a:bodyPr/>
+                    <a:lstStyle/>
+                    <a:p>
+                      <a:pPr algn="ctr" fontAlgn="ctr"/>
+                      <a:r>
+                        <a:rPr lang="en-US" sz="1100" b="0" i="0" u="none" strike="noStrike">
+                          <a:solidFill>
+                            <a:srgbClr val="000000"/>
+                          </a:solidFill>
+                          <a:effectLst/>
+                          <a:latin typeface="Calibri" panose="020F0502020204030204" pitchFamily="34" charset="0"/>
+                        </a:rPr>
+                        <a:t>5.705E-01</a:t>
+                      </a:r>
+                    </a:p>
+                  </a:txBody>
+                  <a:tcPr marL="9525" marR="9525" marT="9525" marB="0" anchor="ctr">
+                    <a:lnL w="12700" cap="flat" cmpd="sng" algn="ctr">
+                      <a:solidFill>
+                        <a:srgbClr val="000000"/>
+                      </a:solidFill>
+                      <a:prstDash val="solid"/>
+                      <a:round/>
+                      <a:headEnd type="none" w="med" len="med"/>
+                      <a:tailEnd type="none" w="med" len="med"/>
+                    </a:lnL>
+                    <a:lnR w="6350" cap="flat" cmpd="sng" algn="ctr">
+                      <a:solidFill>
+                        <a:srgbClr val="000000"/>
+                      </a:solidFill>
+                      <a:prstDash val="solid"/>
+                      <a:round/>
+                      <a:headEnd type="none" w="med" len="med"/>
+                      <a:tailEnd type="none" w="med" len="med"/>
+                    </a:lnR>
+                    <a:lnT w="6350" cap="flat" cmpd="sng" algn="ctr">
+                      <a:solidFill>
+                        <a:srgbClr val="000000"/>
+                      </a:solidFill>
+                      <a:prstDash val="solid"/>
+                      <a:round/>
+                      <a:headEnd type="none" w="med" len="med"/>
+                      <a:tailEnd type="none" w="med" len="med"/>
+                    </a:lnT>
+                    <a:lnB w="6350" cap="flat" cmpd="sng" algn="ctr">
+                      <a:solidFill>
+                        <a:srgbClr val="000000"/>
+                      </a:solidFill>
+                      <a:prstDash val="solid"/>
+                      <a:round/>
+                      <a:headEnd type="none" w="med" len="med"/>
+                      <a:tailEnd type="none" w="med" len="med"/>
+                    </a:lnB>
+                    <a:solidFill>
+                      <a:srgbClr val="DDEBF7"/>
+                    </a:solidFill>
+                  </a:tcPr>
+                </a:tc>
+                <a:tc>
+                  <a:txBody>
+                    <a:bodyPr/>
+                    <a:lstStyle/>
+                    <a:p>
+                      <a:pPr algn="ctr" fontAlgn="ctr"/>
+                      <a:r>
+                        <a:rPr lang="en-US" sz="1100" b="0" i="0" u="none" strike="noStrike">
+                          <a:solidFill>
+                            <a:srgbClr val="000000"/>
+                          </a:solidFill>
+                          <a:effectLst/>
+                          <a:latin typeface="Calibri" panose="020F0502020204030204" pitchFamily="34" charset="0"/>
+                        </a:rPr>
+                        <a:t>8.30E-04</a:t>
+                      </a:r>
+                    </a:p>
+                  </a:txBody>
+                  <a:tcPr marL="9525" marR="9525" marT="9525" marB="0" anchor="ctr">
+                    <a:lnL w="6350" cap="flat" cmpd="sng" algn="ctr">
+                      <a:solidFill>
+                        <a:srgbClr val="000000"/>
+                      </a:solidFill>
+                      <a:prstDash val="solid"/>
+                      <a:round/>
+                      <a:headEnd type="none" w="med" len="med"/>
+                      <a:tailEnd type="none" w="med" len="med"/>
+                    </a:lnL>
+                    <a:lnR w="12700" cap="flat" cmpd="sng" algn="ctr">
+                      <a:solidFill>
+                        <a:srgbClr val="000000"/>
+                      </a:solidFill>
+                      <a:prstDash val="solid"/>
+                      <a:round/>
+                      <a:headEnd type="none" w="med" len="med"/>
+                      <a:tailEnd type="none" w="med" len="med"/>
+                    </a:lnR>
+                    <a:lnT w="6350" cap="flat" cmpd="sng" algn="ctr">
+                      <a:solidFill>
+                        <a:srgbClr val="000000"/>
+                      </a:solidFill>
+                      <a:prstDash val="solid"/>
+                      <a:round/>
+                      <a:headEnd type="none" w="med" len="med"/>
+                      <a:tailEnd type="none" w="med" len="med"/>
+                    </a:lnT>
+                    <a:lnB w="6350" cap="flat" cmpd="sng" algn="ctr">
+                      <a:solidFill>
+                        <a:srgbClr val="000000"/>
+                      </a:solidFill>
+                      <a:prstDash val="solid"/>
+                      <a:round/>
+                      <a:headEnd type="none" w="med" len="med"/>
+                      <a:tailEnd type="none" w="med" len="med"/>
+                    </a:lnB>
+                    <a:solidFill>
+                      <a:srgbClr val="DDEBF7"/>
+                    </a:solidFill>
+                  </a:tcPr>
+                </a:tc>
+                <a:tc>
+                  <a:txBody>
+                    <a:bodyPr/>
+                    <a:lstStyle/>
+                    <a:p>
+                      <a:pPr algn="r" fontAlgn="b"/>
+                      <a:r>
+                        <a:rPr lang="en-US" sz="1100" b="0" i="0" u="none" strike="noStrike">
+                          <a:solidFill>
+                            <a:srgbClr val="000000"/>
+                          </a:solidFill>
+                          <a:effectLst/>
+                          <a:latin typeface="Calibri" panose="020F0502020204030204" pitchFamily="34" charset="0"/>
+                        </a:rPr>
+                        <a:t>9.076E-01</a:t>
+                      </a:r>
+                    </a:p>
+                  </a:txBody>
+                  <a:tcPr marL="9525" marR="9525" marT="9525" marB="0" anchor="b">
+                    <a:lnL w="12700" cap="flat" cmpd="sng" algn="ctr">
+                      <a:solidFill>
+                        <a:srgbClr val="000000"/>
+                      </a:solidFill>
+                      <a:prstDash val="solid"/>
+                      <a:round/>
+                      <a:headEnd type="none" w="med" len="med"/>
+                      <a:tailEnd type="none" w="med" len="med"/>
+                    </a:lnL>
+                    <a:lnR w="6350" cap="flat" cmpd="sng" algn="ctr">
+                      <a:solidFill>
+                        <a:srgbClr val="000000"/>
+                      </a:solidFill>
+                      <a:prstDash val="solid"/>
+                      <a:round/>
+                      <a:headEnd type="none" w="med" len="med"/>
+                      <a:tailEnd type="none" w="med" len="med"/>
+                    </a:lnR>
+                    <a:lnT w="6350" cap="flat" cmpd="sng" algn="ctr">
+                      <a:solidFill>
+                        <a:srgbClr val="000000"/>
+                      </a:solidFill>
+                      <a:prstDash val="solid"/>
+                      <a:round/>
+                      <a:headEnd type="none" w="med" len="med"/>
+                      <a:tailEnd type="none" w="med" len="med"/>
+                    </a:lnT>
+                    <a:lnB w="6350" cap="flat" cmpd="sng" algn="ctr">
+                      <a:solidFill>
+                        <a:srgbClr val="000000"/>
+                      </a:solidFill>
+                      <a:prstDash val="solid"/>
+                      <a:round/>
+                      <a:headEnd type="none" w="med" len="med"/>
+                      <a:tailEnd type="none" w="med" len="med"/>
+                    </a:lnB>
+                    <a:solidFill>
+                      <a:srgbClr val="DDEBF7"/>
+                    </a:solidFill>
+                  </a:tcPr>
+                </a:tc>
+                <a:tc>
+                  <a:txBody>
+                    <a:bodyPr/>
+                    <a:lstStyle/>
+                    <a:p>
+                      <a:pPr algn="r" fontAlgn="b"/>
+                      <a:r>
+                        <a:rPr lang="en-US" sz="1100" b="0" i="0" u="none" strike="noStrike">
+                          <a:solidFill>
+                            <a:srgbClr val="000000"/>
+                          </a:solidFill>
+                          <a:effectLst/>
+                          <a:latin typeface="Calibri" panose="020F0502020204030204" pitchFamily="34" charset="0"/>
+                        </a:rPr>
+                        <a:t>9.57E-03</a:t>
+                      </a:r>
+                    </a:p>
+                  </a:txBody>
+                  <a:tcPr marL="9525" marR="9525" marT="9525" marB="0" anchor="b">
+                    <a:lnL w="6350" cap="flat" cmpd="sng" algn="ctr">
+                      <a:solidFill>
+                        <a:srgbClr val="000000"/>
+                      </a:solidFill>
+                      <a:prstDash val="solid"/>
+                      <a:round/>
+                      <a:headEnd type="none" w="med" len="med"/>
+                      <a:tailEnd type="none" w="med" len="med"/>
+                    </a:lnL>
+                    <a:lnR w="12700" cap="flat" cmpd="sng" algn="ctr">
+                      <a:solidFill>
+                        <a:srgbClr val="000000"/>
+                      </a:solidFill>
+                      <a:prstDash val="solid"/>
+                      <a:round/>
+                      <a:headEnd type="none" w="med" len="med"/>
+                      <a:tailEnd type="none" w="med" len="med"/>
+                    </a:lnR>
+                    <a:lnT w="6350" cap="flat" cmpd="sng" algn="ctr">
+                      <a:solidFill>
+                        <a:srgbClr val="000000"/>
+                      </a:solidFill>
+                      <a:prstDash val="solid"/>
+                      <a:round/>
+                      <a:headEnd type="none" w="med" len="med"/>
+                      <a:tailEnd type="none" w="med" len="med"/>
+                    </a:lnT>
+                    <a:lnB w="6350" cap="flat" cmpd="sng" algn="ctr">
+                      <a:solidFill>
+                        <a:srgbClr val="000000"/>
+                      </a:solidFill>
+                      <a:prstDash val="solid"/>
+                      <a:round/>
+                      <a:headEnd type="none" w="med" len="med"/>
+                      <a:tailEnd type="none" w="med" len="med"/>
+                    </a:lnB>
+                    <a:solidFill>
+                      <a:srgbClr val="DDEBF7"/>
+                    </a:solidFill>
+                  </a:tcPr>
+                </a:tc>
+                <a:tc>
+                  <a:txBody>
+                    <a:bodyPr/>
+                    <a:lstStyle/>
+                    <a:p>
+                      <a:pPr algn="ctr" fontAlgn="ctr"/>
+                      <a:r>
+                        <a:rPr lang="en-US" sz="1100" b="0" i="0" u="none" strike="noStrike">
+                          <a:solidFill>
+                            <a:srgbClr val="000000"/>
+                          </a:solidFill>
+                          <a:effectLst/>
+                          <a:latin typeface="Calibri" panose="020F0502020204030204" pitchFamily="34" charset="0"/>
+                        </a:rPr>
+                        <a:t>-</a:t>
+                      </a:r>
+                    </a:p>
+                  </a:txBody>
+                  <a:tcPr marL="9525" marR="9525" marT="9525" marB="0" anchor="ctr">
+                    <a:lnL w="12700" cap="flat" cmpd="sng" algn="ctr">
+                      <a:solidFill>
+                        <a:srgbClr val="000000"/>
+                      </a:solidFill>
+                      <a:prstDash val="solid"/>
+                      <a:round/>
+                      <a:headEnd type="none" w="med" len="med"/>
+                      <a:tailEnd type="none" w="med" len="med"/>
+                    </a:lnL>
+                    <a:lnR w="6350" cap="flat" cmpd="sng" algn="ctr">
+                      <a:solidFill>
+                        <a:srgbClr val="000000"/>
+                      </a:solidFill>
+                      <a:prstDash val="solid"/>
+                      <a:round/>
+                      <a:headEnd type="none" w="med" len="med"/>
+                      <a:tailEnd type="none" w="med" len="med"/>
+                    </a:lnR>
+                    <a:lnT w="6350" cap="flat" cmpd="sng" algn="ctr">
+                      <a:solidFill>
+                        <a:srgbClr val="000000"/>
+                      </a:solidFill>
+                      <a:prstDash val="solid"/>
+                      <a:round/>
+                      <a:headEnd type="none" w="med" len="med"/>
+                      <a:tailEnd type="none" w="med" len="med"/>
+                    </a:lnT>
+                    <a:lnB w="6350" cap="flat" cmpd="sng" algn="ctr">
+                      <a:solidFill>
+                        <a:srgbClr val="000000"/>
+                      </a:solidFill>
+                      <a:prstDash val="solid"/>
+                      <a:round/>
+                      <a:headEnd type="none" w="med" len="med"/>
+                      <a:tailEnd type="none" w="med" len="med"/>
+                    </a:lnB>
+                    <a:solidFill>
+                      <a:srgbClr val="FF0000"/>
+                    </a:solidFill>
+                  </a:tcPr>
+                </a:tc>
+                <a:tc>
+                  <a:txBody>
+                    <a:bodyPr/>
+                    <a:lstStyle/>
+                    <a:p>
+                      <a:pPr algn="ctr" fontAlgn="ctr"/>
+                      <a:r>
+                        <a:rPr lang="en-US" sz="1100" b="0" i="0" u="none" strike="noStrike">
+                          <a:solidFill>
+                            <a:srgbClr val="000000"/>
+                          </a:solidFill>
+                          <a:effectLst/>
+                          <a:latin typeface="Calibri" panose="020F0502020204030204" pitchFamily="34" charset="0"/>
+                        </a:rPr>
+                        <a:t>-</a:t>
+                      </a:r>
+                    </a:p>
+                  </a:txBody>
+                  <a:tcPr marL="9525" marR="9525" marT="9525" marB="0" anchor="ctr">
+                    <a:lnL w="6350" cap="flat" cmpd="sng" algn="ctr">
+                      <a:solidFill>
+                        <a:srgbClr val="000000"/>
+                      </a:solidFill>
+                      <a:prstDash val="solid"/>
+                      <a:round/>
+                      <a:headEnd type="none" w="med" len="med"/>
+                      <a:tailEnd type="none" w="med" len="med"/>
+                    </a:lnL>
+                    <a:lnR w="12700" cap="flat" cmpd="sng" algn="ctr">
+                      <a:solidFill>
+                        <a:srgbClr val="000000"/>
+                      </a:solidFill>
+                      <a:prstDash val="solid"/>
+                      <a:round/>
+                      <a:headEnd type="none" w="med" len="med"/>
+                      <a:tailEnd type="none" w="med" len="med"/>
+                    </a:lnR>
+                    <a:lnT w="6350" cap="flat" cmpd="sng" algn="ctr">
+                      <a:solidFill>
+                        <a:srgbClr val="000000"/>
+                      </a:solidFill>
+                      <a:prstDash val="solid"/>
+                      <a:round/>
+                      <a:headEnd type="none" w="med" len="med"/>
+                      <a:tailEnd type="none" w="med" len="med"/>
+                    </a:lnT>
+                    <a:lnB w="6350" cap="flat" cmpd="sng" algn="ctr">
+                      <a:solidFill>
+                        <a:srgbClr val="000000"/>
+                      </a:solidFill>
+                      <a:prstDash val="solid"/>
+                      <a:round/>
+                      <a:headEnd type="none" w="med" len="med"/>
+                      <a:tailEnd type="none" w="med" len="med"/>
+                    </a:lnB>
+                    <a:solidFill>
+                      <a:srgbClr val="FF0000"/>
+                    </a:solidFill>
+                  </a:tcPr>
+                </a:tc>
+                <a:tc>
+                  <a:txBody>
+                    <a:bodyPr/>
+                    <a:lstStyle/>
+                    <a:p>
+                      <a:pPr algn="l" fontAlgn="ctr"/>
+                      <a:r>
+                        <a:rPr lang="en-US" sz="1100" b="0" i="0" u="none" strike="noStrike">
+                          <a:solidFill>
+                            <a:srgbClr val="000000"/>
+                          </a:solidFill>
+                          <a:effectLst/>
+                          <a:latin typeface="Calibri" panose="020F0502020204030204" pitchFamily="34" charset="0"/>
+                        </a:rPr>
+                        <a:t>Reference</a:t>
+                      </a:r>
+                    </a:p>
+                  </a:txBody>
+                  <a:tcPr marL="9525" marR="9525" marT="9525" marB="0" anchor="ctr">
+                    <a:lnL w="12700" cap="flat" cmpd="sng" algn="ctr">
+                      <a:solidFill>
+                        <a:srgbClr val="000000"/>
+                      </a:solidFill>
+                      <a:prstDash val="solid"/>
+                      <a:round/>
+                      <a:headEnd type="none" w="med" len="med"/>
+                      <a:tailEnd type="none" w="med" len="med"/>
+                    </a:lnL>
+                    <a:lnR>
+                      <a:noFill/>
+                    </a:lnR>
+                    <a:lnT w="6350" cap="flat" cmpd="sng" algn="ctr">
+                      <a:solidFill>
+                        <a:srgbClr val="000000"/>
+                      </a:solidFill>
+                      <a:prstDash val="solid"/>
+                      <a:round/>
+                      <a:headEnd type="none" w="med" len="med"/>
+                      <a:tailEnd type="none" w="med" len="med"/>
+                    </a:lnT>
+                    <a:lnB w="6350" cap="flat" cmpd="sng" algn="ctr">
+                      <a:solidFill>
+                        <a:srgbClr val="000000"/>
+                      </a:solidFill>
+                      <a:prstDash val="solid"/>
+                      <a:round/>
+                      <a:headEnd type="none" w="med" len="med"/>
+                      <a:tailEnd type="none" w="med" len="med"/>
+                    </a:lnB>
+                    <a:solidFill>
+                      <a:srgbClr val="92D050"/>
+                    </a:solidFill>
+                  </a:tcPr>
+                </a:tc>
+                <a:extLst>
+                  <a:ext uri="{0D108BD9-81ED-4DB2-BD59-A6C34878D82A}">
+                    <a16:rowId xmlns:a16="http://schemas.microsoft.com/office/drawing/2014/main" val="2937494554"/>
+                  </a:ext>
+                </a:extLst>
+              </a:tr>
+              <a:tr h="190500">
+                <a:tc>
+                  <a:txBody>
+                    <a:bodyPr/>
+                    <a:lstStyle/>
+                    <a:p>
+                      <a:pPr algn="ctr" fontAlgn="ctr"/>
+                      <a:r>
+                        <a:rPr lang="en-US" sz="1100" b="0" i="0" u="none" strike="noStrike">
+                          <a:solidFill>
+                            <a:srgbClr val="000000"/>
+                          </a:solidFill>
+                          <a:effectLst/>
+                          <a:latin typeface="Calibri" panose="020F0502020204030204" pitchFamily="34" charset="0"/>
+                        </a:rPr>
+                        <a:t>Aggressive_Random</a:t>
+                      </a:r>
+                    </a:p>
+                  </a:txBody>
+                  <a:tcPr marL="9525" marR="9525" marT="9525" marB="0" anchor="ctr">
+                    <a:lnL w="12700" cap="flat" cmpd="sng" algn="ctr">
+                      <a:solidFill>
+                        <a:srgbClr val="000000"/>
+                      </a:solidFill>
+                      <a:prstDash val="solid"/>
+                      <a:round/>
+                      <a:headEnd type="none" w="med" len="med"/>
+                      <a:tailEnd type="none" w="med" len="med"/>
+                    </a:lnL>
+                    <a:lnR w="12700" cap="flat" cmpd="sng" algn="ctr">
+                      <a:solidFill>
+                        <a:srgbClr val="000000"/>
+                      </a:solidFill>
+                      <a:prstDash val="solid"/>
+                      <a:round/>
+                      <a:headEnd type="none" w="med" len="med"/>
+                      <a:tailEnd type="none" w="med" len="med"/>
+                    </a:lnR>
+                    <a:lnT w="6350" cap="flat" cmpd="sng" algn="ctr">
+                      <a:solidFill>
+                        <a:srgbClr val="000000"/>
+                      </a:solidFill>
+                      <a:prstDash val="solid"/>
+                      <a:round/>
+                      <a:headEnd type="none" w="med" len="med"/>
+                      <a:tailEnd type="none" w="med" len="med"/>
+                    </a:lnT>
+                    <a:lnB w="6350" cap="flat" cmpd="sng" algn="ctr">
+                      <a:solidFill>
+                        <a:srgbClr val="000000"/>
+                      </a:solidFill>
+                      <a:prstDash val="solid"/>
+                      <a:round/>
+                      <a:headEnd type="none" w="med" len="med"/>
+                      <a:tailEnd type="none" w="med" len="med"/>
+                    </a:lnB>
+                    <a:solidFill>
+                      <a:srgbClr val="DDEBF7"/>
+                    </a:solidFill>
+                  </a:tcPr>
+                </a:tc>
+                <a:tc>
+                  <a:txBody>
+                    <a:bodyPr/>
+                    <a:lstStyle/>
+                    <a:p>
+                      <a:pPr algn="ctr" fontAlgn="ctr"/>
+                      <a:r>
+                        <a:rPr lang="en-US" sz="1100" b="0" i="0" u="none" strike="noStrike">
+                          <a:solidFill>
+                            <a:srgbClr val="000000"/>
+                          </a:solidFill>
+                          <a:effectLst/>
+                          <a:latin typeface="Calibri" panose="020F0502020204030204" pitchFamily="34" charset="0"/>
+                        </a:rPr>
+                        <a:t>2.197E-01</a:t>
+                      </a:r>
+                    </a:p>
+                  </a:txBody>
+                  <a:tcPr marL="9525" marR="9525" marT="9525" marB="0" anchor="ctr">
+                    <a:lnL w="12700" cap="flat" cmpd="sng" algn="ctr">
+                      <a:solidFill>
+                        <a:srgbClr val="000000"/>
+                      </a:solidFill>
+                      <a:prstDash val="solid"/>
+                      <a:round/>
+                      <a:headEnd type="none" w="med" len="med"/>
+                      <a:tailEnd type="none" w="med" len="med"/>
+                    </a:lnL>
+                    <a:lnR w="6350" cap="flat" cmpd="sng" algn="ctr">
+                      <a:solidFill>
+                        <a:srgbClr val="000000"/>
+                      </a:solidFill>
+                      <a:prstDash val="solid"/>
+                      <a:round/>
+                      <a:headEnd type="none" w="med" len="med"/>
+                      <a:tailEnd type="none" w="med" len="med"/>
+                    </a:lnR>
+                    <a:lnT w="6350" cap="flat" cmpd="sng" algn="ctr">
+                      <a:solidFill>
+                        <a:srgbClr val="000000"/>
+                      </a:solidFill>
+                      <a:prstDash val="solid"/>
+                      <a:round/>
+                      <a:headEnd type="none" w="med" len="med"/>
+                      <a:tailEnd type="none" w="med" len="med"/>
+                    </a:lnT>
+                    <a:lnB w="6350" cap="flat" cmpd="sng" algn="ctr">
+                      <a:solidFill>
+                        <a:srgbClr val="000000"/>
+                      </a:solidFill>
+                      <a:prstDash val="solid"/>
+                      <a:round/>
+                      <a:headEnd type="none" w="med" len="med"/>
+                      <a:tailEnd type="none" w="med" len="med"/>
+                    </a:lnB>
+                    <a:solidFill>
+                      <a:srgbClr val="DDEBF7"/>
+                    </a:solidFill>
+                  </a:tcPr>
+                </a:tc>
+                <a:tc>
+                  <a:txBody>
+                    <a:bodyPr/>
+                    <a:lstStyle/>
+                    <a:p>
+                      <a:pPr algn="ctr" fontAlgn="ctr"/>
+                      <a:r>
+                        <a:rPr lang="en-US" sz="1100" b="0" i="0" u="none" strike="noStrike">
+                          <a:solidFill>
+                            <a:srgbClr val="000000"/>
+                          </a:solidFill>
+                          <a:effectLst/>
+                          <a:latin typeface="Calibri" panose="020F0502020204030204" pitchFamily="34" charset="0"/>
+                        </a:rPr>
+                        <a:t>4.60E-04</a:t>
+                      </a:r>
+                    </a:p>
+                  </a:txBody>
+                  <a:tcPr marL="9525" marR="9525" marT="9525" marB="0" anchor="ctr">
+                    <a:lnL w="6350" cap="flat" cmpd="sng" algn="ctr">
+                      <a:solidFill>
+                        <a:srgbClr val="000000"/>
+                      </a:solidFill>
+                      <a:prstDash val="solid"/>
+                      <a:round/>
+                      <a:headEnd type="none" w="med" len="med"/>
+                      <a:tailEnd type="none" w="med" len="med"/>
+                    </a:lnL>
+                    <a:lnR w="12700" cap="flat" cmpd="sng" algn="ctr">
+                      <a:solidFill>
+                        <a:srgbClr val="000000"/>
+                      </a:solidFill>
+                      <a:prstDash val="solid"/>
+                      <a:round/>
+                      <a:headEnd type="none" w="med" len="med"/>
+                      <a:tailEnd type="none" w="med" len="med"/>
+                    </a:lnR>
+                    <a:lnT w="6350" cap="flat" cmpd="sng" algn="ctr">
+                      <a:solidFill>
+                        <a:srgbClr val="000000"/>
+                      </a:solidFill>
+                      <a:prstDash val="solid"/>
+                      <a:round/>
+                      <a:headEnd type="none" w="med" len="med"/>
+                      <a:tailEnd type="none" w="med" len="med"/>
+                    </a:lnT>
+                    <a:lnB w="6350" cap="flat" cmpd="sng" algn="ctr">
+                      <a:solidFill>
+                        <a:srgbClr val="000000"/>
+                      </a:solidFill>
+                      <a:prstDash val="solid"/>
+                      <a:round/>
+                      <a:headEnd type="none" w="med" len="med"/>
+                      <a:tailEnd type="none" w="med" len="med"/>
+                    </a:lnB>
+                    <a:solidFill>
+                      <a:srgbClr val="DDEBF7"/>
+                    </a:solidFill>
+                  </a:tcPr>
+                </a:tc>
+                <a:tc>
+                  <a:txBody>
+                    <a:bodyPr/>
+                    <a:lstStyle/>
+                    <a:p>
+                      <a:pPr algn="ctr" fontAlgn="ctr"/>
+                      <a:r>
+                        <a:rPr lang="en-US" sz="1100" b="0" i="0" u="none" strike="noStrike">
+                          <a:solidFill>
+                            <a:srgbClr val="000000"/>
+                          </a:solidFill>
+                          <a:effectLst/>
+                          <a:latin typeface="Calibri" panose="020F0502020204030204" pitchFamily="34" charset="0"/>
+                        </a:rPr>
+                        <a:t>5.580E-01</a:t>
+                      </a:r>
+                    </a:p>
+                  </a:txBody>
+                  <a:tcPr marL="9525" marR="9525" marT="9525" marB="0" anchor="ctr">
+                    <a:lnL w="12700" cap="flat" cmpd="sng" algn="ctr">
+                      <a:solidFill>
+                        <a:srgbClr val="000000"/>
+                      </a:solidFill>
+                      <a:prstDash val="solid"/>
+                      <a:round/>
+                      <a:headEnd type="none" w="med" len="med"/>
+                      <a:tailEnd type="none" w="med" len="med"/>
+                    </a:lnL>
+                    <a:lnR w="6350" cap="flat" cmpd="sng" algn="ctr">
+                      <a:solidFill>
+                        <a:srgbClr val="000000"/>
+                      </a:solidFill>
+                      <a:prstDash val="solid"/>
+                      <a:round/>
+                      <a:headEnd type="none" w="med" len="med"/>
+                      <a:tailEnd type="none" w="med" len="med"/>
+                    </a:lnR>
+                    <a:lnT w="6350" cap="flat" cmpd="sng" algn="ctr">
+                      <a:solidFill>
+                        <a:srgbClr val="000000"/>
+                      </a:solidFill>
+                      <a:prstDash val="solid"/>
+                      <a:round/>
+                      <a:headEnd type="none" w="med" len="med"/>
+                      <a:tailEnd type="none" w="med" len="med"/>
+                    </a:lnT>
+                    <a:lnB w="6350" cap="flat" cmpd="sng" algn="ctr">
+                      <a:solidFill>
+                        <a:srgbClr val="000000"/>
+                      </a:solidFill>
+                      <a:prstDash val="solid"/>
+                      <a:round/>
+                      <a:headEnd type="none" w="med" len="med"/>
+                      <a:tailEnd type="none" w="med" len="med"/>
+                    </a:lnB>
+                    <a:solidFill>
+                      <a:srgbClr val="DDEBF7"/>
+                    </a:solidFill>
+                  </a:tcPr>
+                </a:tc>
+                <a:tc>
+                  <a:txBody>
+                    <a:bodyPr/>
+                    <a:lstStyle/>
+                    <a:p>
+                      <a:pPr algn="ctr" fontAlgn="ctr"/>
+                      <a:r>
+                        <a:rPr lang="en-US" sz="1100" b="0" i="0" u="none" strike="noStrike">
+                          <a:solidFill>
+                            <a:srgbClr val="000000"/>
+                          </a:solidFill>
+                          <a:effectLst/>
+                          <a:latin typeface="Calibri" panose="020F0502020204030204" pitchFamily="34" charset="0"/>
+                        </a:rPr>
+                        <a:t>6.70E-04</a:t>
+                      </a:r>
+                    </a:p>
+                  </a:txBody>
+                  <a:tcPr marL="9525" marR="9525" marT="9525" marB="0" anchor="ctr">
+                    <a:lnL w="6350" cap="flat" cmpd="sng" algn="ctr">
+                      <a:solidFill>
+                        <a:srgbClr val="000000"/>
+                      </a:solidFill>
+                      <a:prstDash val="solid"/>
+                      <a:round/>
+                      <a:headEnd type="none" w="med" len="med"/>
+                      <a:tailEnd type="none" w="med" len="med"/>
+                    </a:lnL>
+                    <a:lnR w="12700" cap="flat" cmpd="sng" algn="ctr">
+                      <a:solidFill>
+                        <a:srgbClr val="000000"/>
+                      </a:solidFill>
+                      <a:prstDash val="solid"/>
+                      <a:round/>
+                      <a:headEnd type="none" w="med" len="med"/>
+                      <a:tailEnd type="none" w="med" len="med"/>
+                    </a:lnR>
+                    <a:lnT w="6350" cap="flat" cmpd="sng" algn="ctr">
+                      <a:solidFill>
+                        <a:srgbClr val="000000"/>
+                      </a:solidFill>
+                      <a:prstDash val="solid"/>
+                      <a:round/>
+                      <a:headEnd type="none" w="med" len="med"/>
+                      <a:tailEnd type="none" w="med" len="med"/>
+                    </a:lnT>
+                    <a:lnB w="6350" cap="flat" cmpd="sng" algn="ctr">
+                      <a:solidFill>
+                        <a:srgbClr val="000000"/>
+                      </a:solidFill>
+                      <a:prstDash val="solid"/>
+                      <a:round/>
+                      <a:headEnd type="none" w="med" len="med"/>
+                      <a:tailEnd type="none" w="med" len="med"/>
+                    </a:lnB>
+                    <a:solidFill>
+                      <a:srgbClr val="DDEBF7"/>
+                    </a:solidFill>
+                  </a:tcPr>
+                </a:tc>
+                <a:tc>
+                  <a:txBody>
+                    <a:bodyPr/>
+                    <a:lstStyle/>
+                    <a:p>
+                      <a:pPr algn="r" fontAlgn="b"/>
+                      <a:r>
+                        <a:rPr lang="en-US" sz="1100" b="0" i="0" u="none" strike="noStrike">
+                          <a:solidFill>
+                            <a:srgbClr val="000000"/>
+                          </a:solidFill>
+                          <a:effectLst/>
+                          <a:latin typeface="Calibri" panose="020F0502020204030204" pitchFamily="34" charset="0"/>
+                        </a:rPr>
+                        <a:t>9.148E-01</a:t>
+                      </a:r>
+                    </a:p>
+                  </a:txBody>
+                  <a:tcPr marL="9525" marR="9525" marT="9525" marB="0" anchor="b">
+                    <a:lnL w="12700" cap="flat" cmpd="sng" algn="ctr">
+                      <a:solidFill>
+                        <a:srgbClr val="000000"/>
+                      </a:solidFill>
+                      <a:prstDash val="solid"/>
+                      <a:round/>
+                      <a:headEnd type="none" w="med" len="med"/>
+                      <a:tailEnd type="none" w="med" len="med"/>
+                    </a:lnL>
+                    <a:lnR w="6350" cap="flat" cmpd="sng" algn="ctr">
+                      <a:solidFill>
+                        <a:srgbClr val="000000"/>
+                      </a:solidFill>
+                      <a:prstDash val="solid"/>
+                      <a:round/>
+                      <a:headEnd type="none" w="med" len="med"/>
+                      <a:tailEnd type="none" w="med" len="med"/>
+                    </a:lnR>
+                    <a:lnT w="6350" cap="flat" cmpd="sng" algn="ctr">
+                      <a:solidFill>
+                        <a:srgbClr val="000000"/>
+                      </a:solidFill>
+                      <a:prstDash val="solid"/>
+                      <a:round/>
+                      <a:headEnd type="none" w="med" len="med"/>
+                      <a:tailEnd type="none" w="med" len="med"/>
+                    </a:lnT>
+                    <a:lnB w="6350" cap="flat" cmpd="sng" algn="ctr">
+                      <a:solidFill>
+                        <a:srgbClr val="000000"/>
+                      </a:solidFill>
+                      <a:prstDash val="solid"/>
+                      <a:round/>
+                      <a:headEnd type="none" w="med" len="med"/>
+                      <a:tailEnd type="none" w="med" len="med"/>
+                    </a:lnB>
+                    <a:solidFill>
+                      <a:srgbClr val="DDEBF7"/>
+                    </a:solidFill>
+                  </a:tcPr>
+                </a:tc>
+                <a:tc>
+                  <a:txBody>
+                    <a:bodyPr/>
+                    <a:lstStyle/>
+                    <a:p>
+                      <a:pPr algn="r" fontAlgn="b"/>
+                      <a:r>
+                        <a:rPr lang="en-US" sz="1100" b="0" i="0" u="none" strike="noStrike">
+                          <a:solidFill>
+                            <a:srgbClr val="000000"/>
+                          </a:solidFill>
+                          <a:effectLst/>
+                          <a:latin typeface="Calibri" panose="020F0502020204030204" pitchFamily="34" charset="0"/>
+                        </a:rPr>
+                        <a:t>6.85E-03</a:t>
+                      </a:r>
+                    </a:p>
+                  </a:txBody>
+                  <a:tcPr marL="9525" marR="9525" marT="9525" marB="0" anchor="b">
+                    <a:lnL w="6350" cap="flat" cmpd="sng" algn="ctr">
+                      <a:solidFill>
+                        <a:srgbClr val="000000"/>
+                      </a:solidFill>
+                      <a:prstDash val="solid"/>
+                      <a:round/>
+                      <a:headEnd type="none" w="med" len="med"/>
+                      <a:tailEnd type="none" w="med" len="med"/>
+                    </a:lnL>
+                    <a:lnR w="12700" cap="flat" cmpd="sng" algn="ctr">
+                      <a:solidFill>
+                        <a:srgbClr val="000000"/>
+                      </a:solidFill>
+                      <a:prstDash val="solid"/>
+                      <a:round/>
+                      <a:headEnd type="none" w="med" len="med"/>
+                      <a:tailEnd type="none" w="med" len="med"/>
+                    </a:lnR>
+                    <a:lnT w="6350" cap="flat" cmpd="sng" algn="ctr">
+                      <a:solidFill>
+                        <a:srgbClr val="000000"/>
+                      </a:solidFill>
+                      <a:prstDash val="solid"/>
+                      <a:round/>
+                      <a:headEnd type="none" w="med" len="med"/>
+                      <a:tailEnd type="none" w="med" len="med"/>
+                    </a:lnT>
+                    <a:lnB w="6350" cap="flat" cmpd="sng" algn="ctr">
+                      <a:solidFill>
+                        <a:srgbClr val="000000"/>
+                      </a:solidFill>
+                      <a:prstDash val="solid"/>
+                      <a:round/>
+                      <a:headEnd type="none" w="med" len="med"/>
+                      <a:tailEnd type="none" w="med" len="med"/>
+                    </a:lnB>
+                    <a:solidFill>
+                      <a:srgbClr val="DDEBF7"/>
+                    </a:solidFill>
+                  </a:tcPr>
+                </a:tc>
+                <a:tc>
+                  <a:txBody>
+                    <a:bodyPr/>
+                    <a:lstStyle/>
+                    <a:p>
+                      <a:pPr algn="ctr" fontAlgn="ctr"/>
+                      <a:r>
+                        <a:rPr lang="en-US" sz="1100" b="0" i="0" u="none" strike="noStrike">
+                          <a:solidFill>
+                            <a:srgbClr val="000000"/>
+                          </a:solidFill>
+                          <a:effectLst/>
+                          <a:latin typeface="Calibri" panose="020F0502020204030204" pitchFamily="34" charset="0"/>
+                        </a:rPr>
+                        <a:t>-</a:t>
+                      </a:r>
+                    </a:p>
+                  </a:txBody>
+                  <a:tcPr marL="9525" marR="9525" marT="9525" marB="0" anchor="ctr">
+                    <a:lnL w="12700" cap="flat" cmpd="sng" algn="ctr">
+                      <a:solidFill>
+                        <a:srgbClr val="000000"/>
+                      </a:solidFill>
+                      <a:prstDash val="solid"/>
+                      <a:round/>
+                      <a:headEnd type="none" w="med" len="med"/>
+                      <a:tailEnd type="none" w="med" len="med"/>
+                    </a:lnL>
+                    <a:lnR w="6350" cap="flat" cmpd="sng" algn="ctr">
+                      <a:solidFill>
+                        <a:srgbClr val="000000"/>
+                      </a:solidFill>
+                      <a:prstDash val="solid"/>
+                      <a:round/>
+                      <a:headEnd type="none" w="med" len="med"/>
+                      <a:tailEnd type="none" w="med" len="med"/>
+                    </a:lnR>
+                    <a:lnT w="6350" cap="flat" cmpd="sng" algn="ctr">
+                      <a:solidFill>
+                        <a:srgbClr val="000000"/>
+                      </a:solidFill>
+                      <a:prstDash val="solid"/>
+                      <a:round/>
+                      <a:headEnd type="none" w="med" len="med"/>
+                      <a:tailEnd type="none" w="med" len="med"/>
+                    </a:lnT>
+                    <a:lnB w="6350" cap="flat" cmpd="sng" algn="ctr">
+                      <a:solidFill>
+                        <a:srgbClr val="000000"/>
+                      </a:solidFill>
+                      <a:prstDash val="solid"/>
+                      <a:round/>
+                      <a:headEnd type="none" w="med" len="med"/>
+                      <a:tailEnd type="none" w="med" len="med"/>
+                    </a:lnB>
+                    <a:solidFill>
+                      <a:srgbClr val="FF0000"/>
+                    </a:solidFill>
+                  </a:tcPr>
+                </a:tc>
+                <a:tc>
+                  <a:txBody>
+                    <a:bodyPr/>
+                    <a:lstStyle/>
+                    <a:p>
+                      <a:pPr algn="ctr" fontAlgn="ctr"/>
+                      <a:r>
+                        <a:rPr lang="en-US" sz="1100" b="0" i="0" u="none" strike="noStrike">
+                          <a:solidFill>
+                            <a:srgbClr val="000000"/>
+                          </a:solidFill>
+                          <a:effectLst/>
+                          <a:latin typeface="Calibri" panose="020F0502020204030204" pitchFamily="34" charset="0"/>
+                        </a:rPr>
+                        <a:t>-</a:t>
+                      </a:r>
+                    </a:p>
+                  </a:txBody>
+                  <a:tcPr marL="9525" marR="9525" marT="9525" marB="0" anchor="ctr">
+                    <a:lnL w="6350" cap="flat" cmpd="sng" algn="ctr">
+                      <a:solidFill>
+                        <a:srgbClr val="000000"/>
+                      </a:solidFill>
+                      <a:prstDash val="solid"/>
+                      <a:round/>
+                      <a:headEnd type="none" w="med" len="med"/>
+                      <a:tailEnd type="none" w="med" len="med"/>
+                    </a:lnL>
+                    <a:lnR w="6350" cap="flat" cmpd="sng" algn="ctr">
+                      <a:solidFill>
+                        <a:srgbClr val="000000"/>
+                      </a:solidFill>
+                      <a:prstDash val="solid"/>
+                      <a:round/>
+                      <a:headEnd type="none" w="med" len="med"/>
+                      <a:tailEnd type="none" w="med" len="med"/>
+                    </a:lnR>
+                    <a:lnT w="6350" cap="flat" cmpd="sng" algn="ctr">
+                      <a:solidFill>
+                        <a:srgbClr val="000000"/>
+                      </a:solidFill>
+                      <a:prstDash val="solid"/>
+                      <a:round/>
+                      <a:headEnd type="none" w="med" len="med"/>
+                      <a:tailEnd type="none" w="med" len="med"/>
+                    </a:lnT>
+                    <a:lnB w="6350" cap="flat" cmpd="sng" algn="ctr">
+                      <a:solidFill>
+                        <a:srgbClr val="000000"/>
+                      </a:solidFill>
+                      <a:prstDash val="solid"/>
+                      <a:round/>
+                      <a:headEnd type="none" w="med" len="med"/>
+                      <a:tailEnd type="none" w="med" len="med"/>
+                    </a:lnB>
+                    <a:solidFill>
+                      <a:srgbClr val="FF0000"/>
+                    </a:solidFill>
+                  </a:tcPr>
+                </a:tc>
+                <a:tc>
+                  <a:txBody>
+                    <a:bodyPr/>
+                    <a:lstStyle/>
+                    <a:p>
+                      <a:pPr algn="ctr" fontAlgn="ctr"/>
+                      <a:r>
+                        <a:rPr lang="en-US" sz="1100" b="0" i="0" u="none" strike="noStrike">
+                          <a:solidFill>
+                            <a:srgbClr val="000000"/>
+                          </a:solidFill>
+                          <a:effectLst/>
+                          <a:latin typeface="Calibri" panose="020F0502020204030204" pitchFamily="34" charset="0"/>
+                        </a:rPr>
+                        <a:t>~</a:t>
+                      </a:r>
+                    </a:p>
+                  </a:txBody>
+                  <a:tcPr marL="9525" marR="9525" marT="9525" marB="0" anchor="ctr">
+                    <a:lnL w="6350" cap="flat" cmpd="sng" algn="ctr">
+                      <a:solidFill>
+                        <a:srgbClr val="000000"/>
+                      </a:solidFill>
+                      <a:prstDash val="solid"/>
+                      <a:round/>
+                      <a:headEnd type="none" w="med" len="med"/>
+                      <a:tailEnd type="none" w="med" len="med"/>
+                    </a:lnL>
+                    <a:lnR w="12700" cap="flat" cmpd="sng" algn="ctr">
+                      <a:solidFill>
+                        <a:srgbClr val="000000"/>
+                      </a:solidFill>
+                      <a:prstDash val="solid"/>
+                      <a:round/>
+                      <a:headEnd type="none" w="med" len="med"/>
+                      <a:tailEnd type="none" w="med" len="med"/>
+                    </a:lnR>
+                    <a:lnT w="6350" cap="flat" cmpd="sng" algn="ctr">
+                      <a:solidFill>
+                        <a:srgbClr val="000000"/>
+                      </a:solidFill>
+                      <a:prstDash val="solid"/>
+                      <a:round/>
+                      <a:headEnd type="none" w="med" len="med"/>
+                      <a:tailEnd type="none" w="med" len="med"/>
+                    </a:lnT>
+                    <a:lnB w="6350" cap="flat" cmpd="sng" algn="ctr">
+                      <a:solidFill>
+                        <a:srgbClr val="000000"/>
+                      </a:solidFill>
+                      <a:prstDash val="solid"/>
+                      <a:round/>
+                      <a:headEnd type="none" w="med" len="med"/>
+                      <a:tailEnd type="none" w="med" len="med"/>
+                    </a:lnB>
+                    <a:solidFill>
+                      <a:srgbClr val="00B0F0"/>
+                    </a:solidFill>
+                  </a:tcPr>
+                </a:tc>
+                <a:extLst>
+                  <a:ext uri="{0D108BD9-81ED-4DB2-BD59-A6C34878D82A}">
+                    <a16:rowId xmlns:a16="http://schemas.microsoft.com/office/drawing/2014/main" val="1278192844"/>
+                  </a:ext>
+                </a:extLst>
+              </a:tr>
+              <a:tr h="190500">
+                <a:tc>
+                  <a:txBody>
+                    <a:bodyPr/>
+                    <a:lstStyle/>
+                    <a:p>
+                      <a:pPr algn="ctr" fontAlgn="ctr"/>
+                      <a:r>
+                        <a:rPr lang="en-US" sz="1100" b="0" i="0" u="none" strike="noStrike">
+                          <a:solidFill>
+                            <a:srgbClr val="000000"/>
+                          </a:solidFill>
+                          <a:effectLst/>
+                          <a:latin typeface="Calibri" panose="020F0502020204030204" pitchFamily="34" charset="0"/>
+                        </a:rPr>
+                        <a:t>Aggressive_Combine</a:t>
+                      </a:r>
+                    </a:p>
+                  </a:txBody>
+                  <a:tcPr marL="9525" marR="9525" marT="9525" marB="0" anchor="ctr">
+                    <a:lnL w="12700" cap="flat" cmpd="sng" algn="ctr">
+                      <a:solidFill>
+                        <a:srgbClr val="000000"/>
+                      </a:solidFill>
+                      <a:prstDash val="solid"/>
+                      <a:round/>
+                      <a:headEnd type="none" w="med" len="med"/>
+                      <a:tailEnd type="none" w="med" len="med"/>
+                    </a:lnL>
+                    <a:lnR w="12700" cap="flat" cmpd="sng" algn="ctr">
+                      <a:solidFill>
+                        <a:srgbClr val="000000"/>
+                      </a:solidFill>
+                      <a:prstDash val="solid"/>
+                      <a:round/>
+                      <a:headEnd type="none" w="med" len="med"/>
+                      <a:tailEnd type="none" w="med" len="med"/>
+                    </a:lnR>
+                    <a:lnT w="6350" cap="flat" cmpd="sng" algn="ctr">
+                      <a:solidFill>
+                        <a:srgbClr val="000000"/>
+                      </a:solidFill>
+                      <a:prstDash val="solid"/>
+                      <a:round/>
+                      <a:headEnd type="none" w="med" len="med"/>
+                      <a:tailEnd type="none" w="med" len="med"/>
+                    </a:lnT>
+                    <a:lnB w="6350" cap="flat" cmpd="sng" algn="ctr">
+                      <a:solidFill>
+                        <a:srgbClr val="000000"/>
+                      </a:solidFill>
+                      <a:prstDash val="solid"/>
+                      <a:round/>
+                      <a:headEnd type="none" w="med" len="med"/>
+                      <a:tailEnd type="none" w="med" len="med"/>
+                    </a:lnB>
+                    <a:solidFill>
+                      <a:srgbClr val="DDEBF7"/>
+                    </a:solidFill>
+                  </a:tcPr>
+                </a:tc>
+                <a:tc>
+                  <a:txBody>
+                    <a:bodyPr/>
+                    <a:lstStyle/>
+                    <a:p>
+                      <a:pPr algn="ctr" fontAlgn="ctr"/>
+                      <a:r>
+                        <a:rPr lang="en-US" sz="1100" b="0" i="0" u="none" strike="noStrike">
+                          <a:solidFill>
+                            <a:srgbClr val="000000"/>
+                          </a:solidFill>
+                          <a:effectLst/>
+                          <a:latin typeface="Calibri" panose="020F0502020204030204" pitchFamily="34" charset="0"/>
+                        </a:rPr>
+                        <a:t>2.167E-01</a:t>
+                      </a:r>
+                    </a:p>
+                  </a:txBody>
+                  <a:tcPr marL="9525" marR="9525" marT="9525" marB="0" anchor="ctr">
+                    <a:lnL w="12700" cap="flat" cmpd="sng" algn="ctr">
+                      <a:solidFill>
+                        <a:srgbClr val="000000"/>
+                      </a:solidFill>
+                      <a:prstDash val="solid"/>
+                      <a:round/>
+                      <a:headEnd type="none" w="med" len="med"/>
+                      <a:tailEnd type="none" w="med" len="med"/>
+                    </a:lnL>
+                    <a:lnR w="6350" cap="flat" cmpd="sng" algn="ctr">
+                      <a:solidFill>
+                        <a:srgbClr val="000000"/>
+                      </a:solidFill>
+                      <a:prstDash val="solid"/>
+                      <a:round/>
+                      <a:headEnd type="none" w="med" len="med"/>
+                      <a:tailEnd type="none" w="med" len="med"/>
+                    </a:lnR>
+                    <a:lnT w="6350" cap="flat" cmpd="sng" algn="ctr">
+                      <a:solidFill>
+                        <a:srgbClr val="000000"/>
+                      </a:solidFill>
+                      <a:prstDash val="solid"/>
+                      <a:round/>
+                      <a:headEnd type="none" w="med" len="med"/>
+                      <a:tailEnd type="none" w="med" len="med"/>
+                    </a:lnT>
+                    <a:lnB w="6350" cap="flat" cmpd="sng" algn="ctr">
+                      <a:solidFill>
+                        <a:srgbClr val="000000"/>
+                      </a:solidFill>
+                      <a:prstDash val="solid"/>
+                      <a:round/>
+                      <a:headEnd type="none" w="med" len="med"/>
+                      <a:tailEnd type="none" w="med" len="med"/>
+                    </a:lnB>
+                    <a:solidFill>
+                      <a:srgbClr val="DDEBF7"/>
+                    </a:solidFill>
+                  </a:tcPr>
+                </a:tc>
+                <a:tc>
+                  <a:txBody>
+                    <a:bodyPr/>
+                    <a:lstStyle/>
+                    <a:p>
+                      <a:pPr algn="ctr" fontAlgn="ctr"/>
+                      <a:r>
+                        <a:rPr lang="en-US" sz="1100" b="0" i="0" u="none" strike="noStrike">
+                          <a:solidFill>
+                            <a:srgbClr val="000000"/>
+                          </a:solidFill>
+                          <a:effectLst/>
+                          <a:latin typeface="Calibri" panose="020F0502020204030204" pitchFamily="34" charset="0"/>
+                        </a:rPr>
+                        <a:t>7.00E-04</a:t>
+                      </a:r>
+                    </a:p>
+                  </a:txBody>
+                  <a:tcPr marL="9525" marR="9525" marT="9525" marB="0" anchor="ctr">
+                    <a:lnL w="6350" cap="flat" cmpd="sng" algn="ctr">
+                      <a:solidFill>
+                        <a:srgbClr val="000000"/>
+                      </a:solidFill>
+                      <a:prstDash val="solid"/>
+                      <a:round/>
+                      <a:headEnd type="none" w="med" len="med"/>
+                      <a:tailEnd type="none" w="med" len="med"/>
+                    </a:lnL>
+                    <a:lnR w="12700" cap="flat" cmpd="sng" algn="ctr">
+                      <a:solidFill>
+                        <a:srgbClr val="000000"/>
+                      </a:solidFill>
+                      <a:prstDash val="solid"/>
+                      <a:round/>
+                      <a:headEnd type="none" w="med" len="med"/>
+                      <a:tailEnd type="none" w="med" len="med"/>
+                    </a:lnR>
+                    <a:lnT w="6350" cap="flat" cmpd="sng" algn="ctr">
+                      <a:solidFill>
+                        <a:srgbClr val="000000"/>
+                      </a:solidFill>
+                      <a:prstDash val="solid"/>
+                      <a:round/>
+                      <a:headEnd type="none" w="med" len="med"/>
+                      <a:tailEnd type="none" w="med" len="med"/>
+                    </a:lnT>
+                    <a:lnB w="6350" cap="flat" cmpd="sng" algn="ctr">
+                      <a:solidFill>
+                        <a:srgbClr val="000000"/>
+                      </a:solidFill>
+                      <a:prstDash val="solid"/>
+                      <a:round/>
+                      <a:headEnd type="none" w="med" len="med"/>
+                      <a:tailEnd type="none" w="med" len="med"/>
+                    </a:lnB>
+                    <a:solidFill>
+                      <a:srgbClr val="DDEBF7"/>
+                    </a:solidFill>
+                  </a:tcPr>
+                </a:tc>
+                <a:tc>
+                  <a:txBody>
+                    <a:bodyPr/>
+                    <a:lstStyle/>
+                    <a:p>
+                      <a:pPr algn="ctr" fontAlgn="ctr"/>
+                      <a:r>
+                        <a:rPr lang="en-US" sz="1100" b="0" i="0" u="none" strike="noStrike">
+                          <a:solidFill>
+                            <a:srgbClr val="000000"/>
+                          </a:solidFill>
+                          <a:effectLst/>
+                          <a:latin typeface="Calibri" panose="020F0502020204030204" pitchFamily="34" charset="0"/>
+                        </a:rPr>
+                        <a:t>5.655E-01</a:t>
+                      </a:r>
+                    </a:p>
+                  </a:txBody>
+                  <a:tcPr marL="9525" marR="9525" marT="9525" marB="0" anchor="ctr">
+                    <a:lnL w="12700" cap="flat" cmpd="sng" algn="ctr">
+                      <a:solidFill>
+                        <a:srgbClr val="000000"/>
+                      </a:solidFill>
+                      <a:prstDash val="solid"/>
+                      <a:round/>
+                      <a:headEnd type="none" w="med" len="med"/>
+                      <a:tailEnd type="none" w="med" len="med"/>
+                    </a:lnL>
+                    <a:lnR w="6350" cap="flat" cmpd="sng" algn="ctr">
+                      <a:solidFill>
+                        <a:srgbClr val="000000"/>
+                      </a:solidFill>
+                      <a:prstDash val="solid"/>
+                      <a:round/>
+                      <a:headEnd type="none" w="med" len="med"/>
+                      <a:tailEnd type="none" w="med" len="med"/>
+                    </a:lnR>
+                    <a:lnT w="6350" cap="flat" cmpd="sng" algn="ctr">
+                      <a:solidFill>
+                        <a:srgbClr val="000000"/>
+                      </a:solidFill>
+                      <a:prstDash val="solid"/>
+                      <a:round/>
+                      <a:headEnd type="none" w="med" len="med"/>
+                      <a:tailEnd type="none" w="med" len="med"/>
+                    </a:lnT>
+                    <a:lnB w="6350" cap="flat" cmpd="sng" algn="ctr">
+                      <a:solidFill>
+                        <a:srgbClr val="000000"/>
+                      </a:solidFill>
+                      <a:prstDash val="solid"/>
+                      <a:round/>
+                      <a:headEnd type="none" w="med" len="med"/>
+                      <a:tailEnd type="none" w="med" len="med"/>
+                    </a:lnB>
+                    <a:solidFill>
+                      <a:srgbClr val="DDEBF7"/>
+                    </a:solidFill>
+                  </a:tcPr>
+                </a:tc>
+                <a:tc>
+                  <a:txBody>
+                    <a:bodyPr/>
+                    <a:lstStyle/>
+                    <a:p>
+                      <a:pPr algn="ctr" fontAlgn="ctr"/>
+                      <a:r>
+                        <a:rPr lang="en-US" sz="1100" b="0" i="0" u="none" strike="noStrike">
+                          <a:solidFill>
+                            <a:srgbClr val="000000"/>
+                          </a:solidFill>
+                          <a:effectLst/>
+                          <a:latin typeface="Calibri" panose="020F0502020204030204" pitchFamily="34" charset="0"/>
+                        </a:rPr>
+                        <a:t>9.30E-04</a:t>
+                      </a:r>
+                    </a:p>
+                  </a:txBody>
+                  <a:tcPr marL="9525" marR="9525" marT="9525" marB="0" anchor="ctr">
+                    <a:lnL w="6350" cap="flat" cmpd="sng" algn="ctr">
+                      <a:solidFill>
+                        <a:srgbClr val="000000"/>
+                      </a:solidFill>
+                      <a:prstDash val="solid"/>
+                      <a:round/>
+                      <a:headEnd type="none" w="med" len="med"/>
+                      <a:tailEnd type="none" w="med" len="med"/>
+                    </a:lnL>
+                    <a:lnR w="12700" cap="flat" cmpd="sng" algn="ctr">
+                      <a:solidFill>
+                        <a:srgbClr val="000000"/>
+                      </a:solidFill>
+                      <a:prstDash val="solid"/>
+                      <a:round/>
+                      <a:headEnd type="none" w="med" len="med"/>
+                      <a:tailEnd type="none" w="med" len="med"/>
+                    </a:lnR>
+                    <a:lnT w="6350" cap="flat" cmpd="sng" algn="ctr">
+                      <a:solidFill>
+                        <a:srgbClr val="000000"/>
+                      </a:solidFill>
+                      <a:prstDash val="solid"/>
+                      <a:round/>
+                      <a:headEnd type="none" w="med" len="med"/>
+                      <a:tailEnd type="none" w="med" len="med"/>
+                    </a:lnT>
+                    <a:lnB w="6350" cap="flat" cmpd="sng" algn="ctr">
+                      <a:solidFill>
+                        <a:srgbClr val="000000"/>
+                      </a:solidFill>
+                      <a:prstDash val="solid"/>
+                      <a:round/>
+                      <a:headEnd type="none" w="med" len="med"/>
+                      <a:tailEnd type="none" w="med" len="med"/>
+                    </a:lnB>
+                    <a:solidFill>
+                      <a:srgbClr val="DDEBF7"/>
+                    </a:solidFill>
+                  </a:tcPr>
+                </a:tc>
+                <a:tc>
+                  <a:txBody>
+                    <a:bodyPr/>
+                    <a:lstStyle/>
+                    <a:p>
+                      <a:pPr algn="r" fontAlgn="b"/>
+                      <a:r>
+                        <a:rPr lang="en-US" sz="1100" b="0" i="0" u="none" strike="noStrike">
+                          <a:solidFill>
+                            <a:srgbClr val="000000"/>
+                          </a:solidFill>
+                          <a:effectLst/>
+                          <a:latin typeface="Calibri" panose="020F0502020204030204" pitchFamily="34" charset="0"/>
+                        </a:rPr>
+                        <a:t>9.126E-01</a:t>
+                      </a:r>
+                    </a:p>
+                  </a:txBody>
+                  <a:tcPr marL="9525" marR="9525" marT="9525" marB="0" anchor="b">
+                    <a:lnL w="12700" cap="flat" cmpd="sng" algn="ctr">
+                      <a:solidFill>
+                        <a:srgbClr val="000000"/>
+                      </a:solidFill>
+                      <a:prstDash val="solid"/>
+                      <a:round/>
+                      <a:headEnd type="none" w="med" len="med"/>
+                      <a:tailEnd type="none" w="med" len="med"/>
+                    </a:lnL>
+                    <a:lnR w="6350" cap="flat" cmpd="sng" algn="ctr">
+                      <a:solidFill>
+                        <a:srgbClr val="000000"/>
+                      </a:solidFill>
+                      <a:prstDash val="solid"/>
+                      <a:round/>
+                      <a:headEnd type="none" w="med" len="med"/>
+                      <a:tailEnd type="none" w="med" len="med"/>
+                    </a:lnR>
+                    <a:lnT w="6350" cap="flat" cmpd="sng" algn="ctr">
+                      <a:solidFill>
+                        <a:srgbClr val="000000"/>
+                      </a:solidFill>
+                      <a:prstDash val="solid"/>
+                      <a:round/>
+                      <a:headEnd type="none" w="med" len="med"/>
+                      <a:tailEnd type="none" w="med" len="med"/>
+                    </a:lnT>
+                    <a:lnB w="6350" cap="flat" cmpd="sng" algn="ctr">
+                      <a:solidFill>
+                        <a:srgbClr val="000000"/>
+                      </a:solidFill>
+                      <a:prstDash val="solid"/>
+                      <a:round/>
+                      <a:headEnd type="none" w="med" len="med"/>
+                      <a:tailEnd type="none" w="med" len="med"/>
+                    </a:lnB>
+                    <a:solidFill>
+                      <a:srgbClr val="DDEBF7"/>
+                    </a:solidFill>
+                  </a:tcPr>
+                </a:tc>
+                <a:tc>
+                  <a:txBody>
+                    <a:bodyPr/>
+                    <a:lstStyle/>
+                    <a:p>
+                      <a:pPr algn="r" fontAlgn="b"/>
+                      <a:r>
+                        <a:rPr lang="en-US" sz="1100" b="0" i="0" u="none" strike="noStrike">
+                          <a:solidFill>
+                            <a:srgbClr val="000000"/>
+                          </a:solidFill>
+                          <a:effectLst/>
+                          <a:latin typeface="Calibri" panose="020F0502020204030204" pitchFamily="34" charset="0"/>
+                        </a:rPr>
+                        <a:t>7.30E-03</a:t>
+                      </a:r>
+                    </a:p>
+                  </a:txBody>
+                  <a:tcPr marL="9525" marR="9525" marT="9525" marB="0" anchor="b">
+                    <a:lnL w="6350" cap="flat" cmpd="sng" algn="ctr">
+                      <a:solidFill>
+                        <a:srgbClr val="000000"/>
+                      </a:solidFill>
+                      <a:prstDash val="solid"/>
+                      <a:round/>
+                      <a:headEnd type="none" w="med" len="med"/>
+                      <a:tailEnd type="none" w="med" len="med"/>
+                    </a:lnL>
+                    <a:lnR w="12700" cap="flat" cmpd="sng" algn="ctr">
+                      <a:solidFill>
+                        <a:srgbClr val="000000"/>
+                      </a:solidFill>
+                      <a:prstDash val="solid"/>
+                      <a:round/>
+                      <a:headEnd type="none" w="med" len="med"/>
+                      <a:tailEnd type="none" w="med" len="med"/>
+                    </a:lnR>
+                    <a:lnT w="6350" cap="flat" cmpd="sng" algn="ctr">
+                      <a:solidFill>
+                        <a:srgbClr val="000000"/>
+                      </a:solidFill>
+                      <a:prstDash val="solid"/>
+                      <a:round/>
+                      <a:headEnd type="none" w="med" len="med"/>
+                      <a:tailEnd type="none" w="med" len="med"/>
+                    </a:lnT>
+                    <a:lnB w="6350" cap="flat" cmpd="sng" algn="ctr">
+                      <a:solidFill>
+                        <a:srgbClr val="000000"/>
+                      </a:solidFill>
+                      <a:prstDash val="solid"/>
+                      <a:round/>
+                      <a:headEnd type="none" w="med" len="med"/>
+                      <a:tailEnd type="none" w="med" len="med"/>
+                    </a:lnB>
+                    <a:solidFill>
+                      <a:srgbClr val="DDEBF7"/>
+                    </a:solidFill>
+                  </a:tcPr>
+                </a:tc>
+                <a:tc>
+                  <a:txBody>
+                    <a:bodyPr/>
+                    <a:lstStyle/>
+                    <a:p>
+                      <a:pPr algn="ctr" fontAlgn="ctr"/>
+                      <a:r>
+                        <a:rPr lang="en-US" sz="1100" b="0" i="0" u="none" strike="noStrike">
+                          <a:solidFill>
+                            <a:srgbClr val="000000"/>
+                          </a:solidFill>
+                          <a:effectLst/>
+                          <a:latin typeface="Calibri" panose="020F0502020204030204" pitchFamily="34" charset="0"/>
+                        </a:rPr>
+                        <a:t>-</a:t>
+                      </a:r>
+                    </a:p>
+                  </a:txBody>
+                  <a:tcPr marL="9525" marR="9525" marT="9525" marB="0" anchor="ctr">
+                    <a:lnL w="12700" cap="flat" cmpd="sng" algn="ctr">
+                      <a:solidFill>
+                        <a:srgbClr val="000000"/>
+                      </a:solidFill>
+                      <a:prstDash val="solid"/>
+                      <a:round/>
+                      <a:headEnd type="none" w="med" len="med"/>
+                      <a:tailEnd type="none" w="med" len="med"/>
+                    </a:lnL>
+                    <a:lnR w="6350" cap="flat" cmpd="sng" algn="ctr">
+                      <a:solidFill>
+                        <a:srgbClr val="000000"/>
+                      </a:solidFill>
+                      <a:prstDash val="solid"/>
+                      <a:round/>
+                      <a:headEnd type="none" w="med" len="med"/>
+                      <a:tailEnd type="none" w="med" len="med"/>
+                    </a:lnR>
+                    <a:lnT w="6350" cap="flat" cmpd="sng" algn="ctr">
+                      <a:solidFill>
+                        <a:srgbClr val="000000"/>
+                      </a:solidFill>
+                      <a:prstDash val="solid"/>
+                      <a:round/>
+                      <a:headEnd type="none" w="med" len="med"/>
+                      <a:tailEnd type="none" w="med" len="med"/>
+                    </a:lnT>
+                    <a:lnB w="6350" cap="flat" cmpd="sng" algn="ctr">
+                      <a:solidFill>
+                        <a:srgbClr val="000000"/>
+                      </a:solidFill>
+                      <a:prstDash val="solid"/>
+                      <a:round/>
+                      <a:headEnd type="none" w="med" len="med"/>
+                      <a:tailEnd type="none" w="med" len="med"/>
+                    </a:lnB>
+                    <a:solidFill>
+                      <a:srgbClr val="FF0000"/>
+                    </a:solidFill>
+                  </a:tcPr>
+                </a:tc>
+                <a:tc>
+                  <a:txBody>
+                    <a:bodyPr/>
+                    <a:lstStyle/>
+                    <a:p>
+                      <a:pPr algn="ctr" fontAlgn="ctr"/>
+                      <a:r>
+                        <a:rPr lang="en-US" sz="1100" b="0" i="0" u="none" strike="noStrike">
+                          <a:solidFill>
+                            <a:srgbClr val="000000"/>
+                          </a:solidFill>
+                          <a:effectLst/>
+                          <a:latin typeface="Calibri" panose="020F0502020204030204" pitchFamily="34" charset="0"/>
+                        </a:rPr>
+                        <a:t>-</a:t>
+                      </a:r>
+                    </a:p>
+                  </a:txBody>
+                  <a:tcPr marL="9525" marR="9525" marT="9525" marB="0" anchor="ctr">
+                    <a:lnL w="6350" cap="flat" cmpd="sng" algn="ctr">
+                      <a:solidFill>
+                        <a:srgbClr val="000000"/>
+                      </a:solidFill>
+                      <a:prstDash val="solid"/>
+                      <a:round/>
+                      <a:headEnd type="none" w="med" len="med"/>
+                      <a:tailEnd type="none" w="med" len="med"/>
+                    </a:lnL>
+                    <a:lnR w="6350" cap="flat" cmpd="sng" algn="ctr">
+                      <a:solidFill>
+                        <a:srgbClr val="000000"/>
+                      </a:solidFill>
+                      <a:prstDash val="solid"/>
+                      <a:round/>
+                      <a:headEnd type="none" w="med" len="med"/>
+                      <a:tailEnd type="none" w="med" len="med"/>
+                    </a:lnR>
+                    <a:lnT w="6350" cap="flat" cmpd="sng" algn="ctr">
+                      <a:solidFill>
+                        <a:srgbClr val="000000"/>
+                      </a:solidFill>
+                      <a:prstDash val="solid"/>
+                      <a:round/>
+                      <a:headEnd type="none" w="med" len="med"/>
+                      <a:tailEnd type="none" w="med" len="med"/>
+                    </a:lnT>
+                    <a:lnB w="6350" cap="flat" cmpd="sng" algn="ctr">
+                      <a:solidFill>
+                        <a:srgbClr val="000000"/>
+                      </a:solidFill>
+                      <a:prstDash val="solid"/>
+                      <a:round/>
+                      <a:headEnd type="none" w="med" len="med"/>
+                      <a:tailEnd type="none" w="med" len="med"/>
+                    </a:lnB>
+                    <a:solidFill>
+                      <a:srgbClr val="FF0000"/>
+                    </a:solidFill>
+                  </a:tcPr>
+                </a:tc>
+                <a:tc>
+                  <a:txBody>
+                    <a:bodyPr/>
+                    <a:lstStyle/>
+                    <a:p>
+                      <a:pPr algn="ctr" fontAlgn="ctr"/>
+                      <a:r>
+                        <a:rPr lang="en-US" sz="1100" b="0" i="0" u="none" strike="noStrike">
+                          <a:solidFill>
+                            <a:srgbClr val="000000"/>
+                          </a:solidFill>
+                          <a:effectLst/>
+                          <a:latin typeface="Calibri" panose="020F0502020204030204" pitchFamily="34" charset="0"/>
+                        </a:rPr>
+                        <a:t>~</a:t>
+                      </a:r>
+                    </a:p>
+                  </a:txBody>
+                  <a:tcPr marL="9525" marR="9525" marT="9525" marB="0" anchor="ctr">
+                    <a:lnL w="6350" cap="flat" cmpd="sng" algn="ctr">
+                      <a:solidFill>
+                        <a:srgbClr val="000000"/>
+                      </a:solidFill>
+                      <a:prstDash val="solid"/>
+                      <a:round/>
+                      <a:headEnd type="none" w="med" len="med"/>
+                      <a:tailEnd type="none" w="med" len="med"/>
+                    </a:lnL>
+                    <a:lnR w="12700" cap="flat" cmpd="sng" algn="ctr">
+                      <a:solidFill>
+                        <a:srgbClr val="000000"/>
+                      </a:solidFill>
+                      <a:prstDash val="solid"/>
+                      <a:round/>
+                      <a:headEnd type="none" w="med" len="med"/>
+                      <a:tailEnd type="none" w="med" len="med"/>
+                    </a:lnR>
+                    <a:lnT w="6350" cap="flat" cmpd="sng" algn="ctr">
+                      <a:solidFill>
+                        <a:srgbClr val="000000"/>
+                      </a:solidFill>
+                      <a:prstDash val="solid"/>
+                      <a:round/>
+                      <a:headEnd type="none" w="med" len="med"/>
+                      <a:tailEnd type="none" w="med" len="med"/>
+                    </a:lnT>
+                    <a:lnB w="6350" cap="flat" cmpd="sng" algn="ctr">
+                      <a:solidFill>
+                        <a:srgbClr val="000000"/>
+                      </a:solidFill>
+                      <a:prstDash val="solid"/>
+                      <a:round/>
+                      <a:headEnd type="none" w="med" len="med"/>
+                      <a:tailEnd type="none" w="med" len="med"/>
+                    </a:lnB>
+                    <a:solidFill>
+                      <a:srgbClr val="00B0F0"/>
+                    </a:solidFill>
+                  </a:tcPr>
+                </a:tc>
+                <a:extLst>
+                  <a:ext uri="{0D108BD9-81ED-4DB2-BD59-A6C34878D82A}">
+                    <a16:rowId xmlns:a16="http://schemas.microsoft.com/office/drawing/2014/main" val="2885950816"/>
+                  </a:ext>
+                </a:extLst>
+              </a:tr>
+              <a:tr h="190500">
+                <a:tc>
+                  <a:txBody>
+                    <a:bodyPr/>
+                    <a:lstStyle/>
+                    <a:p>
+                      <a:pPr algn="ctr" fontAlgn="ctr"/>
+                      <a:r>
+                        <a:rPr lang="en-US" sz="1100" b="0" i="0" u="none" strike="noStrike">
+                          <a:solidFill>
+                            <a:srgbClr val="000000"/>
+                          </a:solidFill>
+                          <a:effectLst/>
+                          <a:latin typeface="Calibri" panose="020F0502020204030204" pitchFamily="34" charset="0"/>
+                        </a:rPr>
+                        <a:t>Medium_Exploration</a:t>
+                      </a:r>
+                    </a:p>
+                  </a:txBody>
+                  <a:tcPr marL="9525" marR="9525" marT="9525" marB="0" anchor="ctr">
+                    <a:lnL w="12700" cap="flat" cmpd="sng" algn="ctr">
+                      <a:solidFill>
+                        <a:srgbClr val="000000"/>
+                      </a:solidFill>
+                      <a:prstDash val="solid"/>
+                      <a:round/>
+                      <a:headEnd type="none" w="med" len="med"/>
+                      <a:tailEnd type="none" w="med" len="med"/>
+                    </a:lnL>
+                    <a:lnR w="12700" cap="flat" cmpd="sng" algn="ctr">
+                      <a:solidFill>
+                        <a:srgbClr val="000000"/>
+                      </a:solidFill>
+                      <a:prstDash val="solid"/>
+                      <a:round/>
+                      <a:headEnd type="none" w="med" len="med"/>
+                      <a:tailEnd type="none" w="med" len="med"/>
+                    </a:lnR>
+                    <a:lnT w="6350" cap="flat" cmpd="sng" algn="ctr">
+                      <a:solidFill>
+                        <a:srgbClr val="000000"/>
+                      </a:solidFill>
+                      <a:prstDash val="solid"/>
+                      <a:round/>
+                      <a:headEnd type="none" w="med" len="med"/>
+                      <a:tailEnd type="none" w="med" len="med"/>
+                    </a:lnT>
+                    <a:lnB w="6350" cap="flat" cmpd="sng" algn="ctr">
+                      <a:solidFill>
+                        <a:srgbClr val="000000"/>
+                      </a:solidFill>
+                      <a:prstDash val="solid"/>
+                      <a:round/>
+                      <a:headEnd type="none" w="med" len="med"/>
+                      <a:tailEnd type="none" w="med" len="med"/>
+                    </a:lnB>
+                    <a:solidFill>
+                      <a:srgbClr val="BDD7EE"/>
+                    </a:solidFill>
+                  </a:tcPr>
+                </a:tc>
+                <a:tc>
+                  <a:txBody>
+                    <a:bodyPr/>
+                    <a:lstStyle/>
+                    <a:p>
+                      <a:pPr algn="ctr" fontAlgn="ctr"/>
+                      <a:r>
+                        <a:rPr lang="en-US" sz="1100" b="0" i="0" u="none" strike="noStrike">
+                          <a:solidFill>
+                            <a:srgbClr val="000000"/>
+                          </a:solidFill>
+                          <a:effectLst/>
+                          <a:latin typeface="Calibri" panose="020F0502020204030204" pitchFamily="34" charset="0"/>
+                        </a:rPr>
+                        <a:t>2.241E-01</a:t>
+                      </a:r>
+                    </a:p>
+                  </a:txBody>
+                  <a:tcPr marL="9525" marR="9525" marT="9525" marB="0" anchor="ctr">
+                    <a:lnL w="12700" cap="flat" cmpd="sng" algn="ctr">
+                      <a:solidFill>
+                        <a:srgbClr val="000000"/>
+                      </a:solidFill>
+                      <a:prstDash val="solid"/>
+                      <a:round/>
+                      <a:headEnd type="none" w="med" len="med"/>
+                      <a:tailEnd type="none" w="med" len="med"/>
+                    </a:lnL>
+                    <a:lnR w="6350" cap="flat" cmpd="sng" algn="ctr">
+                      <a:solidFill>
+                        <a:srgbClr val="000000"/>
+                      </a:solidFill>
+                      <a:prstDash val="solid"/>
+                      <a:round/>
+                      <a:headEnd type="none" w="med" len="med"/>
+                      <a:tailEnd type="none" w="med" len="med"/>
+                    </a:lnR>
+                    <a:lnT w="6350" cap="flat" cmpd="sng" algn="ctr">
+                      <a:solidFill>
+                        <a:srgbClr val="000000"/>
+                      </a:solidFill>
+                      <a:prstDash val="solid"/>
+                      <a:round/>
+                      <a:headEnd type="none" w="med" len="med"/>
+                      <a:tailEnd type="none" w="med" len="med"/>
+                    </a:lnT>
+                    <a:lnB w="6350" cap="flat" cmpd="sng" algn="ctr">
+                      <a:solidFill>
+                        <a:srgbClr val="000000"/>
+                      </a:solidFill>
+                      <a:prstDash val="solid"/>
+                      <a:round/>
+                      <a:headEnd type="none" w="med" len="med"/>
+                      <a:tailEnd type="none" w="med" len="med"/>
+                    </a:lnB>
+                    <a:solidFill>
+                      <a:srgbClr val="BDD7EE"/>
+                    </a:solidFill>
+                  </a:tcPr>
+                </a:tc>
+                <a:tc>
+                  <a:txBody>
+                    <a:bodyPr/>
+                    <a:lstStyle/>
+                    <a:p>
+                      <a:pPr algn="ctr" fontAlgn="ctr"/>
+                      <a:r>
+                        <a:rPr lang="en-US" sz="1100" b="0" i="0" u="none" strike="noStrike">
+                          <a:solidFill>
+                            <a:srgbClr val="000000"/>
+                          </a:solidFill>
+                          <a:effectLst/>
+                          <a:latin typeface="Calibri" panose="020F0502020204030204" pitchFamily="34" charset="0"/>
+                        </a:rPr>
+                        <a:t>1.70E-04</a:t>
+                      </a:r>
+                    </a:p>
+                  </a:txBody>
+                  <a:tcPr marL="9525" marR="9525" marT="9525" marB="0" anchor="ctr">
+                    <a:lnL w="6350" cap="flat" cmpd="sng" algn="ctr">
+                      <a:solidFill>
+                        <a:srgbClr val="000000"/>
+                      </a:solidFill>
+                      <a:prstDash val="solid"/>
+                      <a:round/>
+                      <a:headEnd type="none" w="med" len="med"/>
+                      <a:tailEnd type="none" w="med" len="med"/>
+                    </a:lnL>
+                    <a:lnR w="12700" cap="flat" cmpd="sng" algn="ctr">
+                      <a:solidFill>
+                        <a:srgbClr val="000000"/>
+                      </a:solidFill>
+                      <a:prstDash val="solid"/>
+                      <a:round/>
+                      <a:headEnd type="none" w="med" len="med"/>
+                      <a:tailEnd type="none" w="med" len="med"/>
+                    </a:lnR>
+                    <a:lnT w="6350" cap="flat" cmpd="sng" algn="ctr">
+                      <a:solidFill>
+                        <a:srgbClr val="000000"/>
+                      </a:solidFill>
+                      <a:prstDash val="solid"/>
+                      <a:round/>
+                      <a:headEnd type="none" w="med" len="med"/>
+                      <a:tailEnd type="none" w="med" len="med"/>
+                    </a:lnT>
+                    <a:lnB w="6350" cap="flat" cmpd="sng" algn="ctr">
+                      <a:solidFill>
+                        <a:srgbClr val="000000"/>
+                      </a:solidFill>
+                      <a:prstDash val="solid"/>
+                      <a:round/>
+                      <a:headEnd type="none" w="med" len="med"/>
+                      <a:tailEnd type="none" w="med" len="med"/>
+                    </a:lnB>
+                    <a:solidFill>
+                      <a:srgbClr val="BDD7EE"/>
+                    </a:solidFill>
+                  </a:tcPr>
+                </a:tc>
+                <a:tc>
+                  <a:txBody>
+                    <a:bodyPr/>
+                    <a:lstStyle/>
+                    <a:p>
+                      <a:pPr algn="ctr" fontAlgn="ctr"/>
+                      <a:r>
+                        <a:rPr lang="en-US" sz="1100" b="0" i="0" u="none" strike="noStrike">
+                          <a:solidFill>
+                            <a:srgbClr val="000000"/>
+                          </a:solidFill>
+                          <a:effectLst/>
+                          <a:latin typeface="Calibri" panose="020F0502020204030204" pitchFamily="34" charset="0"/>
+                        </a:rPr>
+                        <a:t>5.505E-01</a:t>
+                      </a:r>
+                    </a:p>
+                  </a:txBody>
+                  <a:tcPr marL="9525" marR="9525" marT="9525" marB="0" anchor="ctr">
+                    <a:lnL w="12700" cap="flat" cmpd="sng" algn="ctr">
+                      <a:solidFill>
+                        <a:srgbClr val="000000"/>
+                      </a:solidFill>
+                      <a:prstDash val="solid"/>
+                      <a:round/>
+                      <a:headEnd type="none" w="med" len="med"/>
+                      <a:tailEnd type="none" w="med" len="med"/>
+                    </a:lnL>
+                    <a:lnR w="6350" cap="flat" cmpd="sng" algn="ctr">
+                      <a:solidFill>
+                        <a:srgbClr val="000000"/>
+                      </a:solidFill>
+                      <a:prstDash val="solid"/>
+                      <a:round/>
+                      <a:headEnd type="none" w="med" len="med"/>
+                      <a:tailEnd type="none" w="med" len="med"/>
+                    </a:lnR>
+                    <a:lnT w="6350" cap="flat" cmpd="sng" algn="ctr">
+                      <a:solidFill>
+                        <a:srgbClr val="000000"/>
+                      </a:solidFill>
+                      <a:prstDash val="solid"/>
+                      <a:round/>
+                      <a:headEnd type="none" w="med" len="med"/>
+                      <a:tailEnd type="none" w="med" len="med"/>
+                    </a:lnT>
+                    <a:lnB w="6350" cap="flat" cmpd="sng" algn="ctr">
+                      <a:solidFill>
+                        <a:srgbClr val="000000"/>
+                      </a:solidFill>
+                      <a:prstDash val="solid"/>
+                      <a:round/>
+                      <a:headEnd type="none" w="med" len="med"/>
+                      <a:tailEnd type="none" w="med" len="med"/>
+                    </a:lnB>
+                    <a:solidFill>
+                      <a:srgbClr val="BDD7EE"/>
+                    </a:solidFill>
+                  </a:tcPr>
+                </a:tc>
+                <a:tc>
+                  <a:txBody>
+                    <a:bodyPr/>
+                    <a:lstStyle/>
+                    <a:p>
+                      <a:pPr algn="ctr" fontAlgn="ctr"/>
+                      <a:r>
+                        <a:rPr lang="en-US" sz="1100" b="0" i="0" u="none" strike="noStrike">
+                          <a:solidFill>
+                            <a:srgbClr val="000000"/>
+                          </a:solidFill>
+                          <a:effectLst/>
+                          <a:latin typeface="Calibri" panose="020F0502020204030204" pitchFamily="34" charset="0"/>
+                        </a:rPr>
+                        <a:t>4.60E-04</a:t>
+                      </a:r>
+                    </a:p>
+                  </a:txBody>
+                  <a:tcPr marL="9525" marR="9525" marT="9525" marB="0" anchor="ctr">
+                    <a:lnL w="6350" cap="flat" cmpd="sng" algn="ctr">
+                      <a:solidFill>
+                        <a:srgbClr val="000000"/>
+                      </a:solidFill>
+                      <a:prstDash val="solid"/>
+                      <a:round/>
+                      <a:headEnd type="none" w="med" len="med"/>
+                      <a:tailEnd type="none" w="med" len="med"/>
+                    </a:lnL>
+                    <a:lnR w="12700" cap="flat" cmpd="sng" algn="ctr">
+                      <a:solidFill>
+                        <a:srgbClr val="000000"/>
+                      </a:solidFill>
+                      <a:prstDash val="solid"/>
+                      <a:round/>
+                      <a:headEnd type="none" w="med" len="med"/>
+                      <a:tailEnd type="none" w="med" len="med"/>
+                    </a:lnR>
+                    <a:lnT w="6350" cap="flat" cmpd="sng" algn="ctr">
+                      <a:solidFill>
+                        <a:srgbClr val="000000"/>
+                      </a:solidFill>
+                      <a:prstDash val="solid"/>
+                      <a:round/>
+                      <a:headEnd type="none" w="med" len="med"/>
+                      <a:tailEnd type="none" w="med" len="med"/>
+                    </a:lnT>
+                    <a:lnB w="6350" cap="flat" cmpd="sng" algn="ctr">
+                      <a:solidFill>
+                        <a:srgbClr val="000000"/>
+                      </a:solidFill>
+                      <a:prstDash val="solid"/>
+                      <a:round/>
+                      <a:headEnd type="none" w="med" len="med"/>
+                      <a:tailEnd type="none" w="med" len="med"/>
+                    </a:lnB>
+                    <a:solidFill>
+                      <a:srgbClr val="BDD7EE"/>
+                    </a:solidFill>
+                  </a:tcPr>
+                </a:tc>
+                <a:tc>
+                  <a:txBody>
+                    <a:bodyPr/>
+                    <a:lstStyle/>
+                    <a:p>
+                      <a:pPr algn="r" fontAlgn="b"/>
+                      <a:r>
+                        <a:rPr lang="en-US" sz="1100" b="0" i="0" u="none" strike="noStrike">
+                          <a:solidFill>
+                            <a:srgbClr val="000000"/>
+                          </a:solidFill>
+                          <a:effectLst/>
+                          <a:latin typeface="Calibri" panose="020F0502020204030204" pitchFamily="34" charset="0"/>
+                        </a:rPr>
+                        <a:t>9.153E-01</a:t>
+                      </a:r>
+                    </a:p>
+                  </a:txBody>
+                  <a:tcPr marL="9525" marR="9525" marT="9525" marB="0" anchor="b">
+                    <a:lnL w="12700" cap="flat" cmpd="sng" algn="ctr">
+                      <a:solidFill>
+                        <a:srgbClr val="000000"/>
+                      </a:solidFill>
+                      <a:prstDash val="solid"/>
+                      <a:round/>
+                      <a:headEnd type="none" w="med" len="med"/>
+                      <a:tailEnd type="none" w="med" len="med"/>
+                    </a:lnL>
+                    <a:lnR w="6350" cap="flat" cmpd="sng" algn="ctr">
+                      <a:solidFill>
+                        <a:srgbClr val="000000"/>
+                      </a:solidFill>
+                      <a:prstDash val="solid"/>
+                      <a:round/>
+                      <a:headEnd type="none" w="med" len="med"/>
+                      <a:tailEnd type="none" w="med" len="med"/>
+                    </a:lnR>
+                    <a:lnT w="6350" cap="flat" cmpd="sng" algn="ctr">
+                      <a:solidFill>
+                        <a:srgbClr val="000000"/>
+                      </a:solidFill>
+                      <a:prstDash val="solid"/>
+                      <a:round/>
+                      <a:headEnd type="none" w="med" len="med"/>
+                      <a:tailEnd type="none" w="med" len="med"/>
+                    </a:lnT>
+                    <a:lnB w="6350" cap="flat" cmpd="sng" algn="ctr">
+                      <a:solidFill>
+                        <a:srgbClr val="000000"/>
+                      </a:solidFill>
+                      <a:prstDash val="solid"/>
+                      <a:round/>
+                      <a:headEnd type="none" w="med" len="med"/>
+                      <a:tailEnd type="none" w="med" len="med"/>
+                    </a:lnB>
+                    <a:solidFill>
+                      <a:srgbClr val="BDD7EE"/>
+                    </a:solidFill>
+                  </a:tcPr>
+                </a:tc>
+                <a:tc>
+                  <a:txBody>
+                    <a:bodyPr/>
+                    <a:lstStyle/>
+                    <a:p>
+                      <a:pPr algn="r" fontAlgn="b"/>
+                      <a:r>
+                        <a:rPr lang="en-US" sz="1100" b="0" i="0" u="none" strike="noStrike">
+                          <a:solidFill>
+                            <a:srgbClr val="000000"/>
+                          </a:solidFill>
+                          <a:effectLst/>
+                          <a:latin typeface="Calibri" panose="020F0502020204030204" pitchFamily="34" charset="0"/>
+                        </a:rPr>
+                        <a:t>3.27E-03</a:t>
+                      </a:r>
+                    </a:p>
+                  </a:txBody>
+                  <a:tcPr marL="9525" marR="9525" marT="9525" marB="0" anchor="b">
+                    <a:lnL w="6350" cap="flat" cmpd="sng" algn="ctr">
+                      <a:solidFill>
+                        <a:srgbClr val="000000"/>
+                      </a:solidFill>
+                      <a:prstDash val="solid"/>
+                      <a:round/>
+                      <a:headEnd type="none" w="med" len="med"/>
+                      <a:tailEnd type="none" w="med" len="med"/>
+                    </a:lnL>
+                    <a:lnR w="12700" cap="flat" cmpd="sng" algn="ctr">
+                      <a:solidFill>
+                        <a:srgbClr val="000000"/>
+                      </a:solidFill>
+                      <a:prstDash val="solid"/>
+                      <a:round/>
+                      <a:headEnd type="none" w="med" len="med"/>
+                      <a:tailEnd type="none" w="med" len="med"/>
+                    </a:lnR>
+                    <a:lnT w="6350" cap="flat" cmpd="sng" algn="ctr">
+                      <a:solidFill>
+                        <a:srgbClr val="000000"/>
+                      </a:solidFill>
+                      <a:prstDash val="solid"/>
+                      <a:round/>
+                      <a:headEnd type="none" w="med" len="med"/>
+                      <a:tailEnd type="none" w="med" len="med"/>
+                    </a:lnT>
+                    <a:lnB w="6350" cap="flat" cmpd="sng" algn="ctr">
+                      <a:solidFill>
+                        <a:srgbClr val="000000"/>
+                      </a:solidFill>
+                      <a:prstDash val="solid"/>
+                      <a:round/>
+                      <a:headEnd type="none" w="med" len="med"/>
+                      <a:tailEnd type="none" w="med" len="med"/>
+                    </a:lnB>
+                    <a:solidFill>
+                      <a:srgbClr val="BDD7EE"/>
+                    </a:solidFill>
+                  </a:tcPr>
+                </a:tc>
+                <a:tc>
+                  <a:txBody>
+                    <a:bodyPr/>
+                    <a:lstStyle/>
+                    <a:p>
+                      <a:pPr algn="ctr" fontAlgn="ctr"/>
+                      <a:r>
+                        <a:rPr lang="en-US" sz="1100" b="0" i="0" u="none" strike="noStrike">
+                          <a:solidFill>
+                            <a:srgbClr val="000000"/>
+                          </a:solidFill>
+                          <a:effectLst/>
+                          <a:latin typeface="Calibri" panose="020F0502020204030204" pitchFamily="34" charset="0"/>
+                        </a:rPr>
+                        <a:t>~</a:t>
+                      </a:r>
+                    </a:p>
+                  </a:txBody>
+                  <a:tcPr marL="9525" marR="9525" marT="9525" marB="0" anchor="ctr">
+                    <a:lnL w="12700" cap="flat" cmpd="sng" algn="ctr">
+                      <a:solidFill>
+                        <a:srgbClr val="000000"/>
+                      </a:solidFill>
+                      <a:prstDash val="solid"/>
+                      <a:round/>
+                      <a:headEnd type="none" w="med" len="med"/>
+                      <a:tailEnd type="none" w="med" len="med"/>
+                    </a:lnL>
+                    <a:lnR w="6350" cap="flat" cmpd="sng" algn="ctr">
+                      <a:solidFill>
+                        <a:srgbClr val="000000"/>
+                      </a:solidFill>
+                      <a:prstDash val="solid"/>
+                      <a:round/>
+                      <a:headEnd type="none" w="med" len="med"/>
+                      <a:tailEnd type="none" w="med" len="med"/>
+                    </a:lnR>
+                    <a:lnT w="6350" cap="flat" cmpd="sng" algn="ctr">
+                      <a:solidFill>
+                        <a:srgbClr val="000000"/>
+                      </a:solidFill>
+                      <a:prstDash val="solid"/>
+                      <a:round/>
+                      <a:headEnd type="none" w="med" len="med"/>
+                      <a:tailEnd type="none" w="med" len="med"/>
+                    </a:lnT>
+                    <a:lnB w="6350" cap="flat" cmpd="sng" algn="ctr">
+                      <a:solidFill>
+                        <a:srgbClr val="000000"/>
+                      </a:solidFill>
+                      <a:prstDash val="solid"/>
+                      <a:round/>
+                      <a:headEnd type="none" w="med" len="med"/>
+                      <a:tailEnd type="none" w="med" len="med"/>
+                    </a:lnB>
+                    <a:solidFill>
+                      <a:srgbClr val="00B0F0"/>
+                    </a:solidFill>
+                  </a:tcPr>
+                </a:tc>
+                <a:tc>
+                  <a:txBody>
+                    <a:bodyPr/>
+                    <a:lstStyle/>
+                    <a:p>
+                      <a:pPr algn="ctr" fontAlgn="ctr"/>
+                      <a:r>
+                        <a:rPr lang="en-US" sz="1100" b="0" i="0" u="none" strike="noStrike">
+                          <a:solidFill>
+                            <a:srgbClr val="000000"/>
+                          </a:solidFill>
+                          <a:effectLst/>
+                          <a:latin typeface="Calibri" panose="020F0502020204030204" pitchFamily="34" charset="0"/>
+                        </a:rPr>
+                        <a:t>~</a:t>
+                      </a:r>
+                    </a:p>
+                  </a:txBody>
+                  <a:tcPr marL="9525" marR="9525" marT="9525" marB="0" anchor="ctr">
+                    <a:lnL w="6350" cap="flat" cmpd="sng" algn="ctr">
+                      <a:solidFill>
+                        <a:srgbClr val="000000"/>
+                      </a:solidFill>
+                      <a:prstDash val="solid"/>
+                      <a:round/>
+                      <a:headEnd type="none" w="med" len="med"/>
+                      <a:tailEnd type="none" w="med" len="med"/>
+                    </a:lnL>
+                    <a:lnR w="6350" cap="flat" cmpd="sng" algn="ctr">
+                      <a:solidFill>
+                        <a:srgbClr val="000000"/>
+                      </a:solidFill>
+                      <a:prstDash val="solid"/>
+                      <a:round/>
+                      <a:headEnd type="none" w="med" len="med"/>
+                      <a:tailEnd type="none" w="med" len="med"/>
+                    </a:lnR>
+                    <a:lnT w="6350" cap="flat" cmpd="sng" algn="ctr">
+                      <a:solidFill>
+                        <a:srgbClr val="000000"/>
+                      </a:solidFill>
+                      <a:prstDash val="solid"/>
+                      <a:round/>
+                      <a:headEnd type="none" w="med" len="med"/>
+                      <a:tailEnd type="none" w="med" len="med"/>
+                    </a:lnT>
+                    <a:lnB w="6350" cap="flat" cmpd="sng" algn="ctr">
+                      <a:solidFill>
+                        <a:srgbClr val="000000"/>
+                      </a:solidFill>
+                      <a:prstDash val="solid"/>
+                      <a:round/>
+                      <a:headEnd type="none" w="med" len="med"/>
+                      <a:tailEnd type="none" w="med" len="med"/>
+                    </a:lnB>
+                    <a:solidFill>
+                      <a:srgbClr val="00B0F0"/>
+                    </a:solidFill>
+                  </a:tcPr>
+                </a:tc>
+                <a:tc>
+                  <a:txBody>
+                    <a:bodyPr/>
+                    <a:lstStyle/>
+                    <a:p>
+                      <a:pPr algn="ctr" fontAlgn="ctr"/>
+                      <a:r>
+                        <a:rPr lang="en-US" sz="1100" b="0" i="0" u="none" strike="noStrike">
+                          <a:solidFill>
+                            <a:srgbClr val="000000"/>
+                          </a:solidFill>
+                          <a:effectLst/>
+                          <a:latin typeface="Calibri" panose="020F0502020204030204" pitchFamily="34" charset="0"/>
+                        </a:rPr>
+                        <a:t>~</a:t>
+                      </a:r>
+                    </a:p>
+                  </a:txBody>
+                  <a:tcPr marL="9525" marR="9525" marT="9525" marB="0" anchor="ctr">
+                    <a:lnL w="6350" cap="flat" cmpd="sng" algn="ctr">
+                      <a:solidFill>
+                        <a:srgbClr val="000000"/>
+                      </a:solidFill>
+                      <a:prstDash val="solid"/>
+                      <a:round/>
+                      <a:headEnd type="none" w="med" len="med"/>
+                      <a:tailEnd type="none" w="med" len="med"/>
+                    </a:lnL>
+                    <a:lnR w="12700" cap="flat" cmpd="sng" algn="ctr">
+                      <a:solidFill>
+                        <a:srgbClr val="000000"/>
+                      </a:solidFill>
+                      <a:prstDash val="solid"/>
+                      <a:round/>
+                      <a:headEnd type="none" w="med" len="med"/>
+                      <a:tailEnd type="none" w="med" len="med"/>
+                    </a:lnR>
+                    <a:lnT w="6350" cap="flat" cmpd="sng" algn="ctr">
+                      <a:solidFill>
+                        <a:srgbClr val="000000"/>
+                      </a:solidFill>
+                      <a:prstDash val="solid"/>
+                      <a:round/>
+                      <a:headEnd type="none" w="med" len="med"/>
+                      <a:tailEnd type="none" w="med" len="med"/>
+                    </a:lnT>
+                    <a:lnB w="6350" cap="flat" cmpd="sng" algn="ctr">
+                      <a:solidFill>
+                        <a:srgbClr val="000000"/>
+                      </a:solidFill>
+                      <a:prstDash val="solid"/>
+                      <a:round/>
+                      <a:headEnd type="none" w="med" len="med"/>
+                      <a:tailEnd type="none" w="med" len="med"/>
+                    </a:lnB>
+                    <a:solidFill>
+                      <a:srgbClr val="00B0F0"/>
+                    </a:solidFill>
+                  </a:tcPr>
+                </a:tc>
+                <a:extLst>
+                  <a:ext uri="{0D108BD9-81ED-4DB2-BD59-A6C34878D82A}">
+                    <a16:rowId xmlns:a16="http://schemas.microsoft.com/office/drawing/2014/main" val="819870162"/>
+                  </a:ext>
+                </a:extLst>
+              </a:tr>
+              <a:tr h="190500">
+                <a:tc>
+                  <a:txBody>
+                    <a:bodyPr/>
+                    <a:lstStyle/>
+                    <a:p>
+                      <a:pPr algn="ctr" fontAlgn="ctr"/>
+                      <a:r>
+                        <a:rPr lang="en-US" sz="1100" b="0" i="0" u="none" strike="noStrike">
+                          <a:solidFill>
+                            <a:srgbClr val="000000"/>
+                          </a:solidFill>
+                          <a:effectLst/>
+                          <a:latin typeface="Calibri" panose="020F0502020204030204" pitchFamily="34" charset="0"/>
+                        </a:rPr>
+                        <a:t>Medium_Exploitation</a:t>
+                      </a:r>
+                    </a:p>
+                  </a:txBody>
+                  <a:tcPr marL="9525" marR="9525" marT="9525" marB="0" anchor="ctr">
+                    <a:lnL w="12700" cap="flat" cmpd="sng" algn="ctr">
+                      <a:solidFill>
+                        <a:srgbClr val="000000"/>
+                      </a:solidFill>
+                      <a:prstDash val="solid"/>
+                      <a:round/>
+                      <a:headEnd type="none" w="med" len="med"/>
+                      <a:tailEnd type="none" w="med" len="med"/>
+                    </a:lnL>
+                    <a:lnR w="12700" cap="flat" cmpd="sng" algn="ctr">
+                      <a:solidFill>
+                        <a:srgbClr val="000000"/>
+                      </a:solidFill>
+                      <a:prstDash val="solid"/>
+                      <a:round/>
+                      <a:headEnd type="none" w="med" len="med"/>
+                      <a:tailEnd type="none" w="med" len="med"/>
+                    </a:lnR>
+                    <a:lnT w="6350" cap="flat" cmpd="sng" algn="ctr">
+                      <a:solidFill>
+                        <a:srgbClr val="000000"/>
+                      </a:solidFill>
+                      <a:prstDash val="solid"/>
+                      <a:round/>
+                      <a:headEnd type="none" w="med" len="med"/>
+                      <a:tailEnd type="none" w="med" len="med"/>
+                    </a:lnT>
+                    <a:lnB w="6350" cap="flat" cmpd="sng" algn="ctr">
+                      <a:solidFill>
+                        <a:srgbClr val="000000"/>
+                      </a:solidFill>
+                      <a:prstDash val="solid"/>
+                      <a:round/>
+                      <a:headEnd type="none" w="med" len="med"/>
+                      <a:tailEnd type="none" w="med" len="med"/>
+                    </a:lnB>
+                    <a:solidFill>
+                      <a:srgbClr val="BDD7EE"/>
+                    </a:solidFill>
+                  </a:tcPr>
+                </a:tc>
+                <a:tc>
+                  <a:txBody>
+                    <a:bodyPr/>
+                    <a:lstStyle/>
+                    <a:p>
+                      <a:pPr algn="ctr" fontAlgn="ctr"/>
+                      <a:r>
+                        <a:rPr lang="en-US" sz="1100" b="0" i="0" u="none" strike="noStrike">
+                          <a:solidFill>
+                            <a:srgbClr val="000000"/>
+                          </a:solidFill>
+                          <a:effectLst/>
+                          <a:latin typeface="Calibri" panose="020F0502020204030204" pitchFamily="34" charset="0"/>
+                        </a:rPr>
+                        <a:t>2.268E-01</a:t>
+                      </a:r>
+                    </a:p>
+                  </a:txBody>
+                  <a:tcPr marL="9525" marR="9525" marT="9525" marB="0" anchor="ctr">
+                    <a:lnL w="12700" cap="flat" cmpd="sng" algn="ctr">
+                      <a:solidFill>
+                        <a:srgbClr val="000000"/>
+                      </a:solidFill>
+                      <a:prstDash val="solid"/>
+                      <a:round/>
+                      <a:headEnd type="none" w="med" len="med"/>
+                      <a:tailEnd type="none" w="med" len="med"/>
+                    </a:lnL>
+                    <a:lnR w="6350" cap="flat" cmpd="sng" algn="ctr">
+                      <a:solidFill>
+                        <a:srgbClr val="000000"/>
+                      </a:solidFill>
+                      <a:prstDash val="solid"/>
+                      <a:round/>
+                      <a:headEnd type="none" w="med" len="med"/>
+                      <a:tailEnd type="none" w="med" len="med"/>
+                    </a:lnR>
+                    <a:lnT w="6350" cap="flat" cmpd="sng" algn="ctr">
+                      <a:solidFill>
+                        <a:srgbClr val="000000"/>
+                      </a:solidFill>
+                      <a:prstDash val="solid"/>
+                      <a:round/>
+                      <a:headEnd type="none" w="med" len="med"/>
+                      <a:tailEnd type="none" w="med" len="med"/>
+                    </a:lnT>
+                    <a:lnB w="6350" cap="flat" cmpd="sng" algn="ctr">
+                      <a:solidFill>
+                        <a:srgbClr val="000000"/>
+                      </a:solidFill>
+                      <a:prstDash val="solid"/>
+                      <a:round/>
+                      <a:headEnd type="none" w="med" len="med"/>
+                      <a:tailEnd type="none" w="med" len="med"/>
+                    </a:lnB>
+                    <a:solidFill>
+                      <a:srgbClr val="BDD7EE"/>
+                    </a:solidFill>
+                  </a:tcPr>
+                </a:tc>
+                <a:tc>
+                  <a:txBody>
+                    <a:bodyPr/>
+                    <a:lstStyle/>
+                    <a:p>
+                      <a:pPr algn="ctr" fontAlgn="ctr"/>
+                      <a:r>
+                        <a:rPr lang="en-US" sz="1100" b="0" i="0" u="none" strike="noStrike">
+                          <a:solidFill>
+                            <a:srgbClr val="000000"/>
+                          </a:solidFill>
+                          <a:effectLst/>
+                          <a:latin typeface="Calibri" panose="020F0502020204030204" pitchFamily="34" charset="0"/>
+                        </a:rPr>
+                        <a:t>3.60E-04</a:t>
+                      </a:r>
+                    </a:p>
+                  </a:txBody>
+                  <a:tcPr marL="9525" marR="9525" marT="9525" marB="0" anchor="ctr">
+                    <a:lnL w="6350" cap="flat" cmpd="sng" algn="ctr">
+                      <a:solidFill>
+                        <a:srgbClr val="000000"/>
+                      </a:solidFill>
+                      <a:prstDash val="solid"/>
+                      <a:round/>
+                      <a:headEnd type="none" w="med" len="med"/>
+                      <a:tailEnd type="none" w="med" len="med"/>
+                    </a:lnL>
+                    <a:lnR w="12700" cap="flat" cmpd="sng" algn="ctr">
+                      <a:solidFill>
+                        <a:srgbClr val="000000"/>
+                      </a:solidFill>
+                      <a:prstDash val="solid"/>
+                      <a:round/>
+                      <a:headEnd type="none" w="med" len="med"/>
+                      <a:tailEnd type="none" w="med" len="med"/>
+                    </a:lnR>
+                    <a:lnT w="6350" cap="flat" cmpd="sng" algn="ctr">
+                      <a:solidFill>
+                        <a:srgbClr val="000000"/>
+                      </a:solidFill>
+                      <a:prstDash val="solid"/>
+                      <a:round/>
+                      <a:headEnd type="none" w="med" len="med"/>
+                      <a:tailEnd type="none" w="med" len="med"/>
+                    </a:lnT>
+                    <a:lnB w="6350" cap="flat" cmpd="sng" algn="ctr">
+                      <a:solidFill>
+                        <a:srgbClr val="000000"/>
+                      </a:solidFill>
+                      <a:prstDash val="solid"/>
+                      <a:round/>
+                      <a:headEnd type="none" w="med" len="med"/>
+                      <a:tailEnd type="none" w="med" len="med"/>
+                    </a:lnB>
+                    <a:solidFill>
+                      <a:srgbClr val="BDD7EE"/>
+                    </a:solidFill>
+                  </a:tcPr>
+                </a:tc>
+                <a:tc>
+                  <a:txBody>
+                    <a:bodyPr/>
+                    <a:lstStyle/>
+                    <a:p>
+                      <a:pPr algn="ctr" fontAlgn="ctr"/>
+                      <a:r>
+                        <a:rPr lang="en-US" sz="1100" b="0" i="0" u="none" strike="noStrike">
+                          <a:solidFill>
+                            <a:srgbClr val="000000"/>
+                          </a:solidFill>
+                          <a:effectLst/>
+                          <a:latin typeface="Calibri" panose="020F0502020204030204" pitchFamily="34" charset="0"/>
+                        </a:rPr>
+                        <a:t>5.455E-01</a:t>
+                      </a:r>
+                    </a:p>
+                  </a:txBody>
+                  <a:tcPr marL="9525" marR="9525" marT="9525" marB="0" anchor="ctr">
+                    <a:lnL w="12700" cap="flat" cmpd="sng" algn="ctr">
+                      <a:solidFill>
+                        <a:srgbClr val="000000"/>
+                      </a:solidFill>
+                      <a:prstDash val="solid"/>
+                      <a:round/>
+                      <a:headEnd type="none" w="med" len="med"/>
+                      <a:tailEnd type="none" w="med" len="med"/>
+                    </a:lnL>
+                    <a:lnR w="6350" cap="flat" cmpd="sng" algn="ctr">
+                      <a:solidFill>
+                        <a:srgbClr val="000000"/>
+                      </a:solidFill>
+                      <a:prstDash val="solid"/>
+                      <a:round/>
+                      <a:headEnd type="none" w="med" len="med"/>
+                      <a:tailEnd type="none" w="med" len="med"/>
+                    </a:lnR>
+                    <a:lnT w="6350" cap="flat" cmpd="sng" algn="ctr">
+                      <a:solidFill>
+                        <a:srgbClr val="000000"/>
+                      </a:solidFill>
+                      <a:prstDash val="solid"/>
+                      <a:round/>
+                      <a:headEnd type="none" w="med" len="med"/>
+                      <a:tailEnd type="none" w="med" len="med"/>
+                    </a:lnT>
+                    <a:lnB w="6350" cap="flat" cmpd="sng" algn="ctr">
+                      <a:solidFill>
+                        <a:srgbClr val="000000"/>
+                      </a:solidFill>
+                      <a:prstDash val="solid"/>
+                      <a:round/>
+                      <a:headEnd type="none" w="med" len="med"/>
+                      <a:tailEnd type="none" w="med" len="med"/>
+                    </a:lnB>
+                    <a:solidFill>
+                      <a:srgbClr val="BDD7EE"/>
+                    </a:solidFill>
+                  </a:tcPr>
+                </a:tc>
+                <a:tc>
+                  <a:txBody>
+                    <a:bodyPr/>
+                    <a:lstStyle/>
+                    <a:p>
+                      <a:pPr algn="ctr" fontAlgn="ctr"/>
+                      <a:r>
+                        <a:rPr lang="en-US" sz="1100" b="0" i="0" u="none" strike="noStrike">
+                          <a:solidFill>
+                            <a:srgbClr val="000000"/>
+                          </a:solidFill>
+                          <a:effectLst/>
+                          <a:latin typeface="Calibri" panose="020F0502020204030204" pitchFamily="34" charset="0"/>
+                        </a:rPr>
+                        <a:t>6.30E-04</a:t>
+                      </a:r>
+                    </a:p>
+                  </a:txBody>
+                  <a:tcPr marL="9525" marR="9525" marT="9525" marB="0" anchor="ctr">
+                    <a:lnL w="6350" cap="flat" cmpd="sng" algn="ctr">
+                      <a:solidFill>
+                        <a:srgbClr val="000000"/>
+                      </a:solidFill>
+                      <a:prstDash val="solid"/>
+                      <a:round/>
+                      <a:headEnd type="none" w="med" len="med"/>
+                      <a:tailEnd type="none" w="med" len="med"/>
+                    </a:lnL>
+                    <a:lnR w="12700" cap="flat" cmpd="sng" algn="ctr">
+                      <a:solidFill>
+                        <a:srgbClr val="000000"/>
+                      </a:solidFill>
+                      <a:prstDash val="solid"/>
+                      <a:round/>
+                      <a:headEnd type="none" w="med" len="med"/>
+                      <a:tailEnd type="none" w="med" len="med"/>
+                    </a:lnR>
+                    <a:lnT w="6350" cap="flat" cmpd="sng" algn="ctr">
+                      <a:solidFill>
+                        <a:srgbClr val="000000"/>
+                      </a:solidFill>
+                      <a:prstDash val="solid"/>
+                      <a:round/>
+                      <a:headEnd type="none" w="med" len="med"/>
+                      <a:tailEnd type="none" w="med" len="med"/>
+                    </a:lnT>
+                    <a:lnB w="6350" cap="flat" cmpd="sng" algn="ctr">
+                      <a:solidFill>
+                        <a:srgbClr val="000000"/>
+                      </a:solidFill>
+                      <a:prstDash val="solid"/>
+                      <a:round/>
+                      <a:headEnd type="none" w="med" len="med"/>
+                      <a:tailEnd type="none" w="med" len="med"/>
+                    </a:lnB>
+                    <a:solidFill>
+                      <a:srgbClr val="BDD7EE"/>
+                    </a:solidFill>
+                  </a:tcPr>
+                </a:tc>
+                <a:tc>
+                  <a:txBody>
+                    <a:bodyPr/>
+                    <a:lstStyle/>
+                    <a:p>
+                      <a:pPr algn="r" fontAlgn="b"/>
+                      <a:r>
+                        <a:rPr lang="en-US" sz="1100" b="0" i="0" u="none" strike="noStrike">
+                          <a:solidFill>
+                            <a:srgbClr val="000000"/>
+                          </a:solidFill>
+                          <a:effectLst/>
+                          <a:latin typeface="Calibri" panose="020F0502020204030204" pitchFamily="34" charset="0"/>
+                        </a:rPr>
+                        <a:t>9.107E-01</a:t>
+                      </a:r>
+                    </a:p>
+                  </a:txBody>
+                  <a:tcPr marL="9525" marR="9525" marT="9525" marB="0" anchor="b">
+                    <a:lnL w="12700" cap="flat" cmpd="sng" algn="ctr">
+                      <a:solidFill>
+                        <a:srgbClr val="000000"/>
+                      </a:solidFill>
+                      <a:prstDash val="solid"/>
+                      <a:round/>
+                      <a:headEnd type="none" w="med" len="med"/>
+                      <a:tailEnd type="none" w="med" len="med"/>
+                    </a:lnL>
+                    <a:lnR w="6350" cap="flat" cmpd="sng" algn="ctr">
+                      <a:solidFill>
+                        <a:srgbClr val="000000"/>
+                      </a:solidFill>
+                      <a:prstDash val="solid"/>
+                      <a:round/>
+                      <a:headEnd type="none" w="med" len="med"/>
+                      <a:tailEnd type="none" w="med" len="med"/>
+                    </a:lnR>
+                    <a:lnT w="6350" cap="flat" cmpd="sng" algn="ctr">
+                      <a:solidFill>
+                        <a:srgbClr val="000000"/>
+                      </a:solidFill>
+                      <a:prstDash val="solid"/>
+                      <a:round/>
+                      <a:headEnd type="none" w="med" len="med"/>
+                      <a:tailEnd type="none" w="med" len="med"/>
+                    </a:lnT>
+                    <a:lnB w="6350" cap="flat" cmpd="sng" algn="ctr">
+                      <a:solidFill>
+                        <a:srgbClr val="000000"/>
+                      </a:solidFill>
+                      <a:prstDash val="solid"/>
+                      <a:round/>
+                      <a:headEnd type="none" w="med" len="med"/>
+                      <a:tailEnd type="none" w="med" len="med"/>
+                    </a:lnB>
+                    <a:solidFill>
+                      <a:srgbClr val="BDD7EE"/>
+                    </a:solidFill>
+                  </a:tcPr>
+                </a:tc>
+                <a:tc>
+                  <a:txBody>
+                    <a:bodyPr/>
+                    <a:lstStyle/>
+                    <a:p>
+                      <a:pPr algn="r" fontAlgn="b"/>
+                      <a:r>
+                        <a:rPr lang="en-US" sz="1100" b="0" i="0" u="none" strike="noStrike">
+                          <a:solidFill>
+                            <a:srgbClr val="000000"/>
+                          </a:solidFill>
+                          <a:effectLst/>
+                          <a:latin typeface="Calibri" panose="020F0502020204030204" pitchFamily="34" charset="0"/>
+                        </a:rPr>
+                        <a:t>3.94E-03</a:t>
+                      </a:r>
+                    </a:p>
+                  </a:txBody>
+                  <a:tcPr marL="9525" marR="9525" marT="9525" marB="0" anchor="b">
+                    <a:lnL w="6350" cap="flat" cmpd="sng" algn="ctr">
+                      <a:solidFill>
+                        <a:srgbClr val="000000"/>
+                      </a:solidFill>
+                      <a:prstDash val="solid"/>
+                      <a:round/>
+                      <a:headEnd type="none" w="med" len="med"/>
+                      <a:tailEnd type="none" w="med" len="med"/>
+                    </a:lnL>
+                    <a:lnR w="12700" cap="flat" cmpd="sng" algn="ctr">
+                      <a:solidFill>
+                        <a:srgbClr val="000000"/>
+                      </a:solidFill>
+                      <a:prstDash val="solid"/>
+                      <a:round/>
+                      <a:headEnd type="none" w="med" len="med"/>
+                      <a:tailEnd type="none" w="med" len="med"/>
+                    </a:lnR>
+                    <a:lnT w="6350" cap="flat" cmpd="sng" algn="ctr">
+                      <a:solidFill>
+                        <a:srgbClr val="000000"/>
+                      </a:solidFill>
+                      <a:prstDash val="solid"/>
+                      <a:round/>
+                      <a:headEnd type="none" w="med" len="med"/>
+                      <a:tailEnd type="none" w="med" len="med"/>
+                    </a:lnT>
+                    <a:lnB w="6350" cap="flat" cmpd="sng" algn="ctr">
+                      <a:solidFill>
+                        <a:srgbClr val="000000"/>
+                      </a:solidFill>
+                      <a:prstDash val="solid"/>
+                      <a:round/>
+                      <a:headEnd type="none" w="med" len="med"/>
+                      <a:tailEnd type="none" w="med" len="med"/>
+                    </a:lnB>
+                    <a:solidFill>
+                      <a:srgbClr val="BDD7EE"/>
+                    </a:solidFill>
+                  </a:tcPr>
+                </a:tc>
+                <a:tc>
+                  <a:txBody>
+                    <a:bodyPr/>
+                    <a:lstStyle/>
+                    <a:p>
+                      <a:pPr algn="ctr" fontAlgn="ctr"/>
+                      <a:r>
+                        <a:rPr lang="en-US" sz="1100" b="0" i="0" u="none" strike="noStrike">
+                          <a:solidFill>
+                            <a:srgbClr val="000000"/>
+                          </a:solidFill>
+                          <a:effectLst/>
+                          <a:latin typeface="Calibri" panose="020F0502020204030204" pitchFamily="34" charset="0"/>
+                        </a:rPr>
+                        <a:t>~</a:t>
+                      </a:r>
+                    </a:p>
+                  </a:txBody>
+                  <a:tcPr marL="9525" marR="9525" marT="9525" marB="0" anchor="ctr">
+                    <a:lnL w="12700" cap="flat" cmpd="sng" algn="ctr">
+                      <a:solidFill>
+                        <a:srgbClr val="000000"/>
+                      </a:solidFill>
+                      <a:prstDash val="solid"/>
+                      <a:round/>
+                      <a:headEnd type="none" w="med" len="med"/>
+                      <a:tailEnd type="none" w="med" len="med"/>
+                    </a:lnL>
+                    <a:lnR w="6350" cap="flat" cmpd="sng" algn="ctr">
+                      <a:solidFill>
+                        <a:srgbClr val="000000"/>
+                      </a:solidFill>
+                      <a:prstDash val="solid"/>
+                      <a:round/>
+                      <a:headEnd type="none" w="med" len="med"/>
+                      <a:tailEnd type="none" w="med" len="med"/>
+                    </a:lnR>
+                    <a:lnT w="6350" cap="flat" cmpd="sng" algn="ctr">
+                      <a:solidFill>
+                        <a:srgbClr val="000000"/>
+                      </a:solidFill>
+                      <a:prstDash val="solid"/>
+                      <a:round/>
+                      <a:headEnd type="none" w="med" len="med"/>
+                      <a:tailEnd type="none" w="med" len="med"/>
+                    </a:lnT>
+                    <a:lnB w="6350" cap="flat" cmpd="sng" algn="ctr">
+                      <a:solidFill>
+                        <a:srgbClr val="000000"/>
+                      </a:solidFill>
+                      <a:prstDash val="solid"/>
+                      <a:round/>
+                      <a:headEnd type="none" w="med" len="med"/>
+                      <a:tailEnd type="none" w="med" len="med"/>
+                    </a:lnB>
+                    <a:solidFill>
+                      <a:srgbClr val="00B0F0"/>
+                    </a:solidFill>
+                  </a:tcPr>
+                </a:tc>
+                <a:tc>
+                  <a:txBody>
+                    <a:bodyPr/>
+                    <a:lstStyle/>
+                    <a:p>
+                      <a:pPr algn="ctr" fontAlgn="ctr"/>
+                      <a:r>
+                        <a:rPr lang="en-US" sz="1100" b="0" i="0" u="none" strike="noStrike">
+                          <a:solidFill>
+                            <a:srgbClr val="000000"/>
+                          </a:solidFill>
+                          <a:effectLst/>
+                          <a:latin typeface="Calibri" panose="020F0502020204030204" pitchFamily="34" charset="0"/>
+                        </a:rPr>
+                        <a:t>~</a:t>
+                      </a:r>
+                    </a:p>
+                  </a:txBody>
+                  <a:tcPr marL="9525" marR="9525" marT="9525" marB="0" anchor="ctr">
+                    <a:lnL w="6350" cap="flat" cmpd="sng" algn="ctr">
+                      <a:solidFill>
+                        <a:srgbClr val="000000"/>
+                      </a:solidFill>
+                      <a:prstDash val="solid"/>
+                      <a:round/>
+                      <a:headEnd type="none" w="med" len="med"/>
+                      <a:tailEnd type="none" w="med" len="med"/>
+                    </a:lnL>
+                    <a:lnR w="6350" cap="flat" cmpd="sng" algn="ctr">
+                      <a:solidFill>
+                        <a:srgbClr val="000000"/>
+                      </a:solidFill>
+                      <a:prstDash val="solid"/>
+                      <a:round/>
+                      <a:headEnd type="none" w="med" len="med"/>
+                      <a:tailEnd type="none" w="med" len="med"/>
+                    </a:lnR>
+                    <a:lnT w="6350" cap="flat" cmpd="sng" algn="ctr">
+                      <a:solidFill>
+                        <a:srgbClr val="000000"/>
+                      </a:solidFill>
+                      <a:prstDash val="solid"/>
+                      <a:round/>
+                      <a:headEnd type="none" w="med" len="med"/>
+                      <a:tailEnd type="none" w="med" len="med"/>
+                    </a:lnT>
+                    <a:lnB w="6350" cap="flat" cmpd="sng" algn="ctr">
+                      <a:solidFill>
+                        <a:srgbClr val="000000"/>
+                      </a:solidFill>
+                      <a:prstDash val="solid"/>
+                      <a:round/>
+                      <a:headEnd type="none" w="med" len="med"/>
+                      <a:tailEnd type="none" w="med" len="med"/>
+                    </a:lnB>
+                    <a:solidFill>
+                      <a:srgbClr val="00B0F0"/>
+                    </a:solidFill>
+                  </a:tcPr>
+                </a:tc>
+                <a:tc>
+                  <a:txBody>
+                    <a:bodyPr/>
+                    <a:lstStyle/>
+                    <a:p>
+                      <a:pPr algn="ctr" fontAlgn="ctr"/>
+                      <a:r>
+                        <a:rPr lang="en-US" sz="1100" b="0" i="0" u="none" strike="noStrike">
+                          <a:solidFill>
+                            <a:srgbClr val="000000"/>
+                          </a:solidFill>
+                          <a:effectLst/>
+                          <a:latin typeface="Calibri" panose="020F0502020204030204" pitchFamily="34" charset="0"/>
+                        </a:rPr>
+                        <a:t>~</a:t>
+                      </a:r>
+                    </a:p>
+                  </a:txBody>
+                  <a:tcPr marL="9525" marR="9525" marT="9525" marB="0" anchor="ctr">
+                    <a:lnL w="6350" cap="flat" cmpd="sng" algn="ctr">
+                      <a:solidFill>
+                        <a:srgbClr val="000000"/>
+                      </a:solidFill>
+                      <a:prstDash val="solid"/>
+                      <a:round/>
+                      <a:headEnd type="none" w="med" len="med"/>
+                      <a:tailEnd type="none" w="med" len="med"/>
+                    </a:lnL>
+                    <a:lnR w="12700" cap="flat" cmpd="sng" algn="ctr">
+                      <a:solidFill>
+                        <a:srgbClr val="000000"/>
+                      </a:solidFill>
+                      <a:prstDash val="solid"/>
+                      <a:round/>
+                      <a:headEnd type="none" w="med" len="med"/>
+                      <a:tailEnd type="none" w="med" len="med"/>
+                    </a:lnR>
+                    <a:lnT w="6350" cap="flat" cmpd="sng" algn="ctr">
+                      <a:solidFill>
+                        <a:srgbClr val="000000"/>
+                      </a:solidFill>
+                      <a:prstDash val="solid"/>
+                      <a:round/>
+                      <a:headEnd type="none" w="med" len="med"/>
+                      <a:tailEnd type="none" w="med" len="med"/>
+                    </a:lnT>
+                    <a:lnB w="6350" cap="flat" cmpd="sng" algn="ctr">
+                      <a:solidFill>
+                        <a:srgbClr val="000000"/>
+                      </a:solidFill>
+                      <a:prstDash val="solid"/>
+                      <a:round/>
+                      <a:headEnd type="none" w="med" len="med"/>
+                      <a:tailEnd type="none" w="med" len="med"/>
+                    </a:lnB>
+                    <a:solidFill>
+                      <a:srgbClr val="00B0F0"/>
+                    </a:solidFill>
+                  </a:tcPr>
+                </a:tc>
+                <a:extLst>
+                  <a:ext uri="{0D108BD9-81ED-4DB2-BD59-A6C34878D82A}">
+                    <a16:rowId xmlns:a16="http://schemas.microsoft.com/office/drawing/2014/main" val="1513402187"/>
+                  </a:ext>
+                </a:extLst>
+              </a:tr>
+              <a:tr h="190500">
+                <a:tc>
+                  <a:txBody>
+                    <a:bodyPr/>
+                    <a:lstStyle/>
+                    <a:p>
+                      <a:pPr algn="ctr" fontAlgn="ctr"/>
+                      <a:r>
+                        <a:rPr lang="en-US" sz="1100" b="0" i="0" u="none" strike="noStrike">
+                          <a:solidFill>
+                            <a:srgbClr val="000000"/>
+                          </a:solidFill>
+                          <a:effectLst/>
+                          <a:latin typeface="Calibri" panose="020F0502020204030204" pitchFamily="34" charset="0"/>
+                        </a:rPr>
+                        <a:t>Medium_Random</a:t>
+                      </a:r>
+                    </a:p>
+                  </a:txBody>
+                  <a:tcPr marL="9525" marR="9525" marT="9525" marB="0" anchor="ctr">
+                    <a:lnL w="12700" cap="flat" cmpd="sng" algn="ctr">
+                      <a:solidFill>
+                        <a:srgbClr val="000000"/>
+                      </a:solidFill>
+                      <a:prstDash val="solid"/>
+                      <a:round/>
+                      <a:headEnd type="none" w="med" len="med"/>
+                      <a:tailEnd type="none" w="med" len="med"/>
+                    </a:lnL>
+                    <a:lnR w="12700" cap="flat" cmpd="sng" algn="ctr">
+                      <a:solidFill>
+                        <a:srgbClr val="000000"/>
+                      </a:solidFill>
+                      <a:prstDash val="solid"/>
+                      <a:round/>
+                      <a:headEnd type="none" w="med" len="med"/>
+                      <a:tailEnd type="none" w="med" len="med"/>
+                    </a:lnR>
+                    <a:lnT w="6350" cap="flat" cmpd="sng" algn="ctr">
+                      <a:solidFill>
+                        <a:srgbClr val="000000"/>
+                      </a:solidFill>
+                      <a:prstDash val="solid"/>
+                      <a:round/>
+                      <a:headEnd type="none" w="med" len="med"/>
+                      <a:tailEnd type="none" w="med" len="med"/>
+                    </a:lnT>
+                    <a:lnB w="6350" cap="flat" cmpd="sng" algn="ctr">
+                      <a:solidFill>
+                        <a:srgbClr val="000000"/>
+                      </a:solidFill>
+                      <a:prstDash val="solid"/>
+                      <a:round/>
+                      <a:headEnd type="none" w="med" len="med"/>
+                      <a:tailEnd type="none" w="med" len="med"/>
+                    </a:lnB>
+                    <a:solidFill>
+                      <a:srgbClr val="BDD7EE"/>
+                    </a:solidFill>
+                  </a:tcPr>
+                </a:tc>
+                <a:tc>
+                  <a:txBody>
+                    <a:bodyPr/>
+                    <a:lstStyle/>
+                    <a:p>
+                      <a:pPr algn="ctr" fontAlgn="ctr"/>
+                      <a:r>
+                        <a:rPr lang="en-US" sz="1100" b="0" i="0" u="none" strike="noStrike">
+                          <a:solidFill>
+                            <a:srgbClr val="000000"/>
+                          </a:solidFill>
+                          <a:effectLst/>
+                          <a:latin typeface="Calibri" panose="020F0502020204030204" pitchFamily="34" charset="0"/>
+                        </a:rPr>
+                        <a:t>2.102E-01</a:t>
+                      </a:r>
+                    </a:p>
+                  </a:txBody>
+                  <a:tcPr marL="9525" marR="9525" marT="9525" marB="0" anchor="ctr">
+                    <a:lnL w="12700" cap="flat" cmpd="sng" algn="ctr">
+                      <a:solidFill>
+                        <a:srgbClr val="000000"/>
+                      </a:solidFill>
+                      <a:prstDash val="solid"/>
+                      <a:round/>
+                      <a:headEnd type="none" w="med" len="med"/>
+                      <a:tailEnd type="none" w="med" len="med"/>
+                    </a:lnL>
+                    <a:lnR w="6350" cap="flat" cmpd="sng" algn="ctr">
+                      <a:solidFill>
+                        <a:srgbClr val="000000"/>
+                      </a:solidFill>
+                      <a:prstDash val="solid"/>
+                      <a:round/>
+                      <a:headEnd type="none" w="med" len="med"/>
+                      <a:tailEnd type="none" w="med" len="med"/>
+                    </a:lnR>
+                    <a:lnT w="6350" cap="flat" cmpd="sng" algn="ctr">
+                      <a:solidFill>
+                        <a:srgbClr val="000000"/>
+                      </a:solidFill>
+                      <a:prstDash val="solid"/>
+                      <a:round/>
+                      <a:headEnd type="none" w="med" len="med"/>
+                      <a:tailEnd type="none" w="med" len="med"/>
+                    </a:lnT>
+                    <a:lnB w="6350" cap="flat" cmpd="sng" algn="ctr">
+                      <a:solidFill>
+                        <a:srgbClr val="000000"/>
+                      </a:solidFill>
+                      <a:prstDash val="solid"/>
+                      <a:round/>
+                      <a:headEnd type="none" w="med" len="med"/>
+                      <a:tailEnd type="none" w="med" len="med"/>
+                    </a:lnB>
+                    <a:solidFill>
+                      <a:srgbClr val="BDD7EE"/>
+                    </a:solidFill>
+                  </a:tcPr>
+                </a:tc>
+                <a:tc>
+                  <a:txBody>
+                    <a:bodyPr/>
+                    <a:lstStyle/>
+                    <a:p>
+                      <a:pPr algn="ctr" fontAlgn="ctr"/>
+                      <a:r>
+                        <a:rPr lang="en-US" sz="1100" b="0" i="0" u="none" strike="noStrike">
+                          <a:solidFill>
+                            <a:srgbClr val="000000"/>
+                          </a:solidFill>
+                          <a:effectLst/>
+                          <a:latin typeface="Calibri" panose="020F0502020204030204" pitchFamily="34" charset="0"/>
+                        </a:rPr>
+                        <a:t>3.40E-04</a:t>
+                      </a:r>
+                    </a:p>
+                  </a:txBody>
+                  <a:tcPr marL="9525" marR="9525" marT="9525" marB="0" anchor="ctr">
+                    <a:lnL w="6350" cap="flat" cmpd="sng" algn="ctr">
+                      <a:solidFill>
+                        <a:srgbClr val="000000"/>
+                      </a:solidFill>
+                      <a:prstDash val="solid"/>
+                      <a:round/>
+                      <a:headEnd type="none" w="med" len="med"/>
+                      <a:tailEnd type="none" w="med" len="med"/>
+                    </a:lnL>
+                    <a:lnR w="12700" cap="flat" cmpd="sng" algn="ctr">
+                      <a:solidFill>
+                        <a:srgbClr val="000000"/>
+                      </a:solidFill>
+                      <a:prstDash val="solid"/>
+                      <a:round/>
+                      <a:headEnd type="none" w="med" len="med"/>
+                      <a:tailEnd type="none" w="med" len="med"/>
+                    </a:lnR>
+                    <a:lnT w="6350" cap="flat" cmpd="sng" algn="ctr">
+                      <a:solidFill>
+                        <a:srgbClr val="000000"/>
+                      </a:solidFill>
+                      <a:prstDash val="solid"/>
+                      <a:round/>
+                      <a:headEnd type="none" w="med" len="med"/>
+                      <a:tailEnd type="none" w="med" len="med"/>
+                    </a:lnT>
+                    <a:lnB w="6350" cap="flat" cmpd="sng" algn="ctr">
+                      <a:solidFill>
+                        <a:srgbClr val="000000"/>
+                      </a:solidFill>
+                      <a:prstDash val="solid"/>
+                      <a:round/>
+                      <a:headEnd type="none" w="med" len="med"/>
+                      <a:tailEnd type="none" w="med" len="med"/>
+                    </a:lnB>
+                    <a:solidFill>
+                      <a:srgbClr val="BDD7EE"/>
+                    </a:solidFill>
+                  </a:tcPr>
+                </a:tc>
+                <a:tc>
+                  <a:txBody>
+                    <a:bodyPr/>
+                    <a:lstStyle/>
+                    <a:p>
+                      <a:pPr algn="ctr" fontAlgn="ctr"/>
+                      <a:r>
+                        <a:rPr lang="en-US" sz="1100" b="0" i="0" u="none" strike="noStrike">
+                          <a:solidFill>
+                            <a:srgbClr val="000000"/>
+                          </a:solidFill>
+                          <a:effectLst/>
+                          <a:latin typeface="Calibri" panose="020F0502020204030204" pitchFamily="34" charset="0"/>
+                        </a:rPr>
+                        <a:t>5.710E-01</a:t>
+                      </a:r>
+                    </a:p>
+                  </a:txBody>
+                  <a:tcPr marL="9525" marR="9525" marT="9525" marB="0" anchor="ctr">
+                    <a:lnL w="12700" cap="flat" cmpd="sng" algn="ctr">
+                      <a:solidFill>
+                        <a:srgbClr val="000000"/>
+                      </a:solidFill>
+                      <a:prstDash val="solid"/>
+                      <a:round/>
+                      <a:headEnd type="none" w="med" len="med"/>
+                      <a:tailEnd type="none" w="med" len="med"/>
+                    </a:lnL>
+                    <a:lnR w="6350" cap="flat" cmpd="sng" algn="ctr">
+                      <a:solidFill>
+                        <a:srgbClr val="000000"/>
+                      </a:solidFill>
+                      <a:prstDash val="solid"/>
+                      <a:round/>
+                      <a:headEnd type="none" w="med" len="med"/>
+                      <a:tailEnd type="none" w="med" len="med"/>
+                    </a:lnR>
+                    <a:lnT w="6350" cap="flat" cmpd="sng" algn="ctr">
+                      <a:solidFill>
+                        <a:srgbClr val="000000"/>
+                      </a:solidFill>
+                      <a:prstDash val="solid"/>
+                      <a:round/>
+                      <a:headEnd type="none" w="med" len="med"/>
+                      <a:tailEnd type="none" w="med" len="med"/>
+                    </a:lnT>
+                    <a:lnB w="6350" cap="flat" cmpd="sng" algn="ctr">
+                      <a:solidFill>
+                        <a:srgbClr val="000000"/>
+                      </a:solidFill>
+                      <a:prstDash val="solid"/>
+                      <a:round/>
+                      <a:headEnd type="none" w="med" len="med"/>
+                      <a:tailEnd type="none" w="med" len="med"/>
+                    </a:lnB>
+                    <a:solidFill>
+                      <a:srgbClr val="BDD7EE"/>
+                    </a:solidFill>
+                  </a:tcPr>
+                </a:tc>
+                <a:tc>
+                  <a:txBody>
+                    <a:bodyPr/>
+                    <a:lstStyle/>
+                    <a:p>
+                      <a:pPr algn="ctr" fontAlgn="ctr"/>
+                      <a:r>
+                        <a:rPr lang="en-US" sz="1100" b="0" i="0" u="none" strike="noStrike">
+                          <a:solidFill>
+                            <a:srgbClr val="000000"/>
+                          </a:solidFill>
+                          <a:effectLst/>
+                          <a:latin typeface="Calibri" panose="020F0502020204030204" pitchFamily="34" charset="0"/>
+                        </a:rPr>
+                        <a:t>7.20E-04</a:t>
+                      </a:r>
+                    </a:p>
+                  </a:txBody>
+                  <a:tcPr marL="9525" marR="9525" marT="9525" marB="0" anchor="ctr">
+                    <a:lnL w="6350" cap="flat" cmpd="sng" algn="ctr">
+                      <a:solidFill>
+                        <a:srgbClr val="000000"/>
+                      </a:solidFill>
+                      <a:prstDash val="solid"/>
+                      <a:round/>
+                      <a:headEnd type="none" w="med" len="med"/>
+                      <a:tailEnd type="none" w="med" len="med"/>
+                    </a:lnL>
+                    <a:lnR w="12700" cap="flat" cmpd="sng" algn="ctr">
+                      <a:solidFill>
+                        <a:srgbClr val="000000"/>
+                      </a:solidFill>
+                      <a:prstDash val="solid"/>
+                      <a:round/>
+                      <a:headEnd type="none" w="med" len="med"/>
+                      <a:tailEnd type="none" w="med" len="med"/>
+                    </a:lnR>
+                    <a:lnT w="6350" cap="flat" cmpd="sng" algn="ctr">
+                      <a:solidFill>
+                        <a:srgbClr val="000000"/>
+                      </a:solidFill>
+                      <a:prstDash val="solid"/>
+                      <a:round/>
+                      <a:headEnd type="none" w="med" len="med"/>
+                      <a:tailEnd type="none" w="med" len="med"/>
+                    </a:lnT>
+                    <a:lnB w="6350" cap="flat" cmpd="sng" algn="ctr">
+                      <a:solidFill>
+                        <a:srgbClr val="000000"/>
+                      </a:solidFill>
+                      <a:prstDash val="solid"/>
+                      <a:round/>
+                      <a:headEnd type="none" w="med" len="med"/>
+                      <a:tailEnd type="none" w="med" len="med"/>
+                    </a:lnB>
+                    <a:solidFill>
+                      <a:srgbClr val="BDD7EE"/>
+                    </a:solidFill>
+                  </a:tcPr>
+                </a:tc>
+                <a:tc>
+                  <a:txBody>
+                    <a:bodyPr/>
+                    <a:lstStyle/>
+                    <a:p>
+                      <a:pPr algn="r" fontAlgn="b"/>
+                      <a:r>
+                        <a:rPr lang="en-US" sz="1100" b="0" i="0" u="none" strike="noStrike">
+                          <a:solidFill>
+                            <a:srgbClr val="000000"/>
+                          </a:solidFill>
+                          <a:effectLst/>
+                          <a:latin typeface="Calibri" panose="020F0502020204030204" pitchFamily="34" charset="0"/>
+                        </a:rPr>
+                        <a:t>9.148E-01</a:t>
+                      </a:r>
+                    </a:p>
+                  </a:txBody>
+                  <a:tcPr marL="9525" marR="9525" marT="9525" marB="0" anchor="b">
+                    <a:lnL w="12700" cap="flat" cmpd="sng" algn="ctr">
+                      <a:solidFill>
+                        <a:srgbClr val="000000"/>
+                      </a:solidFill>
+                      <a:prstDash val="solid"/>
+                      <a:round/>
+                      <a:headEnd type="none" w="med" len="med"/>
+                      <a:tailEnd type="none" w="med" len="med"/>
+                    </a:lnL>
+                    <a:lnR w="6350" cap="flat" cmpd="sng" algn="ctr">
+                      <a:solidFill>
+                        <a:srgbClr val="000000"/>
+                      </a:solidFill>
+                      <a:prstDash val="solid"/>
+                      <a:round/>
+                      <a:headEnd type="none" w="med" len="med"/>
+                      <a:tailEnd type="none" w="med" len="med"/>
+                    </a:lnR>
+                    <a:lnT w="6350" cap="flat" cmpd="sng" algn="ctr">
+                      <a:solidFill>
+                        <a:srgbClr val="000000"/>
+                      </a:solidFill>
+                      <a:prstDash val="solid"/>
+                      <a:round/>
+                      <a:headEnd type="none" w="med" len="med"/>
+                      <a:tailEnd type="none" w="med" len="med"/>
+                    </a:lnT>
+                    <a:lnB w="6350" cap="flat" cmpd="sng" algn="ctr">
+                      <a:solidFill>
+                        <a:srgbClr val="000000"/>
+                      </a:solidFill>
+                      <a:prstDash val="solid"/>
+                      <a:round/>
+                      <a:headEnd type="none" w="med" len="med"/>
+                      <a:tailEnd type="none" w="med" len="med"/>
+                    </a:lnB>
+                    <a:solidFill>
+                      <a:srgbClr val="BDD7EE"/>
+                    </a:solidFill>
+                  </a:tcPr>
+                </a:tc>
+                <a:tc>
+                  <a:txBody>
+                    <a:bodyPr/>
+                    <a:lstStyle/>
+                    <a:p>
+                      <a:pPr algn="r" fontAlgn="b"/>
+                      <a:r>
+                        <a:rPr lang="en-US" sz="1100" b="0" i="0" u="none" strike="noStrike">
+                          <a:solidFill>
+                            <a:srgbClr val="000000"/>
+                          </a:solidFill>
+                          <a:effectLst/>
+                          <a:latin typeface="Calibri" panose="020F0502020204030204" pitchFamily="34" charset="0"/>
+                        </a:rPr>
+                        <a:t>9.39E-03</a:t>
+                      </a:r>
+                    </a:p>
+                  </a:txBody>
+                  <a:tcPr marL="9525" marR="9525" marT="9525" marB="0" anchor="b">
+                    <a:lnL w="6350" cap="flat" cmpd="sng" algn="ctr">
+                      <a:solidFill>
+                        <a:srgbClr val="000000"/>
+                      </a:solidFill>
+                      <a:prstDash val="solid"/>
+                      <a:round/>
+                      <a:headEnd type="none" w="med" len="med"/>
+                      <a:tailEnd type="none" w="med" len="med"/>
+                    </a:lnL>
+                    <a:lnR w="12700" cap="flat" cmpd="sng" algn="ctr">
+                      <a:solidFill>
+                        <a:srgbClr val="000000"/>
+                      </a:solidFill>
+                      <a:prstDash val="solid"/>
+                      <a:round/>
+                      <a:headEnd type="none" w="med" len="med"/>
+                      <a:tailEnd type="none" w="med" len="med"/>
+                    </a:lnR>
+                    <a:lnT w="6350" cap="flat" cmpd="sng" algn="ctr">
+                      <a:solidFill>
+                        <a:srgbClr val="000000"/>
+                      </a:solidFill>
+                      <a:prstDash val="solid"/>
+                      <a:round/>
+                      <a:headEnd type="none" w="med" len="med"/>
+                      <a:tailEnd type="none" w="med" len="med"/>
+                    </a:lnT>
+                    <a:lnB w="6350" cap="flat" cmpd="sng" algn="ctr">
+                      <a:solidFill>
+                        <a:srgbClr val="000000"/>
+                      </a:solidFill>
+                      <a:prstDash val="solid"/>
+                      <a:round/>
+                      <a:headEnd type="none" w="med" len="med"/>
+                      <a:tailEnd type="none" w="med" len="med"/>
+                    </a:lnB>
+                    <a:solidFill>
+                      <a:srgbClr val="BDD7EE"/>
+                    </a:solidFill>
+                  </a:tcPr>
+                </a:tc>
+                <a:tc>
+                  <a:txBody>
+                    <a:bodyPr/>
+                    <a:lstStyle/>
+                    <a:p>
+                      <a:pPr algn="ctr" fontAlgn="ctr"/>
+                      <a:r>
+                        <a:rPr lang="en-US" sz="1100" b="0" i="0" u="none" strike="noStrike">
+                          <a:solidFill>
+                            <a:srgbClr val="000000"/>
+                          </a:solidFill>
+                          <a:effectLst/>
+                          <a:latin typeface="Calibri" panose="020F0502020204030204" pitchFamily="34" charset="0"/>
+                        </a:rPr>
+                        <a:t>-</a:t>
+                      </a:r>
+                    </a:p>
+                  </a:txBody>
+                  <a:tcPr marL="9525" marR="9525" marT="9525" marB="0" anchor="ctr">
+                    <a:lnL w="12700" cap="flat" cmpd="sng" algn="ctr">
+                      <a:solidFill>
+                        <a:srgbClr val="000000"/>
+                      </a:solidFill>
+                      <a:prstDash val="solid"/>
+                      <a:round/>
+                      <a:headEnd type="none" w="med" len="med"/>
+                      <a:tailEnd type="none" w="med" len="med"/>
+                    </a:lnL>
+                    <a:lnR w="6350" cap="flat" cmpd="sng" algn="ctr">
+                      <a:solidFill>
+                        <a:srgbClr val="000000"/>
+                      </a:solidFill>
+                      <a:prstDash val="solid"/>
+                      <a:round/>
+                      <a:headEnd type="none" w="med" len="med"/>
+                      <a:tailEnd type="none" w="med" len="med"/>
+                    </a:lnR>
+                    <a:lnT w="6350" cap="flat" cmpd="sng" algn="ctr">
+                      <a:solidFill>
+                        <a:srgbClr val="000000"/>
+                      </a:solidFill>
+                      <a:prstDash val="solid"/>
+                      <a:round/>
+                      <a:headEnd type="none" w="med" len="med"/>
+                      <a:tailEnd type="none" w="med" len="med"/>
+                    </a:lnT>
+                    <a:lnB w="6350" cap="flat" cmpd="sng" algn="ctr">
+                      <a:solidFill>
+                        <a:srgbClr val="000000"/>
+                      </a:solidFill>
+                      <a:prstDash val="solid"/>
+                      <a:round/>
+                      <a:headEnd type="none" w="med" len="med"/>
+                      <a:tailEnd type="none" w="med" len="med"/>
+                    </a:lnB>
+                    <a:solidFill>
+                      <a:srgbClr val="FF0000"/>
+                    </a:solidFill>
+                  </a:tcPr>
+                </a:tc>
+                <a:tc>
+                  <a:txBody>
+                    <a:bodyPr/>
+                    <a:lstStyle/>
+                    <a:p>
+                      <a:pPr algn="ctr" fontAlgn="ctr"/>
+                      <a:r>
+                        <a:rPr lang="en-US" sz="1100" b="0" i="0" u="none" strike="noStrike">
+                          <a:solidFill>
+                            <a:srgbClr val="000000"/>
+                          </a:solidFill>
+                          <a:effectLst/>
+                          <a:latin typeface="Calibri" panose="020F0502020204030204" pitchFamily="34" charset="0"/>
+                        </a:rPr>
+                        <a:t>-</a:t>
+                      </a:r>
+                    </a:p>
+                  </a:txBody>
+                  <a:tcPr marL="9525" marR="9525" marT="9525" marB="0" anchor="ctr">
+                    <a:lnL w="6350" cap="flat" cmpd="sng" algn="ctr">
+                      <a:solidFill>
+                        <a:srgbClr val="000000"/>
+                      </a:solidFill>
+                      <a:prstDash val="solid"/>
+                      <a:round/>
+                      <a:headEnd type="none" w="med" len="med"/>
+                      <a:tailEnd type="none" w="med" len="med"/>
+                    </a:lnL>
+                    <a:lnR w="6350" cap="flat" cmpd="sng" algn="ctr">
+                      <a:solidFill>
+                        <a:srgbClr val="000000"/>
+                      </a:solidFill>
+                      <a:prstDash val="solid"/>
+                      <a:round/>
+                      <a:headEnd type="none" w="med" len="med"/>
+                      <a:tailEnd type="none" w="med" len="med"/>
+                    </a:lnR>
+                    <a:lnT w="6350" cap="flat" cmpd="sng" algn="ctr">
+                      <a:solidFill>
+                        <a:srgbClr val="000000"/>
+                      </a:solidFill>
+                      <a:prstDash val="solid"/>
+                      <a:round/>
+                      <a:headEnd type="none" w="med" len="med"/>
+                      <a:tailEnd type="none" w="med" len="med"/>
+                    </a:lnT>
+                    <a:lnB w="6350" cap="flat" cmpd="sng" algn="ctr">
+                      <a:solidFill>
+                        <a:srgbClr val="000000"/>
+                      </a:solidFill>
+                      <a:prstDash val="solid"/>
+                      <a:round/>
+                      <a:headEnd type="none" w="med" len="med"/>
+                      <a:tailEnd type="none" w="med" len="med"/>
+                    </a:lnB>
+                    <a:solidFill>
+                      <a:srgbClr val="FF0000"/>
+                    </a:solidFill>
+                  </a:tcPr>
+                </a:tc>
+                <a:tc>
+                  <a:txBody>
+                    <a:bodyPr/>
+                    <a:lstStyle/>
+                    <a:p>
+                      <a:pPr algn="ctr" fontAlgn="ctr"/>
+                      <a:r>
+                        <a:rPr lang="en-US" sz="1100" b="0" i="0" u="none" strike="noStrike">
+                          <a:solidFill>
+                            <a:srgbClr val="000000"/>
+                          </a:solidFill>
+                          <a:effectLst/>
+                          <a:latin typeface="Calibri" panose="020F0502020204030204" pitchFamily="34" charset="0"/>
+                        </a:rPr>
+                        <a:t>~</a:t>
+                      </a:r>
+                    </a:p>
+                  </a:txBody>
+                  <a:tcPr marL="9525" marR="9525" marT="9525" marB="0" anchor="ctr">
+                    <a:lnL w="6350" cap="flat" cmpd="sng" algn="ctr">
+                      <a:solidFill>
+                        <a:srgbClr val="000000"/>
+                      </a:solidFill>
+                      <a:prstDash val="solid"/>
+                      <a:round/>
+                      <a:headEnd type="none" w="med" len="med"/>
+                      <a:tailEnd type="none" w="med" len="med"/>
+                    </a:lnL>
+                    <a:lnR w="12700" cap="flat" cmpd="sng" algn="ctr">
+                      <a:solidFill>
+                        <a:srgbClr val="000000"/>
+                      </a:solidFill>
+                      <a:prstDash val="solid"/>
+                      <a:round/>
+                      <a:headEnd type="none" w="med" len="med"/>
+                      <a:tailEnd type="none" w="med" len="med"/>
+                    </a:lnR>
+                    <a:lnT w="6350" cap="flat" cmpd="sng" algn="ctr">
+                      <a:solidFill>
+                        <a:srgbClr val="000000"/>
+                      </a:solidFill>
+                      <a:prstDash val="solid"/>
+                      <a:round/>
+                      <a:headEnd type="none" w="med" len="med"/>
+                      <a:tailEnd type="none" w="med" len="med"/>
+                    </a:lnT>
+                    <a:lnB w="6350" cap="flat" cmpd="sng" algn="ctr">
+                      <a:solidFill>
+                        <a:srgbClr val="000000"/>
+                      </a:solidFill>
+                      <a:prstDash val="solid"/>
+                      <a:round/>
+                      <a:headEnd type="none" w="med" len="med"/>
+                      <a:tailEnd type="none" w="med" len="med"/>
+                    </a:lnB>
+                    <a:solidFill>
+                      <a:srgbClr val="00B0F0"/>
+                    </a:solidFill>
+                  </a:tcPr>
+                </a:tc>
+                <a:extLst>
+                  <a:ext uri="{0D108BD9-81ED-4DB2-BD59-A6C34878D82A}">
+                    <a16:rowId xmlns:a16="http://schemas.microsoft.com/office/drawing/2014/main" val="2014564493"/>
+                  </a:ext>
+                </a:extLst>
+              </a:tr>
+              <a:tr h="190500">
+                <a:tc>
+                  <a:txBody>
+                    <a:bodyPr/>
+                    <a:lstStyle/>
+                    <a:p>
+                      <a:pPr algn="ctr" fontAlgn="ctr"/>
+                      <a:r>
+                        <a:rPr lang="en-US" sz="1100" b="0" i="0" u="none" strike="noStrike">
+                          <a:solidFill>
+                            <a:srgbClr val="000000"/>
+                          </a:solidFill>
+                          <a:effectLst/>
+                          <a:latin typeface="Calibri" panose="020F0502020204030204" pitchFamily="34" charset="0"/>
+                        </a:rPr>
+                        <a:t>Medium_Combine</a:t>
+                      </a:r>
+                    </a:p>
+                  </a:txBody>
+                  <a:tcPr marL="9525" marR="9525" marT="9525" marB="0" anchor="ctr">
+                    <a:lnL w="12700" cap="flat" cmpd="sng" algn="ctr">
+                      <a:solidFill>
+                        <a:srgbClr val="000000"/>
+                      </a:solidFill>
+                      <a:prstDash val="solid"/>
+                      <a:round/>
+                      <a:headEnd type="none" w="med" len="med"/>
+                      <a:tailEnd type="none" w="med" len="med"/>
+                    </a:lnL>
+                    <a:lnR w="12700" cap="flat" cmpd="sng" algn="ctr">
+                      <a:solidFill>
+                        <a:srgbClr val="000000"/>
+                      </a:solidFill>
+                      <a:prstDash val="solid"/>
+                      <a:round/>
+                      <a:headEnd type="none" w="med" len="med"/>
+                      <a:tailEnd type="none" w="med" len="med"/>
+                    </a:lnR>
+                    <a:lnT w="6350" cap="flat" cmpd="sng" algn="ctr">
+                      <a:solidFill>
+                        <a:srgbClr val="000000"/>
+                      </a:solidFill>
+                      <a:prstDash val="solid"/>
+                      <a:round/>
+                      <a:headEnd type="none" w="med" len="med"/>
+                      <a:tailEnd type="none" w="med" len="med"/>
+                    </a:lnT>
+                    <a:lnB w="6350" cap="flat" cmpd="sng" algn="ctr">
+                      <a:solidFill>
+                        <a:srgbClr val="000000"/>
+                      </a:solidFill>
+                      <a:prstDash val="solid"/>
+                      <a:round/>
+                      <a:headEnd type="none" w="med" len="med"/>
+                      <a:tailEnd type="none" w="med" len="med"/>
+                    </a:lnB>
+                    <a:solidFill>
+                      <a:srgbClr val="BDD7EE"/>
+                    </a:solidFill>
+                  </a:tcPr>
+                </a:tc>
+                <a:tc>
+                  <a:txBody>
+                    <a:bodyPr/>
+                    <a:lstStyle/>
+                    <a:p>
+                      <a:pPr algn="ctr" fontAlgn="ctr"/>
+                      <a:r>
+                        <a:rPr lang="en-US" sz="1100" b="0" i="0" u="none" strike="noStrike">
+                          <a:solidFill>
+                            <a:srgbClr val="000000"/>
+                          </a:solidFill>
+                          <a:effectLst/>
+                          <a:latin typeface="Calibri" panose="020F0502020204030204" pitchFamily="34" charset="0"/>
+                        </a:rPr>
+                        <a:t>2.207E-01</a:t>
+                      </a:r>
+                    </a:p>
+                  </a:txBody>
+                  <a:tcPr marL="9525" marR="9525" marT="9525" marB="0" anchor="ctr">
+                    <a:lnL w="12700" cap="flat" cmpd="sng" algn="ctr">
+                      <a:solidFill>
+                        <a:srgbClr val="000000"/>
+                      </a:solidFill>
+                      <a:prstDash val="solid"/>
+                      <a:round/>
+                      <a:headEnd type="none" w="med" len="med"/>
+                      <a:tailEnd type="none" w="med" len="med"/>
+                    </a:lnL>
+                    <a:lnR w="6350" cap="flat" cmpd="sng" algn="ctr">
+                      <a:solidFill>
+                        <a:srgbClr val="000000"/>
+                      </a:solidFill>
+                      <a:prstDash val="solid"/>
+                      <a:round/>
+                      <a:headEnd type="none" w="med" len="med"/>
+                      <a:tailEnd type="none" w="med" len="med"/>
+                    </a:lnR>
+                    <a:lnT w="6350" cap="flat" cmpd="sng" algn="ctr">
+                      <a:solidFill>
+                        <a:srgbClr val="000000"/>
+                      </a:solidFill>
+                      <a:prstDash val="solid"/>
+                      <a:round/>
+                      <a:headEnd type="none" w="med" len="med"/>
+                      <a:tailEnd type="none" w="med" len="med"/>
+                    </a:lnT>
+                    <a:lnB w="6350" cap="flat" cmpd="sng" algn="ctr">
+                      <a:solidFill>
+                        <a:srgbClr val="000000"/>
+                      </a:solidFill>
+                      <a:prstDash val="solid"/>
+                      <a:round/>
+                      <a:headEnd type="none" w="med" len="med"/>
+                      <a:tailEnd type="none" w="med" len="med"/>
+                    </a:lnB>
+                    <a:solidFill>
+                      <a:srgbClr val="BDD7EE"/>
+                    </a:solidFill>
+                  </a:tcPr>
+                </a:tc>
+                <a:tc>
+                  <a:txBody>
+                    <a:bodyPr/>
+                    <a:lstStyle/>
+                    <a:p>
+                      <a:pPr algn="ctr" fontAlgn="ctr"/>
+                      <a:r>
+                        <a:rPr lang="en-US" sz="1100" b="0" i="0" u="none" strike="noStrike">
+                          <a:solidFill>
+                            <a:srgbClr val="000000"/>
+                          </a:solidFill>
+                          <a:effectLst/>
+                          <a:latin typeface="Calibri" panose="020F0502020204030204" pitchFamily="34" charset="0"/>
+                        </a:rPr>
+                        <a:t>2.70E-04</a:t>
+                      </a:r>
+                    </a:p>
+                  </a:txBody>
+                  <a:tcPr marL="9525" marR="9525" marT="9525" marB="0" anchor="ctr">
+                    <a:lnL w="6350" cap="flat" cmpd="sng" algn="ctr">
+                      <a:solidFill>
+                        <a:srgbClr val="000000"/>
+                      </a:solidFill>
+                      <a:prstDash val="solid"/>
+                      <a:round/>
+                      <a:headEnd type="none" w="med" len="med"/>
+                      <a:tailEnd type="none" w="med" len="med"/>
+                    </a:lnL>
+                    <a:lnR w="12700" cap="flat" cmpd="sng" algn="ctr">
+                      <a:solidFill>
+                        <a:srgbClr val="000000"/>
+                      </a:solidFill>
+                      <a:prstDash val="solid"/>
+                      <a:round/>
+                      <a:headEnd type="none" w="med" len="med"/>
+                      <a:tailEnd type="none" w="med" len="med"/>
+                    </a:lnR>
+                    <a:lnT w="6350" cap="flat" cmpd="sng" algn="ctr">
+                      <a:solidFill>
+                        <a:srgbClr val="000000"/>
+                      </a:solidFill>
+                      <a:prstDash val="solid"/>
+                      <a:round/>
+                      <a:headEnd type="none" w="med" len="med"/>
+                      <a:tailEnd type="none" w="med" len="med"/>
+                    </a:lnT>
+                    <a:lnB w="6350" cap="flat" cmpd="sng" algn="ctr">
+                      <a:solidFill>
+                        <a:srgbClr val="000000"/>
+                      </a:solidFill>
+                      <a:prstDash val="solid"/>
+                      <a:round/>
+                      <a:headEnd type="none" w="med" len="med"/>
+                      <a:tailEnd type="none" w="med" len="med"/>
+                    </a:lnB>
+                    <a:solidFill>
+                      <a:srgbClr val="BDD7EE"/>
+                    </a:solidFill>
+                  </a:tcPr>
+                </a:tc>
+                <a:tc>
+                  <a:txBody>
+                    <a:bodyPr/>
+                    <a:lstStyle/>
+                    <a:p>
+                      <a:pPr algn="ctr" fontAlgn="ctr"/>
+                      <a:r>
+                        <a:rPr lang="en-US" sz="1100" b="0" i="0" u="none" strike="noStrike">
+                          <a:solidFill>
+                            <a:srgbClr val="000000"/>
+                          </a:solidFill>
+                          <a:effectLst/>
+                          <a:latin typeface="Calibri" panose="020F0502020204030204" pitchFamily="34" charset="0"/>
+                        </a:rPr>
+                        <a:t>5.575E-01</a:t>
+                      </a:r>
+                    </a:p>
+                  </a:txBody>
+                  <a:tcPr marL="9525" marR="9525" marT="9525" marB="0" anchor="ctr">
+                    <a:lnL w="12700" cap="flat" cmpd="sng" algn="ctr">
+                      <a:solidFill>
+                        <a:srgbClr val="000000"/>
+                      </a:solidFill>
+                      <a:prstDash val="solid"/>
+                      <a:round/>
+                      <a:headEnd type="none" w="med" len="med"/>
+                      <a:tailEnd type="none" w="med" len="med"/>
+                    </a:lnL>
+                    <a:lnR w="6350" cap="flat" cmpd="sng" algn="ctr">
+                      <a:solidFill>
+                        <a:srgbClr val="000000"/>
+                      </a:solidFill>
+                      <a:prstDash val="solid"/>
+                      <a:round/>
+                      <a:headEnd type="none" w="med" len="med"/>
+                      <a:tailEnd type="none" w="med" len="med"/>
+                    </a:lnR>
+                    <a:lnT w="6350" cap="flat" cmpd="sng" algn="ctr">
+                      <a:solidFill>
+                        <a:srgbClr val="000000"/>
+                      </a:solidFill>
+                      <a:prstDash val="solid"/>
+                      <a:round/>
+                      <a:headEnd type="none" w="med" len="med"/>
+                      <a:tailEnd type="none" w="med" len="med"/>
+                    </a:lnT>
+                    <a:lnB w="6350" cap="flat" cmpd="sng" algn="ctr">
+                      <a:solidFill>
+                        <a:srgbClr val="000000"/>
+                      </a:solidFill>
+                      <a:prstDash val="solid"/>
+                      <a:round/>
+                      <a:headEnd type="none" w="med" len="med"/>
+                      <a:tailEnd type="none" w="med" len="med"/>
+                    </a:lnB>
+                    <a:solidFill>
+                      <a:srgbClr val="BDD7EE"/>
+                    </a:solidFill>
+                  </a:tcPr>
+                </a:tc>
+                <a:tc>
+                  <a:txBody>
+                    <a:bodyPr/>
+                    <a:lstStyle/>
+                    <a:p>
+                      <a:pPr algn="ctr" fontAlgn="ctr"/>
+                      <a:r>
+                        <a:rPr lang="en-US" sz="1100" b="0" i="0" u="none" strike="noStrike">
+                          <a:solidFill>
+                            <a:srgbClr val="000000"/>
+                          </a:solidFill>
+                          <a:effectLst/>
+                          <a:latin typeface="Calibri" panose="020F0502020204030204" pitchFamily="34" charset="0"/>
+                        </a:rPr>
+                        <a:t>6.20E-04</a:t>
+                      </a:r>
+                    </a:p>
+                  </a:txBody>
+                  <a:tcPr marL="9525" marR="9525" marT="9525" marB="0" anchor="ctr">
+                    <a:lnL w="6350" cap="flat" cmpd="sng" algn="ctr">
+                      <a:solidFill>
+                        <a:srgbClr val="000000"/>
+                      </a:solidFill>
+                      <a:prstDash val="solid"/>
+                      <a:round/>
+                      <a:headEnd type="none" w="med" len="med"/>
+                      <a:tailEnd type="none" w="med" len="med"/>
+                    </a:lnL>
+                    <a:lnR w="12700" cap="flat" cmpd="sng" algn="ctr">
+                      <a:solidFill>
+                        <a:srgbClr val="000000"/>
+                      </a:solidFill>
+                      <a:prstDash val="solid"/>
+                      <a:round/>
+                      <a:headEnd type="none" w="med" len="med"/>
+                      <a:tailEnd type="none" w="med" len="med"/>
+                    </a:lnR>
+                    <a:lnT w="6350" cap="flat" cmpd="sng" algn="ctr">
+                      <a:solidFill>
+                        <a:srgbClr val="000000"/>
+                      </a:solidFill>
+                      <a:prstDash val="solid"/>
+                      <a:round/>
+                      <a:headEnd type="none" w="med" len="med"/>
+                      <a:tailEnd type="none" w="med" len="med"/>
+                    </a:lnT>
+                    <a:lnB w="6350" cap="flat" cmpd="sng" algn="ctr">
+                      <a:solidFill>
+                        <a:srgbClr val="000000"/>
+                      </a:solidFill>
+                      <a:prstDash val="solid"/>
+                      <a:round/>
+                      <a:headEnd type="none" w="med" len="med"/>
+                      <a:tailEnd type="none" w="med" len="med"/>
+                    </a:lnB>
+                    <a:solidFill>
+                      <a:srgbClr val="BDD7EE"/>
+                    </a:solidFill>
+                  </a:tcPr>
+                </a:tc>
+                <a:tc>
+                  <a:txBody>
+                    <a:bodyPr/>
+                    <a:lstStyle/>
+                    <a:p>
+                      <a:pPr algn="r" fontAlgn="b"/>
+                      <a:r>
+                        <a:rPr lang="en-US" sz="1100" b="0" i="0" u="none" strike="noStrike">
+                          <a:solidFill>
+                            <a:srgbClr val="000000"/>
+                          </a:solidFill>
+                          <a:effectLst/>
+                          <a:latin typeface="Calibri" panose="020F0502020204030204" pitchFamily="34" charset="0"/>
+                        </a:rPr>
+                        <a:t>9.173E-01</a:t>
+                      </a:r>
+                    </a:p>
+                  </a:txBody>
+                  <a:tcPr marL="9525" marR="9525" marT="9525" marB="0" anchor="b">
+                    <a:lnL w="12700" cap="flat" cmpd="sng" algn="ctr">
+                      <a:solidFill>
+                        <a:srgbClr val="000000"/>
+                      </a:solidFill>
+                      <a:prstDash val="solid"/>
+                      <a:round/>
+                      <a:headEnd type="none" w="med" len="med"/>
+                      <a:tailEnd type="none" w="med" len="med"/>
+                    </a:lnL>
+                    <a:lnR w="6350" cap="flat" cmpd="sng" algn="ctr">
+                      <a:solidFill>
+                        <a:srgbClr val="000000"/>
+                      </a:solidFill>
+                      <a:prstDash val="solid"/>
+                      <a:round/>
+                      <a:headEnd type="none" w="med" len="med"/>
+                      <a:tailEnd type="none" w="med" len="med"/>
+                    </a:lnR>
+                    <a:lnT w="6350" cap="flat" cmpd="sng" algn="ctr">
+                      <a:solidFill>
+                        <a:srgbClr val="000000"/>
+                      </a:solidFill>
+                      <a:prstDash val="solid"/>
+                      <a:round/>
+                      <a:headEnd type="none" w="med" len="med"/>
+                      <a:tailEnd type="none" w="med" len="med"/>
+                    </a:lnT>
+                    <a:lnB w="6350" cap="flat" cmpd="sng" algn="ctr">
+                      <a:solidFill>
+                        <a:srgbClr val="000000"/>
+                      </a:solidFill>
+                      <a:prstDash val="solid"/>
+                      <a:round/>
+                      <a:headEnd type="none" w="med" len="med"/>
+                      <a:tailEnd type="none" w="med" len="med"/>
+                    </a:lnB>
+                    <a:solidFill>
+                      <a:srgbClr val="BDD7EE"/>
+                    </a:solidFill>
+                  </a:tcPr>
+                </a:tc>
+                <a:tc>
+                  <a:txBody>
+                    <a:bodyPr/>
+                    <a:lstStyle/>
+                    <a:p>
+                      <a:pPr algn="r" fontAlgn="b"/>
+                      <a:r>
+                        <a:rPr lang="en-US" sz="1100" b="0" i="0" u="none" strike="noStrike">
+                          <a:solidFill>
+                            <a:srgbClr val="000000"/>
+                          </a:solidFill>
+                          <a:effectLst/>
+                          <a:latin typeface="Calibri" panose="020F0502020204030204" pitchFamily="34" charset="0"/>
+                        </a:rPr>
+                        <a:t>4.41E-03</a:t>
+                      </a:r>
+                    </a:p>
+                  </a:txBody>
+                  <a:tcPr marL="9525" marR="9525" marT="9525" marB="0" anchor="b">
+                    <a:lnL w="6350" cap="flat" cmpd="sng" algn="ctr">
+                      <a:solidFill>
+                        <a:srgbClr val="000000"/>
+                      </a:solidFill>
+                      <a:prstDash val="solid"/>
+                      <a:round/>
+                      <a:headEnd type="none" w="med" len="med"/>
+                      <a:tailEnd type="none" w="med" len="med"/>
+                    </a:lnL>
+                    <a:lnR w="12700" cap="flat" cmpd="sng" algn="ctr">
+                      <a:solidFill>
+                        <a:srgbClr val="000000"/>
+                      </a:solidFill>
+                      <a:prstDash val="solid"/>
+                      <a:round/>
+                      <a:headEnd type="none" w="med" len="med"/>
+                      <a:tailEnd type="none" w="med" len="med"/>
+                    </a:lnR>
+                    <a:lnT w="6350" cap="flat" cmpd="sng" algn="ctr">
+                      <a:solidFill>
+                        <a:srgbClr val="000000"/>
+                      </a:solidFill>
+                      <a:prstDash val="solid"/>
+                      <a:round/>
+                      <a:headEnd type="none" w="med" len="med"/>
+                      <a:tailEnd type="none" w="med" len="med"/>
+                    </a:lnT>
+                    <a:lnB w="6350" cap="flat" cmpd="sng" algn="ctr">
+                      <a:solidFill>
+                        <a:srgbClr val="000000"/>
+                      </a:solidFill>
+                      <a:prstDash val="solid"/>
+                      <a:round/>
+                      <a:headEnd type="none" w="med" len="med"/>
+                      <a:tailEnd type="none" w="med" len="med"/>
+                    </a:lnB>
+                    <a:solidFill>
+                      <a:srgbClr val="BDD7EE"/>
+                    </a:solidFill>
+                  </a:tcPr>
+                </a:tc>
+                <a:tc>
+                  <a:txBody>
+                    <a:bodyPr/>
+                    <a:lstStyle/>
+                    <a:p>
+                      <a:pPr algn="ctr" fontAlgn="ctr"/>
+                      <a:r>
+                        <a:rPr lang="en-US" sz="1100" b="0" i="0" u="none" strike="noStrike">
+                          <a:solidFill>
+                            <a:srgbClr val="000000"/>
+                          </a:solidFill>
+                          <a:effectLst/>
+                          <a:latin typeface="Calibri" panose="020F0502020204030204" pitchFamily="34" charset="0"/>
+                        </a:rPr>
+                        <a:t>-</a:t>
+                      </a:r>
+                    </a:p>
+                  </a:txBody>
+                  <a:tcPr marL="9525" marR="9525" marT="9525" marB="0" anchor="ctr">
+                    <a:lnL w="12700" cap="flat" cmpd="sng" algn="ctr">
+                      <a:solidFill>
+                        <a:srgbClr val="000000"/>
+                      </a:solidFill>
+                      <a:prstDash val="solid"/>
+                      <a:round/>
+                      <a:headEnd type="none" w="med" len="med"/>
+                      <a:tailEnd type="none" w="med" len="med"/>
+                    </a:lnL>
+                    <a:lnR w="6350" cap="flat" cmpd="sng" algn="ctr">
+                      <a:solidFill>
+                        <a:srgbClr val="000000"/>
+                      </a:solidFill>
+                      <a:prstDash val="solid"/>
+                      <a:round/>
+                      <a:headEnd type="none" w="med" len="med"/>
+                      <a:tailEnd type="none" w="med" len="med"/>
+                    </a:lnR>
+                    <a:lnT w="6350" cap="flat" cmpd="sng" algn="ctr">
+                      <a:solidFill>
+                        <a:srgbClr val="000000"/>
+                      </a:solidFill>
+                      <a:prstDash val="solid"/>
+                      <a:round/>
+                      <a:headEnd type="none" w="med" len="med"/>
+                      <a:tailEnd type="none" w="med" len="med"/>
+                    </a:lnT>
+                    <a:lnB w="6350" cap="flat" cmpd="sng" algn="ctr">
+                      <a:solidFill>
+                        <a:srgbClr val="000000"/>
+                      </a:solidFill>
+                      <a:prstDash val="solid"/>
+                      <a:round/>
+                      <a:headEnd type="none" w="med" len="med"/>
+                      <a:tailEnd type="none" w="med" len="med"/>
+                    </a:lnB>
+                    <a:solidFill>
+                      <a:srgbClr val="FF0000"/>
+                    </a:solidFill>
+                  </a:tcPr>
+                </a:tc>
+                <a:tc>
+                  <a:txBody>
+                    <a:bodyPr/>
+                    <a:lstStyle/>
+                    <a:p>
+                      <a:pPr algn="ctr" fontAlgn="ctr"/>
+                      <a:r>
+                        <a:rPr lang="en-US" sz="1100" b="0" i="0" u="none" strike="noStrike">
+                          <a:solidFill>
+                            <a:srgbClr val="000000"/>
+                          </a:solidFill>
+                          <a:effectLst/>
+                          <a:latin typeface="Calibri" panose="020F0502020204030204" pitchFamily="34" charset="0"/>
+                        </a:rPr>
+                        <a:t>-</a:t>
+                      </a:r>
+                    </a:p>
+                  </a:txBody>
+                  <a:tcPr marL="9525" marR="9525" marT="9525" marB="0" anchor="ctr">
+                    <a:lnL w="6350" cap="flat" cmpd="sng" algn="ctr">
+                      <a:solidFill>
+                        <a:srgbClr val="000000"/>
+                      </a:solidFill>
+                      <a:prstDash val="solid"/>
+                      <a:round/>
+                      <a:headEnd type="none" w="med" len="med"/>
+                      <a:tailEnd type="none" w="med" len="med"/>
+                    </a:lnL>
+                    <a:lnR w="6350" cap="flat" cmpd="sng" algn="ctr">
+                      <a:solidFill>
+                        <a:srgbClr val="000000"/>
+                      </a:solidFill>
+                      <a:prstDash val="solid"/>
+                      <a:round/>
+                      <a:headEnd type="none" w="med" len="med"/>
+                      <a:tailEnd type="none" w="med" len="med"/>
+                    </a:lnR>
+                    <a:lnT w="6350" cap="flat" cmpd="sng" algn="ctr">
+                      <a:solidFill>
+                        <a:srgbClr val="000000"/>
+                      </a:solidFill>
+                      <a:prstDash val="solid"/>
+                      <a:round/>
+                      <a:headEnd type="none" w="med" len="med"/>
+                      <a:tailEnd type="none" w="med" len="med"/>
+                    </a:lnT>
+                    <a:lnB w="6350" cap="flat" cmpd="sng" algn="ctr">
+                      <a:solidFill>
+                        <a:srgbClr val="000000"/>
+                      </a:solidFill>
+                      <a:prstDash val="solid"/>
+                      <a:round/>
+                      <a:headEnd type="none" w="med" len="med"/>
+                      <a:tailEnd type="none" w="med" len="med"/>
+                    </a:lnB>
+                    <a:solidFill>
+                      <a:srgbClr val="FF0000"/>
+                    </a:solidFill>
+                  </a:tcPr>
+                </a:tc>
+                <a:tc>
+                  <a:txBody>
+                    <a:bodyPr/>
+                    <a:lstStyle/>
+                    <a:p>
+                      <a:pPr algn="ctr" fontAlgn="ctr"/>
+                      <a:r>
+                        <a:rPr lang="en-US" sz="1100" b="0" i="0" u="none" strike="noStrike">
+                          <a:solidFill>
+                            <a:srgbClr val="000000"/>
+                          </a:solidFill>
+                          <a:effectLst/>
+                          <a:latin typeface="Calibri" panose="020F0502020204030204" pitchFamily="34" charset="0"/>
+                        </a:rPr>
+                        <a:t>~</a:t>
+                      </a:r>
+                    </a:p>
+                  </a:txBody>
+                  <a:tcPr marL="9525" marR="9525" marT="9525" marB="0" anchor="ctr">
+                    <a:lnL w="6350" cap="flat" cmpd="sng" algn="ctr">
+                      <a:solidFill>
+                        <a:srgbClr val="000000"/>
+                      </a:solidFill>
+                      <a:prstDash val="solid"/>
+                      <a:round/>
+                      <a:headEnd type="none" w="med" len="med"/>
+                      <a:tailEnd type="none" w="med" len="med"/>
+                    </a:lnL>
+                    <a:lnR w="12700" cap="flat" cmpd="sng" algn="ctr">
+                      <a:solidFill>
+                        <a:srgbClr val="000000"/>
+                      </a:solidFill>
+                      <a:prstDash val="solid"/>
+                      <a:round/>
+                      <a:headEnd type="none" w="med" len="med"/>
+                      <a:tailEnd type="none" w="med" len="med"/>
+                    </a:lnR>
+                    <a:lnT w="6350" cap="flat" cmpd="sng" algn="ctr">
+                      <a:solidFill>
+                        <a:srgbClr val="000000"/>
+                      </a:solidFill>
+                      <a:prstDash val="solid"/>
+                      <a:round/>
+                      <a:headEnd type="none" w="med" len="med"/>
+                      <a:tailEnd type="none" w="med" len="med"/>
+                    </a:lnT>
+                    <a:lnB w="6350" cap="flat" cmpd="sng" algn="ctr">
+                      <a:solidFill>
+                        <a:srgbClr val="000000"/>
+                      </a:solidFill>
+                      <a:prstDash val="solid"/>
+                      <a:round/>
+                      <a:headEnd type="none" w="med" len="med"/>
+                      <a:tailEnd type="none" w="med" len="med"/>
+                    </a:lnB>
+                    <a:solidFill>
+                      <a:srgbClr val="00B0F0"/>
+                    </a:solidFill>
+                  </a:tcPr>
+                </a:tc>
+                <a:extLst>
+                  <a:ext uri="{0D108BD9-81ED-4DB2-BD59-A6C34878D82A}">
+                    <a16:rowId xmlns:a16="http://schemas.microsoft.com/office/drawing/2014/main" val="2515897747"/>
+                  </a:ext>
+                </a:extLst>
+              </a:tr>
+              <a:tr h="190500">
+                <a:tc>
+                  <a:txBody>
+                    <a:bodyPr/>
+                    <a:lstStyle/>
+                    <a:p>
+                      <a:pPr algn="ctr" fontAlgn="ctr"/>
+                      <a:r>
+                        <a:rPr lang="en-US" sz="1100" b="0" i="0" u="none" strike="noStrike">
+                          <a:solidFill>
+                            <a:srgbClr val="000000"/>
+                          </a:solidFill>
+                          <a:effectLst/>
+                          <a:latin typeface="Calibri" panose="020F0502020204030204" pitchFamily="34" charset="0"/>
+                        </a:rPr>
+                        <a:t>Ease_Exploration</a:t>
+                      </a:r>
+                    </a:p>
+                  </a:txBody>
+                  <a:tcPr marL="9525" marR="9525" marT="9525" marB="0" anchor="ctr">
+                    <a:lnL w="12700" cap="flat" cmpd="sng" algn="ctr">
+                      <a:solidFill>
+                        <a:srgbClr val="000000"/>
+                      </a:solidFill>
+                      <a:prstDash val="solid"/>
+                      <a:round/>
+                      <a:headEnd type="none" w="med" len="med"/>
+                      <a:tailEnd type="none" w="med" len="med"/>
+                    </a:lnL>
+                    <a:lnR w="12700" cap="flat" cmpd="sng" algn="ctr">
+                      <a:solidFill>
+                        <a:srgbClr val="000000"/>
+                      </a:solidFill>
+                      <a:prstDash val="solid"/>
+                      <a:round/>
+                      <a:headEnd type="none" w="med" len="med"/>
+                      <a:tailEnd type="none" w="med" len="med"/>
+                    </a:lnR>
+                    <a:lnT w="6350" cap="flat" cmpd="sng" algn="ctr">
+                      <a:solidFill>
+                        <a:srgbClr val="000000"/>
+                      </a:solidFill>
+                      <a:prstDash val="solid"/>
+                      <a:round/>
+                      <a:headEnd type="none" w="med" len="med"/>
+                      <a:tailEnd type="none" w="med" len="med"/>
+                    </a:lnT>
+                    <a:lnB w="6350" cap="flat" cmpd="sng" algn="ctr">
+                      <a:solidFill>
+                        <a:srgbClr val="000000"/>
+                      </a:solidFill>
+                      <a:prstDash val="solid"/>
+                      <a:round/>
+                      <a:headEnd type="none" w="med" len="med"/>
+                      <a:tailEnd type="none" w="med" len="med"/>
+                    </a:lnB>
+                    <a:solidFill>
+                      <a:srgbClr val="9BC2E6"/>
+                    </a:solidFill>
+                  </a:tcPr>
+                </a:tc>
+                <a:tc>
+                  <a:txBody>
+                    <a:bodyPr/>
+                    <a:lstStyle/>
+                    <a:p>
+                      <a:pPr algn="ctr" fontAlgn="ctr"/>
+                      <a:r>
+                        <a:rPr lang="en-US" sz="1100" b="0" i="0" u="none" strike="noStrike">
+                          <a:solidFill>
+                            <a:srgbClr val="000000"/>
+                          </a:solidFill>
+                          <a:effectLst/>
+                          <a:latin typeface="Calibri" panose="020F0502020204030204" pitchFamily="34" charset="0"/>
+                        </a:rPr>
+                        <a:t>2.241E-01</a:t>
+                      </a:r>
+                    </a:p>
+                  </a:txBody>
+                  <a:tcPr marL="9525" marR="9525" marT="9525" marB="0" anchor="ctr">
+                    <a:lnL w="12700" cap="flat" cmpd="sng" algn="ctr">
+                      <a:solidFill>
+                        <a:srgbClr val="000000"/>
+                      </a:solidFill>
+                      <a:prstDash val="solid"/>
+                      <a:round/>
+                      <a:headEnd type="none" w="med" len="med"/>
+                      <a:tailEnd type="none" w="med" len="med"/>
+                    </a:lnL>
+                    <a:lnR w="6350" cap="flat" cmpd="sng" algn="ctr">
+                      <a:solidFill>
+                        <a:srgbClr val="000000"/>
+                      </a:solidFill>
+                      <a:prstDash val="solid"/>
+                      <a:round/>
+                      <a:headEnd type="none" w="med" len="med"/>
+                      <a:tailEnd type="none" w="med" len="med"/>
+                    </a:lnR>
+                    <a:lnT w="6350" cap="flat" cmpd="sng" algn="ctr">
+                      <a:solidFill>
+                        <a:srgbClr val="000000"/>
+                      </a:solidFill>
+                      <a:prstDash val="solid"/>
+                      <a:round/>
+                      <a:headEnd type="none" w="med" len="med"/>
+                      <a:tailEnd type="none" w="med" len="med"/>
+                    </a:lnT>
+                    <a:lnB w="6350" cap="flat" cmpd="sng" algn="ctr">
+                      <a:solidFill>
+                        <a:srgbClr val="000000"/>
+                      </a:solidFill>
+                      <a:prstDash val="solid"/>
+                      <a:round/>
+                      <a:headEnd type="none" w="med" len="med"/>
+                      <a:tailEnd type="none" w="med" len="med"/>
+                    </a:lnB>
+                    <a:solidFill>
+                      <a:srgbClr val="9BC2E6"/>
+                    </a:solidFill>
+                  </a:tcPr>
+                </a:tc>
+                <a:tc>
+                  <a:txBody>
+                    <a:bodyPr/>
+                    <a:lstStyle/>
+                    <a:p>
+                      <a:pPr algn="ctr" fontAlgn="ctr"/>
+                      <a:r>
+                        <a:rPr lang="en-US" sz="1100" b="0" i="0" u="none" strike="noStrike">
+                          <a:solidFill>
+                            <a:srgbClr val="000000"/>
+                          </a:solidFill>
+                          <a:effectLst/>
+                          <a:latin typeface="Calibri" panose="020F0502020204030204" pitchFamily="34" charset="0"/>
+                        </a:rPr>
+                        <a:t>3.00E-04</a:t>
+                      </a:r>
+                    </a:p>
+                  </a:txBody>
+                  <a:tcPr marL="9525" marR="9525" marT="9525" marB="0" anchor="ctr">
+                    <a:lnL w="6350" cap="flat" cmpd="sng" algn="ctr">
+                      <a:solidFill>
+                        <a:srgbClr val="000000"/>
+                      </a:solidFill>
+                      <a:prstDash val="solid"/>
+                      <a:round/>
+                      <a:headEnd type="none" w="med" len="med"/>
+                      <a:tailEnd type="none" w="med" len="med"/>
+                    </a:lnL>
+                    <a:lnR w="12700" cap="flat" cmpd="sng" algn="ctr">
+                      <a:solidFill>
+                        <a:srgbClr val="000000"/>
+                      </a:solidFill>
+                      <a:prstDash val="solid"/>
+                      <a:round/>
+                      <a:headEnd type="none" w="med" len="med"/>
+                      <a:tailEnd type="none" w="med" len="med"/>
+                    </a:lnR>
+                    <a:lnT w="6350" cap="flat" cmpd="sng" algn="ctr">
+                      <a:solidFill>
+                        <a:srgbClr val="000000"/>
+                      </a:solidFill>
+                      <a:prstDash val="solid"/>
+                      <a:round/>
+                      <a:headEnd type="none" w="med" len="med"/>
+                      <a:tailEnd type="none" w="med" len="med"/>
+                    </a:lnT>
+                    <a:lnB w="6350" cap="flat" cmpd="sng" algn="ctr">
+                      <a:solidFill>
+                        <a:srgbClr val="000000"/>
+                      </a:solidFill>
+                      <a:prstDash val="solid"/>
+                      <a:round/>
+                      <a:headEnd type="none" w="med" len="med"/>
+                      <a:tailEnd type="none" w="med" len="med"/>
+                    </a:lnB>
+                    <a:solidFill>
+                      <a:srgbClr val="9BC2E6"/>
+                    </a:solidFill>
+                  </a:tcPr>
+                </a:tc>
+                <a:tc>
+                  <a:txBody>
+                    <a:bodyPr/>
+                    <a:lstStyle/>
+                    <a:p>
+                      <a:pPr algn="ctr" fontAlgn="ctr"/>
+                      <a:r>
+                        <a:rPr lang="en-US" sz="1100" b="0" i="0" u="none" strike="noStrike">
+                          <a:solidFill>
+                            <a:srgbClr val="000000"/>
+                          </a:solidFill>
+                          <a:effectLst/>
+                          <a:latin typeface="Calibri" panose="020F0502020204030204" pitchFamily="34" charset="0"/>
+                        </a:rPr>
+                        <a:t>5.500E-01</a:t>
+                      </a:r>
+                    </a:p>
+                  </a:txBody>
+                  <a:tcPr marL="9525" marR="9525" marT="9525" marB="0" anchor="ctr">
+                    <a:lnL w="12700" cap="flat" cmpd="sng" algn="ctr">
+                      <a:solidFill>
+                        <a:srgbClr val="000000"/>
+                      </a:solidFill>
+                      <a:prstDash val="solid"/>
+                      <a:round/>
+                      <a:headEnd type="none" w="med" len="med"/>
+                      <a:tailEnd type="none" w="med" len="med"/>
+                    </a:lnL>
+                    <a:lnR w="6350" cap="flat" cmpd="sng" algn="ctr">
+                      <a:solidFill>
+                        <a:srgbClr val="000000"/>
+                      </a:solidFill>
+                      <a:prstDash val="solid"/>
+                      <a:round/>
+                      <a:headEnd type="none" w="med" len="med"/>
+                      <a:tailEnd type="none" w="med" len="med"/>
+                    </a:lnR>
+                    <a:lnT w="6350" cap="flat" cmpd="sng" algn="ctr">
+                      <a:solidFill>
+                        <a:srgbClr val="000000"/>
+                      </a:solidFill>
+                      <a:prstDash val="solid"/>
+                      <a:round/>
+                      <a:headEnd type="none" w="med" len="med"/>
+                      <a:tailEnd type="none" w="med" len="med"/>
+                    </a:lnT>
+                    <a:lnB w="6350" cap="flat" cmpd="sng" algn="ctr">
+                      <a:solidFill>
+                        <a:srgbClr val="000000"/>
+                      </a:solidFill>
+                      <a:prstDash val="solid"/>
+                      <a:round/>
+                      <a:headEnd type="none" w="med" len="med"/>
+                      <a:tailEnd type="none" w="med" len="med"/>
+                    </a:lnB>
+                    <a:solidFill>
+                      <a:srgbClr val="9BC2E6"/>
+                    </a:solidFill>
+                  </a:tcPr>
+                </a:tc>
+                <a:tc>
+                  <a:txBody>
+                    <a:bodyPr/>
+                    <a:lstStyle/>
+                    <a:p>
+                      <a:pPr algn="ctr" fontAlgn="ctr"/>
+                      <a:r>
+                        <a:rPr lang="en-US" sz="1100" b="0" i="0" u="none" strike="noStrike">
+                          <a:solidFill>
+                            <a:srgbClr val="000000"/>
+                          </a:solidFill>
+                          <a:effectLst/>
+                          <a:latin typeface="Calibri" panose="020F0502020204030204" pitchFamily="34" charset="0"/>
+                        </a:rPr>
+                        <a:t>4.80E-04</a:t>
+                      </a:r>
+                    </a:p>
+                  </a:txBody>
+                  <a:tcPr marL="9525" marR="9525" marT="9525" marB="0" anchor="ctr">
+                    <a:lnL w="6350" cap="flat" cmpd="sng" algn="ctr">
+                      <a:solidFill>
+                        <a:srgbClr val="000000"/>
+                      </a:solidFill>
+                      <a:prstDash val="solid"/>
+                      <a:round/>
+                      <a:headEnd type="none" w="med" len="med"/>
+                      <a:tailEnd type="none" w="med" len="med"/>
+                    </a:lnL>
+                    <a:lnR w="12700" cap="flat" cmpd="sng" algn="ctr">
+                      <a:solidFill>
+                        <a:srgbClr val="000000"/>
+                      </a:solidFill>
+                      <a:prstDash val="solid"/>
+                      <a:round/>
+                      <a:headEnd type="none" w="med" len="med"/>
+                      <a:tailEnd type="none" w="med" len="med"/>
+                    </a:lnR>
+                    <a:lnT w="6350" cap="flat" cmpd="sng" algn="ctr">
+                      <a:solidFill>
+                        <a:srgbClr val="000000"/>
+                      </a:solidFill>
+                      <a:prstDash val="solid"/>
+                      <a:round/>
+                      <a:headEnd type="none" w="med" len="med"/>
+                      <a:tailEnd type="none" w="med" len="med"/>
+                    </a:lnT>
+                    <a:lnB w="6350" cap="flat" cmpd="sng" algn="ctr">
+                      <a:solidFill>
+                        <a:srgbClr val="000000"/>
+                      </a:solidFill>
+                      <a:prstDash val="solid"/>
+                      <a:round/>
+                      <a:headEnd type="none" w="med" len="med"/>
+                      <a:tailEnd type="none" w="med" len="med"/>
+                    </a:lnB>
+                    <a:solidFill>
+                      <a:srgbClr val="9BC2E6"/>
+                    </a:solidFill>
+                  </a:tcPr>
+                </a:tc>
+                <a:tc>
+                  <a:txBody>
+                    <a:bodyPr/>
+                    <a:lstStyle/>
+                    <a:p>
+                      <a:pPr algn="r" fontAlgn="b"/>
+                      <a:r>
+                        <a:rPr lang="en-US" sz="1100" b="0" i="0" u="none" strike="noStrike">
+                          <a:solidFill>
+                            <a:srgbClr val="000000"/>
+                          </a:solidFill>
+                          <a:effectLst/>
+                          <a:latin typeface="Calibri" panose="020F0502020204030204" pitchFamily="34" charset="0"/>
+                        </a:rPr>
+                        <a:t>9.137E-01</a:t>
+                      </a:r>
+                    </a:p>
+                  </a:txBody>
+                  <a:tcPr marL="9525" marR="9525" marT="9525" marB="0" anchor="b">
+                    <a:lnL w="12700" cap="flat" cmpd="sng" algn="ctr">
+                      <a:solidFill>
+                        <a:srgbClr val="000000"/>
+                      </a:solidFill>
+                      <a:prstDash val="solid"/>
+                      <a:round/>
+                      <a:headEnd type="none" w="med" len="med"/>
+                      <a:tailEnd type="none" w="med" len="med"/>
+                    </a:lnL>
+                    <a:lnR w="6350" cap="flat" cmpd="sng" algn="ctr">
+                      <a:solidFill>
+                        <a:srgbClr val="000000"/>
+                      </a:solidFill>
+                      <a:prstDash val="solid"/>
+                      <a:round/>
+                      <a:headEnd type="none" w="med" len="med"/>
+                      <a:tailEnd type="none" w="med" len="med"/>
+                    </a:lnR>
+                    <a:lnT w="6350" cap="flat" cmpd="sng" algn="ctr">
+                      <a:solidFill>
+                        <a:srgbClr val="000000"/>
+                      </a:solidFill>
+                      <a:prstDash val="solid"/>
+                      <a:round/>
+                      <a:headEnd type="none" w="med" len="med"/>
+                      <a:tailEnd type="none" w="med" len="med"/>
+                    </a:lnT>
+                    <a:lnB w="6350" cap="flat" cmpd="sng" algn="ctr">
+                      <a:solidFill>
+                        <a:srgbClr val="000000"/>
+                      </a:solidFill>
+                      <a:prstDash val="solid"/>
+                      <a:round/>
+                      <a:headEnd type="none" w="med" len="med"/>
+                      <a:tailEnd type="none" w="med" len="med"/>
+                    </a:lnB>
+                    <a:solidFill>
+                      <a:srgbClr val="9BC2E6"/>
+                    </a:solidFill>
+                  </a:tcPr>
+                </a:tc>
+                <a:tc>
+                  <a:txBody>
+                    <a:bodyPr/>
+                    <a:lstStyle/>
+                    <a:p>
+                      <a:pPr algn="r" fontAlgn="b"/>
+                      <a:r>
+                        <a:rPr lang="en-US" sz="1100" b="0" i="0" u="none" strike="noStrike">
+                          <a:solidFill>
+                            <a:srgbClr val="000000"/>
+                          </a:solidFill>
+                          <a:effectLst/>
+                          <a:latin typeface="Calibri" panose="020F0502020204030204" pitchFamily="34" charset="0"/>
+                        </a:rPr>
+                        <a:t>6.05E-03</a:t>
+                      </a:r>
+                    </a:p>
+                  </a:txBody>
+                  <a:tcPr marL="9525" marR="9525" marT="9525" marB="0" anchor="b">
+                    <a:lnL w="6350" cap="flat" cmpd="sng" algn="ctr">
+                      <a:solidFill>
+                        <a:srgbClr val="000000"/>
+                      </a:solidFill>
+                      <a:prstDash val="solid"/>
+                      <a:round/>
+                      <a:headEnd type="none" w="med" len="med"/>
+                      <a:tailEnd type="none" w="med" len="med"/>
+                    </a:lnL>
+                    <a:lnR w="12700" cap="flat" cmpd="sng" algn="ctr">
+                      <a:solidFill>
+                        <a:srgbClr val="000000"/>
+                      </a:solidFill>
+                      <a:prstDash val="solid"/>
+                      <a:round/>
+                      <a:headEnd type="none" w="med" len="med"/>
+                      <a:tailEnd type="none" w="med" len="med"/>
+                    </a:lnR>
+                    <a:lnT w="6350" cap="flat" cmpd="sng" algn="ctr">
+                      <a:solidFill>
+                        <a:srgbClr val="000000"/>
+                      </a:solidFill>
+                      <a:prstDash val="solid"/>
+                      <a:round/>
+                      <a:headEnd type="none" w="med" len="med"/>
+                      <a:tailEnd type="none" w="med" len="med"/>
+                    </a:lnT>
+                    <a:lnB w="6350" cap="flat" cmpd="sng" algn="ctr">
+                      <a:solidFill>
+                        <a:srgbClr val="000000"/>
+                      </a:solidFill>
+                      <a:prstDash val="solid"/>
+                      <a:round/>
+                      <a:headEnd type="none" w="med" len="med"/>
+                      <a:tailEnd type="none" w="med" len="med"/>
+                    </a:lnB>
+                    <a:solidFill>
+                      <a:srgbClr val="9BC2E6"/>
+                    </a:solidFill>
+                  </a:tcPr>
+                </a:tc>
+                <a:tc>
+                  <a:txBody>
+                    <a:bodyPr/>
+                    <a:lstStyle/>
+                    <a:p>
+                      <a:pPr algn="ctr" fontAlgn="ctr"/>
+                      <a:r>
+                        <a:rPr lang="en-US" sz="1100" b="0" i="0" u="none" strike="noStrike">
+                          <a:solidFill>
+                            <a:srgbClr val="000000"/>
+                          </a:solidFill>
+                          <a:effectLst/>
+                          <a:latin typeface="Calibri" panose="020F0502020204030204" pitchFamily="34" charset="0"/>
+                        </a:rPr>
+                        <a:t>-</a:t>
+                      </a:r>
+                    </a:p>
+                  </a:txBody>
+                  <a:tcPr marL="9525" marR="9525" marT="9525" marB="0" anchor="ctr">
+                    <a:lnL w="12700" cap="flat" cmpd="sng" algn="ctr">
+                      <a:solidFill>
+                        <a:srgbClr val="000000"/>
+                      </a:solidFill>
+                      <a:prstDash val="solid"/>
+                      <a:round/>
+                      <a:headEnd type="none" w="med" len="med"/>
+                      <a:tailEnd type="none" w="med" len="med"/>
+                    </a:lnL>
+                    <a:lnR w="6350" cap="flat" cmpd="sng" algn="ctr">
+                      <a:solidFill>
+                        <a:srgbClr val="000000"/>
+                      </a:solidFill>
+                      <a:prstDash val="solid"/>
+                      <a:round/>
+                      <a:headEnd type="none" w="med" len="med"/>
+                      <a:tailEnd type="none" w="med" len="med"/>
+                    </a:lnR>
+                    <a:lnT w="6350" cap="flat" cmpd="sng" algn="ctr">
+                      <a:solidFill>
+                        <a:srgbClr val="000000"/>
+                      </a:solidFill>
+                      <a:prstDash val="solid"/>
+                      <a:round/>
+                      <a:headEnd type="none" w="med" len="med"/>
+                      <a:tailEnd type="none" w="med" len="med"/>
+                    </a:lnT>
+                    <a:lnB w="6350" cap="flat" cmpd="sng" algn="ctr">
+                      <a:solidFill>
+                        <a:srgbClr val="000000"/>
+                      </a:solidFill>
+                      <a:prstDash val="solid"/>
+                      <a:round/>
+                      <a:headEnd type="none" w="med" len="med"/>
+                      <a:tailEnd type="none" w="med" len="med"/>
+                    </a:lnB>
+                    <a:solidFill>
+                      <a:srgbClr val="FF0000"/>
+                    </a:solidFill>
+                  </a:tcPr>
+                </a:tc>
+                <a:tc>
+                  <a:txBody>
+                    <a:bodyPr/>
+                    <a:lstStyle/>
+                    <a:p>
+                      <a:pPr algn="ctr" fontAlgn="ctr"/>
+                      <a:r>
+                        <a:rPr lang="en-US" sz="1100" b="0" i="0" u="none" strike="noStrike">
+                          <a:solidFill>
+                            <a:srgbClr val="000000"/>
+                          </a:solidFill>
+                          <a:effectLst/>
+                          <a:latin typeface="Calibri" panose="020F0502020204030204" pitchFamily="34" charset="0"/>
+                        </a:rPr>
+                        <a:t>-</a:t>
+                      </a:r>
+                    </a:p>
+                  </a:txBody>
+                  <a:tcPr marL="9525" marR="9525" marT="9525" marB="0" anchor="ctr">
+                    <a:lnL w="6350" cap="flat" cmpd="sng" algn="ctr">
+                      <a:solidFill>
+                        <a:srgbClr val="000000"/>
+                      </a:solidFill>
+                      <a:prstDash val="solid"/>
+                      <a:round/>
+                      <a:headEnd type="none" w="med" len="med"/>
+                      <a:tailEnd type="none" w="med" len="med"/>
+                    </a:lnL>
+                    <a:lnR w="6350" cap="flat" cmpd="sng" algn="ctr">
+                      <a:solidFill>
+                        <a:srgbClr val="000000"/>
+                      </a:solidFill>
+                      <a:prstDash val="solid"/>
+                      <a:round/>
+                      <a:headEnd type="none" w="med" len="med"/>
+                      <a:tailEnd type="none" w="med" len="med"/>
+                    </a:lnR>
+                    <a:lnT w="6350" cap="flat" cmpd="sng" algn="ctr">
+                      <a:solidFill>
+                        <a:srgbClr val="000000"/>
+                      </a:solidFill>
+                      <a:prstDash val="solid"/>
+                      <a:round/>
+                      <a:headEnd type="none" w="med" len="med"/>
+                      <a:tailEnd type="none" w="med" len="med"/>
+                    </a:lnT>
+                    <a:lnB w="6350" cap="flat" cmpd="sng" algn="ctr">
+                      <a:solidFill>
+                        <a:srgbClr val="000000"/>
+                      </a:solidFill>
+                      <a:prstDash val="solid"/>
+                      <a:round/>
+                      <a:headEnd type="none" w="med" len="med"/>
+                      <a:tailEnd type="none" w="med" len="med"/>
+                    </a:lnB>
+                    <a:solidFill>
+                      <a:srgbClr val="FF0000"/>
+                    </a:solidFill>
+                  </a:tcPr>
+                </a:tc>
+                <a:tc>
+                  <a:txBody>
+                    <a:bodyPr/>
+                    <a:lstStyle/>
+                    <a:p>
+                      <a:pPr algn="ctr" fontAlgn="ctr"/>
+                      <a:r>
+                        <a:rPr lang="en-US" sz="1100" b="0" i="0" u="none" strike="noStrike">
+                          <a:solidFill>
+                            <a:srgbClr val="000000"/>
+                          </a:solidFill>
+                          <a:effectLst/>
+                          <a:latin typeface="Calibri" panose="020F0502020204030204" pitchFamily="34" charset="0"/>
+                        </a:rPr>
+                        <a:t>~</a:t>
+                      </a:r>
+                    </a:p>
+                  </a:txBody>
+                  <a:tcPr marL="9525" marR="9525" marT="9525" marB="0" anchor="ctr">
+                    <a:lnL w="6350" cap="flat" cmpd="sng" algn="ctr">
+                      <a:solidFill>
+                        <a:srgbClr val="000000"/>
+                      </a:solidFill>
+                      <a:prstDash val="solid"/>
+                      <a:round/>
+                      <a:headEnd type="none" w="med" len="med"/>
+                      <a:tailEnd type="none" w="med" len="med"/>
+                    </a:lnL>
+                    <a:lnR w="12700" cap="flat" cmpd="sng" algn="ctr">
+                      <a:solidFill>
+                        <a:srgbClr val="000000"/>
+                      </a:solidFill>
+                      <a:prstDash val="solid"/>
+                      <a:round/>
+                      <a:headEnd type="none" w="med" len="med"/>
+                      <a:tailEnd type="none" w="med" len="med"/>
+                    </a:lnR>
+                    <a:lnT w="6350" cap="flat" cmpd="sng" algn="ctr">
+                      <a:solidFill>
+                        <a:srgbClr val="000000"/>
+                      </a:solidFill>
+                      <a:prstDash val="solid"/>
+                      <a:round/>
+                      <a:headEnd type="none" w="med" len="med"/>
+                      <a:tailEnd type="none" w="med" len="med"/>
+                    </a:lnT>
+                    <a:lnB w="6350" cap="flat" cmpd="sng" algn="ctr">
+                      <a:solidFill>
+                        <a:srgbClr val="000000"/>
+                      </a:solidFill>
+                      <a:prstDash val="solid"/>
+                      <a:round/>
+                      <a:headEnd type="none" w="med" len="med"/>
+                      <a:tailEnd type="none" w="med" len="med"/>
+                    </a:lnB>
+                    <a:solidFill>
+                      <a:srgbClr val="00B0F0"/>
+                    </a:solidFill>
+                  </a:tcPr>
+                </a:tc>
+                <a:extLst>
+                  <a:ext uri="{0D108BD9-81ED-4DB2-BD59-A6C34878D82A}">
+                    <a16:rowId xmlns:a16="http://schemas.microsoft.com/office/drawing/2014/main" val="1978428892"/>
+                  </a:ext>
+                </a:extLst>
+              </a:tr>
+              <a:tr h="190500">
+                <a:tc>
+                  <a:txBody>
+                    <a:bodyPr/>
+                    <a:lstStyle/>
+                    <a:p>
+                      <a:pPr algn="ctr" fontAlgn="ctr"/>
+                      <a:r>
+                        <a:rPr lang="en-US" sz="1100" b="0" i="0" u="none" strike="noStrike">
+                          <a:solidFill>
+                            <a:srgbClr val="000000"/>
+                          </a:solidFill>
+                          <a:effectLst/>
+                          <a:latin typeface="Calibri" panose="020F0502020204030204" pitchFamily="34" charset="0"/>
+                        </a:rPr>
+                        <a:t>Ease_Exploitation</a:t>
+                      </a:r>
+                    </a:p>
+                  </a:txBody>
+                  <a:tcPr marL="9525" marR="9525" marT="9525" marB="0" anchor="ctr">
+                    <a:lnL w="12700" cap="flat" cmpd="sng" algn="ctr">
+                      <a:solidFill>
+                        <a:srgbClr val="000000"/>
+                      </a:solidFill>
+                      <a:prstDash val="solid"/>
+                      <a:round/>
+                      <a:headEnd type="none" w="med" len="med"/>
+                      <a:tailEnd type="none" w="med" len="med"/>
+                    </a:lnL>
+                    <a:lnR w="12700" cap="flat" cmpd="sng" algn="ctr">
+                      <a:solidFill>
+                        <a:srgbClr val="000000"/>
+                      </a:solidFill>
+                      <a:prstDash val="solid"/>
+                      <a:round/>
+                      <a:headEnd type="none" w="med" len="med"/>
+                      <a:tailEnd type="none" w="med" len="med"/>
+                    </a:lnR>
+                    <a:lnT w="6350" cap="flat" cmpd="sng" algn="ctr">
+                      <a:solidFill>
+                        <a:srgbClr val="000000"/>
+                      </a:solidFill>
+                      <a:prstDash val="solid"/>
+                      <a:round/>
+                      <a:headEnd type="none" w="med" len="med"/>
+                      <a:tailEnd type="none" w="med" len="med"/>
+                    </a:lnT>
+                    <a:lnB w="6350" cap="flat" cmpd="sng" algn="ctr">
+                      <a:solidFill>
+                        <a:srgbClr val="000000"/>
+                      </a:solidFill>
+                      <a:prstDash val="solid"/>
+                      <a:round/>
+                      <a:headEnd type="none" w="med" len="med"/>
+                      <a:tailEnd type="none" w="med" len="med"/>
+                    </a:lnB>
+                    <a:solidFill>
+                      <a:srgbClr val="9BC2E6"/>
+                    </a:solidFill>
+                  </a:tcPr>
+                </a:tc>
+                <a:tc>
+                  <a:txBody>
+                    <a:bodyPr/>
+                    <a:lstStyle/>
+                    <a:p>
+                      <a:pPr algn="ctr" fontAlgn="ctr"/>
+                      <a:r>
+                        <a:rPr lang="en-US" sz="1100" b="0" i="0" u="none" strike="noStrike">
+                          <a:solidFill>
+                            <a:srgbClr val="000000"/>
+                          </a:solidFill>
+                          <a:effectLst/>
+                          <a:latin typeface="Calibri" panose="020F0502020204030204" pitchFamily="34" charset="0"/>
+                        </a:rPr>
+                        <a:t>2.274E-01</a:t>
+                      </a:r>
+                    </a:p>
+                  </a:txBody>
+                  <a:tcPr marL="9525" marR="9525" marT="9525" marB="0" anchor="ctr">
+                    <a:lnL w="12700" cap="flat" cmpd="sng" algn="ctr">
+                      <a:solidFill>
+                        <a:srgbClr val="000000"/>
+                      </a:solidFill>
+                      <a:prstDash val="solid"/>
+                      <a:round/>
+                      <a:headEnd type="none" w="med" len="med"/>
+                      <a:tailEnd type="none" w="med" len="med"/>
+                    </a:lnL>
+                    <a:lnR w="6350" cap="flat" cmpd="sng" algn="ctr">
+                      <a:solidFill>
+                        <a:srgbClr val="000000"/>
+                      </a:solidFill>
+                      <a:prstDash val="solid"/>
+                      <a:round/>
+                      <a:headEnd type="none" w="med" len="med"/>
+                      <a:tailEnd type="none" w="med" len="med"/>
+                    </a:lnR>
+                    <a:lnT w="6350" cap="flat" cmpd="sng" algn="ctr">
+                      <a:solidFill>
+                        <a:srgbClr val="000000"/>
+                      </a:solidFill>
+                      <a:prstDash val="solid"/>
+                      <a:round/>
+                      <a:headEnd type="none" w="med" len="med"/>
+                      <a:tailEnd type="none" w="med" len="med"/>
+                    </a:lnT>
+                    <a:lnB w="6350" cap="flat" cmpd="sng" algn="ctr">
+                      <a:solidFill>
+                        <a:srgbClr val="000000"/>
+                      </a:solidFill>
+                      <a:prstDash val="solid"/>
+                      <a:round/>
+                      <a:headEnd type="none" w="med" len="med"/>
+                      <a:tailEnd type="none" w="med" len="med"/>
+                    </a:lnB>
+                    <a:solidFill>
+                      <a:srgbClr val="9BC2E6"/>
+                    </a:solidFill>
+                  </a:tcPr>
+                </a:tc>
+                <a:tc>
+                  <a:txBody>
+                    <a:bodyPr/>
+                    <a:lstStyle/>
+                    <a:p>
+                      <a:pPr algn="ctr" fontAlgn="ctr"/>
+                      <a:r>
+                        <a:rPr lang="en-US" sz="1100" b="0" i="0" u="none" strike="noStrike">
+                          <a:solidFill>
+                            <a:srgbClr val="000000"/>
+                          </a:solidFill>
+                          <a:effectLst/>
+                          <a:latin typeface="Calibri" panose="020F0502020204030204" pitchFamily="34" charset="0"/>
+                        </a:rPr>
+                        <a:t>1.70E-04</a:t>
+                      </a:r>
+                    </a:p>
+                  </a:txBody>
+                  <a:tcPr marL="9525" marR="9525" marT="9525" marB="0" anchor="ctr">
+                    <a:lnL w="6350" cap="flat" cmpd="sng" algn="ctr">
+                      <a:solidFill>
+                        <a:srgbClr val="000000"/>
+                      </a:solidFill>
+                      <a:prstDash val="solid"/>
+                      <a:round/>
+                      <a:headEnd type="none" w="med" len="med"/>
+                      <a:tailEnd type="none" w="med" len="med"/>
+                    </a:lnL>
+                    <a:lnR w="12700" cap="flat" cmpd="sng" algn="ctr">
+                      <a:solidFill>
+                        <a:srgbClr val="000000"/>
+                      </a:solidFill>
+                      <a:prstDash val="solid"/>
+                      <a:round/>
+                      <a:headEnd type="none" w="med" len="med"/>
+                      <a:tailEnd type="none" w="med" len="med"/>
+                    </a:lnR>
+                    <a:lnT w="6350" cap="flat" cmpd="sng" algn="ctr">
+                      <a:solidFill>
+                        <a:srgbClr val="000000"/>
+                      </a:solidFill>
+                      <a:prstDash val="solid"/>
+                      <a:round/>
+                      <a:headEnd type="none" w="med" len="med"/>
+                      <a:tailEnd type="none" w="med" len="med"/>
+                    </a:lnT>
+                    <a:lnB w="6350" cap="flat" cmpd="sng" algn="ctr">
+                      <a:solidFill>
+                        <a:srgbClr val="000000"/>
+                      </a:solidFill>
+                      <a:prstDash val="solid"/>
+                      <a:round/>
+                      <a:headEnd type="none" w="med" len="med"/>
+                      <a:tailEnd type="none" w="med" len="med"/>
+                    </a:lnB>
+                    <a:solidFill>
+                      <a:srgbClr val="9BC2E6"/>
+                    </a:solidFill>
+                  </a:tcPr>
+                </a:tc>
+                <a:tc>
+                  <a:txBody>
+                    <a:bodyPr/>
+                    <a:lstStyle/>
+                    <a:p>
+                      <a:pPr algn="ctr" fontAlgn="ctr"/>
+                      <a:r>
+                        <a:rPr lang="en-US" sz="1100" b="0" i="0" u="none" strike="noStrike">
+                          <a:solidFill>
+                            <a:srgbClr val="000000"/>
+                          </a:solidFill>
+                          <a:effectLst/>
+                          <a:latin typeface="Calibri" panose="020F0502020204030204" pitchFamily="34" charset="0"/>
+                        </a:rPr>
+                        <a:t>5.445E-01</a:t>
+                      </a:r>
+                    </a:p>
+                  </a:txBody>
+                  <a:tcPr marL="9525" marR="9525" marT="9525" marB="0" anchor="ctr">
+                    <a:lnL w="12700" cap="flat" cmpd="sng" algn="ctr">
+                      <a:solidFill>
+                        <a:srgbClr val="000000"/>
+                      </a:solidFill>
+                      <a:prstDash val="solid"/>
+                      <a:round/>
+                      <a:headEnd type="none" w="med" len="med"/>
+                      <a:tailEnd type="none" w="med" len="med"/>
+                    </a:lnL>
+                    <a:lnR w="6350" cap="flat" cmpd="sng" algn="ctr">
+                      <a:solidFill>
+                        <a:srgbClr val="000000"/>
+                      </a:solidFill>
+                      <a:prstDash val="solid"/>
+                      <a:round/>
+                      <a:headEnd type="none" w="med" len="med"/>
+                      <a:tailEnd type="none" w="med" len="med"/>
+                    </a:lnR>
+                    <a:lnT w="6350" cap="flat" cmpd="sng" algn="ctr">
+                      <a:solidFill>
+                        <a:srgbClr val="000000"/>
+                      </a:solidFill>
+                      <a:prstDash val="solid"/>
+                      <a:round/>
+                      <a:headEnd type="none" w="med" len="med"/>
+                      <a:tailEnd type="none" w="med" len="med"/>
+                    </a:lnT>
+                    <a:lnB w="6350" cap="flat" cmpd="sng" algn="ctr">
+                      <a:solidFill>
+                        <a:srgbClr val="000000"/>
+                      </a:solidFill>
+                      <a:prstDash val="solid"/>
+                      <a:round/>
+                      <a:headEnd type="none" w="med" len="med"/>
+                      <a:tailEnd type="none" w="med" len="med"/>
+                    </a:lnB>
+                    <a:solidFill>
+                      <a:srgbClr val="9BC2E6"/>
+                    </a:solidFill>
+                  </a:tcPr>
+                </a:tc>
+                <a:tc>
+                  <a:txBody>
+                    <a:bodyPr/>
+                    <a:lstStyle/>
+                    <a:p>
+                      <a:pPr algn="ctr" fontAlgn="ctr"/>
+                      <a:r>
+                        <a:rPr lang="en-US" sz="1100" b="0" i="0" u="none" strike="noStrike">
+                          <a:solidFill>
+                            <a:srgbClr val="000000"/>
+                          </a:solidFill>
+                          <a:effectLst/>
+                          <a:latin typeface="Calibri" panose="020F0502020204030204" pitchFamily="34" charset="0"/>
+                        </a:rPr>
+                        <a:t>6.40E-04</a:t>
+                      </a:r>
+                    </a:p>
+                  </a:txBody>
+                  <a:tcPr marL="9525" marR="9525" marT="9525" marB="0" anchor="ctr">
+                    <a:lnL w="6350" cap="flat" cmpd="sng" algn="ctr">
+                      <a:solidFill>
+                        <a:srgbClr val="000000"/>
+                      </a:solidFill>
+                      <a:prstDash val="solid"/>
+                      <a:round/>
+                      <a:headEnd type="none" w="med" len="med"/>
+                      <a:tailEnd type="none" w="med" len="med"/>
+                    </a:lnL>
+                    <a:lnR w="12700" cap="flat" cmpd="sng" algn="ctr">
+                      <a:solidFill>
+                        <a:srgbClr val="000000"/>
+                      </a:solidFill>
+                      <a:prstDash val="solid"/>
+                      <a:round/>
+                      <a:headEnd type="none" w="med" len="med"/>
+                      <a:tailEnd type="none" w="med" len="med"/>
+                    </a:lnR>
+                    <a:lnT w="6350" cap="flat" cmpd="sng" algn="ctr">
+                      <a:solidFill>
+                        <a:srgbClr val="000000"/>
+                      </a:solidFill>
+                      <a:prstDash val="solid"/>
+                      <a:round/>
+                      <a:headEnd type="none" w="med" len="med"/>
+                      <a:tailEnd type="none" w="med" len="med"/>
+                    </a:lnT>
+                    <a:lnB w="6350" cap="flat" cmpd="sng" algn="ctr">
+                      <a:solidFill>
+                        <a:srgbClr val="000000"/>
+                      </a:solidFill>
+                      <a:prstDash val="solid"/>
+                      <a:round/>
+                      <a:headEnd type="none" w="med" len="med"/>
+                      <a:tailEnd type="none" w="med" len="med"/>
+                    </a:lnB>
+                    <a:solidFill>
+                      <a:srgbClr val="9BC2E6"/>
+                    </a:solidFill>
+                  </a:tcPr>
+                </a:tc>
+                <a:tc>
+                  <a:txBody>
+                    <a:bodyPr/>
+                    <a:lstStyle/>
+                    <a:p>
+                      <a:pPr algn="r" fontAlgn="b"/>
+                      <a:r>
+                        <a:rPr lang="en-US" sz="1100" b="0" i="0" u="none" strike="noStrike">
+                          <a:solidFill>
+                            <a:srgbClr val="000000"/>
+                          </a:solidFill>
+                          <a:effectLst/>
+                          <a:latin typeface="Calibri" panose="020F0502020204030204" pitchFamily="34" charset="0"/>
+                        </a:rPr>
+                        <a:t>9.114E-01</a:t>
+                      </a:r>
+                    </a:p>
+                  </a:txBody>
+                  <a:tcPr marL="9525" marR="9525" marT="9525" marB="0" anchor="b">
+                    <a:lnL w="12700" cap="flat" cmpd="sng" algn="ctr">
+                      <a:solidFill>
+                        <a:srgbClr val="000000"/>
+                      </a:solidFill>
+                      <a:prstDash val="solid"/>
+                      <a:round/>
+                      <a:headEnd type="none" w="med" len="med"/>
+                      <a:tailEnd type="none" w="med" len="med"/>
+                    </a:lnL>
+                    <a:lnR w="6350" cap="flat" cmpd="sng" algn="ctr">
+                      <a:solidFill>
+                        <a:srgbClr val="000000"/>
+                      </a:solidFill>
+                      <a:prstDash val="solid"/>
+                      <a:round/>
+                      <a:headEnd type="none" w="med" len="med"/>
+                      <a:tailEnd type="none" w="med" len="med"/>
+                    </a:lnR>
+                    <a:lnT w="6350" cap="flat" cmpd="sng" algn="ctr">
+                      <a:solidFill>
+                        <a:srgbClr val="000000"/>
+                      </a:solidFill>
+                      <a:prstDash val="solid"/>
+                      <a:round/>
+                      <a:headEnd type="none" w="med" len="med"/>
+                      <a:tailEnd type="none" w="med" len="med"/>
+                    </a:lnT>
+                    <a:lnB w="6350" cap="flat" cmpd="sng" algn="ctr">
+                      <a:solidFill>
+                        <a:srgbClr val="000000"/>
+                      </a:solidFill>
+                      <a:prstDash val="solid"/>
+                      <a:round/>
+                      <a:headEnd type="none" w="med" len="med"/>
+                      <a:tailEnd type="none" w="med" len="med"/>
+                    </a:lnB>
+                    <a:solidFill>
+                      <a:srgbClr val="9BC2E6"/>
+                    </a:solidFill>
+                  </a:tcPr>
+                </a:tc>
+                <a:tc>
+                  <a:txBody>
+                    <a:bodyPr/>
+                    <a:lstStyle/>
+                    <a:p>
+                      <a:pPr algn="r" fontAlgn="b"/>
+                      <a:r>
+                        <a:rPr lang="en-US" sz="1100" b="0" i="0" u="none" strike="noStrike">
+                          <a:solidFill>
+                            <a:srgbClr val="000000"/>
+                          </a:solidFill>
+                          <a:effectLst/>
+                          <a:latin typeface="Calibri" panose="020F0502020204030204" pitchFamily="34" charset="0"/>
+                        </a:rPr>
+                        <a:t>1.90E-03</a:t>
+                      </a:r>
+                    </a:p>
+                  </a:txBody>
+                  <a:tcPr marL="9525" marR="9525" marT="9525" marB="0" anchor="b">
+                    <a:lnL w="6350" cap="flat" cmpd="sng" algn="ctr">
+                      <a:solidFill>
+                        <a:srgbClr val="000000"/>
+                      </a:solidFill>
+                      <a:prstDash val="solid"/>
+                      <a:round/>
+                      <a:headEnd type="none" w="med" len="med"/>
+                      <a:tailEnd type="none" w="med" len="med"/>
+                    </a:lnL>
+                    <a:lnR w="12700" cap="flat" cmpd="sng" algn="ctr">
+                      <a:solidFill>
+                        <a:srgbClr val="000000"/>
+                      </a:solidFill>
+                      <a:prstDash val="solid"/>
+                      <a:round/>
+                      <a:headEnd type="none" w="med" len="med"/>
+                      <a:tailEnd type="none" w="med" len="med"/>
+                    </a:lnR>
+                    <a:lnT w="6350" cap="flat" cmpd="sng" algn="ctr">
+                      <a:solidFill>
+                        <a:srgbClr val="000000"/>
+                      </a:solidFill>
+                      <a:prstDash val="solid"/>
+                      <a:round/>
+                      <a:headEnd type="none" w="med" len="med"/>
+                      <a:tailEnd type="none" w="med" len="med"/>
+                    </a:lnT>
+                    <a:lnB w="6350" cap="flat" cmpd="sng" algn="ctr">
+                      <a:solidFill>
+                        <a:srgbClr val="000000"/>
+                      </a:solidFill>
+                      <a:prstDash val="solid"/>
+                      <a:round/>
+                      <a:headEnd type="none" w="med" len="med"/>
+                      <a:tailEnd type="none" w="med" len="med"/>
+                    </a:lnB>
+                    <a:solidFill>
+                      <a:srgbClr val="9BC2E6"/>
+                    </a:solidFill>
+                  </a:tcPr>
+                </a:tc>
+                <a:tc>
+                  <a:txBody>
+                    <a:bodyPr/>
+                    <a:lstStyle/>
+                    <a:p>
+                      <a:pPr algn="ctr" fontAlgn="ctr"/>
+                      <a:r>
+                        <a:rPr lang="en-US" sz="1100" b="0" i="0" u="none" strike="noStrike">
+                          <a:solidFill>
+                            <a:srgbClr val="000000"/>
+                          </a:solidFill>
+                          <a:effectLst/>
+                          <a:latin typeface="Calibri" panose="020F0502020204030204" pitchFamily="34" charset="0"/>
+                        </a:rPr>
+                        <a:t>-</a:t>
+                      </a:r>
+                    </a:p>
+                  </a:txBody>
+                  <a:tcPr marL="9525" marR="9525" marT="9525" marB="0" anchor="ctr">
+                    <a:lnL w="12700" cap="flat" cmpd="sng" algn="ctr">
+                      <a:solidFill>
+                        <a:srgbClr val="000000"/>
+                      </a:solidFill>
+                      <a:prstDash val="solid"/>
+                      <a:round/>
+                      <a:headEnd type="none" w="med" len="med"/>
+                      <a:tailEnd type="none" w="med" len="med"/>
+                    </a:lnL>
+                    <a:lnR w="6350" cap="flat" cmpd="sng" algn="ctr">
+                      <a:solidFill>
+                        <a:srgbClr val="000000"/>
+                      </a:solidFill>
+                      <a:prstDash val="solid"/>
+                      <a:round/>
+                      <a:headEnd type="none" w="med" len="med"/>
+                      <a:tailEnd type="none" w="med" len="med"/>
+                    </a:lnR>
+                    <a:lnT w="6350" cap="flat" cmpd="sng" algn="ctr">
+                      <a:solidFill>
+                        <a:srgbClr val="000000"/>
+                      </a:solidFill>
+                      <a:prstDash val="solid"/>
+                      <a:round/>
+                      <a:headEnd type="none" w="med" len="med"/>
+                      <a:tailEnd type="none" w="med" len="med"/>
+                    </a:lnT>
+                    <a:lnB w="6350" cap="flat" cmpd="sng" algn="ctr">
+                      <a:solidFill>
+                        <a:srgbClr val="000000"/>
+                      </a:solidFill>
+                      <a:prstDash val="solid"/>
+                      <a:round/>
+                      <a:headEnd type="none" w="med" len="med"/>
+                      <a:tailEnd type="none" w="med" len="med"/>
+                    </a:lnB>
+                    <a:solidFill>
+                      <a:srgbClr val="FF0000"/>
+                    </a:solidFill>
+                  </a:tcPr>
+                </a:tc>
+                <a:tc>
+                  <a:txBody>
+                    <a:bodyPr/>
+                    <a:lstStyle/>
+                    <a:p>
+                      <a:pPr algn="ctr" fontAlgn="ctr"/>
+                      <a:r>
+                        <a:rPr lang="en-US" sz="1100" b="0" i="0" u="none" strike="noStrike">
+                          <a:solidFill>
+                            <a:srgbClr val="000000"/>
+                          </a:solidFill>
+                          <a:effectLst/>
+                          <a:latin typeface="Calibri" panose="020F0502020204030204" pitchFamily="34" charset="0"/>
+                        </a:rPr>
+                        <a:t>-</a:t>
+                      </a:r>
+                    </a:p>
+                  </a:txBody>
+                  <a:tcPr marL="9525" marR="9525" marT="9525" marB="0" anchor="ctr">
+                    <a:lnL w="6350" cap="flat" cmpd="sng" algn="ctr">
+                      <a:solidFill>
+                        <a:srgbClr val="000000"/>
+                      </a:solidFill>
+                      <a:prstDash val="solid"/>
+                      <a:round/>
+                      <a:headEnd type="none" w="med" len="med"/>
+                      <a:tailEnd type="none" w="med" len="med"/>
+                    </a:lnL>
+                    <a:lnR w="6350" cap="flat" cmpd="sng" algn="ctr">
+                      <a:solidFill>
+                        <a:srgbClr val="000000"/>
+                      </a:solidFill>
+                      <a:prstDash val="solid"/>
+                      <a:round/>
+                      <a:headEnd type="none" w="med" len="med"/>
+                      <a:tailEnd type="none" w="med" len="med"/>
+                    </a:lnR>
+                    <a:lnT w="6350" cap="flat" cmpd="sng" algn="ctr">
+                      <a:solidFill>
+                        <a:srgbClr val="000000"/>
+                      </a:solidFill>
+                      <a:prstDash val="solid"/>
+                      <a:round/>
+                      <a:headEnd type="none" w="med" len="med"/>
+                      <a:tailEnd type="none" w="med" len="med"/>
+                    </a:lnT>
+                    <a:lnB w="6350" cap="flat" cmpd="sng" algn="ctr">
+                      <a:solidFill>
+                        <a:srgbClr val="000000"/>
+                      </a:solidFill>
+                      <a:prstDash val="solid"/>
+                      <a:round/>
+                      <a:headEnd type="none" w="med" len="med"/>
+                      <a:tailEnd type="none" w="med" len="med"/>
+                    </a:lnB>
+                    <a:solidFill>
+                      <a:srgbClr val="FF0000"/>
+                    </a:solidFill>
+                  </a:tcPr>
+                </a:tc>
+                <a:tc>
+                  <a:txBody>
+                    <a:bodyPr/>
+                    <a:lstStyle/>
+                    <a:p>
+                      <a:pPr algn="ctr" fontAlgn="ctr"/>
+                      <a:r>
+                        <a:rPr lang="en-US" sz="1100" b="0" i="0" u="none" strike="noStrike">
+                          <a:solidFill>
+                            <a:srgbClr val="000000"/>
+                          </a:solidFill>
+                          <a:effectLst/>
+                          <a:latin typeface="Calibri" panose="020F0502020204030204" pitchFamily="34" charset="0"/>
+                        </a:rPr>
+                        <a:t>~</a:t>
+                      </a:r>
+                    </a:p>
+                  </a:txBody>
+                  <a:tcPr marL="9525" marR="9525" marT="9525" marB="0" anchor="ctr">
+                    <a:lnL w="6350" cap="flat" cmpd="sng" algn="ctr">
+                      <a:solidFill>
+                        <a:srgbClr val="000000"/>
+                      </a:solidFill>
+                      <a:prstDash val="solid"/>
+                      <a:round/>
+                      <a:headEnd type="none" w="med" len="med"/>
+                      <a:tailEnd type="none" w="med" len="med"/>
+                    </a:lnL>
+                    <a:lnR w="12700" cap="flat" cmpd="sng" algn="ctr">
+                      <a:solidFill>
+                        <a:srgbClr val="000000"/>
+                      </a:solidFill>
+                      <a:prstDash val="solid"/>
+                      <a:round/>
+                      <a:headEnd type="none" w="med" len="med"/>
+                      <a:tailEnd type="none" w="med" len="med"/>
+                    </a:lnR>
+                    <a:lnT w="6350" cap="flat" cmpd="sng" algn="ctr">
+                      <a:solidFill>
+                        <a:srgbClr val="000000"/>
+                      </a:solidFill>
+                      <a:prstDash val="solid"/>
+                      <a:round/>
+                      <a:headEnd type="none" w="med" len="med"/>
+                      <a:tailEnd type="none" w="med" len="med"/>
+                    </a:lnT>
+                    <a:lnB w="6350" cap="flat" cmpd="sng" algn="ctr">
+                      <a:solidFill>
+                        <a:srgbClr val="000000"/>
+                      </a:solidFill>
+                      <a:prstDash val="solid"/>
+                      <a:round/>
+                      <a:headEnd type="none" w="med" len="med"/>
+                      <a:tailEnd type="none" w="med" len="med"/>
+                    </a:lnB>
+                    <a:solidFill>
+                      <a:srgbClr val="00B0F0"/>
+                    </a:solidFill>
+                  </a:tcPr>
+                </a:tc>
+                <a:extLst>
+                  <a:ext uri="{0D108BD9-81ED-4DB2-BD59-A6C34878D82A}">
+                    <a16:rowId xmlns:a16="http://schemas.microsoft.com/office/drawing/2014/main" val="2036312609"/>
+                  </a:ext>
+                </a:extLst>
+              </a:tr>
+              <a:tr h="190500">
+                <a:tc>
+                  <a:txBody>
+                    <a:bodyPr/>
+                    <a:lstStyle/>
+                    <a:p>
+                      <a:pPr algn="ctr" fontAlgn="ctr"/>
+                      <a:r>
+                        <a:rPr lang="en-US" sz="1100" b="0" i="0" u="none" strike="noStrike">
+                          <a:solidFill>
+                            <a:srgbClr val="000000"/>
+                          </a:solidFill>
+                          <a:effectLst/>
+                          <a:latin typeface="Calibri" panose="020F0502020204030204" pitchFamily="34" charset="0"/>
+                        </a:rPr>
+                        <a:t>Ease_Random</a:t>
+                      </a:r>
+                    </a:p>
+                  </a:txBody>
+                  <a:tcPr marL="9525" marR="9525" marT="9525" marB="0" anchor="ctr">
+                    <a:lnL w="12700" cap="flat" cmpd="sng" algn="ctr">
+                      <a:solidFill>
+                        <a:srgbClr val="000000"/>
+                      </a:solidFill>
+                      <a:prstDash val="solid"/>
+                      <a:round/>
+                      <a:headEnd type="none" w="med" len="med"/>
+                      <a:tailEnd type="none" w="med" len="med"/>
+                    </a:lnL>
+                    <a:lnR w="12700" cap="flat" cmpd="sng" algn="ctr">
+                      <a:solidFill>
+                        <a:srgbClr val="000000"/>
+                      </a:solidFill>
+                      <a:prstDash val="solid"/>
+                      <a:round/>
+                      <a:headEnd type="none" w="med" len="med"/>
+                      <a:tailEnd type="none" w="med" len="med"/>
+                    </a:lnR>
+                    <a:lnT w="6350" cap="flat" cmpd="sng" algn="ctr">
+                      <a:solidFill>
+                        <a:srgbClr val="000000"/>
+                      </a:solidFill>
+                      <a:prstDash val="solid"/>
+                      <a:round/>
+                      <a:headEnd type="none" w="med" len="med"/>
+                      <a:tailEnd type="none" w="med" len="med"/>
+                    </a:lnT>
+                    <a:lnB w="6350" cap="flat" cmpd="sng" algn="ctr">
+                      <a:solidFill>
+                        <a:srgbClr val="000000"/>
+                      </a:solidFill>
+                      <a:prstDash val="solid"/>
+                      <a:round/>
+                      <a:headEnd type="none" w="med" len="med"/>
+                      <a:tailEnd type="none" w="med" len="med"/>
+                    </a:lnB>
+                    <a:solidFill>
+                      <a:srgbClr val="9BC2E6"/>
+                    </a:solidFill>
+                  </a:tcPr>
+                </a:tc>
+                <a:tc>
+                  <a:txBody>
+                    <a:bodyPr/>
+                    <a:lstStyle/>
+                    <a:p>
+                      <a:pPr algn="ctr" fontAlgn="ctr"/>
+                      <a:r>
+                        <a:rPr lang="en-US" sz="1100" b="0" i="0" u="none" strike="noStrike">
+                          <a:solidFill>
+                            <a:srgbClr val="000000"/>
+                          </a:solidFill>
+                          <a:effectLst/>
+                          <a:latin typeface="Calibri" panose="020F0502020204030204" pitchFamily="34" charset="0"/>
+                        </a:rPr>
+                        <a:t>2.287E-01</a:t>
+                      </a:r>
+                    </a:p>
+                  </a:txBody>
+                  <a:tcPr marL="9525" marR="9525" marT="9525" marB="0" anchor="ctr">
+                    <a:lnL w="12700" cap="flat" cmpd="sng" algn="ctr">
+                      <a:solidFill>
+                        <a:srgbClr val="000000"/>
+                      </a:solidFill>
+                      <a:prstDash val="solid"/>
+                      <a:round/>
+                      <a:headEnd type="none" w="med" len="med"/>
+                      <a:tailEnd type="none" w="med" len="med"/>
+                    </a:lnL>
+                    <a:lnR w="6350" cap="flat" cmpd="sng" algn="ctr">
+                      <a:solidFill>
+                        <a:srgbClr val="000000"/>
+                      </a:solidFill>
+                      <a:prstDash val="solid"/>
+                      <a:round/>
+                      <a:headEnd type="none" w="med" len="med"/>
+                      <a:tailEnd type="none" w="med" len="med"/>
+                    </a:lnR>
+                    <a:lnT w="6350" cap="flat" cmpd="sng" algn="ctr">
+                      <a:solidFill>
+                        <a:srgbClr val="000000"/>
+                      </a:solidFill>
+                      <a:prstDash val="solid"/>
+                      <a:round/>
+                      <a:headEnd type="none" w="med" len="med"/>
+                      <a:tailEnd type="none" w="med" len="med"/>
+                    </a:lnT>
+                    <a:lnB w="6350" cap="flat" cmpd="sng" algn="ctr">
+                      <a:solidFill>
+                        <a:srgbClr val="000000"/>
+                      </a:solidFill>
+                      <a:prstDash val="solid"/>
+                      <a:round/>
+                      <a:headEnd type="none" w="med" len="med"/>
+                      <a:tailEnd type="none" w="med" len="med"/>
+                    </a:lnB>
+                    <a:solidFill>
+                      <a:srgbClr val="9BC2E6"/>
+                    </a:solidFill>
+                  </a:tcPr>
+                </a:tc>
+                <a:tc>
+                  <a:txBody>
+                    <a:bodyPr/>
+                    <a:lstStyle/>
+                    <a:p>
+                      <a:pPr algn="ctr" fontAlgn="ctr"/>
+                      <a:r>
+                        <a:rPr lang="en-US" sz="1100" b="0" i="0" u="none" strike="noStrike">
+                          <a:solidFill>
+                            <a:srgbClr val="000000"/>
+                          </a:solidFill>
+                          <a:effectLst/>
+                          <a:latin typeface="Calibri" panose="020F0502020204030204" pitchFamily="34" charset="0"/>
+                        </a:rPr>
+                        <a:t>1.00E-04</a:t>
+                      </a:r>
+                    </a:p>
+                  </a:txBody>
+                  <a:tcPr marL="9525" marR="9525" marT="9525" marB="0" anchor="ctr">
+                    <a:lnL w="6350" cap="flat" cmpd="sng" algn="ctr">
+                      <a:solidFill>
+                        <a:srgbClr val="000000"/>
+                      </a:solidFill>
+                      <a:prstDash val="solid"/>
+                      <a:round/>
+                      <a:headEnd type="none" w="med" len="med"/>
+                      <a:tailEnd type="none" w="med" len="med"/>
+                    </a:lnL>
+                    <a:lnR w="12700" cap="flat" cmpd="sng" algn="ctr">
+                      <a:solidFill>
+                        <a:srgbClr val="000000"/>
+                      </a:solidFill>
+                      <a:prstDash val="solid"/>
+                      <a:round/>
+                      <a:headEnd type="none" w="med" len="med"/>
+                      <a:tailEnd type="none" w="med" len="med"/>
+                    </a:lnR>
+                    <a:lnT w="6350" cap="flat" cmpd="sng" algn="ctr">
+                      <a:solidFill>
+                        <a:srgbClr val="000000"/>
+                      </a:solidFill>
+                      <a:prstDash val="solid"/>
+                      <a:round/>
+                      <a:headEnd type="none" w="med" len="med"/>
+                      <a:tailEnd type="none" w="med" len="med"/>
+                    </a:lnT>
+                    <a:lnB w="6350" cap="flat" cmpd="sng" algn="ctr">
+                      <a:solidFill>
+                        <a:srgbClr val="000000"/>
+                      </a:solidFill>
+                      <a:prstDash val="solid"/>
+                      <a:round/>
+                      <a:headEnd type="none" w="med" len="med"/>
+                      <a:tailEnd type="none" w="med" len="med"/>
+                    </a:lnB>
+                    <a:solidFill>
+                      <a:srgbClr val="9BC2E6"/>
+                    </a:solidFill>
+                  </a:tcPr>
+                </a:tc>
+                <a:tc>
+                  <a:txBody>
+                    <a:bodyPr/>
+                    <a:lstStyle/>
+                    <a:p>
+                      <a:pPr algn="ctr" fontAlgn="ctr"/>
+                      <a:r>
+                        <a:rPr lang="en-US" sz="1100" b="0" i="0" u="none" strike="noStrike">
+                          <a:solidFill>
+                            <a:srgbClr val="000000"/>
+                          </a:solidFill>
+                          <a:effectLst/>
+                          <a:latin typeface="Calibri" panose="020F0502020204030204" pitchFamily="34" charset="0"/>
+                        </a:rPr>
+                        <a:t>5.420E-01</a:t>
+                      </a:r>
+                    </a:p>
+                  </a:txBody>
+                  <a:tcPr marL="9525" marR="9525" marT="9525" marB="0" anchor="ctr">
+                    <a:lnL w="12700" cap="flat" cmpd="sng" algn="ctr">
+                      <a:solidFill>
+                        <a:srgbClr val="000000"/>
+                      </a:solidFill>
+                      <a:prstDash val="solid"/>
+                      <a:round/>
+                      <a:headEnd type="none" w="med" len="med"/>
+                      <a:tailEnd type="none" w="med" len="med"/>
+                    </a:lnL>
+                    <a:lnR w="6350" cap="flat" cmpd="sng" algn="ctr">
+                      <a:solidFill>
+                        <a:srgbClr val="000000"/>
+                      </a:solidFill>
+                      <a:prstDash val="solid"/>
+                      <a:round/>
+                      <a:headEnd type="none" w="med" len="med"/>
+                      <a:tailEnd type="none" w="med" len="med"/>
+                    </a:lnR>
+                    <a:lnT w="6350" cap="flat" cmpd="sng" algn="ctr">
+                      <a:solidFill>
+                        <a:srgbClr val="000000"/>
+                      </a:solidFill>
+                      <a:prstDash val="solid"/>
+                      <a:round/>
+                      <a:headEnd type="none" w="med" len="med"/>
+                      <a:tailEnd type="none" w="med" len="med"/>
+                    </a:lnT>
+                    <a:lnB w="6350" cap="flat" cmpd="sng" algn="ctr">
+                      <a:solidFill>
+                        <a:srgbClr val="000000"/>
+                      </a:solidFill>
+                      <a:prstDash val="solid"/>
+                      <a:round/>
+                      <a:headEnd type="none" w="med" len="med"/>
+                      <a:tailEnd type="none" w="med" len="med"/>
+                    </a:lnB>
+                    <a:solidFill>
+                      <a:srgbClr val="9BC2E6"/>
+                    </a:solidFill>
+                  </a:tcPr>
+                </a:tc>
+                <a:tc>
+                  <a:txBody>
+                    <a:bodyPr/>
+                    <a:lstStyle/>
+                    <a:p>
+                      <a:pPr algn="ctr" fontAlgn="ctr"/>
+                      <a:r>
+                        <a:rPr lang="en-US" sz="1100" b="0" i="0" u="none" strike="noStrike">
+                          <a:solidFill>
+                            <a:srgbClr val="000000"/>
+                          </a:solidFill>
+                          <a:effectLst/>
+                          <a:latin typeface="Calibri" panose="020F0502020204030204" pitchFamily="34" charset="0"/>
+                        </a:rPr>
+                        <a:t>3.80E-04</a:t>
+                      </a:r>
+                    </a:p>
+                  </a:txBody>
+                  <a:tcPr marL="9525" marR="9525" marT="9525" marB="0" anchor="ctr">
+                    <a:lnL w="6350" cap="flat" cmpd="sng" algn="ctr">
+                      <a:solidFill>
+                        <a:srgbClr val="000000"/>
+                      </a:solidFill>
+                      <a:prstDash val="solid"/>
+                      <a:round/>
+                      <a:headEnd type="none" w="med" len="med"/>
+                      <a:tailEnd type="none" w="med" len="med"/>
+                    </a:lnL>
+                    <a:lnR w="12700" cap="flat" cmpd="sng" algn="ctr">
+                      <a:solidFill>
+                        <a:srgbClr val="000000"/>
+                      </a:solidFill>
+                      <a:prstDash val="solid"/>
+                      <a:round/>
+                      <a:headEnd type="none" w="med" len="med"/>
+                      <a:tailEnd type="none" w="med" len="med"/>
+                    </a:lnR>
+                    <a:lnT w="6350" cap="flat" cmpd="sng" algn="ctr">
+                      <a:solidFill>
+                        <a:srgbClr val="000000"/>
+                      </a:solidFill>
+                      <a:prstDash val="solid"/>
+                      <a:round/>
+                      <a:headEnd type="none" w="med" len="med"/>
+                      <a:tailEnd type="none" w="med" len="med"/>
+                    </a:lnT>
+                    <a:lnB w="6350" cap="flat" cmpd="sng" algn="ctr">
+                      <a:solidFill>
+                        <a:srgbClr val="000000"/>
+                      </a:solidFill>
+                      <a:prstDash val="solid"/>
+                      <a:round/>
+                      <a:headEnd type="none" w="med" len="med"/>
+                      <a:tailEnd type="none" w="med" len="med"/>
+                    </a:lnB>
+                    <a:solidFill>
+                      <a:srgbClr val="9BC2E6"/>
+                    </a:solidFill>
+                  </a:tcPr>
+                </a:tc>
+                <a:tc>
+                  <a:txBody>
+                    <a:bodyPr/>
+                    <a:lstStyle/>
+                    <a:p>
+                      <a:pPr algn="r" fontAlgn="b"/>
+                      <a:r>
+                        <a:rPr lang="en-US" sz="1100" b="0" i="0" u="none" strike="noStrike">
+                          <a:solidFill>
+                            <a:srgbClr val="000000"/>
+                          </a:solidFill>
+                          <a:effectLst/>
+                          <a:latin typeface="Calibri" panose="020F0502020204030204" pitchFamily="34" charset="0"/>
+                        </a:rPr>
+                        <a:t>9.161E-01</a:t>
+                      </a:r>
+                    </a:p>
+                  </a:txBody>
+                  <a:tcPr marL="9525" marR="9525" marT="9525" marB="0" anchor="b">
+                    <a:lnL w="12700" cap="flat" cmpd="sng" algn="ctr">
+                      <a:solidFill>
+                        <a:srgbClr val="000000"/>
+                      </a:solidFill>
+                      <a:prstDash val="solid"/>
+                      <a:round/>
+                      <a:headEnd type="none" w="med" len="med"/>
+                      <a:tailEnd type="none" w="med" len="med"/>
+                    </a:lnL>
+                    <a:lnR w="6350" cap="flat" cmpd="sng" algn="ctr">
+                      <a:solidFill>
+                        <a:srgbClr val="000000"/>
+                      </a:solidFill>
+                      <a:prstDash val="solid"/>
+                      <a:round/>
+                      <a:headEnd type="none" w="med" len="med"/>
+                      <a:tailEnd type="none" w="med" len="med"/>
+                    </a:lnR>
+                    <a:lnT w="6350" cap="flat" cmpd="sng" algn="ctr">
+                      <a:solidFill>
+                        <a:srgbClr val="000000"/>
+                      </a:solidFill>
+                      <a:prstDash val="solid"/>
+                      <a:round/>
+                      <a:headEnd type="none" w="med" len="med"/>
+                      <a:tailEnd type="none" w="med" len="med"/>
+                    </a:lnT>
+                    <a:lnB w="6350" cap="flat" cmpd="sng" algn="ctr">
+                      <a:solidFill>
+                        <a:srgbClr val="000000"/>
+                      </a:solidFill>
+                      <a:prstDash val="solid"/>
+                      <a:round/>
+                      <a:headEnd type="none" w="med" len="med"/>
+                      <a:tailEnd type="none" w="med" len="med"/>
+                    </a:lnB>
+                    <a:solidFill>
+                      <a:srgbClr val="9BC2E6"/>
+                    </a:solidFill>
+                  </a:tcPr>
+                </a:tc>
+                <a:tc>
+                  <a:txBody>
+                    <a:bodyPr/>
+                    <a:lstStyle/>
+                    <a:p>
+                      <a:pPr algn="r" fontAlgn="b"/>
+                      <a:r>
+                        <a:rPr lang="en-US" sz="1100" b="0" i="0" u="none" strike="noStrike">
+                          <a:solidFill>
+                            <a:srgbClr val="000000"/>
+                          </a:solidFill>
+                          <a:effectLst/>
+                          <a:latin typeface="Calibri" panose="020F0502020204030204" pitchFamily="34" charset="0"/>
+                        </a:rPr>
+                        <a:t>1.53E-03</a:t>
+                      </a:r>
+                    </a:p>
+                  </a:txBody>
+                  <a:tcPr marL="9525" marR="9525" marT="9525" marB="0" anchor="b">
+                    <a:lnL w="6350" cap="flat" cmpd="sng" algn="ctr">
+                      <a:solidFill>
+                        <a:srgbClr val="000000"/>
+                      </a:solidFill>
+                      <a:prstDash val="solid"/>
+                      <a:round/>
+                      <a:headEnd type="none" w="med" len="med"/>
+                      <a:tailEnd type="none" w="med" len="med"/>
+                    </a:lnL>
+                    <a:lnR w="12700" cap="flat" cmpd="sng" algn="ctr">
+                      <a:solidFill>
+                        <a:srgbClr val="000000"/>
+                      </a:solidFill>
+                      <a:prstDash val="solid"/>
+                      <a:round/>
+                      <a:headEnd type="none" w="med" len="med"/>
+                      <a:tailEnd type="none" w="med" len="med"/>
+                    </a:lnR>
+                    <a:lnT w="6350" cap="flat" cmpd="sng" algn="ctr">
+                      <a:solidFill>
+                        <a:srgbClr val="000000"/>
+                      </a:solidFill>
+                      <a:prstDash val="solid"/>
+                      <a:round/>
+                      <a:headEnd type="none" w="med" len="med"/>
+                      <a:tailEnd type="none" w="med" len="med"/>
+                    </a:lnT>
+                    <a:lnB w="6350" cap="flat" cmpd="sng" algn="ctr">
+                      <a:solidFill>
+                        <a:srgbClr val="000000"/>
+                      </a:solidFill>
+                      <a:prstDash val="solid"/>
+                      <a:round/>
+                      <a:headEnd type="none" w="med" len="med"/>
+                      <a:tailEnd type="none" w="med" len="med"/>
+                    </a:lnB>
+                    <a:solidFill>
+                      <a:srgbClr val="9BC2E6"/>
+                    </a:solidFill>
+                  </a:tcPr>
+                </a:tc>
+                <a:tc gridSpan="2">
+                  <a:txBody>
+                    <a:bodyPr/>
+                    <a:lstStyle/>
+                    <a:p>
+                      <a:pPr algn="ctr" fontAlgn="ctr"/>
+                      <a:r>
+                        <a:rPr lang="en-US" sz="1100" b="0" i="0" u="none" strike="noStrike">
+                          <a:solidFill>
+                            <a:srgbClr val="000000"/>
+                          </a:solidFill>
+                          <a:effectLst/>
+                          <a:latin typeface="Calibri" panose="020F0502020204030204" pitchFamily="34" charset="0"/>
+                        </a:rPr>
+                        <a:t>Reference</a:t>
+                      </a:r>
+                    </a:p>
+                  </a:txBody>
+                  <a:tcPr marL="9525" marR="9525" marT="9525" marB="0" anchor="ctr">
+                    <a:lnL w="12700" cap="flat" cmpd="sng" algn="ctr">
+                      <a:solidFill>
+                        <a:srgbClr val="000000"/>
+                      </a:solidFill>
+                      <a:prstDash val="solid"/>
+                      <a:round/>
+                      <a:headEnd type="none" w="med" len="med"/>
+                      <a:tailEnd type="none" w="med" len="med"/>
+                    </a:lnL>
+                    <a:lnR w="6350" cap="flat" cmpd="sng" algn="ctr">
+                      <a:solidFill>
+                        <a:srgbClr val="000000"/>
+                      </a:solidFill>
+                      <a:prstDash val="solid"/>
+                      <a:round/>
+                      <a:headEnd type="none" w="med" len="med"/>
+                      <a:tailEnd type="none" w="med" len="med"/>
+                    </a:lnR>
+                    <a:lnT w="6350" cap="flat" cmpd="sng" algn="ctr">
+                      <a:solidFill>
+                        <a:srgbClr val="000000"/>
+                      </a:solidFill>
+                      <a:prstDash val="solid"/>
+                      <a:round/>
+                      <a:headEnd type="none" w="med" len="med"/>
+                      <a:tailEnd type="none" w="med" len="med"/>
+                    </a:lnT>
+                    <a:lnB w="6350" cap="flat" cmpd="sng" algn="ctr">
+                      <a:solidFill>
+                        <a:srgbClr val="000000"/>
+                      </a:solidFill>
+                      <a:prstDash val="solid"/>
+                      <a:round/>
+                      <a:headEnd type="none" w="med" len="med"/>
+                      <a:tailEnd type="none" w="med" len="med"/>
+                    </a:lnB>
+                    <a:solidFill>
+                      <a:srgbClr val="92D050"/>
+                    </a:solidFill>
+                  </a:tcPr>
+                </a:tc>
+                <a:tc hMerge="1">
+                  <a:txBody>
+                    <a:bodyPr/>
+                    <a:lstStyle/>
+                    <a:p>
+                      <a:endParaRPr lang="en-US"/>
+                    </a:p>
+                  </a:txBody>
+                  <a:tcPr/>
+                </a:tc>
+                <a:tc>
+                  <a:txBody>
+                    <a:bodyPr/>
+                    <a:lstStyle/>
+                    <a:p>
+                      <a:pPr algn="ctr" fontAlgn="ctr"/>
+                      <a:r>
+                        <a:rPr lang="en-US" sz="1100" b="0" i="0" u="none" strike="noStrike">
+                          <a:solidFill>
+                            <a:srgbClr val="000000"/>
+                          </a:solidFill>
+                          <a:effectLst/>
+                          <a:latin typeface="Calibri" panose="020F0502020204030204" pitchFamily="34" charset="0"/>
+                        </a:rPr>
+                        <a:t>-</a:t>
+                      </a:r>
+                    </a:p>
+                  </a:txBody>
+                  <a:tcPr marL="9525" marR="9525" marT="9525" marB="0" anchor="ctr">
+                    <a:lnL w="6350" cap="flat" cmpd="sng" algn="ctr">
+                      <a:solidFill>
+                        <a:srgbClr val="000000"/>
+                      </a:solidFill>
+                      <a:prstDash val="solid"/>
+                      <a:round/>
+                      <a:headEnd type="none" w="med" len="med"/>
+                      <a:tailEnd type="none" w="med" len="med"/>
+                    </a:lnL>
+                    <a:lnR w="12700" cap="flat" cmpd="sng" algn="ctr">
+                      <a:solidFill>
+                        <a:srgbClr val="000000"/>
+                      </a:solidFill>
+                      <a:prstDash val="solid"/>
+                      <a:round/>
+                      <a:headEnd type="none" w="med" len="med"/>
+                      <a:tailEnd type="none" w="med" len="med"/>
+                    </a:lnR>
+                    <a:lnT w="6350" cap="flat" cmpd="sng" algn="ctr">
+                      <a:solidFill>
+                        <a:srgbClr val="000000"/>
+                      </a:solidFill>
+                      <a:prstDash val="solid"/>
+                      <a:round/>
+                      <a:headEnd type="none" w="med" len="med"/>
+                      <a:tailEnd type="none" w="med" len="med"/>
+                    </a:lnT>
+                    <a:lnB w="6350" cap="flat" cmpd="sng" algn="ctr">
+                      <a:solidFill>
+                        <a:srgbClr val="000000"/>
+                      </a:solidFill>
+                      <a:prstDash val="solid"/>
+                      <a:round/>
+                      <a:headEnd type="none" w="med" len="med"/>
+                      <a:tailEnd type="none" w="med" len="med"/>
+                    </a:lnB>
+                    <a:solidFill>
+                      <a:srgbClr val="FF0000"/>
+                    </a:solidFill>
+                  </a:tcPr>
+                </a:tc>
+                <a:extLst>
+                  <a:ext uri="{0D108BD9-81ED-4DB2-BD59-A6C34878D82A}">
+                    <a16:rowId xmlns:a16="http://schemas.microsoft.com/office/drawing/2014/main" val="259180657"/>
+                  </a:ext>
+                </a:extLst>
+              </a:tr>
+              <a:tr h="200025">
+                <a:tc>
+                  <a:txBody>
+                    <a:bodyPr/>
+                    <a:lstStyle/>
+                    <a:p>
+                      <a:pPr algn="ctr" fontAlgn="ctr"/>
+                      <a:r>
+                        <a:rPr lang="en-US" sz="1100" b="0" i="0" u="none" strike="noStrike">
+                          <a:solidFill>
+                            <a:srgbClr val="000000"/>
+                          </a:solidFill>
+                          <a:effectLst/>
+                          <a:latin typeface="Calibri" panose="020F0502020204030204" pitchFamily="34" charset="0"/>
+                        </a:rPr>
+                        <a:t>Ease_Combine</a:t>
+                      </a:r>
+                    </a:p>
+                  </a:txBody>
+                  <a:tcPr marL="9525" marR="9525" marT="9525" marB="0" anchor="ctr">
+                    <a:lnL w="12700" cap="flat" cmpd="sng" algn="ctr">
+                      <a:solidFill>
+                        <a:srgbClr val="000000"/>
+                      </a:solidFill>
+                      <a:prstDash val="solid"/>
+                      <a:round/>
+                      <a:headEnd type="none" w="med" len="med"/>
+                      <a:tailEnd type="none" w="med" len="med"/>
+                    </a:lnL>
+                    <a:lnR w="12700" cap="flat" cmpd="sng" algn="ctr">
+                      <a:solidFill>
+                        <a:srgbClr val="000000"/>
+                      </a:solidFill>
+                      <a:prstDash val="solid"/>
+                      <a:round/>
+                      <a:headEnd type="none" w="med" len="med"/>
+                      <a:tailEnd type="none" w="med" len="med"/>
+                    </a:lnR>
+                    <a:lnT w="6350" cap="flat" cmpd="sng" algn="ctr">
+                      <a:solidFill>
+                        <a:srgbClr val="000000"/>
+                      </a:solidFill>
+                      <a:prstDash val="solid"/>
+                      <a:round/>
+                      <a:headEnd type="none" w="med" len="med"/>
+                      <a:tailEnd type="none" w="med" len="med"/>
+                    </a:lnT>
+                    <a:lnB w="6350" cap="flat" cmpd="sng" algn="ctr">
+                      <a:solidFill>
+                        <a:srgbClr val="000000"/>
+                      </a:solidFill>
+                      <a:prstDash val="solid"/>
+                      <a:round/>
+                      <a:headEnd type="none" w="med" len="med"/>
+                      <a:tailEnd type="none" w="med" len="med"/>
+                    </a:lnB>
+                    <a:solidFill>
+                      <a:srgbClr val="9BC2E6"/>
+                    </a:solidFill>
+                  </a:tcPr>
+                </a:tc>
+                <a:tc>
+                  <a:txBody>
+                    <a:bodyPr/>
+                    <a:lstStyle/>
+                    <a:p>
+                      <a:pPr algn="ctr" fontAlgn="ctr"/>
+                      <a:r>
+                        <a:rPr lang="en-US" sz="1100" b="0" i="0" u="none" strike="noStrike">
+                          <a:solidFill>
+                            <a:srgbClr val="000000"/>
+                          </a:solidFill>
+                          <a:effectLst/>
+                          <a:latin typeface="Calibri" panose="020F0502020204030204" pitchFamily="34" charset="0"/>
+                        </a:rPr>
+                        <a:t>2.245E-01</a:t>
+                      </a:r>
+                    </a:p>
+                  </a:txBody>
+                  <a:tcPr marL="9525" marR="9525" marT="9525" marB="0" anchor="ctr">
+                    <a:lnL w="12700" cap="flat" cmpd="sng" algn="ctr">
+                      <a:solidFill>
+                        <a:srgbClr val="000000"/>
+                      </a:solidFill>
+                      <a:prstDash val="solid"/>
+                      <a:round/>
+                      <a:headEnd type="none" w="med" len="med"/>
+                      <a:tailEnd type="none" w="med" len="med"/>
+                    </a:lnL>
+                    <a:lnR w="6350" cap="flat" cmpd="sng" algn="ctr">
+                      <a:solidFill>
+                        <a:srgbClr val="000000"/>
+                      </a:solidFill>
+                      <a:prstDash val="solid"/>
+                      <a:round/>
+                      <a:headEnd type="none" w="med" len="med"/>
+                      <a:tailEnd type="none" w="med" len="med"/>
+                    </a:lnR>
+                    <a:lnT w="6350" cap="flat" cmpd="sng" algn="ctr">
+                      <a:solidFill>
+                        <a:srgbClr val="000000"/>
+                      </a:solidFill>
+                      <a:prstDash val="solid"/>
+                      <a:round/>
+                      <a:headEnd type="none" w="med" len="med"/>
+                      <a:tailEnd type="none" w="med" len="med"/>
+                    </a:lnT>
+                    <a:lnB w="6350" cap="flat" cmpd="sng" algn="ctr">
+                      <a:solidFill>
+                        <a:srgbClr val="000000"/>
+                      </a:solidFill>
+                      <a:prstDash val="solid"/>
+                      <a:round/>
+                      <a:headEnd type="none" w="med" len="med"/>
+                      <a:tailEnd type="none" w="med" len="med"/>
+                    </a:lnB>
+                    <a:solidFill>
+                      <a:srgbClr val="9BC2E6"/>
+                    </a:solidFill>
+                  </a:tcPr>
+                </a:tc>
+                <a:tc>
+                  <a:txBody>
+                    <a:bodyPr/>
+                    <a:lstStyle/>
+                    <a:p>
+                      <a:pPr algn="ctr" fontAlgn="ctr"/>
+                      <a:r>
+                        <a:rPr lang="en-US" sz="1100" b="0" i="0" u="none" strike="noStrike">
+                          <a:solidFill>
+                            <a:srgbClr val="000000"/>
+                          </a:solidFill>
+                          <a:effectLst/>
+                          <a:latin typeface="Calibri" panose="020F0502020204030204" pitchFamily="34" charset="0"/>
+                        </a:rPr>
+                        <a:t>9.00E-05</a:t>
+                      </a:r>
+                    </a:p>
+                  </a:txBody>
+                  <a:tcPr marL="9525" marR="9525" marT="9525" marB="0" anchor="ctr">
+                    <a:lnL w="6350" cap="flat" cmpd="sng" algn="ctr">
+                      <a:solidFill>
+                        <a:srgbClr val="000000"/>
+                      </a:solidFill>
+                      <a:prstDash val="solid"/>
+                      <a:round/>
+                      <a:headEnd type="none" w="med" len="med"/>
+                      <a:tailEnd type="none" w="med" len="med"/>
+                    </a:lnL>
+                    <a:lnR w="12700" cap="flat" cmpd="sng" algn="ctr">
+                      <a:solidFill>
+                        <a:srgbClr val="000000"/>
+                      </a:solidFill>
+                      <a:prstDash val="solid"/>
+                      <a:round/>
+                      <a:headEnd type="none" w="med" len="med"/>
+                      <a:tailEnd type="none" w="med" len="med"/>
+                    </a:lnR>
+                    <a:lnT w="6350" cap="flat" cmpd="sng" algn="ctr">
+                      <a:solidFill>
+                        <a:srgbClr val="000000"/>
+                      </a:solidFill>
+                      <a:prstDash val="solid"/>
+                      <a:round/>
+                      <a:headEnd type="none" w="med" len="med"/>
+                      <a:tailEnd type="none" w="med" len="med"/>
+                    </a:lnT>
+                    <a:lnB w="6350" cap="flat" cmpd="sng" algn="ctr">
+                      <a:solidFill>
+                        <a:srgbClr val="000000"/>
+                      </a:solidFill>
+                      <a:prstDash val="solid"/>
+                      <a:round/>
+                      <a:headEnd type="none" w="med" len="med"/>
+                      <a:tailEnd type="none" w="med" len="med"/>
+                    </a:lnB>
+                    <a:solidFill>
+                      <a:srgbClr val="9BC2E6"/>
+                    </a:solidFill>
+                  </a:tcPr>
+                </a:tc>
+                <a:tc>
+                  <a:txBody>
+                    <a:bodyPr/>
+                    <a:lstStyle/>
+                    <a:p>
+                      <a:pPr algn="ctr" fontAlgn="ctr"/>
+                      <a:r>
+                        <a:rPr lang="en-US" sz="1100" b="0" i="0" u="none" strike="noStrike">
+                          <a:solidFill>
+                            <a:srgbClr val="000000"/>
+                          </a:solidFill>
+                          <a:effectLst/>
+                          <a:latin typeface="Calibri" panose="020F0502020204030204" pitchFamily="34" charset="0"/>
+                        </a:rPr>
+                        <a:t>5.490E-01</a:t>
+                      </a:r>
+                    </a:p>
+                  </a:txBody>
+                  <a:tcPr marL="9525" marR="9525" marT="9525" marB="0" anchor="ctr">
+                    <a:lnL w="12700" cap="flat" cmpd="sng" algn="ctr">
+                      <a:solidFill>
+                        <a:srgbClr val="000000"/>
+                      </a:solidFill>
+                      <a:prstDash val="solid"/>
+                      <a:round/>
+                      <a:headEnd type="none" w="med" len="med"/>
+                      <a:tailEnd type="none" w="med" len="med"/>
+                    </a:lnL>
+                    <a:lnR w="6350" cap="flat" cmpd="sng" algn="ctr">
+                      <a:solidFill>
+                        <a:srgbClr val="000000"/>
+                      </a:solidFill>
+                      <a:prstDash val="solid"/>
+                      <a:round/>
+                      <a:headEnd type="none" w="med" len="med"/>
+                      <a:tailEnd type="none" w="med" len="med"/>
+                    </a:lnR>
+                    <a:lnT w="6350" cap="flat" cmpd="sng" algn="ctr">
+                      <a:solidFill>
+                        <a:srgbClr val="000000"/>
+                      </a:solidFill>
+                      <a:prstDash val="solid"/>
+                      <a:round/>
+                      <a:headEnd type="none" w="med" len="med"/>
+                      <a:tailEnd type="none" w="med" len="med"/>
+                    </a:lnT>
+                    <a:lnB w="6350" cap="flat" cmpd="sng" algn="ctr">
+                      <a:solidFill>
+                        <a:srgbClr val="000000"/>
+                      </a:solidFill>
+                      <a:prstDash val="solid"/>
+                      <a:round/>
+                      <a:headEnd type="none" w="med" len="med"/>
+                      <a:tailEnd type="none" w="med" len="med"/>
+                    </a:lnB>
+                    <a:solidFill>
+                      <a:srgbClr val="9BC2E6"/>
+                    </a:solidFill>
+                  </a:tcPr>
+                </a:tc>
+                <a:tc>
+                  <a:txBody>
+                    <a:bodyPr/>
+                    <a:lstStyle/>
+                    <a:p>
+                      <a:pPr algn="ctr" fontAlgn="ctr"/>
+                      <a:r>
+                        <a:rPr lang="en-US" sz="1100" b="0" i="0" u="none" strike="noStrike">
+                          <a:solidFill>
+                            <a:srgbClr val="000000"/>
+                          </a:solidFill>
+                          <a:effectLst/>
+                          <a:latin typeface="Calibri" panose="020F0502020204030204" pitchFamily="34" charset="0"/>
+                        </a:rPr>
+                        <a:t>3.60E-04</a:t>
+                      </a:r>
+                    </a:p>
+                  </a:txBody>
+                  <a:tcPr marL="9525" marR="9525" marT="9525" marB="0" anchor="ctr">
+                    <a:lnL w="6350" cap="flat" cmpd="sng" algn="ctr">
+                      <a:solidFill>
+                        <a:srgbClr val="000000"/>
+                      </a:solidFill>
+                      <a:prstDash val="solid"/>
+                      <a:round/>
+                      <a:headEnd type="none" w="med" len="med"/>
+                      <a:tailEnd type="none" w="med" len="med"/>
+                    </a:lnL>
+                    <a:lnR w="12700" cap="flat" cmpd="sng" algn="ctr">
+                      <a:solidFill>
+                        <a:srgbClr val="000000"/>
+                      </a:solidFill>
+                      <a:prstDash val="solid"/>
+                      <a:round/>
+                      <a:headEnd type="none" w="med" len="med"/>
+                      <a:tailEnd type="none" w="med" len="med"/>
+                    </a:lnR>
+                    <a:lnT w="6350" cap="flat" cmpd="sng" algn="ctr">
+                      <a:solidFill>
+                        <a:srgbClr val="000000"/>
+                      </a:solidFill>
+                      <a:prstDash val="solid"/>
+                      <a:round/>
+                      <a:headEnd type="none" w="med" len="med"/>
+                      <a:tailEnd type="none" w="med" len="med"/>
+                    </a:lnT>
+                    <a:lnB w="6350" cap="flat" cmpd="sng" algn="ctr">
+                      <a:solidFill>
+                        <a:srgbClr val="000000"/>
+                      </a:solidFill>
+                      <a:prstDash val="solid"/>
+                      <a:round/>
+                      <a:headEnd type="none" w="med" len="med"/>
+                      <a:tailEnd type="none" w="med" len="med"/>
+                    </a:lnB>
+                    <a:solidFill>
+                      <a:srgbClr val="9BC2E6"/>
+                    </a:solidFill>
+                  </a:tcPr>
+                </a:tc>
+                <a:tc>
+                  <a:txBody>
+                    <a:bodyPr/>
+                    <a:lstStyle/>
+                    <a:p>
+                      <a:pPr algn="r" fontAlgn="b"/>
+                      <a:r>
+                        <a:rPr lang="en-US" sz="1100" b="0" i="0" u="none" strike="noStrike">
+                          <a:solidFill>
+                            <a:srgbClr val="000000"/>
+                          </a:solidFill>
+                          <a:effectLst/>
+                          <a:latin typeface="Calibri" panose="020F0502020204030204" pitchFamily="34" charset="0"/>
+                        </a:rPr>
+                        <a:t>9.141E-01</a:t>
+                      </a:r>
+                    </a:p>
+                  </a:txBody>
+                  <a:tcPr marL="9525" marR="9525" marT="9525" marB="0" anchor="b">
+                    <a:lnL w="12700" cap="flat" cmpd="sng" algn="ctr">
+                      <a:solidFill>
+                        <a:srgbClr val="000000"/>
+                      </a:solidFill>
+                      <a:prstDash val="solid"/>
+                      <a:round/>
+                      <a:headEnd type="none" w="med" len="med"/>
+                      <a:tailEnd type="none" w="med" len="med"/>
+                    </a:lnL>
+                    <a:lnR w="6350" cap="flat" cmpd="sng" algn="ctr">
+                      <a:solidFill>
+                        <a:srgbClr val="000000"/>
+                      </a:solidFill>
+                      <a:prstDash val="solid"/>
+                      <a:round/>
+                      <a:headEnd type="none" w="med" len="med"/>
+                      <a:tailEnd type="none" w="med" len="med"/>
+                    </a:lnR>
+                    <a:lnT w="6350" cap="flat" cmpd="sng" algn="ctr">
+                      <a:solidFill>
+                        <a:srgbClr val="000000"/>
+                      </a:solidFill>
+                      <a:prstDash val="solid"/>
+                      <a:round/>
+                      <a:headEnd type="none" w="med" len="med"/>
+                      <a:tailEnd type="none" w="med" len="med"/>
+                    </a:lnT>
+                    <a:lnB w="6350" cap="flat" cmpd="sng" algn="ctr">
+                      <a:solidFill>
+                        <a:srgbClr val="000000"/>
+                      </a:solidFill>
+                      <a:prstDash val="solid"/>
+                      <a:round/>
+                      <a:headEnd type="none" w="med" len="med"/>
+                      <a:tailEnd type="none" w="med" len="med"/>
+                    </a:lnB>
+                    <a:solidFill>
+                      <a:srgbClr val="9BC2E6"/>
+                    </a:solidFill>
+                  </a:tcPr>
+                </a:tc>
+                <a:tc>
+                  <a:txBody>
+                    <a:bodyPr/>
+                    <a:lstStyle/>
+                    <a:p>
+                      <a:pPr algn="r" fontAlgn="b"/>
+                      <a:r>
+                        <a:rPr lang="en-US" sz="1100" b="0" i="0" u="none" strike="noStrike">
+                          <a:solidFill>
+                            <a:srgbClr val="000000"/>
+                          </a:solidFill>
+                          <a:effectLst/>
+                          <a:latin typeface="Calibri" panose="020F0502020204030204" pitchFamily="34" charset="0"/>
+                        </a:rPr>
+                        <a:t>2.50E-03</a:t>
+                      </a:r>
+                    </a:p>
+                  </a:txBody>
+                  <a:tcPr marL="9525" marR="9525" marT="9525" marB="0" anchor="b">
+                    <a:lnL w="6350" cap="flat" cmpd="sng" algn="ctr">
+                      <a:solidFill>
+                        <a:srgbClr val="000000"/>
+                      </a:solidFill>
+                      <a:prstDash val="solid"/>
+                      <a:round/>
+                      <a:headEnd type="none" w="med" len="med"/>
+                      <a:tailEnd type="none" w="med" len="med"/>
+                    </a:lnL>
+                    <a:lnR w="12700" cap="flat" cmpd="sng" algn="ctr">
+                      <a:solidFill>
+                        <a:srgbClr val="000000"/>
+                      </a:solidFill>
+                      <a:prstDash val="solid"/>
+                      <a:round/>
+                      <a:headEnd type="none" w="med" len="med"/>
+                      <a:tailEnd type="none" w="med" len="med"/>
+                    </a:lnR>
+                    <a:lnT w="6350" cap="flat" cmpd="sng" algn="ctr">
+                      <a:solidFill>
+                        <a:srgbClr val="000000"/>
+                      </a:solidFill>
+                      <a:prstDash val="solid"/>
+                      <a:round/>
+                      <a:headEnd type="none" w="med" len="med"/>
+                      <a:tailEnd type="none" w="med" len="med"/>
+                    </a:lnT>
+                    <a:lnB w="6350" cap="flat" cmpd="sng" algn="ctr">
+                      <a:solidFill>
+                        <a:srgbClr val="000000"/>
+                      </a:solidFill>
+                      <a:prstDash val="solid"/>
+                      <a:round/>
+                      <a:headEnd type="none" w="med" len="med"/>
+                      <a:tailEnd type="none" w="med" len="med"/>
+                    </a:lnB>
+                    <a:solidFill>
+                      <a:srgbClr val="9BC2E6"/>
+                    </a:solidFill>
+                  </a:tcPr>
+                </a:tc>
+                <a:tc>
+                  <a:txBody>
+                    <a:bodyPr/>
+                    <a:lstStyle/>
+                    <a:p>
+                      <a:pPr algn="ctr" fontAlgn="ctr"/>
+                      <a:r>
+                        <a:rPr lang="en-US" sz="1100" b="0" i="0" u="none" strike="noStrike">
+                          <a:solidFill>
+                            <a:srgbClr val="000000"/>
+                          </a:solidFill>
+                          <a:effectLst/>
+                          <a:latin typeface="Calibri" panose="020F0502020204030204" pitchFamily="34" charset="0"/>
+                        </a:rPr>
+                        <a:t>-</a:t>
+                      </a:r>
+                    </a:p>
+                  </a:txBody>
+                  <a:tcPr marL="9525" marR="9525" marT="9525" marB="0" anchor="ctr">
+                    <a:lnL w="12700" cap="flat" cmpd="sng" algn="ctr">
+                      <a:solidFill>
+                        <a:srgbClr val="000000"/>
+                      </a:solidFill>
+                      <a:prstDash val="solid"/>
+                      <a:round/>
+                      <a:headEnd type="none" w="med" len="med"/>
+                      <a:tailEnd type="none" w="med" len="med"/>
+                    </a:lnL>
+                    <a:lnR w="6350" cap="flat" cmpd="sng" algn="ctr">
+                      <a:solidFill>
+                        <a:srgbClr val="000000"/>
+                      </a:solidFill>
+                      <a:prstDash val="solid"/>
+                      <a:round/>
+                      <a:headEnd type="none" w="med" len="med"/>
+                      <a:tailEnd type="none" w="med" len="med"/>
+                    </a:lnR>
+                    <a:lnT w="6350" cap="flat" cmpd="sng" algn="ctr">
+                      <a:solidFill>
+                        <a:srgbClr val="000000"/>
+                      </a:solidFill>
+                      <a:prstDash val="solid"/>
+                      <a:round/>
+                      <a:headEnd type="none" w="med" len="med"/>
+                      <a:tailEnd type="none" w="med" len="med"/>
+                    </a:lnT>
+                    <a:lnB w="12700" cap="flat" cmpd="sng" algn="ctr">
+                      <a:solidFill>
+                        <a:srgbClr val="000000"/>
+                      </a:solidFill>
+                      <a:prstDash val="solid"/>
+                      <a:round/>
+                      <a:headEnd type="none" w="med" len="med"/>
+                      <a:tailEnd type="none" w="med" len="med"/>
+                    </a:lnB>
+                    <a:solidFill>
+                      <a:srgbClr val="FF0000"/>
+                    </a:solidFill>
+                  </a:tcPr>
+                </a:tc>
+                <a:tc>
+                  <a:txBody>
+                    <a:bodyPr/>
+                    <a:lstStyle/>
+                    <a:p>
+                      <a:pPr algn="ctr" fontAlgn="ctr"/>
+                      <a:r>
+                        <a:rPr lang="en-US" sz="1100" b="0" i="0" u="none" strike="noStrike">
+                          <a:solidFill>
+                            <a:srgbClr val="000000"/>
+                          </a:solidFill>
+                          <a:effectLst/>
+                          <a:latin typeface="Calibri" panose="020F0502020204030204" pitchFamily="34" charset="0"/>
+                        </a:rPr>
+                        <a:t>-</a:t>
+                      </a:r>
+                    </a:p>
+                  </a:txBody>
+                  <a:tcPr marL="9525" marR="9525" marT="9525" marB="0" anchor="ctr">
+                    <a:lnL w="6350" cap="flat" cmpd="sng" algn="ctr">
+                      <a:solidFill>
+                        <a:srgbClr val="000000"/>
+                      </a:solidFill>
+                      <a:prstDash val="solid"/>
+                      <a:round/>
+                      <a:headEnd type="none" w="med" len="med"/>
+                      <a:tailEnd type="none" w="med" len="med"/>
+                    </a:lnL>
+                    <a:lnR w="6350" cap="flat" cmpd="sng" algn="ctr">
+                      <a:solidFill>
+                        <a:srgbClr val="000000"/>
+                      </a:solidFill>
+                      <a:prstDash val="solid"/>
+                      <a:round/>
+                      <a:headEnd type="none" w="med" len="med"/>
+                      <a:tailEnd type="none" w="med" len="med"/>
+                    </a:lnR>
+                    <a:lnT w="6350" cap="flat" cmpd="sng" algn="ctr">
+                      <a:solidFill>
+                        <a:srgbClr val="000000"/>
+                      </a:solidFill>
+                      <a:prstDash val="solid"/>
+                      <a:round/>
+                      <a:headEnd type="none" w="med" len="med"/>
+                      <a:tailEnd type="none" w="med" len="med"/>
+                    </a:lnT>
+                    <a:lnB w="12700" cap="flat" cmpd="sng" algn="ctr">
+                      <a:solidFill>
+                        <a:srgbClr val="000000"/>
+                      </a:solidFill>
+                      <a:prstDash val="solid"/>
+                      <a:round/>
+                      <a:headEnd type="none" w="med" len="med"/>
+                      <a:tailEnd type="none" w="med" len="med"/>
+                    </a:lnB>
+                    <a:solidFill>
+                      <a:srgbClr val="FF0000"/>
+                    </a:solidFill>
+                  </a:tcPr>
+                </a:tc>
+                <a:tc>
+                  <a:txBody>
+                    <a:bodyPr/>
+                    <a:lstStyle/>
+                    <a:p>
+                      <a:pPr algn="ctr" fontAlgn="ctr"/>
+                      <a:r>
+                        <a:rPr lang="en-US" sz="1100" b="0" i="0" u="none" strike="noStrike" dirty="0">
+                          <a:solidFill>
+                            <a:srgbClr val="000000"/>
+                          </a:solidFill>
+                          <a:effectLst/>
+                          <a:latin typeface="Calibri" panose="020F0502020204030204" pitchFamily="34" charset="0"/>
+                        </a:rPr>
+                        <a:t>-</a:t>
+                      </a:r>
+                    </a:p>
+                  </a:txBody>
+                  <a:tcPr marL="9525" marR="9525" marT="9525" marB="0" anchor="ctr">
+                    <a:lnL w="6350" cap="flat" cmpd="sng" algn="ctr">
+                      <a:solidFill>
+                        <a:srgbClr val="000000"/>
+                      </a:solidFill>
+                      <a:prstDash val="solid"/>
+                      <a:round/>
+                      <a:headEnd type="none" w="med" len="med"/>
+                      <a:tailEnd type="none" w="med" len="med"/>
+                    </a:lnL>
+                    <a:lnR w="12700" cap="flat" cmpd="sng" algn="ctr">
+                      <a:solidFill>
+                        <a:srgbClr val="000000"/>
+                      </a:solidFill>
+                      <a:prstDash val="solid"/>
+                      <a:round/>
+                      <a:headEnd type="none" w="med" len="med"/>
+                      <a:tailEnd type="none" w="med" len="med"/>
+                    </a:lnR>
+                    <a:lnT w="6350" cap="flat" cmpd="sng" algn="ctr">
+                      <a:solidFill>
+                        <a:srgbClr val="000000"/>
+                      </a:solidFill>
+                      <a:prstDash val="solid"/>
+                      <a:round/>
+                      <a:headEnd type="none" w="med" len="med"/>
+                      <a:tailEnd type="none" w="med" len="med"/>
+                    </a:lnT>
+                    <a:lnB w="12700" cap="flat" cmpd="sng" algn="ctr">
+                      <a:solidFill>
+                        <a:srgbClr val="000000"/>
+                      </a:solidFill>
+                      <a:prstDash val="solid"/>
+                      <a:round/>
+                      <a:headEnd type="none" w="med" len="med"/>
+                      <a:tailEnd type="none" w="med" len="med"/>
+                    </a:lnB>
+                    <a:solidFill>
+                      <a:srgbClr val="FF0000"/>
+                    </a:solidFill>
+                  </a:tcPr>
+                </a:tc>
+                <a:extLst>
+                  <a:ext uri="{0D108BD9-81ED-4DB2-BD59-A6C34878D82A}">
+                    <a16:rowId xmlns:a16="http://schemas.microsoft.com/office/drawing/2014/main" val="1482403703"/>
+                  </a:ext>
+                </a:extLst>
+              </a:tr>
+            </a:tbl>
+          </a:graphicData>
+        </a:graphic>
+      </p:graphicFrame>
     </p:spTree>
     <p:extLst>
       <p:ext uri="{BB962C8B-B14F-4D97-AF65-F5344CB8AC3E}">
@@ -7725,7 +15910,7 @@
           <a:graphicData uri="http://schemas.openxmlformats.org/presentationml/2006/ole">
             <mc:AlternateContent xmlns:mc="http://schemas.openxmlformats.org/markup-compatibility/2006">
               <mc:Choice xmlns:v="urn:schemas-microsoft-com:vml" Requires="v">
-                <p:oleObj spid="_x0000_s3099" name="Worksheet" r:id="rId3" imgW="12049071" imgH="5048199" progId="Excel.Sheet.12">
+                <p:oleObj spid="_x0000_s3101" name="Worksheet" r:id="rId3" imgW="12049071" imgH="5048199" progId="Excel.Sheet.12">
                   <p:embed/>
                 </p:oleObj>
               </mc:Choice>

--- a/general/Images.pptx
+++ b/general/Images.pptx
@@ -272,7 +272,7 @@
           <a:p>
             <a:fld id="{EEAF73AA-7651-4CF2-A5D8-7E714E2EA7AF}" type="datetimeFigureOut">
               <a:rPr lang="en-US" smtClean="0"/>
-              <a:t>17-05-20</a:t>
+              <a:t>5/21/2020</a:t>
             </a:fld>
             <a:endParaRPr lang="en-US"/>
           </a:p>
@@ -470,7 +470,7 @@
           <a:p>
             <a:fld id="{EEAF73AA-7651-4CF2-A5D8-7E714E2EA7AF}" type="datetimeFigureOut">
               <a:rPr lang="en-US" smtClean="0"/>
-              <a:t>17-05-20</a:t>
+              <a:t>5/21/2020</a:t>
             </a:fld>
             <a:endParaRPr lang="en-US"/>
           </a:p>
@@ -678,7 +678,7 @@
           <a:p>
             <a:fld id="{EEAF73AA-7651-4CF2-A5D8-7E714E2EA7AF}" type="datetimeFigureOut">
               <a:rPr lang="en-US" smtClean="0"/>
-              <a:t>17-05-20</a:t>
+              <a:t>5/21/2020</a:t>
             </a:fld>
             <a:endParaRPr lang="en-US"/>
           </a:p>
@@ -876,7 +876,7 @@
           <a:p>
             <a:fld id="{EEAF73AA-7651-4CF2-A5D8-7E714E2EA7AF}" type="datetimeFigureOut">
               <a:rPr lang="en-US" smtClean="0"/>
-              <a:t>17-05-20</a:t>
+              <a:t>5/21/2020</a:t>
             </a:fld>
             <a:endParaRPr lang="en-US"/>
           </a:p>
@@ -1151,7 +1151,7 @@
           <a:p>
             <a:fld id="{EEAF73AA-7651-4CF2-A5D8-7E714E2EA7AF}" type="datetimeFigureOut">
               <a:rPr lang="en-US" smtClean="0"/>
-              <a:t>17-05-20</a:t>
+              <a:t>5/21/2020</a:t>
             </a:fld>
             <a:endParaRPr lang="en-US"/>
           </a:p>
@@ -1416,7 +1416,7 @@
           <a:p>
             <a:fld id="{EEAF73AA-7651-4CF2-A5D8-7E714E2EA7AF}" type="datetimeFigureOut">
               <a:rPr lang="en-US" smtClean="0"/>
-              <a:t>17-05-20</a:t>
+              <a:t>5/21/2020</a:t>
             </a:fld>
             <a:endParaRPr lang="en-US"/>
           </a:p>
@@ -1828,7 +1828,7 @@
           <a:p>
             <a:fld id="{EEAF73AA-7651-4CF2-A5D8-7E714E2EA7AF}" type="datetimeFigureOut">
               <a:rPr lang="en-US" smtClean="0"/>
-              <a:t>17-05-20</a:t>
+              <a:t>5/21/2020</a:t>
             </a:fld>
             <a:endParaRPr lang="en-US"/>
           </a:p>
@@ -1969,7 +1969,7 @@
           <a:p>
             <a:fld id="{EEAF73AA-7651-4CF2-A5D8-7E714E2EA7AF}" type="datetimeFigureOut">
               <a:rPr lang="en-US" smtClean="0"/>
-              <a:t>17-05-20</a:t>
+              <a:t>5/21/2020</a:t>
             </a:fld>
             <a:endParaRPr lang="en-US"/>
           </a:p>
@@ -2082,7 +2082,7 @@
           <a:p>
             <a:fld id="{EEAF73AA-7651-4CF2-A5D8-7E714E2EA7AF}" type="datetimeFigureOut">
               <a:rPr lang="en-US" smtClean="0"/>
-              <a:t>17-05-20</a:t>
+              <a:t>5/21/2020</a:t>
             </a:fld>
             <a:endParaRPr lang="en-US"/>
           </a:p>
@@ -2393,7 +2393,7 @@
           <a:p>
             <a:fld id="{EEAF73AA-7651-4CF2-A5D8-7E714E2EA7AF}" type="datetimeFigureOut">
               <a:rPr lang="en-US" smtClean="0"/>
-              <a:t>17-05-20</a:t>
+              <a:t>5/21/2020</a:t>
             </a:fld>
             <a:endParaRPr lang="en-US"/>
           </a:p>
@@ -2681,7 +2681,7 @@
           <a:p>
             <a:fld id="{EEAF73AA-7651-4CF2-A5D8-7E714E2EA7AF}" type="datetimeFigureOut">
               <a:rPr lang="en-US" smtClean="0"/>
-              <a:t>17-05-20</a:t>
+              <a:t>5/21/2020</a:t>
             </a:fld>
             <a:endParaRPr lang="en-US"/>
           </a:p>
@@ -2922,7 +2922,7 @@
           <a:p>
             <a:fld id="{EEAF73AA-7651-4CF2-A5D8-7E714E2EA7AF}" type="datetimeFigureOut">
               <a:rPr lang="en-US" smtClean="0"/>
-              <a:t>17-05-20</a:t>
+              <a:t>5/21/2020</a:t>
             </a:fld>
             <a:endParaRPr lang="en-US"/>
           </a:p>
@@ -4171,8216 +4171,38 @@
           </a:p>
         </p:txBody>
       </p:sp>
-      <p:graphicFrame>
-        <p:nvGraphicFramePr>
-          <p:cNvPr id="6" name="Content Placeholder 5"/>
-          <p:cNvGraphicFramePr>
-            <a:graphicFrameLocks noGrp="1"/>
-          </p:cNvGraphicFramePr>
+      <p:pic>
+        <p:nvPicPr>
+          <p:cNvPr id="5" name="Content Placeholder 4">
+            <a:extLst>
+              <a:ext uri="{FF2B5EF4-FFF2-40B4-BE49-F238E27FC236}">
+                <a16:creationId xmlns:a16="http://schemas.microsoft.com/office/drawing/2014/main" id="{269FE0C9-9340-4FD5-AE99-7E1C1E619BFA}"/>
+              </a:ext>
+            </a:extLst>
+          </p:cNvPr>
+          <p:cNvPicPr>
+            <a:picLocks noGrp="1" noChangeAspect="1"/>
+          </p:cNvPicPr>
           <p:nvPr>
             <p:ph idx="1"/>
-            <p:extLst>
-              <p:ext uri="{D42A27DB-BD31-4B8C-83A1-F6EECF244321}">
-                <p14:modId xmlns:p14="http://schemas.microsoft.com/office/powerpoint/2010/main" val="422771487"/>
-              </p:ext>
-            </p:extLst>
           </p:nvPr>
-        </p:nvGraphicFramePr>
-        <p:xfrm>
-          <a:off x="2193759" y="2356727"/>
-          <a:ext cx="7162797" cy="2695575"/>
-        </p:xfrm>
-        <a:graphic>
-          <a:graphicData uri="http://schemas.openxmlformats.org/drawingml/2006/table">
-            <a:tbl>
-              <a:tblPr/>
-              <a:tblGrid>
-                <a:gridCol w="1512464">
-                  <a:extLst>
-                    <a:ext uri="{9D8B030D-6E8A-4147-A177-3AD203B41FA5}">
-                      <a16:colId xmlns:a16="http://schemas.microsoft.com/office/drawing/2014/main" val="3273431316"/>
-                    </a:ext>
-                  </a:extLst>
-                </a:gridCol>
-                <a:gridCol w="637327">
-                  <a:extLst>
-                    <a:ext uri="{9D8B030D-6E8A-4147-A177-3AD203B41FA5}">
-                      <a16:colId xmlns:a16="http://schemas.microsoft.com/office/drawing/2014/main" val="3889250402"/>
-                    </a:ext>
-                  </a:extLst>
-                </a:gridCol>
-                <a:gridCol w="608790">
-                  <a:extLst>
-                    <a:ext uri="{9D8B030D-6E8A-4147-A177-3AD203B41FA5}">
-                      <a16:colId xmlns:a16="http://schemas.microsoft.com/office/drawing/2014/main" val="1257541193"/>
-                    </a:ext>
-                  </a:extLst>
-                </a:gridCol>
-                <a:gridCol w="637327">
-                  <a:extLst>
-                    <a:ext uri="{9D8B030D-6E8A-4147-A177-3AD203B41FA5}">
-                      <a16:colId xmlns:a16="http://schemas.microsoft.com/office/drawing/2014/main" val="3036464365"/>
-                    </a:ext>
-                  </a:extLst>
-                </a:gridCol>
-                <a:gridCol w="608790">
-                  <a:extLst>
-                    <a:ext uri="{9D8B030D-6E8A-4147-A177-3AD203B41FA5}">
-                      <a16:colId xmlns:a16="http://schemas.microsoft.com/office/drawing/2014/main" val="2122560232"/>
-                    </a:ext>
-                  </a:extLst>
-                </a:gridCol>
-                <a:gridCol w="637327">
-                  <a:extLst>
-                    <a:ext uri="{9D8B030D-6E8A-4147-A177-3AD203B41FA5}">
-                      <a16:colId xmlns:a16="http://schemas.microsoft.com/office/drawing/2014/main" val="2628243503"/>
-                    </a:ext>
-                  </a:extLst>
-                </a:gridCol>
-                <a:gridCol w="608790">
-                  <a:extLst>
-                    <a:ext uri="{9D8B030D-6E8A-4147-A177-3AD203B41FA5}">
-                      <a16:colId xmlns:a16="http://schemas.microsoft.com/office/drawing/2014/main" val="364746842"/>
-                    </a:ext>
-                  </a:extLst>
-                </a:gridCol>
-                <a:gridCol w="608790">
-                  <a:extLst>
-                    <a:ext uri="{9D8B030D-6E8A-4147-A177-3AD203B41FA5}">
-                      <a16:colId xmlns:a16="http://schemas.microsoft.com/office/drawing/2014/main" val="3574582780"/>
-                    </a:ext>
-                  </a:extLst>
-                </a:gridCol>
-                <a:gridCol w="694402">
-                  <a:extLst>
-                    <a:ext uri="{9D8B030D-6E8A-4147-A177-3AD203B41FA5}">
-                      <a16:colId xmlns:a16="http://schemas.microsoft.com/office/drawing/2014/main" val="3764897896"/>
-                    </a:ext>
-                  </a:extLst>
-                </a:gridCol>
-                <a:gridCol w="608790">
-                  <a:extLst>
-                    <a:ext uri="{9D8B030D-6E8A-4147-A177-3AD203B41FA5}">
-                      <a16:colId xmlns:a16="http://schemas.microsoft.com/office/drawing/2014/main" val="3572090821"/>
-                    </a:ext>
-                  </a:extLst>
-                </a:gridCol>
-              </a:tblGrid>
-              <a:tr h="200025">
-                <a:tc>
-                  <a:txBody>
-                    <a:bodyPr/>
-                    <a:lstStyle/>
-                    <a:p>
-                      <a:pPr algn="ctr" fontAlgn="ctr"/>
-                      <a:endParaRPr lang="en-US" sz="1100" b="0" i="0" u="none" strike="noStrike">
-                        <a:solidFill>
-                          <a:srgbClr val="000000"/>
-                        </a:solidFill>
-                        <a:effectLst/>
-                        <a:latin typeface="Calibri" panose="020F0502020204030204" pitchFamily="34" charset="0"/>
-                      </a:endParaRPr>
-                    </a:p>
-                  </a:txBody>
-                  <a:tcPr marL="9525" marR="9525" marT="9525" marB="0" anchor="ctr">
-                    <a:lnL>
-                      <a:noFill/>
-                    </a:lnL>
-                    <a:lnR w="12700" cap="flat" cmpd="sng" algn="ctr">
-                      <a:solidFill>
-                        <a:srgbClr val="000000"/>
-                      </a:solidFill>
-                      <a:prstDash val="solid"/>
-                      <a:round/>
-                      <a:headEnd type="none" w="med" len="med"/>
-                      <a:tailEnd type="none" w="med" len="med"/>
-                    </a:lnR>
-                    <a:lnT>
-                      <a:noFill/>
-                    </a:lnT>
-                    <a:lnB>
-                      <a:noFill/>
-                    </a:lnB>
-                  </a:tcPr>
-                </a:tc>
-                <a:tc gridSpan="2">
-                  <a:txBody>
-                    <a:bodyPr/>
-                    <a:lstStyle/>
-                    <a:p>
-                      <a:pPr algn="ctr" fontAlgn="ctr"/>
-                      <a:r>
-                        <a:rPr lang="en-US" sz="1100" b="0" i="0" u="none" strike="noStrike">
-                          <a:solidFill>
-                            <a:srgbClr val="000000"/>
-                          </a:solidFill>
-                          <a:effectLst/>
-                          <a:latin typeface="Calibri" panose="020F0502020204030204" pitchFamily="34" charset="0"/>
-                        </a:rPr>
-                        <a:t>HV</a:t>
-                      </a:r>
-                    </a:p>
-                  </a:txBody>
-                  <a:tcPr marL="9525" marR="9525" marT="9525" marB="0" anchor="ctr">
-                    <a:lnL w="12700" cap="flat" cmpd="sng" algn="ctr">
-                      <a:solidFill>
-                        <a:srgbClr val="000000"/>
-                      </a:solidFill>
-                      <a:prstDash val="solid"/>
-                      <a:round/>
-                      <a:headEnd type="none" w="med" len="med"/>
-                      <a:tailEnd type="none" w="med" len="med"/>
-                    </a:lnL>
-                    <a:lnR w="12700" cap="flat" cmpd="sng" algn="ctr">
-                      <a:solidFill>
-                        <a:srgbClr val="000000"/>
-                      </a:solidFill>
-                      <a:prstDash val="solid"/>
-                      <a:round/>
-                      <a:headEnd type="none" w="med" len="med"/>
-                      <a:tailEnd type="none" w="med" len="med"/>
-                    </a:lnR>
-                    <a:lnT w="12700" cap="flat" cmpd="sng" algn="ctr">
-                      <a:solidFill>
-                        <a:srgbClr val="000000"/>
-                      </a:solidFill>
-                      <a:prstDash val="solid"/>
-                      <a:round/>
-                      <a:headEnd type="none" w="med" len="med"/>
-                      <a:tailEnd type="none" w="med" len="med"/>
-                    </a:lnT>
-                    <a:lnB w="6350" cap="flat" cmpd="sng" algn="ctr">
-                      <a:solidFill>
-                        <a:srgbClr val="000000"/>
-                      </a:solidFill>
-                      <a:prstDash val="solid"/>
-                      <a:round/>
-                      <a:headEnd type="none" w="med" len="med"/>
-                      <a:tailEnd type="none" w="med" len="med"/>
-                    </a:lnB>
-                  </a:tcPr>
-                </a:tc>
-                <a:tc hMerge="1">
-                  <a:txBody>
-                    <a:bodyPr/>
-                    <a:lstStyle/>
-                    <a:p>
-                      <a:endParaRPr lang="en-US"/>
-                    </a:p>
-                  </a:txBody>
-                  <a:tcPr/>
-                </a:tc>
-                <a:tc gridSpan="2">
-                  <a:txBody>
-                    <a:bodyPr/>
-                    <a:lstStyle/>
-                    <a:p>
-                      <a:pPr algn="ctr" fontAlgn="ctr"/>
-                      <a:r>
-                        <a:rPr lang="en-US" sz="1100" b="0" i="0" u="none" strike="noStrike">
-                          <a:solidFill>
-                            <a:srgbClr val="000000"/>
-                          </a:solidFill>
-                          <a:effectLst/>
-                          <a:latin typeface="Calibri" panose="020F0502020204030204" pitchFamily="34" charset="0"/>
-                        </a:rPr>
-                        <a:t>Min Manip</a:t>
-                      </a:r>
-                    </a:p>
-                  </a:txBody>
-                  <a:tcPr marL="9525" marR="9525" marT="9525" marB="0" anchor="ctr">
-                    <a:lnL w="12700" cap="flat" cmpd="sng" algn="ctr">
-                      <a:solidFill>
-                        <a:srgbClr val="000000"/>
-                      </a:solidFill>
-                      <a:prstDash val="solid"/>
-                      <a:round/>
-                      <a:headEnd type="none" w="med" len="med"/>
-                      <a:tailEnd type="none" w="med" len="med"/>
-                    </a:lnL>
-                    <a:lnR w="12700" cap="flat" cmpd="sng" algn="ctr">
-                      <a:solidFill>
-                        <a:srgbClr val="000000"/>
-                      </a:solidFill>
-                      <a:prstDash val="solid"/>
-                      <a:round/>
-                      <a:headEnd type="none" w="med" len="med"/>
-                      <a:tailEnd type="none" w="med" len="med"/>
-                    </a:lnR>
-                    <a:lnT w="12700" cap="flat" cmpd="sng" algn="ctr">
-                      <a:solidFill>
-                        <a:srgbClr val="000000"/>
-                      </a:solidFill>
-                      <a:prstDash val="solid"/>
-                      <a:round/>
-                      <a:headEnd type="none" w="med" len="med"/>
-                      <a:tailEnd type="none" w="med" len="med"/>
-                    </a:lnT>
-                    <a:lnB w="6350" cap="flat" cmpd="sng" algn="ctr">
-                      <a:solidFill>
-                        <a:srgbClr val="000000"/>
-                      </a:solidFill>
-                      <a:prstDash val="solid"/>
-                      <a:round/>
-                      <a:headEnd type="none" w="med" len="med"/>
-                      <a:tailEnd type="none" w="med" len="med"/>
-                    </a:lnB>
-                  </a:tcPr>
-                </a:tc>
-                <a:tc hMerge="1">
-                  <a:txBody>
-                    <a:bodyPr/>
-                    <a:lstStyle/>
-                    <a:p>
-                      <a:endParaRPr lang="en-US"/>
-                    </a:p>
-                  </a:txBody>
-                  <a:tcPr/>
-                </a:tc>
-                <a:tc gridSpan="2">
-                  <a:txBody>
-                    <a:bodyPr/>
-                    <a:lstStyle/>
-                    <a:p>
-                      <a:pPr algn="ctr" fontAlgn="ctr"/>
-                      <a:r>
-                        <a:rPr lang="en-US" sz="1100" b="0" i="0" u="none" strike="noStrike">
-                          <a:solidFill>
-                            <a:srgbClr val="000000"/>
-                          </a:solidFill>
-                          <a:effectLst/>
-                          <a:latin typeface="Calibri" panose="020F0502020204030204" pitchFamily="34" charset="0"/>
-                        </a:rPr>
-                        <a:t>IGD</a:t>
-                      </a:r>
-                    </a:p>
-                  </a:txBody>
-                  <a:tcPr marL="9525" marR="9525" marT="9525" marB="0" anchor="ctr">
-                    <a:lnL w="12700" cap="flat" cmpd="sng" algn="ctr">
-                      <a:solidFill>
-                        <a:srgbClr val="000000"/>
-                      </a:solidFill>
-                      <a:prstDash val="solid"/>
-                      <a:round/>
-                      <a:headEnd type="none" w="med" len="med"/>
-                      <a:tailEnd type="none" w="med" len="med"/>
-                    </a:lnL>
-                    <a:lnR w="12700" cap="flat" cmpd="sng" algn="ctr">
-                      <a:solidFill>
-                        <a:srgbClr val="000000"/>
-                      </a:solidFill>
-                      <a:prstDash val="solid"/>
-                      <a:round/>
-                      <a:headEnd type="none" w="med" len="med"/>
-                      <a:tailEnd type="none" w="med" len="med"/>
-                    </a:lnR>
-                    <a:lnT w="12700" cap="flat" cmpd="sng" algn="ctr">
-                      <a:solidFill>
-                        <a:srgbClr val="000000"/>
-                      </a:solidFill>
-                      <a:prstDash val="solid"/>
-                      <a:round/>
-                      <a:headEnd type="none" w="med" len="med"/>
-                      <a:tailEnd type="none" w="med" len="med"/>
-                    </a:lnT>
-                    <a:lnB w="6350" cap="flat" cmpd="sng" algn="ctr">
-                      <a:solidFill>
-                        <a:srgbClr val="000000"/>
-                      </a:solidFill>
-                      <a:prstDash val="solid"/>
-                      <a:round/>
-                      <a:headEnd type="none" w="med" len="med"/>
-                      <a:tailEnd type="none" w="med" len="med"/>
-                    </a:lnB>
-                  </a:tcPr>
-                </a:tc>
-                <a:tc hMerge="1">
-                  <a:txBody>
-                    <a:bodyPr/>
-                    <a:lstStyle/>
-                    <a:p>
-                      <a:endParaRPr lang="en-US"/>
-                    </a:p>
-                  </a:txBody>
-                  <a:tcPr/>
-                </a:tc>
-                <a:tc gridSpan="3">
-                  <a:txBody>
-                    <a:bodyPr/>
-                    <a:lstStyle/>
-                    <a:p>
-                      <a:pPr algn="ctr" fontAlgn="b"/>
-                      <a:r>
-                        <a:rPr lang="en-US" sz="1100" b="0" i="0" u="none" strike="noStrike">
-                          <a:solidFill>
-                            <a:srgbClr val="000000"/>
-                          </a:solidFill>
-                          <a:effectLst/>
-                          <a:latin typeface="Calibri" panose="020F0502020204030204" pitchFamily="34" charset="0"/>
-                        </a:rPr>
-                        <a:t>Wilcoxon</a:t>
-                      </a:r>
-                    </a:p>
-                  </a:txBody>
-                  <a:tcPr marL="9525" marR="9525" marT="9525" marB="0" anchor="b">
-                    <a:lnL w="12700" cap="flat" cmpd="sng" algn="ctr">
-                      <a:solidFill>
-                        <a:srgbClr val="000000"/>
-                      </a:solidFill>
-                      <a:prstDash val="solid"/>
-                      <a:round/>
-                      <a:headEnd type="none" w="med" len="med"/>
-                      <a:tailEnd type="none" w="med" len="med"/>
-                    </a:lnL>
-                    <a:lnR w="12700" cap="flat" cmpd="sng" algn="ctr">
-                      <a:solidFill>
-                        <a:srgbClr val="000000"/>
-                      </a:solidFill>
-                      <a:prstDash val="solid"/>
-                      <a:round/>
-                      <a:headEnd type="none" w="med" len="med"/>
-                      <a:tailEnd type="none" w="med" len="med"/>
-                    </a:lnR>
-                    <a:lnT w="12700" cap="flat" cmpd="sng" algn="ctr">
-                      <a:solidFill>
-                        <a:srgbClr val="000000"/>
-                      </a:solidFill>
-                      <a:prstDash val="solid"/>
-                      <a:round/>
-                      <a:headEnd type="none" w="med" len="med"/>
-                      <a:tailEnd type="none" w="med" len="med"/>
-                    </a:lnT>
-                    <a:lnB w="12700" cap="flat" cmpd="sng" algn="ctr">
-                      <a:solidFill>
-                        <a:srgbClr val="000000"/>
-                      </a:solidFill>
-                      <a:prstDash val="solid"/>
-                      <a:round/>
-                      <a:headEnd type="none" w="med" len="med"/>
-                      <a:tailEnd type="none" w="med" len="med"/>
-                    </a:lnB>
-                  </a:tcPr>
-                </a:tc>
-                <a:tc hMerge="1">
-                  <a:txBody>
-                    <a:bodyPr/>
-                    <a:lstStyle/>
-                    <a:p>
-                      <a:endParaRPr lang="en-US"/>
-                    </a:p>
-                  </a:txBody>
-                  <a:tcPr/>
-                </a:tc>
-                <a:tc hMerge="1">
-                  <a:txBody>
-                    <a:bodyPr/>
-                    <a:lstStyle/>
-                    <a:p>
-                      <a:endParaRPr lang="en-US"/>
-                    </a:p>
-                  </a:txBody>
-                  <a:tcPr/>
-                </a:tc>
-                <a:extLst>
-                  <a:ext uri="{0D108BD9-81ED-4DB2-BD59-A6C34878D82A}">
-                    <a16:rowId xmlns:a16="http://schemas.microsoft.com/office/drawing/2014/main" val="4046370694"/>
-                  </a:ext>
-                </a:extLst>
-              </a:tr>
-              <a:tr h="200025">
-                <a:tc>
-                  <a:txBody>
-                    <a:bodyPr/>
-                    <a:lstStyle/>
-                    <a:p>
-                      <a:pPr algn="ctr" fontAlgn="ctr"/>
-                      <a:endParaRPr lang="en-US" sz="1100" b="0" i="0" u="none" strike="noStrike">
-                        <a:solidFill>
-                          <a:srgbClr val="000000"/>
-                        </a:solidFill>
-                        <a:effectLst/>
-                        <a:latin typeface="Calibri" panose="020F0502020204030204" pitchFamily="34" charset="0"/>
-                      </a:endParaRPr>
-                    </a:p>
-                  </a:txBody>
-                  <a:tcPr marL="9525" marR="9525" marT="9525" marB="0" anchor="ctr">
-                    <a:lnL>
-                      <a:noFill/>
-                    </a:lnL>
-                    <a:lnR w="12700" cap="flat" cmpd="sng" algn="ctr">
-                      <a:solidFill>
-                        <a:srgbClr val="000000"/>
-                      </a:solidFill>
-                      <a:prstDash val="solid"/>
-                      <a:round/>
-                      <a:headEnd type="none" w="med" len="med"/>
-                      <a:tailEnd type="none" w="med" len="med"/>
-                    </a:lnR>
-                    <a:lnT>
-                      <a:noFill/>
-                    </a:lnT>
-                    <a:lnB w="12700" cap="flat" cmpd="sng" algn="ctr">
-                      <a:solidFill>
-                        <a:srgbClr val="000000"/>
-                      </a:solidFill>
-                      <a:prstDash val="solid"/>
-                      <a:round/>
-                      <a:headEnd type="none" w="med" len="med"/>
-                      <a:tailEnd type="none" w="med" len="med"/>
-                    </a:lnB>
-                  </a:tcPr>
-                </a:tc>
-                <a:tc>
-                  <a:txBody>
-                    <a:bodyPr/>
-                    <a:lstStyle/>
-                    <a:p>
-                      <a:pPr algn="ctr" fontAlgn="ctr"/>
-                      <a:r>
-                        <a:rPr lang="en-US" sz="1100" b="0" i="0" u="none" strike="noStrike">
-                          <a:solidFill>
-                            <a:srgbClr val="000000"/>
-                          </a:solidFill>
-                          <a:effectLst/>
-                          <a:latin typeface="Calibri" panose="020F0502020204030204" pitchFamily="34" charset="0"/>
-                        </a:rPr>
-                        <a:t>Median</a:t>
-                      </a:r>
-                    </a:p>
-                  </a:txBody>
-                  <a:tcPr marL="9525" marR="9525" marT="9525" marB="0" anchor="ctr">
-                    <a:lnL w="12700" cap="flat" cmpd="sng" algn="ctr">
-                      <a:solidFill>
-                        <a:srgbClr val="000000"/>
-                      </a:solidFill>
-                      <a:prstDash val="solid"/>
-                      <a:round/>
-                      <a:headEnd type="none" w="med" len="med"/>
-                      <a:tailEnd type="none" w="med" len="med"/>
-                    </a:lnL>
-                    <a:lnR w="6350" cap="flat" cmpd="sng" algn="ctr">
-                      <a:solidFill>
-                        <a:srgbClr val="000000"/>
-                      </a:solidFill>
-                      <a:prstDash val="solid"/>
-                      <a:round/>
-                      <a:headEnd type="none" w="med" len="med"/>
-                      <a:tailEnd type="none" w="med" len="med"/>
-                    </a:lnR>
-                    <a:lnT w="6350" cap="flat" cmpd="sng" algn="ctr">
-                      <a:solidFill>
-                        <a:srgbClr val="000000"/>
-                      </a:solidFill>
-                      <a:prstDash val="solid"/>
-                      <a:round/>
-                      <a:headEnd type="none" w="med" len="med"/>
-                      <a:tailEnd type="none" w="med" len="med"/>
-                    </a:lnT>
-                    <a:lnB w="6350" cap="flat" cmpd="sng" algn="ctr">
-                      <a:solidFill>
-                        <a:srgbClr val="000000"/>
-                      </a:solidFill>
-                      <a:prstDash val="solid"/>
-                      <a:round/>
-                      <a:headEnd type="none" w="med" len="med"/>
-                      <a:tailEnd type="none" w="med" len="med"/>
-                    </a:lnB>
-                  </a:tcPr>
-                </a:tc>
-                <a:tc>
-                  <a:txBody>
-                    <a:bodyPr/>
-                    <a:lstStyle/>
-                    <a:p>
-                      <a:pPr algn="ctr" fontAlgn="ctr"/>
-                      <a:r>
-                        <a:rPr lang="en-US" sz="1100" b="0" i="0" u="none" strike="noStrike">
-                          <a:solidFill>
-                            <a:srgbClr val="000000"/>
-                          </a:solidFill>
-                          <a:effectLst/>
-                          <a:latin typeface="Calibri" panose="020F0502020204030204" pitchFamily="34" charset="0"/>
-                        </a:rPr>
-                        <a:t>Variance</a:t>
-                      </a:r>
-                    </a:p>
-                  </a:txBody>
-                  <a:tcPr marL="9525" marR="9525" marT="9525" marB="0" anchor="ctr">
-                    <a:lnL w="6350" cap="flat" cmpd="sng" algn="ctr">
-                      <a:solidFill>
-                        <a:srgbClr val="000000"/>
-                      </a:solidFill>
-                      <a:prstDash val="solid"/>
-                      <a:round/>
-                      <a:headEnd type="none" w="med" len="med"/>
-                      <a:tailEnd type="none" w="med" len="med"/>
-                    </a:lnL>
-                    <a:lnR w="12700" cap="flat" cmpd="sng" algn="ctr">
-                      <a:solidFill>
-                        <a:srgbClr val="000000"/>
-                      </a:solidFill>
-                      <a:prstDash val="solid"/>
-                      <a:round/>
-                      <a:headEnd type="none" w="med" len="med"/>
-                      <a:tailEnd type="none" w="med" len="med"/>
-                    </a:lnR>
-                    <a:lnT w="6350" cap="flat" cmpd="sng" algn="ctr">
-                      <a:solidFill>
-                        <a:srgbClr val="000000"/>
-                      </a:solidFill>
-                      <a:prstDash val="solid"/>
-                      <a:round/>
-                      <a:headEnd type="none" w="med" len="med"/>
-                      <a:tailEnd type="none" w="med" len="med"/>
-                    </a:lnT>
-                    <a:lnB w="6350" cap="flat" cmpd="sng" algn="ctr">
-                      <a:solidFill>
-                        <a:srgbClr val="000000"/>
-                      </a:solidFill>
-                      <a:prstDash val="solid"/>
-                      <a:round/>
-                      <a:headEnd type="none" w="med" len="med"/>
-                      <a:tailEnd type="none" w="med" len="med"/>
-                    </a:lnB>
-                  </a:tcPr>
-                </a:tc>
-                <a:tc>
-                  <a:txBody>
-                    <a:bodyPr/>
-                    <a:lstStyle/>
-                    <a:p>
-                      <a:pPr algn="ctr" fontAlgn="ctr"/>
-                      <a:r>
-                        <a:rPr lang="en-US" sz="1100" b="0" i="0" u="none" strike="noStrike">
-                          <a:solidFill>
-                            <a:srgbClr val="000000"/>
-                          </a:solidFill>
-                          <a:effectLst/>
-                          <a:latin typeface="Calibri" panose="020F0502020204030204" pitchFamily="34" charset="0"/>
-                        </a:rPr>
-                        <a:t>Median</a:t>
-                      </a:r>
-                    </a:p>
-                  </a:txBody>
-                  <a:tcPr marL="9525" marR="9525" marT="9525" marB="0" anchor="ctr">
-                    <a:lnL w="12700" cap="flat" cmpd="sng" algn="ctr">
-                      <a:solidFill>
-                        <a:srgbClr val="000000"/>
-                      </a:solidFill>
-                      <a:prstDash val="solid"/>
-                      <a:round/>
-                      <a:headEnd type="none" w="med" len="med"/>
-                      <a:tailEnd type="none" w="med" len="med"/>
-                    </a:lnL>
-                    <a:lnR w="6350" cap="flat" cmpd="sng" algn="ctr">
-                      <a:solidFill>
-                        <a:srgbClr val="000000"/>
-                      </a:solidFill>
-                      <a:prstDash val="solid"/>
-                      <a:round/>
-                      <a:headEnd type="none" w="med" len="med"/>
-                      <a:tailEnd type="none" w="med" len="med"/>
-                    </a:lnR>
-                    <a:lnT w="6350" cap="flat" cmpd="sng" algn="ctr">
-                      <a:solidFill>
-                        <a:srgbClr val="000000"/>
-                      </a:solidFill>
-                      <a:prstDash val="solid"/>
-                      <a:round/>
-                      <a:headEnd type="none" w="med" len="med"/>
-                      <a:tailEnd type="none" w="med" len="med"/>
-                    </a:lnT>
-                    <a:lnB w="6350" cap="flat" cmpd="sng" algn="ctr">
-                      <a:solidFill>
-                        <a:srgbClr val="000000"/>
-                      </a:solidFill>
-                      <a:prstDash val="solid"/>
-                      <a:round/>
-                      <a:headEnd type="none" w="med" len="med"/>
-                      <a:tailEnd type="none" w="med" len="med"/>
-                    </a:lnB>
-                  </a:tcPr>
-                </a:tc>
-                <a:tc>
-                  <a:txBody>
-                    <a:bodyPr/>
-                    <a:lstStyle/>
-                    <a:p>
-                      <a:pPr algn="ctr" fontAlgn="ctr"/>
-                      <a:r>
-                        <a:rPr lang="en-US" sz="1100" b="0" i="0" u="none" strike="noStrike">
-                          <a:solidFill>
-                            <a:srgbClr val="000000"/>
-                          </a:solidFill>
-                          <a:effectLst/>
-                          <a:latin typeface="Calibri" panose="020F0502020204030204" pitchFamily="34" charset="0"/>
-                        </a:rPr>
-                        <a:t>Variance</a:t>
-                      </a:r>
-                    </a:p>
-                  </a:txBody>
-                  <a:tcPr marL="9525" marR="9525" marT="9525" marB="0" anchor="ctr">
-                    <a:lnL w="6350" cap="flat" cmpd="sng" algn="ctr">
-                      <a:solidFill>
-                        <a:srgbClr val="000000"/>
-                      </a:solidFill>
-                      <a:prstDash val="solid"/>
-                      <a:round/>
-                      <a:headEnd type="none" w="med" len="med"/>
-                      <a:tailEnd type="none" w="med" len="med"/>
-                    </a:lnL>
-                    <a:lnR w="12700" cap="flat" cmpd="sng" algn="ctr">
-                      <a:solidFill>
-                        <a:srgbClr val="000000"/>
-                      </a:solidFill>
-                      <a:prstDash val="solid"/>
-                      <a:round/>
-                      <a:headEnd type="none" w="med" len="med"/>
-                      <a:tailEnd type="none" w="med" len="med"/>
-                    </a:lnR>
-                    <a:lnT w="6350" cap="flat" cmpd="sng" algn="ctr">
-                      <a:solidFill>
-                        <a:srgbClr val="000000"/>
-                      </a:solidFill>
-                      <a:prstDash val="solid"/>
-                      <a:round/>
-                      <a:headEnd type="none" w="med" len="med"/>
-                      <a:tailEnd type="none" w="med" len="med"/>
-                    </a:lnT>
-                    <a:lnB w="6350" cap="flat" cmpd="sng" algn="ctr">
-                      <a:solidFill>
-                        <a:srgbClr val="000000"/>
-                      </a:solidFill>
-                      <a:prstDash val="solid"/>
-                      <a:round/>
-                      <a:headEnd type="none" w="med" len="med"/>
-                      <a:tailEnd type="none" w="med" len="med"/>
-                    </a:lnB>
-                  </a:tcPr>
-                </a:tc>
-                <a:tc>
-                  <a:txBody>
-                    <a:bodyPr/>
-                    <a:lstStyle/>
-                    <a:p>
-                      <a:pPr algn="ctr" fontAlgn="ctr"/>
-                      <a:r>
-                        <a:rPr lang="en-US" sz="1100" b="0" i="0" u="none" strike="noStrike">
-                          <a:solidFill>
-                            <a:srgbClr val="000000"/>
-                          </a:solidFill>
-                          <a:effectLst/>
-                          <a:latin typeface="Calibri" panose="020F0502020204030204" pitchFamily="34" charset="0"/>
-                        </a:rPr>
-                        <a:t>Median</a:t>
-                      </a:r>
-                    </a:p>
-                  </a:txBody>
-                  <a:tcPr marL="9525" marR="9525" marT="9525" marB="0" anchor="ctr">
-                    <a:lnL w="12700" cap="flat" cmpd="sng" algn="ctr">
-                      <a:solidFill>
-                        <a:srgbClr val="000000"/>
-                      </a:solidFill>
-                      <a:prstDash val="solid"/>
-                      <a:round/>
-                      <a:headEnd type="none" w="med" len="med"/>
-                      <a:tailEnd type="none" w="med" len="med"/>
-                    </a:lnL>
-                    <a:lnR w="6350" cap="flat" cmpd="sng" algn="ctr">
-                      <a:solidFill>
-                        <a:srgbClr val="000000"/>
-                      </a:solidFill>
-                      <a:prstDash val="solid"/>
-                      <a:round/>
-                      <a:headEnd type="none" w="med" len="med"/>
-                      <a:tailEnd type="none" w="med" len="med"/>
-                    </a:lnR>
-                    <a:lnT w="6350" cap="flat" cmpd="sng" algn="ctr">
-                      <a:solidFill>
-                        <a:srgbClr val="000000"/>
-                      </a:solidFill>
-                      <a:prstDash val="solid"/>
-                      <a:round/>
-                      <a:headEnd type="none" w="med" len="med"/>
-                      <a:tailEnd type="none" w="med" len="med"/>
-                    </a:lnT>
-                    <a:lnB w="6350" cap="flat" cmpd="sng" algn="ctr">
-                      <a:solidFill>
-                        <a:srgbClr val="000000"/>
-                      </a:solidFill>
-                      <a:prstDash val="solid"/>
-                      <a:round/>
-                      <a:headEnd type="none" w="med" len="med"/>
-                      <a:tailEnd type="none" w="med" len="med"/>
-                    </a:lnB>
-                  </a:tcPr>
-                </a:tc>
-                <a:tc>
-                  <a:txBody>
-                    <a:bodyPr/>
-                    <a:lstStyle/>
-                    <a:p>
-                      <a:pPr algn="ctr" fontAlgn="ctr"/>
-                      <a:r>
-                        <a:rPr lang="en-US" sz="1100" b="0" i="0" u="none" strike="noStrike">
-                          <a:solidFill>
-                            <a:srgbClr val="000000"/>
-                          </a:solidFill>
-                          <a:effectLst/>
-                          <a:latin typeface="Calibri" panose="020F0502020204030204" pitchFamily="34" charset="0"/>
-                        </a:rPr>
-                        <a:t>Variance</a:t>
-                      </a:r>
-                    </a:p>
-                  </a:txBody>
-                  <a:tcPr marL="9525" marR="9525" marT="9525" marB="0" anchor="ctr">
-                    <a:lnL w="6350" cap="flat" cmpd="sng" algn="ctr">
-                      <a:solidFill>
-                        <a:srgbClr val="000000"/>
-                      </a:solidFill>
-                      <a:prstDash val="solid"/>
-                      <a:round/>
-                      <a:headEnd type="none" w="med" len="med"/>
-                      <a:tailEnd type="none" w="med" len="med"/>
-                    </a:lnL>
-                    <a:lnR w="12700" cap="flat" cmpd="sng" algn="ctr">
-                      <a:solidFill>
-                        <a:srgbClr val="000000"/>
-                      </a:solidFill>
-                      <a:prstDash val="solid"/>
-                      <a:round/>
-                      <a:headEnd type="none" w="med" len="med"/>
-                      <a:tailEnd type="none" w="med" len="med"/>
-                    </a:lnR>
-                    <a:lnT w="6350" cap="flat" cmpd="sng" algn="ctr">
-                      <a:solidFill>
-                        <a:srgbClr val="000000"/>
-                      </a:solidFill>
-                      <a:prstDash val="solid"/>
-                      <a:round/>
-                      <a:headEnd type="none" w="med" len="med"/>
-                      <a:tailEnd type="none" w="med" len="med"/>
-                    </a:lnT>
-                    <a:lnB w="6350" cap="flat" cmpd="sng" algn="ctr">
-                      <a:solidFill>
-                        <a:srgbClr val="000000"/>
-                      </a:solidFill>
-                      <a:prstDash val="solid"/>
-                      <a:round/>
-                      <a:headEnd type="none" w="med" len="med"/>
-                      <a:tailEnd type="none" w="med" len="med"/>
-                    </a:lnB>
-                  </a:tcPr>
-                </a:tc>
-                <a:tc>
-                  <a:txBody>
-                    <a:bodyPr/>
-                    <a:lstStyle/>
-                    <a:p>
-                      <a:pPr algn="ctr" fontAlgn="ctr"/>
-                      <a:r>
-                        <a:rPr lang="en-US" sz="1100" b="0" i="0" u="none" strike="noStrike">
-                          <a:solidFill>
-                            <a:srgbClr val="000000"/>
-                          </a:solidFill>
-                          <a:effectLst/>
-                          <a:latin typeface="Calibri" panose="020F0502020204030204" pitchFamily="34" charset="0"/>
-                        </a:rPr>
-                        <a:t>HV</a:t>
-                      </a:r>
-                    </a:p>
-                  </a:txBody>
-                  <a:tcPr marL="9525" marR="9525" marT="9525" marB="0" anchor="ctr">
-                    <a:lnL w="12700" cap="flat" cmpd="sng" algn="ctr">
-                      <a:solidFill>
-                        <a:srgbClr val="000000"/>
-                      </a:solidFill>
-                      <a:prstDash val="solid"/>
-                      <a:round/>
-                      <a:headEnd type="none" w="med" len="med"/>
-                      <a:tailEnd type="none" w="med" len="med"/>
-                    </a:lnL>
-                    <a:lnR w="6350" cap="flat" cmpd="sng" algn="ctr">
-                      <a:solidFill>
-                        <a:srgbClr val="000000"/>
-                      </a:solidFill>
-                      <a:prstDash val="solid"/>
-                      <a:round/>
-                      <a:headEnd type="none" w="med" len="med"/>
-                      <a:tailEnd type="none" w="med" len="med"/>
-                    </a:lnR>
-                    <a:lnT w="12700" cap="flat" cmpd="sng" algn="ctr">
-                      <a:solidFill>
-                        <a:srgbClr val="000000"/>
-                      </a:solidFill>
-                      <a:prstDash val="solid"/>
-                      <a:round/>
-                      <a:headEnd type="none" w="med" len="med"/>
-                      <a:tailEnd type="none" w="med" len="med"/>
-                    </a:lnT>
-                    <a:lnB w="12700" cap="flat" cmpd="sng" algn="ctr">
-                      <a:solidFill>
-                        <a:srgbClr val="000000"/>
-                      </a:solidFill>
-                      <a:prstDash val="solid"/>
-                      <a:round/>
-                      <a:headEnd type="none" w="med" len="med"/>
-                      <a:tailEnd type="none" w="med" len="med"/>
-                    </a:lnB>
-                  </a:tcPr>
-                </a:tc>
-                <a:tc>
-                  <a:txBody>
-                    <a:bodyPr/>
-                    <a:lstStyle/>
-                    <a:p>
-                      <a:pPr algn="ctr" fontAlgn="ctr"/>
-                      <a:r>
-                        <a:rPr lang="en-US" sz="1100" b="0" i="0" u="none" strike="noStrike">
-                          <a:solidFill>
-                            <a:srgbClr val="000000"/>
-                          </a:solidFill>
-                          <a:effectLst/>
-                          <a:latin typeface="Calibri" panose="020F0502020204030204" pitchFamily="34" charset="0"/>
-                        </a:rPr>
-                        <a:t>Min Manip</a:t>
-                      </a:r>
-                    </a:p>
-                  </a:txBody>
-                  <a:tcPr marL="9525" marR="9525" marT="9525" marB="0" anchor="ctr">
-                    <a:lnL w="6350" cap="flat" cmpd="sng" algn="ctr">
-                      <a:solidFill>
-                        <a:srgbClr val="000000"/>
-                      </a:solidFill>
-                      <a:prstDash val="solid"/>
-                      <a:round/>
-                      <a:headEnd type="none" w="med" len="med"/>
-                      <a:tailEnd type="none" w="med" len="med"/>
-                    </a:lnL>
-                    <a:lnR w="6350" cap="flat" cmpd="sng" algn="ctr">
-                      <a:solidFill>
-                        <a:srgbClr val="000000"/>
-                      </a:solidFill>
-                      <a:prstDash val="solid"/>
-                      <a:round/>
-                      <a:headEnd type="none" w="med" len="med"/>
-                      <a:tailEnd type="none" w="med" len="med"/>
-                    </a:lnR>
-                    <a:lnT w="12700" cap="flat" cmpd="sng" algn="ctr">
-                      <a:solidFill>
-                        <a:srgbClr val="000000"/>
-                      </a:solidFill>
-                      <a:prstDash val="solid"/>
-                      <a:round/>
-                      <a:headEnd type="none" w="med" len="med"/>
-                      <a:tailEnd type="none" w="med" len="med"/>
-                    </a:lnT>
-                    <a:lnB w="12700" cap="flat" cmpd="sng" algn="ctr">
-                      <a:solidFill>
-                        <a:srgbClr val="000000"/>
-                      </a:solidFill>
-                      <a:prstDash val="solid"/>
-                      <a:round/>
-                      <a:headEnd type="none" w="med" len="med"/>
-                      <a:tailEnd type="none" w="med" len="med"/>
-                    </a:lnB>
-                  </a:tcPr>
-                </a:tc>
-                <a:tc>
-                  <a:txBody>
-                    <a:bodyPr/>
-                    <a:lstStyle/>
-                    <a:p>
-                      <a:pPr algn="ctr" fontAlgn="ctr"/>
-                      <a:r>
-                        <a:rPr lang="en-US" sz="1100" b="0" i="0" u="none" strike="noStrike">
-                          <a:solidFill>
-                            <a:srgbClr val="000000"/>
-                          </a:solidFill>
-                          <a:effectLst/>
-                          <a:latin typeface="Calibri" panose="020F0502020204030204" pitchFamily="34" charset="0"/>
-                        </a:rPr>
-                        <a:t>IGD</a:t>
-                      </a:r>
-                    </a:p>
-                  </a:txBody>
-                  <a:tcPr marL="9525" marR="9525" marT="9525" marB="0" anchor="ctr">
-                    <a:lnL w="6350" cap="flat" cmpd="sng" algn="ctr">
-                      <a:solidFill>
-                        <a:srgbClr val="000000"/>
-                      </a:solidFill>
-                      <a:prstDash val="solid"/>
-                      <a:round/>
-                      <a:headEnd type="none" w="med" len="med"/>
-                      <a:tailEnd type="none" w="med" len="med"/>
-                    </a:lnL>
-                    <a:lnR w="12700" cap="flat" cmpd="sng" algn="ctr">
-                      <a:solidFill>
-                        <a:srgbClr val="000000"/>
-                      </a:solidFill>
-                      <a:prstDash val="solid"/>
-                      <a:round/>
-                      <a:headEnd type="none" w="med" len="med"/>
-                      <a:tailEnd type="none" w="med" len="med"/>
-                    </a:lnR>
-                    <a:lnT w="12700" cap="flat" cmpd="sng" algn="ctr">
-                      <a:solidFill>
-                        <a:srgbClr val="000000"/>
-                      </a:solidFill>
-                      <a:prstDash val="solid"/>
-                      <a:round/>
-                      <a:headEnd type="none" w="med" len="med"/>
-                      <a:tailEnd type="none" w="med" len="med"/>
-                    </a:lnT>
-                    <a:lnB w="12700" cap="flat" cmpd="sng" algn="ctr">
-                      <a:solidFill>
-                        <a:srgbClr val="000000"/>
-                      </a:solidFill>
-                      <a:prstDash val="solid"/>
-                      <a:round/>
-                      <a:headEnd type="none" w="med" len="med"/>
-                      <a:tailEnd type="none" w="med" len="med"/>
-                    </a:lnB>
-                  </a:tcPr>
-                </a:tc>
-                <a:extLst>
-                  <a:ext uri="{0D108BD9-81ED-4DB2-BD59-A6C34878D82A}">
-                    <a16:rowId xmlns:a16="http://schemas.microsoft.com/office/drawing/2014/main" val="383159526"/>
-                  </a:ext>
-                </a:extLst>
-              </a:tr>
-              <a:tr h="190500">
-                <a:tc>
-                  <a:txBody>
-                    <a:bodyPr/>
-                    <a:lstStyle/>
-                    <a:p>
-                      <a:pPr algn="ctr" fontAlgn="ctr"/>
-                      <a:r>
-                        <a:rPr lang="en-US" sz="1100" b="0" i="0" u="none" strike="noStrike">
-                          <a:solidFill>
-                            <a:srgbClr val="000000"/>
-                          </a:solidFill>
-                          <a:effectLst/>
-                          <a:latin typeface="Calibri" panose="020F0502020204030204" pitchFamily="34" charset="0"/>
-                        </a:rPr>
-                        <a:t>Aggressive_Exploration</a:t>
-                      </a:r>
-                    </a:p>
-                  </a:txBody>
-                  <a:tcPr marL="9525" marR="9525" marT="9525" marB="0" anchor="ctr">
-                    <a:lnL w="12700" cap="flat" cmpd="sng" algn="ctr">
-                      <a:solidFill>
-                        <a:srgbClr val="000000"/>
-                      </a:solidFill>
-                      <a:prstDash val="solid"/>
-                      <a:round/>
-                      <a:headEnd type="none" w="med" len="med"/>
-                      <a:tailEnd type="none" w="med" len="med"/>
-                    </a:lnL>
-                    <a:lnR w="12700" cap="flat" cmpd="sng" algn="ctr">
-                      <a:solidFill>
-                        <a:srgbClr val="000000"/>
-                      </a:solidFill>
-                      <a:prstDash val="solid"/>
-                      <a:round/>
-                      <a:headEnd type="none" w="med" len="med"/>
-                      <a:tailEnd type="none" w="med" len="med"/>
-                    </a:lnR>
-                    <a:lnT w="12700" cap="flat" cmpd="sng" algn="ctr">
-                      <a:solidFill>
-                        <a:srgbClr val="000000"/>
-                      </a:solidFill>
-                      <a:prstDash val="solid"/>
-                      <a:round/>
-                      <a:headEnd type="none" w="med" len="med"/>
-                      <a:tailEnd type="none" w="med" len="med"/>
-                    </a:lnT>
-                    <a:lnB w="6350" cap="flat" cmpd="sng" algn="ctr">
-                      <a:solidFill>
-                        <a:srgbClr val="000000"/>
-                      </a:solidFill>
-                      <a:prstDash val="solid"/>
-                      <a:round/>
-                      <a:headEnd type="none" w="med" len="med"/>
-                      <a:tailEnd type="none" w="med" len="med"/>
-                    </a:lnB>
-                    <a:solidFill>
-                      <a:srgbClr val="DDEBF7"/>
-                    </a:solidFill>
-                  </a:tcPr>
-                </a:tc>
-                <a:tc>
-                  <a:txBody>
-                    <a:bodyPr/>
-                    <a:lstStyle/>
-                    <a:p>
-                      <a:pPr algn="ctr" fontAlgn="ctr"/>
-                      <a:r>
-                        <a:rPr lang="en-US" sz="1100" b="0" i="0" u="none" strike="noStrike">
-                          <a:solidFill>
-                            <a:srgbClr val="000000"/>
-                          </a:solidFill>
-                          <a:effectLst/>
-                          <a:latin typeface="Calibri" panose="020F0502020204030204" pitchFamily="34" charset="0"/>
-                        </a:rPr>
-                        <a:t>2.128E-01</a:t>
-                      </a:r>
-                    </a:p>
-                  </a:txBody>
-                  <a:tcPr marL="9525" marR="9525" marT="9525" marB="0" anchor="ctr">
-                    <a:lnL w="12700" cap="flat" cmpd="sng" algn="ctr">
-                      <a:solidFill>
-                        <a:srgbClr val="000000"/>
-                      </a:solidFill>
-                      <a:prstDash val="solid"/>
-                      <a:round/>
-                      <a:headEnd type="none" w="med" len="med"/>
-                      <a:tailEnd type="none" w="med" len="med"/>
-                    </a:lnL>
-                    <a:lnR w="6350" cap="flat" cmpd="sng" algn="ctr">
-                      <a:solidFill>
-                        <a:srgbClr val="000000"/>
-                      </a:solidFill>
-                      <a:prstDash val="solid"/>
-                      <a:round/>
-                      <a:headEnd type="none" w="med" len="med"/>
-                      <a:tailEnd type="none" w="med" len="med"/>
-                    </a:lnR>
-                    <a:lnT w="6350" cap="flat" cmpd="sng" algn="ctr">
-                      <a:solidFill>
-                        <a:srgbClr val="000000"/>
-                      </a:solidFill>
-                      <a:prstDash val="solid"/>
-                      <a:round/>
-                      <a:headEnd type="none" w="med" len="med"/>
-                      <a:tailEnd type="none" w="med" len="med"/>
-                    </a:lnT>
-                    <a:lnB w="6350" cap="flat" cmpd="sng" algn="ctr">
-                      <a:solidFill>
-                        <a:srgbClr val="000000"/>
-                      </a:solidFill>
-                      <a:prstDash val="solid"/>
-                      <a:round/>
-                      <a:headEnd type="none" w="med" len="med"/>
-                      <a:tailEnd type="none" w="med" len="med"/>
-                    </a:lnB>
-                    <a:solidFill>
-                      <a:srgbClr val="DDEBF7"/>
-                    </a:solidFill>
-                  </a:tcPr>
-                </a:tc>
-                <a:tc>
-                  <a:txBody>
-                    <a:bodyPr/>
-                    <a:lstStyle/>
-                    <a:p>
-                      <a:pPr algn="ctr" fontAlgn="ctr"/>
-                      <a:r>
-                        <a:rPr lang="en-US" sz="1100" b="0" i="0" u="none" strike="noStrike">
-                          <a:solidFill>
-                            <a:srgbClr val="000000"/>
-                          </a:solidFill>
-                          <a:effectLst/>
-                          <a:latin typeface="Calibri" panose="020F0502020204030204" pitchFamily="34" charset="0"/>
-                        </a:rPr>
-                        <a:t>4.70E-04</a:t>
-                      </a:r>
-                    </a:p>
-                  </a:txBody>
-                  <a:tcPr marL="9525" marR="9525" marT="9525" marB="0" anchor="ctr">
-                    <a:lnL w="6350" cap="flat" cmpd="sng" algn="ctr">
-                      <a:solidFill>
-                        <a:srgbClr val="000000"/>
-                      </a:solidFill>
-                      <a:prstDash val="solid"/>
-                      <a:round/>
-                      <a:headEnd type="none" w="med" len="med"/>
-                      <a:tailEnd type="none" w="med" len="med"/>
-                    </a:lnL>
-                    <a:lnR w="12700" cap="flat" cmpd="sng" algn="ctr">
-                      <a:solidFill>
-                        <a:srgbClr val="000000"/>
-                      </a:solidFill>
-                      <a:prstDash val="solid"/>
-                      <a:round/>
-                      <a:headEnd type="none" w="med" len="med"/>
-                      <a:tailEnd type="none" w="med" len="med"/>
-                    </a:lnR>
-                    <a:lnT w="6350" cap="flat" cmpd="sng" algn="ctr">
-                      <a:solidFill>
-                        <a:srgbClr val="000000"/>
-                      </a:solidFill>
-                      <a:prstDash val="solid"/>
-                      <a:round/>
-                      <a:headEnd type="none" w="med" len="med"/>
-                      <a:tailEnd type="none" w="med" len="med"/>
-                    </a:lnT>
-                    <a:lnB w="6350" cap="flat" cmpd="sng" algn="ctr">
-                      <a:solidFill>
-                        <a:srgbClr val="000000"/>
-                      </a:solidFill>
-                      <a:prstDash val="solid"/>
-                      <a:round/>
-                      <a:headEnd type="none" w="med" len="med"/>
-                      <a:tailEnd type="none" w="med" len="med"/>
-                    </a:lnB>
-                    <a:solidFill>
-                      <a:srgbClr val="DDEBF7"/>
-                    </a:solidFill>
-                  </a:tcPr>
-                </a:tc>
-                <a:tc>
-                  <a:txBody>
-                    <a:bodyPr/>
-                    <a:lstStyle/>
-                    <a:p>
-                      <a:pPr algn="ctr" fontAlgn="ctr"/>
-                      <a:r>
-                        <a:rPr lang="en-US" sz="1100" b="0" i="0" u="none" strike="noStrike">
-                          <a:solidFill>
-                            <a:srgbClr val="000000"/>
-                          </a:solidFill>
-                          <a:effectLst/>
-                          <a:latin typeface="Calibri" panose="020F0502020204030204" pitchFamily="34" charset="0"/>
-                        </a:rPr>
-                        <a:t>5.740E-01</a:t>
-                      </a:r>
-                    </a:p>
-                  </a:txBody>
-                  <a:tcPr marL="9525" marR="9525" marT="9525" marB="0" anchor="ctr">
-                    <a:lnL w="12700" cap="flat" cmpd="sng" algn="ctr">
-                      <a:solidFill>
-                        <a:srgbClr val="000000"/>
-                      </a:solidFill>
-                      <a:prstDash val="solid"/>
-                      <a:round/>
-                      <a:headEnd type="none" w="med" len="med"/>
-                      <a:tailEnd type="none" w="med" len="med"/>
-                    </a:lnL>
-                    <a:lnR w="6350" cap="flat" cmpd="sng" algn="ctr">
-                      <a:solidFill>
-                        <a:srgbClr val="000000"/>
-                      </a:solidFill>
-                      <a:prstDash val="solid"/>
-                      <a:round/>
-                      <a:headEnd type="none" w="med" len="med"/>
-                      <a:tailEnd type="none" w="med" len="med"/>
-                    </a:lnR>
-                    <a:lnT w="6350" cap="flat" cmpd="sng" algn="ctr">
-                      <a:solidFill>
-                        <a:srgbClr val="000000"/>
-                      </a:solidFill>
-                      <a:prstDash val="solid"/>
-                      <a:round/>
-                      <a:headEnd type="none" w="med" len="med"/>
-                      <a:tailEnd type="none" w="med" len="med"/>
-                    </a:lnT>
-                    <a:lnB w="6350" cap="flat" cmpd="sng" algn="ctr">
-                      <a:solidFill>
-                        <a:srgbClr val="000000"/>
-                      </a:solidFill>
-                      <a:prstDash val="solid"/>
-                      <a:round/>
-                      <a:headEnd type="none" w="med" len="med"/>
-                      <a:tailEnd type="none" w="med" len="med"/>
-                    </a:lnB>
-                    <a:solidFill>
-                      <a:srgbClr val="DDEBF7"/>
-                    </a:solidFill>
-                  </a:tcPr>
-                </a:tc>
-                <a:tc>
-                  <a:txBody>
-                    <a:bodyPr/>
-                    <a:lstStyle/>
-                    <a:p>
-                      <a:pPr algn="ctr" fontAlgn="ctr"/>
-                      <a:r>
-                        <a:rPr lang="en-US" sz="1100" b="0" i="0" u="none" strike="noStrike">
-                          <a:solidFill>
-                            <a:srgbClr val="000000"/>
-                          </a:solidFill>
-                          <a:effectLst/>
-                          <a:latin typeface="Calibri" panose="020F0502020204030204" pitchFamily="34" charset="0"/>
-                        </a:rPr>
-                        <a:t>5.80E-04</a:t>
-                      </a:r>
-                    </a:p>
-                  </a:txBody>
-                  <a:tcPr marL="9525" marR="9525" marT="9525" marB="0" anchor="ctr">
-                    <a:lnL w="6350" cap="flat" cmpd="sng" algn="ctr">
-                      <a:solidFill>
-                        <a:srgbClr val="000000"/>
-                      </a:solidFill>
-                      <a:prstDash val="solid"/>
-                      <a:round/>
-                      <a:headEnd type="none" w="med" len="med"/>
-                      <a:tailEnd type="none" w="med" len="med"/>
-                    </a:lnL>
-                    <a:lnR w="12700" cap="flat" cmpd="sng" algn="ctr">
-                      <a:solidFill>
-                        <a:srgbClr val="000000"/>
-                      </a:solidFill>
-                      <a:prstDash val="solid"/>
-                      <a:round/>
-                      <a:headEnd type="none" w="med" len="med"/>
-                      <a:tailEnd type="none" w="med" len="med"/>
-                    </a:lnR>
-                    <a:lnT w="6350" cap="flat" cmpd="sng" algn="ctr">
-                      <a:solidFill>
-                        <a:srgbClr val="000000"/>
-                      </a:solidFill>
-                      <a:prstDash val="solid"/>
-                      <a:round/>
-                      <a:headEnd type="none" w="med" len="med"/>
-                      <a:tailEnd type="none" w="med" len="med"/>
-                    </a:lnT>
-                    <a:lnB w="6350" cap="flat" cmpd="sng" algn="ctr">
-                      <a:solidFill>
-                        <a:srgbClr val="000000"/>
-                      </a:solidFill>
-                      <a:prstDash val="solid"/>
-                      <a:round/>
-                      <a:headEnd type="none" w="med" len="med"/>
-                      <a:tailEnd type="none" w="med" len="med"/>
-                    </a:lnB>
-                    <a:solidFill>
-                      <a:srgbClr val="DDEBF7"/>
-                    </a:solidFill>
-                  </a:tcPr>
-                </a:tc>
-                <a:tc>
-                  <a:txBody>
-                    <a:bodyPr/>
-                    <a:lstStyle/>
-                    <a:p>
-                      <a:pPr algn="r" fontAlgn="b"/>
-                      <a:r>
-                        <a:rPr lang="en-US" sz="1100" b="0" i="0" u="none" strike="noStrike">
-                          <a:solidFill>
-                            <a:srgbClr val="000000"/>
-                          </a:solidFill>
-                          <a:effectLst/>
-                          <a:latin typeface="Calibri" panose="020F0502020204030204" pitchFamily="34" charset="0"/>
-                        </a:rPr>
-                        <a:t>9.178E-01</a:t>
-                      </a:r>
-                    </a:p>
-                  </a:txBody>
-                  <a:tcPr marL="9525" marR="9525" marT="9525" marB="0" anchor="b">
-                    <a:lnL w="12700" cap="flat" cmpd="sng" algn="ctr">
-                      <a:solidFill>
-                        <a:srgbClr val="000000"/>
-                      </a:solidFill>
-                      <a:prstDash val="solid"/>
-                      <a:round/>
-                      <a:headEnd type="none" w="med" len="med"/>
-                      <a:tailEnd type="none" w="med" len="med"/>
-                    </a:lnL>
-                    <a:lnR w="6350" cap="flat" cmpd="sng" algn="ctr">
-                      <a:solidFill>
-                        <a:srgbClr val="000000"/>
-                      </a:solidFill>
-                      <a:prstDash val="solid"/>
-                      <a:round/>
-                      <a:headEnd type="none" w="med" len="med"/>
-                      <a:tailEnd type="none" w="med" len="med"/>
-                    </a:lnR>
-                    <a:lnT w="6350" cap="flat" cmpd="sng" algn="ctr">
-                      <a:solidFill>
-                        <a:srgbClr val="000000"/>
-                      </a:solidFill>
-                      <a:prstDash val="solid"/>
-                      <a:round/>
-                      <a:headEnd type="none" w="med" len="med"/>
-                      <a:tailEnd type="none" w="med" len="med"/>
-                    </a:lnT>
-                    <a:lnB w="6350" cap="flat" cmpd="sng" algn="ctr">
-                      <a:solidFill>
-                        <a:srgbClr val="000000"/>
-                      </a:solidFill>
-                      <a:prstDash val="solid"/>
-                      <a:round/>
-                      <a:headEnd type="none" w="med" len="med"/>
-                      <a:tailEnd type="none" w="med" len="med"/>
-                    </a:lnB>
-                    <a:solidFill>
-                      <a:srgbClr val="DDEBF7"/>
-                    </a:solidFill>
-                  </a:tcPr>
-                </a:tc>
-                <a:tc>
-                  <a:txBody>
-                    <a:bodyPr/>
-                    <a:lstStyle/>
-                    <a:p>
-                      <a:pPr algn="r" fontAlgn="b"/>
-                      <a:r>
-                        <a:rPr lang="en-US" sz="1100" b="0" i="0" u="none" strike="noStrike">
-                          <a:solidFill>
-                            <a:srgbClr val="000000"/>
-                          </a:solidFill>
-                          <a:effectLst/>
-                          <a:latin typeface="Calibri" panose="020F0502020204030204" pitchFamily="34" charset="0"/>
-                        </a:rPr>
-                        <a:t>7.11E-03</a:t>
-                      </a:r>
-                    </a:p>
-                  </a:txBody>
-                  <a:tcPr marL="9525" marR="9525" marT="9525" marB="0" anchor="b">
-                    <a:lnL w="6350" cap="flat" cmpd="sng" algn="ctr">
-                      <a:solidFill>
-                        <a:srgbClr val="000000"/>
-                      </a:solidFill>
-                      <a:prstDash val="solid"/>
-                      <a:round/>
-                      <a:headEnd type="none" w="med" len="med"/>
-                      <a:tailEnd type="none" w="med" len="med"/>
-                    </a:lnL>
-                    <a:lnR w="12700" cap="flat" cmpd="sng" algn="ctr">
-                      <a:solidFill>
-                        <a:srgbClr val="000000"/>
-                      </a:solidFill>
-                      <a:prstDash val="solid"/>
-                      <a:round/>
-                      <a:headEnd type="none" w="med" len="med"/>
-                      <a:tailEnd type="none" w="med" len="med"/>
-                    </a:lnR>
-                    <a:lnT w="6350" cap="flat" cmpd="sng" algn="ctr">
-                      <a:solidFill>
-                        <a:srgbClr val="000000"/>
-                      </a:solidFill>
-                      <a:prstDash val="solid"/>
-                      <a:round/>
-                      <a:headEnd type="none" w="med" len="med"/>
-                      <a:tailEnd type="none" w="med" len="med"/>
-                    </a:lnT>
-                    <a:lnB w="6350" cap="flat" cmpd="sng" algn="ctr">
-                      <a:solidFill>
-                        <a:srgbClr val="000000"/>
-                      </a:solidFill>
-                      <a:prstDash val="solid"/>
-                      <a:round/>
-                      <a:headEnd type="none" w="med" len="med"/>
-                      <a:tailEnd type="none" w="med" len="med"/>
-                    </a:lnB>
-                    <a:solidFill>
-                      <a:srgbClr val="DDEBF7"/>
-                    </a:solidFill>
-                  </a:tcPr>
-                </a:tc>
-                <a:tc>
-                  <a:txBody>
-                    <a:bodyPr/>
-                    <a:lstStyle/>
-                    <a:p>
-                      <a:pPr algn="ctr" fontAlgn="ctr"/>
-                      <a:r>
-                        <a:rPr lang="en-US" sz="1100" b="0" i="0" u="none" strike="noStrike">
-                          <a:solidFill>
-                            <a:srgbClr val="000000"/>
-                          </a:solidFill>
-                          <a:effectLst/>
-                          <a:latin typeface="Calibri" panose="020F0502020204030204" pitchFamily="34" charset="0"/>
-                        </a:rPr>
-                        <a:t>-</a:t>
-                      </a:r>
-                    </a:p>
-                  </a:txBody>
-                  <a:tcPr marL="9525" marR="9525" marT="9525" marB="0" anchor="ctr">
-                    <a:lnL w="12700" cap="flat" cmpd="sng" algn="ctr">
-                      <a:solidFill>
-                        <a:srgbClr val="000000"/>
-                      </a:solidFill>
-                      <a:prstDash val="solid"/>
-                      <a:round/>
-                      <a:headEnd type="none" w="med" len="med"/>
-                      <a:tailEnd type="none" w="med" len="med"/>
-                    </a:lnL>
-                    <a:lnR w="6350" cap="flat" cmpd="sng" algn="ctr">
-                      <a:solidFill>
-                        <a:srgbClr val="000000"/>
-                      </a:solidFill>
-                      <a:prstDash val="solid"/>
-                      <a:round/>
-                      <a:headEnd type="none" w="med" len="med"/>
-                      <a:tailEnd type="none" w="med" len="med"/>
-                    </a:lnR>
-                    <a:lnT w="12700" cap="flat" cmpd="sng" algn="ctr">
-                      <a:solidFill>
-                        <a:srgbClr val="000000"/>
-                      </a:solidFill>
-                      <a:prstDash val="solid"/>
-                      <a:round/>
-                      <a:headEnd type="none" w="med" len="med"/>
-                      <a:tailEnd type="none" w="med" len="med"/>
-                    </a:lnT>
-                    <a:lnB w="6350" cap="flat" cmpd="sng" algn="ctr">
-                      <a:solidFill>
-                        <a:srgbClr val="000000"/>
-                      </a:solidFill>
-                      <a:prstDash val="solid"/>
-                      <a:round/>
-                      <a:headEnd type="none" w="med" len="med"/>
-                      <a:tailEnd type="none" w="med" len="med"/>
-                    </a:lnB>
-                    <a:solidFill>
-                      <a:srgbClr val="FF0000"/>
-                    </a:solidFill>
-                  </a:tcPr>
-                </a:tc>
-                <a:tc>
-                  <a:txBody>
-                    <a:bodyPr/>
-                    <a:lstStyle/>
-                    <a:p>
-                      <a:pPr algn="ctr" fontAlgn="ctr"/>
-                      <a:r>
-                        <a:rPr lang="en-US" sz="1100" b="0" i="0" u="none" strike="noStrike">
-                          <a:solidFill>
-                            <a:srgbClr val="000000"/>
-                          </a:solidFill>
-                          <a:effectLst/>
-                          <a:latin typeface="Calibri" panose="020F0502020204030204" pitchFamily="34" charset="0"/>
-                        </a:rPr>
-                        <a:t>-</a:t>
-                      </a:r>
-                    </a:p>
-                  </a:txBody>
-                  <a:tcPr marL="9525" marR="9525" marT="9525" marB="0" anchor="ctr">
-                    <a:lnL w="6350" cap="flat" cmpd="sng" algn="ctr">
-                      <a:solidFill>
-                        <a:srgbClr val="000000"/>
-                      </a:solidFill>
-                      <a:prstDash val="solid"/>
-                      <a:round/>
-                      <a:headEnd type="none" w="med" len="med"/>
-                      <a:tailEnd type="none" w="med" len="med"/>
-                    </a:lnL>
-                    <a:lnR w="6350" cap="flat" cmpd="sng" algn="ctr">
-                      <a:solidFill>
-                        <a:srgbClr val="000000"/>
-                      </a:solidFill>
-                      <a:prstDash val="solid"/>
-                      <a:round/>
-                      <a:headEnd type="none" w="med" len="med"/>
-                      <a:tailEnd type="none" w="med" len="med"/>
-                    </a:lnR>
-                    <a:lnT w="12700" cap="flat" cmpd="sng" algn="ctr">
-                      <a:solidFill>
-                        <a:srgbClr val="000000"/>
-                      </a:solidFill>
-                      <a:prstDash val="solid"/>
-                      <a:round/>
-                      <a:headEnd type="none" w="med" len="med"/>
-                      <a:tailEnd type="none" w="med" len="med"/>
-                    </a:lnT>
-                    <a:lnB w="6350" cap="flat" cmpd="sng" algn="ctr">
-                      <a:solidFill>
-                        <a:srgbClr val="000000"/>
-                      </a:solidFill>
-                      <a:prstDash val="solid"/>
-                      <a:round/>
-                      <a:headEnd type="none" w="med" len="med"/>
-                      <a:tailEnd type="none" w="med" len="med"/>
-                    </a:lnB>
-                    <a:solidFill>
-                      <a:srgbClr val="FF0000"/>
-                    </a:solidFill>
-                  </a:tcPr>
-                </a:tc>
-                <a:tc>
-                  <a:txBody>
-                    <a:bodyPr/>
-                    <a:lstStyle/>
-                    <a:p>
-                      <a:pPr algn="ctr" fontAlgn="ctr"/>
-                      <a:r>
-                        <a:rPr lang="en-US" sz="1100" b="0" i="0" u="none" strike="noStrike">
-                          <a:solidFill>
-                            <a:srgbClr val="000000"/>
-                          </a:solidFill>
-                          <a:effectLst/>
-                          <a:latin typeface="Calibri" panose="020F0502020204030204" pitchFamily="34" charset="0"/>
-                        </a:rPr>
-                        <a:t>~</a:t>
-                      </a:r>
-                    </a:p>
-                  </a:txBody>
-                  <a:tcPr marL="9525" marR="9525" marT="9525" marB="0" anchor="ctr">
-                    <a:lnL w="6350" cap="flat" cmpd="sng" algn="ctr">
-                      <a:solidFill>
-                        <a:srgbClr val="000000"/>
-                      </a:solidFill>
-                      <a:prstDash val="solid"/>
-                      <a:round/>
-                      <a:headEnd type="none" w="med" len="med"/>
-                      <a:tailEnd type="none" w="med" len="med"/>
-                    </a:lnL>
-                    <a:lnR w="12700" cap="flat" cmpd="sng" algn="ctr">
-                      <a:solidFill>
-                        <a:srgbClr val="000000"/>
-                      </a:solidFill>
-                      <a:prstDash val="solid"/>
-                      <a:round/>
-                      <a:headEnd type="none" w="med" len="med"/>
-                      <a:tailEnd type="none" w="med" len="med"/>
-                    </a:lnR>
-                    <a:lnT w="12700" cap="flat" cmpd="sng" algn="ctr">
-                      <a:solidFill>
-                        <a:srgbClr val="000000"/>
-                      </a:solidFill>
-                      <a:prstDash val="solid"/>
-                      <a:round/>
-                      <a:headEnd type="none" w="med" len="med"/>
-                      <a:tailEnd type="none" w="med" len="med"/>
-                    </a:lnT>
-                    <a:lnB w="6350" cap="flat" cmpd="sng" algn="ctr">
-                      <a:solidFill>
-                        <a:srgbClr val="000000"/>
-                      </a:solidFill>
-                      <a:prstDash val="solid"/>
-                      <a:round/>
-                      <a:headEnd type="none" w="med" len="med"/>
-                      <a:tailEnd type="none" w="med" len="med"/>
-                    </a:lnB>
-                    <a:solidFill>
-                      <a:srgbClr val="00B0F0"/>
-                    </a:solidFill>
-                  </a:tcPr>
-                </a:tc>
-                <a:extLst>
-                  <a:ext uri="{0D108BD9-81ED-4DB2-BD59-A6C34878D82A}">
-                    <a16:rowId xmlns:a16="http://schemas.microsoft.com/office/drawing/2014/main" val="3714558657"/>
-                  </a:ext>
-                </a:extLst>
-              </a:tr>
-              <a:tr h="190500">
-                <a:tc>
-                  <a:txBody>
-                    <a:bodyPr/>
-                    <a:lstStyle/>
-                    <a:p>
-                      <a:pPr algn="ctr" fontAlgn="ctr"/>
-                      <a:r>
-                        <a:rPr lang="en-US" sz="1100" b="0" i="0" u="none" strike="noStrike">
-                          <a:solidFill>
-                            <a:srgbClr val="000000"/>
-                          </a:solidFill>
-                          <a:effectLst/>
-                          <a:latin typeface="Calibri" panose="020F0502020204030204" pitchFamily="34" charset="0"/>
-                        </a:rPr>
-                        <a:t>Aggressive_Exploitation</a:t>
-                      </a:r>
-                    </a:p>
-                  </a:txBody>
-                  <a:tcPr marL="9525" marR="9525" marT="9525" marB="0" anchor="ctr">
-                    <a:lnL w="12700" cap="flat" cmpd="sng" algn="ctr">
-                      <a:solidFill>
-                        <a:srgbClr val="000000"/>
-                      </a:solidFill>
-                      <a:prstDash val="solid"/>
-                      <a:round/>
-                      <a:headEnd type="none" w="med" len="med"/>
-                      <a:tailEnd type="none" w="med" len="med"/>
-                    </a:lnL>
-                    <a:lnR w="12700" cap="flat" cmpd="sng" algn="ctr">
-                      <a:solidFill>
-                        <a:srgbClr val="000000"/>
-                      </a:solidFill>
-                      <a:prstDash val="solid"/>
-                      <a:round/>
-                      <a:headEnd type="none" w="med" len="med"/>
-                      <a:tailEnd type="none" w="med" len="med"/>
-                    </a:lnR>
-                    <a:lnT w="6350" cap="flat" cmpd="sng" algn="ctr">
-                      <a:solidFill>
-                        <a:srgbClr val="000000"/>
-                      </a:solidFill>
-                      <a:prstDash val="solid"/>
-                      <a:round/>
-                      <a:headEnd type="none" w="med" len="med"/>
-                      <a:tailEnd type="none" w="med" len="med"/>
-                    </a:lnT>
-                    <a:lnB w="6350" cap="flat" cmpd="sng" algn="ctr">
-                      <a:solidFill>
-                        <a:srgbClr val="000000"/>
-                      </a:solidFill>
-                      <a:prstDash val="solid"/>
-                      <a:round/>
-                      <a:headEnd type="none" w="med" len="med"/>
-                      <a:tailEnd type="none" w="med" len="med"/>
-                    </a:lnB>
-                    <a:solidFill>
-                      <a:srgbClr val="DDEBF7"/>
-                    </a:solidFill>
-                  </a:tcPr>
-                </a:tc>
-                <a:tc>
-                  <a:txBody>
-                    <a:bodyPr/>
-                    <a:lstStyle/>
-                    <a:p>
-                      <a:pPr algn="ctr" fontAlgn="ctr"/>
-                      <a:r>
-                        <a:rPr lang="en-US" sz="1100" b="0" i="0" u="none" strike="noStrike">
-                          <a:solidFill>
-                            <a:srgbClr val="000000"/>
-                          </a:solidFill>
-                          <a:effectLst/>
-                          <a:latin typeface="Calibri" panose="020F0502020204030204" pitchFamily="34" charset="0"/>
-                        </a:rPr>
-                        <a:t>2.138E-01</a:t>
-                      </a:r>
-                    </a:p>
-                  </a:txBody>
-                  <a:tcPr marL="9525" marR="9525" marT="9525" marB="0" anchor="ctr">
-                    <a:lnL w="12700" cap="flat" cmpd="sng" algn="ctr">
-                      <a:solidFill>
-                        <a:srgbClr val="000000"/>
-                      </a:solidFill>
-                      <a:prstDash val="solid"/>
-                      <a:round/>
-                      <a:headEnd type="none" w="med" len="med"/>
-                      <a:tailEnd type="none" w="med" len="med"/>
-                    </a:lnL>
-                    <a:lnR w="6350" cap="flat" cmpd="sng" algn="ctr">
-                      <a:solidFill>
-                        <a:srgbClr val="000000"/>
-                      </a:solidFill>
-                      <a:prstDash val="solid"/>
-                      <a:round/>
-                      <a:headEnd type="none" w="med" len="med"/>
-                      <a:tailEnd type="none" w="med" len="med"/>
-                    </a:lnR>
-                    <a:lnT w="6350" cap="flat" cmpd="sng" algn="ctr">
-                      <a:solidFill>
-                        <a:srgbClr val="000000"/>
-                      </a:solidFill>
-                      <a:prstDash val="solid"/>
-                      <a:round/>
-                      <a:headEnd type="none" w="med" len="med"/>
-                      <a:tailEnd type="none" w="med" len="med"/>
-                    </a:lnT>
-                    <a:lnB w="6350" cap="flat" cmpd="sng" algn="ctr">
-                      <a:solidFill>
-                        <a:srgbClr val="000000"/>
-                      </a:solidFill>
-                      <a:prstDash val="solid"/>
-                      <a:round/>
-                      <a:headEnd type="none" w="med" len="med"/>
-                      <a:tailEnd type="none" w="med" len="med"/>
-                    </a:lnB>
-                    <a:solidFill>
-                      <a:srgbClr val="DDEBF7"/>
-                    </a:solidFill>
-                  </a:tcPr>
-                </a:tc>
-                <a:tc>
-                  <a:txBody>
-                    <a:bodyPr/>
-                    <a:lstStyle/>
-                    <a:p>
-                      <a:pPr algn="ctr" fontAlgn="ctr"/>
-                      <a:r>
-                        <a:rPr lang="en-US" sz="1100" b="0" i="0" u="none" strike="noStrike">
-                          <a:solidFill>
-                            <a:srgbClr val="000000"/>
-                          </a:solidFill>
-                          <a:effectLst/>
-                          <a:latin typeface="Calibri" panose="020F0502020204030204" pitchFamily="34" charset="0"/>
-                        </a:rPr>
-                        <a:t>5.70E-04</a:t>
-                      </a:r>
-                    </a:p>
-                  </a:txBody>
-                  <a:tcPr marL="9525" marR="9525" marT="9525" marB="0" anchor="ctr">
-                    <a:lnL w="6350" cap="flat" cmpd="sng" algn="ctr">
-                      <a:solidFill>
-                        <a:srgbClr val="000000"/>
-                      </a:solidFill>
-                      <a:prstDash val="solid"/>
-                      <a:round/>
-                      <a:headEnd type="none" w="med" len="med"/>
-                      <a:tailEnd type="none" w="med" len="med"/>
-                    </a:lnL>
-                    <a:lnR w="12700" cap="flat" cmpd="sng" algn="ctr">
-                      <a:solidFill>
-                        <a:srgbClr val="000000"/>
-                      </a:solidFill>
-                      <a:prstDash val="solid"/>
-                      <a:round/>
-                      <a:headEnd type="none" w="med" len="med"/>
-                      <a:tailEnd type="none" w="med" len="med"/>
-                    </a:lnR>
-                    <a:lnT w="6350" cap="flat" cmpd="sng" algn="ctr">
-                      <a:solidFill>
-                        <a:srgbClr val="000000"/>
-                      </a:solidFill>
-                      <a:prstDash val="solid"/>
-                      <a:round/>
-                      <a:headEnd type="none" w="med" len="med"/>
-                      <a:tailEnd type="none" w="med" len="med"/>
-                    </a:lnT>
-                    <a:lnB w="6350" cap="flat" cmpd="sng" algn="ctr">
-                      <a:solidFill>
-                        <a:srgbClr val="000000"/>
-                      </a:solidFill>
-                      <a:prstDash val="solid"/>
-                      <a:round/>
-                      <a:headEnd type="none" w="med" len="med"/>
-                      <a:tailEnd type="none" w="med" len="med"/>
-                    </a:lnB>
-                    <a:solidFill>
-                      <a:srgbClr val="DDEBF7"/>
-                    </a:solidFill>
-                  </a:tcPr>
-                </a:tc>
-                <a:tc>
-                  <a:txBody>
-                    <a:bodyPr/>
-                    <a:lstStyle/>
-                    <a:p>
-                      <a:pPr algn="ctr" fontAlgn="ctr"/>
-                      <a:r>
-                        <a:rPr lang="en-US" sz="1100" b="0" i="0" u="none" strike="noStrike">
-                          <a:solidFill>
-                            <a:srgbClr val="000000"/>
-                          </a:solidFill>
-                          <a:effectLst/>
-                          <a:latin typeface="Calibri" panose="020F0502020204030204" pitchFamily="34" charset="0"/>
-                        </a:rPr>
-                        <a:t>5.705E-01</a:t>
-                      </a:r>
-                    </a:p>
-                  </a:txBody>
-                  <a:tcPr marL="9525" marR="9525" marT="9525" marB="0" anchor="ctr">
-                    <a:lnL w="12700" cap="flat" cmpd="sng" algn="ctr">
-                      <a:solidFill>
-                        <a:srgbClr val="000000"/>
-                      </a:solidFill>
-                      <a:prstDash val="solid"/>
-                      <a:round/>
-                      <a:headEnd type="none" w="med" len="med"/>
-                      <a:tailEnd type="none" w="med" len="med"/>
-                    </a:lnL>
-                    <a:lnR w="6350" cap="flat" cmpd="sng" algn="ctr">
-                      <a:solidFill>
-                        <a:srgbClr val="000000"/>
-                      </a:solidFill>
-                      <a:prstDash val="solid"/>
-                      <a:round/>
-                      <a:headEnd type="none" w="med" len="med"/>
-                      <a:tailEnd type="none" w="med" len="med"/>
-                    </a:lnR>
-                    <a:lnT w="6350" cap="flat" cmpd="sng" algn="ctr">
-                      <a:solidFill>
-                        <a:srgbClr val="000000"/>
-                      </a:solidFill>
-                      <a:prstDash val="solid"/>
-                      <a:round/>
-                      <a:headEnd type="none" w="med" len="med"/>
-                      <a:tailEnd type="none" w="med" len="med"/>
-                    </a:lnT>
-                    <a:lnB w="6350" cap="flat" cmpd="sng" algn="ctr">
-                      <a:solidFill>
-                        <a:srgbClr val="000000"/>
-                      </a:solidFill>
-                      <a:prstDash val="solid"/>
-                      <a:round/>
-                      <a:headEnd type="none" w="med" len="med"/>
-                      <a:tailEnd type="none" w="med" len="med"/>
-                    </a:lnB>
-                    <a:solidFill>
-                      <a:srgbClr val="DDEBF7"/>
-                    </a:solidFill>
-                  </a:tcPr>
-                </a:tc>
-                <a:tc>
-                  <a:txBody>
-                    <a:bodyPr/>
-                    <a:lstStyle/>
-                    <a:p>
-                      <a:pPr algn="ctr" fontAlgn="ctr"/>
-                      <a:r>
-                        <a:rPr lang="en-US" sz="1100" b="0" i="0" u="none" strike="noStrike">
-                          <a:solidFill>
-                            <a:srgbClr val="000000"/>
-                          </a:solidFill>
-                          <a:effectLst/>
-                          <a:latin typeface="Calibri" panose="020F0502020204030204" pitchFamily="34" charset="0"/>
-                        </a:rPr>
-                        <a:t>8.30E-04</a:t>
-                      </a:r>
-                    </a:p>
-                  </a:txBody>
-                  <a:tcPr marL="9525" marR="9525" marT="9525" marB="0" anchor="ctr">
-                    <a:lnL w="6350" cap="flat" cmpd="sng" algn="ctr">
-                      <a:solidFill>
-                        <a:srgbClr val="000000"/>
-                      </a:solidFill>
-                      <a:prstDash val="solid"/>
-                      <a:round/>
-                      <a:headEnd type="none" w="med" len="med"/>
-                      <a:tailEnd type="none" w="med" len="med"/>
-                    </a:lnL>
-                    <a:lnR w="12700" cap="flat" cmpd="sng" algn="ctr">
-                      <a:solidFill>
-                        <a:srgbClr val="000000"/>
-                      </a:solidFill>
-                      <a:prstDash val="solid"/>
-                      <a:round/>
-                      <a:headEnd type="none" w="med" len="med"/>
-                      <a:tailEnd type="none" w="med" len="med"/>
-                    </a:lnR>
-                    <a:lnT w="6350" cap="flat" cmpd="sng" algn="ctr">
-                      <a:solidFill>
-                        <a:srgbClr val="000000"/>
-                      </a:solidFill>
-                      <a:prstDash val="solid"/>
-                      <a:round/>
-                      <a:headEnd type="none" w="med" len="med"/>
-                      <a:tailEnd type="none" w="med" len="med"/>
-                    </a:lnT>
-                    <a:lnB w="6350" cap="flat" cmpd="sng" algn="ctr">
-                      <a:solidFill>
-                        <a:srgbClr val="000000"/>
-                      </a:solidFill>
-                      <a:prstDash val="solid"/>
-                      <a:round/>
-                      <a:headEnd type="none" w="med" len="med"/>
-                      <a:tailEnd type="none" w="med" len="med"/>
-                    </a:lnB>
-                    <a:solidFill>
-                      <a:srgbClr val="DDEBF7"/>
-                    </a:solidFill>
-                  </a:tcPr>
-                </a:tc>
-                <a:tc>
-                  <a:txBody>
-                    <a:bodyPr/>
-                    <a:lstStyle/>
-                    <a:p>
-                      <a:pPr algn="r" fontAlgn="b"/>
-                      <a:r>
-                        <a:rPr lang="en-US" sz="1100" b="0" i="0" u="none" strike="noStrike">
-                          <a:solidFill>
-                            <a:srgbClr val="000000"/>
-                          </a:solidFill>
-                          <a:effectLst/>
-                          <a:latin typeface="Calibri" panose="020F0502020204030204" pitchFamily="34" charset="0"/>
-                        </a:rPr>
-                        <a:t>9.076E-01</a:t>
-                      </a:r>
-                    </a:p>
-                  </a:txBody>
-                  <a:tcPr marL="9525" marR="9525" marT="9525" marB="0" anchor="b">
-                    <a:lnL w="12700" cap="flat" cmpd="sng" algn="ctr">
-                      <a:solidFill>
-                        <a:srgbClr val="000000"/>
-                      </a:solidFill>
-                      <a:prstDash val="solid"/>
-                      <a:round/>
-                      <a:headEnd type="none" w="med" len="med"/>
-                      <a:tailEnd type="none" w="med" len="med"/>
-                    </a:lnL>
-                    <a:lnR w="6350" cap="flat" cmpd="sng" algn="ctr">
-                      <a:solidFill>
-                        <a:srgbClr val="000000"/>
-                      </a:solidFill>
-                      <a:prstDash val="solid"/>
-                      <a:round/>
-                      <a:headEnd type="none" w="med" len="med"/>
-                      <a:tailEnd type="none" w="med" len="med"/>
-                    </a:lnR>
-                    <a:lnT w="6350" cap="flat" cmpd="sng" algn="ctr">
-                      <a:solidFill>
-                        <a:srgbClr val="000000"/>
-                      </a:solidFill>
-                      <a:prstDash val="solid"/>
-                      <a:round/>
-                      <a:headEnd type="none" w="med" len="med"/>
-                      <a:tailEnd type="none" w="med" len="med"/>
-                    </a:lnT>
-                    <a:lnB w="6350" cap="flat" cmpd="sng" algn="ctr">
-                      <a:solidFill>
-                        <a:srgbClr val="000000"/>
-                      </a:solidFill>
-                      <a:prstDash val="solid"/>
-                      <a:round/>
-                      <a:headEnd type="none" w="med" len="med"/>
-                      <a:tailEnd type="none" w="med" len="med"/>
-                    </a:lnB>
-                    <a:solidFill>
-                      <a:srgbClr val="DDEBF7"/>
-                    </a:solidFill>
-                  </a:tcPr>
-                </a:tc>
-                <a:tc>
-                  <a:txBody>
-                    <a:bodyPr/>
-                    <a:lstStyle/>
-                    <a:p>
-                      <a:pPr algn="r" fontAlgn="b"/>
-                      <a:r>
-                        <a:rPr lang="en-US" sz="1100" b="0" i="0" u="none" strike="noStrike">
-                          <a:solidFill>
-                            <a:srgbClr val="000000"/>
-                          </a:solidFill>
-                          <a:effectLst/>
-                          <a:latin typeface="Calibri" panose="020F0502020204030204" pitchFamily="34" charset="0"/>
-                        </a:rPr>
-                        <a:t>9.57E-03</a:t>
-                      </a:r>
-                    </a:p>
-                  </a:txBody>
-                  <a:tcPr marL="9525" marR="9525" marT="9525" marB="0" anchor="b">
-                    <a:lnL w="6350" cap="flat" cmpd="sng" algn="ctr">
-                      <a:solidFill>
-                        <a:srgbClr val="000000"/>
-                      </a:solidFill>
-                      <a:prstDash val="solid"/>
-                      <a:round/>
-                      <a:headEnd type="none" w="med" len="med"/>
-                      <a:tailEnd type="none" w="med" len="med"/>
-                    </a:lnL>
-                    <a:lnR w="12700" cap="flat" cmpd="sng" algn="ctr">
-                      <a:solidFill>
-                        <a:srgbClr val="000000"/>
-                      </a:solidFill>
-                      <a:prstDash val="solid"/>
-                      <a:round/>
-                      <a:headEnd type="none" w="med" len="med"/>
-                      <a:tailEnd type="none" w="med" len="med"/>
-                    </a:lnR>
-                    <a:lnT w="6350" cap="flat" cmpd="sng" algn="ctr">
-                      <a:solidFill>
-                        <a:srgbClr val="000000"/>
-                      </a:solidFill>
-                      <a:prstDash val="solid"/>
-                      <a:round/>
-                      <a:headEnd type="none" w="med" len="med"/>
-                      <a:tailEnd type="none" w="med" len="med"/>
-                    </a:lnT>
-                    <a:lnB w="6350" cap="flat" cmpd="sng" algn="ctr">
-                      <a:solidFill>
-                        <a:srgbClr val="000000"/>
-                      </a:solidFill>
-                      <a:prstDash val="solid"/>
-                      <a:round/>
-                      <a:headEnd type="none" w="med" len="med"/>
-                      <a:tailEnd type="none" w="med" len="med"/>
-                    </a:lnB>
-                    <a:solidFill>
-                      <a:srgbClr val="DDEBF7"/>
-                    </a:solidFill>
-                  </a:tcPr>
-                </a:tc>
-                <a:tc>
-                  <a:txBody>
-                    <a:bodyPr/>
-                    <a:lstStyle/>
-                    <a:p>
-                      <a:pPr algn="ctr" fontAlgn="ctr"/>
-                      <a:r>
-                        <a:rPr lang="en-US" sz="1100" b="0" i="0" u="none" strike="noStrike">
-                          <a:solidFill>
-                            <a:srgbClr val="000000"/>
-                          </a:solidFill>
-                          <a:effectLst/>
-                          <a:latin typeface="Calibri" panose="020F0502020204030204" pitchFamily="34" charset="0"/>
-                        </a:rPr>
-                        <a:t>-</a:t>
-                      </a:r>
-                    </a:p>
-                  </a:txBody>
-                  <a:tcPr marL="9525" marR="9525" marT="9525" marB="0" anchor="ctr">
-                    <a:lnL w="12700" cap="flat" cmpd="sng" algn="ctr">
-                      <a:solidFill>
-                        <a:srgbClr val="000000"/>
-                      </a:solidFill>
-                      <a:prstDash val="solid"/>
-                      <a:round/>
-                      <a:headEnd type="none" w="med" len="med"/>
-                      <a:tailEnd type="none" w="med" len="med"/>
-                    </a:lnL>
-                    <a:lnR w="6350" cap="flat" cmpd="sng" algn="ctr">
-                      <a:solidFill>
-                        <a:srgbClr val="000000"/>
-                      </a:solidFill>
-                      <a:prstDash val="solid"/>
-                      <a:round/>
-                      <a:headEnd type="none" w="med" len="med"/>
-                      <a:tailEnd type="none" w="med" len="med"/>
-                    </a:lnR>
-                    <a:lnT w="6350" cap="flat" cmpd="sng" algn="ctr">
-                      <a:solidFill>
-                        <a:srgbClr val="000000"/>
-                      </a:solidFill>
-                      <a:prstDash val="solid"/>
-                      <a:round/>
-                      <a:headEnd type="none" w="med" len="med"/>
-                      <a:tailEnd type="none" w="med" len="med"/>
-                    </a:lnT>
-                    <a:lnB w="6350" cap="flat" cmpd="sng" algn="ctr">
-                      <a:solidFill>
-                        <a:srgbClr val="000000"/>
-                      </a:solidFill>
-                      <a:prstDash val="solid"/>
-                      <a:round/>
-                      <a:headEnd type="none" w="med" len="med"/>
-                      <a:tailEnd type="none" w="med" len="med"/>
-                    </a:lnB>
-                    <a:solidFill>
-                      <a:srgbClr val="FF0000"/>
-                    </a:solidFill>
-                  </a:tcPr>
-                </a:tc>
-                <a:tc>
-                  <a:txBody>
-                    <a:bodyPr/>
-                    <a:lstStyle/>
-                    <a:p>
-                      <a:pPr algn="ctr" fontAlgn="ctr"/>
-                      <a:r>
-                        <a:rPr lang="en-US" sz="1100" b="0" i="0" u="none" strike="noStrike">
-                          <a:solidFill>
-                            <a:srgbClr val="000000"/>
-                          </a:solidFill>
-                          <a:effectLst/>
-                          <a:latin typeface="Calibri" panose="020F0502020204030204" pitchFamily="34" charset="0"/>
-                        </a:rPr>
-                        <a:t>-</a:t>
-                      </a:r>
-                    </a:p>
-                  </a:txBody>
-                  <a:tcPr marL="9525" marR="9525" marT="9525" marB="0" anchor="ctr">
-                    <a:lnL w="6350" cap="flat" cmpd="sng" algn="ctr">
-                      <a:solidFill>
-                        <a:srgbClr val="000000"/>
-                      </a:solidFill>
-                      <a:prstDash val="solid"/>
-                      <a:round/>
-                      <a:headEnd type="none" w="med" len="med"/>
-                      <a:tailEnd type="none" w="med" len="med"/>
-                    </a:lnL>
-                    <a:lnR w="12700" cap="flat" cmpd="sng" algn="ctr">
-                      <a:solidFill>
-                        <a:srgbClr val="000000"/>
-                      </a:solidFill>
-                      <a:prstDash val="solid"/>
-                      <a:round/>
-                      <a:headEnd type="none" w="med" len="med"/>
-                      <a:tailEnd type="none" w="med" len="med"/>
-                    </a:lnR>
-                    <a:lnT w="6350" cap="flat" cmpd="sng" algn="ctr">
-                      <a:solidFill>
-                        <a:srgbClr val="000000"/>
-                      </a:solidFill>
-                      <a:prstDash val="solid"/>
-                      <a:round/>
-                      <a:headEnd type="none" w="med" len="med"/>
-                      <a:tailEnd type="none" w="med" len="med"/>
-                    </a:lnT>
-                    <a:lnB w="6350" cap="flat" cmpd="sng" algn="ctr">
-                      <a:solidFill>
-                        <a:srgbClr val="000000"/>
-                      </a:solidFill>
-                      <a:prstDash val="solid"/>
-                      <a:round/>
-                      <a:headEnd type="none" w="med" len="med"/>
-                      <a:tailEnd type="none" w="med" len="med"/>
-                    </a:lnB>
-                    <a:solidFill>
-                      <a:srgbClr val="FF0000"/>
-                    </a:solidFill>
-                  </a:tcPr>
-                </a:tc>
-                <a:tc>
-                  <a:txBody>
-                    <a:bodyPr/>
-                    <a:lstStyle/>
-                    <a:p>
-                      <a:pPr algn="l" fontAlgn="ctr"/>
-                      <a:r>
-                        <a:rPr lang="en-US" sz="1100" b="0" i="0" u="none" strike="noStrike">
-                          <a:solidFill>
-                            <a:srgbClr val="000000"/>
-                          </a:solidFill>
-                          <a:effectLst/>
-                          <a:latin typeface="Calibri" panose="020F0502020204030204" pitchFamily="34" charset="0"/>
-                        </a:rPr>
-                        <a:t>Reference</a:t>
-                      </a:r>
-                    </a:p>
-                  </a:txBody>
-                  <a:tcPr marL="9525" marR="9525" marT="9525" marB="0" anchor="ctr">
-                    <a:lnL w="12700" cap="flat" cmpd="sng" algn="ctr">
-                      <a:solidFill>
-                        <a:srgbClr val="000000"/>
-                      </a:solidFill>
-                      <a:prstDash val="solid"/>
-                      <a:round/>
-                      <a:headEnd type="none" w="med" len="med"/>
-                      <a:tailEnd type="none" w="med" len="med"/>
-                    </a:lnL>
-                    <a:lnR>
-                      <a:noFill/>
-                    </a:lnR>
-                    <a:lnT w="6350" cap="flat" cmpd="sng" algn="ctr">
-                      <a:solidFill>
-                        <a:srgbClr val="000000"/>
-                      </a:solidFill>
-                      <a:prstDash val="solid"/>
-                      <a:round/>
-                      <a:headEnd type="none" w="med" len="med"/>
-                      <a:tailEnd type="none" w="med" len="med"/>
-                    </a:lnT>
-                    <a:lnB w="6350" cap="flat" cmpd="sng" algn="ctr">
-                      <a:solidFill>
-                        <a:srgbClr val="000000"/>
-                      </a:solidFill>
-                      <a:prstDash val="solid"/>
-                      <a:round/>
-                      <a:headEnd type="none" w="med" len="med"/>
-                      <a:tailEnd type="none" w="med" len="med"/>
-                    </a:lnB>
-                    <a:solidFill>
-                      <a:srgbClr val="92D050"/>
-                    </a:solidFill>
-                  </a:tcPr>
-                </a:tc>
-                <a:extLst>
-                  <a:ext uri="{0D108BD9-81ED-4DB2-BD59-A6C34878D82A}">
-                    <a16:rowId xmlns:a16="http://schemas.microsoft.com/office/drawing/2014/main" val="2937494554"/>
-                  </a:ext>
-                </a:extLst>
-              </a:tr>
-              <a:tr h="190500">
-                <a:tc>
-                  <a:txBody>
-                    <a:bodyPr/>
-                    <a:lstStyle/>
-                    <a:p>
-                      <a:pPr algn="ctr" fontAlgn="ctr"/>
-                      <a:r>
-                        <a:rPr lang="en-US" sz="1100" b="0" i="0" u="none" strike="noStrike">
-                          <a:solidFill>
-                            <a:srgbClr val="000000"/>
-                          </a:solidFill>
-                          <a:effectLst/>
-                          <a:latin typeface="Calibri" panose="020F0502020204030204" pitchFamily="34" charset="0"/>
-                        </a:rPr>
-                        <a:t>Aggressive_Random</a:t>
-                      </a:r>
-                    </a:p>
-                  </a:txBody>
-                  <a:tcPr marL="9525" marR="9525" marT="9525" marB="0" anchor="ctr">
-                    <a:lnL w="12700" cap="flat" cmpd="sng" algn="ctr">
-                      <a:solidFill>
-                        <a:srgbClr val="000000"/>
-                      </a:solidFill>
-                      <a:prstDash val="solid"/>
-                      <a:round/>
-                      <a:headEnd type="none" w="med" len="med"/>
-                      <a:tailEnd type="none" w="med" len="med"/>
-                    </a:lnL>
-                    <a:lnR w="12700" cap="flat" cmpd="sng" algn="ctr">
-                      <a:solidFill>
-                        <a:srgbClr val="000000"/>
-                      </a:solidFill>
-                      <a:prstDash val="solid"/>
-                      <a:round/>
-                      <a:headEnd type="none" w="med" len="med"/>
-                      <a:tailEnd type="none" w="med" len="med"/>
-                    </a:lnR>
-                    <a:lnT w="6350" cap="flat" cmpd="sng" algn="ctr">
-                      <a:solidFill>
-                        <a:srgbClr val="000000"/>
-                      </a:solidFill>
-                      <a:prstDash val="solid"/>
-                      <a:round/>
-                      <a:headEnd type="none" w="med" len="med"/>
-                      <a:tailEnd type="none" w="med" len="med"/>
-                    </a:lnT>
-                    <a:lnB w="6350" cap="flat" cmpd="sng" algn="ctr">
-                      <a:solidFill>
-                        <a:srgbClr val="000000"/>
-                      </a:solidFill>
-                      <a:prstDash val="solid"/>
-                      <a:round/>
-                      <a:headEnd type="none" w="med" len="med"/>
-                      <a:tailEnd type="none" w="med" len="med"/>
-                    </a:lnB>
-                    <a:solidFill>
-                      <a:srgbClr val="DDEBF7"/>
-                    </a:solidFill>
-                  </a:tcPr>
-                </a:tc>
-                <a:tc>
-                  <a:txBody>
-                    <a:bodyPr/>
-                    <a:lstStyle/>
-                    <a:p>
-                      <a:pPr algn="ctr" fontAlgn="ctr"/>
-                      <a:r>
-                        <a:rPr lang="en-US" sz="1100" b="0" i="0" u="none" strike="noStrike">
-                          <a:solidFill>
-                            <a:srgbClr val="000000"/>
-                          </a:solidFill>
-                          <a:effectLst/>
-                          <a:latin typeface="Calibri" panose="020F0502020204030204" pitchFamily="34" charset="0"/>
-                        </a:rPr>
-                        <a:t>2.197E-01</a:t>
-                      </a:r>
-                    </a:p>
-                  </a:txBody>
-                  <a:tcPr marL="9525" marR="9525" marT="9525" marB="0" anchor="ctr">
-                    <a:lnL w="12700" cap="flat" cmpd="sng" algn="ctr">
-                      <a:solidFill>
-                        <a:srgbClr val="000000"/>
-                      </a:solidFill>
-                      <a:prstDash val="solid"/>
-                      <a:round/>
-                      <a:headEnd type="none" w="med" len="med"/>
-                      <a:tailEnd type="none" w="med" len="med"/>
-                    </a:lnL>
-                    <a:lnR w="6350" cap="flat" cmpd="sng" algn="ctr">
-                      <a:solidFill>
-                        <a:srgbClr val="000000"/>
-                      </a:solidFill>
-                      <a:prstDash val="solid"/>
-                      <a:round/>
-                      <a:headEnd type="none" w="med" len="med"/>
-                      <a:tailEnd type="none" w="med" len="med"/>
-                    </a:lnR>
-                    <a:lnT w="6350" cap="flat" cmpd="sng" algn="ctr">
-                      <a:solidFill>
-                        <a:srgbClr val="000000"/>
-                      </a:solidFill>
-                      <a:prstDash val="solid"/>
-                      <a:round/>
-                      <a:headEnd type="none" w="med" len="med"/>
-                      <a:tailEnd type="none" w="med" len="med"/>
-                    </a:lnT>
-                    <a:lnB w="6350" cap="flat" cmpd="sng" algn="ctr">
-                      <a:solidFill>
-                        <a:srgbClr val="000000"/>
-                      </a:solidFill>
-                      <a:prstDash val="solid"/>
-                      <a:round/>
-                      <a:headEnd type="none" w="med" len="med"/>
-                      <a:tailEnd type="none" w="med" len="med"/>
-                    </a:lnB>
-                    <a:solidFill>
-                      <a:srgbClr val="DDEBF7"/>
-                    </a:solidFill>
-                  </a:tcPr>
-                </a:tc>
-                <a:tc>
-                  <a:txBody>
-                    <a:bodyPr/>
-                    <a:lstStyle/>
-                    <a:p>
-                      <a:pPr algn="ctr" fontAlgn="ctr"/>
-                      <a:r>
-                        <a:rPr lang="en-US" sz="1100" b="0" i="0" u="none" strike="noStrike">
-                          <a:solidFill>
-                            <a:srgbClr val="000000"/>
-                          </a:solidFill>
-                          <a:effectLst/>
-                          <a:latin typeface="Calibri" panose="020F0502020204030204" pitchFamily="34" charset="0"/>
-                        </a:rPr>
-                        <a:t>4.60E-04</a:t>
-                      </a:r>
-                    </a:p>
-                  </a:txBody>
-                  <a:tcPr marL="9525" marR="9525" marT="9525" marB="0" anchor="ctr">
-                    <a:lnL w="6350" cap="flat" cmpd="sng" algn="ctr">
-                      <a:solidFill>
-                        <a:srgbClr val="000000"/>
-                      </a:solidFill>
-                      <a:prstDash val="solid"/>
-                      <a:round/>
-                      <a:headEnd type="none" w="med" len="med"/>
-                      <a:tailEnd type="none" w="med" len="med"/>
-                    </a:lnL>
-                    <a:lnR w="12700" cap="flat" cmpd="sng" algn="ctr">
-                      <a:solidFill>
-                        <a:srgbClr val="000000"/>
-                      </a:solidFill>
-                      <a:prstDash val="solid"/>
-                      <a:round/>
-                      <a:headEnd type="none" w="med" len="med"/>
-                      <a:tailEnd type="none" w="med" len="med"/>
-                    </a:lnR>
-                    <a:lnT w="6350" cap="flat" cmpd="sng" algn="ctr">
-                      <a:solidFill>
-                        <a:srgbClr val="000000"/>
-                      </a:solidFill>
-                      <a:prstDash val="solid"/>
-                      <a:round/>
-                      <a:headEnd type="none" w="med" len="med"/>
-                      <a:tailEnd type="none" w="med" len="med"/>
-                    </a:lnT>
-                    <a:lnB w="6350" cap="flat" cmpd="sng" algn="ctr">
-                      <a:solidFill>
-                        <a:srgbClr val="000000"/>
-                      </a:solidFill>
-                      <a:prstDash val="solid"/>
-                      <a:round/>
-                      <a:headEnd type="none" w="med" len="med"/>
-                      <a:tailEnd type="none" w="med" len="med"/>
-                    </a:lnB>
-                    <a:solidFill>
-                      <a:srgbClr val="DDEBF7"/>
-                    </a:solidFill>
-                  </a:tcPr>
-                </a:tc>
-                <a:tc>
-                  <a:txBody>
-                    <a:bodyPr/>
-                    <a:lstStyle/>
-                    <a:p>
-                      <a:pPr algn="ctr" fontAlgn="ctr"/>
-                      <a:r>
-                        <a:rPr lang="en-US" sz="1100" b="0" i="0" u="none" strike="noStrike">
-                          <a:solidFill>
-                            <a:srgbClr val="000000"/>
-                          </a:solidFill>
-                          <a:effectLst/>
-                          <a:latin typeface="Calibri" panose="020F0502020204030204" pitchFamily="34" charset="0"/>
-                        </a:rPr>
-                        <a:t>5.580E-01</a:t>
-                      </a:r>
-                    </a:p>
-                  </a:txBody>
-                  <a:tcPr marL="9525" marR="9525" marT="9525" marB="0" anchor="ctr">
-                    <a:lnL w="12700" cap="flat" cmpd="sng" algn="ctr">
-                      <a:solidFill>
-                        <a:srgbClr val="000000"/>
-                      </a:solidFill>
-                      <a:prstDash val="solid"/>
-                      <a:round/>
-                      <a:headEnd type="none" w="med" len="med"/>
-                      <a:tailEnd type="none" w="med" len="med"/>
-                    </a:lnL>
-                    <a:lnR w="6350" cap="flat" cmpd="sng" algn="ctr">
-                      <a:solidFill>
-                        <a:srgbClr val="000000"/>
-                      </a:solidFill>
-                      <a:prstDash val="solid"/>
-                      <a:round/>
-                      <a:headEnd type="none" w="med" len="med"/>
-                      <a:tailEnd type="none" w="med" len="med"/>
-                    </a:lnR>
-                    <a:lnT w="6350" cap="flat" cmpd="sng" algn="ctr">
-                      <a:solidFill>
-                        <a:srgbClr val="000000"/>
-                      </a:solidFill>
-                      <a:prstDash val="solid"/>
-                      <a:round/>
-                      <a:headEnd type="none" w="med" len="med"/>
-                      <a:tailEnd type="none" w="med" len="med"/>
-                    </a:lnT>
-                    <a:lnB w="6350" cap="flat" cmpd="sng" algn="ctr">
-                      <a:solidFill>
-                        <a:srgbClr val="000000"/>
-                      </a:solidFill>
-                      <a:prstDash val="solid"/>
-                      <a:round/>
-                      <a:headEnd type="none" w="med" len="med"/>
-                      <a:tailEnd type="none" w="med" len="med"/>
-                    </a:lnB>
-                    <a:solidFill>
-                      <a:srgbClr val="DDEBF7"/>
-                    </a:solidFill>
-                  </a:tcPr>
-                </a:tc>
-                <a:tc>
-                  <a:txBody>
-                    <a:bodyPr/>
-                    <a:lstStyle/>
-                    <a:p>
-                      <a:pPr algn="ctr" fontAlgn="ctr"/>
-                      <a:r>
-                        <a:rPr lang="en-US" sz="1100" b="0" i="0" u="none" strike="noStrike">
-                          <a:solidFill>
-                            <a:srgbClr val="000000"/>
-                          </a:solidFill>
-                          <a:effectLst/>
-                          <a:latin typeface="Calibri" panose="020F0502020204030204" pitchFamily="34" charset="0"/>
-                        </a:rPr>
-                        <a:t>6.70E-04</a:t>
-                      </a:r>
-                    </a:p>
-                  </a:txBody>
-                  <a:tcPr marL="9525" marR="9525" marT="9525" marB="0" anchor="ctr">
-                    <a:lnL w="6350" cap="flat" cmpd="sng" algn="ctr">
-                      <a:solidFill>
-                        <a:srgbClr val="000000"/>
-                      </a:solidFill>
-                      <a:prstDash val="solid"/>
-                      <a:round/>
-                      <a:headEnd type="none" w="med" len="med"/>
-                      <a:tailEnd type="none" w="med" len="med"/>
-                    </a:lnL>
-                    <a:lnR w="12700" cap="flat" cmpd="sng" algn="ctr">
-                      <a:solidFill>
-                        <a:srgbClr val="000000"/>
-                      </a:solidFill>
-                      <a:prstDash val="solid"/>
-                      <a:round/>
-                      <a:headEnd type="none" w="med" len="med"/>
-                      <a:tailEnd type="none" w="med" len="med"/>
-                    </a:lnR>
-                    <a:lnT w="6350" cap="flat" cmpd="sng" algn="ctr">
-                      <a:solidFill>
-                        <a:srgbClr val="000000"/>
-                      </a:solidFill>
-                      <a:prstDash val="solid"/>
-                      <a:round/>
-                      <a:headEnd type="none" w="med" len="med"/>
-                      <a:tailEnd type="none" w="med" len="med"/>
-                    </a:lnT>
-                    <a:lnB w="6350" cap="flat" cmpd="sng" algn="ctr">
-                      <a:solidFill>
-                        <a:srgbClr val="000000"/>
-                      </a:solidFill>
-                      <a:prstDash val="solid"/>
-                      <a:round/>
-                      <a:headEnd type="none" w="med" len="med"/>
-                      <a:tailEnd type="none" w="med" len="med"/>
-                    </a:lnB>
-                    <a:solidFill>
-                      <a:srgbClr val="DDEBF7"/>
-                    </a:solidFill>
-                  </a:tcPr>
-                </a:tc>
-                <a:tc>
-                  <a:txBody>
-                    <a:bodyPr/>
-                    <a:lstStyle/>
-                    <a:p>
-                      <a:pPr algn="r" fontAlgn="b"/>
-                      <a:r>
-                        <a:rPr lang="en-US" sz="1100" b="0" i="0" u="none" strike="noStrike">
-                          <a:solidFill>
-                            <a:srgbClr val="000000"/>
-                          </a:solidFill>
-                          <a:effectLst/>
-                          <a:latin typeface="Calibri" panose="020F0502020204030204" pitchFamily="34" charset="0"/>
-                        </a:rPr>
-                        <a:t>9.148E-01</a:t>
-                      </a:r>
-                    </a:p>
-                  </a:txBody>
-                  <a:tcPr marL="9525" marR="9525" marT="9525" marB="0" anchor="b">
-                    <a:lnL w="12700" cap="flat" cmpd="sng" algn="ctr">
-                      <a:solidFill>
-                        <a:srgbClr val="000000"/>
-                      </a:solidFill>
-                      <a:prstDash val="solid"/>
-                      <a:round/>
-                      <a:headEnd type="none" w="med" len="med"/>
-                      <a:tailEnd type="none" w="med" len="med"/>
-                    </a:lnL>
-                    <a:lnR w="6350" cap="flat" cmpd="sng" algn="ctr">
-                      <a:solidFill>
-                        <a:srgbClr val="000000"/>
-                      </a:solidFill>
-                      <a:prstDash val="solid"/>
-                      <a:round/>
-                      <a:headEnd type="none" w="med" len="med"/>
-                      <a:tailEnd type="none" w="med" len="med"/>
-                    </a:lnR>
-                    <a:lnT w="6350" cap="flat" cmpd="sng" algn="ctr">
-                      <a:solidFill>
-                        <a:srgbClr val="000000"/>
-                      </a:solidFill>
-                      <a:prstDash val="solid"/>
-                      <a:round/>
-                      <a:headEnd type="none" w="med" len="med"/>
-                      <a:tailEnd type="none" w="med" len="med"/>
-                    </a:lnT>
-                    <a:lnB w="6350" cap="flat" cmpd="sng" algn="ctr">
-                      <a:solidFill>
-                        <a:srgbClr val="000000"/>
-                      </a:solidFill>
-                      <a:prstDash val="solid"/>
-                      <a:round/>
-                      <a:headEnd type="none" w="med" len="med"/>
-                      <a:tailEnd type="none" w="med" len="med"/>
-                    </a:lnB>
-                    <a:solidFill>
-                      <a:srgbClr val="DDEBF7"/>
-                    </a:solidFill>
-                  </a:tcPr>
-                </a:tc>
-                <a:tc>
-                  <a:txBody>
-                    <a:bodyPr/>
-                    <a:lstStyle/>
-                    <a:p>
-                      <a:pPr algn="r" fontAlgn="b"/>
-                      <a:r>
-                        <a:rPr lang="en-US" sz="1100" b="0" i="0" u="none" strike="noStrike">
-                          <a:solidFill>
-                            <a:srgbClr val="000000"/>
-                          </a:solidFill>
-                          <a:effectLst/>
-                          <a:latin typeface="Calibri" panose="020F0502020204030204" pitchFamily="34" charset="0"/>
-                        </a:rPr>
-                        <a:t>6.85E-03</a:t>
-                      </a:r>
-                    </a:p>
-                  </a:txBody>
-                  <a:tcPr marL="9525" marR="9525" marT="9525" marB="0" anchor="b">
-                    <a:lnL w="6350" cap="flat" cmpd="sng" algn="ctr">
-                      <a:solidFill>
-                        <a:srgbClr val="000000"/>
-                      </a:solidFill>
-                      <a:prstDash val="solid"/>
-                      <a:round/>
-                      <a:headEnd type="none" w="med" len="med"/>
-                      <a:tailEnd type="none" w="med" len="med"/>
-                    </a:lnL>
-                    <a:lnR w="12700" cap="flat" cmpd="sng" algn="ctr">
-                      <a:solidFill>
-                        <a:srgbClr val="000000"/>
-                      </a:solidFill>
-                      <a:prstDash val="solid"/>
-                      <a:round/>
-                      <a:headEnd type="none" w="med" len="med"/>
-                      <a:tailEnd type="none" w="med" len="med"/>
-                    </a:lnR>
-                    <a:lnT w="6350" cap="flat" cmpd="sng" algn="ctr">
-                      <a:solidFill>
-                        <a:srgbClr val="000000"/>
-                      </a:solidFill>
-                      <a:prstDash val="solid"/>
-                      <a:round/>
-                      <a:headEnd type="none" w="med" len="med"/>
-                      <a:tailEnd type="none" w="med" len="med"/>
-                    </a:lnT>
-                    <a:lnB w="6350" cap="flat" cmpd="sng" algn="ctr">
-                      <a:solidFill>
-                        <a:srgbClr val="000000"/>
-                      </a:solidFill>
-                      <a:prstDash val="solid"/>
-                      <a:round/>
-                      <a:headEnd type="none" w="med" len="med"/>
-                      <a:tailEnd type="none" w="med" len="med"/>
-                    </a:lnB>
-                    <a:solidFill>
-                      <a:srgbClr val="DDEBF7"/>
-                    </a:solidFill>
-                  </a:tcPr>
-                </a:tc>
-                <a:tc>
-                  <a:txBody>
-                    <a:bodyPr/>
-                    <a:lstStyle/>
-                    <a:p>
-                      <a:pPr algn="ctr" fontAlgn="ctr"/>
-                      <a:r>
-                        <a:rPr lang="en-US" sz="1100" b="0" i="0" u="none" strike="noStrike">
-                          <a:solidFill>
-                            <a:srgbClr val="000000"/>
-                          </a:solidFill>
-                          <a:effectLst/>
-                          <a:latin typeface="Calibri" panose="020F0502020204030204" pitchFamily="34" charset="0"/>
-                        </a:rPr>
-                        <a:t>-</a:t>
-                      </a:r>
-                    </a:p>
-                  </a:txBody>
-                  <a:tcPr marL="9525" marR="9525" marT="9525" marB="0" anchor="ctr">
-                    <a:lnL w="12700" cap="flat" cmpd="sng" algn="ctr">
-                      <a:solidFill>
-                        <a:srgbClr val="000000"/>
-                      </a:solidFill>
-                      <a:prstDash val="solid"/>
-                      <a:round/>
-                      <a:headEnd type="none" w="med" len="med"/>
-                      <a:tailEnd type="none" w="med" len="med"/>
-                    </a:lnL>
-                    <a:lnR w="6350" cap="flat" cmpd="sng" algn="ctr">
-                      <a:solidFill>
-                        <a:srgbClr val="000000"/>
-                      </a:solidFill>
-                      <a:prstDash val="solid"/>
-                      <a:round/>
-                      <a:headEnd type="none" w="med" len="med"/>
-                      <a:tailEnd type="none" w="med" len="med"/>
-                    </a:lnR>
-                    <a:lnT w="6350" cap="flat" cmpd="sng" algn="ctr">
-                      <a:solidFill>
-                        <a:srgbClr val="000000"/>
-                      </a:solidFill>
-                      <a:prstDash val="solid"/>
-                      <a:round/>
-                      <a:headEnd type="none" w="med" len="med"/>
-                      <a:tailEnd type="none" w="med" len="med"/>
-                    </a:lnT>
-                    <a:lnB w="6350" cap="flat" cmpd="sng" algn="ctr">
-                      <a:solidFill>
-                        <a:srgbClr val="000000"/>
-                      </a:solidFill>
-                      <a:prstDash val="solid"/>
-                      <a:round/>
-                      <a:headEnd type="none" w="med" len="med"/>
-                      <a:tailEnd type="none" w="med" len="med"/>
-                    </a:lnB>
-                    <a:solidFill>
-                      <a:srgbClr val="FF0000"/>
-                    </a:solidFill>
-                  </a:tcPr>
-                </a:tc>
-                <a:tc>
-                  <a:txBody>
-                    <a:bodyPr/>
-                    <a:lstStyle/>
-                    <a:p>
-                      <a:pPr algn="ctr" fontAlgn="ctr"/>
-                      <a:r>
-                        <a:rPr lang="en-US" sz="1100" b="0" i="0" u="none" strike="noStrike">
-                          <a:solidFill>
-                            <a:srgbClr val="000000"/>
-                          </a:solidFill>
-                          <a:effectLst/>
-                          <a:latin typeface="Calibri" panose="020F0502020204030204" pitchFamily="34" charset="0"/>
-                        </a:rPr>
-                        <a:t>-</a:t>
-                      </a:r>
-                    </a:p>
-                  </a:txBody>
-                  <a:tcPr marL="9525" marR="9525" marT="9525" marB="0" anchor="ctr">
-                    <a:lnL w="6350" cap="flat" cmpd="sng" algn="ctr">
-                      <a:solidFill>
-                        <a:srgbClr val="000000"/>
-                      </a:solidFill>
-                      <a:prstDash val="solid"/>
-                      <a:round/>
-                      <a:headEnd type="none" w="med" len="med"/>
-                      <a:tailEnd type="none" w="med" len="med"/>
-                    </a:lnL>
-                    <a:lnR w="6350" cap="flat" cmpd="sng" algn="ctr">
-                      <a:solidFill>
-                        <a:srgbClr val="000000"/>
-                      </a:solidFill>
-                      <a:prstDash val="solid"/>
-                      <a:round/>
-                      <a:headEnd type="none" w="med" len="med"/>
-                      <a:tailEnd type="none" w="med" len="med"/>
-                    </a:lnR>
-                    <a:lnT w="6350" cap="flat" cmpd="sng" algn="ctr">
-                      <a:solidFill>
-                        <a:srgbClr val="000000"/>
-                      </a:solidFill>
-                      <a:prstDash val="solid"/>
-                      <a:round/>
-                      <a:headEnd type="none" w="med" len="med"/>
-                      <a:tailEnd type="none" w="med" len="med"/>
-                    </a:lnT>
-                    <a:lnB w="6350" cap="flat" cmpd="sng" algn="ctr">
-                      <a:solidFill>
-                        <a:srgbClr val="000000"/>
-                      </a:solidFill>
-                      <a:prstDash val="solid"/>
-                      <a:round/>
-                      <a:headEnd type="none" w="med" len="med"/>
-                      <a:tailEnd type="none" w="med" len="med"/>
-                    </a:lnB>
-                    <a:solidFill>
-                      <a:srgbClr val="FF0000"/>
-                    </a:solidFill>
-                  </a:tcPr>
-                </a:tc>
-                <a:tc>
-                  <a:txBody>
-                    <a:bodyPr/>
-                    <a:lstStyle/>
-                    <a:p>
-                      <a:pPr algn="ctr" fontAlgn="ctr"/>
-                      <a:r>
-                        <a:rPr lang="en-US" sz="1100" b="0" i="0" u="none" strike="noStrike">
-                          <a:solidFill>
-                            <a:srgbClr val="000000"/>
-                          </a:solidFill>
-                          <a:effectLst/>
-                          <a:latin typeface="Calibri" panose="020F0502020204030204" pitchFamily="34" charset="0"/>
-                        </a:rPr>
-                        <a:t>~</a:t>
-                      </a:r>
-                    </a:p>
-                  </a:txBody>
-                  <a:tcPr marL="9525" marR="9525" marT="9525" marB="0" anchor="ctr">
-                    <a:lnL w="6350" cap="flat" cmpd="sng" algn="ctr">
-                      <a:solidFill>
-                        <a:srgbClr val="000000"/>
-                      </a:solidFill>
-                      <a:prstDash val="solid"/>
-                      <a:round/>
-                      <a:headEnd type="none" w="med" len="med"/>
-                      <a:tailEnd type="none" w="med" len="med"/>
-                    </a:lnL>
-                    <a:lnR w="12700" cap="flat" cmpd="sng" algn="ctr">
-                      <a:solidFill>
-                        <a:srgbClr val="000000"/>
-                      </a:solidFill>
-                      <a:prstDash val="solid"/>
-                      <a:round/>
-                      <a:headEnd type="none" w="med" len="med"/>
-                      <a:tailEnd type="none" w="med" len="med"/>
-                    </a:lnR>
-                    <a:lnT w="6350" cap="flat" cmpd="sng" algn="ctr">
-                      <a:solidFill>
-                        <a:srgbClr val="000000"/>
-                      </a:solidFill>
-                      <a:prstDash val="solid"/>
-                      <a:round/>
-                      <a:headEnd type="none" w="med" len="med"/>
-                      <a:tailEnd type="none" w="med" len="med"/>
-                    </a:lnT>
-                    <a:lnB w="6350" cap="flat" cmpd="sng" algn="ctr">
-                      <a:solidFill>
-                        <a:srgbClr val="000000"/>
-                      </a:solidFill>
-                      <a:prstDash val="solid"/>
-                      <a:round/>
-                      <a:headEnd type="none" w="med" len="med"/>
-                      <a:tailEnd type="none" w="med" len="med"/>
-                    </a:lnB>
-                    <a:solidFill>
-                      <a:srgbClr val="00B0F0"/>
-                    </a:solidFill>
-                  </a:tcPr>
-                </a:tc>
-                <a:extLst>
-                  <a:ext uri="{0D108BD9-81ED-4DB2-BD59-A6C34878D82A}">
-                    <a16:rowId xmlns:a16="http://schemas.microsoft.com/office/drawing/2014/main" val="1278192844"/>
-                  </a:ext>
-                </a:extLst>
-              </a:tr>
-              <a:tr h="190500">
-                <a:tc>
-                  <a:txBody>
-                    <a:bodyPr/>
-                    <a:lstStyle/>
-                    <a:p>
-                      <a:pPr algn="ctr" fontAlgn="ctr"/>
-                      <a:r>
-                        <a:rPr lang="en-US" sz="1100" b="0" i="0" u="none" strike="noStrike">
-                          <a:solidFill>
-                            <a:srgbClr val="000000"/>
-                          </a:solidFill>
-                          <a:effectLst/>
-                          <a:latin typeface="Calibri" panose="020F0502020204030204" pitchFamily="34" charset="0"/>
-                        </a:rPr>
-                        <a:t>Aggressive_Combine</a:t>
-                      </a:r>
-                    </a:p>
-                  </a:txBody>
-                  <a:tcPr marL="9525" marR="9525" marT="9525" marB="0" anchor="ctr">
-                    <a:lnL w="12700" cap="flat" cmpd="sng" algn="ctr">
-                      <a:solidFill>
-                        <a:srgbClr val="000000"/>
-                      </a:solidFill>
-                      <a:prstDash val="solid"/>
-                      <a:round/>
-                      <a:headEnd type="none" w="med" len="med"/>
-                      <a:tailEnd type="none" w="med" len="med"/>
-                    </a:lnL>
-                    <a:lnR w="12700" cap="flat" cmpd="sng" algn="ctr">
-                      <a:solidFill>
-                        <a:srgbClr val="000000"/>
-                      </a:solidFill>
-                      <a:prstDash val="solid"/>
-                      <a:round/>
-                      <a:headEnd type="none" w="med" len="med"/>
-                      <a:tailEnd type="none" w="med" len="med"/>
-                    </a:lnR>
-                    <a:lnT w="6350" cap="flat" cmpd="sng" algn="ctr">
-                      <a:solidFill>
-                        <a:srgbClr val="000000"/>
-                      </a:solidFill>
-                      <a:prstDash val="solid"/>
-                      <a:round/>
-                      <a:headEnd type="none" w="med" len="med"/>
-                      <a:tailEnd type="none" w="med" len="med"/>
-                    </a:lnT>
-                    <a:lnB w="6350" cap="flat" cmpd="sng" algn="ctr">
-                      <a:solidFill>
-                        <a:srgbClr val="000000"/>
-                      </a:solidFill>
-                      <a:prstDash val="solid"/>
-                      <a:round/>
-                      <a:headEnd type="none" w="med" len="med"/>
-                      <a:tailEnd type="none" w="med" len="med"/>
-                    </a:lnB>
-                    <a:solidFill>
-                      <a:srgbClr val="DDEBF7"/>
-                    </a:solidFill>
-                  </a:tcPr>
-                </a:tc>
-                <a:tc>
-                  <a:txBody>
-                    <a:bodyPr/>
-                    <a:lstStyle/>
-                    <a:p>
-                      <a:pPr algn="ctr" fontAlgn="ctr"/>
-                      <a:r>
-                        <a:rPr lang="en-US" sz="1100" b="0" i="0" u="none" strike="noStrike">
-                          <a:solidFill>
-                            <a:srgbClr val="000000"/>
-                          </a:solidFill>
-                          <a:effectLst/>
-                          <a:latin typeface="Calibri" panose="020F0502020204030204" pitchFamily="34" charset="0"/>
-                        </a:rPr>
-                        <a:t>2.167E-01</a:t>
-                      </a:r>
-                    </a:p>
-                  </a:txBody>
-                  <a:tcPr marL="9525" marR="9525" marT="9525" marB="0" anchor="ctr">
-                    <a:lnL w="12700" cap="flat" cmpd="sng" algn="ctr">
-                      <a:solidFill>
-                        <a:srgbClr val="000000"/>
-                      </a:solidFill>
-                      <a:prstDash val="solid"/>
-                      <a:round/>
-                      <a:headEnd type="none" w="med" len="med"/>
-                      <a:tailEnd type="none" w="med" len="med"/>
-                    </a:lnL>
-                    <a:lnR w="6350" cap="flat" cmpd="sng" algn="ctr">
-                      <a:solidFill>
-                        <a:srgbClr val="000000"/>
-                      </a:solidFill>
-                      <a:prstDash val="solid"/>
-                      <a:round/>
-                      <a:headEnd type="none" w="med" len="med"/>
-                      <a:tailEnd type="none" w="med" len="med"/>
-                    </a:lnR>
-                    <a:lnT w="6350" cap="flat" cmpd="sng" algn="ctr">
-                      <a:solidFill>
-                        <a:srgbClr val="000000"/>
-                      </a:solidFill>
-                      <a:prstDash val="solid"/>
-                      <a:round/>
-                      <a:headEnd type="none" w="med" len="med"/>
-                      <a:tailEnd type="none" w="med" len="med"/>
-                    </a:lnT>
-                    <a:lnB w="6350" cap="flat" cmpd="sng" algn="ctr">
-                      <a:solidFill>
-                        <a:srgbClr val="000000"/>
-                      </a:solidFill>
-                      <a:prstDash val="solid"/>
-                      <a:round/>
-                      <a:headEnd type="none" w="med" len="med"/>
-                      <a:tailEnd type="none" w="med" len="med"/>
-                    </a:lnB>
-                    <a:solidFill>
-                      <a:srgbClr val="DDEBF7"/>
-                    </a:solidFill>
-                  </a:tcPr>
-                </a:tc>
-                <a:tc>
-                  <a:txBody>
-                    <a:bodyPr/>
-                    <a:lstStyle/>
-                    <a:p>
-                      <a:pPr algn="ctr" fontAlgn="ctr"/>
-                      <a:r>
-                        <a:rPr lang="en-US" sz="1100" b="0" i="0" u="none" strike="noStrike">
-                          <a:solidFill>
-                            <a:srgbClr val="000000"/>
-                          </a:solidFill>
-                          <a:effectLst/>
-                          <a:latin typeface="Calibri" panose="020F0502020204030204" pitchFamily="34" charset="0"/>
-                        </a:rPr>
-                        <a:t>7.00E-04</a:t>
-                      </a:r>
-                    </a:p>
-                  </a:txBody>
-                  <a:tcPr marL="9525" marR="9525" marT="9525" marB="0" anchor="ctr">
-                    <a:lnL w="6350" cap="flat" cmpd="sng" algn="ctr">
-                      <a:solidFill>
-                        <a:srgbClr val="000000"/>
-                      </a:solidFill>
-                      <a:prstDash val="solid"/>
-                      <a:round/>
-                      <a:headEnd type="none" w="med" len="med"/>
-                      <a:tailEnd type="none" w="med" len="med"/>
-                    </a:lnL>
-                    <a:lnR w="12700" cap="flat" cmpd="sng" algn="ctr">
-                      <a:solidFill>
-                        <a:srgbClr val="000000"/>
-                      </a:solidFill>
-                      <a:prstDash val="solid"/>
-                      <a:round/>
-                      <a:headEnd type="none" w="med" len="med"/>
-                      <a:tailEnd type="none" w="med" len="med"/>
-                    </a:lnR>
-                    <a:lnT w="6350" cap="flat" cmpd="sng" algn="ctr">
-                      <a:solidFill>
-                        <a:srgbClr val="000000"/>
-                      </a:solidFill>
-                      <a:prstDash val="solid"/>
-                      <a:round/>
-                      <a:headEnd type="none" w="med" len="med"/>
-                      <a:tailEnd type="none" w="med" len="med"/>
-                    </a:lnT>
-                    <a:lnB w="6350" cap="flat" cmpd="sng" algn="ctr">
-                      <a:solidFill>
-                        <a:srgbClr val="000000"/>
-                      </a:solidFill>
-                      <a:prstDash val="solid"/>
-                      <a:round/>
-                      <a:headEnd type="none" w="med" len="med"/>
-                      <a:tailEnd type="none" w="med" len="med"/>
-                    </a:lnB>
-                    <a:solidFill>
-                      <a:srgbClr val="DDEBF7"/>
-                    </a:solidFill>
-                  </a:tcPr>
-                </a:tc>
-                <a:tc>
-                  <a:txBody>
-                    <a:bodyPr/>
-                    <a:lstStyle/>
-                    <a:p>
-                      <a:pPr algn="ctr" fontAlgn="ctr"/>
-                      <a:r>
-                        <a:rPr lang="en-US" sz="1100" b="0" i="0" u="none" strike="noStrike">
-                          <a:solidFill>
-                            <a:srgbClr val="000000"/>
-                          </a:solidFill>
-                          <a:effectLst/>
-                          <a:latin typeface="Calibri" panose="020F0502020204030204" pitchFamily="34" charset="0"/>
-                        </a:rPr>
-                        <a:t>5.655E-01</a:t>
-                      </a:r>
-                    </a:p>
-                  </a:txBody>
-                  <a:tcPr marL="9525" marR="9525" marT="9525" marB="0" anchor="ctr">
-                    <a:lnL w="12700" cap="flat" cmpd="sng" algn="ctr">
-                      <a:solidFill>
-                        <a:srgbClr val="000000"/>
-                      </a:solidFill>
-                      <a:prstDash val="solid"/>
-                      <a:round/>
-                      <a:headEnd type="none" w="med" len="med"/>
-                      <a:tailEnd type="none" w="med" len="med"/>
-                    </a:lnL>
-                    <a:lnR w="6350" cap="flat" cmpd="sng" algn="ctr">
-                      <a:solidFill>
-                        <a:srgbClr val="000000"/>
-                      </a:solidFill>
-                      <a:prstDash val="solid"/>
-                      <a:round/>
-                      <a:headEnd type="none" w="med" len="med"/>
-                      <a:tailEnd type="none" w="med" len="med"/>
-                    </a:lnR>
-                    <a:lnT w="6350" cap="flat" cmpd="sng" algn="ctr">
-                      <a:solidFill>
-                        <a:srgbClr val="000000"/>
-                      </a:solidFill>
-                      <a:prstDash val="solid"/>
-                      <a:round/>
-                      <a:headEnd type="none" w="med" len="med"/>
-                      <a:tailEnd type="none" w="med" len="med"/>
-                    </a:lnT>
-                    <a:lnB w="6350" cap="flat" cmpd="sng" algn="ctr">
-                      <a:solidFill>
-                        <a:srgbClr val="000000"/>
-                      </a:solidFill>
-                      <a:prstDash val="solid"/>
-                      <a:round/>
-                      <a:headEnd type="none" w="med" len="med"/>
-                      <a:tailEnd type="none" w="med" len="med"/>
-                    </a:lnB>
-                    <a:solidFill>
-                      <a:srgbClr val="DDEBF7"/>
-                    </a:solidFill>
-                  </a:tcPr>
-                </a:tc>
-                <a:tc>
-                  <a:txBody>
-                    <a:bodyPr/>
-                    <a:lstStyle/>
-                    <a:p>
-                      <a:pPr algn="ctr" fontAlgn="ctr"/>
-                      <a:r>
-                        <a:rPr lang="en-US" sz="1100" b="0" i="0" u="none" strike="noStrike">
-                          <a:solidFill>
-                            <a:srgbClr val="000000"/>
-                          </a:solidFill>
-                          <a:effectLst/>
-                          <a:latin typeface="Calibri" panose="020F0502020204030204" pitchFamily="34" charset="0"/>
-                        </a:rPr>
-                        <a:t>9.30E-04</a:t>
-                      </a:r>
-                    </a:p>
-                  </a:txBody>
-                  <a:tcPr marL="9525" marR="9525" marT="9525" marB="0" anchor="ctr">
-                    <a:lnL w="6350" cap="flat" cmpd="sng" algn="ctr">
-                      <a:solidFill>
-                        <a:srgbClr val="000000"/>
-                      </a:solidFill>
-                      <a:prstDash val="solid"/>
-                      <a:round/>
-                      <a:headEnd type="none" w="med" len="med"/>
-                      <a:tailEnd type="none" w="med" len="med"/>
-                    </a:lnL>
-                    <a:lnR w="12700" cap="flat" cmpd="sng" algn="ctr">
-                      <a:solidFill>
-                        <a:srgbClr val="000000"/>
-                      </a:solidFill>
-                      <a:prstDash val="solid"/>
-                      <a:round/>
-                      <a:headEnd type="none" w="med" len="med"/>
-                      <a:tailEnd type="none" w="med" len="med"/>
-                    </a:lnR>
-                    <a:lnT w="6350" cap="flat" cmpd="sng" algn="ctr">
-                      <a:solidFill>
-                        <a:srgbClr val="000000"/>
-                      </a:solidFill>
-                      <a:prstDash val="solid"/>
-                      <a:round/>
-                      <a:headEnd type="none" w="med" len="med"/>
-                      <a:tailEnd type="none" w="med" len="med"/>
-                    </a:lnT>
-                    <a:lnB w="6350" cap="flat" cmpd="sng" algn="ctr">
-                      <a:solidFill>
-                        <a:srgbClr val="000000"/>
-                      </a:solidFill>
-                      <a:prstDash val="solid"/>
-                      <a:round/>
-                      <a:headEnd type="none" w="med" len="med"/>
-                      <a:tailEnd type="none" w="med" len="med"/>
-                    </a:lnB>
-                    <a:solidFill>
-                      <a:srgbClr val="DDEBF7"/>
-                    </a:solidFill>
-                  </a:tcPr>
-                </a:tc>
-                <a:tc>
-                  <a:txBody>
-                    <a:bodyPr/>
-                    <a:lstStyle/>
-                    <a:p>
-                      <a:pPr algn="r" fontAlgn="b"/>
-                      <a:r>
-                        <a:rPr lang="en-US" sz="1100" b="0" i="0" u="none" strike="noStrike">
-                          <a:solidFill>
-                            <a:srgbClr val="000000"/>
-                          </a:solidFill>
-                          <a:effectLst/>
-                          <a:latin typeface="Calibri" panose="020F0502020204030204" pitchFamily="34" charset="0"/>
-                        </a:rPr>
-                        <a:t>9.126E-01</a:t>
-                      </a:r>
-                    </a:p>
-                  </a:txBody>
-                  <a:tcPr marL="9525" marR="9525" marT="9525" marB="0" anchor="b">
-                    <a:lnL w="12700" cap="flat" cmpd="sng" algn="ctr">
-                      <a:solidFill>
-                        <a:srgbClr val="000000"/>
-                      </a:solidFill>
-                      <a:prstDash val="solid"/>
-                      <a:round/>
-                      <a:headEnd type="none" w="med" len="med"/>
-                      <a:tailEnd type="none" w="med" len="med"/>
-                    </a:lnL>
-                    <a:lnR w="6350" cap="flat" cmpd="sng" algn="ctr">
-                      <a:solidFill>
-                        <a:srgbClr val="000000"/>
-                      </a:solidFill>
-                      <a:prstDash val="solid"/>
-                      <a:round/>
-                      <a:headEnd type="none" w="med" len="med"/>
-                      <a:tailEnd type="none" w="med" len="med"/>
-                    </a:lnR>
-                    <a:lnT w="6350" cap="flat" cmpd="sng" algn="ctr">
-                      <a:solidFill>
-                        <a:srgbClr val="000000"/>
-                      </a:solidFill>
-                      <a:prstDash val="solid"/>
-                      <a:round/>
-                      <a:headEnd type="none" w="med" len="med"/>
-                      <a:tailEnd type="none" w="med" len="med"/>
-                    </a:lnT>
-                    <a:lnB w="6350" cap="flat" cmpd="sng" algn="ctr">
-                      <a:solidFill>
-                        <a:srgbClr val="000000"/>
-                      </a:solidFill>
-                      <a:prstDash val="solid"/>
-                      <a:round/>
-                      <a:headEnd type="none" w="med" len="med"/>
-                      <a:tailEnd type="none" w="med" len="med"/>
-                    </a:lnB>
-                    <a:solidFill>
-                      <a:srgbClr val="DDEBF7"/>
-                    </a:solidFill>
-                  </a:tcPr>
-                </a:tc>
-                <a:tc>
-                  <a:txBody>
-                    <a:bodyPr/>
-                    <a:lstStyle/>
-                    <a:p>
-                      <a:pPr algn="r" fontAlgn="b"/>
-                      <a:r>
-                        <a:rPr lang="en-US" sz="1100" b="0" i="0" u="none" strike="noStrike">
-                          <a:solidFill>
-                            <a:srgbClr val="000000"/>
-                          </a:solidFill>
-                          <a:effectLst/>
-                          <a:latin typeface="Calibri" panose="020F0502020204030204" pitchFamily="34" charset="0"/>
-                        </a:rPr>
-                        <a:t>7.30E-03</a:t>
-                      </a:r>
-                    </a:p>
-                  </a:txBody>
-                  <a:tcPr marL="9525" marR="9525" marT="9525" marB="0" anchor="b">
-                    <a:lnL w="6350" cap="flat" cmpd="sng" algn="ctr">
-                      <a:solidFill>
-                        <a:srgbClr val="000000"/>
-                      </a:solidFill>
-                      <a:prstDash val="solid"/>
-                      <a:round/>
-                      <a:headEnd type="none" w="med" len="med"/>
-                      <a:tailEnd type="none" w="med" len="med"/>
-                    </a:lnL>
-                    <a:lnR w="12700" cap="flat" cmpd="sng" algn="ctr">
-                      <a:solidFill>
-                        <a:srgbClr val="000000"/>
-                      </a:solidFill>
-                      <a:prstDash val="solid"/>
-                      <a:round/>
-                      <a:headEnd type="none" w="med" len="med"/>
-                      <a:tailEnd type="none" w="med" len="med"/>
-                    </a:lnR>
-                    <a:lnT w="6350" cap="flat" cmpd="sng" algn="ctr">
-                      <a:solidFill>
-                        <a:srgbClr val="000000"/>
-                      </a:solidFill>
-                      <a:prstDash val="solid"/>
-                      <a:round/>
-                      <a:headEnd type="none" w="med" len="med"/>
-                      <a:tailEnd type="none" w="med" len="med"/>
-                    </a:lnT>
-                    <a:lnB w="6350" cap="flat" cmpd="sng" algn="ctr">
-                      <a:solidFill>
-                        <a:srgbClr val="000000"/>
-                      </a:solidFill>
-                      <a:prstDash val="solid"/>
-                      <a:round/>
-                      <a:headEnd type="none" w="med" len="med"/>
-                      <a:tailEnd type="none" w="med" len="med"/>
-                    </a:lnB>
-                    <a:solidFill>
-                      <a:srgbClr val="DDEBF7"/>
-                    </a:solidFill>
-                  </a:tcPr>
-                </a:tc>
-                <a:tc>
-                  <a:txBody>
-                    <a:bodyPr/>
-                    <a:lstStyle/>
-                    <a:p>
-                      <a:pPr algn="ctr" fontAlgn="ctr"/>
-                      <a:r>
-                        <a:rPr lang="en-US" sz="1100" b="0" i="0" u="none" strike="noStrike">
-                          <a:solidFill>
-                            <a:srgbClr val="000000"/>
-                          </a:solidFill>
-                          <a:effectLst/>
-                          <a:latin typeface="Calibri" panose="020F0502020204030204" pitchFamily="34" charset="0"/>
-                        </a:rPr>
-                        <a:t>-</a:t>
-                      </a:r>
-                    </a:p>
-                  </a:txBody>
-                  <a:tcPr marL="9525" marR="9525" marT="9525" marB="0" anchor="ctr">
-                    <a:lnL w="12700" cap="flat" cmpd="sng" algn="ctr">
-                      <a:solidFill>
-                        <a:srgbClr val="000000"/>
-                      </a:solidFill>
-                      <a:prstDash val="solid"/>
-                      <a:round/>
-                      <a:headEnd type="none" w="med" len="med"/>
-                      <a:tailEnd type="none" w="med" len="med"/>
-                    </a:lnL>
-                    <a:lnR w="6350" cap="flat" cmpd="sng" algn="ctr">
-                      <a:solidFill>
-                        <a:srgbClr val="000000"/>
-                      </a:solidFill>
-                      <a:prstDash val="solid"/>
-                      <a:round/>
-                      <a:headEnd type="none" w="med" len="med"/>
-                      <a:tailEnd type="none" w="med" len="med"/>
-                    </a:lnR>
-                    <a:lnT w="6350" cap="flat" cmpd="sng" algn="ctr">
-                      <a:solidFill>
-                        <a:srgbClr val="000000"/>
-                      </a:solidFill>
-                      <a:prstDash val="solid"/>
-                      <a:round/>
-                      <a:headEnd type="none" w="med" len="med"/>
-                      <a:tailEnd type="none" w="med" len="med"/>
-                    </a:lnT>
-                    <a:lnB w="6350" cap="flat" cmpd="sng" algn="ctr">
-                      <a:solidFill>
-                        <a:srgbClr val="000000"/>
-                      </a:solidFill>
-                      <a:prstDash val="solid"/>
-                      <a:round/>
-                      <a:headEnd type="none" w="med" len="med"/>
-                      <a:tailEnd type="none" w="med" len="med"/>
-                    </a:lnB>
-                    <a:solidFill>
-                      <a:srgbClr val="FF0000"/>
-                    </a:solidFill>
-                  </a:tcPr>
-                </a:tc>
-                <a:tc>
-                  <a:txBody>
-                    <a:bodyPr/>
-                    <a:lstStyle/>
-                    <a:p>
-                      <a:pPr algn="ctr" fontAlgn="ctr"/>
-                      <a:r>
-                        <a:rPr lang="en-US" sz="1100" b="0" i="0" u="none" strike="noStrike">
-                          <a:solidFill>
-                            <a:srgbClr val="000000"/>
-                          </a:solidFill>
-                          <a:effectLst/>
-                          <a:latin typeface="Calibri" panose="020F0502020204030204" pitchFamily="34" charset="0"/>
-                        </a:rPr>
-                        <a:t>-</a:t>
-                      </a:r>
-                    </a:p>
-                  </a:txBody>
-                  <a:tcPr marL="9525" marR="9525" marT="9525" marB="0" anchor="ctr">
-                    <a:lnL w="6350" cap="flat" cmpd="sng" algn="ctr">
-                      <a:solidFill>
-                        <a:srgbClr val="000000"/>
-                      </a:solidFill>
-                      <a:prstDash val="solid"/>
-                      <a:round/>
-                      <a:headEnd type="none" w="med" len="med"/>
-                      <a:tailEnd type="none" w="med" len="med"/>
-                    </a:lnL>
-                    <a:lnR w="6350" cap="flat" cmpd="sng" algn="ctr">
-                      <a:solidFill>
-                        <a:srgbClr val="000000"/>
-                      </a:solidFill>
-                      <a:prstDash val="solid"/>
-                      <a:round/>
-                      <a:headEnd type="none" w="med" len="med"/>
-                      <a:tailEnd type="none" w="med" len="med"/>
-                    </a:lnR>
-                    <a:lnT w="6350" cap="flat" cmpd="sng" algn="ctr">
-                      <a:solidFill>
-                        <a:srgbClr val="000000"/>
-                      </a:solidFill>
-                      <a:prstDash val="solid"/>
-                      <a:round/>
-                      <a:headEnd type="none" w="med" len="med"/>
-                      <a:tailEnd type="none" w="med" len="med"/>
-                    </a:lnT>
-                    <a:lnB w="6350" cap="flat" cmpd="sng" algn="ctr">
-                      <a:solidFill>
-                        <a:srgbClr val="000000"/>
-                      </a:solidFill>
-                      <a:prstDash val="solid"/>
-                      <a:round/>
-                      <a:headEnd type="none" w="med" len="med"/>
-                      <a:tailEnd type="none" w="med" len="med"/>
-                    </a:lnB>
-                    <a:solidFill>
-                      <a:srgbClr val="FF0000"/>
-                    </a:solidFill>
-                  </a:tcPr>
-                </a:tc>
-                <a:tc>
-                  <a:txBody>
-                    <a:bodyPr/>
-                    <a:lstStyle/>
-                    <a:p>
-                      <a:pPr algn="ctr" fontAlgn="ctr"/>
-                      <a:r>
-                        <a:rPr lang="en-US" sz="1100" b="0" i="0" u="none" strike="noStrike">
-                          <a:solidFill>
-                            <a:srgbClr val="000000"/>
-                          </a:solidFill>
-                          <a:effectLst/>
-                          <a:latin typeface="Calibri" panose="020F0502020204030204" pitchFamily="34" charset="0"/>
-                        </a:rPr>
-                        <a:t>~</a:t>
-                      </a:r>
-                    </a:p>
-                  </a:txBody>
-                  <a:tcPr marL="9525" marR="9525" marT="9525" marB="0" anchor="ctr">
-                    <a:lnL w="6350" cap="flat" cmpd="sng" algn="ctr">
-                      <a:solidFill>
-                        <a:srgbClr val="000000"/>
-                      </a:solidFill>
-                      <a:prstDash val="solid"/>
-                      <a:round/>
-                      <a:headEnd type="none" w="med" len="med"/>
-                      <a:tailEnd type="none" w="med" len="med"/>
-                    </a:lnL>
-                    <a:lnR w="12700" cap="flat" cmpd="sng" algn="ctr">
-                      <a:solidFill>
-                        <a:srgbClr val="000000"/>
-                      </a:solidFill>
-                      <a:prstDash val="solid"/>
-                      <a:round/>
-                      <a:headEnd type="none" w="med" len="med"/>
-                      <a:tailEnd type="none" w="med" len="med"/>
-                    </a:lnR>
-                    <a:lnT w="6350" cap="flat" cmpd="sng" algn="ctr">
-                      <a:solidFill>
-                        <a:srgbClr val="000000"/>
-                      </a:solidFill>
-                      <a:prstDash val="solid"/>
-                      <a:round/>
-                      <a:headEnd type="none" w="med" len="med"/>
-                      <a:tailEnd type="none" w="med" len="med"/>
-                    </a:lnT>
-                    <a:lnB w="6350" cap="flat" cmpd="sng" algn="ctr">
-                      <a:solidFill>
-                        <a:srgbClr val="000000"/>
-                      </a:solidFill>
-                      <a:prstDash val="solid"/>
-                      <a:round/>
-                      <a:headEnd type="none" w="med" len="med"/>
-                      <a:tailEnd type="none" w="med" len="med"/>
-                    </a:lnB>
-                    <a:solidFill>
-                      <a:srgbClr val="00B0F0"/>
-                    </a:solidFill>
-                  </a:tcPr>
-                </a:tc>
-                <a:extLst>
-                  <a:ext uri="{0D108BD9-81ED-4DB2-BD59-A6C34878D82A}">
-                    <a16:rowId xmlns:a16="http://schemas.microsoft.com/office/drawing/2014/main" val="2885950816"/>
-                  </a:ext>
-                </a:extLst>
-              </a:tr>
-              <a:tr h="190500">
-                <a:tc>
-                  <a:txBody>
-                    <a:bodyPr/>
-                    <a:lstStyle/>
-                    <a:p>
-                      <a:pPr algn="ctr" fontAlgn="ctr"/>
-                      <a:r>
-                        <a:rPr lang="en-US" sz="1100" b="0" i="0" u="none" strike="noStrike">
-                          <a:solidFill>
-                            <a:srgbClr val="000000"/>
-                          </a:solidFill>
-                          <a:effectLst/>
-                          <a:latin typeface="Calibri" panose="020F0502020204030204" pitchFamily="34" charset="0"/>
-                        </a:rPr>
-                        <a:t>Medium_Exploration</a:t>
-                      </a:r>
-                    </a:p>
-                  </a:txBody>
-                  <a:tcPr marL="9525" marR="9525" marT="9525" marB="0" anchor="ctr">
-                    <a:lnL w="12700" cap="flat" cmpd="sng" algn="ctr">
-                      <a:solidFill>
-                        <a:srgbClr val="000000"/>
-                      </a:solidFill>
-                      <a:prstDash val="solid"/>
-                      <a:round/>
-                      <a:headEnd type="none" w="med" len="med"/>
-                      <a:tailEnd type="none" w="med" len="med"/>
-                    </a:lnL>
-                    <a:lnR w="12700" cap="flat" cmpd="sng" algn="ctr">
-                      <a:solidFill>
-                        <a:srgbClr val="000000"/>
-                      </a:solidFill>
-                      <a:prstDash val="solid"/>
-                      <a:round/>
-                      <a:headEnd type="none" w="med" len="med"/>
-                      <a:tailEnd type="none" w="med" len="med"/>
-                    </a:lnR>
-                    <a:lnT w="6350" cap="flat" cmpd="sng" algn="ctr">
-                      <a:solidFill>
-                        <a:srgbClr val="000000"/>
-                      </a:solidFill>
-                      <a:prstDash val="solid"/>
-                      <a:round/>
-                      <a:headEnd type="none" w="med" len="med"/>
-                      <a:tailEnd type="none" w="med" len="med"/>
-                    </a:lnT>
-                    <a:lnB w="6350" cap="flat" cmpd="sng" algn="ctr">
-                      <a:solidFill>
-                        <a:srgbClr val="000000"/>
-                      </a:solidFill>
-                      <a:prstDash val="solid"/>
-                      <a:round/>
-                      <a:headEnd type="none" w="med" len="med"/>
-                      <a:tailEnd type="none" w="med" len="med"/>
-                    </a:lnB>
-                    <a:solidFill>
-                      <a:srgbClr val="BDD7EE"/>
-                    </a:solidFill>
-                  </a:tcPr>
-                </a:tc>
-                <a:tc>
-                  <a:txBody>
-                    <a:bodyPr/>
-                    <a:lstStyle/>
-                    <a:p>
-                      <a:pPr algn="ctr" fontAlgn="ctr"/>
-                      <a:r>
-                        <a:rPr lang="en-US" sz="1100" b="0" i="0" u="none" strike="noStrike">
-                          <a:solidFill>
-                            <a:srgbClr val="000000"/>
-                          </a:solidFill>
-                          <a:effectLst/>
-                          <a:latin typeface="Calibri" panose="020F0502020204030204" pitchFamily="34" charset="0"/>
-                        </a:rPr>
-                        <a:t>2.241E-01</a:t>
-                      </a:r>
-                    </a:p>
-                  </a:txBody>
-                  <a:tcPr marL="9525" marR="9525" marT="9525" marB="0" anchor="ctr">
-                    <a:lnL w="12700" cap="flat" cmpd="sng" algn="ctr">
-                      <a:solidFill>
-                        <a:srgbClr val="000000"/>
-                      </a:solidFill>
-                      <a:prstDash val="solid"/>
-                      <a:round/>
-                      <a:headEnd type="none" w="med" len="med"/>
-                      <a:tailEnd type="none" w="med" len="med"/>
-                    </a:lnL>
-                    <a:lnR w="6350" cap="flat" cmpd="sng" algn="ctr">
-                      <a:solidFill>
-                        <a:srgbClr val="000000"/>
-                      </a:solidFill>
-                      <a:prstDash val="solid"/>
-                      <a:round/>
-                      <a:headEnd type="none" w="med" len="med"/>
-                      <a:tailEnd type="none" w="med" len="med"/>
-                    </a:lnR>
-                    <a:lnT w="6350" cap="flat" cmpd="sng" algn="ctr">
-                      <a:solidFill>
-                        <a:srgbClr val="000000"/>
-                      </a:solidFill>
-                      <a:prstDash val="solid"/>
-                      <a:round/>
-                      <a:headEnd type="none" w="med" len="med"/>
-                      <a:tailEnd type="none" w="med" len="med"/>
-                    </a:lnT>
-                    <a:lnB w="6350" cap="flat" cmpd="sng" algn="ctr">
-                      <a:solidFill>
-                        <a:srgbClr val="000000"/>
-                      </a:solidFill>
-                      <a:prstDash val="solid"/>
-                      <a:round/>
-                      <a:headEnd type="none" w="med" len="med"/>
-                      <a:tailEnd type="none" w="med" len="med"/>
-                    </a:lnB>
-                    <a:solidFill>
-                      <a:srgbClr val="BDD7EE"/>
-                    </a:solidFill>
-                  </a:tcPr>
-                </a:tc>
-                <a:tc>
-                  <a:txBody>
-                    <a:bodyPr/>
-                    <a:lstStyle/>
-                    <a:p>
-                      <a:pPr algn="ctr" fontAlgn="ctr"/>
-                      <a:r>
-                        <a:rPr lang="en-US" sz="1100" b="0" i="0" u="none" strike="noStrike">
-                          <a:solidFill>
-                            <a:srgbClr val="000000"/>
-                          </a:solidFill>
-                          <a:effectLst/>
-                          <a:latin typeface="Calibri" panose="020F0502020204030204" pitchFamily="34" charset="0"/>
-                        </a:rPr>
-                        <a:t>1.70E-04</a:t>
-                      </a:r>
-                    </a:p>
-                  </a:txBody>
-                  <a:tcPr marL="9525" marR="9525" marT="9525" marB="0" anchor="ctr">
-                    <a:lnL w="6350" cap="flat" cmpd="sng" algn="ctr">
-                      <a:solidFill>
-                        <a:srgbClr val="000000"/>
-                      </a:solidFill>
-                      <a:prstDash val="solid"/>
-                      <a:round/>
-                      <a:headEnd type="none" w="med" len="med"/>
-                      <a:tailEnd type="none" w="med" len="med"/>
-                    </a:lnL>
-                    <a:lnR w="12700" cap="flat" cmpd="sng" algn="ctr">
-                      <a:solidFill>
-                        <a:srgbClr val="000000"/>
-                      </a:solidFill>
-                      <a:prstDash val="solid"/>
-                      <a:round/>
-                      <a:headEnd type="none" w="med" len="med"/>
-                      <a:tailEnd type="none" w="med" len="med"/>
-                    </a:lnR>
-                    <a:lnT w="6350" cap="flat" cmpd="sng" algn="ctr">
-                      <a:solidFill>
-                        <a:srgbClr val="000000"/>
-                      </a:solidFill>
-                      <a:prstDash val="solid"/>
-                      <a:round/>
-                      <a:headEnd type="none" w="med" len="med"/>
-                      <a:tailEnd type="none" w="med" len="med"/>
-                    </a:lnT>
-                    <a:lnB w="6350" cap="flat" cmpd="sng" algn="ctr">
-                      <a:solidFill>
-                        <a:srgbClr val="000000"/>
-                      </a:solidFill>
-                      <a:prstDash val="solid"/>
-                      <a:round/>
-                      <a:headEnd type="none" w="med" len="med"/>
-                      <a:tailEnd type="none" w="med" len="med"/>
-                    </a:lnB>
-                    <a:solidFill>
-                      <a:srgbClr val="BDD7EE"/>
-                    </a:solidFill>
-                  </a:tcPr>
-                </a:tc>
-                <a:tc>
-                  <a:txBody>
-                    <a:bodyPr/>
-                    <a:lstStyle/>
-                    <a:p>
-                      <a:pPr algn="ctr" fontAlgn="ctr"/>
-                      <a:r>
-                        <a:rPr lang="en-US" sz="1100" b="0" i="0" u="none" strike="noStrike">
-                          <a:solidFill>
-                            <a:srgbClr val="000000"/>
-                          </a:solidFill>
-                          <a:effectLst/>
-                          <a:latin typeface="Calibri" panose="020F0502020204030204" pitchFamily="34" charset="0"/>
-                        </a:rPr>
-                        <a:t>5.505E-01</a:t>
-                      </a:r>
-                    </a:p>
-                  </a:txBody>
-                  <a:tcPr marL="9525" marR="9525" marT="9525" marB="0" anchor="ctr">
-                    <a:lnL w="12700" cap="flat" cmpd="sng" algn="ctr">
-                      <a:solidFill>
-                        <a:srgbClr val="000000"/>
-                      </a:solidFill>
-                      <a:prstDash val="solid"/>
-                      <a:round/>
-                      <a:headEnd type="none" w="med" len="med"/>
-                      <a:tailEnd type="none" w="med" len="med"/>
-                    </a:lnL>
-                    <a:lnR w="6350" cap="flat" cmpd="sng" algn="ctr">
-                      <a:solidFill>
-                        <a:srgbClr val="000000"/>
-                      </a:solidFill>
-                      <a:prstDash val="solid"/>
-                      <a:round/>
-                      <a:headEnd type="none" w="med" len="med"/>
-                      <a:tailEnd type="none" w="med" len="med"/>
-                    </a:lnR>
-                    <a:lnT w="6350" cap="flat" cmpd="sng" algn="ctr">
-                      <a:solidFill>
-                        <a:srgbClr val="000000"/>
-                      </a:solidFill>
-                      <a:prstDash val="solid"/>
-                      <a:round/>
-                      <a:headEnd type="none" w="med" len="med"/>
-                      <a:tailEnd type="none" w="med" len="med"/>
-                    </a:lnT>
-                    <a:lnB w="6350" cap="flat" cmpd="sng" algn="ctr">
-                      <a:solidFill>
-                        <a:srgbClr val="000000"/>
-                      </a:solidFill>
-                      <a:prstDash val="solid"/>
-                      <a:round/>
-                      <a:headEnd type="none" w="med" len="med"/>
-                      <a:tailEnd type="none" w="med" len="med"/>
-                    </a:lnB>
-                    <a:solidFill>
-                      <a:srgbClr val="BDD7EE"/>
-                    </a:solidFill>
-                  </a:tcPr>
-                </a:tc>
-                <a:tc>
-                  <a:txBody>
-                    <a:bodyPr/>
-                    <a:lstStyle/>
-                    <a:p>
-                      <a:pPr algn="ctr" fontAlgn="ctr"/>
-                      <a:r>
-                        <a:rPr lang="en-US" sz="1100" b="0" i="0" u="none" strike="noStrike">
-                          <a:solidFill>
-                            <a:srgbClr val="000000"/>
-                          </a:solidFill>
-                          <a:effectLst/>
-                          <a:latin typeface="Calibri" panose="020F0502020204030204" pitchFamily="34" charset="0"/>
-                        </a:rPr>
-                        <a:t>4.60E-04</a:t>
-                      </a:r>
-                    </a:p>
-                  </a:txBody>
-                  <a:tcPr marL="9525" marR="9525" marT="9525" marB="0" anchor="ctr">
-                    <a:lnL w="6350" cap="flat" cmpd="sng" algn="ctr">
-                      <a:solidFill>
-                        <a:srgbClr val="000000"/>
-                      </a:solidFill>
-                      <a:prstDash val="solid"/>
-                      <a:round/>
-                      <a:headEnd type="none" w="med" len="med"/>
-                      <a:tailEnd type="none" w="med" len="med"/>
-                    </a:lnL>
-                    <a:lnR w="12700" cap="flat" cmpd="sng" algn="ctr">
-                      <a:solidFill>
-                        <a:srgbClr val="000000"/>
-                      </a:solidFill>
-                      <a:prstDash val="solid"/>
-                      <a:round/>
-                      <a:headEnd type="none" w="med" len="med"/>
-                      <a:tailEnd type="none" w="med" len="med"/>
-                    </a:lnR>
-                    <a:lnT w="6350" cap="flat" cmpd="sng" algn="ctr">
-                      <a:solidFill>
-                        <a:srgbClr val="000000"/>
-                      </a:solidFill>
-                      <a:prstDash val="solid"/>
-                      <a:round/>
-                      <a:headEnd type="none" w="med" len="med"/>
-                      <a:tailEnd type="none" w="med" len="med"/>
-                    </a:lnT>
-                    <a:lnB w="6350" cap="flat" cmpd="sng" algn="ctr">
-                      <a:solidFill>
-                        <a:srgbClr val="000000"/>
-                      </a:solidFill>
-                      <a:prstDash val="solid"/>
-                      <a:round/>
-                      <a:headEnd type="none" w="med" len="med"/>
-                      <a:tailEnd type="none" w="med" len="med"/>
-                    </a:lnB>
-                    <a:solidFill>
-                      <a:srgbClr val="BDD7EE"/>
-                    </a:solidFill>
-                  </a:tcPr>
-                </a:tc>
-                <a:tc>
-                  <a:txBody>
-                    <a:bodyPr/>
-                    <a:lstStyle/>
-                    <a:p>
-                      <a:pPr algn="r" fontAlgn="b"/>
-                      <a:r>
-                        <a:rPr lang="en-US" sz="1100" b="0" i="0" u="none" strike="noStrike">
-                          <a:solidFill>
-                            <a:srgbClr val="000000"/>
-                          </a:solidFill>
-                          <a:effectLst/>
-                          <a:latin typeface="Calibri" panose="020F0502020204030204" pitchFamily="34" charset="0"/>
-                        </a:rPr>
-                        <a:t>9.153E-01</a:t>
-                      </a:r>
-                    </a:p>
-                  </a:txBody>
-                  <a:tcPr marL="9525" marR="9525" marT="9525" marB="0" anchor="b">
-                    <a:lnL w="12700" cap="flat" cmpd="sng" algn="ctr">
-                      <a:solidFill>
-                        <a:srgbClr val="000000"/>
-                      </a:solidFill>
-                      <a:prstDash val="solid"/>
-                      <a:round/>
-                      <a:headEnd type="none" w="med" len="med"/>
-                      <a:tailEnd type="none" w="med" len="med"/>
-                    </a:lnL>
-                    <a:lnR w="6350" cap="flat" cmpd="sng" algn="ctr">
-                      <a:solidFill>
-                        <a:srgbClr val="000000"/>
-                      </a:solidFill>
-                      <a:prstDash val="solid"/>
-                      <a:round/>
-                      <a:headEnd type="none" w="med" len="med"/>
-                      <a:tailEnd type="none" w="med" len="med"/>
-                    </a:lnR>
-                    <a:lnT w="6350" cap="flat" cmpd="sng" algn="ctr">
-                      <a:solidFill>
-                        <a:srgbClr val="000000"/>
-                      </a:solidFill>
-                      <a:prstDash val="solid"/>
-                      <a:round/>
-                      <a:headEnd type="none" w="med" len="med"/>
-                      <a:tailEnd type="none" w="med" len="med"/>
-                    </a:lnT>
-                    <a:lnB w="6350" cap="flat" cmpd="sng" algn="ctr">
-                      <a:solidFill>
-                        <a:srgbClr val="000000"/>
-                      </a:solidFill>
-                      <a:prstDash val="solid"/>
-                      <a:round/>
-                      <a:headEnd type="none" w="med" len="med"/>
-                      <a:tailEnd type="none" w="med" len="med"/>
-                    </a:lnB>
-                    <a:solidFill>
-                      <a:srgbClr val="BDD7EE"/>
-                    </a:solidFill>
-                  </a:tcPr>
-                </a:tc>
-                <a:tc>
-                  <a:txBody>
-                    <a:bodyPr/>
-                    <a:lstStyle/>
-                    <a:p>
-                      <a:pPr algn="r" fontAlgn="b"/>
-                      <a:r>
-                        <a:rPr lang="en-US" sz="1100" b="0" i="0" u="none" strike="noStrike">
-                          <a:solidFill>
-                            <a:srgbClr val="000000"/>
-                          </a:solidFill>
-                          <a:effectLst/>
-                          <a:latin typeface="Calibri" panose="020F0502020204030204" pitchFamily="34" charset="0"/>
-                        </a:rPr>
-                        <a:t>3.27E-03</a:t>
-                      </a:r>
-                    </a:p>
-                  </a:txBody>
-                  <a:tcPr marL="9525" marR="9525" marT="9525" marB="0" anchor="b">
-                    <a:lnL w="6350" cap="flat" cmpd="sng" algn="ctr">
-                      <a:solidFill>
-                        <a:srgbClr val="000000"/>
-                      </a:solidFill>
-                      <a:prstDash val="solid"/>
-                      <a:round/>
-                      <a:headEnd type="none" w="med" len="med"/>
-                      <a:tailEnd type="none" w="med" len="med"/>
-                    </a:lnL>
-                    <a:lnR w="12700" cap="flat" cmpd="sng" algn="ctr">
-                      <a:solidFill>
-                        <a:srgbClr val="000000"/>
-                      </a:solidFill>
-                      <a:prstDash val="solid"/>
-                      <a:round/>
-                      <a:headEnd type="none" w="med" len="med"/>
-                      <a:tailEnd type="none" w="med" len="med"/>
-                    </a:lnR>
-                    <a:lnT w="6350" cap="flat" cmpd="sng" algn="ctr">
-                      <a:solidFill>
-                        <a:srgbClr val="000000"/>
-                      </a:solidFill>
-                      <a:prstDash val="solid"/>
-                      <a:round/>
-                      <a:headEnd type="none" w="med" len="med"/>
-                      <a:tailEnd type="none" w="med" len="med"/>
-                    </a:lnT>
-                    <a:lnB w="6350" cap="flat" cmpd="sng" algn="ctr">
-                      <a:solidFill>
-                        <a:srgbClr val="000000"/>
-                      </a:solidFill>
-                      <a:prstDash val="solid"/>
-                      <a:round/>
-                      <a:headEnd type="none" w="med" len="med"/>
-                      <a:tailEnd type="none" w="med" len="med"/>
-                    </a:lnB>
-                    <a:solidFill>
-                      <a:srgbClr val="BDD7EE"/>
-                    </a:solidFill>
-                  </a:tcPr>
-                </a:tc>
-                <a:tc>
-                  <a:txBody>
-                    <a:bodyPr/>
-                    <a:lstStyle/>
-                    <a:p>
-                      <a:pPr algn="ctr" fontAlgn="ctr"/>
-                      <a:r>
-                        <a:rPr lang="en-US" sz="1100" b="0" i="0" u="none" strike="noStrike">
-                          <a:solidFill>
-                            <a:srgbClr val="000000"/>
-                          </a:solidFill>
-                          <a:effectLst/>
-                          <a:latin typeface="Calibri" panose="020F0502020204030204" pitchFamily="34" charset="0"/>
-                        </a:rPr>
-                        <a:t>~</a:t>
-                      </a:r>
-                    </a:p>
-                  </a:txBody>
-                  <a:tcPr marL="9525" marR="9525" marT="9525" marB="0" anchor="ctr">
-                    <a:lnL w="12700" cap="flat" cmpd="sng" algn="ctr">
-                      <a:solidFill>
-                        <a:srgbClr val="000000"/>
-                      </a:solidFill>
-                      <a:prstDash val="solid"/>
-                      <a:round/>
-                      <a:headEnd type="none" w="med" len="med"/>
-                      <a:tailEnd type="none" w="med" len="med"/>
-                    </a:lnL>
-                    <a:lnR w="6350" cap="flat" cmpd="sng" algn="ctr">
-                      <a:solidFill>
-                        <a:srgbClr val="000000"/>
-                      </a:solidFill>
-                      <a:prstDash val="solid"/>
-                      <a:round/>
-                      <a:headEnd type="none" w="med" len="med"/>
-                      <a:tailEnd type="none" w="med" len="med"/>
-                    </a:lnR>
-                    <a:lnT w="6350" cap="flat" cmpd="sng" algn="ctr">
-                      <a:solidFill>
-                        <a:srgbClr val="000000"/>
-                      </a:solidFill>
-                      <a:prstDash val="solid"/>
-                      <a:round/>
-                      <a:headEnd type="none" w="med" len="med"/>
-                      <a:tailEnd type="none" w="med" len="med"/>
-                    </a:lnT>
-                    <a:lnB w="6350" cap="flat" cmpd="sng" algn="ctr">
-                      <a:solidFill>
-                        <a:srgbClr val="000000"/>
-                      </a:solidFill>
-                      <a:prstDash val="solid"/>
-                      <a:round/>
-                      <a:headEnd type="none" w="med" len="med"/>
-                      <a:tailEnd type="none" w="med" len="med"/>
-                    </a:lnB>
-                    <a:solidFill>
-                      <a:srgbClr val="00B0F0"/>
-                    </a:solidFill>
-                  </a:tcPr>
-                </a:tc>
-                <a:tc>
-                  <a:txBody>
-                    <a:bodyPr/>
-                    <a:lstStyle/>
-                    <a:p>
-                      <a:pPr algn="ctr" fontAlgn="ctr"/>
-                      <a:r>
-                        <a:rPr lang="en-US" sz="1100" b="0" i="0" u="none" strike="noStrike">
-                          <a:solidFill>
-                            <a:srgbClr val="000000"/>
-                          </a:solidFill>
-                          <a:effectLst/>
-                          <a:latin typeface="Calibri" panose="020F0502020204030204" pitchFamily="34" charset="0"/>
-                        </a:rPr>
-                        <a:t>~</a:t>
-                      </a:r>
-                    </a:p>
-                  </a:txBody>
-                  <a:tcPr marL="9525" marR="9525" marT="9525" marB="0" anchor="ctr">
-                    <a:lnL w="6350" cap="flat" cmpd="sng" algn="ctr">
-                      <a:solidFill>
-                        <a:srgbClr val="000000"/>
-                      </a:solidFill>
-                      <a:prstDash val="solid"/>
-                      <a:round/>
-                      <a:headEnd type="none" w="med" len="med"/>
-                      <a:tailEnd type="none" w="med" len="med"/>
-                    </a:lnL>
-                    <a:lnR w="6350" cap="flat" cmpd="sng" algn="ctr">
-                      <a:solidFill>
-                        <a:srgbClr val="000000"/>
-                      </a:solidFill>
-                      <a:prstDash val="solid"/>
-                      <a:round/>
-                      <a:headEnd type="none" w="med" len="med"/>
-                      <a:tailEnd type="none" w="med" len="med"/>
-                    </a:lnR>
-                    <a:lnT w="6350" cap="flat" cmpd="sng" algn="ctr">
-                      <a:solidFill>
-                        <a:srgbClr val="000000"/>
-                      </a:solidFill>
-                      <a:prstDash val="solid"/>
-                      <a:round/>
-                      <a:headEnd type="none" w="med" len="med"/>
-                      <a:tailEnd type="none" w="med" len="med"/>
-                    </a:lnT>
-                    <a:lnB w="6350" cap="flat" cmpd="sng" algn="ctr">
-                      <a:solidFill>
-                        <a:srgbClr val="000000"/>
-                      </a:solidFill>
-                      <a:prstDash val="solid"/>
-                      <a:round/>
-                      <a:headEnd type="none" w="med" len="med"/>
-                      <a:tailEnd type="none" w="med" len="med"/>
-                    </a:lnB>
-                    <a:solidFill>
-                      <a:srgbClr val="00B0F0"/>
-                    </a:solidFill>
-                  </a:tcPr>
-                </a:tc>
-                <a:tc>
-                  <a:txBody>
-                    <a:bodyPr/>
-                    <a:lstStyle/>
-                    <a:p>
-                      <a:pPr algn="ctr" fontAlgn="ctr"/>
-                      <a:r>
-                        <a:rPr lang="en-US" sz="1100" b="0" i="0" u="none" strike="noStrike">
-                          <a:solidFill>
-                            <a:srgbClr val="000000"/>
-                          </a:solidFill>
-                          <a:effectLst/>
-                          <a:latin typeface="Calibri" panose="020F0502020204030204" pitchFamily="34" charset="0"/>
-                        </a:rPr>
-                        <a:t>~</a:t>
-                      </a:r>
-                    </a:p>
-                  </a:txBody>
-                  <a:tcPr marL="9525" marR="9525" marT="9525" marB="0" anchor="ctr">
-                    <a:lnL w="6350" cap="flat" cmpd="sng" algn="ctr">
-                      <a:solidFill>
-                        <a:srgbClr val="000000"/>
-                      </a:solidFill>
-                      <a:prstDash val="solid"/>
-                      <a:round/>
-                      <a:headEnd type="none" w="med" len="med"/>
-                      <a:tailEnd type="none" w="med" len="med"/>
-                    </a:lnL>
-                    <a:lnR w="12700" cap="flat" cmpd="sng" algn="ctr">
-                      <a:solidFill>
-                        <a:srgbClr val="000000"/>
-                      </a:solidFill>
-                      <a:prstDash val="solid"/>
-                      <a:round/>
-                      <a:headEnd type="none" w="med" len="med"/>
-                      <a:tailEnd type="none" w="med" len="med"/>
-                    </a:lnR>
-                    <a:lnT w="6350" cap="flat" cmpd="sng" algn="ctr">
-                      <a:solidFill>
-                        <a:srgbClr val="000000"/>
-                      </a:solidFill>
-                      <a:prstDash val="solid"/>
-                      <a:round/>
-                      <a:headEnd type="none" w="med" len="med"/>
-                      <a:tailEnd type="none" w="med" len="med"/>
-                    </a:lnT>
-                    <a:lnB w="6350" cap="flat" cmpd="sng" algn="ctr">
-                      <a:solidFill>
-                        <a:srgbClr val="000000"/>
-                      </a:solidFill>
-                      <a:prstDash val="solid"/>
-                      <a:round/>
-                      <a:headEnd type="none" w="med" len="med"/>
-                      <a:tailEnd type="none" w="med" len="med"/>
-                    </a:lnB>
-                    <a:solidFill>
-                      <a:srgbClr val="00B0F0"/>
-                    </a:solidFill>
-                  </a:tcPr>
-                </a:tc>
-                <a:extLst>
-                  <a:ext uri="{0D108BD9-81ED-4DB2-BD59-A6C34878D82A}">
-                    <a16:rowId xmlns:a16="http://schemas.microsoft.com/office/drawing/2014/main" val="819870162"/>
-                  </a:ext>
-                </a:extLst>
-              </a:tr>
-              <a:tr h="190500">
-                <a:tc>
-                  <a:txBody>
-                    <a:bodyPr/>
-                    <a:lstStyle/>
-                    <a:p>
-                      <a:pPr algn="ctr" fontAlgn="ctr"/>
-                      <a:r>
-                        <a:rPr lang="en-US" sz="1100" b="0" i="0" u="none" strike="noStrike">
-                          <a:solidFill>
-                            <a:srgbClr val="000000"/>
-                          </a:solidFill>
-                          <a:effectLst/>
-                          <a:latin typeface="Calibri" panose="020F0502020204030204" pitchFamily="34" charset="0"/>
-                        </a:rPr>
-                        <a:t>Medium_Exploitation</a:t>
-                      </a:r>
-                    </a:p>
-                  </a:txBody>
-                  <a:tcPr marL="9525" marR="9525" marT="9525" marB="0" anchor="ctr">
-                    <a:lnL w="12700" cap="flat" cmpd="sng" algn="ctr">
-                      <a:solidFill>
-                        <a:srgbClr val="000000"/>
-                      </a:solidFill>
-                      <a:prstDash val="solid"/>
-                      <a:round/>
-                      <a:headEnd type="none" w="med" len="med"/>
-                      <a:tailEnd type="none" w="med" len="med"/>
-                    </a:lnL>
-                    <a:lnR w="12700" cap="flat" cmpd="sng" algn="ctr">
-                      <a:solidFill>
-                        <a:srgbClr val="000000"/>
-                      </a:solidFill>
-                      <a:prstDash val="solid"/>
-                      <a:round/>
-                      <a:headEnd type="none" w="med" len="med"/>
-                      <a:tailEnd type="none" w="med" len="med"/>
-                    </a:lnR>
-                    <a:lnT w="6350" cap="flat" cmpd="sng" algn="ctr">
-                      <a:solidFill>
-                        <a:srgbClr val="000000"/>
-                      </a:solidFill>
-                      <a:prstDash val="solid"/>
-                      <a:round/>
-                      <a:headEnd type="none" w="med" len="med"/>
-                      <a:tailEnd type="none" w="med" len="med"/>
-                    </a:lnT>
-                    <a:lnB w="6350" cap="flat" cmpd="sng" algn="ctr">
-                      <a:solidFill>
-                        <a:srgbClr val="000000"/>
-                      </a:solidFill>
-                      <a:prstDash val="solid"/>
-                      <a:round/>
-                      <a:headEnd type="none" w="med" len="med"/>
-                      <a:tailEnd type="none" w="med" len="med"/>
-                    </a:lnB>
-                    <a:solidFill>
-                      <a:srgbClr val="BDD7EE"/>
-                    </a:solidFill>
-                  </a:tcPr>
-                </a:tc>
-                <a:tc>
-                  <a:txBody>
-                    <a:bodyPr/>
-                    <a:lstStyle/>
-                    <a:p>
-                      <a:pPr algn="ctr" fontAlgn="ctr"/>
-                      <a:r>
-                        <a:rPr lang="en-US" sz="1100" b="0" i="0" u="none" strike="noStrike">
-                          <a:solidFill>
-                            <a:srgbClr val="000000"/>
-                          </a:solidFill>
-                          <a:effectLst/>
-                          <a:latin typeface="Calibri" panose="020F0502020204030204" pitchFamily="34" charset="0"/>
-                        </a:rPr>
-                        <a:t>2.268E-01</a:t>
-                      </a:r>
-                    </a:p>
-                  </a:txBody>
-                  <a:tcPr marL="9525" marR="9525" marT="9525" marB="0" anchor="ctr">
-                    <a:lnL w="12700" cap="flat" cmpd="sng" algn="ctr">
-                      <a:solidFill>
-                        <a:srgbClr val="000000"/>
-                      </a:solidFill>
-                      <a:prstDash val="solid"/>
-                      <a:round/>
-                      <a:headEnd type="none" w="med" len="med"/>
-                      <a:tailEnd type="none" w="med" len="med"/>
-                    </a:lnL>
-                    <a:lnR w="6350" cap="flat" cmpd="sng" algn="ctr">
-                      <a:solidFill>
-                        <a:srgbClr val="000000"/>
-                      </a:solidFill>
-                      <a:prstDash val="solid"/>
-                      <a:round/>
-                      <a:headEnd type="none" w="med" len="med"/>
-                      <a:tailEnd type="none" w="med" len="med"/>
-                    </a:lnR>
-                    <a:lnT w="6350" cap="flat" cmpd="sng" algn="ctr">
-                      <a:solidFill>
-                        <a:srgbClr val="000000"/>
-                      </a:solidFill>
-                      <a:prstDash val="solid"/>
-                      <a:round/>
-                      <a:headEnd type="none" w="med" len="med"/>
-                      <a:tailEnd type="none" w="med" len="med"/>
-                    </a:lnT>
-                    <a:lnB w="6350" cap="flat" cmpd="sng" algn="ctr">
-                      <a:solidFill>
-                        <a:srgbClr val="000000"/>
-                      </a:solidFill>
-                      <a:prstDash val="solid"/>
-                      <a:round/>
-                      <a:headEnd type="none" w="med" len="med"/>
-                      <a:tailEnd type="none" w="med" len="med"/>
-                    </a:lnB>
-                    <a:solidFill>
-                      <a:srgbClr val="BDD7EE"/>
-                    </a:solidFill>
-                  </a:tcPr>
-                </a:tc>
-                <a:tc>
-                  <a:txBody>
-                    <a:bodyPr/>
-                    <a:lstStyle/>
-                    <a:p>
-                      <a:pPr algn="ctr" fontAlgn="ctr"/>
-                      <a:r>
-                        <a:rPr lang="en-US" sz="1100" b="0" i="0" u="none" strike="noStrike">
-                          <a:solidFill>
-                            <a:srgbClr val="000000"/>
-                          </a:solidFill>
-                          <a:effectLst/>
-                          <a:latin typeface="Calibri" panose="020F0502020204030204" pitchFamily="34" charset="0"/>
-                        </a:rPr>
-                        <a:t>3.60E-04</a:t>
-                      </a:r>
-                    </a:p>
-                  </a:txBody>
-                  <a:tcPr marL="9525" marR="9525" marT="9525" marB="0" anchor="ctr">
-                    <a:lnL w="6350" cap="flat" cmpd="sng" algn="ctr">
-                      <a:solidFill>
-                        <a:srgbClr val="000000"/>
-                      </a:solidFill>
-                      <a:prstDash val="solid"/>
-                      <a:round/>
-                      <a:headEnd type="none" w="med" len="med"/>
-                      <a:tailEnd type="none" w="med" len="med"/>
-                    </a:lnL>
-                    <a:lnR w="12700" cap="flat" cmpd="sng" algn="ctr">
-                      <a:solidFill>
-                        <a:srgbClr val="000000"/>
-                      </a:solidFill>
-                      <a:prstDash val="solid"/>
-                      <a:round/>
-                      <a:headEnd type="none" w="med" len="med"/>
-                      <a:tailEnd type="none" w="med" len="med"/>
-                    </a:lnR>
-                    <a:lnT w="6350" cap="flat" cmpd="sng" algn="ctr">
-                      <a:solidFill>
-                        <a:srgbClr val="000000"/>
-                      </a:solidFill>
-                      <a:prstDash val="solid"/>
-                      <a:round/>
-                      <a:headEnd type="none" w="med" len="med"/>
-                      <a:tailEnd type="none" w="med" len="med"/>
-                    </a:lnT>
-                    <a:lnB w="6350" cap="flat" cmpd="sng" algn="ctr">
-                      <a:solidFill>
-                        <a:srgbClr val="000000"/>
-                      </a:solidFill>
-                      <a:prstDash val="solid"/>
-                      <a:round/>
-                      <a:headEnd type="none" w="med" len="med"/>
-                      <a:tailEnd type="none" w="med" len="med"/>
-                    </a:lnB>
-                    <a:solidFill>
-                      <a:srgbClr val="BDD7EE"/>
-                    </a:solidFill>
-                  </a:tcPr>
-                </a:tc>
-                <a:tc>
-                  <a:txBody>
-                    <a:bodyPr/>
-                    <a:lstStyle/>
-                    <a:p>
-                      <a:pPr algn="ctr" fontAlgn="ctr"/>
-                      <a:r>
-                        <a:rPr lang="en-US" sz="1100" b="0" i="0" u="none" strike="noStrike">
-                          <a:solidFill>
-                            <a:srgbClr val="000000"/>
-                          </a:solidFill>
-                          <a:effectLst/>
-                          <a:latin typeface="Calibri" panose="020F0502020204030204" pitchFamily="34" charset="0"/>
-                        </a:rPr>
-                        <a:t>5.455E-01</a:t>
-                      </a:r>
-                    </a:p>
-                  </a:txBody>
-                  <a:tcPr marL="9525" marR="9525" marT="9525" marB="0" anchor="ctr">
-                    <a:lnL w="12700" cap="flat" cmpd="sng" algn="ctr">
-                      <a:solidFill>
-                        <a:srgbClr val="000000"/>
-                      </a:solidFill>
-                      <a:prstDash val="solid"/>
-                      <a:round/>
-                      <a:headEnd type="none" w="med" len="med"/>
-                      <a:tailEnd type="none" w="med" len="med"/>
-                    </a:lnL>
-                    <a:lnR w="6350" cap="flat" cmpd="sng" algn="ctr">
-                      <a:solidFill>
-                        <a:srgbClr val="000000"/>
-                      </a:solidFill>
-                      <a:prstDash val="solid"/>
-                      <a:round/>
-                      <a:headEnd type="none" w="med" len="med"/>
-                      <a:tailEnd type="none" w="med" len="med"/>
-                    </a:lnR>
-                    <a:lnT w="6350" cap="flat" cmpd="sng" algn="ctr">
-                      <a:solidFill>
-                        <a:srgbClr val="000000"/>
-                      </a:solidFill>
-                      <a:prstDash val="solid"/>
-                      <a:round/>
-                      <a:headEnd type="none" w="med" len="med"/>
-                      <a:tailEnd type="none" w="med" len="med"/>
-                    </a:lnT>
-                    <a:lnB w="6350" cap="flat" cmpd="sng" algn="ctr">
-                      <a:solidFill>
-                        <a:srgbClr val="000000"/>
-                      </a:solidFill>
-                      <a:prstDash val="solid"/>
-                      <a:round/>
-                      <a:headEnd type="none" w="med" len="med"/>
-                      <a:tailEnd type="none" w="med" len="med"/>
-                    </a:lnB>
-                    <a:solidFill>
-                      <a:srgbClr val="BDD7EE"/>
-                    </a:solidFill>
-                  </a:tcPr>
-                </a:tc>
-                <a:tc>
-                  <a:txBody>
-                    <a:bodyPr/>
-                    <a:lstStyle/>
-                    <a:p>
-                      <a:pPr algn="ctr" fontAlgn="ctr"/>
-                      <a:r>
-                        <a:rPr lang="en-US" sz="1100" b="0" i="0" u="none" strike="noStrike">
-                          <a:solidFill>
-                            <a:srgbClr val="000000"/>
-                          </a:solidFill>
-                          <a:effectLst/>
-                          <a:latin typeface="Calibri" panose="020F0502020204030204" pitchFamily="34" charset="0"/>
-                        </a:rPr>
-                        <a:t>6.30E-04</a:t>
-                      </a:r>
-                    </a:p>
-                  </a:txBody>
-                  <a:tcPr marL="9525" marR="9525" marT="9525" marB="0" anchor="ctr">
-                    <a:lnL w="6350" cap="flat" cmpd="sng" algn="ctr">
-                      <a:solidFill>
-                        <a:srgbClr val="000000"/>
-                      </a:solidFill>
-                      <a:prstDash val="solid"/>
-                      <a:round/>
-                      <a:headEnd type="none" w="med" len="med"/>
-                      <a:tailEnd type="none" w="med" len="med"/>
-                    </a:lnL>
-                    <a:lnR w="12700" cap="flat" cmpd="sng" algn="ctr">
-                      <a:solidFill>
-                        <a:srgbClr val="000000"/>
-                      </a:solidFill>
-                      <a:prstDash val="solid"/>
-                      <a:round/>
-                      <a:headEnd type="none" w="med" len="med"/>
-                      <a:tailEnd type="none" w="med" len="med"/>
-                    </a:lnR>
-                    <a:lnT w="6350" cap="flat" cmpd="sng" algn="ctr">
-                      <a:solidFill>
-                        <a:srgbClr val="000000"/>
-                      </a:solidFill>
-                      <a:prstDash val="solid"/>
-                      <a:round/>
-                      <a:headEnd type="none" w="med" len="med"/>
-                      <a:tailEnd type="none" w="med" len="med"/>
-                    </a:lnT>
-                    <a:lnB w="6350" cap="flat" cmpd="sng" algn="ctr">
-                      <a:solidFill>
-                        <a:srgbClr val="000000"/>
-                      </a:solidFill>
-                      <a:prstDash val="solid"/>
-                      <a:round/>
-                      <a:headEnd type="none" w="med" len="med"/>
-                      <a:tailEnd type="none" w="med" len="med"/>
-                    </a:lnB>
-                    <a:solidFill>
-                      <a:srgbClr val="BDD7EE"/>
-                    </a:solidFill>
-                  </a:tcPr>
-                </a:tc>
-                <a:tc>
-                  <a:txBody>
-                    <a:bodyPr/>
-                    <a:lstStyle/>
-                    <a:p>
-                      <a:pPr algn="r" fontAlgn="b"/>
-                      <a:r>
-                        <a:rPr lang="en-US" sz="1100" b="0" i="0" u="none" strike="noStrike">
-                          <a:solidFill>
-                            <a:srgbClr val="000000"/>
-                          </a:solidFill>
-                          <a:effectLst/>
-                          <a:latin typeface="Calibri" panose="020F0502020204030204" pitchFamily="34" charset="0"/>
-                        </a:rPr>
-                        <a:t>9.107E-01</a:t>
-                      </a:r>
-                    </a:p>
-                  </a:txBody>
-                  <a:tcPr marL="9525" marR="9525" marT="9525" marB="0" anchor="b">
-                    <a:lnL w="12700" cap="flat" cmpd="sng" algn="ctr">
-                      <a:solidFill>
-                        <a:srgbClr val="000000"/>
-                      </a:solidFill>
-                      <a:prstDash val="solid"/>
-                      <a:round/>
-                      <a:headEnd type="none" w="med" len="med"/>
-                      <a:tailEnd type="none" w="med" len="med"/>
-                    </a:lnL>
-                    <a:lnR w="6350" cap="flat" cmpd="sng" algn="ctr">
-                      <a:solidFill>
-                        <a:srgbClr val="000000"/>
-                      </a:solidFill>
-                      <a:prstDash val="solid"/>
-                      <a:round/>
-                      <a:headEnd type="none" w="med" len="med"/>
-                      <a:tailEnd type="none" w="med" len="med"/>
-                    </a:lnR>
-                    <a:lnT w="6350" cap="flat" cmpd="sng" algn="ctr">
-                      <a:solidFill>
-                        <a:srgbClr val="000000"/>
-                      </a:solidFill>
-                      <a:prstDash val="solid"/>
-                      <a:round/>
-                      <a:headEnd type="none" w="med" len="med"/>
-                      <a:tailEnd type="none" w="med" len="med"/>
-                    </a:lnT>
-                    <a:lnB w="6350" cap="flat" cmpd="sng" algn="ctr">
-                      <a:solidFill>
-                        <a:srgbClr val="000000"/>
-                      </a:solidFill>
-                      <a:prstDash val="solid"/>
-                      <a:round/>
-                      <a:headEnd type="none" w="med" len="med"/>
-                      <a:tailEnd type="none" w="med" len="med"/>
-                    </a:lnB>
-                    <a:solidFill>
-                      <a:srgbClr val="BDD7EE"/>
-                    </a:solidFill>
-                  </a:tcPr>
-                </a:tc>
-                <a:tc>
-                  <a:txBody>
-                    <a:bodyPr/>
-                    <a:lstStyle/>
-                    <a:p>
-                      <a:pPr algn="r" fontAlgn="b"/>
-                      <a:r>
-                        <a:rPr lang="en-US" sz="1100" b="0" i="0" u="none" strike="noStrike">
-                          <a:solidFill>
-                            <a:srgbClr val="000000"/>
-                          </a:solidFill>
-                          <a:effectLst/>
-                          <a:latin typeface="Calibri" panose="020F0502020204030204" pitchFamily="34" charset="0"/>
-                        </a:rPr>
-                        <a:t>3.94E-03</a:t>
-                      </a:r>
-                    </a:p>
-                  </a:txBody>
-                  <a:tcPr marL="9525" marR="9525" marT="9525" marB="0" anchor="b">
-                    <a:lnL w="6350" cap="flat" cmpd="sng" algn="ctr">
-                      <a:solidFill>
-                        <a:srgbClr val="000000"/>
-                      </a:solidFill>
-                      <a:prstDash val="solid"/>
-                      <a:round/>
-                      <a:headEnd type="none" w="med" len="med"/>
-                      <a:tailEnd type="none" w="med" len="med"/>
-                    </a:lnL>
-                    <a:lnR w="12700" cap="flat" cmpd="sng" algn="ctr">
-                      <a:solidFill>
-                        <a:srgbClr val="000000"/>
-                      </a:solidFill>
-                      <a:prstDash val="solid"/>
-                      <a:round/>
-                      <a:headEnd type="none" w="med" len="med"/>
-                      <a:tailEnd type="none" w="med" len="med"/>
-                    </a:lnR>
-                    <a:lnT w="6350" cap="flat" cmpd="sng" algn="ctr">
-                      <a:solidFill>
-                        <a:srgbClr val="000000"/>
-                      </a:solidFill>
-                      <a:prstDash val="solid"/>
-                      <a:round/>
-                      <a:headEnd type="none" w="med" len="med"/>
-                      <a:tailEnd type="none" w="med" len="med"/>
-                    </a:lnT>
-                    <a:lnB w="6350" cap="flat" cmpd="sng" algn="ctr">
-                      <a:solidFill>
-                        <a:srgbClr val="000000"/>
-                      </a:solidFill>
-                      <a:prstDash val="solid"/>
-                      <a:round/>
-                      <a:headEnd type="none" w="med" len="med"/>
-                      <a:tailEnd type="none" w="med" len="med"/>
-                    </a:lnB>
-                    <a:solidFill>
-                      <a:srgbClr val="BDD7EE"/>
-                    </a:solidFill>
-                  </a:tcPr>
-                </a:tc>
-                <a:tc>
-                  <a:txBody>
-                    <a:bodyPr/>
-                    <a:lstStyle/>
-                    <a:p>
-                      <a:pPr algn="ctr" fontAlgn="ctr"/>
-                      <a:r>
-                        <a:rPr lang="en-US" sz="1100" b="0" i="0" u="none" strike="noStrike">
-                          <a:solidFill>
-                            <a:srgbClr val="000000"/>
-                          </a:solidFill>
-                          <a:effectLst/>
-                          <a:latin typeface="Calibri" panose="020F0502020204030204" pitchFamily="34" charset="0"/>
-                        </a:rPr>
-                        <a:t>~</a:t>
-                      </a:r>
-                    </a:p>
-                  </a:txBody>
-                  <a:tcPr marL="9525" marR="9525" marT="9525" marB="0" anchor="ctr">
-                    <a:lnL w="12700" cap="flat" cmpd="sng" algn="ctr">
-                      <a:solidFill>
-                        <a:srgbClr val="000000"/>
-                      </a:solidFill>
-                      <a:prstDash val="solid"/>
-                      <a:round/>
-                      <a:headEnd type="none" w="med" len="med"/>
-                      <a:tailEnd type="none" w="med" len="med"/>
-                    </a:lnL>
-                    <a:lnR w="6350" cap="flat" cmpd="sng" algn="ctr">
-                      <a:solidFill>
-                        <a:srgbClr val="000000"/>
-                      </a:solidFill>
-                      <a:prstDash val="solid"/>
-                      <a:round/>
-                      <a:headEnd type="none" w="med" len="med"/>
-                      <a:tailEnd type="none" w="med" len="med"/>
-                    </a:lnR>
-                    <a:lnT w="6350" cap="flat" cmpd="sng" algn="ctr">
-                      <a:solidFill>
-                        <a:srgbClr val="000000"/>
-                      </a:solidFill>
-                      <a:prstDash val="solid"/>
-                      <a:round/>
-                      <a:headEnd type="none" w="med" len="med"/>
-                      <a:tailEnd type="none" w="med" len="med"/>
-                    </a:lnT>
-                    <a:lnB w="6350" cap="flat" cmpd="sng" algn="ctr">
-                      <a:solidFill>
-                        <a:srgbClr val="000000"/>
-                      </a:solidFill>
-                      <a:prstDash val="solid"/>
-                      <a:round/>
-                      <a:headEnd type="none" w="med" len="med"/>
-                      <a:tailEnd type="none" w="med" len="med"/>
-                    </a:lnB>
-                    <a:solidFill>
-                      <a:srgbClr val="00B0F0"/>
-                    </a:solidFill>
-                  </a:tcPr>
-                </a:tc>
-                <a:tc>
-                  <a:txBody>
-                    <a:bodyPr/>
-                    <a:lstStyle/>
-                    <a:p>
-                      <a:pPr algn="ctr" fontAlgn="ctr"/>
-                      <a:r>
-                        <a:rPr lang="en-US" sz="1100" b="0" i="0" u="none" strike="noStrike">
-                          <a:solidFill>
-                            <a:srgbClr val="000000"/>
-                          </a:solidFill>
-                          <a:effectLst/>
-                          <a:latin typeface="Calibri" panose="020F0502020204030204" pitchFamily="34" charset="0"/>
-                        </a:rPr>
-                        <a:t>~</a:t>
-                      </a:r>
-                    </a:p>
-                  </a:txBody>
-                  <a:tcPr marL="9525" marR="9525" marT="9525" marB="0" anchor="ctr">
-                    <a:lnL w="6350" cap="flat" cmpd="sng" algn="ctr">
-                      <a:solidFill>
-                        <a:srgbClr val="000000"/>
-                      </a:solidFill>
-                      <a:prstDash val="solid"/>
-                      <a:round/>
-                      <a:headEnd type="none" w="med" len="med"/>
-                      <a:tailEnd type="none" w="med" len="med"/>
-                    </a:lnL>
-                    <a:lnR w="6350" cap="flat" cmpd="sng" algn="ctr">
-                      <a:solidFill>
-                        <a:srgbClr val="000000"/>
-                      </a:solidFill>
-                      <a:prstDash val="solid"/>
-                      <a:round/>
-                      <a:headEnd type="none" w="med" len="med"/>
-                      <a:tailEnd type="none" w="med" len="med"/>
-                    </a:lnR>
-                    <a:lnT w="6350" cap="flat" cmpd="sng" algn="ctr">
-                      <a:solidFill>
-                        <a:srgbClr val="000000"/>
-                      </a:solidFill>
-                      <a:prstDash val="solid"/>
-                      <a:round/>
-                      <a:headEnd type="none" w="med" len="med"/>
-                      <a:tailEnd type="none" w="med" len="med"/>
-                    </a:lnT>
-                    <a:lnB w="6350" cap="flat" cmpd="sng" algn="ctr">
-                      <a:solidFill>
-                        <a:srgbClr val="000000"/>
-                      </a:solidFill>
-                      <a:prstDash val="solid"/>
-                      <a:round/>
-                      <a:headEnd type="none" w="med" len="med"/>
-                      <a:tailEnd type="none" w="med" len="med"/>
-                    </a:lnB>
-                    <a:solidFill>
-                      <a:srgbClr val="00B0F0"/>
-                    </a:solidFill>
-                  </a:tcPr>
-                </a:tc>
-                <a:tc>
-                  <a:txBody>
-                    <a:bodyPr/>
-                    <a:lstStyle/>
-                    <a:p>
-                      <a:pPr algn="ctr" fontAlgn="ctr"/>
-                      <a:r>
-                        <a:rPr lang="en-US" sz="1100" b="0" i="0" u="none" strike="noStrike">
-                          <a:solidFill>
-                            <a:srgbClr val="000000"/>
-                          </a:solidFill>
-                          <a:effectLst/>
-                          <a:latin typeface="Calibri" panose="020F0502020204030204" pitchFamily="34" charset="0"/>
-                        </a:rPr>
-                        <a:t>~</a:t>
-                      </a:r>
-                    </a:p>
-                  </a:txBody>
-                  <a:tcPr marL="9525" marR="9525" marT="9525" marB="0" anchor="ctr">
-                    <a:lnL w="6350" cap="flat" cmpd="sng" algn="ctr">
-                      <a:solidFill>
-                        <a:srgbClr val="000000"/>
-                      </a:solidFill>
-                      <a:prstDash val="solid"/>
-                      <a:round/>
-                      <a:headEnd type="none" w="med" len="med"/>
-                      <a:tailEnd type="none" w="med" len="med"/>
-                    </a:lnL>
-                    <a:lnR w="12700" cap="flat" cmpd="sng" algn="ctr">
-                      <a:solidFill>
-                        <a:srgbClr val="000000"/>
-                      </a:solidFill>
-                      <a:prstDash val="solid"/>
-                      <a:round/>
-                      <a:headEnd type="none" w="med" len="med"/>
-                      <a:tailEnd type="none" w="med" len="med"/>
-                    </a:lnR>
-                    <a:lnT w="6350" cap="flat" cmpd="sng" algn="ctr">
-                      <a:solidFill>
-                        <a:srgbClr val="000000"/>
-                      </a:solidFill>
-                      <a:prstDash val="solid"/>
-                      <a:round/>
-                      <a:headEnd type="none" w="med" len="med"/>
-                      <a:tailEnd type="none" w="med" len="med"/>
-                    </a:lnT>
-                    <a:lnB w="6350" cap="flat" cmpd="sng" algn="ctr">
-                      <a:solidFill>
-                        <a:srgbClr val="000000"/>
-                      </a:solidFill>
-                      <a:prstDash val="solid"/>
-                      <a:round/>
-                      <a:headEnd type="none" w="med" len="med"/>
-                      <a:tailEnd type="none" w="med" len="med"/>
-                    </a:lnB>
-                    <a:solidFill>
-                      <a:srgbClr val="00B0F0"/>
-                    </a:solidFill>
-                  </a:tcPr>
-                </a:tc>
-                <a:extLst>
-                  <a:ext uri="{0D108BD9-81ED-4DB2-BD59-A6C34878D82A}">
-                    <a16:rowId xmlns:a16="http://schemas.microsoft.com/office/drawing/2014/main" val="1513402187"/>
-                  </a:ext>
-                </a:extLst>
-              </a:tr>
-              <a:tr h="190500">
-                <a:tc>
-                  <a:txBody>
-                    <a:bodyPr/>
-                    <a:lstStyle/>
-                    <a:p>
-                      <a:pPr algn="ctr" fontAlgn="ctr"/>
-                      <a:r>
-                        <a:rPr lang="en-US" sz="1100" b="0" i="0" u="none" strike="noStrike">
-                          <a:solidFill>
-                            <a:srgbClr val="000000"/>
-                          </a:solidFill>
-                          <a:effectLst/>
-                          <a:latin typeface="Calibri" panose="020F0502020204030204" pitchFamily="34" charset="0"/>
-                        </a:rPr>
-                        <a:t>Medium_Random</a:t>
-                      </a:r>
-                    </a:p>
-                  </a:txBody>
-                  <a:tcPr marL="9525" marR="9525" marT="9525" marB="0" anchor="ctr">
-                    <a:lnL w="12700" cap="flat" cmpd="sng" algn="ctr">
-                      <a:solidFill>
-                        <a:srgbClr val="000000"/>
-                      </a:solidFill>
-                      <a:prstDash val="solid"/>
-                      <a:round/>
-                      <a:headEnd type="none" w="med" len="med"/>
-                      <a:tailEnd type="none" w="med" len="med"/>
-                    </a:lnL>
-                    <a:lnR w="12700" cap="flat" cmpd="sng" algn="ctr">
-                      <a:solidFill>
-                        <a:srgbClr val="000000"/>
-                      </a:solidFill>
-                      <a:prstDash val="solid"/>
-                      <a:round/>
-                      <a:headEnd type="none" w="med" len="med"/>
-                      <a:tailEnd type="none" w="med" len="med"/>
-                    </a:lnR>
-                    <a:lnT w="6350" cap="flat" cmpd="sng" algn="ctr">
-                      <a:solidFill>
-                        <a:srgbClr val="000000"/>
-                      </a:solidFill>
-                      <a:prstDash val="solid"/>
-                      <a:round/>
-                      <a:headEnd type="none" w="med" len="med"/>
-                      <a:tailEnd type="none" w="med" len="med"/>
-                    </a:lnT>
-                    <a:lnB w="6350" cap="flat" cmpd="sng" algn="ctr">
-                      <a:solidFill>
-                        <a:srgbClr val="000000"/>
-                      </a:solidFill>
-                      <a:prstDash val="solid"/>
-                      <a:round/>
-                      <a:headEnd type="none" w="med" len="med"/>
-                      <a:tailEnd type="none" w="med" len="med"/>
-                    </a:lnB>
-                    <a:solidFill>
-                      <a:srgbClr val="BDD7EE"/>
-                    </a:solidFill>
-                  </a:tcPr>
-                </a:tc>
-                <a:tc>
-                  <a:txBody>
-                    <a:bodyPr/>
-                    <a:lstStyle/>
-                    <a:p>
-                      <a:pPr algn="ctr" fontAlgn="ctr"/>
-                      <a:r>
-                        <a:rPr lang="en-US" sz="1100" b="0" i="0" u="none" strike="noStrike">
-                          <a:solidFill>
-                            <a:srgbClr val="000000"/>
-                          </a:solidFill>
-                          <a:effectLst/>
-                          <a:latin typeface="Calibri" panose="020F0502020204030204" pitchFamily="34" charset="0"/>
-                        </a:rPr>
-                        <a:t>2.102E-01</a:t>
-                      </a:r>
-                    </a:p>
-                  </a:txBody>
-                  <a:tcPr marL="9525" marR="9525" marT="9525" marB="0" anchor="ctr">
-                    <a:lnL w="12700" cap="flat" cmpd="sng" algn="ctr">
-                      <a:solidFill>
-                        <a:srgbClr val="000000"/>
-                      </a:solidFill>
-                      <a:prstDash val="solid"/>
-                      <a:round/>
-                      <a:headEnd type="none" w="med" len="med"/>
-                      <a:tailEnd type="none" w="med" len="med"/>
-                    </a:lnL>
-                    <a:lnR w="6350" cap="flat" cmpd="sng" algn="ctr">
-                      <a:solidFill>
-                        <a:srgbClr val="000000"/>
-                      </a:solidFill>
-                      <a:prstDash val="solid"/>
-                      <a:round/>
-                      <a:headEnd type="none" w="med" len="med"/>
-                      <a:tailEnd type="none" w="med" len="med"/>
-                    </a:lnR>
-                    <a:lnT w="6350" cap="flat" cmpd="sng" algn="ctr">
-                      <a:solidFill>
-                        <a:srgbClr val="000000"/>
-                      </a:solidFill>
-                      <a:prstDash val="solid"/>
-                      <a:round/>
-                      <a:headEnd type="none" w="med" len="med"/>
-                      <a:tailEnd type="none" w="med" len="med"/>
-                    </a:lnT>
-                    <a:lnB w="6350" cap="flat" cmpd="sng" algn="ctr">
-                      <a:solidFill>
-                        <a:srgbClr val="000000"/>
-                      </a:solidFill>
-                      <a:prstDash val="solid"/>
-                      <a:round/>
-                      <a:headEnd type="none" w="med" len="med"/>
-                      <a:tailEnd type="none" w="med" len="med"/>
-                    </a:lnB>
-                    <a:solidFill>
-                      <a:srgbClr val="BDD7EE"/>
-                    </a:solidFill>
-                  </a:tcPr>
-                </a:tc>
-                <a:tc>
-                  <a:txBody>
-                    <a:bodyPr/>
-                    <a:lstStyle/>
-                    <a:p>
-                      <a:pPr algn="ctr" fontAlgn="ctr"/>
-                      <a:r>
-                        <a:rPr lang="en-US" sz="1100" b="0" i="0" u="none" strike="noStrike">
-                          <a:solidFill>
-                            <a:srgbClr val="000000"/>
-                          </a:solidFill>
-                          <a:effectLst/>
-                          <a:latin typeface="Calibri" panose="020F0502020204030204" pitchFamily="34" charset="0"/>
-                        </a:rPr>
-                        <a:t>3.40E-04</a:t>
-                      </a:r>
-                    </a:p>
-                  </a:txBody>
-                  <a:tcPr marL="9525" marR="9525" marT="9525" marB="0" anchor="ctr">
-                    <a:lnL w="6350" cap="flat" cmpd="sng" algn="ctr">
-                      <a:solidFill>
-                        <a:srgbClr val="000000"/>
-                      </a:solidFill>
-                      <a:prstDash val="solid"/>
-                      <a:round/>
-                      <a:headEnd type="none" w="med" len="med"/>
-                      <a:tailEnd type="none" w="med" len="med"/>
-                    </a:lnL>
-                    <a:lnR w="12700" cap="flat" cmpd="sng" algn="ctr">
-                      <a:solidFill>
-                        <a:srgbClr val="000000"/>
-                      </a:solidFill>
-                      <a:prstDash val="solid"/>
-                      <a:round/>
-                      <a:headEnd type="none" w="med" len="med"/>
-                      <a:tailEnd type="none" w="med" len="med"/>
-                    </a:lnR>
-                    <a:lnT w="6350" cap="flat" cmpd="sng" algn="ctr">
-                      <a:solidFill>
-                        <a:srgbClr val="000000"/>
-                      </a:solidFill>
-                      <a:prstDash val="solid"/>
-                      <a:round/>
-                      <a:headEnd type="none" w="med" len="med"/>
-                      <a:tailEnd type="none" w="med" len="med"/>
-                    </a:lnT>
-                    <a:lnB w="6350" cap="flat" cmpd="sng" algn="ctr">
-                      <a:solidFill>
-                        <a:srgbClr val="000000"/>
-                      </a:solidFill>
-                      <a:prstDash val="solid"/>
-                      <a:round/>
-                      <a:headEnd type="none" w="med" len="med"/>
-                      <a:tailEnd type="none" w="med" len="med"/>
-                    </a:lnB>
-                    <a:solidFill>
-                      <a:srgbClr val="BDD7EE"/>
-                    </a:solidFill>
-                  </a:tcPr>
-                </a:tc>
-                <a:tc>
-                  <a:txBody>
-                    <a:bodyPr/>
-                    <a:lstStyle/>
-                    <a:p>
-                      <a:pPr algn="ctr" fontAlgn="ctr"/>
-                      <a:r>
-                        <a:rPr lang="en-US" sz="1100" b="0" i="0" u="none" strike="noStrike">
-                          <a:solidFill>
-                            <a:srgbClr val="000000"/>
-                          </a:solidFill>
-                          <a:effectLst/>
-                          <a:latin typeface="Calibri" panose="020F0502020204030204" pitchFamily="34" charset="0"/>
-                        </a:rPr>
-                        <a:t>5.710E-01</a:t>
-                      </a:r>
-                    </a:p>
-                  </a:txBody>
-                  <a:tcPr marL="9525" marR="9525" marT="9525" marB="0" anchor="ctr">
-                    <a:lnL w="12700" cap="flat" cmpd="sng" algn="ctr">
-                      <a:solidFill>
-                        <a:srgbClr val="000000"/>
-                      </a:solidFill>
-                      <a:prstDash val="solid"/>
-                      <a:round/>
-                      <a:headEnd type="none" w="med" len="med"/>
-                      <a:tailEnd type="none" w="med" len="med"/>
-                    </a:lnL>
-                    <a:lnR w="6350" cap="flat" cmpd="sng" algn="ctr">
-                      <a:solidFill>
-                        <a:srgbClr val="000000"/>
-                      </a:solidFill>
-                      <a:prstDash val="solid"/>
-                      <a:round/>
-                      <a:headEnd type="none" w="med" len="med"/>
-                      <a:tailEnd type="none" w="med" len="med"/>
-                    </a:lnR>
-                    <a:lnT w="6350" cap="flat" cmpd="sng" algn="ctr">
-                      <a:solidFill>
-                        <a:srgbClr val="000000"/>
-                      </a:solidFill>
-                      <a:prstDash val="solid"/>
-                      <a:round/>
-                      <a:headEnd type="none" w="med" len="med"/>
-                      <a:tailEnd type="none" w="med" len="med"/>
-                    </a:lnT>
-                    <a:lnB w="6350" cap="flat" cmpd="sng" algn="ctr">
-                      <a:solidFill>
-                        <a:srgbClr val="000000"/>
-                      </a:solidFill>
-                      <a:prstDash val="solid"/>
-                      <a:round/>
-                      <a:headEnd type="none" w="med" len="med"/>
-                      <a:tailEnd type="none" w="med" len="med"/>
-                    </a:lnB>
-                    <a:solidFill>
-                      <a:srgbClr val="BDD7EE"/>
-                    </a:solidFill>
-                  </a:tcPr>
-                </a:tc>
-                <a:tc>
-                  <a:txBody>
-                    <a:bodyPr/>
-                    <a:lstStyle/>
-                    <a:p>
-                      <a:pPr algn="ctr" fontAlgn="ctr"/>
-                      <a:r>
-                        <a:rPr lang="en-US" sz="1100" b="0" i="0" u="none" strike="noStrike">
-                          <a:solidFill>
-                            <a:srgbClr val="000000"/>
-                          </a:solidFill>
-                          <a:effectLst/>
-                          <a:latin typeface="Calibri" panose="020F0502020204030204" pitchFamily="34" charset="0"/>
-                        </a:rPr>
-                        <a:t>7.20E-04</a:t>
-                      </a:r>
-                    </a:p>
-                  </a:txBody>
-                  <a:tcPr marL="9525" marR="9525" marT="9525" marB="0" anchor="ctr">
-                    <a:lnL w="6350" cap="flat" cmpd="sng" algn="ctr">
-                      <a:solidFill>
-                        <a:srgbClr val="000000"/>
-                      </a:solidFill>
-                      <a:prstDash val="solid"/>
-                      <a:round/>
-                      <a:headEnd type="none" w="med" len="med"/>
-                      <a:tailEnd type="none" w="med" len="med"/>
-                    </a:lnL>
-                    <a:lnR w="12700" cap="flat" cmpd="sng" algn="ctr">
-                      <a:solidFill>
-                        <a:srgbClr val="000000"/>
-                      </a:solidFill>
-                      <a:prstDash val="solid"/>
-                      <a:round/>
-                      <a:headEnd type="none" w="med" len="med"/>
-                      <a:tailEnd type="none" w="med" len="med"/>
-                    </a:lnR>
-                    <a:lnT w="6350" cap="flat" cmpd="sng" algn="ctr">
-                      <a:solidFill>
-                        <a:srgbClr val="000000"/>
-                      </a:solidFill>
-                      <a:prstDash val="solid"/>
-                      <a:round/>
-                      <a:headEnd type="none" w="med" len="med"/>
-                      <a:tailEnd type="none" w="med" len="med"/>
-                    </a:lnT>
-                    <a:lnB w="6350" cap="flat" cmpd="sng" algn="ctr">
-                      <a:solidFill>
-                        <a:srgbClr val="000000"/>
-                      </a:solidFill>
-                      <a:prstDash val="solid"/>
-                      <a:round/>
-                      <a:headEnd type="none" w="med" len="med"/>
-                      <a:tailEnd type="none" w="med" len="med"/>
-                    </a:lnB>
-                    <a:solidFill>
-                      <a:srgbClr val="BDD7EE"/>
-                    </a:solidFill>
-                  </a:tcPr>
-                </a:tc>
-                <a:tc>
-                  <a:txBody>
-                    <a:bodyPr/>
-                    <a:lstStyle/>
-                    <a:p>
-                      <a:pPr algn="r" fontAlgn="b"/>
-                      <a:r>
-                        <a:rPr lang="en-US" sz="1100" b="0" i="0" u="none" strike="noStrike">
-                          <a:solidFill>
-                            <a:srgbClr val="000000"/>
-                          </a:solidFill>
-                          <a:effectLst/>
-                          <a:latin typeface="Calibri" panose="020F0502020204030204" pitchFamily="34" charset="0"/>
-                        </a:rPr>
-                        <a:t>9.148E-01</a:t>
-                      </a:r>
-                    </a:p>
-                  </a:txBody>
-                  <a:tcPr marL="9525" marR="9525" marT="9525" marB="0" anchor="b">
-                    <a:lnL w="12700" cap="flat" cmpd="sng" algn="ctr">
-                      <a:solidFill>
-                        <a:srgbClr val="000000"/>
-                      </a:solidFill>
-                      <a:prstDash val="solid"/>
-                      <a:round/>
-                      <a:headEnd type="none" w="med" len="med"/>
-                      <a:tailEnd type="none" w="med" len="med"/>
-                    </a:lnL>
-                    <a:lnR w="6350" cap="flat" cmpd="sng" algn="ctr">
-                      <a:solidFill>
-                        <a:srgbClr val="000000"/>
-                      </a:solidFill>
-                      <a:prstDash val="solid"/>
-                      <a:round/>
-                      <a:headEnd type="none" w="med" len="med"/>
-                      <a:tailEnd type="none" w="med" len="med"/>
-                    </a:lnR>
-                    <a:lnT w="6350" cap="flat" cmpd="sng" algn="ctr">
-                      <a:solidFill>
-                        <a:srgbClr val="000000"/>
-                      </a:solidFill>
-                      <a:prstDash val="solid"/>
-                      <a:round/>
-                      <a:headEnd type="none" w="med" len="med"/>
-                      <a:tailEnd type="none" w="med" len="med"/>
-                    </a:lnT>
-                    <a:lnB w="6350" cap="flat" cmpd="sng" algn="ctr">
-                      <a:solidFill>
-                        <a:srgbClr val="000000"/>
-                      </a:solidFill>
-                      <a:prstDash val="solid"/>
-                      <a:round/>
-                      <a:headEnd type="none" w="med" len="med"/>
-                      <a:tailEnd type="none" w="med" len="med"/>
-                    </a:lnB>
-                    <a:solidFill>
-                      <a:srgbClr val="BDD7EE"/>
-                    </a:solidFill>
-                  </a:tcPr>
-                </a:tc>
-                <a:tc>
-                  <a:txBody>
-                    <a:bodyPr/>
-                    <a:lstStyle/>
-                    <a:p>
-                      <a:pPr algn="r" fontAlgn="b"/>
-                      <a:r>
-                        <a:rPr lang="en-US" sz="1100" b="0" i="0" u="none" strike="noStrike">
-                          <a:solidFill>
-                            <a:srgbClr val="000000"/>
-                          </a:solidFill>
-                          <a:effectLst/>
-                          <a:latin typeface="Calibri" panose="020F0502020204030204" pitchFamily="34" charset="0"/>
-                        </a:rPr>
-                        <a:t>9.39E-03</a:t>
-                      </a:r>
-                    </a:p>
-                  </a:txBody>
-                  <a:tcPr marL="9525" marR="9525" marT="9525" marB="0" anchor="b">
-                    <a:lnL w="6350" cap="flat" cmpd="sng" algn="ctr">
-                      <a:solidFill>
-                        <a:srgbClr val="000000"/>
-                      </a:solidFill>
-                      <a:prstDash val="solid"/>
-                      <a:round/>
-                      <a:headEnd type="none" w="med" len="med"/>
-                      <a:tailEnd type="none" w="med" len="med"/>
-                    </a:lnL>
-                    <a:lnR w="12700" cap="flat" cmpd="sng" algn="ctr">
-                      <a:solidFill>
-                        <a:srgbClr val="000000"/>
-                      </a:solidFill>
-                      <a:prstDash val="solid"/>
-                      <a:round/>
-                      <a:headEnd type="none" w="med" len="med"/>
-                      <a:tailEnd type="none" w="med" len="med"/>
-                    </a:lnR>
-                    <a:lnT w="6350" cap="flat" cmpd="sng" algn="ctr">
-                      <a:solidFill>
-                        <a:srgbClr val="000000"/>
-                      </a:solidFill>
-                      <a:prstDash val="solid"/>
-                      <a:round/>
-                      <a:headEnd type="none" w="med" len="med"/>
-                      <a:tailEnd type="none" w="med" len="med"/>
-                    </a:lnT>
-                    <a:lnB w="6350" cap="flat" cmpd="sng" algn="ctr">
-                      <a:solidFill>
-                        <a:srgbClr val="000000"/>
-                      </a:solidFill>
-                      <a:prstDash val="solid"/>
-                      <a:round/>
-                      <a:headEnd type="none" w="med" len="med"/>
-                      <a:tailEnd type="none" w="med" len="med"/>
-                    </a:lnB>
-                    <a:solidFill>
-                      <a:srgbClr val="BDD7EE"/>
-                    </a:solidFill>
-                  </a:tcPr>
-                </a:tc>
-                <a:tc>
-                  <a:txBody>
-                    <a:bodyPr/>
-                    <a:lstStyle/>
-                    <a:p>
-                      <a:pPr algn="ctr" fontAlgn="ctr"/>
-                      <a:r>
-                        <a:rPr lang="en-US" sz="1100" b="0" i="0" u="none" strike="noStrike">
-                          <a:solidFill>
-                            <a:srgbClr val="000000"/>
-                          </a:solidFill>
-                          <a:effectLst/>
-                          <a:latin typeface="Calibri" panose="020F0502020204030204" pitchFamily="34" charset="0"/>
-                        </a:rPr>
-                        <a:t>-</a:t>
-                      </a:r>
-                    </a:p>
-                  </a:txBody>
-                  <a:tcPr marL="9525" marR="9525" marT="9525" marB="0" anchor="ctr">
-                    <a:lnL w="12700" cap="flat" cmpd="sng" algn="ctr">
-                      <a:solidFill>
-                        <a:srgbClr val="000000"/>
-                      </a:solidFill>
-                      <a:prstDash val="solid"/>
-                      <a:round/>
-                      <a:headEnd type="none" w="med" len="med"/>
-                      <a:tailEnd type="none" w="med" len="med"/>
-                    </a:lnL>
-                    <a:lnR w="6350" cap="flat" cmpd="sng" algn="ctr">
-                      <a:solidFill>
-                        <a:srgbClr val="000000"/>
-                      </a:solidFill>
-                      <a:prstDash val="solid"/>
-                      <a:round/>
-                      <a:headEnd type="none" w="med" len="med"/>
-                      <a:tailEnd type="none" w="med" len="med"/>
-                    </a:lnR>
-                    <a:lnT w="6350" cap="flat" cmpd="sng" algn="ctr">
-                      <a:solidFill>
-                        <a:srgbClr val="000000"/>
-                      </a:solidFill>
-                      <a:prstDash val="solid"/>
-                      <a:round/>
-                      <a:headEnd type="none" w="med" len="med"/>
-                      <a:tailEnd type="none" w="med" len="med"/>
-                    </a:lnT>
-                    <a:lnB w="6350" cap="flat" cmpd="sng" algn="ctr">
-                      <a:solidFill>
-                        <a:srgbClr val="000000"/>
-                      </a:solidFill>
-                      <a:prstDash val="solid"/>
-                      <a:round/>
-                      <a:headEnd type="none" w="med" len="med"/>
-                      <a:tailEnd type="none" w="med" len="med"/>
-                    </a:lnB>
-                    <a:solidFill>
-                      <a:srgbClr val="FF0000"/>
-                    </a:solidFill>
-                  </a:tcPr>
-                </a:tc>
-                <a:tc>
-                  <a:txBody>
-                    <a:bodyPr/>
-                    <a:lstStyle/>
-                    <a:p>
-                      <a:pPr algn="ctr" fontAlgn="ctr"/>
-                      <a:r>
-                        <a:rPr lang="en-US" sz="1100" b="0" i="0" u="none" strike="noStrike">
-                          <a:solidFill>
-                            <a:srgbClr val="000000"/>
-                          </a:solidFill>
-                          <a:effectLst/>
-                          <a:latin typeface="Calibri" panose="020F0502020204030204" pitchFamily="34" charset="0"/>
-                        </a:rPr>
-                        <a:t>-</a:t>
-                      </a:r>
-                    </a:p>
-                  </a:txBody>
-                  <a:tcPr marL="9525" marR="9525" marT="9525" marB="0" anchor="ctr">
-                    <a:lnL w="6350" cap="flat" cmpd="sng" algn="ctr">
-                      <a:solidFill>
-                        <a:srgbClr val="000000"/>
-                      </a:solidFill>
-                      <a:prstDash val="solid"/>
-                      <a:round/>
-                      <a:headEnd type="none" w="med" len="med"/>
-                      <a:tailEnd type="none" w="med" len="med"/>
-                    </a:lnL>
-                    <a:lnR w="6350" cap="flat" cmpd="sng" algn="ctr">
-                      <a:solidFill>
-                        <a:srgbClr val="000000"/>
-                      </a:solidFill>
-                      <a:prstDash val="solid"/>
-                      <a:round/>
-                      <a:headEnd type="none" w="med" len="med"/>
-                      <a:tailEnd type="none" w="med" len="med"/>
-                    </a:lnR>
-                    <a:lnT w="6350" cap="flat" cmpd="sng" algn="ctr">
-                      <a:solidFill>
-                        <a:srgbClr val="000000"/>
-                      </a:solidFill>
-                      <a:prstDash val="solid"/>
-                      <a:round/>
-                      <a:headEnd type="none" w="med" len="med"/>
-                      <a:tailEnd type="none" w="med" len="med"/>
-                    </a:lnT>
-                    <a:lnB w="6350" cap="flat" cmpd="sng" algn="ctr">
-                      <a:solidFill>
-                        <a:srgbClr val="000000"/>
-                      </a:solidFill>
-                      <a:prstDash val="solid"/>
-                      <a:round/>
-                      <a:headEnd type="none" w="med" len="med"/>
-                      <a:tailEnd type="none" w="med" len="med"/>
-                    </a:lnB>
-                    <a:solidFill>
-                      <a:srgbClr val="FF0000"/>
-                    </a:solidFill>
-                  </a:tcPr>
-                </a:tc>
-                <a:tc>
-                  <a:txBody>
-                    <a:bodyPr/>
-                    <a:lstStyle/>
-                    <a:p>
-                      <a:pPr algn="ctr" fontAlgn="ctr"/>
-                      <a:r>
-                        <a:rPr lang="en-US" sz="1100" b="0" i="0" u="none" strike="noStrike">
-                          <a:solidFill>
-                            <a:srgbClr val="000000"/>
-                          </a:solidFill>
-                          <a:effectLst/>
-                          <a:latin typeface="Calibri" panose="020F0502020204030204" pitchFamily="34" charset="0"/>
-                        </a:rPr>
-                        <a:t>~</a:t>
-                      </a:r>
-                    </a:p>
-                  </a:txBody>
-                  <a:tcPr marL="9525" marR="9525" marT="9525" marB="0" anchor="ctr">
-                    <a:lnL w="6350" cap="flat" cmpd="sng" algn="ctr">
-                      <a:solidFill>
-                        <a:srgbClr val="000000"/>
-                      </a:solidFill>
-                      <a:prstDash val="solid"/>
-                      <a:round/>
-                      <a:headEnd type="none" w="med" len="med"/>
-                      <a:tailEnd type="none" w="med" len="med"/>
-                    </a:lnL>
-                    <a:lnR w="12700" cap="flat" cmpd="sng" algn="ctr">
-                      <a:solidFill>
-                        <a:srgbClr val="000000"/>
-                      </a:solidFill>
-                      <a:prstDash val="solid"/>
-                      <a:round/>
-                      <a:headEnd type="none" w="med" len="med"/>
-                      <a:tailEnd type="none" w="med" len="med"/>
-                    </a:lnR>
-                    <a:lnT w="6350" cap="flat" cmpd="sng" algn="ctr">
-                      <a:solidFill>
-                        <a:srgbClr val="000000"/>
-                      </a:solidFill>
-                      <a:prstDash val="solid"/>
-                      <a:round/>
-                      <a:headEnd type="none" w="med" len="med"/>
-                      <a:tailEnd type="none" w="med" len="med"/>
-                    </a:lnT>
-                    <a:lnB w="6350" cap="flat" cmpd="sng" algn="ctr">
-                      <a:solidFill>
-                        <a:srgbClr val="000000"/>
-                      </a:solidFill>
-                      <a:prstDash val="solid"/>
-                      <a:round/>
-                      <a:headEnd type="none" w="med" len="med"/>
-                      <a:tailEnd type="none" w="med" len="med"/>
-                    </a:lnB>
-                    <a:solidFill>
-                      <a:srgbClr val="00B0F0"/>
-                    </a:solidFill>
-                  </a:tcPr>
-                </a:tc>
-                <a:extLst>
-                  <a:ext uri="{0D108BD9-81ED-4DB2-BD59-A6C34878D82A}">
-                    <a16:rowId xmlns:a16="http://schemas.microsoft.com/office/drawing/2014/main" val="2014564493"/>
-                  </a:ext>
-                </a:extLst>
-              </a:tr>
-              <a:tr h="190500">
-                <a:tc>
-                  <a:txBody>
-                    <a:bodyPr/>
-                    <a:lstStyle/>
-                    <a:p>
-                      <a:pPr algn="ctr" fontAlgn="ctr"/>
-                      <a:r>
-                        <a:rPr lang="en-US" sz="1100" b="0" i="0" u="none" strike="noStrike">
-                          <a:solidFill>
-                            <a:srgbClr val="000000"/>
-                          </a:solidFill>
-                          <a:effectLst/>
-                          <a:latin typeface="Calibri" panose="020F0502020204030204" pitchFamily="34" charset="0"/>
-                        </a:rPr>
-                        <a:t>Medium_Combine</a:t>
-                      </a:r>
-                    </a:p>
-                  </a:txBody>
-                  <a:tcPr marL="9525" marR="9525" marT="9525" marB="0" anchor="ctr">
-                    <a:lnL w="12700" cap="flat" cmpd="sng" algn="ctr">
-                      <a:solidFill>
-                        <a:srgbClr val="000000"/>
-                      </a:solidFill>
-                      <a:prstDash val="solid"/>
-                      <a:round/>
-                      <a:headEnd type="none" w="med" len="med"/>
-                      <a:tailEnd type="none" w="med" len="med"/>
-                    </a:lnL>
-                    <a:lnR w="12700" cap="flat" cmpd="sng" algn="ctr">
-                      <a:solidFill>
-                        <a:srgbClr val="000000"/>
-                      </a:solidFill>
-                      <a:prstDash val="solid"/>
-                      <a:round/>
-                      <a:headEnd type="none" w="med" len="med"/>
-                      <a:tailEnd type="none" w="med" len="med"/>
-                    </a:lnR>
-                    <a:lnT w="6350" cap="flat" cmpd="sng" algn="ctr">
-                      <a:solidFill>
-                        <a:srgbClr val="000000"/>
-                      </a:solidFill>
-                      <a:prstDash val="solid"/>
-                      <a:round/>
-                      <a:headEnd type="none" w="med" len="med"/>
-                      <a:tailEnd type="none" w="med" len="med"/>
-                    </a:lnT>
-                    <a:lnB w="6350" cap="flat" cmpd="sng" algn="ctr">
-                      <a:solidFill>
-                        <a:srgbClr val="000000"/>
-                      </a:solidFill>
-                      <a:prstDash val="solid"/>
-                      <a:round/>
-                      <a:headEnd type="none" w="med" len="med"/>
-                      <a:tailEnd type="none" w="med" len="med"/>
-                    </a:lnB>
-                    <a:solidFill>
-                      <a:srgbClr val="BDD7EE"/>
-                    </a:solidFill>
-                  </a:tcPr>
-                </a:tc>
-                <a:tc>
-                  <a:txBody>
-                    <a:bodyPr/>
-                    <a:lstStyle/>
-                    <a:p>
-                      <a:pPr algn="ctr" fontAlgn="ctr"/>
-                      <a:r>
-                        <a:rPr lang="en-US" sz="1100" b="0" i="0" u="none" strike="noStrike">
-                          <a:solidFill>
-                            <a:srgbClr val="000000"/>
-                          </a:solidFill>
-                          <a:effectLst/>
-                          <a:latin typeface="Calibri" panose="020F0502020204030204" pitchFamily="34" charset="0"/>
-                        </a:rPr>
-                        <a:t>2.207E-01</a:t>
-                      </a:r>
-                    </a:p>
-                  </a:txBody>
-                  <a:tcPr marL="9525" marR="9525" marT="9525" marB="0" anchor="ctr">
-                    <a:lnL w="12700" cap="flat" cmpd="sng" algn="ctr">
-                      <a:solidFill>
-                        <a:srgbClr val="000000"/>
-                      </a:solidFill>
-                      <a:prstDash val="solid"/>
-                      <a:round/>
-                      <a:headEnd type="none" w="med" len="med"/>
-                      <a:tailEnd type="none" w="med" len="med"/>
-                    </a:lnL>
-                    <a:lnR w="6350" cap="flat" cmpd="sng" algn="ctr">
-                      <a:solidFill>
-                        <a:srgbClr val="000000"/>
-                      </a:solidFill>
-                      <a:prstDash val="solid"/>
-                      <a:round/>
-                      <a:headEnd type="none" w="med" len="med"/>
-                      <a:tailEnd type="none" w="med" len="med"/>
-                    </a:lnR>
-                    <a:lnT w="6350" cap="flat" cmpd="sng" algn="ctr">
-                      <a:solidFill>
-                        <a:srgbClr val="000000"/>
-                      </a:solidFill>
-                      <a:prstDash val="solid"/>
-                      <a:round/>
-                      <a:headEnd type="none" w="med" len="med"/>
-                      <a:tailEnd type="none" w="med" len="med"/>
-                    </a:lnT>
-                    <a:lnB w="6350" cap="flat" cmpd="sng" algn="ctr">
-                      <a:solidFill>
-                        <a:srgbClr val="000000"/>
-                      </a:solidFill>
-                      <a:prstDash val="solid"/>
-                      <a:round/>
-                      <a:headEnd type="none" w="med" len="med"/>
-                      <a:tailEnd type="none" w="med" len="med"/>
-                    </a:lnB>
-                    <a:solidFill>
-                      <a:srgbClr val="BDD7EE"/>
-                    </a:solidFill>
-                  </a:tcPr>
-                </a:tc>
-                <a:tc>
-                  <a:txBody>
-                    <a:bodyPr/>
-                    <a:lstStyle/>
-                    <a:p>
-                      <a:pPr algn="ctr" fontAlgn="ctr"/>
-                      <a:r>
-                        <a:rPr lang="en-US" sz="1100" b="0" i="0" u="none" strike="noStrike">
-                          <a:solidFill>
-                            <a:srgbClr val="000000"/>
-                          </a:solidFill>
-                          <a:effectLst/>
-                          <a:latin typeface="Calibri" panose="020F0502020204030204" pitchFamily="34" charset="0"/>
-                        </a:rPr>
-                        <a:t>2.70E-04</a:t>
-                      </a:r>
-                    </a:p>
-                  </a:txBody>
-                  <a:tcPr marL="9525" marR="9525" marT="9525" marB="0" anchor="ctr">
-                    <a:lnL w="6350" cap="flat" cmpd="sng" algn="ctr">
-                      <a:solidFill>
-                        <a:srgbClr val="000000"/>
-                      </a:solidFill>
-                      <a:prstDash val="solid"/>
-                      <a:round/>
-                      <a:headEnd type="none" w="med" len="med"/>
-                      <a:tailEnd type="none" w="med" len="med"/>
-                    </a:lnL>
-                    <a:lnR w="12700" cap="flat" cmpd="sng" algn="ctr">
-                      <a:solidFill>
-                        <a:srgbClr val="000000"/>
-                      </a:solidFill>
-                      <a:prstDash val="solid"/>
-                      <a:round/>
-                      <a:headEnd type="none" w="med" len="med"/>
-                      <a:tailEnd type="none" w="med" len="med"/>
-                    </a:lnR>
-                    <a:lnT w="6350" cap="flat" cmpd="sng" algn="ctr">
-                      <a:solidFill>
-                        <a:srgbClr val="000000"/>
-                      </a:solidFill>
-                      <a:prstDash val="solid"/>
-                      <a:round/>
-                      <a:headEnd type="none" w="med" len="med"/>
-                      <a:tailEnd type="none" w="med" len="med"/>
-                    </a:lnT>
-                    <a:lnB w="6350" cap="flat" cmpd="sng" algn="ctr">
-                      <a:solidFill>
-                        <a:srgbClr val="000000"/>
-                      </a:solidFill>
-                      <a:prstDash val="solid"/>
-                      <a:round/>
-                      <a:headEnd type="none" w="med" len="med"/>
-                      <a:tailEnd type="none" w="med" len="med"/>
-                    </a:lnB>
-                    <a:solidFill>
-                      <a:srgbClr val="BDD7EE"/>
-                    </a:solidFill>
-                  </a:tcPr>
-                </a:tc>
-                <a:tc>
-                  <a:txBody>
-                    <a:bodyPr/>
-                    <a:lstStyle/>
-                    <a:p>
-                      <a:pPr algn="ctr" fontAlgn="ctr"/>
-                      <a:r>
-                        <a:rPr lang="en-US" sz="1100" b="0" i="0" u="none" strike="noStrike">
-                          <a:solidFill>
-                            <a:srgbClr val="000000"/>
-                          </a:solidFill>
-                          <a:effectLst/>
-                          <a:latin typeface="Calibri" panose="020F0502020204030204" pitchFamily="34" charset="0"/>
-                        </a:rPr>
-                        <a:t>5.575E-01</a:t>
-                      </a:r>
-                    </a:p>
-                  </a:txBody>
-                  <a:tcPr marL="9525" marR="9525" marT="9525" marB="0" anchor="ctr">
-                    <a:lnL w="12700" cap="flat" cmpd="sng" algn="ctr">
-                      <a:solidFill>
-                        <a:srgbClr val="000000"/>
-                      </a:solidFill>
-                      <a:prstDash val="solid"/>
-                      <a:round/>
-                      <a:headEnd type="none" w="med" len="med"/>
-                      <a:tailEnd type="none" w="med" len="med"/>
-                    </a:lnL>
-                    <a:lnR w="6350" cap="flat" cmpd="sng" algn="ctr">
-                      <a:solidFill>
-                        <a:srgbClr val="000000"/>
-                      </a:solidFill>
-                      <a:prstDash val="solid"/>
-                      <a:round/>
-                      <a:headEnd type="none" w="med" len="med"/>
-                      <a:tailEnd type="none" w="med" len="med"/>
-                    </a:lnR>
-                    <a:lnT w="6350" cap="flat" cmpd="sng" algn="ctr">
-                      <a:solidFill>
-                        <a:srgbClr val="000000"/>
-                      </a:solidFill>
-                      <a:prstDash val="solid"/>
-                      <a:round/>
-                      <a:headEnd type="none" w="med" len="med"/>
-                      <a:tailEnd type="none" w="med" len="med"/>
-                    </a:lnT>
-                    <a:lnB w="6350" cap="flat" cmpd="sng" algn="ctr">
-                      <a:solidFill>
-                        <a:srgbClr val="000000"/>
-                      </a:solidFill>
-                      <a:prstDash val="solid"/>
-                      <a:round/>
-                      <a:headEnd type="none" w="med" len="med"/>
-                      <a:tailEnd type="none" w="med" len="med"/>
-                    </a:lnB>
-                    <a:solidFill>
-                      <a:srgbClr val="BDD7EE"/>
-                    </a:solidFill>
-                  </a:tcPr>
-                </a:tc>
-                <a:tc>
-                  <a:txBody>
-                    <a:bodyPr/>
-                    <a:lstStyle/>
-                    <a:p>
-                      <a:pPr algn="ctr" fontAlgn="ctr"/>
-                      <a:r>
-                        <a:rPr lang="en-US" sz="1100" b="0" i="0" u="none" strike="noStrike">
-                          <a:solidFill>
-                            <a:srgbClr val="000000"/>
-                          </a:solidFill>
-                          <a:effectLst/>
-                          <a:latin typeface="Calibri" panose="020F0502020204030204" pitchFamily="34" charset="0"/>
-                        </a:rPr>
-                        <a:t>6.20E-04</a:t>
-                      </a:r>
-                    </a:p>
-                  </a:txBody>
-                  <a:tcPr marL="9525" marR="9525" marT="9525" marB="0" anchor="ctr">
-                    <a:lnL w="6350" cap="flat" cmpd="sng" algn="ctr">
-                      <a:solidFill>
-                        <a:srgbClr val="000000"/>
-                      </a:solidFill>
-                      <a:prstDash val="solid"/>
-                      <a:round/>
-                      <a:headEnd type="none" w="med" len="med"/>
-                      <a:tailEnd type="none" w="med" len="med"/>
-                    </a:lnL>
-                    <a:lnR w="12700" cap="flat" cmpd="sng" algn="ctr">
-                      <a:solidFill>
-                        <a:srgbClr val="000000"/>
-                      </a:solidFill>
-                      <a:prstDash val="solid"/>
-                      <a:round/>
-                      <a:headEnd type="none" w="med" len="med"/>
-                      <a:tailEnd type="none" w="med" len="med"/>
-                    </a:lnR>
-                    <a:lnT w="6350" cap="flat" cmpd="sng" algn="ctr">
-                      <a:solidFill>
-                        <a:srgbClr val="000000"/>
-                      </a:solidFill>
-                      <a:prstDash val="solid"/>
-                      <a:round/>
-                      <a:headEnd type="none" w="med" len="med"/>
-                      <a:tailEnd type="none" w="med" len="med"/>
-                    </a:lnT>
-                    <a:lnB w="6350" cap="flat" cmpd="sng" algn="ctr">
-                      <a:solidFill>
-                        <a:srgbClr val="000000"/>
-                      </a:solidFill>
-                      <a:prstDash val="solid"/>
-                      <a:round/>
-                      <a:headEnd type="none" w="med" len="med"/>
-                      <a:tailEnd type="none" w="med" len="med"/>
-                    </a:lnB>
-                    <a:solidFill>
-                      <a:srgbClr val="BDD7EE"/>
-                    </a:solidFill>
-                  </a:tcPr>
-                </a:tc>
-                <a:tc>
-                  <a:txBody>
-                    <a:bodyPr/>
-                    <a:lstStyle/>
-                    <a:p>
-                      <a:pPr algn="r" fontAlgn="b"/>
-                      <a:r>
-                        <a:rPr lang="en-US" sz="1100" b="0" i="0" u="none" strike="noStrike">
-                          <a:solidFill>
-                            <a:srgbClr val="000000"/>
-                          </a:solidFill>
-                          <a:effectLst/>
-                          <a:latin typeface="Calibri" panose="020F0502020204030204" pitchFamily="34" charset="0"/>
-                        </a:rPr>
-                        <a:t>9.173E-01</a:t>
-                      </a:r>
-                    </a:p>
-                  </a:txBody>
-                  <a:tcPr marL="9525" marR="9525" marT="9525" marB="0" anchor="b">
-                    <a:lnL w="12700" cap="flat" cmpd="sng" algn="ctr">
-                      <a:solidFill>
-                        <a:srgbClr val="000000"/>
-                      </a:solidFill>
-                      <a:prstDash val="solid"/>
-                      <a:round/>
-                      <a:headEnd type="none" w="med" len="med"/>
-                      <a:tailEnd type="none" w="med" len="med"/>
-                    </a:lnL>
-                    <a:lnR w="6350" cap="flat" cmpd="sng" algn="ctr">
-                      <a:solidFill>
-                        <a:srgbClr val="000000"/>
-                      </a:solidFill>
-                      <a:prstDash val="solid"/>
-                      <a:round/>
-                      <a:headEnd type="none" w="med" len="med"/>
-                      <a:tailEnd type="none" w="med" len="med"/>
-                    </a:lnR>
-                    <a:lnT w="6350" cap="flat" cmpd="sng" algn="ctr">
-                      <a:solidFill>
-                        <a:srgbClr val="000000"/>
-                      </a:solidFill>
-                      <a:prstDash val="solid"/>
-                      <a:round/>
-                      <a:headEnd type="none" w="med" len="med"/>
-                      <a:tailEnd type="none" w="med" len="med"/>
-                    </a:lnT>
-                    <a:lnB w="6350" cap="flat" cmpd="sng" algn="ctr">
-                      <a:solidFill>
-                        <a:srgbClr val="000000"/>
-                      </a:solidFill>
-                      <a:prstDash val="solid"/>
-                      <a:round/>
-                      <a:headEnd type="none" w="med" len="med"/>
-                      <a:tailEnd type="none" w="med" len="med"/>
-                    </a:lnB>
-                    <a:solidFill>
-                      <a:srgbClr val="BDD7EE"/>
-                    </a:solidFill>
-                  </a:tcPr>
-                </a:tc>
-                <a:tc>
-                  <a:txBody>
-                    <a:bodyPr/>
-                    <a:lstStyle/>
-                    <a:p>
-                      <a:pPr algn="r" fontAlgn="b"/>
-                      <a:r>
-                        <a:rPr lang="en-US" sz="1100" b="0" i="0" u="none" strike="noStrike">
-                          <a:solidFill>
-                            <a:srgbClr val="000000"/>
-                          </a:solidFill>
-                          <a:effectLst/>
-                          <a:latin typeface="Calibri" panose="020F0502020204030204" pitchFamily="34" charset="0"/>
-                        </a:rPr>
-                        <a:t>4.41E-03</a:t>
-                      </a:r>
-                    </a:p>
-                  </a:txBody>
-                  <a:tcPr marL="9525" marR="9525" marT="9525" marB="0" anchor="b">
-                    <a:lnL w="6350" cap="flat" cmpd="sng" algn="ctr">
-                      <a:solidFill>
-                        <a:srgbClr val="000000"/>
-                      </a:solidFill>
-                      <a:prstDash val="solid"/>
-                      <a:round/>
-                      <a:headEnd type="none" w="med" len="med"/>
-                      <a:tailEnd type="none" w="med" len="med"/>
-                    </a:lnL>
-                    <a:lnR w="12700" cap="flat" cmpd="sng" algn="ctr">
-                      <a:solidFill>
-                        <a:srgbClr val="000000"/>
-                      </a:solidFill>
-                      <a:prstDash val="solid"/>
-                      <a:round/>
-                      <a:headEnd type="none" w="med" len="med"/>
-                      <a:tailEnd type="none" w="med" len="med"/>
-                    </a:lnR>
-                    <a:lnT w="6350" cap="flat" cmpd="sng" algn="ctr">
-                      <a:solidFill>
-                        <a:srgbClr val="000000"/>
-                      </a:solidFill>
-                      <a:prstDash val="solid"/>
-                      <a:round/>
-                      <a:headEnd type="none" w="med" len="med"/>
-                      <a:tailEnd type="none" w="med" len="med"/>
-                    </a:lnT>
-                    <a:lnB w="6350" cap="flat" cmpd="sng" algn="ctr">
-                      <a:solidFill>
-                        <a:srgbClr val="000000"/>
-                      </a:solidFill>
-                      <a:prstDash val="solid"/>
-                      <a:round/>
-                      <a:headEnd type="none" w="med" len="med"/>
-                      <a:tailEnd type="none" w="med" len="med"/>
-                    </a:lnB>
-                    <a:solidFill>
-                      <a:srgbClr val="BDD7EE"/>
-                    </a:solidFill>
-                  </a:tcPr>
-                </a:tc>
-                <a:tc>
-                  <a:txBody>
-                    <a:bodyPr/>
-                    <a:lstStyle/>
-                    <a:p>
-                      <a:pPr algn="ctr" fontAlgn="ctr"/>
-                      <a:r>
-                        <a:rPr lang="en-US" sz="1100" b="0" i="0" u="none" strike="noStrike">
-                          <a:solidFill>
-                            <a:srgbClr val="000000"/>
-                          </a:solidFill>
-                          <a:effectLst/>
-                          <a:latin typeface="Calibri" panose="020F0502020204030204" pitchFamily="34" charset="0"/>
-                        </a:rPr>
-                        <a:t>-</a:t>
-                      </a:r>
-                    </a:p>
-                  </a:txBody>
-                  <a:tcPr marL="9525" marR="9525" marT="9525" marB="0" anchor="ctr">
-                    <a:lnL w="12700" cap="flat" cmpd="sng" algn="ctr">
-                      <a:solidFill>
-                        <a:srgbClr val="000000"/>
-                      </a:solidFill>
-                      <a:prstDash val="solid"/>
-                      <a:round/>
-                      <a:headEnd type="none" w="med" len="med"/>
-                      <a:tailEnd type="none" w="med" len="med"/>
-                    </a:lnL>
-                    <a:lnR w="6350" cap="flat" cmpd="sng" algn="ctr">
-                      <a:solidFill>
-                        <a:srgbClr val="000000"/>
-                      </a:solidFill>
-                      <a:prstDash val="solid"/>
-                      <a:round/>
-                      <a:headEnd type="none" w="med" len="med"/>
-                      <a:tailEnd type="none" w="med" len="med"/>
-                    </a:lnR>
-                    <a:lnT w="6350" cap="flat" cmpd="sng" algn="ctr">
-                      <a:solidFill>
-                        <a:srgbClr val="000000"/>
-                      </a:solidFill>
-                      <a:prstDash val="solid"/>
-                      <a:round/>
-                      <a:headEnd type="none" w="med" len="med"/>
-                      <a:tailEnd type="none" w="med" len="med"/>
-                    </a:lnT>
-                    <a:lnB w="6350" cap="flat" cmpd="sng" algn="ctr">
-                      <a:solidFill>
-                        <a:srgbClr val="000000"/>
-                      </a:solidFill>
-                      <a:prstDash val="solid"/>
-                      <a:round/>
-                      <a:headEnd type="none" w="med" len="med"/>
-                      <a:tailEnd type="none" w="med" len="med"/>
-                    </a:lnB>
-                    <a:solidFill>
-                      <a:srgbClr val="FF0000"/>
-                    </a:solidFill>
-                  </a:tcPr>
-                </a:tc>
-                <a:tc>
-                  <a:txBody>
-                    <a:bodyPr/>
-                    <a:lstStyle/>
-                    <a:p>
-                      <a:pPr algn="ctr" fontAlgn="ctr"/>
-                      <a:r>
-                        <a:rPr lang="en-US" sz="1100" b="0" i="0" u="none" strike="noStrike">
-                          <a:solidFill>
-                            <a:srgbClr val="000000"/>
-                          </a:solidFill>
-                          <a:effectLst/>
-                          <a:latin typeface="Calibri" panose="020F0502020204030204" pitchFamily="34" charset="0"/>
-                        </a:rPr>
-                        <a:t>-</a:t>
-                      </a:r>
-                    </a:p>
-                  </a:txBody>
-                  <a:tcPr marL="9525" marR="9525" marT="9525" marB="0" anchor="ctr">
-                    <a:lnL w="6350" cap="flat" cmpd="sng" algn="ctr">
-                      <a:solidFill>
-                        <a:srgbClr val="000000"/>
-                      </a:solidFill>
-                      <a:prstDash val="solid"/>
-                      <a:round/>
-                      <a:headEnd type="none" w="med" len="med"/>
-                      <a:tailEnd type="none" w="med" len="med"/>
-                    </a:lnL>
-                    <a:lnR w="6350" cap="flat" cmpd="sng" algn="ctr">
-                      <a:solidFill>
-                        <a:srgbClr val="000000"/>
-                      </a:solidFill>
-                      <a:prstDash val="solid"/>
-                      <a:round/>
-                      <a:headEnd type="none" w="med" len="med"/>
-                      <a:tailEnd type="none" w="med" len="med"/>
-                    </a:lnR>
-                    <a:lnT w="6350" cap="flat" cmpd="sng" algn="ctr">
-                      <a:solidFill>
-                        <a:srgbClr val="000000"/>
-                      </a:solidFill>
-                      <a:prstDash val="solid"/>
-                      <a:round/>
-                      <a:headEnd type="none" w="med" len="med"/>
-                      <a:tailEnd type="none" w="med" len="med"/>
-                    </a:lnT>
-                    <a:lnB w="6350" cap="flat" cmpd="sng" algn="ctr">
-                      <a:solidFill>
-                        <a:srgbClr val="000000"/>
-                      </a:solidFill>
-                      <a:prstDash val="solid"/>
-                      <a:round/>
-                      <a:headEnd type="none" w="med" len="med"/>
-                      <a:tailEnd type="none" w="med" len="med"/>
-                    </a:lnB>
-                    <a:solidFill>
-                      <a:srgbClr val="FF0000"/>
-                    </a:solidFill>
-                  </a:tcPr>
-                </a:tc>
-                <a:tc>
-                  <a:txBody>
-                    <a:bodyPr/>
-                    <a:lstStyle/>
-                    <a:p>
-                      <a:pPr algn="ctr" fontAlgn="ctr"/>
-                      <a:r>
-                        <a:rPr lang="en-US" sz="1100" b="0" i="0" u="none" strike="noStrike">
-                          <a:solidFill>
-                            <a:srgbClr val="000000"/>
-                          </a:solidFill>
-                          <a:effectLst/>
-                          <a:latin typeface="Calibri" panose="020F0502020204030204" pitchFamily="34" charset="0"/>
-                        </a:rPr>
-                        <a:t>~</a:t>
-                      </a:r>
-                    </a:p>
-                  </a:txBody>
-                  <a:tcPr marL="9525" marR="9525" marT="9525" marB="0" anchor="ctr">
-                    <a:lnL w="6350" cap="flat" cmpd="sng" algn="ctr">
-                      <a:solidFill>
-                        <a:srgbClr val="000000"/>
-                      </a:solidFill>
-                      <a:prstDash val="solid"/>
-                      <a:round/>
-                      <a:headEnd type="none" w="med" len="med"/>
-                      <a:tailEnd type="none" w="med" len="med"/>
-                    </a:lnL>
-                    <a:lnR w="12700" cap="flat" cmpd="sng" algn="ctr">
-                      <a:solidFill>
-                        <a:srgbClr val="000000"/>
-                      </a:solidFill>
-                      <a:prstDash val="solid"/>
-                      <a:round/>
-                      <a:headEnd type="none" w="med" len="med"/>
-                      <a:tailEnd type="none" w="med" len="med"/>
-                    </a:lnR>
-                    <a:lnT w="6350" cap="flat" cmpd="sng" algn="ctr">
-                      <a:solidFill>
-                        <a:srgbClr val="000000"/>
-                      </a:solidFill>
-                      <a:prstDash val="solid"/>
-                      <a:round/>
-                      <a:headEnd type="none" w="med" len="med"/>
-                      <a:tailEnd type="none" w="med" len="med"/>
-                    </a:lnT>
-                    <a:lnB w="6350" cap="flat" cmpd="sng" algn="ctr">
-                      <a:solidFill>
-                        <a:srgbClr val="000000"/>
-                      </a:solidFill>
-                      <a:prstDash val="solid"/>
-                      <a:round/>
-                      <a:headEnd type="none" w="med" len="med"/>
-                      <a:tailEnd type="none" w="med" len="med"/>
-                    </a:lnB>
-                    <a:solidFill>
-                      <a:srgbClr val="00B0F0"/>
-                    </a:solidFill>
-                  </a:tcPr>
-                </a:tc>
-                <a:extLst>
-                  <a:ext uri="{0D108BD9-81ED-4DB2-BD59-A6C34878D82A}">
-                    <a16:rowId xmlns:a16="http://schemas.microsoft.com/office/drawing/2014/main" val="2515897747"/>
-                  </a:ext>
-                </a:extLst>
-              </a:tr>
-              <a:tr h="190500">
-                <a:tc>
-                  <a:txBody>
-                    <a:bodyPr/>
-                    <a:lstStyle/>
-                    <a:p>
-                      <a:pPr algn="ctr" fontAlgn="ctr"/>
-                      <a:r>
-                        <a:rPr lang="en-US" sz="1100" b="0" i="0" u="none" strike="noStrike">
-                          <a:solidFill>
-                            <a:srgbClr val="000000"/>
-                          </a:solidFill>
-                          <a:effectLst/>
-                          <a:latin typeface="Calibri" panose="020F0502020204030204" pitchFamily="34" charset="0"/>
-                        </a:rPr>
-                        <a:t>Ease_Exploration</a:t>
-                      </a:r>
-                    </a:p>
-                  </a:txBody>
-                  <a:tcPr marL="9525" marR="9525" marT="9525" marB="0" anchor="ctr">
-                    <a:lnL w="12700" cap="flat" cmpd="sng" algn="ctr">
-                      <a:solidFill>
-                        <a:srgbClr val="000000"/>
-                      </a:solidFill>
-                      <a:prstDash val="solid"/>
-                      <a:round/>
-                      <a:headEnd type="none" w="med" len="med"/>
-                      <a:tailEnd type="none" w="med" len="med"/>
-                    </a:lnL>
-                    <a:lnR w="12700" cap="flat" cmpd="sng" algn="ctr">
-                      <a:solidFill>
-                        <a:srgbClr val="000000"/>
-                      </a:solidFill>
-                      <a:prstDash val="solid"/>
-                      <a:round/>
-                      <a:headEnd type="none" w="med" len="med"/>
-                      <a:tailEnd type="none" w="med" len="med"/>
-                    </a:lnR>
-                    <a:lnT w="6350" cap="flat" cmpd="sng" algn="ctr">
-                      <a:solidFill>
-                        <a:srgbClr val="000000"/>
-                      </a:solidFill>
-                      <a:prstDash val="solid"/>
-                      <a:round/>
-                      <a:headEnd type="none" w="med" len="med"/>
-                      <a:tailEnd type="none" w="med" len="med"/>
-                    </a:lnT>
-                    <a:lnB w="6350" cap="flat" cmpd="sng" algn="ctr">
-                      <a:solidFill>
-                        <a:srgbClr val="000000"/>
-                      </a:solidFill>
-                      <a:prstDash val="solid"/>
-                      <a:round/>
-                      <a:headEnd type="none" w="med" len="med"/>
-                      <a:tailEnd type="none" w="med" len="med"/>
-                    </a:lnB>
-                    <a:solidFill>
-                      <a:srgbClr val="9BC2E6"/>
-                    </a:solidFill>
-                  </a:tcPr>
-                </a:tc>
-                <a:tc>
-                  <a:txBody>
-                    <a:bodyPr/>
-                    <a:lstStyle/>
-                    <a:p>
-                      <a:pPr algn="ctr" fontAlgn="ctr"/>
-                      <a:r>
-                        <a:rPr lang="en-US" sz="1100" b="0" i="0" u="none" strike="noStrike">
-                          <a:solidFill>
-                            <a:srgbClr val="000000"/>
-                          </a:solidFill>
-                          <a:effectLst/>
-                          <a:latin typeface="Calibri" panose="020F0502020204030204" pitchFamily="34" charset="0"/>
-                        </a:rPr>
-                        <a:t>2.241E-01</a:t>
-                      </a:r>
-                    </a:p>
-                  </a:txBody>
-                  <a:tcPr marL="9525" marR="9525" marT="9525" marB="0" anchor="ctr">
-                    <a:lnL w="12700" cap="flat" cmpd="sng" algn="ctr">
-                      <a:solidFill>
-                        <a:srgbClr val="000000"/>
-                      </a:solidFill>
-                      <a:prstDash val="solid"/>
-                      <a:round/>
-                      <a:headEnd type="none" w="med" len="med"/>
-                      <a:tailEnd type="none" w="med" len="med"/>
-                    </a:lnL>
-                    <a:lnR w="6350" cap="flat" cmpd="sng" algn="ctr">
-                      <a:solidFill>
-                        <a:srgbClr val="000000"/>
-                      </a:solidFill>
-                      <a:prstDash val="solid"/>
-                      <a:round/>
-                      <a:headEnd type="none" w="med" len="med"/>
-                      <a:tailEnd type="none" w="med" len="med"/>
-                    </a:lnR>
-                    <a:lnT w="6350" cap="flat" cmpd="sng" algn="ctr">
-                      <a:solidFill>
-                        <a:srgbClr val="000000"/>
-                      </a:solidFill>
-                      <a:prstDash val="solid"/>
-                      <a:round/>
-                      <a:headEnd type="none" w="med" len="med"/>
-                      <a:tailEnd type="none" w="med" len="med"/>
-                    </a:lnT>
-                    <a:lnB w="6350" cap="flat" cmpd="sng" algn="ctr">
-                      <a:solidFill>
-                        <a:srgbClr val="000000"/>
-                      </a:solidFill>
-                      <a:prstDash val="solid"/>
-                      <a:round/>
-                      <a:headEnd type="none" w="med" len="med"/>
-                      <a:tailEnd type="none" w="med" len="med"/>
-                    </a:lnB>
-                    <a:solidFill>
-                      <a:srgbClr val="9BC2E6"/>
-                    </a:solidFill>
-                  </a:tcPr>
-                </a:tc>
-                <a:tc>
-                  <a:txBody>
-                    <a:bodyPr/>
-                    <a:lstStyle/>
-                    <a:p>
-                      <a:pPr algn="ctr" fontAlgn="ctr"/>
-                      <a:r>
-                        <a:rPr lang="en-US" sz="1100" b="0" i="0" u="none" strike="noStrike">
-                          <a:solidFill>
-                            <a:srgbClr val="000000"/>
-                          </a:solidFill>
-                          <a:effectLst/>
-                          <a:latin typeface="Calibri" panose="020F0502020204030204" pitchFamily="34" charset="0"/>
-                        </a:rPr>
-                        <a:t>3.00E-04</a:t>
-                      </a:r>
-                    </a:p>
-                  </a:txBody>
-                  <a:tcPr marL="9525" marR="9525" marT="9525" marB="0" anchor="ctr">
-                    <a:lnL w="6350" cap="flat" cmpd="sng" algn="ctr">
-                      <a:solidFill>
-                        <a:srgbClr val="000000"/>
-                      </a:solidFill>
-                      <a:prstDash val="solid"/>
-                      <a:round/>
-                      <a:headEnd type="none" w="med" len="med"/>
-                      <a:tailEnd type="none" w="med" len="med"/>
-                    </a:lnL>
-                    <a:lnR w="12700" cap="flat" cmpd="sng" algn="ctr">
-                      <a:solidFill>
-                        <a:srgbClr val="000000"/>
-                      </a:solidFill>
-                      <a:prstDash val="solid"/>
-                      <a:round/>
-                      <a:headEnd type="none" w="med" len="med"/>
-                      <a:tailEnd type="none" w="med" len="med"/>
-                    </a:lnR>
-                    <a:lnT w="6350" cap="flat" cmpd="sng" algn="ctr">
-                      <a:solidFill>
-                        <a:srgbClr val="000000"/>
-                      </a:solidFill>
-                      <a:prstDash val="solid"/>
-                      <a:round/>
-                      <a:headEnd type="none" w="med" len="med"/>
-                      <a:tailEnd type="none" w="med" len="med"/>
-                    </a:lnT>
-                    <a:lnB w="6350" cap="flat" cmpd="sng" algn="ctr">
-                      <a:solidFill>
-                        <a:srgbClr val="000000"/>
-                      </a:solidFill>
-                      <a:prstDash val="solid"/>
-                      <a:round/>
-                      <a:headEnd type="none" w="med" len="med"/>
-                      <a:tailEnd type="none" w="med" len="med"/>
-                    </a:lnB>
-                    <a:solidFill>
-                      <a:srgbClr val="9BC2E6"/>
-                    </a:solidFill>
-                  </a:tcPr>
-                </a:tc>
-                <a:tc>
-                  <a:txBody>
-                    <a:bodyPr/>
-                    <a:lstStyle/>
-                    <a:p>
-                      <a:pPr algn="ctr" fontAlgn="ctr"/>
-                      <a:r>
-                        <a:rPr lang="en-US" sz="1100" b="0" i="0" u="none" strike="noStrike">
-                          <a:solidFill>
-                            <a:srgbClr val="000000"/>
-                          </a:solidFill>
-                          <a:effectLst/>
-                          <a:latin typeface="Calibri" panose="020F0502020204030204" pitchFamily="34" charset="0"/>
-                        </a:rPr>
-                        <a:t>5.500E-01</a:t>
-                      </a:r>
-                    </a:p>
-                  </a:txBody>
-                  <a:tcPr marL="9525" marR="9525" marT="9525" marB="0" anchor="ctr">
-                    <a:lnL w="12700" cap="flat" cmpd="sng" algn="ctr">
-                      <a:solidFill>
-                        <a:srgbClr val="000000"/>
-                      </a:solidFill>
-                      <a:prstDash val="solid"/>
-                      <a:round/>
-                      <a:headEnd type="none" w="med" len="med"/>
-                      <a:tailEnd type="none" w="med" len="med"/>
-                    </a:lnL>
-                    <a:lnR w="6350" cap="flat" cmpd="sng" algn="ctr">
-                      <a:solidFill>
-                        <a:srgbClr val="000000"/>
-                      </a:solidFill>
-                      <a:prstDash val="solid"/>
-                      <a:round/>
-                      <a:headEnd type="none" w="med" len="med"/>
-                      <a:tailEnd type="none" w="med" len="med"/>
-                    </a:lnR>
-                    <a:lnT w="6350" cap="flat" cmpd="sng" algn="ctr">
-                      <a:solidFill>
-                        <a:srgbClr val="000000"/>
-                      </a:solidFill>
-                      <a:prstDash val="solid"/>
-                      <a:round/>
-                      <a:headEnd type="none" w="med" len="med"/>
-                      <a:tailEnd type="none" w="med" len="med"/>
-                    </a:lnT>
-                    <a:lnB w="6350" cap="flat" cmpd="sng" algn="ctr">
-                      <a:solidFill>
-                        <a:srgbClr val="000000"/>
-                      </a:solidFill>
-                      <a:prstDash val="solid"/>
-                      <a:round/>
-                      <a:headEnd type="none" w="med" len="med"/>
-                      <a:tailEnd type="none" w="med" len="med"/>
-                    </a:lnB>
-                    <a:solidFill>
-                      <a:srgbClr val="9BC2E6"/>
-                    </a:solidFill>
-                  </a:tcPr>
-                </a:tc>
-                <a:tc>
-                  <a:txBody>
-                    <a:bodyPr/>
-                    <a:lstStyle/>
-                    <a:p>
-                      <a:pPr algn="ctr" fontAlgn="ctr"/>
-                      <a:r>
-                        <a:rPr lang="en-US" sz="1100" b="0" i="0" u="none" strike="noStrike">
-                          <a:solidFill>
-                            <a:srgbClr val="000000"/>
-                          </a:solidFill>
-                          <a:effectLst/>
-                          <a:latin typeface="Calibri" panose="020F0502020204030204" pitchFamily="34" charset="0"/>
-                        </a:rPr>
-                        <a:t>4.80E-04</a:t>
-                      </a:r>
-                    </a:p>
-                  </a:txBody>
-                  <a:tcPr marL="9525" marR="9525" marT="9525" marB="0" anchor="ctr">
-                    <a:lnL w="6350" cap="flat" cmpd="sng" algn="ctr">
-                      <a:solidFill>
-                        <a:srgbClr val="000000"/>
-                      </a:solidFill>
-                      <a:prstDash val="solid"/>
-                      <a:round/>
-                      <a:headEnd type="none" w="med" len="med"/>
-                      <a:tailEnd type="none" w="med" len="med"/>
-                    </a:lnL>
-                    <a:lnR w="12700" cap="flat" cmpd="sng" algn="ctr">
-                      <a:solidFill>
-                        <a:srgbClr val="000000"/>
-                      </a:solidFill>
-                      <a:prstDash val="solid"/>
-                      <a:round/>
-                      <a:headEnd type="none" w="med" len="med"/>
-                      <a:tailEnd type="none" w="med" len="med"/>
-                    </a:lnR>
-                    <a:lnT w="6350" cap="flat" cmpd="sng" algn="ctr">
-                      <a:solidFill>
-                        <a:srgbClr val="000000"/>
-                      </a:solidFill>
-                      <a:prstDash val="solid"/>
-                      <a:round/>
-                      <a:headEnd type="none" w="med" len="med"/>
-                      <a:tailEnd type="none" w="med" len="med"/>
-                    </a:lnT>
-                    <a:lnB w="6350" cap="flat" cmpd="sng" algn="ctr">
-                      <a:solidFill>
-                        <a:srgbClr val="000000"/>
-                      </a:solidFill>
-                      <a:prstDash val="solid"/>
-                      <a:round/>
-                      <a:headEnd type="none" w="med" len="med"/>
-                      <a:tailEnd type="none" w="med" len="med"/>
-                    </a:lnB>
-                    <a:solidFill>
-                      <a:srgbClr val="9BC2E6"/>
-                    </a:solidFill>
-                  </a:tcPr>
-                </a:tc>
-                <a:tc>
-                  <a:txBody>
-                    <a:bodyPr/>
-                    <a:lstStyle/>
-                    <a:p>
-                      <a:pPr algn="r" fontAlgn="b"/>
-                      <a:r>
-                        <a:rPr lang="en-US" sz="1100" b="0" i="0" u="none" strike="noStrike">
-                          <a:solidFill>
-                            <a:srgbClr val="000000"/>
-                          </a:solidFill>
-                          <a:effectLst/>
-                          <a:latin typeface="Calibri" panose="020F0502020204030204" pitchFamily="34" charset="0"/>
-                        </a:rPr>
-                        <a:t>9.137E-01</a:t>
-                      </a:r>
-                    </a:p>
-                  </a:txBody>
-                  <a:tcPr marL="9525" marR="9525" marT="9525" marB="0" anchor="b">
-                    <a:lnL w="12700" cap="flat" cmpd="sng" algn="ctr">
-                      <a:solidFill>
-                        <a:srgbClr val="000000"/>
-                      </a:solidFill>
-                      <a:prstDash val="solid"/>
-                      <a:round/>
-                      <a:headEnd type="none" w="med" len="med"/>
-                      <a:tailEnd type="none" w="med" len="med"/>
-                    </a:lnL>
-                    <a:lnR w="6350" cap="flat" cmpd="sng" algn="ctr">
-                      <a:solidFill>
-                        <a:srgbClr val="000000"/>
-                      </a:solidFill>
-                      <a:prstDash val="solid"/>
-                      <a:round/>
-                      <a:headEnd type="none" w="med" len="med"/>
-                      <a:tailEnd type="none" w="med" len="med"/>
-                    </a:lnR>
-                    <a:lnT w="6350" cap="flat" cmpd="sng" algn="ctr">
-                      <a:solidFill>
-                        <a:srgbClr val="000000"/>
-                      </a:solidFill>
-                      <a:prstDash val="solid"/>
-                      <a:round/>
-                      <a:headEnd type="none" w="med" len="med"/>
-                      <a:tailEnd type="none" w="med" len="med"/>
-                    </a:lnT>
-                    <a:lnB w="6350" cap="flat" cmpd="sng" algn="ctr">
-                      <a:solidFill>
-                        <a:srgbClr val="000000"/>
-                      </a:solidFill>
-                      <a:prstDash val="solid"/>
-                      <a:round/>
-                      <a:headEnd type="none" w="med" len="med"/>
-                      <a:tailEnd type="none" w="med" len="med"/>
-                    </a:lnB>
-                    <a:solidFill>
-                      <a:srgbClr val="9BC2E6"/>
-                    </a:solidFill>
-                  </a:tcPr>
-                </a:tc>
-                <a:tc>
-                  <a:txBody>
-                    <a:bodyPr/>
-                    <a:lstStyle/>
-                    <a:p>
-                      <a:pPr algn="r" fontAlgn="b"/>
-                      <a:r>
-                        <a:rPr lang="en-US" sz="1100" b="0" i="0" u="none" strike="noStrike">
-                          <a:solidFill>
-                            <a:srgbClr val="000000"/>
-                          </a:solidFill>
-                          <a:effectLst/>
-                          <a:latin typeface="Calibri" panose="020F0502020204030204" pitchFamily="34" charset="0"/>
-                        </a:rPr>
-                        <a:t>6.05E-03</a:t>
-                      </a:r>
-                    </a:p>
-                  </a:txBody>
-                  <a:tcPr marL="9525" marR="9525" marT="9525" marB="0" anchor="b">
-                    <a:lnL w="6350" cap="flat" cmpd="sng" algn="ctr">
-                      <a:solidFill>
-                        <a:srgbClr val="000000"/>
-                      </a:solidFill>
-                      <a:prstDash val="solid"/>
-                      <a:round/>
-                      <a:headEnd type="none" w="med" len="med"/>
-                      <a:tailEnd type="none" w="med" len="med"/>
-                    </a:lnL>
-                    <a:lnR w="12700" cap="flat" cmpd="sng" algn="ctr">
-                      <a:solidFill>
-                        <a:srgbClr val="000000"/>
-                      </a:solidFill>
-                      <a:prstDash val="solid"/>
-                      <a:round/>
-                      <a:headEnd type="none" w="med" len="med"/>
-                      <a:tailEnd type="none" w="med" len="med"/>
-                    </a:lnR>
-                    <a:lnT w="6350" cap="flat" cmpd="sng" algn="ctr">
-                      <a:solidFill>
-                        <a:srgbClr val="000000"/>
-                      </a:solidFill>
-                      <a:prstDash val="solid"/>
-                      <a:round/>
-                      <a:headEnd type="none" w="med" len="med"/>
-                      <a:tailEnd type="none" w="med" len="med"/>
-                    </a:lnT>
-                    <a:lnB w="6350" cap="flat" cmpd="sng" algn="ctr">
-                      <a:solidFill>
-                        <a:srgbClr val="000000"/>
-                      </a:solidFill>
-                      <a:prstDash val="solid"/>
-                      <a:round/>
-                      <a:headEnd type="none" w="med" len="med"/>
-                      <a:tailEnd type="none" w="med" len="med"/>
-                    </a:lnB>
-                    <a:solidFill>
-                      <a:srgbClr val="9BC2E6"/>
-                    </a:solidFill>
-                  </a:tcPr>
-                </a:tc>
-                <a:tc>
-                  <a:txBody>
-                    <a:bodyPr/>
-                    <a:lstStyle/>
-                    <a:p>
-                      <a:pPr algn="ctr" fontAlgn="ctr"/>
-                      <a:r>
-                        <a:rPr lang="en-US" sz="1100" b="0" i="0" u="none" strike="noStrike">
-                          <a:solidFill>
-                            <a:srgbClr val="000000"/>
-                          </a:solidFill>
-                          <a:effectLst/>
-                          <a:latin typeface="Calibri" panose="020F0502020204030204" pitchFamily="34" charset="0"/>
-                        </a:rPr>
-                        <a:t>-</a:t>
-                      </a:r>
-                    </a:p>
-                  </a:txBody>
-                  <a:tcPr marL="9525" marR="9525" marT="9525" marB="0" anchor="ctr">
-                    <a:lnL w="12700" cap="flat" cmpd="sng" algn="ctr">
-                      <a:solidFill>
-                        <a:srgbClr val="000000"/>
-                      </a:solidFill>
-                      <a:prstDash val="solid"/>
-                      <a:round/>
-                      <a:headEnd type="none" w="med" len="med"/>
-                      <a:tailEnd type="none" w="med" len="med"/>
-                    </a:lnL>
-                    <a:lnR w="6350" cap="flat" cmpd="sng" algn="ctr">
-                      <a:solidFill>
-                        <a:srgbClr val="000000"/>
-                      </a:solidFill>
-                      <a:prstDash val="solid"/>
-                      <a:round/>
-                      <a:headEnd type="none" w="med" len="med"/>
-                      <a:tailEnd type="none" w="med" len="med"/>
-                    </a:lnR>
-                    <a:lnT w="6350" cap="flat" cmpd="sng" algn="ctr">
-                      <a:solidFill>
-                        <a:srgbClr val="000000"/>
-                      </a:solidFill>
-                      <a:prstDash val="solid"/>
-                      <a:round/>
-                      <a:headEnd type="none" w="med" len="med"/>
-                      <a:tailEnd type="none" w="med" len="med"/>
-                    </a:lnT>
-                    <a:lnB w="6350" cap="flat" cmpd="sng" algn="ctr">
-                      <a:solidFill>
-                        <a:srgbClr val="000000"/>
-                      </a:solidFill>
-                      <a:prstDash val="solid"/>
-                      <a:round/>
-                      <a:headEnd type="none" w="med" len="med"/>
-                      <a:tailEnd type="none" w="med" len="med"/>
-                    </a:lnB>
-                    <a:solidFill>
-                      <a:srgbClr val="FF0000"/>
-                    </a:solidFill>
-                  </a:tcPr>
-                </a:tc>
-                <a:tc>
-                  <a:txBody>
-                    <a:bodyPr/>
-                    <a:lstStyle/>
-                    <a:p>
-                      <a:pPr algn="ctr" fontAlgn="ctr"/>
-                      <a:r>
-                        <a:rPr lang="en-US" sz="1100" b="0" i="0" u="none" strike="noStrike">
-                          <a:solidFill>
-                            <a:srgbClr val="000000"/>
-                          </a:solidFill>
-                          <a:effectLst/>
-                          <a:latin typeface="Calibri" panose="020F0502020204030204" pitchFamily="34" charset="0"/>
-                        </a:rPr>
-                        <a:t>-</a:t>
-                      </a:r>
-                    </a:p>
-                  </a:txBody>
-                  <a:tcPr marL="9525" marR="9525" marT="9525" marB="0" anchor="ctr">
-                    <a:lnL w="6350" cap="flat" cmpd="sng" algn="ctr">
-                      <a:solidFill>
-                        <a:srgbClr val="000000"/>
-                      </a:solidFill>
-                      <a:prstDash val="solid"/>
-                      <a:round/>
-                      <a:headEnd type="none" w="med" len="med"/>
-                      <a:tailEnd type="none" w="med" len="med"/>
-                    </a:lnL>
-                    <a:lnR w="6350" cap="flat" cmpd="sng" algn="ctr">
-                      <a:solidFill>
-                        <a:srgbClr val="000000"/>
-                      </a:solidFill>
-                      <a:prstDash val="solid"/>
-                      <a:round/>
-                      <a:headEnd type="none" w="med" len="med"/>
-                      <a:tailEnd type="none" w="med" len="med"/>
-                    </a:lnR>
-                    <a:lnT w="6350" cap="flat" cmpd="sng" algn="ctr">
-                      <a:solidFill>
-                        <a:srgbClr val="000000"/>
-                      </a:solidFill>
-                      <a:prstDash val="solid"/>
-                      <a:round/>
-                      <a:headEnd type="none" w="med" len="med"/>
-                      <a:tailEnd type="none" w="med" len="med"/>
-                    </a:lnT>
-                    <a:lnB w="6350" cap="flat" cmpd="sng" algn="ctr">
-                      <a:solidFill>
-                        <a:srgbClr val="000000"/>
-                      </a:solidFill>
-                      <a:prstDash val="solid"/>
-                      <a:round/>
-                      <a:headEnd type="none" w="med" len="med"/>
-                      <a:tailEnd type="none" w="med" len="med"/>
-                    </a:lnB>
-                    <a:solidFill>
-                      <a:srgbClr val="FF0000"/>
-                    </a:solidFill>
-                  </a:tcPr>
-                </a:tc>
-                <a:tc>
-                  <a:txBody>
-                    <a:bodyPr/>
-                    <a:lstStyle/>
-                    <a:p>
-                      <a:pPr algn="ctr" fontAlgn="ctr"/>
-                      <a:r>
-                        <a:rPr lang="en-US" sz="1100" b="0" i="0" u="none" strike="noStrike">
-                          <a:solidFill>
-                            <a:srgbClr val="000000"/>
-                          </a:solidFill>
-                          <a:effectLst/>
-                          <a:latin typeface="Calibri" panose="020F0502020204030204" pitchFamily="34" charset="0"/>
-                        </a:rPr>
-                        <a:t>~</a:t>
-                      </a:r>
-                    </a:p>
-                  </a:txBody>
-                  <a:tcPr marL="9525" marR="9525" marT="9525" marB="0" anchor="ctr">
-                    <a:lnL w="6350" cap="flat" cmpd="sng" algn="ctr">
-                      <a:solidFill>
-                        <a:srgbClr val="000000"/>
-                      </a:solidFill>
-                      <a:prstDash val="solid"/>
-                      <a:round/>
-                      <a:headEnd type="none" w="med" len="med"/>
-                      <a:tailEnd type="none" w="med" len="med"/>
-                    </a:lnL>
-                    <a:lnR w="12700" cap="flat" cmpd="sng" algn="ctr">
-                      <a:solidFill>
-                        <a:srgbClr val="000000"/>
-                      </a:solidFill>
-                      <a:prstDash val="solid"/>
-                      <a:round/>
-                      <a:headEnd type="none" w="med" len="med"/>
-                      <a:tailEnd type="none" w="med" len="med"/>
-                    </a:lnR>
-                    <a:lnT w="6350" cap="flat" cmpd="sng" algn="ctr">
-                      <a:solidFill>
-                        <a:srgbClr val="000000"/>
-                      </a:solidFill>
-                      <a:prstDash val="solid"/>
-                      <a:round/>
-                      <a:headEnd type="none" w="med" len="med"/>
-                      <a:tailEnd type="none" w="med" len="med"/>
-                    </a:lnT>
-                    <a:lnB w="6350" cap="flat" cmpd="sng" algn="ctr">
-                      <a:solidFill>
-                        <a:srgbClr val="000000"/>
-                      </a:solidFill>
-                      <a:prstDash val="solid"/>
-                      <a:round/>
-                      <a:headEnd type="none" w="med" len="med"/>
-                      <a:tailEnd type="none" w="med" len="med"/>
-                    </a:lnB>
-                    <a:solidFill>
-                      <a:srgbClr val="00B0F0"/>
-                    </a:solidFill>
-                  </a:tcPr>
-                </a:tc>
-                <a:extLst>
-                  <a:ext uri="{0D108BD9-81ED-4DB2-BD59-A6C34878D82A}">
-                    <a16:rowId xmlns:a16="http://schemas.microsoft.com/office/drawing/2014/main" val="1978428892"/>
-                  </a:ext>
-                </a:extLst>
-              </a:tr>
-              <a:tr h="190500">
-                <a:tc>
-                  <a:txBody>
-                    <a:bodyPr/>
-                    <a:lstStyle/>
-                    <a:p>
-                      <a:pPr algn="ctr" fontAlgn="ctr"/>
-                      <a:r>
-                        <a:rPr lang="en-US" sz="1100" b="0" i="0" u="none" strike="noStrike">
-                          <a:solidFill>
-                            <a:srgbClr val="000000"/>
-                          </a:solidFill>
-                          <a:effectLst/>
-                          <a:latin typeface="Calibri" panose="020F0502020204030204" pitchFamily="34" charset="0"/>
-                        </a:rPr>
-                        <a:t>Ease_Exploitation</a:t>
-                      </a:r>
-                    </a:p>
-                  </a:txBody>
-                  <a:tcPr marL="9525" marR="9525" marT="9525" marB="0" anchor="ctr">
-                    <a:lnL w="12700" cap="flat" cmpd="sng" algn="ctr">
-                      <a:solidFill>
-                        <a:srgbClr val="000000"/>
-                      </a:solidFill>
-                      <a:prstDash val="solid"/>
-                      <a:round/>
-                      <a:headEnd type="none" w="med" len="med"/>
-                      <a:tailEnd type="none" w="med" len="med"/>
-                    </a:lnL>
-                    <a:lnR w="12700" cap="flat" cmpd="sng" algn="ctr">
-                      <a:solidFill>
-                        <a:srgbClr val="000000"/>
-                      </a:solidFill>
-                      <a:prstDash val="solid"/>
-                      <a:round/>
-                      <a:headEnd type="none" w="med" len="med"/>
-                      <a:tailEnd type="none" w="med" len="med"/>
-                    </a:lnR>
-                    <a:lnT w="6350" cap="flat" cmpd="sng" algn="ctr">
-                      <a:solidFill>
-                        <a:srgbClr val="000000"/>
-                      </a:solidFill>
-                      <a:prstDash val="solid"/>
-                      <a:round/>
-                      <a:headEnd type="none" w="med" len="med"/>
-                      <a:tailEnd type="none" w="med" len="med"/>
-                    </a:lnT>
-                    <a:lnB w="6350" cap="flat" cmpd="sng" algn="ctr">
-                      <a:solidFill>
-                        <a:srgbClr val="000000"/>
-                      </a:solidFill>
-                      <a:prstDash val="solid"/>
-                      <a:round/>
-                      <a:headEnd type="none" w="med" len="med"/>
-                      <a:tailEnd type="none" w="med" len="med"/>
-                    </a:lnB>
-                    <a:solidFill>
-                      <a:srgbClr val="9BC2E6"/>
-                    </a:solidFill>
-                  </a:tcPr>
-                </a:tc>
-                <a:tc>
-                  <a:txBody>
-                    <a:bodyPr/>
-                    <a:lstStyle/>
-                    <a:p>
-                      <a:pPr algn="ctr" fontAlgn="ctr"/>
-                      <a:r>
-                        <a:rPr lang="en-US" sz="1100" b="0" i="0" u="none" strike="noStrike">
-                          <a:solidFill>
-                            <a:srgbClr val="000000"/>
-                          </a:solidFill>
-                          <a:effectLst/>
-                          <a:latin typeface="Calibri" panose="020F0502020204030204" pitchFamily="34" charset="0"/>
-                        </a:rPr>
-                        <a:t>2.274E-01</a:t>
-                      </a:r>
-                    </a:p>
-                  </a:txBody>
-                  <a:tcPr marL="9525" marR="9525" marT="9525" marB="0" anchor="ctr">
-                    <a:lnL w="12700" cap="flat" cmpd="sng" algn="ctr">
-                      <a:solidFill>
-                        <a:srgbClr val="000000"/>
-                      </a:solidFill>
-                      <a:prstDash val="solid"/>
-                      <a:round/>
-                      <a:headEnd type="none" w="med" len="med"/>
-                      <a:tailEnd type="none" w="med" len="med"/>
-                    </a:lnL>
-                    <a:lnR w="6350" cap="flat" cmpd="sng" algn="ctr">
-                      <a:solidFill>
-                        <a:srgbClr val="000000"/>
-                      </a:solidFill>
-                      <a:prstDash val="solid"/>
-                      <a:round/>
-                      <a:headEnd type="none" w="med" len="med"/>
-                      <a:tailEnd type="none" w="med" len="med"/>
-                    </a:lnR>
-                    <a:lnT w="6350" cap="flat" cmpd="sng" algn="ctr">
-                      <a:solidFill>
-                        <a:srgbClr val="000000"/>
-                      </a:solidFill>
-                      <a:prstDash val="solid"/>
-                      <a:round/>
-                      <a:headEnd type="none" w="med" len="med"/>
-                      <a:tailEnd type="none" w="med" len="med"/>
-                    </a:lnT>
-                    <a:lnB w="6350" cap="flat" cmpd="sng" algn="ctr">
-                      <a:solidFill>
-                        <a:srgbClr val="000000"/>
-                      </a:solidFill>
-                      <a:prstDash val="solid"/>
-                      <a:round/>
-                      <a:headEnd type="none" w="med" len="med"/>
-                      <a:tailEnd type="none" w="med" len="med"/>
-                    </a:lnB>
-                    <a:solidFill>
-                      <a:srgbClr val="9BC2E6"/>
-                    </a:solidFill>
-                  </a:tcPr>
-                </a:tc>
-                <a:tc>
-                  <a:txBody>
-                    <a:bodyPr/>
-                    <a:lstStyle/>
-                    <a:p>
-                      <a:pPr algn="ctr" fontAlgn="ctr"/>
-                      <a:r>
-                        <a:rPr lang="en-US" sz="1100" b="0" i="0" u="none" strike="noStrike">
-                          <a:solidFill>
-                            <a:srgbClr val="000000"/>
-                          </a:solidFill>
-                          <a:effectLst/>
-                          <a:latin typeface="Calibri" panose="020F0502020204030204" pitchFamily="34" charset="0"/>
-                        </a:rPr>
-                        <a:t>1.70E-04</a:t>
-                      </a:r>
-                    </a:p>
-                  </a:txBody>
-                  <a:tcPr marL="9525" marR="9525" marT="9525" marB="0" anchor="ctr">
-                    <a:lnL w="6350" cap="flat" cmpd="sng" algn="ctr">
-                      <a:solidFill>
-                        <a:srgbClr val="000000"/>
-                      </a:solidFill>
-                      <a:prstDash val="solid"/>
-                      <a:round/>
-                      <a:headEnd type="none" w="med" len="med"/>
-                      <a:tailEnd type="none" w="med" len="med"/>
-                    </a:lnL>
-                    <a:lnR w="12700" cap="flat" cmpd="sng" algn="ctr">
-                      <a:solidFill>
-                        <a:srgbClr val="000000"/>
-                      </a:solidFill>
-                      <a:prstDash val="solid"/>
-                      <a:round/>
-                      <a:headEnd type="none" w="med" len="med"/>
-                      <a:tailEnd type="none" w="med" len="med"/>
-                    </a:lnR>
-                    <a:lnT w="6350" cap="flat" cmpd="sng" algn="ctr">
-                      <a:solidFill>
-                        <a:srgbClr val="000000"/>
-                      </a:solidFill>
-                      <a:prstDash val="solid"/>
-                      <a:round/>
-                      <a:headEnd type="none" w="med" len="med"/>
-                      <a:tailEnd type="none" w="med" len="med"/>
-                    </a:lnT>
-                    <a:lnB w="6350" cap="flat" cmpd="sng" algn="ctr">
-                      <a:solidFill>
-                        <a:srgbClr val="000000"/>
-                      </a:solidFill>
-                      <a:prstDash val="solid"/>
-                      <a:round/>
-                      <a:headEnd type="none" w="med" len="med"/>
-                      <a:tailEnd type="none" w="med" len="med"/>
-                    </a:lnB>
-                    <a:solidFill>
-                      <a:srgbClr val="9BC2E6"/>
-                    </a:solidFill>
-                  </a:tcPr>
-                </a:tc>
-                <a:tc>
-                  <a:txBody>
-                    <a:bodyPr/>
-                    <a:lstStyle/>
-                    <a:p>
-                      <a:pPr algn="ctr" fontAlgn="ctr"/>
-                      <a:r>
-                        <a:rPr lang="en-US" sz="1100" b="0" i="0" u="none" strike="noStrike">
-                          <a:solidFill>
-                            <a:srgbClr val="000000"/>
-                          </a:solidFill>
-                          <a:effectLst/>
-                          <a:latin typeface="Calibri" panose="020F0502020204030204" pitchFamily="34" charset="0"/>
-                        </a:rPr>
-                        <a:t>5.445E-01</a:t>
-                      </a:r>
-                    </a:p>
-                  </a:txBody>
-                  <a:tcPr marL="9525" marR="9525" marT="9525" marB="0" anchor="ctr">
-                    <a:lnL w="12700" cap="flat" cmpd="sng" algn="ctr">
-                      <a:solidFill>
-                        <a:srgbClr val="000000"/>
-                      </a:solidFill>
-                      <a:prstDash val="solid"/>
-                      <a:round/>
-                      <a:headEnd type="none" w="med" len="med"/>
-                      <a:tailEnd type="none" w="med" len="med"/>
-                    </a:lnL>
-                    <a:lnR w="6350" cap="flat" cmpd="sng" algn="ctr">
-                      <a:solidFill>
-                        <a:srgbClr val="000000"/>
-                      </a:solidFill>
-                      <a:prstDash val="solid"/>
-                      <a:round/>
-                      <a:headEnd type="none" w="med" len="med"/>
-                      <a:tailEnd type="none" w="med" len="med"/>
-                    </a:lnR>
-                    <a:lnT w="6350" cap="flat" cmpd="sng" algn="ctr">
-                      <a:solidFill>
-                        <a:srgbClr val="000000"/>
-                      </a:solidFill>
-                      <a:prstDash val="solid"/>
-                      <a:round/>
-                      <a:headEnd type="none" w="med" len="med"/>
-                      <a:tailEnd type="none" w="med" len="med"/>
-                    </a:lnT>
-                    <a:lnB w="6350" cap="flat" cmpd="sng" algn="ctr">
-                      <a:solidFill>
-                        <a:srgbClr val="000000"/>
-                      </a:solidFill>
-                      <a:prstDash val="solid"/>
-                      <a:round/>
-                      <a:headEnd type="none" w="med" len="med"/>
-                      <a:tailEnd type="none" w="med" len="med"/>
-                    </a:lnB>
-                    <a:solidFill>
-                      <a:srgbClr val="9BC2E6"/>
-                    </a:solidFill>
-                  </a:tcPr>
-                </a:tc>
-                <a:tc>
-                  <a:txBody>
-                    <a:bodyPr/>
-                    <a:lstStyle/>
-                    <a:p>
-                      <a:pPr algn="ctr" fontAlgn="ctr"/>
-                      <a:r>
-                        <a:rPr lang="en-US" sz="1100" b="0" i="0" u="none" strike="noStrike">
-                          <a:solidFill>
-                            <a:srgbClr val="000000"/>
-                          </a:solidFill>
-                          <a:effectLst/>
-                          <a:latin typeface="Calibri" panose="020F0502020204030204" pitchFamily="34" charset="0"/>
-                        </a:rPr>
-                        <a:t>6.40E-04</a:t>
-                      </a:r>
-                    </a:p>
-                  </a:txBody>
-                  <a:tcPr marL="9525" marR="9525" marT="9525" marB="0" anchor="ctr">
-                    <a:lnL w="6350" cap="flat" cmpd="sng" algn="ctr">
-                      <a:solidFill>
-                        <a:srgbClr val="000000"/>
-                      </a:solidFill>
-                      <a:prstDash val="solid"/>
-                      <a:round/>
-                      <a:headEnd type="none" w="med" len="med"/>
-                      <a:tailEnd type="none" w="med" len="med"/>
-                    </a:lnL>
-                    <a:lnR w="12700" cap="flat" cmpd="sng" algn="ctr">
-                      <a:solidFill>
-                        <a:srgbClr val="000000"/>
-                      </a:solidFill>
-                      <a:prstDash val="solid"/>
-                      <a:round/>
-                      <a:headEnd type="none" w="med" len="med"/>
-                      <a:tailEnd type="none" w="med" len="med"/>
-                    </a:lnR>
-                    <a:lnT w="6350" cap="flat" cmpd="sng" algn="ctr">
-                      <a:solidFill>
-                        <a:srgbClr val="000000"/>
-                      </a:solidFill>
-                      <a:prstDash val="solid"/>
-                      <a:round/>
-                      <a:headEnd type="none" w="med" len="med"/>
-                      <a:tailEnd type="none" w="med" len="med"/>
-                    </a:lnT>
-                    <a:lnB w="6350" cap="flat" cmpd="sng" algn="ctr">
-                      <a:solidFill>
-                        <a:srgbClr val="000000"/>
-                      </a:solidFill>
-                      <a:prstDash val="solid"/>
-                      <a:round/>
-                      <a:headEnd type="none" w="med" len="med"/>
-                      <a:tailEnd type="none" w="med" len="med"/>
-                    </a:lnB>
-                    <a:solidFill>
-                      <a:srgbClr val="9BC2E6"/>
-                    </a:solidFill>
-                  </a:tcPr>
-                </a:tc>
-                <a:tc>
-                  <a:txBody>
-                    <a:bodyPr/>
-                    <a:lstStyle/>
-                    <a:p>
-                      <a:pPr algn="r" fontAlgn="b"/>
-                      <a:r>
-                        <a:rPr lang="en-US" sz="1100" b="0" i="0" u="none" strike="noStrike">
-                          <a:solidFill>
-                            <a:srgbClr val="000000"/>
-                          </a:solidFill>
-                          <a:effectLst/>
-                          <a:latin typeface="Calibri" panose="020F0502020204030204" pitchFamily="34" charset="0"/>
-                        </a:rPr>
-                        <a:t>9.114E-01</a:t>
-                      </a:r>
-                    </a:p>
-                  </a:txBody>
-                  <a:tcPr marL="9525" marR="9525" marT="9525" marB="0" anchor="b">
-                    <a:lnL w="12700" cap="flat" cmpd="sng" algn="ctr">
-                      <a:solidFill>
-                        <a:srgbClr val="000000"/>
-                      </a:solidFill>
-                      <a:prstDash val="solid"/>
-                      <a:round/>
-                      <a:headEnd type="none" w="med" len="med"/>
-                      <a:tailEnd type="none" w="med" len="med"/>
-                    </a:lnL>
-                    <a:lnR w="6350" cap="flat" cmpd="sng" algn="ctr">
-                      <a:solidFill>
-                        <a:srgbClr val="000000"/>
-                      </a:solidFill>
-                      <a:prstDash val="solid"/>
-                      <a:round/>
-                      <a:headEnd type="none" w="med" len="med"/>
-                      <a:tailEnd type="none" w="med" len="med"/>
-                    </a:lnR>
-                    <a:lnT w="6350" cap="flat" cmpd="sng" algn="ctr">
-                      <a:solidFill>
-                        <a:srgbClr val="000000"/>
-                      </a:solidFill>
-                      <a:prstDash val="solid"/>
-                      <a:round/>
-                      <a:headEnd type="none" w="med" len="med"/>
-                      <a:tailEnd type="none" w="med" len="med"/>
-                    </a:lnT>
-                    <a:lnB w="6350" cap="flat" cmpd="sng" algn="ctr">
-                      <a:solidFill>
-                        <a:srgbClr val="000000"/>
-                      </a:solidFill>
-                      <a:prstDash val="solid"/>
-                      <a:round/>
-                      <a:headEnd type="none" w="med" len="med"/>
-                      <a:tailEnd type="none" w="med" len="med"/>
-                    </a:lnB>
-                    <a:solidFill>
-                      <a:srgbClr val="9BC2E6"/>
-                    </a:solidFill>
-                  </a:tcPr>
-                </a:tc>
-                <a:tc>
-                  <a:txBody>
-                    <a:bodyPr/>
-                    <a:lstStyle/>
-                    <a:p>
-                      <a:pPr algn="r" fontAlgn="b"/>
-                      <a:r>
-                        <a:rPr lang="en-US" sz="1100" b="0" i="0" u="none" strike="noStrike">
-                          <a:solidFill>
-                            <a:srgbClr val="000000"/>
-                          </a:solidFill>
-                          <a:effectLst/>
-                          <a:latin typeface="Calibri" panose="020F0502020204030204" pitchFamily="34" charset="0"/>
-                        </a:rPr>
-                        <a:t>1.90E-03</a:t>
-                      </a:r>
-                    </a:p>
-                  </a:txBody>
-                  <a:tcPr marL="9525" marR="9525" marT="9525" marB="0" anchor="b">
-                    <a:lnL w="6350" cap="flat" cmpd="sng" algn="ctr">
-                      <a:solidFill>
-                        <a:srgbClr val="000000"/>
-                      </a:solidFill>
-                      <a:prstDash val="solid"/>
-                      <a:round/>
-                      <a:headEnd type="none" w="med" len="med"/>
-                      <a:tailEnd type="none" w="med" len="med"/>
-                    </a:lnL>
-                    <a:lnR w="12700" cap="flat" cmpd="sng" algn="ctr">
-                      <a:solidFill>
-                        <a:srgbClr val="000000"/>
-                      </a:solidFill>
-                      <a:prstDash val="solid"/>
-                      <a:round/>
-                      <a:headEnd type="none" w="med" len="med"/>
-                      <a:tailEnd type="none" w="med" len="med"/>
-                    </a:lnR>
-                    <a:lnT w="6350" cap="flat" cmpd="sng" algn="ctr">
-                      <a:solidFill>
-                        <a:srgbClr val="000000"/>
-                      </a:solidFill>
-                      <a:prstDash val="solid"/>
-                      <a:round/>
-                      <a:headEnd type="none" w="med" len="med"/>
-                      <a:tailEnd type="none" w="med" len="med"/>
-                    </a:lnT>
-                    <a:lnB w="6350" cap="flat" cmpd="sng" algn="ctr">
-                      <a:solidFill>
-                        <a:srgbClr val="000000"/>
-                      </a:solidFill>
-                      <a:prstDash val="solid"/>
-                      <a:round/>
-                      <a:headEnd type="none" w="med" len="med"/>
-                      <a:tailEnd type="none" w="med" len="med"/>
-                    </a:lnB>
-                    <a:solidFill>
-                      <a:srgbClr val="9BC2E6"/>
-                    </a:solidFill>
-                  </a:tcPr>
-                </a:tc>
-                <a:tc>
-                  <a:txBody>
-                    <a:bodyPr/>
-                    <a:lstStyle/>
-                    <a:p>
-                      <a:pPr algn="ctr" fontAlgn="ctr"/>
-                      <a:r>
-                        <a:rPr lang="en-US" sz="1100" b="0" i="0" u="none" strike="noStrike">
-                          <a:solidFill>
-                            <a:srgbClr val="000000"/>
-                          </a:solidFill>
-                          <a:effectLst/>
-                          <a:latin typeface="Calibri" panose="020F0502020204030204" pitchFamily="34" charset="0"/>
-                        </a:rPr>
-                        <a:t>-</a:t>
-                      </a:r>
-                    </a:p>
-                  </a:txBody>
-                  <a:tcPr marL="9525" marR="9525" marT="9525" marB="0" anchor="ctr">
-                    <a:lnL w="12700" cap="flat" cmpd="sng" algn="ctr">
-                      <a:solidFill>
-                        <a:srgbClr val="000000"/>
-                      </a:solidFill>
-                      <a:prstDash val="solid"/>
-                      <a:round/>
-                      <a:headEnd type="none" w="med" len="med"/>
-                      <a:tailEnd type="none" w="med" len="med"/>
-                    </a:lnL>
-                    <a:lnR w="6350" cap="flat" cmpd="sng" algn="ctr">
-                      <a:solidFill>
-                        <a:srgbClr val="000000"/>
-                      </a:solidFill>
-                      <a:prstDash val="solid"/>
-                      <a:round/>
-                      <a:headEnd type="none" w="med" len="med"/>
-                      <a:tailEnd type="none" w="med" len="med"/>
-                    </a:lnR>
-                    <a:lnT w="6350" cap="flat" cmpd="sng" algn="ctr">
-                      <a:solidFill>
-                        <a:srgbClr val="000000"/>
-                      </a:solidFill>
-                      <a:prstDash val="solid"/>
-                      <a:round/>
-                      <a:headEnd type="none" w="med" len="med"/>
-                      <a:tailEnd type="none" w="med" len="med"/>
-                    </a:lnT>
-                    <a:lnB w="6350" cap="flat" cmpd="sng" algn="ctr">
-                      <a:solidFill>
-                        <a:srgbClr val="000000"/>
-                      </a:solidFill>
-                      <a:prstDash val="solid"/>
-                      <a:round/>
-                      <a:headEnd type="none" w="med" len="med"/>
-                      <a:tailEnd type="none" w="med" len="med"/>
-                    </a:lnB>
-                    <a:solidFill>
-                      <a:srgbClr val="FF0000"/>
-                    </a:solidFill>
-                  </a:tcPr>
-                </a:tc>
-                <a:tc>
-                  <a:txBody>
-                    <a:bodyPr/>
-                    <a:lstStyle/>
-                    <a:p>
-                      <a:pPr algn="ctr" fontAlgn="ctr"/>
-                      <a:r>
-                        <a:rPr lang="en-US" sz="1100" b="0" i="0" u="none" strike="noStrike">
-                          <a:solidFill>
-                            <a:srgbClr val="000000"/>
-                          </a:solidFill>
-                          <a:effectLst/>
-                          <a:latin typeface="Calibri" panose="020F0502020204030204" pitchFamily="34" charset="0"/>
-                        </a:rPr>
-                        <a:t>-</a:t>
-                      </a:r>
-                    </a:p>
-                  </a:txBody>
-                  <a:tcPr marL="9525" marR="9525" marT="9525" marB="0" anchor="ctr">
-                    <a:lnL w="6350" cap="flat" cmpd="sng" algn="ctr">
-                      <a:solidFill>
-                        <a:srgbClr val="000000"/>
-                      </a:solidFill>
-                      <a:prstDash val="solid"/>
-                      <a:round/>
-                      <a:headEnd type="none" w="med" len="med"/>
-                      <a:tailEnd type="none" w="med" len="med"/>
-                    </a:lnL>
-                    <a:lnR w="6350" cap="flat" cmpd="sng" algn="ctr">
-                      <a:solidFill>
-                        <a:srgbClr val="000000"/>
-                      </a:solidFill>
-                      <a:prstDash val="solid"/>
-                      <a:round/>
-                      <a:headEnd type="none" w="med" len="med"/>
-                      <a:tailEnd type="none" w="med" len="med"/>
-                    </a:lnR>
-                    <a:lnT w="6350" cap="flat" cmpd="sng" algn="ctr">
-                      <a:solidFill>
-                        <a:srgbClr val="000000"/>
-                      </a:solidFill>
-                      <a:prstDash val="solid"/>
-                      <a:round/>
-                      <a:headEnd type="none" w="med" len="med"/>
-                      <a:tailEnd type="none" w="med" len="med"/>
-                    </a:lnT>
-                    <a:lnB w="6350" cap="flat" cmpd="sng" algn="ctr">
-                      <a:solidFill>
-                        <a:srgbClr val="000000"/>
-                      </a:solidFill>
-                      <a:prstDash val="solid"/>
-                      <a:round/>
-                      <a:headEnd type="none" w="med" len="med"/>
-                      <a:tailEnd type="none" w="med" len="med"/>
-                    </a:lnB>
-                    <a:solidFill>
-                      <a:srgbClr val="FF0000"/>
-                    </a:solidFill>
-                  </a:tcPr>
-                </a:tc>
-                <a:tc>
-                  <a:txBody>
-                    <a:bodyPr/>
-                    <a:lstStyle/>
-                    <a:p>
-                      <a:pPr algn="ctr" fontAlgn="ctr"/>
-                      <a:r>
-                        <a:rPr lang="en-US" sz="1100" b="0" i="0" u="none" strike="noStrike">
-                          <a:solidFill>
-                            <a:srgbClr val="000000"/>
-                          </a:solidFill>
-                          <a:effectLst/>
-                          <a:latin typeface="Calibri" panose="020F0502020204030204" pitchFamily="34" charset="0"/>
-                        </a:rPr>
-                        <a:t>~</a:t>
-                      </a:r>
-                    </a:p>
-                  </a:txBody>
-                  <a:tcPr marL="9525" marR="9525" marT="9525" marB="0" anchor="ctr">
-                    <a:lnL w="6350" cap="flat" cmpd="sng" algn="ctr">
-                      <a:solidFill>
-                        <a:srgbClr val="000000"/>
-                      </a:solidFill>
-                      <a:prstDash val="solid"/>
-                      <a:round/>
-                      <a:headEnd type="none" w="med" len="med"/>
-                      <a:tailEnd type="none" w="med" len="med"/>
-                    </a:lnL>
-                    <a:lnR w="12700" cap="flat" cmpd="sng" algn="ctr">
-                      <a:solidFill>
-                        <a:srgbClr val="000000"/>
-                      </a:solidFill>
-                      <a:prstDash val="solid"/>
-                      <a:round/>
-                      <a:headEnd type="none" w="med" len="med"/>
-                      <a:tailEnd type="none" w="med" len="med"/>
-                    </a:lnR>
-                    <a:lnT w="6350" cap="flat" cmpd="sng" algn="ctr">
-                      <a:solidFill>
-                        <a:srgbClr val="000000"/>
-                      </a:solidFill>
-                      <a:prstDash val="solid"/>
-                      <a:round/>
-                      <a:headEnd type="none" w="med" len="med"/>
-                      <a:tailEnd type="none" w="med" len="med"/>
-                    </a:lnT>
-                    <a:lnB w="6350" cap="flat" cmpd="sng" algn="ctr">
-                      <a:solidFill>
-                        <a:srgbClr val="000000"/>
-                      </a:solidFill>
-                      <a:prstDash val="solid"/>
-                      <a:round/>
-                      <a:headEnd type="none" w="med" len="med"/>
-                      <a:tailEnd type="none" w="med" len="med"/>
-                    </a:lnB>
-                    <a:solidFill>
-                      <a:srgbClr val="00B0F0"/>
-                    </a:solidFill>
-                  </a:tcPr>
-                </a:tc>
-                <a:extLst>
-                  <a:ext uri="{0D108BD9-81ED-4DB2-BD59-A6C34878D82A}">
-                    <a16:rowId xmlns:a16="http://schemas.microsoft.com/office/drawing/2014/main" val="2036312609"/>
-                  </a:ext>
-                </a:extLst>
-              </a:tr>
-              <a:tr h="190500">
-                <a:tc>
-                  <a:txBody>
-                    <a:bodyPr/>
-                    <a:lstStyle/>
-                    <a:p>
-                      <a:pPr algn="ctr" fontAlgn="ctr"/>
-                      <a:r>
-                        <a:rPr lang="en-US" sz="1100" b="0" i="0" u="none" strike="noStrike">
-                          <a:solidFill>
-                            <a:srgbClr val="000000"/>
-                          </a:solidFill>
-                          <a:effectLst/>
-                          <a:latin typeface="Calibri" panose="020F0502020204030204" pitchFamily="34" charset="0"/>
-                        </a:rPr>
-                        <a:t>Ease_Random</a:t>
-                      </a:r>
-                    </a:p>
-                  </a:txBody>
-                  <a:tcPr marL="9525" marR="9525" marT="9525" marB="0" anchor="ctr">
-                    <a:lnL w="12700" cap="flat" cmpd="sng" algn="ctr">
-                      <a:solidFill>
-                        <a:srgbClr val="000000"/>
-                      </a:solidFill>
-                      <a:prstDash val="solid"/>
-                      <a:round/>
-                      <a:headEnd type="none" w="med" len="med"/>
-                      <a:tailEnd type="none" w="med" len="med"/>
-                    </a:lnL>
-                    <a:lnR w="12700" cap="flat" cmpd="sng" algn="ctr">
-                      <a:solidFill>
-                        <a:srgbClr val="000000"/>
-                      </a:solidFill>
-                      <a:prstDash val="solid"/>
-                      <a:round/>
-                      <a:headEnd type="none" w="med" len="med"/>
-                      <a:tailEnd type="none" w="med" len="med"/>
-                    </a:lnR>
-                    <a:lnT w="6350" cap="flat" cmpd="sng" algn="ctr">
-                      <a:solidFill>
-                        <a:srgbClr val="000000"/>
-                      </a:solidFill>
-                      <a:prstDash val="solid"/>
-                      <a:round/>
-                      <a:headEnd type="none" w="med" len="med"/>
-                      <a:tailEnd type="none" w="med" len="med"/>
-                    </a:lnT>
-                    <a:lnB w="6350" cap="flat" cmpd="sng" algn="ctr">
-                      <a:solidFill>
-                        <a:srgbClr val="000000"/>
-                      </a:solidFill>
-                      <a:prstDash val="solid"/>
-                      <a:round/>
-                      <a:headEnd type="none" w="med" len="med"/>
-                      <a:tailEnd type="none" w="med" len="med"/>
-                    </a:lnB>
-                    <a:solidFill>
-                      <a:srgbClr val="9BC2E6"/>
-                    </a:solidFill>
-                  </a:tcPr>
-                </a:tc>
-                <a:tc>
-                  <a:txBody>
-                    <a:bodyPr/>
-                    <a:lstStyle/>
-                    <a:p>
-                      <a:pPr algn="ctr" fontAlgn="ctr"/>
-                      <a:r>
-                        <a:rPr lang="en-US" sz="1100" b="0" i="0" u="none" strike="noStrike">
-                          <a:solidFill>
-                            <a:srgbClr val="000000"/>
-                          </a:solidFill>
-                          <a:effectLst/>
-                          <a:latin typeface="Calibri" panose="020F0502020204030204" pitchFamily="34" charset="0"/>
-                        </a:rPr>
-                        <a:t>2.287E-01</a:t>
-                      </a:r>
-                    </a:p>
-                  </a:txBody>
-                  <a:tcPr marL="9525" marR="9525" marT="9525" marB="0" anchor="ctr">
-                    <a:lnL w="12700" cap="flat" cmpd="sng" algn="ctr">
-                      <a:solidFill>
-                        <a:srgbClr val="000000"/>
-                      </a:solidFill>
-                      <a:prstDash val="solid"/>
-                      <a:round/>
-                      <a:headEnd type="none" w="med" len="med"/>
-                      <a:tailEnd type="none" w="med" len="med"/>
-                    </a:lnL>
-                    <a:lnR w="6350" cap="flat" cmpd="sng" algn="ctr">
-                      <a:solidFill>
-                        <a:srgbClr val="000000"/>
-                      </a:solidFill>
-                      <a:prstDash val="solid"/>
-                      <a:round/>
-                      <a:headEnd type="none" w="med" len="med"/>
-                      <a:tailEnd type="none" w="med" len="med"/>
-                    </a:lnR>
-                    <a:lnT w="6350" cap="flat" cmpd="sng" algn="ctr">
-                      <a:solidFill>
-                        <a:srgbClr val="000000"/>
-                      </a:solidFill>
-                      <a:prstDash val="solid"/>
-                      <a:round/>
-                      <a:headEnd type="none" w="med" len="med"/>
-                      <a:tailEnd type="none" w="med" len="med"/>
-                    </a:lnT>
-                    <a:lnB w="6350" cap="flat" cmpd="sng" algn="ctr">
-                      <a:solidFill>
-                        <a:srgbClr val="000000"/>
-                      </a:solidFill>
-                      <a:prstDash val="solid"/>
-                      <a:round/>
-                      <a:headEnd type="none" w="med" len="med"/>
-                      <a:tailEnd type="none" w="med" len="med"/>
-                    </a:lnB>
-                    <a:solidFill>
-                      <a:srgbClr val="9BC2E6"/>
-                    </a:solidFill>
-                  </a:tcPr>
-                </a:tc>
-                <a:tc>
-                  <a:txBody>
-                    <a:bodyPr/>
-                    <a:lstStyle/>
-                    <a:p>
-                      <a:pPr algn="ctr" fontAlgn="ctr"/>
-                      <a:r>
-                        <a:rPr lang="en-US" sz="1100" b="0" i="0" u="none" strike="noStrike">
-                          <a:solidFill>
-                            <a:srgbClr val="000000"/>
-                          </a:solidFill>
-                          <a:effectLst/>
-                          <a:latin typeface="Calibri" panose="020F0502020204030204" pitchFamily="34" charset="0"/>
-                        </a:rPr>
-                        <a:t>1.00E-04</a:t>
-                      </a:r>
-                    </a:p>
-                  </a:txBody>
-                  <a:tcPr marL="9525" marR="9525" marT="9525" marB="0" anchor="ctr">
-                    <a:lnL w="6350" cap="flat" cmpd="sng" algn="ctr">
-                      <a:solidFill>
-                        <a:srgbClr val="000000"/>
-                      </a:solidFill>
-                      <a:prstDash val="solid"/>
-                      <a:round/>
-                      <a:headEnd type="none" w="med" len="med"/>
-                      <a:tailEnd type="none" w="med" len="med"/>
-                    </a:lnL>
-                    <a:lnR w="12700" cap="flat" cmpd="sng" algn="ctr">
-                      <a:solidFill>
-                        <a:srgbClr val="000000"/>
-                      </a:solidFill>
-                      <a:prstDash val="solid"/>
-                      <a:round/>
-                      <a:headEnd type="none" w="med" len="med"/>
-                      <a:tailEnd type="none" w="med" len="med"/>
-                    </a:lnR>
-                    <a:lnT w="6350" cap="flat" cmpd="sng" algn="ctr">
-                      <a:solidFill>
-                        <a:srgbClr val="000000"/>
-                      </a:solidFill>
-                      <a:prstDash val="solid"/>
-                      <a:round/>
-                      <a:headEnd type="none" w="med" len="med"/>
-                      <a:tailEnd type="none" w="med" len="med"/>
-                    </a:lnT>
-                    <a:lnB w="6350" cap="flat" cmpd="sng" algn="ctr">
-                      <a:solidFill>
-                        <a:srgbClr val="000000"/>
-                      </a:solidFill>
-                      <a:prstDash val="solid"/>
-                      <a:round/>
-                      <a:headEnd type="none" w="med" len="med"/>
-                      <a:tailEnd type="none" w="med" len="med"/>
-                    </a:lnB>
-                    <a:solidFill>
-                      <a:srgbClr val="9BC2E6"/>
-                    </a:solidFill>
-                  </a:tcPr>
-                </a:tc>
-                <a:tc>
-                  <a:txBody>
-                    <a:bodyPr/>
-                    <a:lstStyle/>
-                    <a:p>
-                      <a:pPr algn="ctr" fontAlgn="ctr"/>
-                      <a:r>
-                        <a:rPr lang="en-US" sz="1100" b="0" i="0" u="none" strike="noStrike">
-                          <a:solidFill>
-                            <a:srgbClr val="000000"/>
-                          </a:solidFill>
-                          <a:effectLst/>
-                          <a:latin typeface="Calibri" panose="020F0502020204030204" pitchFamily="34" charset="0"/>
-                        </a:rPr>
-                        <a:t>5.420E-01</a:t>
-                      </a:r>
-                    </a:p>
-                  </a:txBody>
-                  <a:tcPr marL="9525" marR="9525" marT="9525" marB="0" anchor="ctr">
-                    <a:lnL w="12700" cap="flat" cmpd="sng" algn="ctr">
-                      <a:solidFill>
-                        <a:srgbClr val="000000"/>
-                      </a:solidFill>
-                      <a:prstDash val="solid"/>
-                      <a:round/>
-                      <a:headEnd type="none" w="med" len="med"/>
-                      <a:tailEnd type="none" w="med" len="med"/>
-                    </a:lnL>
-                    <a:lnR w="6350" cap="flat" cmpd="sng" algn="ctr">
-                      <a:solidFill>
-                        <a:srgbClr val="000000"/>
-                      </a:solidFill>
-                      <a:prstDash val="solid"/>
-                      <a:round/>
-                      <a:headEnd type="none" w="med" len="med"/>
-                      <a:tailEnd type="none" w="med" len="med"/>
-                    </a:lnR>
-                    <a:lnT w="6350" cap="flat" cmpd="sng" algn="ctr">
-                      <a:solidFill>
-                        <a:srgbClr val="000000"/>
-                      </a:solidFill>
-                      <a:prstDash val="solid"/>
-                      <a:round/>
-                      <a:headEnd type="none" w="med" len="med"/>
-                      <a:tailEnd type="none" w="med" len="med"/>
-                    </a:lnT>
-                    <a:lnB w="6350" cap="flat" cmpd="sng" algn="ctr">
-                      <a:solidFill>
-                        <a:srgbClr val="000000"/>
-                      </a:solidFill>
-                      <a:prstDash val="solid"/>
-                      <a:round/>
-                      <a:headEnd type="none" w="med" len="med"/>
-                      <a:tailEnd type="none" w="med" len="med"/>
-                    </a:lnB>
-                    <a:solidFill>
-                      <a:srgbClr val="9BC2E6"/>
-                    </a:solidFill>
-                  </a:tcPr>
-                </a:tc>
-                <a:tc>
-                  <a:txBody>
-                    <a:bodyPr/>
-                    <a:lstStyle/>
-                    <a:p>
-                      <a:pPr algn="ctr" fontAlgn="ctr"/>
-                      <a:r>
-                        <a:rPr lang="en-US" sz="1100" b="0" i="0" u="none" strike="noStrike">
-                          <a:solidFill>
-                            <a:srgbClr val="000000"/>
-                          </a:solidFill>
-                          <a:effectLst/>
-                          <a:latin typeface="Calibri" panose="020F0502020204030204" pitchFamily="34" charset="0"/>
-                        </a:rPr>
-                        <a:t>3.80E-04</a:t>
-                      </a:r>
-                    </a:p>
-                  </a:txBody>
-                  <a:tcPr marL="9525" marR="9525" marT="9525" marB="0" anchor="ctr">
-                    <a:lnL w="6350" cap="flat" cmpd="sng" algn="ctr">
-                      <a:solidFill>
-                        <a:srgbClr val="000000"/>
-                      </a:solidFill>
-                      <a:prstDash val="solid"/>
-                      <a:round/>
-                      <a:headEnd type="none" w="med" len="med"/>
-                      <a:tailEnd type="none" w="med" len="med"/>
-                    </a:lnL>
-                    <a:lnR w="12700" cap="flat" cmpd="sng" algn="ctr">
-                      <a:solidFill>
-                        <a:srgbClr val="000000"/>
-                      </a:solidFill>
-                      <a:prstDash val="solid"/>
-                      <a:round/>
-                      <a:headEnd type="none" w="med" len="med"/>
-                      <a:tailEnd type="none" w="med" len="med"/>
-                    </a:lnR>
-                    <a:lnT w="6350" cap="flat" cmpd="sng" algn="ctr">
-                      <a:solidFill>
-                        <a:srgbClr val="000000"/>
-                      </a:solidFill>
-                      <a:prstDash val="solid"/>
-                      <a:round/>
-                      <a:headEnd type="none" w="med" len="med"/>
-                      <a:tailEnd type="none" w="med" len="med"/>
-                    </a:lnT>
-                    <a:lnB w="6350" cap="flat" cmpd="sng" algn="ctr">
-                      <a:solidFill>
-                        <a:srgbClr val="000000"/>
-                      </a:solidFill>
-                      <a:prstDash val="solid"/>
-                      <a:round/>
-                      <a:headEnd type="none" w="med" len="med"/>
-                      <a:tailEnd type="none" w="med" len="med"/>
-                    </a:lnB>
-                    <a:solidFill>
-                      <a:srgbClr val="9BC2E6"/>
-                    </a:solidFill>
-                  </a:tcPr>
-                </a:tc>
-                <a:tc>
-                  <a:txBody>
-                    <a:bodyPr/>
-                    <a:lstStyle/>
-                    <a:p>
-                      <a:pPr algn="r" fontAlgn="b"/>
-                      <a:r>
-                        <a:rPr lang="en-US" sz="1100" b="0" i="0" u="none" strike="noStrike">
-                          <a:solidFill>
-                            <a:srgbClr val="000000"/>
-                          </a:solidFill>
-                          <a:effectLst/>
-                          <a:latin typeface="Calibri" panose="020F0502020204030204" pitchFamily="34" charset="0"/>
-                        </a:rPr>
-                        <a:t>9.161E-01</a:t>
-                      </a:r>
-                    </a:p>
-                  </a:txBody>
-                  <a:tcPr marL="9525" marR="9525" marT="9525" marB="0" anchor="b">
-                    <a:lnL w="12700" cap="flat" cmpd="sng" algn="ctr">
-                      <a:solidFill>
-                        <a:srgbClr val="000000"/>
-                      </a:solidFill>
-                      <a:prstDash val="solid"/>
-                      <a:round/>
-                      <a:headEnd type="none" w="med" len="med"/>
-                      <a:tailEnd type="none" w="med" len="med"/>
-                    </a:lnL>
-                    <a:lnR w="6350" cap="flat" cmpd="sng" algn="ctr">
-                      <a:solidFill>
-                        <a:srgbClr val="000000"/>
-                      </a:solidFill>
-                      <a:prstDash val="solid"/>
-                      <a:round/>
-                      <a:headEnd type="none" w="med" len="med"/>
-                      <a:tailEnd type="none" w="med" len="med"/>
-                    </a:lnR>
-                    <a:lnT w="6350" cap="flat" cmpd="sng" algn="ctr">
-                      <a:solidFill>
-                        <a:srgbClr val="000000"/>
-                      </a:solidFill>
-                      <a:prstDash val="solid"/>
-                      <a:round/>
-                      <a:headEnd type="none" w="med" len="med"/>
-                      <a:tailEnd type="none" w="med" len="med"/>
-                    </a:lnT>
-                    <a:lnB w="6350" cap="flat" cmpd="sng" algn="ctr">
-                      <a:solidFill>
-                        <a:srgbClr val="000000"/>
-                      </a:solidFill>
-                      <a:prstDash val="solid"/>
-                      <a:round/>
-                      <a:headEnd type="none" w="med" len="med"/>
-                      <a:tailEnd type="none" w="med" len="med"/>
-                    </a:lnB>
-                    <a:solidFill>
-                      <a:srgbClr val="9BC2E6"/>
-                    </a:solidFill>
-                  </a:tcPr>
-                </a:tc>
-                <a:tc>
-                  <a:txBody>
-                    <a:bodyPr/>
-                    <a:lstStyle/>
-                    <a:p>
-                      <a:pPr algn="r" fontAlgn="b"/>
-                      <a:r>
-                        <a:rPr lang="en-US" sz="1100" b="0" i="0" u="none" strike="noStrike">
-                          <a:solidFill>
-                            <a:srgbClr val="000000"/>
-                          </a:solidFill>
-                          <a:effectLst/>
-                          <a:latin typeface="Calibri" panose="020F0502020204030204" pitchFamily="34" charset="0"/>
-                        </a:rPr>
-                        <a:t>1.53E-03</a:t>
-                      </a:r>
-                    </a:p>
-                  </a:txBody>
-                  <a:tcPr marL="9525" marR="9525" marT="9525" marB="0" anchor="b">
-                    <a:lnL w="6350" cap="flat" cmpd="sng" algn="ctr">
-                      <a:solidFill>
-                        <a:srgbClr val="000000"/>
-                      </a:solidFill>
-                      <a:prstDash val="solid"/>
-                      <a:round/>
-                      <a:headEnd type="none" w="med" len="med"/>
-                      <a:tailEnd type="none" w="med" len="med"/>
-                    </a:lnL>
-                    <a:lnR w="12700" cap="flat" cmpd="sng" algn="ctr">
-                      <a:solidFill>
-                        <a:srgbClr val="000000"/>
-                      </a:solidFill>
-                      <a:prstDash val="solid"/>
-                      <a:round/>
-                      <a:headEnd type="none" w="med" len="med"/>
-                      <a:tailEnd type="none" w="med" len="med"/>
-                    </a:lnR>
-                    <a:lnT w="6350" cap="flat" cmpd="sng" algn="ctr">
-                      <a:solidFill>
-                        <a:srgbClr val="000000"/>
-                      </a:solidFill>
-                      <a:prstDash val="solid"/>
-                      <a:round/>
-                      <a:headEnd type="none" w="med" len="med"/>
-                      <a:tailEnd type="none" w="med" len="med"/>
-                    </a:lnT>
-                    <a:lnB w="6350" cap="flat" cmpd="sng" algn="ctr">
-                      <a:solidFill>
-                        <a:srgbClr val="000000"/>
-                      </a:solidFill>
-                      <a:prstDash val="solid"/>
-                      <a:round/>
-                      <a:headEnd type="none" w="med" len="med"/>
-                      <a:tailEnd type="none" w="med" len="med"/>
-                    </a:lnB>
-                    <a:solidFill>
-                      <a:srgbClr val="9BC2E6"/>
-                    </a:solidFill>
-                  </a:tcPr>
-                </a:tc>
-                <a:tc gridSpan="2">
-                  <a:txBody>
-                    <a:bodyPr/>
-                    <a:lstStyle/>
-                    <a:p>
-                      <a:pPr algn="ctr" fontAlgn="ctr"/>
-                      <a:r>
-                        <a:rPr lang="en-US" sz="1100" b="0" i="0" u="none" strike="noStrike">
-                          <a:solidFill>
-                            <a:srgbClr val="000000"/>
-                          </a:solidFill>
-                          <a:effectLst/>
-                          <a:latin typeface="Calibri" panose="020F0502020204030204" pitchFamily="34" charset="0"/>
-                        </a:rPr>
-                        <a:t>Reference</a:t>
-                      </a:r>
-                    </a:p>
-                  </a:txBody>
-                  <a:tcPr marL="9525" marR="9525" marT="9525" marB="0" anchor="ctr">
-                    <a:lnL w="12700" cap="flat" cmpd="sng" algn="ctr">
-                      <a:solidFill>
-                        <a:srgbClr val="000000"/>
-                      </a:solidFill>
-                      <a:prstDash val="solid"/>
-                      <a:round/>
-                      <a:headEnd type="none" w="med" len="med"/>
-                      <a:tailEnd type="none" w="med" len="med"/>
-                    </a:lnL>
-                    <a:lnR w="6350" cap="flat" cmpd="sng" algn="ctr">
-                      <a:solidFill>
-                        <a:srgbClr val="000000"/>
-                      </a:solidFill>
-                      <a:prstDash val="solid"/>
-                      <a:round/>
-                      <a:headEnd type="none" w="med" len="med"/>
-                      <a:tailEnd type="none" w="med" len="med"/>
-                    </a:lnR>
-                    <a:lnT w="6350" cap="flat" cmpd="sng" algn="ctr">
-                      <a:solidFill>
-                        <a:srgbClr val="000000"/>
-                      </a:solidFill>
-                      <a:prstDash val="solid"/>
-                      <a:round/>
-                      <a:headEnd type="none" w="med" len="med"/>
-                      <a:tailEnd type="none" w="med" len="med"/>
-                    </a:lnT>
-                    <a:lnB w="6350" cap="flat" cmpd="sng" algn="ctr">
-                      <a:solidFill>
-                        <a:srgbClr val="000000"/>
-                      </a:solidFill>
-                      <a:prstDash val="solid"/>
-                      <a:round/>
-                      <a:headEnd type="none" w="med" len="med"/>
-                      <a:tailEnd type="none" w="med" len="med"/>
-                    </a:lnB>
-                    <a:solidFill>
-                      <a:srgbClr val="92D050"/>
-                    </a:solidFill>
-                  </a:tcPr>
-                </a:tc>
-                <a:tc hMerge="1">
-                  <a:txBody>
-                    <a:bodyPr/>
-                    <a:lstStyle/>
-                    <a:p>
-                      <a:endParaRPr lang="en-US"/>
-                    </a:p>
-                  </a:txBody>
-                  <a:tcPr/>
-                </a:tc>
-                <a:tc>
-                  <a:txBody>
-                    <a:bodyPr/>
-                    <a:lstStyle/>
-                    <a:p>
-                      <a:pPr algn="ctr" fontAlgn="ctr"/>
-                      <a:r>
-                        <a:rPr lang="en-US" sz="1100" b="0" i="0" u="none" strike="noStrike">
-                          <a:solidFill>
-                            <a:srgbClr val="000000"/>
-                          </a:solidFill>
-                          <a:effectLst/>
-                          <a:latin typeface="Calibri" panose="020F0502020204030204" pitchFamily="34" charset="0"/>
-                        </a:rPr>
-                        <a:t>-</a:t>
-                      </a:r>
-                    </a:p>
-                  </a:txBody>
-                  <a:tcPr marL="9525" marR="9525" marT="9525" marB="0" anchor="ctr">
-                    <a:lnL w="6350" cap="flat" cmpd="sng" algn="ctr">
-                      <a:solidFill>
-                        <a:srgbClr val="000000"/>
-                      </a:solidFill>
-                      <a:prstDash val="solid"/>
-                      <a:round/>
-                      <a:headEnd type="none" w="med" len="med"/>
-                      <a:tailEnd type="none" w="med" len="med"/>
-                    </a:lnL>
-                    <a:lnR w="12700" cap="flat" cmpd="sng" algn="ctr">
-                      <a:solidFill>
-                        <a:srgbClr val="000000"/>
-                      </a:solidFill>
-                      <a:prstDash val="solid"/>
-                      <a:round/>
-                      <a:headEnd type="none" w="med" len="med"/>
-                      <a:tailEnd type="none" w="med" len="med"/>
-                    </a:lnR>
-                    <a:lnT w="6350" cap="flat" cmpd="sng" algn="ctr">
-                      <a:solidFill>
-                        <a:srgbClr val="000000"/>
-                      </a:solidFill>
-                      <a:prstDash val="solid"/>
-                      <a:round/>
-                      <a:headEnd type="none" w="med" len="med"/>
-                      <a:tailEnd type="none" w="med" len="med"/>
-                    </a:lnT>
-                    <a:lnB w="6350" cap="flat" cmpd="sng" algn="ctr">
-                      <a:solidFill>
-                        <a:srgbClr val="000000"/>
-                      </a:solidFill>
-                      <a:prstDash val="solid"/>
-                      <a:round/>
-                      <a:headEnd type="none" w="med" len="med"/>
-                      <a:tailEnd type="none" w="med" len="med"/>
-                    </a:lnB>
-                    <a:solidFill>
-                      <a:srgbClr val="FF0000"/>
-                    </a:solidFill>
-                  </a:tcPr>
-                </a:tc>
-                <a:extLst>
-                  <a:ext uri="{0D108BD9-81ED-4DB2-BD59-A6C34878D82A}">
-                    <a16:rowId xmlns:a16="http://schemas.microsoft.com/office/drawing/2014/main" val="259180657"/>
-                  </a:ext>
-                </a:extLst>
-              </a:tr>
-              <a:tr h="200025">
-                <a:tc>
-                  <a:txBody>
-                    <a:bodyPr/>
-                    <a:lstStyle/>
-                    <a:p>
-                      <a:pPr algn="ctr" fontAlgn="ctr"/>
-                      <a:r>
-                        <a:rPr lang="en-US" sz="1100" b="0" i="0" u="none" strike="noStrike">
-                          <a:solidFill>
-                            <a:srgbClr val="000000"/>
-                          </a:solidFill>
-                          <a:effectLst/>
-                          <a:latin typeface="Calibri" panose="020F0502020204030204" pitchFamily="34" charset="0"/>
-                        </a:rPr>
-                        <a:t>Ease_Combine</a:t>
-                      </a:r>
-                    </a:p>
-                  </a:txBody>
-                  <a:tcPr marL="9525" marR="9525" marT="9525" marB="0" anchor="ctr">
-                    <a:lnL w="12700" cap="flat" cmpd="sng" algn="ctr">
-                      <a:solidFill>
-                        <a:srgbClr val="000000"/>
-                      </a:solidFill>
-                      <a:prstDash val="solid"/>
-                      <a:round/>
-                      <a:headEnd type="none" w="med" len="med"/>
-                      <a:tailEnd type="none" w="med" len="med"/>
-                    </a:lnL>
-                    <a:lnR w="12700" cap="flat" cmpd="sng" algn="ctr">
-                      <a:solidFill>
-                        <a:srgbClr val="000000"/>
-                      </a:solidFill>
-                      <a:prstDash val="solid"/>
-                      <a:round/>
-                      <a:headEnd type="none" w="med" len="med"/>
-                      <a:tailEnd type="none" w="med" len="med"/>
-                    </a:lnR>
-                    <a:lnT w="6350" cap="flat" cmpd="sng" algn="ctr">
-                      <a:solidFill>
-                        <a:srgbClr val="000000"/>
-                      </a:solidFill>
-                      <a:prstDash val="solid"/>
-                      <a:round/>
-                      <a:headEnd type="none" w="med" len="med"/>
-                      <a:tailEnd type="none" w="med" len="med"/>
-                    </a:lnT>
-                    <a:lnB w="6350" cap="flat" cmpd="sng" algn="ctr">
-                      <a:solidFill>
-                        <a:srgbClr val="000000"/>
-                      </a:solidFill>
-                      <a:prstDash val="solid"/>
-                      <a:round/>
-                      <a:headEnd type="none" w="med" len="med"/>
-                      <a:tailEnd type="none" w="med" len="med"/>
-                    </a:lnB>
-                    <a:solidFill>
-                      <a:srgbClr val="9BC2E6"/>
-                    </a:solidFill>
-                  </a:tcPr>
-                </a:tc>
-                <a:tc>
-                  <a:txBody>
-                    <a:bodyPr/>
-                    <a:lstStyle/>
-                    <a:p>
-                      <a:pPr algn="ctr" fontAlgn="ctr"/>
-                      <a:r>
-                        <a:rPr lang="en-US" sz="1100" b="0" i="0" u="none" strike="noStrike">
-                          <a:solidFill>
-                            <a:srgbClr val="000000"/>
-                          </a:solidFill>
-                          <a:effectLst/>
-                          <a:latin typeface="Calibri" panose="020F0502020204030204" pitchFamily="34" charset="0"/>
-                        </a:rPr>
-                        <a:t>2.245E-01</a:t>
-                      </a:r>
-                    </a:p>
-                  </a:txBody>
-                  <a:tcPr marL="9525" marR="9525" marT="9525" marB="0" anchor="ctr">
-                    <a:lnL w="12700" cap="flat" cmpd="sng" algn="ctr">
-                      <a:solidFill>
-                        <a:srgbClr val="000000"/>
-                      </a:solidFill>
-                      <a:prstDash val="solid"/>
-                      <a:round/>
-                      <a:headEnd type="none" w="med" len="med"/>
-                      <a:tailEnd type="none" w="med" len="med"/>
-                    </a:lnL>
-                    <a:lnR w="6350" cap="flat" cmpd="sng" algn="ctr">
-                      <a:solidFill>
-                        <a:srgbClr val="000000"/>
-                      </a:solidFill>
-                      <a:prstDash val="solid"/>
-                      <a:round/>
-                      <a:headEnd type="none" w="med" len="med"/>
-                      <a:tailEnd type="none" w="med" len="med"/>
-                    </a:lnR>
-                    <a:lnT w="6350" cap="flat" cmpd="sng" algn="ctr">
-                      <a:solidFill>
-                        <a:srgbClr val="000000"/>
-                      </a:solidFill>
-                      <a:prstDash val="solid"/>
-                      <a:round/>
-                      <a:headEnd type="none" w="med" len="med"/>
-                      <a:tailEnd type="none" w="med" len="med"/>
-                    </a:lnT>
-                    <a:lnB w="6350" cap="flat" cmpd="sng" algn="ctr">
-                      <a:solidFill>
-                        <a:srgbClr val="000000"/>
-                      </a:solidFill>
-                      <a:prstDash val="solid"/>
-                      <a:round/>
-                      <a:headEnd type="none" w="med" len="med"/>
-                      <a:tailEnd type="none" w="med" len="med"/>
-                    </a:lnB>
-                    <a:solidFill>
-                      <a:srgbClr val="9BC2E6"/>
-                    </a:solidFill>
-                  </a:tcPr>
-                </a:tc>
-                <a:tc>
-                  <a:txBody>
-                    <a:bodyPr/>
-                    <a:lstStyle/>
-                    <a:p>
-                      <a:pPr algn="ctr" fontAlgn="ctr"/>
-                      <a:r>
-                        <a:rPr lang="en-US" sz="1100" b="0" i="0" u="none" strike="noStrike">
-                          <a:solidFill>
-                            <a:srgbClr val="000000"/>
-                          </a:solidFill>
-                          <a:effectLst/>
-                          <a:latin typeface="Calibri" panose="020F0502020204030204" pitchFamily="34" charset="0"/>
-                        </a:rPr>
-                        <a:t>9.00E-05</a:t>
-                      </a:r>
-                    </a:p>
-                  </a:txBody>
-                  <a:tcPr marL="9525" marR="9525" marT="9525" marB="0" anchor="ctr">
-                    <a:lnL w="6350" cap="flat" cmpd="sng" algn="ctr">
-                      <a:solidFill>
-                        <a:srgbClr val="000000"/>
-                      </a:solidFill>
-                      <a:prstDash val="solid"/>
-                      <a:round/>
-                      <a:headEnd type="none" w="med" len="med"/>
-                      <a:tailEnd type="none" w="med" len="med"/>
-                    </a:lnL>
-                    <a:lnR w="12700" cap="flat" cmpd="sng" algn="ctr">
-                      <a:solidFill>
-                        <a:srgbClr val="000000"/>
-                      </a:solidFill>
-                      <a:prstDash val="solid"/>
-                      <a:round/>
-                      <a:headEnd type="none" w="med" len="med"/>
-                      <a:tailEnd type="none" w="med" len="med"/>
-                    </a:lnR>
-                    <a:lnT w="6350" cap="flat" cmpd="sng" algn="ctr">
-                      <a:solidFill>
-                        <a:srgbClr val="000000"/>
-                      </a:solidFill>
-                      <a:prstDash val="solid"/>
-                      <a:round/>
-                      <a:headEnd type="none" w="med" len="med"/>
-                      <a:tailEnd type="none" w="med" len="med"/>
-                    </a:lnT>
-                    <a:lnB w="6350" cap="flat" cmpd="sng" algn="ctr">
-                      <a:solidFill>
-                        <a:srgbClr val="000000"/>
-                      </a:solidFill>
-                      <a:prstDash val="solid"/>
-                      <a:round/>
-                      <a:headEnd type="none" w="med" len="med"/>
-                      <a:tailEnd type="none" w="med" len="med"/>
-                    </a:lnB>
-                    <a:solidFill>
-                      <a:srgbClr val="9BC2E6"/>
-                    </a:solidFill>
-                  </a:tcPr>
-                </a:tc>
-                <a:tc>
-                  <a:txBody>
-                    <a:bodyPr/>
-                    <a:lstStyle/>
-                    <a:p>
-                      <a:pPr algn="ctr" fontAlgn="ctr"/>
-                      <a:r>
-                        <a:rPr lang="en-US" sz="1100" b="0" i="0" u="none" strike="noStrike">
-                          <a:solidFill>
-                            <a:srgbClr val="000000"/>
-                          </a:solidFill>
-                          <a:effectLst/>
-                          <a:latin typeface="Calibri" panose="020F0502020204030204" pitchFamily="34" charset="0"/>
-                        </a:rPr>
-                        <a:t>5.490E-01</a:t>
-                      </a:r>
-                    </a:p>
-                  </a:txBody>
-                  <a:tcPr marL="9525" marR="9525" marT="9525" marB="0" anchor="ctr">
-                    <a:lnL w="12700" cap="flat" cmpd="sng" algn="ctr">
-                      <a:solidFill>
-                        <a:srgbClr val="000000"/>
-                      </a:solidFill>
-                      <a:prstDash val="solid"/>
-                      <a:round/>
-                      <a:headEnd type="none" w="med" len="med"/>
-                      <a:tailEnd type="none" w="med" len="med"/>
-                    </a:lnL>
-                    <a:lnR w="6350" cap="flat" cmpd="sng" algn="ctr">
-                      <a:solidFill>
-                        <a:srgbClr val="000000"/>
-                      </a:solidFill>
-                      <a:prstDash val="solid"/>
-                      <a:round/>
-                      <a:headEnd type="none" w="med" len="med"/>
-                      <a:tailEnd type="none" w="med" len="med"/>
-                    </a:lnR>
-                    <a:lnT w="6350" cap="flat" cmpd="sng" algn="ctr">
-                      <a:solidFill>
-                        <a:srgbClr val="000000"/>
-                      </a:solidFill>
-                      <a:prstDash val="solid"/>
-                      <a:round/>
-                      <a:headEnd type="none" w="med" len="med"/>
-                      <a:tailEnd type="none" w="med" len="med"/>
-                    </a:lnT>
-                    <a:lnB w="6350" cap="flat" cmpd="sng" algn="ctr">
-                      <a:solidFill>
-                        <a:srgbClr val="000000"/>
-                      </a:solidFill>
-                      <a:prstDash val="solid"/>
-                      <a:round/>
-                      <a:headEnd type="none" w="med" len="med"/>
-                      <a:tailEnd type="none" w="med" len="med"/>
-                    </a:lnB>
-                    <a:solidFill>
-                      <a:srgbClr val="9BC2E6"/>
-                    </a:solidFill>
-                  </a:tcPr>
-                </a:tc>
-                <a:tc>
-                  <a:txBody>
-                    <a:bodyPr/>
-                    <a:lstStyle/>
-                    <a:p>
-                      <a:pPr algn="ctr" fontAlgn="ctr"/>
-                      <a:r>
-                        <a:rPr lang="en-US" sz="1100" b="0" i="0" u="none" strike="noStrike">
-                          <a:solidFill>
-                            <a:srgbClr val="000000"/>
-                          </a:solidFill>
-                          <a:effectLst/>
-                          <a:latin typeface="Calibri" panose="020F0502020204030204" pitchFamily="34" charset="0"/>
-                        </a:rPr>
-                        <a:t>3.60E-04</a:t>
-                      </a:r>
-                    </a:p>
-                  </a:txBody>
-                  <a:tcPr marL="9525" marR="9525" marT="9525" marB="0" anchor="ctr">
-                    <a:lnL w="6350" cap="flat" cmpd="sng" algn="ctr">
-                      <a:solidFill>
-                        <a:srgbClr val="000000"/>
-                      </a:solidFill>
-                      <a:prstDash val="solid"/>
-                      <a:round/>
-                      <a:headEnd type="none" w="med" len="med"/>
-                      <a:tailEnd type="none" w="med" len="med"/>
-                    </a:lnL>
-                    <a:lnR w="12700" cap="flat" cmpd="sng" algn="ctr">
-                      <a:solidFill>
-                        <a:srgbClr val="000000"/>
-                      </a:solidFill>
-                      <a:prstDash val="solid"/>
-                      <a:round/>
-                      <a:headEnd type="none" w="med" len="med"/>
-                      <a:tailEnd type="none" w="med" len="med"/>
-                    </a:lnR>
-                    <a:lnT w="6350" cap="flat" cmpd="sng" algn="ctr">
-                      <a:solidFill>
-                        <a:srgbClr val="000000"/>
-                      </a:solidFill>
-                      <a:prstDash val="solid"/>
-                      <a:round/>
-                      <a:headEnd type="none" w="med" len="med"/>
-                      <a:tailEnd type="none" w="med" len="med"/>
-                    </a:lnT>
-                    <a:lnB w="6350" cap="flat" cmpd="sng" algn="ctr">
-                      <a:solidFill>
-                        <a:srgbClr val="000000"/>
-                      </a:solidFill>
-                      <a:prstDash val="solid"/>
-                      <a:round/>
-                      <a:headEnd type="none" w="med" len="med"/>
-                      <a:tailEnd type="none" w="med" len="med"/>
-                    </a:lnB>
-                    <a:solidFill>
-                      <a:srgbClr val="9BC2E6"/>
-                    </a:solidFill>
-                  </a:tcPr>
-                </a:tc>
-                <a:tc>
-                  <a:txBody>
-                    <a:bodyPr/>
-                    <a:lstStyle/>
-                    <a:p>
-                      <a:pPr algn="r" fontAlgn="b"/>
-                      <a:r>
-                        <a:rPr lang="en-US" sz="1100" b="0" i="0" u="none" strike="noStrike">
-                          <a:solidFill>
-                            <a:srgbClr val="000000"/>
-                          </a:solidFill>
-                          <a:effectLst/>
-                          <a:latin typeface="Calibri" panose="020F0502020204030204" pitchFamily="34" charset="0"/>
-                        </a:rPr>
-                        <a:t>9.141E-01</a:t>
-                      </a:r>
-                    </a:p>
-                  </a:txBody>
-                  <a:tcPr marL="9525" marR="9525" marT="9525" marB="0" anchor="b">
-                    <a:lnL w="12700" cap="flat" cmpd="sng" algn="ctr">
-                      <a:solidFill>
-                        <a:srgbClr val="000000"/>
-                      </a:solidFill>
-                      <a:prstDash val="solid"/>
-                      <a:round/>
-                      <a:headEnd type="none" w="med" len="med"/>
-                      <a:tailEnd type="none" w="med" len="med"/>
-                    </a:lnL>
-                    <a:lnR w="6350" cap="flat" cmpd="sng" algn="ctr">
-                      <a:solidFill>
-                        <a:srgbClr val="000000"/>
-                      </a:solidFill>
-                      <a:prstDash val="solid"/>
-                      <a:round/>
-                      <a:headEnd type="none" w="med" len="med"/>
-                      <a:tailEnd type="none" w="med" len="med"/>
-                    </a:lnR>
-                    <a:lnT w="6350" cap="flat" cmpd="sng" algn="ctr">
-                      <a:solidFill>
-                        <a:srgbClr val="000000"/>
-                      </a:solidFill>
-                      <a:prstDash val="solid"/>
-                      <a:round/>
-                      <a:headEnd type="none" w="med" len="med"/>
-                      <a:tailEnd type="none" w="med" len="med"/>
-                    </a:lnT>
-                    <a:lnB w="6350" cap="flat" cmpd="sng" algn="ctr">
-                      <a:solidFill>
-                        <a:srgbClr val="000000"/>
-                      </a:solidFill>
-                      <a:prstDash val="solid"/>
-                      <a:round/>
-                      <a:headEnd type="none" w="med" len="med"/>
-                      <a:tailEnd type="none" w="med" len="med"/>
-                    </a:lnB>
-                    <a:solidFill>
-                      <a:srgbClr val="9BC2E6"/>
-                    </a:solidFill>
-                  </a:tcPr>
-                </a:tc>
-                <a:tc>
-                  <a:txBody>
-                    <a:bodyPr/>
-                    <a:lstStyle/>
-                    <a:p>
-                      <a:pPr algn="r" fontAlgn="b"/>
-                      <a:r>
-                        <a:rPr lang="en-US" sz="1100" b="0" i="0" u="none" strike="noStrike">
-                          <a:solidFill>
-                            <a:srgbClr val="000000"/>
-                          </a:solidFill>
-                          <a:effectLst/>
-                          <a:latin typeface="Calibri" panose="020F0502020204030204" pitchFamily="34" charset="0"/>
-                        </a:rPr>
-                        <a:t>2.50E-03</a:t>
-                      </a:r>
-                    </a:p>
-                  </a:txBody>
-                  <a:tcPr marL="9525" marR="9525" marT="9525" marB="0" anchor="b">
-                    <a:lnL w="6350" cap="flat" cmpd="sng" algn="ctr">
-                      <a:solidFill>
-                        <a:srgbClr val="000000"/>
-                      </a:solidFill>
-                      <a:prstDash val="solid"/>
-                      <a:round/>
-                      <a:headEnd type="none" w="med" len="med"/>
-                      <a:tailEnd type="none" w="med" len="med"/>
-                    </a:lnL>
-                    <a:lnR w="12700" cap="flat" cmpd="sng" algn="ctr">
-                      <a:solidFill>
-                        <a:srgbClr val="000000"/>
-                      </a:solidFill>
-                      <a:prstDash val="solid"/>
-                      <a:round/>
-                      <a:headEnd type="none" w="med" len="med"/>
-                      <a:tailEnd type="none" w="med" len="med"/>
-                    </a:lnR>
-                    <a:lnT w="6350" cap="flat" cmpd="sng" algn="ctr">
-                      <a:solidFill>
-                        <a:srgbClr val="000000"/>
-                      </a:solidFill>
-                      <a:prstDash val="solid"/>
-                      <a:round/>
-                      <a:headEnd type="none" w="med" len="med"/>
-                      <a:tailEnd type="none" w="med" len="med"/>
-                    </a:lnT>
-                    <a:lnB w="6350" cap="flat" cmpd="sng" algn="ctr">
-                      <a:solidFill>
-                        <a:srgbClr val="000000"/>
-                      </a:solidFill>
-                      <a:prstDash val="solid"/>
-                      <a:round/>
-                      <a:headEnd type="none" w="med" len="med"/>
-                      <a:tailEnd type="none" w="med" len="med"/>
-                    </a:lnB>
-                    <a:solidFill>
-                      <a:srgbClr val="9BC2E6"/>
-                    </a:solidFill>
-                  </a:tcPr>
-                </a:tc>
-                <a:tc>
-                  <a:txBody>
-                    <a:bodyPr/>
-                    <a:lstStyle/>
-                    <a:p>
-                      <a:pPr algn="ctr" fontAlgn="ctr"/>
-                      <a:r>
-                        <a:rPr lang="en-US" sz="1100" b="0" i="0" u="none" strike="noStrike">
-                          <a:solidFill>
-                            <a:srgbClr val="000000"/>
-                          </a:solidFill>
-                          <a:effectLst/>
-                          <a:latin typeface="Calibri" panose="020F0502020204030204" pitchFamily="34" charset="0"/>
-                        </a:rPr>
-                        <a:t>-</a:t>
-                      </a:r>
-                    </a:p>
-                  </a:txBody>
-                  <a:tcPr marL="9525" marR="9525" marT="9525" marB="0" anchor="ctr">
-                    <a:lnL w="12700" cap="flat" cmpd="sng" algn="ctr">
-                      <a:solidFill>
-                        <a:srgbClr val="000000"/>
-                      </a:solidFill>
-                      <a:prstDash val="solid"/>
-                      <a:round/>
-                      <a:headEnd type="none" w="med" len="med"/>
-                      <a:tailEnd type="none" w="med" len="med"/>
-                    </a:lnL>
-                    <a:lnR w="6350" cap="flat" cmpd="sng" algn="ctr">
-                      <a:solidFill>
-                        <a:srgbClr val="000000"/>
-                      </a:solidFill>
-                      <a:prstDash val="solid"/>
-                      <a:round/>
-                      <a:headEnd type="none" w="med" len="med"/>
-                      <a:tailEnd type="none" w="med" len="med"/>
-                    </a:lnR>
-                    <a:lnT w="6350" cap="flat" cmpd="sng" algn="ctr">
-                      <a:solidFill>
-                        <a:srgbClr val="000000"/>
-                      </a:solidFill>
-                      <a:prstDash val="solid"/>
-                      <a:round/>
-                      <a:headEnd type="none" w="med" len="med"/>
-                      <a:tailEnd type="none" w="med" len="med"/>
-                    </a:lnT>
-                    <a:lnB w="12700" cap="flat" cmpd="sng" algn="ctr">
-                      <a:solidFill>
-                        <a:srgbClr val="000000"/>
-                      </a:solidFill>
-                      <a:prstDash val="solid"/>
-                      <a:round/>
-                      <a:headEnd type="none" w="med" len="med"/>
-                      <a:tailEnd type="none" w="med" len="med"/>
-                    </a:lnB>
-                    <a:solidFill>
-                      <a:srgbClr val="FF0000"/>
-                    </a:solidFill>
-                  </a:tcPr>
-                </a:tc>
-                <a:tc>
-                  <a:txBody>
-                    <a:bodyPr/>
-                    <a:lstStyle/>
-                    <a:p>
-                      <a:pPr algn="ctr" fontAlgn="ctr"/>
-                      <a:r>
-                        <a:rPr lang="en-US" sz="1100" b="0" i="0" u="none" strike="noStrike">
-                          <a:solidFill>
-                            <a:srgbClr val="000000"/>
-                          </a:solidFill>
-                          <a:effectLst/>
-                          <a:latin typeface="Calibri" panose="020F0502020204030204" pitchFamily="34" charset="0"/>
-                        </a:rPr>
-                        <a:t>-</a:t>
-                      </a:r>
-                    </a:p>
-                  </a:txBody>
-                  <a:tcPr marL="9525" marR="9525" marT="9525" marB="0" anchor="ctr">
-                    <a:lnL w="6350" cap="flat" cmpd="sng" algn="ctr">
-                      <a:solidFill>
-                        <a:srgbClr val="000000"/>
-                      </a:solidFill>
-                      <a:prstDash val="solid"/>
-                      <a:round/>
-                      <a:headEnd type="none" w="med" len="med"/>
-                      <a:tailEnd type="none" w="med" len="med"/>
-                    </a:lnL>
-                    <a:lnR w="6350" cap="flat" cmpd="sng" algn="ctr">
-                      <a:solidFill>
-                        <a:srgbClr val="000000"/>
-                      </a:solidFill>
-                      <a:prstDash val="solid"/>
-                      <a:round/>
-                      <a:headEnd type="none" w="med" len="med"/>
-                      <a:tailEnd type="none" w="med" len="med"/>
-                    </a:lnR>
-                    <a:lnT w="6350" cap="flat" cmpd="sng" algn="ctr">
-                      <a:solidFill>
-                        <a:srgbClr val="000000"/>
-                      </a:solidFill>
-                      <a:prstDash val="solid"/>
-                      <a:round/>
-                      <a:headEnd type="none" w="med" len="med"/>
-                      <a:tailEnd type="none" w="med" len="med"/>
-                    </a:lnT>
-                    <a:lnB w="12700" cap="flat" cmpd="sng" algn="ctr">
-                      <a:solidFill>
-                        <a:srgbClr val="000000"/>
-                      </a:solidFill>
-                      <a:prstDash val="solid"/>
-                      <a:round/>
-                      <a:headEnd type="none" w="med" len="med"/>
-                      <a:tailEnd type="none" w="med" len="med"/>
-                    </a:lnB>
-                    <a:solidFill>
-                      <a:srgbClr val="FF0000"/>
-                    </a:solidFill>
-                  </a:tcPr>
-                </a:tc>
-                <a:tc>
-                  <a:txBody>
-                    <a:bodyPr/>
-                    <a:lstStyle/>
-                    <a:p>
-                      <a:pPr algn="ctr" fontAlgn="ctr"/>
-                      <a:r>
-                        <a:rPr lang="en-US" sz="1100" b="0" i="0" u="none" strike="noStrike" dirty="0">
-                          <a:solidFill>
-                            <a:srgbClr val="000000"/>
-                          </a:solidFill>
-                          <a:effectLst/>
-                          <a:latin typeface="Calibri" panose="020F0502020204030204" pitchFamily="34" charset="0"/>
-                        </a:rPr>
-                        <a:t>-</a:t>
-                      </a:r>
-                    </a:p>
-                  </a:txBody>
-                  <a:tcPr marL="9525" marR="9525" marT="9525" marB="0" anchor="ctr">
-                    <a:lnL w="6350" cap="flat" cmpd="sng" algn="ctr">
-                      <a:solidFill>
-                        <a:srgbClr val="000000"/>
-                      </a:solidFill>
-                      <a:prstDash val="solid"/>
-                      <a:round/>
-                      <a:headEnd type="none" w="med" len="med"/>
-                      <a:tailEnd type="none" w="med" len="med"/>
-                    </a:lnL>
-                    <a:lnR w="12700" cap="flat" cmpd="sng" algn="ctr">
-                      <a:solidFill>
-                        <a:srgbClr val="000000"/>
-                      </a:solidFill>
-                      <a:prstDash val="solid"/>
-                      <a:round/>
-                      <a:headEnd type="none" w="med" len="med"/>
-                      <a:tailEnd type="none" w="med" len="med"/>
-                    </a:lnR>
-                    <a:lnT w="6350" cap="flat" cmpd="sng" algn="ctr">
-                      <a:solidFill>
-                        <a:srgbClr val="000000"/>
-                      </a:solidFill>
-                      <a:prstDash val="solid"/>
-                      <a:round/>
-                      <a:headEnd type="none" w="med" len="med"/>
-                      <a:tailEnd type="none" w="med" len="med"/>
-                    </a:lnT>
-                    <a:lnB w="12700" cap="flat" cmpd="sng" algn="ctr">
-                      <a:solidFill>
-                        <a:srgbClr val="000000"/>
-                      </a:solidFill>
-                      <a:prstDash val="solid"/>
-                      <a:round/>
-                      <a:headEnd type="none" w="med" len="med"/>
-                      <a:tailEnd type="none" w="med" len="med"/>
-                    </a:lnB>
-                    <a:solidFill>
-                      <a:srgbClr val="FF0000"/>
-                    </a:solidFill>
-                  </a:tcPr>
-                </a:tc>
-                <a:extLst>
-                  <a:ext uri="{0D108BD9-81ED-4DB2-BD59-A6C34878D82A}">
-                    <a16:rowId xmlns:a16="http://schemas.microsoft.com/office/drawing/2014/main" val="1482403703"/>
-                  </a:ext>
-                </a:extLst>
-              </a:tr>
-            </a:tbl>
-          </a:graphicData>
-        </a:graphic>
-      </p:graphicFrame>
+        </p:nvPicPr>
+        <p:blipFill>
+          <a:blip r:embed="rId2"/>
+          <a:stretch>
+            <a:fillRect/>
+          </a:stretch>
+        </p:blipFill>
+        <p:spPr>
+          <a:xfrm>
+            <a:off x="1000125" y="2262981"/>
+            <a:ext cx="10191750" cy="3476625"/>
+          </a:xfrm>
+          <a:prstGeom prst="rect">
+            <a:avLst/>
+          </a:prstGeom>
+        </p:spPr>
+      </p:pic>
     </p:spTree>
     <p:extLst>
       <p:ext uri="{BB962C8B-B14F-4D97-AF65-F5344CB8AC3E}">
@@ -15910,7 +7732,7 @@
           <a:graphicData uri="http://schemas.openxmlformats.org/presentationml/2006/ole">
             <mc:AlternateContent xmlns:mc="http://schemas.openxmlformats.org/markup-compatibility/2006">
               <mc:Choice xmlns:v="urn:schemas-microsoft-com:vml" Requires="v">
-                <p:oleObj spid="_x0000_s3101" name="Worksheet" r:id="rId3" imgW="12049071" imgH="5048199" progId="Excel.Sheet.12">
+                <p:oleObj spid="_x0000_s3103" name="Worksheet" r:id="rId3" imgW="12049071" imgH="5048199" progId="Excel.Sheet.12">
                   <p:embed/>
                 </p:oleObj>
               </mc:Choice>

--- a/general/Images.pptx
+++ b/general/Images.pptx
@@ -19,6 +19,8 @@
     <p:sldId id="267" r:id="rId13"/>
     <p:sldId id="268" r:id="rId14"/>
     <p:sldId id="269" r:id="rId15"/>
+    <p:sldId id="271" r:id="rId16"/>
+    <p:sldId id="270" r:id="rId17"/>
   </p:sldIdLst>
   <p:sldSz cx="12192000" cy="6858000"/>
   <p:notesSz cx="6858000" cy="9144000"/>
@@ -272,7 +274,7 @@
           <a:p>
             <a:fld id="{EEAF73AA-7651-4CF2-A5D8-7E714E2EA7AF}" type="datetimeFigureOut">
               <a:rPr lang="en-US" smtClean="0"/>
-              <a:t>5/21/2020</a:t>
+              <a:t>5/22/2020</a:t>
             </a:fld>
             <a:endParaRPr lang="en-US"/>
           </a:p>
@@ -470,7 +472,7 @@
           <a:p>
             <a:fld id="{EEAF73AA-7651-4CF2-A5D8-7E714E2EA7AF}" type="datetimeFigureOut">
               <a:rPr lang="en-US" smtClean="0"/>
-              <a:t>5/21/2020</a:t>
+              <a:t>5/22/2020</a:t>
             </a:fld>
             <a:endParaRPr lang="en-US"/>
           </a:p>
@@ -678,7 +680,7 @@
           <a:p>
             <a:fld id="{EEAF73AA-7651-4CF2-A5D8-7E714E2EA7AF}" type="datetimeFigureOut">
               <a:rPr lang="en-US" smtClean="0"/>
-              <a:t>5/21/2020</a:t>
+              <a:t>5/22/2020</a:t>
             </a:fld>
             <a:endParaRPr lang="en-US"/>
           </a:p>
@@ -876,7 +878,7 @@
           <a:p>
             <a:fld id="{EEAF73AA-7651-4CF2-A5D8-7E714E2EA7AF}" type="datetimeFigureOut">
               <a:rPr lang="en-US" smtClean="0"/>
-              <a:t>5/21/2020</a:t>
+              <a:t>5/22/2020</a:t>
             </a:fld>
             <a:endParaRPr lang="en-US"/>
           </a:p>
@@ -1151,7 +1153,7 @@
           <a:p>
             <a:fld id="{EEAF73AA-7651-4CF2-A5D8-7E714E2EA7AF}" type="datetimeFigureOut">
               <a:rPr lang="en-US" smtClean="0"/>
-              <a:t>5/21/2020</a:t>
+              <a:t>5/22/2020</a:t>
             </a:fld>
             <a:endParaRPr lang="en-US"/>
           </a:p>
@@ -1416,7 +1418,7 @@
           <a:p>
             <a:fld id="{EEAF73AA-7651-4CF2-A5D8-7E714E2EA7AF}" type="datetimeFigureOut">
               <a:rPr lang="en-US" smtClean="0"/>
-              <a:t>5/21/2020</a:t>
+              <a:t>5/22/2020</a:t>
             </a:fld>
             <a:endParaRPr lang="en-US"/>
           </a:p>
@@ -1828,7 +1830,7 @@
           <a:p>
             <a:fld id="{EEAF73AA-7651-4CF2-A5D8-7E714E2EA7AF}" type="datetimeFigureOut">
               <a:rPr lang="en-US" smtClean="0"/>
-              <a:t>5/21/2020</a:t>
+              <a:t>5/22/2020</a:t>
             </a:fld>
             <a:endParaRPr lang="en-US"/>
           </a:p>
@@ -1969,7 +1971,7 @@
           <a:p>
             <a:fld id="{EEAF73AA-7651-4CF2-A5D8-7E714E2EA7AF}" type="datetimeFigureOut">
               <a:rPr lang="en-US" smtClean="0"/>
-              <a:t>5/21/2020</a:t>
+              <a:t>5/22/2020</a:t>
             </a:fld>
             <a:endParaRPr lang="en-US"/>
           </a:p>
@@ -2082,7 +2084,7 @@
           <a:p>
             <a:fld id="{EEAF73AA-7651-4CF2-A5D8-7E714E2EA7AF}" type="datetimeFigureOut">
               <a:rPr lang="en-US" smtClean="0"/>
-              <a:t>5/21/2020</a:t>
+              <a:t>5/22/2020</a:t>
             </a:fld>
             <a:endParaRPr lang="en-US"/>
           </a:p>
@@ -2393,7 +2395,7 @@
           <a:p>
             <a:fld id="{EEAF73AA-7651-4CF2-A5D8-7E714E2EA7AF}" type="datetimeFigureOut">
               <a:rPr lang="en-US" smtClean="0"/>
-              <a:t>5/21/2020</a:t>
+              <a:t>5/22/2020</a:t>
             </a:fld>
             <a:endParaRPr lang="en-US"/>
           </a:p>
@@ -2681,7 +2683,7 @@
           <a:p>
             <a:fld id="{EEAF73AA-7651-4CF2-A5D8-7E714E2EA7AF}" type="datetimeFigureOut">
               <a:rPr lang="en-US" smtClean="0"/>
-              <a:t>5/21/2020</a:t>
+              <a:t>5/22/2020</a:t>
             </a:fld>
             <a:endParaRPr lang="en-US"/>
           </a:p>
@@ -2922,7 +2924,7 @@
           <a:p>
             <a:fld id="{EEAF73AA-7651-4CF2-A5D8-7E714E2EA7AF}" type="datetimeFigureOut">
               <a:rPr lang="en-US" smtClean="0"/>
-              <a:t>5/21/2020</a:t>
+              <a:t>5/22/2020</a:t>
             </a:fld>
             <a:endParaRPr lang="en-US"/>
           </a:p>
@@ -4173,10 +4175,10 @@
       </p:sp>
       <p:pic>
         <p:nvPicPr>
-          <p:cNvPr id="5" name="Content Placeholder 4">
-            <a:extLst>
-              <a:ext uri="{FF2B5EF4-FFF2-40B4-BE49-F238E27FC236}">
-                <a16:creationId xmlns:a16="http://schemas.microsoft.com/office/drawing/2014/main" id="{269FE0C9-9340-4FD5-AE99-7E1C1E619BFA}"/>
+          <p:cNvPr id="6" name="Content Placeholder 5">
+            <a:extLst>
+              <a:ext uri="{FF2B5EF4-FFF2-40B4-BE49-F238E27FC236}">
+                <a16:creationId xmlns:a16="http://schemas.microsoft.com/office/drawing/2014/main" id="{8F88843F-6409-42EB-ACF0-112A4D5DF433}"/>
               </a:ext>
             </a:extLst>
           </p:cNvPr>
@@ -4195,8 +4197,8 @@
         </p:blipFill>
         <p:spPr>
           <a:xfrm>
-            <a:off x="1000125" y="2262981"/>
-            <a:ext cx="10191750" cy="3476625"/>
+            <a:off x="1106079" y="1768030"/>
+            <a:ext cx="10325382" cy="3735148"/>
           </a:xfrm>
           <a:prstGeom prst="rect">
             <a:avLst/>
@@ -4207,6 +4209,180 @@
     <p:extLst>
       <p:ext uri="{BB962C8B-B14F-4D97-AF65-F5344CB8AC3E}">
         <p14:creationId xmlns:p14="http://schemas.microsoft.com/office/powerpoint/2010/main" val="949682631"/>
+      </p:ext>
+    </p:extLst>
+  </p:cSld>
+  <p:clrMapOvr>
+    <a:masterClrMapping/>
+  </p:clrMapOvr>
+</p:sld>
+</file>
+
+<file path=ppt/slides/slide15.xml><?xml version="1.0" encoding="utf-8"?>
+<p:sld xmlns:a="http://schemas.openxmlformats.org/drawingml/2006/main" xmlns:r="http://schemas.openxmlformats.org/officeDocument/2006/relationships" xmlns:p="http://schemas.openxmlformats.org/presentationml/2006/main">
+  <p:cSld>
+    <p:spTree>
+      <p:nvGrpSpPr>
+        <p:cNvPr id="1" name=""/>
+        <p:cNvGrpSpPr/>
+        <p:nvPr/>
+      </p:nvGrpSpPr>
+      <p:grpSpPr>
+        <a:xfrm>
+          <a:off x="0" y="0"/>
+          <a:ext cx="0" cy="0"/>
+          <a:chOff x="0" y="0"/>
+          <a:chExt cx="0" cy="0"/>
+        </a:xfrm>
+      </p:grpSpPr>
+      <p:sp>
+        <p:nvSpPr>
+          <p:cNvPr id="2" name="Title 1">
+            <a:extLst>
+              <a:ext uri="{FF2B5EF4-FFF2-40B4-BE49-F238E27FC236}">
+                <a16:creationId xmlns:a16="http://schemas.microsoft.com/office/drawing/2014/main" id="{CDE138CB-FDBD-4A50-994F-57BECAA6BDFE}"/>
+              </a:ext>
+            </a:extLst>
+          </p:cNvPr>
+          <p:cNvSpPr>
+            <a:spLocks noGrp="1"/>
+          </p:cNvSpPr>
+          <p:nvPr>
+            <p:ph type="title"/>
+          </p:nvPr>
+        </p:nvSpPr>
+        <p:spPr/>
+        <p:txBody>
+          <a:bodyPr/>
+          <a:lstStyle/>
+          <a:p>
+            <a:endParaRPr lang="en-US"/>
+          </a:p>
+        </p:txBody>
+      </p:sp>
+      <p:pic>
+        <p:nvPicPr>
+          <p:cNvPr id="7" name="Content Placeholder 6">
+            <a:extLst>
+              <a:ext uri="{FF2B5EF4-FFF2-40B4-BE49-F238E27FC236}">
+                <a16:creationId xmlns:a16="http://schemas.microsoft.com/office/drawing/2014/main" id="{9CF6DF69-7F97-4CD9-B193-38A0EF637CE3}"/>
+              </a:ext>
+            </a:extLst>
+          </p:cNvPr>
+          <p:cNvPicPr>
+            <a:picLocks noGrp="1" noChangeAspect="1"/>
+          </p:cNvPicPr>
+          <p:nvPr>
+            <p:ph idx="1"/>
+          </p:nvPr>
+        </p:nvPicPr>
+        <p:blipFill>
+          <a:blip r:embed="rId2"/>
+          <a:stretch>
+            <a:fillRect/>
+          </a:stretch>
+        </p:blipFill>
+        <p:spPr>
+          <a:xfrm>
+            <a:off x="1653270" y="2290195"/>
+            <a:ext cx="8765858" cy="3598877"/>
+          </a:xfrm>
+          <a:prstGeom prst="rect">
+            <a:avLst/>
+          </a:prstGeom>
+        </p:spPr>
+      </p:pic>
+    </p:spTree>
+    <p:extLst>
+      <p:ext uri="{BB962C8B-B14F-4D97-AF65-F5344CB8AC3E}">
+        <p14:creationId xmlns:p14="http://schemas.microsoft.com/office/powerpoint/2010/main" val="3209974997"/>
+      </p:ext>
+    </p:extLst>
+  </p:cSld>
+  <p:clrMapOvr>
+    <a:masterClrMapping/>
+  </p:clrMapOvr>
+</p:sld>
+</file>
+
+<file path=ppt/slides/slide16.xml><?xml version="1.0" encoding="utf-8"?>
+<p:sld xmlns:a="http://schemas.openxmlformats.org/drawingml/2006/main" xmlns:r="http://schemas.openxmlformats.org/officeDocument/2006/relationships" xmlns:p="http://schemas.openxmlformats.org/presentationml/2006/main">
+  <p:cSld>
+    <p:spTree>
+      <p:nvGrpSpPr>
+        <p:cNvPr id="1" name=""/>
+        <p:cNvGrpSpPr/>
+        <p:nvPr/>
+      </p:nvGrpSpPr>
+      <p:grpSpPr>
+        <a:xfrm>
+          <a:off x="0" y="0"/>
+          <a:ext cx="0" cy="0"/>
+          <a:chOff x="0" y="0"/>
+          <a:chExt cx="0" cy="0"/>
+        </a:xfrm>
+      </p:grpSpPr>
+      <p:sp>
+        <p:nvSpPr>
+          <p:cNvPr id="2" name="Title 1">
+            <a:extLst>
+              <a:ext uri="{FF2B5EF4-FFF2-40B4-BE49-F238E27FC236}">
+                <a16:creationId xmlns:a16="http://schemas.microsoft.com/office/drawing/2014/main" id="{367253C2-E380-42EA-A7E0-4B036F41297B}"/>
+              </a:ext>
+            </a:extLst>
+          </p:cNvPr>
+          <p:cNvSpPr>
+            <a:spLocks noGrp="1"/>
+          </p:cNvSpPr>
+          <p:nvPr>
+            <p:ph type="title"/>
+          </p:nvPr>
+        </p:nvSpPr>
+        <p:spPr/>
+        <p:txBody>
+          <a:bodyPr/>
+          <a:lstStyle/>
+          <a:p>
+            <a:endParaRPr lang="en-US"/>
+          </a:p>
+        </p:txBody>
+      </p:sp>
+      <p:pic>
+        <p:nvPicPr>
+          <p:cNvPr id="4" name="Content Placeholder 3">
+            <a:extLst>
+              <a:ext uri="{FF2B5EF4-FFF2-40B4-BE49-F238E27FC236}">
+                <a16:creationId xmlns:a16="http://schemas.microsoft.com/office/drawing/2014/main" id="{489676F6-1F4B-4BDB-83F6-1499944470B3}"/>
+              </a:ext>
+            </a:extLst>
+          </p:cNvPr>
+          <p:cNvPicPr>
+            <a:picLocks noGrp="1" noChangeAspect="1"/>
+          </p:cNvPicPr>
+          <p:nvPr>
+            <p:ph idx="1"/>
+          </p:nvPr>
+        </p:nvPicPr>
+        <p:blipFill>
+          <a:blip r:embed="rId2"/>
+          <a:stretch>
+            <a:fillRect/>
+          </a:stretch>
+        </p:blipFill>
+        <p:spPr>
+          <a:xfrm>
+            <a:off x="1249959" y="2011142"/>
+            <a:ext cx="9457888" cy="4045506"/>
+          </a:xfrm>
+          <a:prstGeom prst="rect">
+            <a:avLst/>
+          </a:prstGeom>
+        </p:spPr>
+      </p:pic>
+    </p:spTree>
+    <p:extLst>
+      <p:ext uri="{BB962C8B-B14F-4D97-AF65-F5344CB8AC3E}">
+        <p14:creationId xmlns:p14="http://schemas.microsoft.com/office/powerpoint/2010/main" val="423743110"/>
       </p:ext>
     </p:extLst>
   </p:cSld>
@@ -7732,7 +7908,7 @@
           <a:graphicData uri="http://schemas.openxmlformats.org/presentationml/2006/ole">
             <mc:AlternateContent xmlns:mc="http://schemas.openxmlformats.org/markup-compatibility/2006">
               <mc:Choice xmlns:v="urn:schemas-microsoft-com:vml" Requires="v">
-                <p:oleObj spid="_x0000_s3103" name="Worksheet" r:id="rId3" imgW="12049071" imgH="5048199" progId="Excel.Sheet.12">
+                <p:oleObj spid="_x0000_s3105" name="Worksheet" r:id="rId3" imgW="12049071" imgH="5048199" progId="Excel.Sheet.12">
                   <p:embed/>
                 </p:oleObj>
               </mc:Choice>
